--- a/extras/docs/rdc_presentacion.pptx
+++ b/extras/docs/rdc_presentacion.pptx
@@ -2,23 +2,27 @@
 <file path=ppt/presentation.xml><?xml version="1.0" encoding="utf-8"?>
 <p:presentation xmlns:a="http://schemas.openxmlformats.org/drawingml/2006/main" xmlns:r="http://schemas.openxmlformats.org/officeDocument/2006/relationships" xmlns:p="http://schemas.openxmlformats.org/presentationml/2006/main" saveSubsetFonts="1">
   <p:sldMasterIdLst>
-    <p:sldMasterId id="2147483660" r:id="rId1"/>
+    <p:sldMasterId id="2147483735" r:id="rId1"/>
   </p:sldMasterIdLst>
   <p:sldIdLst>
     <p:sldId id="256" r:id="rId2"/>
-    <p:sldId id="257" r:id="rId3"/>
-    <p:sldId id="258" r:id="rId4"/>
-    <p:sldId id="259" r:id="rId5"/>
-    <p:sldId id="260" r:id="rId6"/>
-    <p:sldId id="261" r:id="rId7"/>
-    <p:sldId id="266" r:id="rId8"/>
+    <p:sldId id="258" r:id="rId3"/>
+    <p:sldId id="259" r:id="rId4"/>
+    <p:sldId id="260" r:id="rId5"/>
+    <p:sldId id="261" r:id="rId6"/>
+    <p:sldId id="266" r:id="rId7"/>
+    <p:sldId id="270" r:id="rId8"/>
     <p:sldId id="267" r:id="rId9"/>
-    <p:sldId id="268" r:id="rId10"/>
-    <p:sldId id="269" r:id="rId11"/>
-    <p:sldId id="262" r:id="rId12"/>
-    <p:sldId id="263" r:id="rId13"/>
-    <p:sldId id="264" r:id="rId14"/>
-    <p:sldId id="265" r:id="rId15"/>
+    <p:sldId id="269" r:id="rId10"/>
+    <p:sldId id="272" r:id="rId11"/>
+    <p:sldId id="273" r:id="rId12"/>
+    <p:sldId id="274" r:id="rId13"/>
+    <p:sldId id="271" r:id="rId14"/>
+    <p:sldId id="275" r:id="rId15"/>
+    <p:sldId id="262" r:id="rId16"/>
+    <p:sldId id="263" r:id="rId17"/>
+    <p:sldId id="264" r:id="rId18"/>
+    <p:sldId id="265" r:id="rId19"/>
   </p:sldIdLst>
   <p:sldSz cx="9144000" cy="6858000" type="screen4x3"/>
   <p:notesSz cx="6858000" cy="9144000"/>
@@ -117,12 +121,28 @@
       </a:defRPr>
     </a:lvl9pPr>
   </p:defaultTextStyle>
+  <p:extLst>
+    <p:ext uri="{EFAFB233-063F-42B5-8137-9DF3F51BA10A}">
+      <p15:sldGuideLst xmlns:p15="http://schemas.microsoft.com/office/powerpoint/2012/main">
+        <p15:guide id="1" orient="horz" pos="2160">
+          <p15:clr>
+            <a:srgbClr val="A4A3A4"/>
+          </p15:clr>
+        </p15:guide>
+        <p15:guide id="2" pos="2880">
+          <p15:clr>
+            <a:srgbClr val="A4A3A4"/>
+          </p15:clr>
+        </p15:guide>
+      </p15:sldGuideLst>
+    </p:ext>
+  </p:extLst>
 </p:presentation>
 </file>
 
 <file path=ppt/slideLayouts/slideLayout1.xml><?xml version="1.0" encoding="utf-8"?>
-<p:sldLayout xmlns:a="http://schemas.openxmlformats.org/drawingml/2006/main" xmlns:r="http://schemas.openxmlformats.org/officeDocument/2006/relationships" xmlns:p="http://schemas.openxmlformats.org/presentationml/2006/main" type="title" preserve="1">
-  <p:cSld name="Diapositiva de título">
+<p:sldLayout xmlns:a="http://schemas.openxmlformats.org/drawingml/2006/main" xmlns:r="http://schemas.openxmlformats.org/officeDocument/2006/relationships" xmlns:p="http://schemas.openxmlformats.org/presentationml/2006/main" showMasterSp="0" type="title" preserve="1">
+  <p:cSld name="Title Slide">
     <p:spTree>
       <p:nvGrpSpPr>
         <p:cNvPr id="1" name=""/>
@@ -137,6 +157,608 @@
           <a:chExt cx="0" cy="0"/>
         </a:xfrm>
       </p:grpSpPr>
+      <p:grpSp>
+        <p:nvGrpSpPr>
+          <p:cNvPr id="7" name="Group 6"/>
+          <p:cNvGrpSpPr/>
+          <p:nvPr/>
+        </p:nvGrpSpPr>
+        <p:grpSpPr>
+          <a:xfrm>
+            <a:off x="-8466" y="-8468"/>
+            <a:ext cx="9169804" cy="6874935"/>
+            <a:chOff x="-8466" y="-8468"/>
+            <a:chExt cx="9169804" cy="6874935"/>
+          </a:xfrm>
+        </p:grpSpPr>
+        <p:cxnSp>
+          <p:nvCxnSpPr>
+            <p:cNvPr id="17" name="Straight Connector 16"/>
+            <p:cNvCxnSpPr/>
+            <p:nvPr/>
+          </p:nvCxnSpPr>
+          <p:spPr>
+            <a:xfrm flipV="1">
+              <a:off x="5130830" y="4175605"/>
+              <a:ext cx="4022475" cy="2682396"/>
+            </a:xfrm>
+            <a:prstGeom prst="line">
+              <a:avLst/>
+            </a:prstGeom>
+            <a:ln w="9525">
+              <a:solidFill>
+                <a:schemeClr val="bg1">
+                  <a:lumMod val="85000"/>
+                </a:schemeClr>
+              </a:solidFill>
+            </a:ln>
+          </p:spPr>
+          <p:style>
+            <a:lnRef idx="2">
+              <a:schemeClr val="accent1"/>
+            </a:lnRef>
+            <a:fillRef idx="0">
+              <a:schemeClr val="accent1"/>
+            </a:fillRef>
+            <a:effectRef idx="1">
+              <a:schemeClr val="accent1"/>
+            </a:effectRef>
+            <a:fontRef idx="minor">
+              <a:schemeClr val="tx1"/>
+            </a:fontRef>
+          </p:style>
+        </p:cxnSp>
+        <p:cxnSp>
+          <p:nvCxnSpPr>
+            <p:cNvPr id="18" name="Straight Connector 17"/>
+            <p:cNvCxnSpPr/>
+            <p:nvPr/>
+          </p:nvCxnSpPr>
+          <p:spPr>
+            <a:xfrm>
+              <a:off x="7042707" y="0"/>
+              <a:ext cx="1219200" cy="6858000"/>
+            </a:xfrm>
+            <a:prstGeom prst="line">
+              <a:avLst/>
+            </a:prstGeom>
+            <a:ln w="9525">
+              <a:solidFill>
+                <a:schemeClr val="bg1">
+                  <a:lumMod val="75000"/>
+                </a:schemeClr>
+              </a:solidFill>
+            </a:ln>
+          </p:spPr>
+          <p:style>
+            <a:lnRef idx="2">
+              <a:schemeClr val="accent1"/>
+            </a:lnRef>
+            <a:fillRef idx="0">
+              <a:schemeClr val="accent1"/>
+            </a:fillRef>
+            <a:effectRef idx="1">
+              <a:schemeClr val="accent1"/>
+            </a:effectRef>
+            <a:fontRef idx="minor">
+              <a:schemeClr val="tx1"/>
+            </a:fontRef>
+          </p:style>
+        </p:cxnSp>
+        <p:sp>
+          <p:nvSpPr>
+            <p:cNvPr id="19" name="Freeform 18"/>
+            <p:cNvSpPr/>
+            <p:nvPr/>
+          </p:nvSpPr>
+          <p:spPr>
+            <a:xfrm>
+              <a:off x="6891896" y="1"/>
+              <a:ext cx="2269442" cy="6866466"/>
+            </a:xfrm>
+            <a:custGeom>
+              <a:avLst/>
+              <a:gdLst/>
+              <a:ahLst/>
+              <a:cxnLst/>
+              <a:rect l="l" t="t" r="r" b="b"/>
+              <a:pathLst>
+                <a:path w="2269442" h="6866466">
+                  <a:moveTo>
+                    <a:pt x="2023534" y="0"/>
+                  </a:moveTo>
+                  <a:lnTo>
+                    <a:pt x="0" y="6858000"/>
+                  </a:lnTo>
+                  <a:lnTo>
+                    <a:pt x="2269067" y="6866466"/>
+                  </a:lnTo>
+                  <a:cubicBezTo>
+                    <a:pt x="2271889" y="4580466"/>
+                    <a:pt x="2257778" y="2294466"/>
+                    <a:pt x="2260600" y="8466"/>
+                  </a:cubicBezTo>
+                  <a:lnTo>
+                    <a:pt x="2023534" y="0"/>
+                  </a:lnTo>
+                  <a:close/>
+                </a:path>
+              </a:pathLst>
+            </a:custGeom>
+            <a:solidFill>
+              <a:schemeClr val="accent1">
+                <a:alpha val="30000"/>
+              </a:schemeClr>
+            </a:solidFill>
+            <a:ln>
+              <a:noFill/>
+            </a:ln>
+            <a:effectLst/>
+          </p:spPr>
+          <p:style>
+            <a:lnRef idx="1">
+              <a:schemeClr val="accent1"/>
+            </a:lnRef>
+            <a:fillRef idx="3">
+              <a:schemeClr val="accent1"/>
+            </a:fillRef>
+            <a:effectRef idx="2">
+              <a:schemeClr val="accent1"/>
+            </a:effectRef>
+            <a:fontRef idx="minor">
+              <a:schemeClr val="lt1"/>
+            </a:fontRef>
+          </p:style>
+        </p:sp>
+        <p:sp>
+          <p:nvSpPr>
+            <p:cNvPr id="20" name="Freeform 19"/>
+            <p:cNvSpPr/>
+            <p:nvPr/>
+          </p:nvSpPr>
+          <p:spPr>
+            <a:xfrm>
+              <a:off x="7205158" y="-8467"/>
+              <a:ext cx="1948147" cy="6866467"/>
+            </a:xfrm>
+            <a:custGeom>
+              <a:avLst/>
+              <a:gdLst/>
+              <a:ahLst/>
+              <a:cxnLst/>
+              <a:rect l="l" t="t" r="r" b="b"/>
+              <a:pathLst>
+                <a:path w="1948147" h="6866467">
+                  <a:moveTo>
+                    <a:pt x="0" y="0"/>
+                  </a:moveTo>
+                  <a:lnTo>
+                    <a:pt x="1202267" y="6866467"/>
+                  </a:lnTo>
+                  <a:lnTo>
+                    <a:pt x="1947333" y="6866467"/>
+                  </a:lnTo>
+                  <a:cubicBezTo>
+                    <a:pt x="1944511" y="4577645"/>
+                    <a:pt x="1950155" y="2288822"/>
+                    <a:pt x="1947333" y="0"/>
+                  </a:cubicBezTo>
+                  <a:lnTo>
+                    <a:pt x="0" y="0"/>
+                  </a:lnTo>
+                  <a:close/>
+                </a:path>
+              </a:pathLst>
+            </a:custGeom>
+            <a:solidFill>
+              <a:schemeClr val="accent1">
+                <a:alpha val="20000"/>
+              </a:schemeClr>
+            </a:solidFill>
+            <a:ln>
+              <a:noFill/>
+            </a:ln>
+            <a:effectLst/>
+          </p:spPr>
+          <p:style>
+            <a:lnRef idx="1">
+              <a:schemeClr val="accent1"/>
+            </a:lnRef>
+            <a:fillRef idx="3">
+              <a:schemeClr val="accent1"/>
+            </a:fillRef>
+            <a:effectRef idx="2">
+              <a:schemeClr val="accent1"/>
+            </a:effectRef>
+            <a:fontRef idx="minor">
+              <a:schemeClr val="lt1"/>
+            </a:fontRef>
+          </p:style>
+        </p:sp>
+        <p:sp>
+          <p:nvSpPr>
+            <p:cNvPr id="21" name="Freeform 20"/>
+            <p:cNvSpPr/>
+            <p:nvPr/>
+          </p:nvSpPr>
+          <p:spPr>
+            <a:xfrm>
+              <a:off x="6637896" y="3920066"/>
+              <a:ext cx="2513565" cy="2937933"/>
+            </a:xfrm>
+            <a:custGeom>
+              <a:avLst/>
+              <a:gdLst/>
+              <a:ahLst/>
+              <a:cxnLst/>
+              <a:rect l="l" t="t" r="r" b="b"/>
+              <a:pathLst>
+                <a:path w="3259667" h="3810000">
+                  <a:moveTo>
+                    <a:pt x="0" y="3810000"/>
+                  </a:moveTo>
+                  <a:lnTo>
+                    <a:pt x="3251200" y="0"/>
+                  </a:lnTo>
+                  <a:cubicBezTo>
+                    <a:pt x="3254022" y="1270000"/>
+                    <a:pt x="3256845" y="2540000"/>
+                    <a:pt x="3259667" y="3810000"/>
+                  </a:cubicBezTo>
+                  <a:lnTo>
+                    <a:pt x="0" y="3810000"/>
+                  </a:lnTo>
+                  <a:close/>
+                </a:path>
+              </a:pathLst>
+            </a:custGeom>
+            <a:solidFill>
+              <a:schemeClr val="accent2">
+                <a:alpha val="72000"/>
+              </a:schemeClr>
+            </a:solidFill>
+            <a:ln>
+              <a:noFill/>
+            </a:ln>
+            <a:effectLst/>
+          </p:spPr>
+          <p:style>
+            <a:lnRef idx="1">
+              <a:schemeClr val="accent1"/>
+            </a:lnRef>
+            <a:fillRef idx="3">
+              <a:schemeClr val="accent1"/>
+            </a:fillRef>
+            <a:effectRef idx="2">
+              <a:schemeClr val="accent1"/>
+            </a:effectRef>
+            <a:fontRef idx="minor">
+              <a:schemeClr val="lt1"/>
+            </a:fontRef>
+          </p:style>
+        </p:sp>
+        <p:sp>
+          <p:nvSpPr>
+            <p:cNvPr id="22" name="Freeform 21"/>
+            <p:cNvSpPr/>
+            <p:nvPr/>
+          </p:nvSpPr>
+          <p:spPr>
+            <a:xfrm>
+              <a:off x="7010429" y="-8467"/>
+              <a:ext cx="2142876" cy="6866467"/>
+            </a:xfrm>
+            <a:custGeom>
+              <a:avLst/>
+              <a:gdLst/>
+              <a:ahLst/>
+              <a:cxnLst/>
+              <a:rect l="l" t="t" r="r" b="b"/>
+              <a:pathLst>
+                <a:path w="2853267" h="6866467">
+                  <a:moveTo>
+                    <a:pt x="0" y="0"/>
+                  </a:moveTo>
+                  <a:lnTo>
+                    <a:pt x="2472267" y="6866467"/>
+                  </a:lnTo>
+                  <a:lnTo>
+                    <a:pt x="2853267" y="6858000"/>
+                  </a:lnTo>
+                  <a:lnTo>
+                    <a:pt x="2853267" y="0"/>
+                  </a:lnTo>
+                  <a:lnTo>
+                    <a:pt x="0" y="0"/>
+                  </a:lnTo>
+                  <a:close/>
+                </a:path>
+              </a:pathLst>
+            </a:custGeom>
+            <a:solidFill>
+              <a:schemeClr val="accent2">
+                <a:lumMod val="75000"/>
+                <a:alpha val="70000"/>
+              </a:schemeClr>
+            </a:solidFill>
+            <a:ln>
+              <a:noFill/>
+            </a:ln>
+            <a:effectLst/>
+          </p:spPr>
+          <p:style>
+            <a:lnRef idx="1">
+              <a:schemeClr val="accent1"/>
+            </a:lnRef>
+            <a:fillRef idx="3">
+              <a:schemeClr val="accent1"/>
+            </a:fillRef>
+            <a:effectRef idx="2">
+              <a:schemeClr val="accent1"/>
+            </a:effectRef>
+            <a:fontRef idx="minor">
+              <a:schemeClr val="lt1"/>
+            </a:fontRef>
+          </p:style>
+        </p:sp>
+        <p:sp>
+          <p:nvSpPr>
+            <p:cNvPr id="23" name="Freeform 22"/>
+            <p:cNvSpPr/>
+            <p:nvPr/>
+          </p:nvSpPr>
+          <p:spPr>
+            <a:xfrm>
+              <a:off x="8295776" y="-8467"/>
+              <a:ext cx="857530" cy="6866467"/>
+            </a:xfrm>
+            <a:custGeom>
+              <a:avLst/>
+              <a:gdLst/>
+              <a:ahLst/>
+              <a:cxnLst/>
+              <a:rect l="l" t="t" r="r" b="b"/>
+              <a:pathLst>
+                <a:path w="1286933" h="6866467">
+                  <a:moveTo>
+                    <a:pt x="1016000" y="0"/>
+                  </a:moveTo>
+                  <a:lnTo>
+                    <a:pt x="0" y="6866467"/>
+                  </a:lnTo>
+                  <a:lnTo>
+                    <a:pt x="1286933" y="6866467"/>
+                  </a:lnTo>
+                  <a:cubicBezTo>
+                    <a:pt x="1284111" y="4577645"/>
+                    <a:pt x="1281288" y="2288822"/>
+                    <a:pt x="1278466" y="0"/>
+                  </a:cubicBezTo>
+                  <a:lnTo>
+                    <a:pt x="1016000" y="0"/>
+                  </a:lnTo>
+                  <a:close/>
+                </a:path>
+              </a:pathLst>
+            </a:custGeom>
+            <a:solidFill>
+              <a:schemeClr val="accent1">
+                <a:lumMod val="60000"/>
+                <a:lumOff val="40000"/>
+                <a:alpha val="70000"/>
+              </a:schemeClr>
+            </a:solidFill>
+            <a:ln>
+              <a:noFill/>
+            </a:ln>
+            <a:effectLst/>
+          </p:spPr>
+          <p:style>
+            <a:lnRef idx="1">
+              <a:schemeClr val="accent1"/>
+            </a:lnRef>
+            <a:fillRef idx="3">
+              <a:schemeClr val="accent1"/>
+            </a:fillRef>
+            <a:effectRef idx="2">
+              <a:schemeClr val="accent1"/>
+            </a:effectRef>
+            <a:fontRef idx="minor">
+              <a:schemeClr val="lt1"/>
+            </a:fontRef>
+          </p:style>
+        </p:sp>
+        <p:sp>
+          <p:nvSpPr>
+            <p:cNvPr id="24" name="Freeform 23"/>
+            <p:cNvSpPr/>
+            <p:nvPr/>
+          </p:nvSpPr>
+          <p:spPr>
+            <a:xfrm>
+              <a:off x="8077231" y="-8468"/>
+              <a:ext cx="1066770" cy="6866467"/>
+            </a:xfrm>
+            <a:custGeom>
+              <a:avLst/>
+              <a:gdLst/>
+              <a:ahLst/>
+              <a:cxnLst/>
+              <a:rect l="l" t="t" r="r" b="b"/>
+              <a:pathLst>
+                <a:path w="1270244" h="6866467">
+                  <a:moveTo>
+                    <a:pt x="0" y="0"/>
+                  </a:moveTo>
+                  <a:lnTo>
+                    <a:pt x="1117600" y="6866467"/>
+                  </a:lnTo>
+                  <a:lnTo>
+                    <a:pt x="1270000" y="6866467"/>
+                  </a:lnTo>
+                  <a:cubicBezTo>
+                    <a:pt x="1272822" y="4574822"/>
+                    <a:pt x="1250245" y="2291645"/>
+                    <a:pt x="1253067" y="0"/>
+                  </a:cubicBezTo>
+                  <a:lnTo>
+                    <a:pt x="0" y="0"/>
+                  </a:lnTo>
+                  <a:close/>
+                </a:path>
+              </a:pathLst>
+            </a:custGeom>
+            <a:solidFill>
+              <a:schemeClr val="accent1">
+                <a:alpha val="65000"/>
+              </a:schemeClr>
+            </a:solidFill>
+            <a:ln>
+              <a:noFill/>
+            </a:ln>
+            <a:effectLst/>
+          </p:spPr>
+          <p:style>
+            <a:lnRef idx="1">
+              <a:schemeClr val="accent1"/>
+            </a:lnRef>
+            <a:fillRef idx="3">
+              <a:schemeClr val="accent1"/>
+            </a:fillRef>
+            <a:effectRef idx="2">
+              <a:schemeClr val="accent1"/>
+            </a:effectRef>
+            <a:fontRef idx="minor">
+              <a:schemeClr val="lt1"/>
+            </a:fontRef>
+          </p:style>
+        </p:sp>
+        <p:sp>
+          <p:nvSpPr>
+            <p:cNvPr id="25" name="Freeform 24"/>
+            <p:cNvSpPr/>
+            <p:nvPr/>
+          </p:nvSpPr>
+          <p:spPr>
+            <a:xfrm>
+              <a:off x="8060297" y="4893733"/>
+              <a:ext cx="1094086" cy="1964267"/>
+            </a:xfrm>
+            <a:custGeom>
+              <a:avLst/>
+              <a:gdLst/>
+              <a:ahLst/>
+              <a:cxnLst/>
+              <a:rect l="l" t="t" r="r" b="b"/>
+              <a:pathLst>
+                <a:path w="1820333" h="3268133">
+                  <a:moveTo>
+                    <a:pt x="0" y="3268133"/>
+                  </a:moveTo>
+                  <a:lnTo>
+                    <a:pt x="1811866" y="0"/>
+                  </a:lnTo>
+                  <a:cubicBezTo>
+                    <a:pt x="1814688" y="1086555"/>
+                    <a:pt x="1817511" y="2173111"/>
+                    <a:pt x="1820333" y="3259666"/>
+                  </a:cubicBezTo>
+                  <a:lnTo>
+                    <a:pt x="0" y="3268133"/>
+                  </a:lnTo>
+                  <a:close/>
+                </a:path>
+              </a:pathLst>
+            </a:custGeom>
+            <a:solidFill>
+              <a:schemeClr val="accent1">
+                <a:alpha val="80000"/>
+              </a:schemeClr>
+            </a:solidFill>
+            <a:ln>
+              <a:noFill/>
+            </a:ln>
+            <a:effectLst/>
+          </p:spPr>
+          <p:style>
+            <a:lnRef idx="1">
+              <a:schemeClr val="accent1"/>
+            </a:lnRef>
+            <a:fillRef idx="3">
+              <a:schemeClr val="accent1"/>
+            </a:fillRef>
+            <a:effectRef idx="2">
+              <a:schemeClr val="accent1"/>
+            </a:effectRef>
+            <a:fontRef idx="minor">
+              <a:schemeClr val="lt1"/>
+            </a:fontRef>
+          </p:style>
+        </p:sp>
+        <p:sp>
+          <p:nvSpPr>
+            <p:cNvPr id="28" name="Freeform 27"/>
+            <p:cNvSpPr/>
+            <p:nvPr/>
+          </p:nvSpPr>
+          <p:spPr>
+            <a:xfrm>
+              <a:off x="-8466" y="-8468"/>
+              <a:ext cx="863600" cy="5698067"/>
+            </a:xfrm>
+            <a:custGeom>
+              <a:avLst/>
+              <a:gdLst/>
+              <a:ahLst/>
+              <a:cxnLst/>
+              <a:rect l="l" t="t" r="r" b="b"/>
+              <a:pathLst>
+                <a:path w="863600" h="5698067">
+                  <a:moveTo>
+                    <a:pt x="0" y="8467"/>
+                  </a:moveTo>
+                  <a:lnTo>
+                    <a:pt x="863600" y="0"/>
+                  </a:lnTo>
+                  <a:lnTo>
+                    <a:pt x="863600" y="16934"/>
+                  </a:lnTo>
+                  <a:lnTo>
+                    <a:pt x="0" y="5698067"/>
+                  </a:lnTo>
+                  <a:lnTo>
+                    <a:pt x="0" y="8467"/>
+                  </a:lnTo>
+                  <a:close/>
+                </a:path>
+              </a:pathLst>
+            </a:custGeom>
+            <a:solidFill>
+              <a:schemeClr val="accent1">
+                <a:alpha val="85000"/>
+              </a:schemeClr>
+            </a:solidFill>
+            <a:ln>
+              <a:noFill/>
+            </a:ln>
+            <a:effectLst/>
+          </p:spPr>
+          <p:style>
+            <a:lnRef idx="1">
+              <a:schemeClr val="accent1"/>
+            </a:lnRef>
+            <a:fillRef idx="3">
+              <a:schemeClr val="accent1"/>
+            </a:fillRef>
+            <a:effectRef idx="2">
+              <a:schemeClr val="accent1"/>
+            </a:effectRef>
+            <a:fontRef idx="minor">
+              <a:schemeClr val="lt1"/>
+            </a:fontRef>
+          </p:style>
+        </p:sp>
+      </p:grpSp>
       <p:sp>
         <p:nvSpPr>
           <p:cNvPr id="2" name="Title 1"/>
@@ -149,21 +771,27 @@
         </p:nvSpPr>
         <p:spPr>
           <a:xfrm>
-            <a:off x="685800" y="1122363"/>
-            <a:ext cx="7772400" cy="2387600"/>
+            <a:off x="1130595" y="2404534"/>
+            <a:ext cx="5826719" cy="1646302"/>
           </a:xfrm>
         </p:spPr>
         <p:txBody>
-          <a:bodyPr anchor="b"/>
+          <a:bodyPr anchor="b">
+            <a:noAutofit/>
+          </a:bodyPr>
           <a:lstStyle>
-            <a:lvl1pPr algn="ctr">
-              <a:defRPr sz="6000"/>
+            <a:lvl1pPr algn="r">
+              <a:defRPr sz="5400">
+                <a:solidFill>
+                  <a:schemeClr val="accent1"/>
+                </a:solidFill>
+              </a:defRPr>
             </a:lvl1pPr>
           </a:lstStyle>
           <a:p>
             <a:r>
-              <a:rPr lang="es-ES" smtClean="0"/>
-              <a:t>Haga clic para modificar el estilo de título del patrón</a:t>
+              <a:rPr lang="en-US" smtClean="0"/>
+              <a:t>Click to edit Master title style</a:t>
             </a:r>
             <a:endParaRPr lang="en-US" dirty="0"/>
           </a:p>
@@ -181,54 +809,109 @@
         </p:nvSpPr>
         <p:spPr>
           <a:xfrm>
-            <a:off x="1143000" y="3602038"/>
-            <a:ext cx="6858000" cy="1655762"/>
+            <a:off x="1130595" y="4050834"/>
+            <a:ext cx="5826719" cy="1096899"/>
           </a:xfrm>
         </p:spPr>
         <p:txBody>
-          <a:bodyPr/>
+          <a:bodyPr anchor="t"/>
           <a:lstStyle>
-            <a:lvl1pPr marL="0" indent="0" algn="ctr">
-              <a:buNone/>
-              <a:defRPr sz="2400"/>
+            <a:lvl1pPr marL="0" indent="0" algn="r">
+              <a:buNone/>
+              <a:defRPr>
+                <a:solidFill>
+                  <a:schemeClr val="tx1">
+                    <a:lumMod val="50000"/>
+                    <a:lumOff val="50000"/>
+                  </a:schemeClr>
+                </a:solidFill>
+              </a:defRPr>
             </a:lvl1pPr>
             <a:lvl2pPr marL="457200" indent="0" algn="ctr">
               <a:buNone/>
-              <a:defRPr sz="2000"/>
+              <a:defRPr>
+                <a:solidFill>
+                  <a:schemeClr val="tx1">
+                    <a:tint val="75000"/>
+                  </a:schemeClr>
+                </a:solidFill>
+              </a:defRPr>
             </a:lvl2pPr>
             <a:lvl3pPr marL="914400" indent="0" algn="ctr">
               <a:buNone/>
-              <a:defRPr sz="1800"/>
+              <a:defRPr>
+                <a:solidFill>
+                  <a:schemeClr val="tx1">
+                    <a:tint val="75000"/>
+                  </a:schemeClr>
+                </a:solidFill>
+              </a:defRPr>
             </a:lvl3pPr>
             <a:lvl4pPr marL="1371600" indent="0" algn="ctr">
               <a:buNone/>
-              <a:defRPr sz="1600"/>
+              <a:defRPr>
+                <a:solidFill>
+                  <a:schemeClr val="tx1">
+                    <a:tint val="75000"/>
+                  </a:schemeClr>
+                </a:solidFill>
+              </a:defRPr>
             </a:lvl4pPr>
             <a:lvl5pPr marL="1828800" indent="0" algn="ctr">
               <a:buNone/>
-              <a:defRPr sz="1600"/>
+              <a:defRPr>
+                <a:solidFill>
+                  <a:schemeClr val="tx1">
+                    <a:tint val="75000"/>
+                  </a:schemeClr>
+                </a:solidFill>
+              </a:defRPr>
             </a:lvl5pPr>
             <a:lvl6pPr marL="2286000" indent="0" algn="ctr">
               <a:buNone/>
-              <a:defRPr sz="1600"/>
+              <a:defRPr>
+                <a:solidFill>
+                  <a:schemeClr val="tx1">
+                    <a:tint val="75000"/>
+                  </a:schemeClr>
+                </a:solidFill>
+              </a:defRPr>
             </a:lvl6pPr>
             <a:lvl7pPr marL="2743200" indent="0" algn="ctr">
               <a:buNone/>
-              <a:defRPr sz="1600"/>
+              <a:defRPr>
+                <a:solidFill>
+                  <a:schemeClr val="tx1">
+                    <a:tint val="75000"/>
+                  </a:schemeClr>
+                </a:solidFill>
+              </a:defRPr>
             </a:lvl7pPr>
             <a:lvl8pPr marL="3200400" indent="0" algn="ctr">
               <a:buNone/>
-              <a:defRPr sz="1600"/>
+              <a:defRPr>
+                <a:solidFill>
+                  <a:schemeClr val="tx1">
+                    <a:tint val="75000"/>
+                  </a:schemeClr>
+                </a:solidFill>
+              </a:defRPr>
             </a:lvl8pPr>
             <a:lvl9pPr marL="3657600" indent="0" algn="ctr">
               <a:buNone/>
-              <a:defRPr sz="1600"/>
+              <a:defRPr>
+                <a:solidFill>
+                  <a:schemeClr val="tx1">
+                    <a:tint val="75000"/>
+                  </a:schemeClr>
+                </a:solidFill>
+              </a:defRPr>
             </a:lvl9pPr>
           </a:lstStyle>
           <a:p>
             <a:r>
-              <a:rPr lang="es-ES" smtClean="0"/>
-              <a:t>Haga clic para modificar el estilo de subtítulo del patrón</a:t>
+              <a:rPr lang="en-US" smtClean="0"/>
+              <a:t>Click to edit Master subtitle style</a:t>
             </a:r>
             <a:endParaRPr lang="en-US" dirty="0"/>
           </a:p>
@@ -293,7 +976,7 @@
           <a:p>
             <a:fld id="{2CDB9AEF-8318-41C2-9891-CC46D7AD0D89}" type="slidenum">
               <a:rPr lang="es-CO" smtClean="0"/>
-              <a:t>‹Nº›</a:t>
+              <a:t>‹#›</a:t>
             </a:fld>
             <a:endParaRPr lang="es-CO"/>
           </a:p>
@@ -302,7 +985,7 @@
     </p:spTree>
     <p:extLst>
       <p:ext uri="{BB962C8B-B14F-4D97-AF65-F5344CB8AC3E}">
-        <p14:creationId xmlns:p14="http://schemas.microsoft.com/office/powerpoint/2010/main" val="3307656704"/>
+        <p14:creationId xmlns:p14="http://schemas.microsoft.com/office/powerpoint/2010/main" val="3433763598"/>
       </p:ext>
     </p:extLst>
   </p:cSld>
@@ -313,8 +996,8 @@
 </file>
 
 <file path=ppt/slideLayouts/slideLayout10.xml><?xml version="1.0" encoding="utf-8"?>
-<p:sldLayout xmlns:a="http://schemas.openxmlformats.org/drawingml/2006/main" xmlns:r="http://schemas.openxmlformats.org/officeDocument/2006/relationships" xmlns:p="http://schemas.openxmlformats.org/presentationml/2006/main" type="vertTx" preserve="1">
-  <p:cSld name="Título y texto vertical">
+<p:sldLayout xmlns:a="http://schemas.openxmlformats.org/drawingml/2006/main" xmlns:r="http://schemas.openxmlformats.org/officeDocument/2006/relationships" xmlns:p="http://schemas.openxmlformats.org/presentationml/2006/main" preserve="1">
+  <p:cSld name="Title and Caption">
     <p:spTree>
       <p:nvGrpSpPr>
         <p:cNvPr id="1" name=""/>
@@ -339,14 +1022,25 @@
             <p:ph type="title"/>
           </p:nvPr>
         </p:nvSpPr>
-        <p:spPr/>
-        <p:txBody>
-          <a:bodyPr/>
-          <a:lstStyle/>
-          <a:p>
-            <a:r>
-              <a:rPr lang="es-ES" smtClean="0"/>
-              <a:t>Haga clic para modificar el estilo de título del patrón</a:t>
+        <p:spPr>
+          <a:xfrm>
+            <a:off x="609600" y="609600"/>
+            <a:ext cx="6347714" cy="3403600"/>
+          </a:xfrm>
+        </p:spPr>
+        <p:txBody>
+          <a:bodyPr anchor="ctr">
+            <a:normAutofit/>
+          </a:bodyPr>
+          <a:lstStyle>
+            <a:lvl1pPr algn="l">
+              <a:defRPr sz="4400" b="0" cap="none"/>
+            </a:lvl1pPr>
+          </a:lstStyle>
+          <a:p>
+            <a:r>
+              <a:rPr lang="en-US" smtClean="0"/>
+              <a:t>Click to edit Master title style</a:t>
             </a:r>
             <a:endParaRPr lang="en-US" dirty="0"/>
           </a:p>
@@ -354,53 +1048,123 @@
       </p:sp>
       <p:sp>
         <p:nvSpPr>
-          <p:cNvPr id="3" name="Vertical Text Placeholder 2"/>
-          <p:cNvSpPr>
-            <a:spLocks noGrp="1"/>
-          </p:cNvSpPr>
-          <p:nvPr>
-            <p:ph type="body" orient="vert" idx="1"/>
-          </p:nvPr>
-        </p:nvSpPr>
-        <p:spPr/>
-        <p:txBody>
-          <a:bodyPr vert="eaVert"/>
-          <a:lstStyle/>
+          <p:cNvPr id="3" name="Text Placeholder 2"/>
+          <p:cNvSpPr>
+            <a:spLocks noGrp="1"/>
+          </p:cNvSpPr>
+          <p:nvPr>
+            <p:ph type="body" idx="1"/>
+          </p:nvPr>
+        </p:nvSpPr>
+        <p:spPr>
+          <a:xfrm>
+            <a:off x="609600" y="4470400"/>
+            <a:ext cx="6347714" cy="1570962"/>
+          </a:xfrm>
+        </p:spPr>
+        <p:txBody>
+          <a:bodyPr anchor="ctr">
+            <a:normAutofit/>
+          </a:bodyPr>
+          <a:lstStyle>
+            <a:lvl1pPr marL="0" indent="0" algn="l">
+              <a:buNone/>
+              <a:defRPr sz="1800">
+                <a:solidFill>
+                  <a:schemeClr val="tx1">
+                    <a:lumMod val="75000"/>
+                    <a:lumOff val="25000"/>
+                  </a:schemeClr>
+                </a:solidFill>
+              </a:defRPr>
+            </a:lvl1pPr>
+            <a:lvl2pPr marL="457200" indent="0">
+              <a:buNone/>
+              <a:defRPr sz="1800">
+                <a:solidFill>
+                  <a:schemeClr val="tx1">
+                    <a:tint val="75000"/>
+                  </a:schemeClr>
+                </a:solidFill>
+              </a:defRPr>
+            </a:lvl2pPr>
+            <a:lvl3pPr marL="914400" indent="0">
+              <a:buNone/>
+              <a:defRPr sz="1600">
+                <a:solidFill>
+                  <a:schemeClr val="tx1">
+                    <a:tint val="75000"/>
+                  </a:schemeClr>
+                </a:solidFill>
+              </a:defRPr>
+            </a:lvl3pPr>
+            <a:lvl4pPr marL="1371600" indent="0">
+              <a:buNone/>
+              <a:defRPr sz="1400">
+                <a:solidFill>
+                  <a:schemeClr val="tx1">
+                    <a:tint val="75000"/>
+                  </a:schemeClr>
+                </a:solidFill>
+              </a:defRPr>
+            </a:lvl4pPr>
+            <a:lvl5pPr marL="1828800" indent="0">
+              <a:buNone/>
+              <a:defRPr sz="1400">
+                <a:solidFill>
+                  <a:schemeClr val="tx1">
+                    <a:tint val="75000"/>
+                  </a:schemeClr>
+                </a:solidFill>
+              </a:defRPr>
+            </a:lvl5pPr>
+            <a:lvl6pPr marL="2286000" indent="0">
+              <a:buNone/>
+              <a:defRPr sz="1400">
+                <a:solidFill>
+                  <a:schemeClr val="tx1">
+                    <a:tint val="75000"/>
+                  </a:schemeClr>
+                </a:solidFill>
+              </a:defRPr>
+            </a:lvl6pPr>
+            <a:lvl7pPr marL="2743200" indent="0">
+              <a:buNone/>
+              <a:defRPr sz="1400">
+                <a:solidFill>
+                  <a:schemeClr val="tx1">
+                    <a:tint val="75000"/>
+                  </a:schemeClr>
+                </a:solidFill>
+              </a:defRPr>
+            </a:lvl7pPr>
+            <a:lvl8pPr marL="3200400" indent="0">
+              <a:buNone/>
+              <a:defRPr sz="1400">
+                <a:solidFill>
+                  <a:schemeClr val="tx1">
+                    <a:tint val="75000"/>
+                  </a:schemeClr>
+                </a:solidFill>
+              </a:defRPr>
+            </a:lvl8pPr>
+            <a:lvl9pPr marL="3657600" indent="0">
+              <a:buNone/>
+              <a:defRPr sz="1400">
+                <a:solidFill>
+                  <a:schemeClr val="tx1">
+                    <a:tint val="75000"/>
+                  </a:schemeClr>
+                </a:solidFill>
+              </a:defRPr>
+            </a:lvl9pPr>
+          </a:lstStyle>
           <a:p>
             <a:pPr lvl="0"/>
             <a:r>
-              <a:rPr lang="es-ES" smtClean="0"/>
-              <a:t>Haga clic para modificar el estilo de texto del patrón</a:t>
-            </a:r>
-          </a:p>
-          <a:p>
-            <a:pPr lvl="1"/>
-            <a:r>
-              <a:rPr lang="es-ES" smtClean="0"/>
-              <a:t>Segundo nivel</a:t>
-            </a:r>
-          </a:p>
-          <a:p>
-            <a:pPr lvl="2"/>
-            <a:r>
-              <a:rPr lang="es-ES" smtClean="0"/>
-              <a:t>Tercer nivel</a:t>
-            </a:r>
-          </a:p>
-          <a:p>
-            <a:pPr lvl="3"/>
-            <a:r>
-              <a:rPr lang="es-ES" smtClean="0"/>
-              <a:t>Cuarto nivel</a:t>
-            </a:r>
-          </a:p>
-          <a:p>
-            <a:pPr lvl="4"/>
-            <a:r>
-              <a:rPr lang="es-ES" smtClean="0"/>
-              <a:t>Quinto nivel</a:t>
-            </a:r>
-            <a:endParaRPr lang="en-US" dirty="0"/>
+              <a:rPr lang="en-US" smtClean="0"/>
+              <a:t>Click to edit Master text styles</a:t>
+            </a:r>
           </a:p>
         </p:txBody>
       </p:sp>
@@ -463,7 +1227,7 @@
           <a:p>
             <a:fld id="{2CDB9AEF-8318-41C2-9891-CC46D7AD0D89}" type="slidenum">
               <a:rPr lang="es-CO" smtClean="0"/>
-              <a:t>‹Nº›</a:t>
+              <a:t>‹#›</a:t>
             </a:fld>
             <a:endParaRPr lang="es-CO"/>
           </a:p>
@@ -472,7 +1236,7 @@
     </p:spTree>
     <p:extLst>
       <p:ext uri="{BB962C8B-B14F-4D97-AF65-F5344CB8AC3E}">
-        <p14:creationId xmlns:p14="http://schemas.microsoft.com/office/powerpoint/2010/main" val="1437998784"/>
+        <p14:creationId xmlns:p14="http://schemas.microsoft.com/office/powerpoint/2010/main" val="1530331579"/>
       </p:ext>
     </p:extLst>
   </p:cSld>
@@ -483,8 +1247,8 @@
 </file>
 
 <file path=ppt/slideLayouts/slideLayout11.xml><?xml version="1.0" encoding="utf-8"?>
-<p:sldLayout xmlns:a="http://schemas.openxmlformats.org/drawingml/2006/main" xmlns:r="http://schemas.openxmlformats.org/officeDocument/2006/relationships" xmlns:p="http://schemas.openxmlformats.org/presentationml/2006/main" type="vertTitleAndTx" preserve="1">
-  <p:cSld name="Título vertical y texto">
+<p:sldLayout xmlns:a="http://schemas.openxmlformats.org/drawingml/2006/main" xmlns:r="http://schemas.openxmlformats.org/officeDocument/2006/relationships" xmlns:p="http://schemas.openxmlformats.org/presentationml/2006/main" preserve="1">
+  <p:cSld name="Quote with Caption">
     <p:spTree>
       <p:nvGrpSpPr>
         <p:cNvPr id="1" name=""/>
@@ -501,27 +1265,33 @@
       </p:grpSpPr>
       <p:sp>
         <p:nvSpPr>
-          <p:cNvPr id="2" name="Vertical Title 1"/>
-          <p:cNvSpPr>
-            <a:spLocks noGrp="1"/>
-          </p:cNvSpPr>
-          <p:nvPr>
-            <p:ph type="title" orient="vert"/>
+          <p:cNvPr id="2" name="Title 1"/>
+          <p:cNvSpPr>
+            <a:spLocks noGrp="1"/>
+          </p:cNvSpPr>
+          <p:nvPr>
+            <p:ph type="title"/>
           </p:nvPr>
         </p:nvSpPr>
         <p:spPr>
           <a:xfrm>
-            <a:off x="6543675" y="365125"/>
-            <a:ext cx="1971675" cy="5811838"/>
+            <a:off x="774885" y="609600"/>
+            <a:ext cx="6072182" cy="3022600"/>
           </a:xfrm>
         </p:spPr>
         <p:txBody>
-          <a:bodyPr vert="eaVert"/>
-          <a:lstStyle/>
-          <a:p>
-            <a:r>
-              <a:rPr lang="es-ES" smtClean="0"/>
-              <a:t>Haga clic para modificar el estilo de título del patrón</a:t>
+          <a:bodyPr anchor="ctr">
+            <a:normAutofit/>
+          </a:bodyPr>
+          <a:lstStyle>
+            <a:lvl1pPr algn="l">
+              <a:defRPr sz="4400" b="0" cap="none"/>
+            </a:lvl1pPr>
+          </a:lstStyle>
+          <a:p>
+            <a:r>
+              <a:rPr lang="en-US" smtClean="0"/>
+              <a:t>Click to edit Master title style</a:t>
             </a:r>
             <a:endParaRPr lang="en-US" dirty="0"/>
           </a:p>
@@ -529,58 +1299,186 @@
       </p:sp>
       <p:sp>
         <p:nvSpPr>
-          <p:cNvPr id="3" name="Vertical Text Placeholder 2"/>
-          <p:cNvSpPr>
-            <a:spLocks noGrp="1"/>
-          </p:cNvSpPr>
-          <p:nvPr>
-            <p:ph type="body" orient="vert" idx="1"/>
+          <p:cNvPr id="23" name="Text Placeholder 9"/>
+          <p:cNvSpPr>
+            <a:spLocks noGrp="1"/>
+          </p:cNvSpPr>
+          <p:nvPr>
+            <p:ph type="body" sz="quarter" idx="13"/>
           </p:nvPr>
         </p:nvSpPr>
         <p:spPr>
           <a:xfrm>
-            <a:off x="628650" y="365125"/>
-            <a:ext cx="5800725" cy="5811838"/>
+            <a:off x="1101074" y="3632200"/>
+            <a:ext cx="5419804" cy="381000"/>
           </a:xfrm>
         </p:spPr>
         <p:txBody>
-          <a:bodyPr vert="eaVert"/>
-          <a:lstStyle/>
+          <a:bodyPr anchor="ctr">
+            <a:noAutofit/>
+          </a:bodyPr>
+          <a:lstStyle>
+            <a:lvl1pPr marL="0" indent="0">
+              <a:buFontTx/>
+              <a:buNone/>
+              <a:defRPr sz="1600">
+                <a:solidFill>
+                  <a:schemeClr val="tx1">
+                    <a:lumMod val="50000"/>
+                    <a:lumOff val="50000"/>
+                  </a:schemeClr>
+                </a:solidFill>
+              </a:defRPr>
+            </a:lvl1pPr>
+            <a:lvl2pPr marL="457200" indent="0">
+              <a:buFontTx/>
+              <a:buNone/>
+              <a:defRPr/>
+            </a:lvl2pPr>
+            <a:lvl3pPr marL="914400" indent="0">
+              <a:buFontTx/>
+              <a:buNone/>
+              <a:defRPr/>
+            </a:lvl3pPr>
+            <a:lvl4pPr marL="1371600" indent="0">
+              <a:buFontTx/>
+              <a:buNone/>
+              <a:defRPr/>
+            </a:lvl4pPr>
+            <a:lvl5pPr marL="1828800" indent="0">
+              <a:buFontTx/>
+              <a:buNone/>
+              <a:defRPr/>
+            </a:lvl5pPr>
+          </a:lstStyle>
           <a:p>
             <a:pPr lvl="0"/>
             <a:r>
-              <a:rPr lang="es-ES" smtClean="0"/>
-              <a:t>Haga clic para modificar el estilo de texto del patrón</a:t>
-            </a:r>
-          </a:p>
-          <a:p>
-            <a:pPr lvl="1"/>
-            <a:r>
-              <a:rPr lang="es-ES" smtClean="0"/>
-              <a:t>Segundo nivel</a:t>
-            </a:r>
-          </a:p>
-          <a:p>
-            <a:pPr lvl="2"/>
-            <a:r>
-              <a:rPr lang="es-ES" smtClean="0"/>
-              <a:t>Tercer nivel</a:t>
-            </a:r>
-          </a:p>
-          <a:p>
-            <a:pPr lvl="3"/>
-            <a:r>
-              <a:rPr lang="es-ES" smtClean="0"/>
-              <a:t>Cuarto nivel</a:t>
-            </a:r>
-          </a:p>
-          <a:p>
-            <a:pPr lvl="4"/>
-            <a:r>
-              <a:rPr lang="es-ES" smtClean="0"/>
-              <a:t>Quinto nivel</a:t>
-            </a:r>
-            <a:endParaRPr lang="en-US" dirty="0"/>
+              <a:rPr lang="en-US" smtClean="0"/>
+              <a:t>Click to edit Master text styles</a:t>
+            </a:r>
+          </a:p>
+        </p:txBody>
+      </p:sp>
+      <p:sp>
+        <p:nvSpPr>
+          <p:cNvPr id="3" name="Text Placeholder 2"/>
+          <p:cNvSpPr>
+            <a:spLocks noGrp="1"/>
+          </p:cNvSpPr>
+          <p:nvPr>
+            <p:ph type="body" idx="1"/>
+          </p:nvPr>
+        </p:nvSpPr>
+        <p:spPr>
+          <a:xfrm>
+            <a:off x="609598" y="4470400"/>
+            <a:ext cx="6347715" cy="1570962"/>
+          </a:xfrm>
+        </p:spPr>
+        <p:txBody>
+          <a:bodyPr anchor="ctr">
+            <a:normAutofit/>
+          </a:bodyPr>
+          <a:lstStyle>
+            <a:lvl1pPr marL="0" indent="0" algn="l">
+              <a:buNone/>
+              <a:defRPr sz="1800">
+                <a:solidFill>
+                  <a:schemeClr val="tx1">
+                    <a:lumMod val="75000"/>
+                    <a:lumOff val="25000"/>
+                  </a:schemeClr>
+                </a:solidFill>
+              </a:defRPr>
+            </a:lvl1pPr>
+            <a:lvl2pPr marL="457200" indent="0">
+              <a:buNone/>
+              <a:defRPr sz="1800">
+                <a:solidFill>
+                  <a:schemeClr val="tx1">
+                    <a:tint val="75000"/>
+                  </a:schemeClr>
+                </a:solidFill>
+              </a:defRPr>
+            </a:lvl2pPr>
+            <a:lvl3pPr marL="914400" indent="0">
+              <a:buNone/>
+              <a:defRPr sz="1600">
+                <a:solidFill>
+                  <a:schemeClr val="tx1">
+                    <a:tint val="75000"/>
+                  </a:schemeClr>
+                </a:solidFill>
+              </a:defRPr>
+            </a:lvl3pPr>
+            <a:lvl4pPr marL="1371600" indent="0">
+              <a:buNone/>
+              <a:defRPr sz="1400">
+                <a:solidFill>
+                  <a:schemeClr val="tx1">
+                    <a:tint val="75000"/>
+                  </a:schemeClr>
+                </a:solidFill>
+              </a:defRPr>
+            </a:lvl4pPr>
+            <a:lvl5pPr marL="1828800" indent="0">
+              <a:buNone/>
+              <a:defRPr sz="1400">
+                <a:solidFill>
+                  <a:schemeClr val="tx1">
+                    <a:tint val="75000"/>
+                  </a:schemeClr>
+                </a:solidFill>
+              </a:defRPr>
+            </a:lvl5pPr>
+            <a:lvl6pPr marL="2286000" indent="0">
+              <a:buNone/>
+              <a:defRPr sz="1400">
+                <a:solidFill>
+                  <a:schemeClr val="tx1">
+                    <a:tint val="75000"/>
+                  </a:schemeClr>
+                </a:solidFill>
+              </a:defRPr>
+            </a:lvl6pPr>
+            <a:lvl7pPr marL="2743200" indent="0">
+              <a:buNone/>
+              <a:defRPr sz="1400">
+                <a:solidFill>
+                  <a:schemeClr val="tx1">
+                    <a:tint val="75000"/>
+                  </a:schemeClr>
+                </a:solidFill>
+              </a:defRPr>
+            </a:lvl7pPr>
+            <a:lvl8pPr marL="3200400" indent="0">
+              <a:buNone/>
+              <a:defRPr sz="1400">
+                <a:solidFill>
+                  <a:schemeClr val="tx1">
+                    <a:tint val="75000"/>
+                  </a:schemeClr>
+                </a:solidFill>
+              </a:defRPr>
+            </a:lvl8pPr>
+            <a:lvl9pPr marL="3657600" indent="0">
+              <a:buNone/>
+              <a:defRPr sz="1400">
+                <a:solidFill>
+                  <a:schemeClr val="tx1">
+                    <a:tint val="75000"/>
+                  </a:schemeClr>
+                </a:solidFill>
+              </a:defRPr>
+            </a:lvl9pPr>
+          </a:lstStyle>
+          <a:p>
+            <a:pPr lvl="0"/>
+            <a:r>
+              <a:rPr lang="en-US" smtClean="0"/>
+              <a:t>Click to edit Master text styles</a:t>
+            </a:r>
           </a:p>
         </p:txBody>
       </p:sp>
@@ -643,16 +1541,98 @@
           <a:p>
             <a:fld id="{2CDB9AEF-8318-41C2-9891-CC46D7AD0D89}" type="slidenum">
               <a:rPr lang="es-CO" smtClean="0"/>
-              <a:t>‹Nº›</a:t>
+              <a:t>‹#›</a:t>
             </a:fld>
             <a:endParaRPr lang="es-CO"/>
+          </a:p>
+        </p:txBody>
+      </p:sp>
+      <p:sp>
+        <p:nvSpPr>
+          <p:cNvPr id="24" name="TextBox 23"/>
+          <p:cNvSpPr txBox="1"/>
+          <p:nvPr/>
+        </p:nvSpPr>
+        <p:spPr>
+          <a:xfrm>
+            <a:off x="482711" y="790378"/>
+            <a:ext cx="457319" cy="584776"/>
+          </a:xfrm>
+          <a:prstGeom prst="rect">
+            <a:avLst/>
+          </a:prstGeom>
+        </p:spPr>
+        <p:txBody>
+          <a:bodyPr vert="horz" lIns="91440" tIns="45720" rIns="91440" bIns="45720" rtlCol="0" anchor="ctr">
+            <a:noAutofit/>
+          </a:bodyPr>
+          <a:lstStyle/>
+          <a:p>
+            <a:pPr lvl="0"/>
+            <a:r>
+              <a:rPr lang="en-US" sz="8000" baseline="0" dirty="0">
+                <a:ln w="3175" cmpd="sng">
+                  <a:noFill/>
+                </a:ln>
+                <a:solidFill>
+                  <a:schemeClr val="accent1">
+                    <a:lumMod val="60000"/>
+                    <a:lumOff val="40000"/>
+                  </a:schemeClr>
+                </a:solidFill>
+                <a:effectLst/>
+                <a:latin typeface="Arial"/>
+              </a:rPr>
+              <a:t>“</a:t>
+            </a:r>
+          </a:p>
+        </p:txBody>
+      </p:sp>
+      <p:sp>
+        <p:nvSpPr>
+          <p:cNvPr id="25" name="TextBox 24"/>
+          <p:cNvSpPr txBox="1"/>
+          <p:nvPr/>
+        </p:nvSpPr>
+        <p:spPr>
+          <a:xfrm>
+            <a:off x="6747699" y="2886556"/>
+            <a:ext cx="457319" cy="584776"/>
+          </a:xfrm>
+          <a:prstGeom prst="rect">
+            <a:avLst/>
+          </a:prstGeom>
+        </p:spPr>
+        <p:txBody>
+          <a:bodyPr vert="horz" lIns="91440" tIns="45720" rIns="91440" bIns="45720" rtlCol="0" anchor="ctr">
+            <a:noAutofit/>
+          </a:bodyPr>
+          <a:lstStyle/>
+          <a:p>
+            <a:pPr lvl="0"/>
+            <a:r>
+              <a:rPr lang="en-US" sz="8000" baseline="0" dirty="0">
+                <a:ln w="3175" cmpd="sng">
+                  <a:noFill/>
+                </a:ln>
+                <a:solidFill>
+                  <a:schemeClr val="accent1">
+                    <a:lumMod val="60000"/>
+                    <a:lumOff val="40000"/>
+                  </a:schemeClr>
+                </a:solidFill>
+                <a:effectLst/>
+                <a:latin typeface="Arial"/>
+              </a:rPr>
+              <a:t>”</a:t>
+            </a:r>
           </a:p>
         </p:txBody>
       </p:sp>
     </p:spTree>
     <p:extLst>
       <p:ext uri="{BB962C8B-B14F-4D97-AF65-F5344CB8AC3E}">
-        <p14:creationId xmlns:p14="http://schemas.microsoft.com/office/powerpoint/2010/main" val="1252300656"/>
+        <p14:creationId xmlns:p14="http://schemas.microsoft.com/office/powerpoint/2010/main" val="238621807"/>
       </p:ext>
     </p:extLst>
   </p:cSld>
@@ -662,9 +1642,9 @@
 </p:sldLayout>
 </file>
 
-<file path=ppt/slideLayouts/slideLayout2.xml><?xml version="1.0" encoding="utf-8"?>
-<p:sldLayout xmlns:a="http://schemas.openxmlformats.org/drawingml/2006/main" xmlns:r="http://schemas.openxmlformats.org/officeDocument/2006/relationships" xmlns:p="http://schemas.openxmlformats.org/presentationml/2006/main" type="obj" preserve="1">
-  <p:cSld name="Título y objetos">
+<file path=ppt/slideLayouts/slideLayout12.xml><?xml version="1.0" encoding="utf-8"?>
+<p:sldLayout xmlns:a="http://schemas.openxmlformats.org/drawingml/2006/main" xmlns:r="http://schemas.openxmlformats.org/officeDocument/2006/relationships" xmlns:p="http://schemas.openxmlformats.org/presentationml/2006/main" preserve="1">
+  <p:cSld name="Name Card">
     <p:spTree>
       <p:nvGrpSpPr>
         <p:cNvPr id="1" name=""/>
@@ -689,14 +1669,25 @@
             <p:ph type="title"/>
           </p:nvPr>
         </p:nvSpPr>
-        <p:spPr/>
-        <p:txBody>
-          <a:bodyPr/>
-          <a:lstStyle/>
-          <a:p>
-            <a:r>
-              <a:rPr lang="es-ES" smtClean="0"/>
-              <a:t>Haga clic para modificar el estilo de título del patrón</a:t>
+        <p:spPr>
+          <a:xfrm>
+            <a:off x="609598" y="1931988"/>
+            <a:ext cx="6347715" cy="2595460"/>
+          </a:xfrm>
+        </p:spPr>
+        <p:txBody>
+          <a:bodyPr anchor="b">
+            <a:normAutofit/>
+          </a:bodyPr>
+          <a:lstStyle>
+            <a:lvl1pPr algn="l">
+              <a:defRPr sz="4400" b="0" cap="none"/>
+            </a:lvl1pPr>
+          </a:lstStyle>
+          <a:p>
+            <a:r>
+              <a:rPr lang="en-US" smtClean="0"/>
+              <a:t>Click to edit Master title style</a:t>
             </a:r>
             <a:endParaRPr lang="en-US" dirty="0"/>
           </a:p>
@@ -704,53 +1695,123 @@
       </p:sp>
       <p:sp>
         <p:nvSpPr>
-          <p:cNvPr id="3" name="Content Placeholder 2"/>
-          <p:cNvSpPr>
-            <a:spLocks noGrp="1"/>
-          </p:cNvSpPr>
-          <p:nvPr>
-            <p:ph idx="1"/>
-          </p:nvPr>
-        </p:nvSpPr>
-        <p:spPr/>
-        <p:txBody>
-          <a:bodyPr/>
-          <a:lstStyle/>
+          <p:cNvPr id="3" name="Text Placeholder 2"/>
+          <p:cNvSpPr>
+            <a:spLocks noGrp="1"/>
+          </p:cNvSpPr>
+          <p:nvPr>
+            <p:ph type="body" idx="1"/>
+          </p:nvPr>
+        </p:nvSpPr>
+        <p:spPr>
+          <a:xfrm>
+            <a:off x="609598" y="4527448"/>
+            <a:ext cx="6347715" cy="1513914"/>
+          </a:xfrm>
+        </p:spPr>
+        <p:txBody>
+          <a:bodyPr anchor="t">
+            <a:normAutofit/>
+          </a:bodyPr>
+          <a:lstStyle>
+            <a:lvl1pPr marL="0" indent="0" algn="l">
+              <a:buNone/>
+              <a:defRPr sz="1800">
+                <a:solidFill>
+                  <a:schemeClr val="tx1">
+                    <a:lumMod val="75000"/>
+                    <a:lumOff val="25000"/>
+                  </a:schemeClr>
+                </a:solidFill>
+              </a:defRPr>
+            </a:lvl1pPr>
+            <a:lvl2pPr marL="457200" indent="0">
+              <a:buNone/>
+              <a:defRPr sz="1800">
+                <a:solidFill>
+                  <a:schemeClr val="tx1">
+                    <a:tint val="75000"/>
+                  </a:schemeClr>
+                </a:solidFill>
+              </a:defRPr>
+            </a:lvl2pPr>
+            <a:lvl3pPr marL="914400" indent="0">
+              <a:buNone/>
+              <a:defRPr sz="1600">
+                <a:solidFill>
+                  <a:schemeClr val="tx1">
+                    <a:tint val="75000"/>
+                  </a:schemeClr>
+                </a:solidFill>
+              </a:defRPr>
+            </a:lvl3pPr>
+            <a:lvl4pPr marL="1371600" indent="0">
+              <a:buNone/>
+              <a:defRPr sz="1400">
+                <a:solidFill>
+                  <a:schemeClr val="tx1">
+                    <a:tint val="75000"/>
+                  </a:schemeClr>
+                </a:solidFill>
+              </a:defRPr>
+            </a:lvl4pPr>
+            <a:lvl5pPr marL="1828800" indent="0">
+              <a:buNone/>
+              <a:defRPr sz="1400">
+                <a:solidFill>
+                  <a:schemeClr val="tx1">
+                    <a:tint val="75000"/>
+                  </a:schemeClr>
+                </a:solidFill>
+              </a:defRPr>
+            </a:lvl5pPr>
+            <a:lvl6pPr marL="2286000" indent="0">
+              <a:buNone/>
+              <a:defRPr sz="1400">
+                <a:solidFill>
+                  <a:schemeClr val="tx1">
+                    <a:tint val="75000"/>
+                  </a:schemeClr>
+                </a:solidFill>
+              </a:defRPr>
+            </a:lvl6pPr>
+            <a:lvl7pPr marL="2743200" indent="0">
+              <a:buNone/>
+              <a:defRPr sz="1400">
+                <a:solidFill>
+                  <a:schemeClr val="tx1">
+                    <a:tint val="75000"/>
+                  </a:schemeClr>
+                </a:solidFill>
+              </a:defRPr>
+            </a:lvl7pPr>
+            <a:lvl8pPr marL="3200400" indent="0">
+              <a:buNone/>
+              <a:defRPr sz="1400">
+                <a:solidFill>
+                  <a:schemeClr val="tx1">
+                    <a:tint val="75000"/>
+                  </a:schemeClr>
+                </a:solidFill>
+              </a:defRPr>
+            </a:lvl8pPr>
+            <a:lvl9pPr marL="3657600" indent="0">
+              <a:buNone/>
+              <a:defRPr sz="1400">
+                <a:solidFill>
+                  <a:schemeClr val="tx1">
+                    <a:tint val="75000"/>
+                  </a:schemeClr>
+                </a:solidFill>
+              </a:defRPr>
+            </a:lvl9pPr>
+          </a:lstStyle>
           <a:p>
             <a:pPr lvl="0"/>
             <a:r>
-              <a:rPr lang="es-ES" smtClean="0"/>
-              <a:t>Haga clic para modificar el estilo de texto del patrón</a:t>
-            </a:r>
-          </a:p>
-          <a:p>
-            <a:pPr lvl="1"/>
-            <a:r>
-              <a:rPr lang="es-ES" smtClean="0"/>
-              <a:t>Segundo nivel</a:t>
-            </a:r>
-          </a:p>
-          <a:p>
-            <a:pPr lvl="2"/>
-            <a:r>
-              <a:rPr lang="es-ES" smtClean="0"/>
-              <a:t>Tercer nivel</a:t>
-            </a:r>
-          </a:p>
-          <a:p>
-            <a:pPr lvl="3"/>
-            <a:r>
-              <a:rPr lang="es-ES" smtClean="0"/>
-              <a:t>Cuarto nivel</a:t>
-            </a:r>
-          </a:p>
-          <a:p>
-            <a:pPr lvl="4"/>
-            <a:r>
-              <a:rPr lang="es-ES" smtClean="0"/>
-              <a:t>Quinto nivel</a:t>
-            </a:r>
-            <a:endParaRPr lang="en-US" dirty="0"/>
+              <a:rPr lang="en-US" smtClean="0"/>
+              <a:t>Click to edit Master text styles</a:t>
+            </a:r>
           </a:p>
         </p:txBody>
       </p:sp>
@@ -813,7 +1874,7 @@
           <a:p>
             <a:fld id="{2CDB9AEF-8318-41C2-9891-CC46D7AD0D89}" type="slidenum">
               <a:rPr lang="es-CO" smtClean="0"/>
-              <a:t>‹Nº›</a:t>
+              <a:t>‹#›</a:t>
             </a:fld>
             <a:endParaRPr lang="es-CO"/>
           </a:p>
@@ -822,7 +1883,7 @@
     </p:spTree>
     <p:extLst>
       <p:ext uri="{BB962C8B-B14F-4D97-AF65-F5344CB8AC3E}">
-        <p14:creationId xmlns:p14="http://schemas.microsoft.com/office/powerpoint/2010/main" val="716091936"/>
+        <p14:creationId xmlns:p14="http://schemas.microsoft.com/office/powerpoint/2010/main" val="1270523468"/>
       </p:ext>
     </p:extLst>
   </p:cSld>
@@ -832,9 +1893,9 @@
 </p:sldLayout>
 </file>
 
-<file path=ppt/slideLayouts/slideLayout3.xml><?xml version="1.0" encoding="utf-8"?>
-<p:sldLayout xmlns:a="http://schemas.openxmlformats.org/drawingml/2006/main" xmlns:r="http://schemas.openxmlformats.org/officeDocument/2006/relationships" xmlns:p="http://schemas.openxmlformats.org/presentationml/2006/main" type="secHead" preserve="1">
-  <p:cSld name="Encabezado de sección">
+<file path=ppt/slideLayouts/slideLayout13.xml><?xml version="1.0" encoding="utf-8"?>
+<p:sldLayout xmlns:a="http://schemas.openxmlformats.org/drawingml/2006/main" xmlns:r="http://schemas.openxmlformats.org/officeDocument/2006/relationships" xmlns:p="http://schemas.openxmlformats.org/presentationml/2006/main" preserve="1">
+  <p:cSld name="Quote Name Card">
     <p:spTree>
       <p:nvGrpSpPr>
         <p:cNvPr id="1" name=""/>
@@ -861,21 +1922,23 @@
         </p:nvSpPr>
         <p:spPr>
           <a:xfrm>
-            <a:off x="623888" y="1709739"/>
-            <a:ext cx="7886700" cy="2852737"/>
+            <a:off x="774885" y="609600"/>
+            <a:ext cx="6072182" cy="3022600"/>
           </a:xfrm>
         </p:spPr>
         <p:txBody>
-          <a:bodyPr anchor="b"/>
+          <a:bodyPr anchor="ctr">
+            <a:normAutofit/>
+          </a:bodyPr>
           <a:lstStyle>
-            <a:lvl1pPr>
-              <a:defRPr sz="6000"/>
+            <a:lvl1pPr algn="l">
+              <a:defRPr sz="4400" b="0" cap="none"/>
             </a:lvl1pPr>
           </a:lstStyle>
           <a:p>
             <a:r>
-              <a:rPr lang="es-ES" smtClean="0"/>
-              <a:t>Haga clic para modificar el estilo de título del patrón</a:t>
+              <a:rPr lang="en-US" smtClean="0"/>
+              <a:t>Click to edit Master title style</a:t>
             </a:r>
             <a:endParaRPr lang="en-US" dirty="0"/>
           </a:p>
@@ -883,34 +1946,102 @@
       </p:sp>
       <p:sp>
         <p:nvSpPr>
-          <p:cNvPr id="3" name="Text Placeholder 2"/>
-          <p:cNvSpPr>
-            <a:spLocks noGrp="1"/>
-          </p:cNvSpPr>
-          <p:nvPr>
-            <p:ph type="body" idx="1"/>
+          <p:cNvPr id="23" name="Text Placeholder 9"/>
+          <p:cNvSpPr>
+            <a:spLocks noGrp="1"/>
+          </p:cNvSpPr>
+          <p:nvPr>
+            <p:ph type="body" sz="quarter" idx="13"/>
           </p:nvPr>
         </p:nvSpPr>
         <p:spPr>
           <a:xfrm>
-            <a:off x="623888" y="4589464"/>
-            <a:ext cx="7886700" cy="1500187"/>
+            <a:off x="609597" y="4013200"/>
+            <a:ext cx="6347716" cy="514248"/>
           </a:xfrm>
         </p:spPr>
         <p:txBody>
-          <a:bodyPr/>
+          <a:bodyPr anchor="b">
+            <a:noAutofit/>
+          </a:bodyPr>
           <a:lstStyle>
             <a:lvl1pPr marL="0" indent="0">
+              <a:buFontTx/>
               <a:buNone/>
               <a:defRPr sz="2400">
                 <a:solidFill>
-                  <a:schemeClr val="tx1"/>
+                  <a:schemeClr val="tx1">
+                    <a:lumMod val="75000"/>
+                    <a:lumOff val="25000"/>
+                  </a:schemeClr>
                 </a:solidFill>
               </a:defRPr>
             </a:lvl1pPr>
             <a:lvl2pPr marL="457200" indent="0">
-              <a:buNone/>
-              <a:defRPr sz="2000">
+              <a:buFontTx/>
+              <a:buNone/>
+              <a:defRPr/>
+            </a:lvl2pPr>
+            <a:lvl3pPr marL="914400" indent="0">
+              <a:buFontTx/>
+              <a:buNone/>
+              <a:defRPr/>
+            </a:lvl3pPr>
+            <a:lvl4pPr marL="1371600" indent="0">
+              <a:buFontTx/>
+              <a:buNone/>
+              <a:defRPr/>
+            </a:lvl4pPr>
+            <a:lvl5pPr marL="1828800" indent="0">
+              <a:buFontTx/>
+              <a:buNone/>
+              <a:defRPr/>
+            </a:lvl5pPr>
+          </a:lstStyle>
+          <a:p>
+            <a:pPr lvl="0"/>
+            <a:r>
+              <a:rPr lang="en-US" smtClean="0"/>
+              <a:t>Click to edit Master text styles</a:t>
+            </a:r>
+          </a:p>
+        </p:txBody>
+      </p:sp>
+      <p:sp>
+        <p:nvSpPr>
+          <p:cNvPr id="3" name="Text Placeholder 2"/>
+          <p:cNvSpPr>
+            <a:spLocks noGrp="1"/>
+          </p:cNvSpPr>
+          <p:nvPr>
+            <p:ph type="body" idx="1"/>
+          </p:nvPr>
+        </p:nvSpPr>
+        <p:spPr>
+          <a:xfrm>
+            <a:off x="609598" y="4527448"/>
+            <a:ext cx="6347715" cy="1513914"/>
+          </a:xfrm>
+        </p:spPr>
+        <p:txBody>
+          <a:bodyPr anchor="t">
+            <a:normAutofit/>
+          </a:bodyPr>
+          <a:lstStyle>
+            <a:lvl1pPr marL="0" indent="0" algn="l">
+              <a:buNone/>
+              <a:defRPr sz="1800">
+                <a:solidFill>
+                  <a:schemeClr val="tx1">
+                    <a:lumMod val="50000"/>
+                    <a:lumOff val="50000"/>
+                  </a:schemeClr>
+                </a:solidFill>
+              </a:defRPr>
+            </a:lvl1pPr>
+            <a:lvl2pPr marL="457200" indent="0">
+              <a:buNone/>
+              <a:defRPr sz="1800">
                 <a:solidFill>
                   <a:schemeClr val="tx1">
                     <a:tint val="75000"/>
@@ -920,7 +2051,7 @@
             </a:lvl2pPr>
             <a:lvl3pPr marL="914400" indent="0">
               <a:buNone/>
-              <a:defRPr sz="1800">
+              <a:defRPr sz="1600">
                 <a:solidFill>
                   <a:schemeClr val="tx1">
                     <a:tint val="75000"/>
@@ -930,7 +2061,7 @@
             </a:lvl3pPr>
             <a:lvl4pPr marL="1371600" indent="0">
               <a:buNone/>
-              <a:defRPr sz="1600">
+              <a:defRPr sz="1400">
                 <a:solidFill>
                   <a:schemeClr val="tx1">
                     <a:tint val="75000"/>
@@ -940,7 +2071,7 @@
             </a:lvl4pPr>
             <a:lvl5pPr marL="1828800" indent="0">
               <a:buNone/>
-              <a:defRPr sz="1600">
+              <a:defRPr sz="1400">
                 <a:solidFill>
                   <a:schemeClr val="tx1">
                     <a:tint val="75000"/>
@@ -950,7 +2081,7 @@
             </a:lvl5pPr>
             <a:lvl6pPr marL="2286000" indent="0">
               <a:buNone/>
-              <a:defRPr sz="1600">
+              <a:defRPr sz="1400">
                 <a:solidFill>
                   <a:schemeClr val="tx1">
                     <a:tint val="75000"/>
@@ -960,7 +2091,7 @@
             </a:lvl6pPr>
             <a:lvl7pPr marL="2743200" indent="0">
               <a:buNone/>
-              <a:defRPr sz="1600">
+              <a:defRPr sz="1400">
                 <a:solidFill>
                   <a:schemeClr val="tx1">
                     <a:tint val="75000"/>
@@ -970,7 +2101,7 @@
             </a:lvl7pPr>
             <a:lvl8pPr marL="3200400" indent="0">
               <a:buNone/>
-              <a:defRPr sz="1600">
+              <a:defRPr sz="1400">
                 <a:solidFill>
                   <a:schemeClr val="tx1">
                     <a:tint val="75000"/>
@@ -980,7 +2111,7 @@
             </a:lvl8pPr>
             <a:lvl9pPr marL="3657600" indent="0">
               <a:buNone/>
-              <a:defRPr sz="1600">
+              <a:defRPr sz="1400">
                 <a:solidFill>
                   <a:schemeClr val="tx1">
                     <a:tint val="75000"/>
@@ -992,8 +2123,8 @@
           <a:p>
             <a:pPr lvl="0"/>
             <a:r>
-              <a:rPr lang="es-ES" smtClean="0"/>
-              <a:t>Haga clic para modificar el estilo de texto del patrón</a:t>
+              <a:rPr lang="en-US" smtClean="0"/>
+              <a:t>Click to edit Master text styles</a:t>
             </a:r>
           </a:p>
         </p:txBody>
@@ -1057,16 +2188,98 @@
           <a:p>
             <a:fld id="{2CDB9AEF-8318-41C2-9891-CC46D7AD0D89}" type="slidenum">
               <a:rPr lang="es-CO" smtClean="0"/>
-              <a:t>‹Nº›</a:t>
+              <a:t>‹#›</a:t>
             </a:fld>
             <a:endParaRPr lang="es-CO"/>
+          </a:p>
+        </p:txBody>
+      </p:sp>
+      <p:sp>
+        <p:nvSpPr>
+          <p:cNvPr id="24" name="TextBox 23"/>
+          <p:cNvSpPr txBox="1"/>
+          <p:nvPr/>
+        </p:nvSpPr>
+        <p:spPr>
+          <a:xfrm>
+            <a:off x="482711" y="790378"/>
+            <a:ext cx="457319" cy="584776"/>
+          </a:xfrm>
+          <a:prstGeom prst="rect">
+            <a:avLst/>
+          </a:prstGeom>
+        </p:spPr>
+        <p:txBody>
+          <a:bodyPr vert="horz" lIns="91440" tIns="45720" rIns="91440" bIns="45720" rtlCol="0" anchor="ctr">
+            <a:noAutofit/>
+          </a:bodyPr>
+          <a:lstStyle/>
+          <a:p>
+            <a:pPr lvl="0"/>
+            <a:r>
+              <a:rPr lang="en-US" sz="8000" baseline="0" dirty="0">
+                <a:ln w="3175" cmpd="sng">
+                  <a:noFill/>
+                </a:ln>
+                <a:solidFill>
+                  <a:schemeClr val="accent1">
+                    <a:lumMod val="60000"/>
+                    <a:lumOff val="40000"/>
+                  </a:schemeClr>
+                </a:solidFill>
+                <a:effectLst/>
+                <a:latin typeface="Arial"/>
+              </a:rPr>
+              <a:t>“</a:t>
+            </a:r>
+          </a:p>
+        </p:txBody>
+      </p:sp>
+      <p:sp>
+        <p:nvSpPr>
+          <p:cNvPr id="25" name="TextBox 24"/>
+          <p:cNvSpPr txBox="1"/>
+          <p:nvPr/>
+        </p:nvSpPr>
+        <p:spPr>
+          <a:xfrm>
+            <a:off x="6747699" y="2886556"/>
+            <a:ext cx="457319" cy="584776"/>
+          </a:xfrm>
+          <a:prstGeom prst="rect">
+            <a:avLst/>
+          </a:prstGeom>
+        </p:spPr>
+        <p:txBody>
+          <a:bodyPr vert="horz" lIns="91440" tIns="45720" rIns="91440" bIns="45720" rtlCol="0" anchor="ctr">
+            <a:noAutofit/>
+          </a:bodyPr>
+          <a:lstStyle/>
+          <a:p>
+            <a:pPr lvl="0"/>
+            <a:r>
+              <a:rPr lang="en-US" sz="8000" baseline="0" dirty="0">
+                <a:ln w="3175" cmpd="sng">
+                  <a:noFill/>
+                </a:ln>
+                <a:solidFill>
+                  <a:schemeClr val="accent1">
+                    <a:lumMod val="60000"/>
+                    <a:lumOff val="40000"/>
+                  </a:schemeClr>
+                </a:solidFill>
+                <a:effectLst/>
+                <a:latin typeface="Arial"/>
+              </a:rPr>
+              <a:t>”</a:t>
+            </a:r>
           </a:p>
         </p:txBody>
       </p:sp>
     </p:spTree>
     <p:extLst>
       <p:ext uri="{BB962C8B-B14F-4D97-AF65-F5344CB8AC3E}">
-        <p14:creationId xmlns:p14="http://schemas.microsoft.com/office/powerpoint/2010/main" val="2020919766"/>
+        <p14:creationId xmlns:p14="http://schemas.microsoft.com/office/powerpoint/2010/main" val="366260603"/>
       </p:ext>
     </p:extLst>
   </p:cSld>
@@ -1076,9 +2289,9 @@
 </p:sldLayout>
 </file>
 
-<file path=ppt/slideLayouts/slideLayout4.xml><?xml version="1.0" encoding="utf-8"?>
-<p:sldLayout xmlns:a="http://schemas.openxmlformats.org/drawingml/2006/main" xmlns:r="http://schemas.openxmlformats.org/officeDocument/2006/relationships" xmlns:p="http://schemas.openxmlformats.org/presentationml/2006/main" type="twoObj" preserve="1">
-  <p:cSld name="Dos objetos">
+<file path=ppt/slideLayouts/slideLayout14.xml><?xml version="1.0" encoding="utf-8"?>
+<p:sldLayout xmlns:a="http://schemas.openxmlformats.org/drawingml/2006/main" xmlns:r="http://schemas.openxmlformats.org/officeDocument/2006/relationships" xmlns:p="http://schemas.openxmlformats.org/presentationml/2006/main" preserve="1">
+  <p:cSld name="True or False">
     <p:spTree>
       <p:nvGrpSpPr>
         <p:cNvPr id="1" name=""/>
@@ -1103,71 +2316,25 @@
             <p:ph type="title"/>
           </p:nvPr>
         </p:nvSpPr>
-        <p:spPr/>
-        <p:txBody>
-          <a:bodyPr/>
-          <a:lstStyle/>
-          <a:p>
-            <a:r>
-              <a:rPr lang="es-ES" smtClean="0"/>
-              <a:t>Haga clic para modificar el estilo de título del patrón</a:t>
-            </a:r>
-            <a:endParaRPr lang="en-US" dirty="0"/>
-          </a:p>
-        </p:txBody>
-      </p:sp>
-      <p:sp>
-        <p:nvSpPr>
-          <p:cNvPr id="3" name="Content Placeholder 2"/>
-          <p:cNvSpPr>
-            <a:spLocks noGrp="1"/>
-          </p:cNvSpPr>
-          <p:nvPr>
-            <p:ph sz="half" idx="1"/>
-          </p:nvPr>
-        </p:nvSpPr>
         <p:spPr>
           <a:xfrm>
-            <a:off x="628650" y="1825625"/>
-            <a:ext cx="3886200" cy="4351338"/>
+            <a:off x="615848" y="609600"/>
+            <a:ext cx="6341465" cy="3022600"/>
           </a:xfrm>
         </p:spPr>
         <p:txBody>
-          <a:bodyPr/>
-          <a:lstStyle/>
-          <a:p>
-            <a:pPr lvl="0"/>
-            <a:r>
-              <a:rPr lang="es-ES" smtClean="0"/>
-              <a:t>Haga clic para modificar el estilo de texto del patrón</a:t>
-            </a:r>
-          </a:p>
-          <a:p>
-            <a:pPr lvl="1"/>
-            <a:r>
-              <a:rPr lang="es-ES" smtClean="0"/>
-              <a:t>Segundo nivel</a:t>
-            </a:r>
-          </a:p>
-          <a:p>
-            <a:pPr lvl="2"/>
-            <a:r>
-              <a:rPr lang="es-ES" smtClean="0"/>
-              <a:t>Tercer nivel</a:t>
-            </a:r>
-          </a:p>
-          <a:p>
-            <a:pPr lvl="3"/>
-            <a:r>
-              <a:rPr lang="es-ES" smtClean="0"/>
-              <a:t>Cuarto nivel</a:t>
-            </a:r>
-          </a:p>
-          <a:p>
-            <a:pPr lvl="4"/>
-            <a:r>
-              <a:rPr lang="es-ES" smtClean="0"/>
-              <a:t>Quinto nivel</a:t>
+          <a:bodyPr anchor="ctr">
+            <a:normAutofit/>
+          </a:bodyPr>
+          <a:lstStyle>
+            <a:lvl1pPr algn="l">
+              <a:defRPr sz="4400" b="0" cap="none"/>
+            </a:lvl1pPr>
+          </a:lstStyle>
+          <a:p>
+            <a:r>
+              <a:rPr lang="en-US" smtClean="0"/>
+              <a:t>Click to edit Master title style</a:t>
             </a:r>
             <a:endParaRPr lang="en-US" dirty="0"/>
           </a:p>
@@ -1175,64 +2342,189 @@
       </p:sp>
       <p:sp>
         <p:nvSpPr>
-          <p:cNvPr id="4" name="Content Placeholder 3"/>
-          <p:cNvSpPr>
-            <a:spLocks noGrp="1"/>
-          </p:cNvSpPr>
-          <p:nvPr>
-            <p:ph sz="half" idx="2"/>
+          <p:cNvPr id="23" name="Text Placeholder 9"/>
+          <p:cNvSpPr>
+            <a:spLocks noGrp="1"/>
+          </p:cNvSpPr>
+          <p:nvPr>
+            <p:ph type="body" sz="quarter" idx="13"/>
           </p:nvPr>
         </p:nvSpPr>
         <p:spPr>
           <a:xfrm>
-            <a:off x="4629150" y="1825625"/>
-            <a:ext cx="3886200" cy="4351338"/>
+            <a:off x="609597" y="4013200"/>
+            <a:ext cx="6347716" cy="514248"/>
           </a:xfrm>
         </p:spPr>
         <p:txBody>
-          <a:bodyPr/>
-          <a:lstStyle/>
+          <a:bodyPr anchor="b">
+            <a:noAutofit/>
+          </a:bodyPr>
+          <a:lstStyle>
+            <a:lvl1pPr marL="0" indent="0">
+              <a:buFontTx/>
+              <a:buNone/>
+              <a:defRPr sz="2400">
+                <a:solidFill>
+                  <a:schemeClr val="accent1"/>
+                </a:solidFill>
+              </a:defRPr>
+            </a:lvl1pPr>
+            <a:lvl2pPr marL="457200" indent="0">
+              <a:buFontTx/>
+              <a:buNone/>
+              <a:defRPr/>
+            </a:lvl2pPr>
+            <a:lvl3pPr marL="914400" indent="0">
+              <a:buFontTx/>
+              <a:buNone/>
+              <a:defRPr/>
+            </a:lvl3pPr>
+            <a:lvl4pPr marL="1371600" indent="0">
+              <a:buFontTx/>
+              <a:buNone/>
+              <a:defRPr/>
+            </a:lvl4pPr>
+            <a:lvl5pPr marL="1828800" indent="0">
+              <a:buFontTx/>
+              <a:buNone/>
+              <a:defRPr/>
+            </a:lvl5pPr>
+          </a:lstStyle>
           <a:p>
             <a:pPr lvl="0"/>
             <a:r>
-              <a:rPr lang="es-ES" smtClean="0"/>
-              <a:t>Haga clic para modificar el estilo de texto del patrón</a:t>
-            </a:r>
-          </a:p>
-          <a:p>
-            <a:pPr lvl="1"/>
-            <a:r>
-              <a:rPr lang="es-ES" smtClean="0"/>
-              <a:t>Segundo nivel</a:t>
-            </a:r>
-          </a:p>
-          <a:p>
-            <a:pPr lvl="2"/>
-            <a:r>
-              <a:rPr lang="es-ES" smtClean="0"/>
-              <a:t>Tercer nivel</a:t>
-            </a:r>
-          </a:p>
-          <a:p>
-            <a:pPr lvl="3"/>
-            <a:r>
-              <a:rPr lang="es-ES" smtClean="0"/>
-              <a:t>Cuarto nivel</a:t>
-            </a:r>
-          </a:p>
-          <a:p>
-            <a:pPr lvl="4"/>
-            <a:r>
-              <a:rPr lang="es-ES" smtClean="0"/>
-              <a:t>Quinto nivel</a:t>
-            </a:r>
-            <a:endParaRPr lang="en-US" dirty="0"/>
-          </a:p>
-        </p:txBody>
-      </p:sp>
-      <p:sp>
-        <p:nvSpPr>
-          <p:cNvPr id="5" name="Date Placeholder 4"/>
+              <a:rPr lang="en-US" smtClean="0"/>
+              <a:t>Click to edit Master text styles</a:t>
+            </a:r>
+          </a:p>
+        </p:txBody>
+      </p:sp>
+      <p:sp>
+        <p:nvSpPr>
+          <p:cNvPr id="3" name="Text Placeholder 2"/>
+          <p:cNvSpPr>
+            <a:spLocks noGrp="1"/>
+          </p:cNvSpPr>
+          <p:nvPr>
+            <p:ph type="body" idx="1"/>
+          </p:nvPr>
+        </p:nvSpPr>
+        <p:spPr>
+          <a:xfrm>
+            <a:off x="609598" y="4527448"/>
+            <a:ext cx="6347715" cy="1513914"/>
+          </a:xfrm>
+        </p:spPr>
+        <p:txBody>
+          <a:bodyPr anchor="t">
+            <a:normAutofit/>
+          </a:bodyPr>
+          <a:lstStyle>
+            <a:lvl1pPr marL="0" indent="0" algn="l">
+              <a:buNone/>
+              <a:defRPr sz="1800">
+                <a:solidFill>
+                  <a:schemeClr val="tx1">
+                    <a:lumMod val="50000"/>
+                    <a:lumOff val="50000"/>
+                  </a:schemeClr>
+                </a:solidFill>
+              </a:defRPr>
+            </a:lvl1pPr>
+            <a:lvl2pPr marL="457200" indent="0">
+              <a:buNone/>
+              <a:defRPr sz="1800">
+                <a:solidFill>
+                  <a:schemeClr val="tx1">
+                    <a:tint val="75000"/>
+                  </a:schemeClr>
+                </a:solidFill>
+              </a:defRPr>
+            </a:lvl2pPr>
+            <a:lvl3pPr marL="914400" indent="0">
+              <a:buNone/>
+              <a:defRPr sz="1600">
+                <a:solidFill>
+                  <a:schemeClr val="tx1">
+                    <a:tint val="75000"/>
+                  </a:schemeClr>
+                </a:solidFill>
+              </a:defRPr>
+            </a:lvl3pPr>
+            <a:lvl4pPr marL="1371600" indent="0">
+              <a:buNone/>
+              <a:defRPr sz="1400">
+                <a:solidFill>
+                  <a:schemeClr val="tx1">
+                    <a:tint val="75000"/>
+                  </a:schemeClr>
+                </a:solidFill>
+              </a:defRPr>
+            </a:lvl4pPr>
+            <a:lvl5pPr marL="1828800" indent="0">
+              <a:buNone/>
+              <a:defRPr sz="1400">
+                <a:solidFill>
+                  <a:schemeClr val="tx1">
+                    <a:tint val="75000"/>
+                  </a:schemeClr>
+                </a:solidFill>
+              </a:defRPr>
+            </a:lvl5pPr>
+            <a:lvl6pPr marL="2286000" indent="0">
+              <a:buNone/>
+              <a:defRPr sz="1400">
+                <a:solidFill>
+                  <a:schemeClr val="tx1">
+                    <a:tint val="75000"/>
+                  </a:schemeClr>
+                </a:solidFill>
+              </a:defRPr>
+            </a:lvl6pPr>
+            <a:lvl7pPr marL="2743200" indent="0">
+              <a:buNone/>
+              <a:defRPr sz="1400">
+                <a:solidFill>
+                  <a:schemeClr val="tx1">
+                    <a:tint val="75000"/>
+                  </a:schemeClr>
+                </a:solidFill>
+              </a:defRPr>
+            </a:lvl7pPr>
+            <a:lvl8pPr marL="3200400" indent="0">
+              <a:buNone/>
+              <a:defRPr sz="1400">
+                <a:solidFill>
+                  <a:schemeClr val="tx1">
+                    <a:tint val="75000"/>
+                  </a:schemeClr>
+                </a:solidFill>
+              </a:defRPr>
+            </a:lvl8pPr>
+            <a:lvl9pPr marL="3657600" indent="0">
+              <a:buNone/>
+              <a:defRPr sz="1400">
+                <a:solidFill>
+                  <a:schemeClr val="tx1">
+                    <a:tint val="75000"/>
+                  </a:schemeClr>
+                </a:solidFill>
+              </a:defRPr>
+            </a:lvl9pPr>
+          </a:lstStyle>
+          <a:p>
+            <a:pPr lvl="0"/>
+            <a:r>
+              <a:rPr lang="en-US" smtClean="0"/>
+              <a:t>Click to edit Master text styles</a:t>
+            </a:r>
+          </a:p>
+        </p:txBody>
+      </p:sp>
+      <p:sp>
+        <p:nvSpPr>
+          <p:cNvPr id="4" name="Date Placeholder 3"/>
           <p:cNvSpPr>
             <a:spLocks noGrp="1"/>
           </p:cNvSpPr>
@@ -1255,7 +2547,7 @@
       </p:sp>
       <p:sp>
         <p:nvSpPr>
-          <p:cNvPr id="6" name="Footer Placeholder 5"/>
+          <p:cNvPr id="5" name="Footer Placeholder 4"/>
           <p:cNvSpPr>
             <a:spLocks noGrp="1"/>
           </p:cNvSpPr>
@@ -1274,7 +2566,7 @@
       </p:sp>
       <p:sp>
         <p:nvSpPr>
-          <p:cNvPr id="7" name="Slide Number Placeholder 6"/>
+          <p:cNvPr id="6" name="Slide Number Placeholder 5"/>
           <p:cNvSpPr>
             <a:spLocks noGrp="1"/>
           </p:cNvSpPr>
@@ -1289,7 +2581,7 @@
           <a:p>
             <a:fld id="{2CDB9AEF-8318-41C2-9891-CC46D7AD0D89}" type="slidenum">
               <a:rPr lang="es-CO" smtClean="0"/>
-              <a:t>‹Nº›</a:t>
+              <a:t>‹#›</a:t>
             </a:fld>
             <a:endParaRPr lang="es-CO"/>
           </a:p>
@@ -1298,7 +2590,7 @@
     </p:spTree>
     <p:extLst>
       <p:ext uri="{BB962C8B-B14F-4D97-AF65-F5344CB8AC3E}">
-        <p14:creationId xmlns:p14="http://schemas.microsoft.com/office/powerpoint/2010/main" val="780300991"/>
+        <p14:creationId xmlns:p14="http://schemas.microsoft.com/office/powerpoint/2010/main" val="2299125125"/>
       </p:ext>
     </p:extLst>
   </p:cSld>
@@ -1308,9 +2600,9 @@
 </p:sldLayout>
 </file>
 
-<file path=ppt/slideLayouts/slideLayout5.xml><?xml version="1.0" encoding="utf-8"?>
-<p:sldLayout xmlns:a="http://schemas.openxmlformats.org/drawingml/2006/main" xmlns:r="http://schemas.openxmlformats.org/officeDocument/2006/relationships" xmlns:p="http://schemas.openxmlformats.org/presentationml/2006/main" type="twoTxTwoObj" preserve="1">
-  <p:cSld name="Comparación">
+<file path=ppt/slideLayouts/slideLayout15.xml><?xml version="1.0" encoding="utf-8"?>
+<p:sldLayout xmlns:a="http://schemas.openxmlformats.org/drawingml/2006/main" xmlns:r="http://schemas.openxmlformats.org/officeDocument/2006/relationships" xmlns:p="http://schemas.openxmlformats.org/presentationml/2006/main" type="vertTx" preserve="1">
+  <p:cSld name="Title and Vertical Text">
     <p:spTree>
       <p:nvGrpSpPr>
         <p:cNvPr id="1" name=""/>
@@ -1335,19 +2627,14 @@
             <p:ph type="title"/>
           </p:nvPr>
         </p:nvSpPr>
-        <p:spPr>
-          <a:xfrm>
-            <a:off x="629841" y="365126"/>
-            <a:ext cx="7886700" cy="1325563"/>
-          </a:xfrm>
-        </p:spPr>
+        <p:spPr/>
         <p:txBody>
           <a:bodyPr/>
           <a:lstStyle/>
           <a:p>
             <a:r>
-              <a:rPr lang="es-ES" smtClean="0"/>
-              <a:t>Haga clic para modificar el estilo de título del patrón</a:t>
+              <a:rPr lang="en-US" smtClean="0"/>
+              <a:t>Click to edit Master title style</a:t>
             </a:r>
             <a:endParaRPr lang="en-US" dirty="0"/>
           </a:p>
@@ -1355,121 +2642,51 @@
       </p:sp>
       <p:sp>
         <p:nvSpPr>
-          <p:cNvPr id="3" name="Text Placeholder 2"/>
-          <p:cNvSpPr>
-            <a:spLocks noGrp="1"/>
-          </p:cNvSpPr>
-          <p:nvPr>
-            <p:ph type="body" idx="1"/>
-          </p:nvPr>
-        </p:nvSpPr>
-        <p:spPr>
-          <a:xfrm>
-            <a:off x="629842" y="1681163"/>
-            <a:ext cx="3868340" cy="823912"/>
-          </a:xfrm>
-        </p:spPr>
-        <p:txBody>
-          <a:bodyPr anchor="b"/>
-          <a:lstStyle>
-            <a:lvl1pPr marL="0" indent="0">
-              <a:buNone/>
-              <a:defRPr sz="2400" b="1"/>
-            </a:lvl1pPr>
-            <a:lvl2pPr marL="457200" indent="0">
-              <a:buNone/>
-              <a:defRPr sz="2000" b="1"/>
-            </a:lvl2pPr>
-            <a:lvl3pPr marL="914400" indent="0">
-              <a:buNone/>
-              <a:defRPr sz="1800" b="1"/>
-            </a:lvl3pPr>
-            <a:lvl4pPr marL="1371600" indent="0">
-              <a:buNone/>
-              <a:defRPr sz="1600" b="1"/>
-            </a:lvl4pPr>
-            <a:lvl5pPr marL="1828800" indent="0">
-              <a:buNone/>
-              <a:defRPr sz="1600" b="1"/>
-            </a:lvl5pPr>
-            <a:lvl6pPr marL="2286000" indent="0">
-              <a:buNone/>
-              <a:defRPr sz="1600" b="1"/>
-            </a:lvl6pPr>
-            <a:lvl7pPr marL="2743200" indent="0">
-              <a:buNone/>
-              <a:defRPr sz="1600" b="1"/>
-            </a:lvl7pPr>
-            <a:lvl8pPr marL="3200400" indent="0">
-              <a:buNone/>
-              <a:defRPr sz="1600" b="1"/>
-            </a:lvl8pPr>
-            <a:lvl9pPr marL="3657600" indent="0">
-              <a:buNone/>
-              <a:defRPr sz="1600" b="1"/>
-            </a:lvl9pPr>
-          </a:lstStyle>
+          <p:cNvPr id="3" name="Vertical Text Placeholder 2"/>
+          <p:cNvSpPr>
+            <a:spLocks noGrp="1"/>
+          </p:cNvSpPr>
+          <p:nvPr>
+            <p:ph type="body" orient="vert" idx="1"/>
+          </p:nvPr>
+        </p:nvSpPr>
+        <p:spPr/>
+        <p:txBody>
+          <a:bodyPr vert="eaVert"/>
+          <a:lstStyle/>
           <a:p>
             <a:pPr lvl="0"/>
             <a:r>
-              <a:rPr lang="es-ES" smtClean="0"/>
-              <a:t>Haga clic para modificar el estilo de texto del patrón</a:t>
-            </a:r>
-          </a:p>
-        </p:txBody>
-      </p:sp>
-      <p:sp>
-        <p:nvSpPr>
-          <p:cNvPr id="4" name="Content Placeholder 3"/>
-          <p:cNvSpPr>
-            <a:spLocks noGrp="1"/>
-          </p:cNvSpPr>
-          <p:nvPr>
-            <p:ph sz="half" idx="2"/>
-          </p:nvPr>
-        </p:nvSpPr>
-        <p:spPr>
-          <a:xfrm>
-            <a:off x="629842" y="2505075"/>
-            <a:ext cx="3868340" cy="3684588"/>
-          </a:xfrm>
-        </p:spPr>
-        <p:txBody>
-          <a:bodyPr/>
-          <a:lstStyle/>
-          <a:p>
-            <a:pPr lvl="0"/>
-            <a:r>
-              <a:rPr lang="es-ES" smtClean="0"/>
-              <a:t>Haga clic para modificar el estilo de texto del patrón</a:t>
+              <a:rPr lang="en-US" smtClean="0"/>
+              <a:t>Click to edit Master text styles</a:t>
             </a:r>
           </a:p>
           <a:p>
             <a:pPr lvl="1"/>
             <a:r>
-              <a:rPr lang="es-ES" smtClean="0"/>
-              <a:t>Segundo nivel</a:t>
+              <a:rPr lang="en-US" smtClean="0"/>
+              <a:t>Second level</a:t>
             </a:r>
           </a:p>
           <a:p>
             <a:pPr lvl="2"/>
             <a:r>
-              <a:rPr lang="es-ES" smtClean="0"/>
-              <a:t>Tercer nivel</a:t>
+              <a:rPr lang="en-US" smtClean="0"/>
+              <a:t>Third level</a:t>
             </a:r>
           </a:p>
           <a:p>
             <a:pPr lvl="3"/>
             <a:r>
-              <a:rPr lang="es-ES" smtClean="0"/>
-              <a:t>Cuarto nivel</a:t>
+              <a:rPr lang="en-US" smtClean="0"/>
+              <a:t>Fourth level</a:t>
             </a:r>
           </a:p>
           <a:p>
             <a:pPr lvl="4"/>
             <a:r>
-              <a:rPr lang="es-ES" smtClean="0"/>
-              <a:t>Quinto nivel</a:t>
+              <a:rPr lang="en-US" smtClean="0"/>
+              <a:t>Fifth level</a:t>
             </a:r>
             <a:endParaRPr lang="en-US" dirty="0"/>
           </a:p>
@@ -1477,129 +2694,7 @@
       </p:sp>
       <p:sp>
         <p:nvSpPr>
-          <p:cNvPr id="5" name="Text Placeholder 4"/>
-          <p:cNvSpPr>
-            <a:spLocks noGrp="1"/>
-          </p:cNvSpPr>
-          <p:nvPr>
-            <p:ph type="body" sz="quarter" idx="3"/>
-          </p:nvPr>
-        </p:nvSpPr>
-        <p:spPr>
-          <a:xfrm>
-            <a:off x="4629150" y="1681163"/>
-            <a:ext cx="3887391" cy="823912"/>
-          </a:xfrm>
-        </p:spPr>
-        <p:txBody>
-          <a:bodyPr anchor="b"/>
-          <a:lstStyle>
-            <a:lvl1pPr marL="0" indent="0">
-              <a:buNone/>
-              <a:defRPr sz="2400" b="1"/>
-            </a:lvl1pPr>
-            <a:lvl2pPr marL="457200" indent="0">
-              <a:buNone/>
-              <a:defRPr sz="2000" b="1"/>
-            </a:lvl2pPr>
-            <a:lvl3pPr marL="914400" indent="0">
-              <a:buNone/>
-              <a:defRPr sz="1800" b="1"/>
-            </a:lvl3pPr>
-            <a:lvl4pPr marL="1371600" indent="0">
-              <a:buNone/>
-              <a:defRPr sz="1600" b="1"/>
-            </a:lvl4pPr>
-            <a:lvl5pPr marL="1828800" indent="0">
-              <a:buNone/>
-              <a:defRPr sz="1600" b="1"/>
-            </a:lvl5pPr>
-            <a:lvl6pPr marL="2286000" indent="0">
-              <a:buNone/>
-              <a:defRPr sz="1600" b="1"/>
-            </a:lvl6pPr>
-            <a:lvl7pPr marL="2743200" indent="0">
-              <a:buNone/>
-              <a:defRPr sz="1600" b="1"/>
-            </a:lvl7pPr>
-            <a:lvl8pPr marL="3200400" indent="0">
-              <a:buNone/>
-              <a:defRPr sz="1600" b="1"/>
-            </a:lvl8pPr>
-            <a:lvl9pPr marL="3657600" indent="0">
-              <a:buNone/>
-              <a:defRPr sz="1600" b="1"/>
-            </a:lvl9pPr>
-          </a:lstStyle>
-          <a:p>
-            <a:pPr lvl="0"/>
-            <a:r>
-              <a:rPr lang="es-ES" smtClean="0"/>
-              <a:t>Haga clic para modificar el estilo de texto del patrón</a:t>
-            </a:r>
-          </a:p>
-        </p:txBody>
-      </p:sp>
-      <p:sp>
-        <p:nvSpPr>
-          <p:cNvPr id="6" name="Content Placeholder 5"/>
-          <p:cNvSpPr>
-            <a:spLocks noGrp="1"/>
-          </p:cNvSpPr>
-          <p:nvPr>
-            <p:ph sz="quarter" idx="4"/>
-          </p:nvPr>
-        </p:nvSpPr>
-        <p:spPr>
-          <a:xfrm>
-            <a:off x="4629150" y="2505075"/>
-            <a:ext cx="3887391" cy="3684588"/>
-          </a:xfrm>
-        </p:spPr>
-        <p:txBody>
-          <a:bodyPr/>
-          <a:lstStyle/>
-          <a:p>
-            <a:pPr lvl="0"/>
-            <a:r>
-              <a:rPr lang="es-ES" smtClean="0"/>
-              <a:t>Haga clic para modificar el estilo de texto del patrón</a:t>
-            </a:r>
-          </a:p>
-          <a:p>
-            <a:pPr lvl="1"/>
-            <a:r>
-              <a:rPr lang="es-ES" smtClean="0"/>
-              <a:t>Segundo nivel</a:t>
-            </a:r>
-          </a:p>
-          <a:p>
-            <a:pPr lvl="2"/>
-            <a:r>
-              <a:rPr lang="es-ES" smtClean="0"/>
-              <a:t>Tercer nivel</a:t>
-            </a:r>
-          </a:p>
-          <a:p>
-            <a:pPr lvl="3"/>
-            <a:r>
-              <a:rPr lang="es-ES" smtClean="0"/>
-              <a:t>Cuarto nivel</a:t>
-            </a:r>
-          </a:p>
-          <a:p>
-            <a:pPr lvl="4"/>
-            <a:r>
-              <a:rPr lang="es-ES" smtClean="0"/>
-              <a:t>Quinto nivel</a:t>
-            </a:r>
-            <a:endParaRPr lang="en-US" dirty="0"/>
-          </a:p>
-        </p:txBody>
-      </p:sp>
-      <p:sp>
-        <p:nvSpPr>
-          <p:cNvPr id="7" name="Date Placeholder 6"/>
+          <p:cNvPr id="4" name="Date Placeholder 3"/>
           <p:cNvSpPr>
             <a:spLocks noGrp="1"/>
           </p:cNvSpPr>
@@ -1622,7 +2717,7 @@
       </p:sp>
       <p:sp>
         <p:nvSpPr>
-          <p:cNvPr id="8" name="Footer Placeholder 7"/>
+          <p:cNvPr id="5" name="Footer Placeholder 4"/>
           <p:cNvSpPr>
             <a:spLocks noGrp="1"/>
           </p:cNvSpPr>
@@ -1641,7 +2736,7 @@
       </p:sp>
       <p:sp>
         <p:nvSpPr>
-          <p:cNvPr id="9" name="Slide Number Placeholder 8"/>
+          <p:cNvPr id="6" name="Slide Number Placeholder 5"/>
           <p:cNvSpPr>
             <a:spLocks noGrp="1"/>
           </p:cNvSpPr>
@@ -1656,7 +2751,7 @@
           <a:p>
             <a:fld id="{2CDB9AEF-8318-41C2-9891-CC46D7AD0D89}" type="slidenum">
               <a:rPr lang="es-CO" smtClean="0"/>
-              <a:t>‹Nº›</a:t>
+              <a:t>‹#›</a:t>
             </a:fld>
             <a:endParaRPr lang="es-CO"/>
           </a:p>
@@ -1665,7 +2760,7 @@
     </p:spTree>
     <p:extLst>
       <p:ext uri="{BB962C8B-B14F-4D97-AF65-F5344CB8AC3E}">
-        <p14:creationId xmlns:p14="http://schemas.microsoft.com/office/powerpoint/2010/main" val="2250040677"/>
+        <p14:creationId xmlns:p14="http://schemas.microsoft.com/office/powerpoint/2010/main" val="3500963132"/>
       </p:ext>
     </p:extLst>
   </p:cSld>
@@ -1675,9 +2770,9 @@
 </p:sldLayout>
 </file>
 
-<file path=ppt/slideLayouts/slideLayout6.xml><?xml version="1.0" encoding="utf-8"?>
-<p:sldLayout xmlns:a="http://schemas.openxmlformats.org/drawingml/2006/main" xmlns:r="http://schemas.openxmlformats.org/officeDocument/2006/relationships" xmlns:p="http://schemas.openxmlformats.org/presentationml/2006/main" type="titleOnly" preserve="1">
-  <p:cSld name="Solo el título">
+<file path=ppt/slideLayouts/slideLayout16.xml><?xml version="1.0" encoding="utf-8"?>
+<p:sldLayout xmlns:a="http://schemas.openxmlformats.org/drawingml/2006/main" xmlns:r="http://schemas.openxmlformats.org/officeDocument/2006/relationships" xmlns:p="http://schemas.openxmlformats.org/presentationml/2006/main" type="vertTitleAndTx" preserve="1">
+  <p:cSld name="Vertical Title and Text">
     <p:spTree>
       <p:nvGrpSpPr>
         <p:cNvPr id="1" name=""/>
@@ -1694,22 +2789,27 @@
       </p:grpSpPr>
       <p:sp>
         <p:nvSpPr>
-          <p:cNvPr id="2" name="Title 1"/>
-          <p:cNvSpPr>
-            <a:spLocks noGrp="1"/>
-          </p:cNvSpPr>
-          <p:nvPr>
-            <p:ph type="title"/>
-          </p:nvPr>
-        </p:nvSpPr>
-        <p:spPr/>
-        <p:txBody>
-          <a:bodyPr/>
-          <a:lstStyle/>
-          <a:p>
-            <a:r>
-              <a:rPr lang="es-ES" smtClean="0"/>
-              <a:t>Haga clic para modificar el estilo de título del patrón</a:t>
+          <p:cNvPr id="2" name="Vertical Title 1"/>
+          <p:cNvSpPr>
+            <a:spLocks noGrp="1"/>
+          </p:cNvSpPr>
+          <p:nvPr>
+            <p:ph type="title" orient="vert"/>
+          </p:nvPr>
+        </p:nvSpPr>
+        <p:spPr>
+          <a:xfrm>
+            <a:off x="5977312" y="609600"/>
+            <a:ext cx="978812" cy="5251451"/>
+          </a:xfrm>
+        </p:spPr>
+        <p:txBody>
+          <a:bodyPr vert="eaVert" anchor="ctr"/>
+          <a:lstStyle/>
+          <a:p>
+            <a:r>
+              <a:rPr lang="en-US" smtClean="0"/>
+              <a:t>Click to edit Master title style</a:t>
             </a:r>
             <a:endParaRPr lang="en-US" dirty="0"/>
           </a:p>
@@ -1717,7 +2817,64 @@
       </p:sp>
       <p:sp>
         <p:nvSpPr>
-          <p:cNvPr id="3" name="Date Placeholder 2"/>
+          <p:cNvPr id="3" name="Vertical Text Placeholder 2"/>
+          <p:cNvSpPr>
+            <a:spLocks noGrp="1"/>
+          </p:cNvSpPr>
+          <p:nvPr>
+            <p:ph type="body" orient="vert" idx="1"/>
+          </p:nvPr>
+        </p:nvSpPr>
+        <p:spPr>
+          <a:xfrm>
+            <a:off x="609599" y="609600"/>
+            <a:ext cx="5195026" cy="5251451"/>
+          </a:xfrm>
+        </p:spPr>
+        <p:txBody>
+          <a:bodyPr vert="eaVert"/>
+          <a:lstStyle/>
+          <a:p>
+            <a:pPr lvl="0"/>
+            <a:r>
+              <a:rPr lang="en-US" smtClean="0"/>
+              <a:t>Click to edit Master text styles</a:t>
+            </a:r>
+          </a:p>
+          <a:p>
+            <a:pPr lvl="1"/>
+            <a:r>
+              <a:rPr lang="en-US" smtClean="0"/>
+              <a:t>Second level</a:t>
+            </a:r>
+          </a:p>
+          <a:p>
+            <a:pPr lvl="2"/>
+            <a:r>
+              <a:rPr lang="en-US" smtClean="0"/>
+              <a:t>Third level</a:t>
+            </a:r>
+          </a:p>
+          <a:p>
+            <a:pPr lvl="3"/>
+            <a:r>
+              <a:rPr lang="en-US" smtClean="0"/>
+              <a:t>Fourth level</a:t>
+            </a:r>
+          </a:p>
+          <a:p>
+            <a:pPr lvl="4"/>
+            <a:r>
+              <a:rPr lang="en-US" smtClean="0"/>
+              <a:t>Fifth level</a:t>
+            </a:r>
+            <a:endParaRPr lang="en-US" dirty="0"/>
+          </a:p>
+        </p:txBody>
+      </p:sp>
+      <p:sp>
+        <p:nvSpPr>
+          <p:cNvPr id="4" name="Date Placeholder 3"/>
           <p:cNvSpPr>
             <a:spLocks noGrp="1"/>
           </p:cNvSpPr>
@@ -1740,7 +2897,7 @@
       </p:sp>
       <p:sp>
         <p:nvSpPr>
-          <p:cNvPr id="4" name="Footer Placeholder 3"/>
+          <p:cNvPr id="5" name="Footer Placeholder 4"/>
           <p:cNvSpPr>
             <a:spLocks noGrp="1"/>
           </p:cNvSpPr>
@@ -1759,7 +2916,7 @@
       </p:sp>
       <p:sp>
         <p:nvSpPr>
-          <p:cNvPr id="5" name="Slide Number Placeholder 4"/>
+          <p:cNvPr id="6" name="Slide Number Placeholder 5"/>
           <p:cNvSpPr>
             <a:spLocks noGrp="1"/>
           </p:cNvSpPr>
@@ -1774,7 +2931,7 @@
           <a:p>
             <a:fld id="{2CDB9AEF-8318-41C2-9891-CC46D7AD0D89}" type="slidenum">
               <a:rPr lang="es-CO" smtClean="0"/>
-              <a:t>‹Nº›</a:t>
+              <a:t>‹#›</a:t>
             </a:fld>
             <a:endParaRPr lang="es-CO"/>
           </a:p>
@@ -1783,7 +2940,7 @@
     </p:spTree>
     <p:extLst>
       <p:ext uri="{BB962C8B-B14F-4D97-AF65-F5344CB8AC3E}">
-        <p14:creationId xmlns:p14="http://schemas.microsoft.com/office/powerpoint/2010/main" val="424211084"/>
+        <p14:creationId xmlns:p14="http://schemas.microsoft.com/office/powerpoint/2010/main" val="1836173672"/>
       </p:ext>
     </p:extLst>
   </p:cSld>
@@ -1793,9 +2950,9 @@
 </p:sldLayout>
 </file>
 
-<file path=ppt/slideLayouts/slideLayout7.xml><?xml version="1.0" encoding="utf-8"?>
-<p:sldLayout xmlns:a="http://schemas.openxmlformats.org/drawingml/2006/main" xmlns:r="http://schemas.openxmlformats.org/officeDocument/2006/relationships" xmlns:p="http://schemas.openxmlformats.org/presentationml/2006/main" type="blank" preserve="1">
-  <p:cSld name="En blanco">
+<file path=ppt/slideLayouts/slideLayout2.xml><?xml version="1.0" encoding="utf-8"?>
+<p:sldLayout xmlns:a="http://schemas.openxmlformats.org/drawingml/2006/main" xmlns:r="http://schemas.openxmlformats.org/officeDocument/2006/relationships" xmlns:p="http://schemas.openxmlformats.org/presentationml/2006/main" type="obj" preserve="1">
+  <p:cSld name="Title and Content">
     <p:spTree>
       <p:nvGrpSpPr>
         <p:cNvPr id="1" name=""/>
@@ -1812,7 +2969,82 @@
       </p:grpSpPr>
       <p:sp>
         <p:nvSpPr>
-          <p:cNvPr id="2" name="Date Placeholder 1"/>
+          <p:cNvPr id="2" name="Title 1"/>
+          <p:cNvSpPr>
+            <a:spLocks noGrp="1"/>
+          </p:cNvSpPr>
+          <p:nvPr>
+            <p:ph type="title"/>
+          </p:nvPr>
+        </p:nvSpPr>
+        <p:spPr/>
+        <p:txBody>
+          <a:bodyPr/>
+          <a:lstStyle/>
+          <a:p>
+            <a:r>
+              <a:rPr lang="en-US" smtClean="0"/>
+              <a:t>Click to edit Master title style</a:t>
+            </a:r>
+            <a:endParaRPr lang="en-US" dirty="0"/>
+          </a:p>
+        </p:txBody>
+      </p:sp>
+      <p:sp>
+        <p:nvSpPr>
+          <p:cNvPr id="3" name="Content Placeholder 2"/>
+          <p:cNvSpPr>
+            <a:spLocks noGrp="1"/>
+          </p:cNvSpPr>
+          <p:nvPr>
+            <p:ph idx="1"/>
+          </p:nvPr>
+        </p:nvSpPr>
+        <p:spPr/>
+        <p:txBody>
+          <a:bodyPr/>
+          <a:lstStyle/>
+          <a:p>
+            <a:pPr lvl="0"/>
+            <a:r>
+              <a:rPr lang="en-US" smtClean="0"/>
+              <a:t>Click to edit Master text styles</a:t>
+            </a:r>
+          </a:p>
+          <a:p>
+            <a:pPr lvl="1"/>
+            <a:r>
+              <a:rPr lang="en-US" smtClean="0"/>
+              <a:t>Second level</a:t>
+            </a:r>
+          </a:p>
+          <a:p>
+            <a:pPr lvl="2"/>
+            <a:r>
+              <a:rPr lang="en-US" smtClean="0"/>
+              <a:t>Third level</a:t>
+            </a:r>
+          </a:p>
+          <a:p>
+            <a:pPr lvl="3"/>
+            <a:r>
+              <a:rPr lang="en-US" smtClean="0"/>
+              <a:t>Fourth level</a:t>
+            </a:r>
+          </a:p>
+          <a:p>
+            <a:pPr lvl="4"/>
+            <a:r>
+              <a:rPr lang="en-US" smtClean="0"/>
+              <a:t>Fifth level</a:t>
+            </a:r>
+            <a:endParaRPr lang="en-US" dirty="0"/>
+          </a:p>
+        </p:txBody>
+      </p:sp>
+      <p:sp>
+        <p:nvSpPr>
+          <p:cNvPr id="4" name="Date Placeholder 3"/>
           <p:cNvSpPr>
             <a:spLocks noGrp="1"/>
           </p:cNvSpPr>
@@ -1835,7 +3067,7 @@
       </p:sp>
       <p:sp>
         <p:nvSpPr>
-          <p:cNvPr id="3" name="Footer Placeholder 2"/>
+          <p:cNvPr id="5" name="Footer Placeholder 4"/>
           <p:cNvSpPr>
             <a:spLocks noGrp="1"/>
           </p:cNvSpPr>
@@ -1854,7 +3086,7 @@
       </p:sp>
       <p:sp>
         <p:nvSpPr>
-          <p:cNvPr id="4" name="Slide Number Placeholder 3"/>
+          <p:cNvPr id="6" name="Slide Number Placeholder 5"/>
           <p:cNvSpPr>
             <a:spLocks noGrp="1"/>
           </p:cNvSpPr>
@@ -1869,7 +3101,7 @@
           <a:p>
             <a:fld id="{2CDB9AEF-8318-41C2-9891-CC46D7AD0D89}" type="slidenum">
               <a:rPr lang="es-CO" smtClean="0"/>
-              <a:t>‹Nº›</a:t>
+              <a:t>‹#›</a:t>
             </a:fld>
             <a:endParaRPr lang="es-CO"/>
           </a:p>
@@ -1878,7 +3110,7 @@
     </p:spTree>
     <p:extLst>
       <p:ext uri="{BB962C8B-B14F-4D97-AF65-F5344CB8AC3E}">
-        <p14:creationId xmlns:p14="http://schemas.microsoft.com/office/powerpoint/2010/main" val="662422900"/>
+        <p14:creationId xmlns:p14="http://schemas.microsoft.com/office/powerpoint/2010/main" val="3233655422"/>
       </p:ext>
     </p:extLst>
   </p:cSld>
@@ -1888,9 +3120,9 @@
 </p:sldLayout>
 </file>
 
-<file path=ppt/slideLayouts/slideLayout8.xml><?xml version="1.0" encoding="utf-8"?>
-<p:sldLayout xmlns:a="http://schemas.openxmlformats.org/drawingml/2006/main" xmlns:r="http://schemas.openxmlformats.org/officeDocument/2006/relationships" xmlns:p="http://schemas.openxmlformats.org/presentationml/2006/main" type="objTx" preserve="1">
-  <p:cSld name="Contenido con título">
+<file path=ppt/slideLayouts/slideLayout3.xml><?xml version="1.0" encoding="utf-8"?>
+<p:sldLayout xmlns:a="http://schemas.openxmlformats.org/drawingml/2006/main" xmlns:r="http://schemas.openxmlformats.org/officeDocument/2006/relationships" xmlns:p="http://schemas.openxmlformats.org/presentationml/2006/main" type="secHead" preserve="1">
+  <p:cSld name="Section Header">
     <p:spTree>
       <p:nvGrpSpPr>
         <p:cNvPr id="1" name=""/>
@@ -1917,21 +3149,21 @@
         </p:nvSpPr>
         <p:spPr>
           <a:xfrm>
-            <a:off x="629841" y="457200"/>
-            <a:ext cx="2949178" cy="1600200"/>
+            <a:off x="609598" y="2700868"/>
+            <a:ext cx="6347715" cy="1826581"/>
           </a:xfrm>
         </p:spPr>
         <p:txBody>
           <a:bodyPr anchor="b"/>
           <a:lstStyle>
-            <a:lvl1pPr>
-              <a:defRPr sz="3200"/>
+            <a:lvl1pPr algn="l">
+              <a:defRPr sz="4000" b="0" cap="none"/>
             </a:lvl1pPr>
           </a:lstStyle>
           <a:p>
             <a:r>
-              <a:rPr lang="es-ES" smtClean="0"/>
-              <a:t>Haga clic para modificar el estilo de título del patrón</a:t>
+              <a:rPr lang="en-US" smtClean="0"/>
+              <a:t>Click to edit Master title style</a:t>
             </a:r>
             <a:endParaRPr lang="en-US" dirty="0"/>
           </a:p>
@@ -1939,157 +3171,127 @@
       </p:sp>
       <p:sp>
         <p:nvSpPr>
-          <p:cNvPr id="3" name="Content Placeholder 2"/>
-          <p:cNvSpPr>
-            <a:spLocks noGrp="1"/>
-          </p:cNvSpPr>
-          <p:nvPr>
-            <p:ph idx="1"/>
+          <p:cNvPr id="3" name="Text Placeholder 2"/>
+          <p:cNvSpPr>
+            <a:spLocks noGrp="1"/>
+          </p:cNvSpPr>
+          <p:nvPr>
+            <p:ph type="body" idx="1"/>
           </p:nvPr>
         </p:nvSpPr>
         <p:spPr>
           <a:xfrm>
-            <a:off x="3887391" y="987426"/>
-            <a:ext cx="4629150" cy="4873625"/>
+            <a:off x="609598" y="4527448"/>
+            <a:ext cx="6347715" cy="860400"/>
           </a:xfrm>
         </p:spPr>
         <p:txBody>
-          <a:bodyPr/>
+          <a:bodyPr anchor="t"/>
           <a:lstStyle>
-            <a:lvl1pPr>
-              <a:defRPr sz="3200"/>
+            <a:lvl1pPr marL="0" indent="0" algn="l">
+              <a:buNone/>
+              <a:defRPr sz="2000">
+                <a:solidFill>
+                  <a:schemeClr val="tx1">
+                    <a:lumMod val="50000"/>
+                    <a:lumOff val="50000"/>
+                  </a:schemeClr>
+                </a:solidFill>
+              </a:defRPr>
             </a:lvl1pPr>
-            <a:lvl2pPr>
-              <a:defRPr sz="2800"/>
+            <a:lvl2pPr marL="457200" indent="0">
+              <a:buNone/>
+              <a:defRPr sz="1800">
+                <a:solidFill>
+                  <a:schemeClr val="tx1">
+                    <a:tint val="75000"/>
+                  </a:schemeClr>
+                </a:solidFill>
+              </a:defRPr>
             </a:lvl2pPr>
-            <a:lvl3pPr>
-              <a:defRPr sz="2400"/>
+            <a:lvl3pPr marL="914400" indent="0">
+              <a:buNone/>
+              <a:defRPr sz="1600">
+                <a:solidFill>
+                  <a:schemeClr val="tx1">
+                    <a:tint val="75000"/>
+                  </a:schemeClr>
+                </a:solidFill>
+              </a:defRPr>
             </a:lvl3pPr>
-            <a:lvl4pPr>
-              <a:defRPr sz="2000"/>
+            <a:lvl4pPr marL="1371600" indent="0">
+              <a:buNone/>
+              <a:defRPr sz="1400">
+                <a:solidFill>
+                  <a:schemeClr val="tx1">
+                    <a:tint val="75000"/>
+                  </a:schemeClr>
+                </a:solidFill>
+              </a:defRPr>
             </a:lvl4pPr>
-            <a:lvl5pPr>
-              <a:defRPr sz="2000"/>
+            <a:lvl5pPr marL="1828800" indent="0">
+              <a:buNone/>
+              <a:defRPr sz="1400">
+                <a:solidFill>
+                  <a:schemeClr val="tx1">
+                    <a:tint val="75000"/>
+                  </a:schemeClr>
+                </a:solidFill>
+              </a:defRPr>
             </a:lvl5pPr>
-            <a:lvl6pPr>
-              <a:defRPr sz="2000"/>
+            <a:lvl6pPr marL="2286000" indent="0">
+              <a:buNone/>
+              <a:defRPr sz="1400">
+                <a:solidFill>
+                  <a:schemeClr val="tx1">
+                    <a:tint val="75000"/>
+                  </a:schemeClr>
+                </a:solidFill>
+              </a:defRPr>
             </a:lvl6pPr>
-            <a:lvl7pPr>
-              <a:defRPr sz="2000"/>
+            <a:lvl7pPr marL="2743200" indent="0">
+              <a:buNone/>
+              <a:defRPr sz="1400">
+                <a:solidFill>
+                  <a:schemeClr val="tx1">
+                    <a:tint val="75000"/>
+                  </a:schemeClr>
+                </a:solidFill>
+              </a:defRPr>
             </a:lvl7pPr>
-            <a:lvl8pPr>
-              <a:defRPr sz="2000"/>
+            <a:lvl8pPr marL="3200400" indent="0">
+              <a:buNone/>
+              <a:defRPr sz="1400">
+                <a:solidFill>
+                  <a:schemeClr val="tx1">
+                    <a:tint val="75000"/>
+                  </a:schemeClr>
+                </a:solidFill>
+              </a:defRPr>
             </a:lvl8pPr>
-            <a:lvl9pPr>
-              <a:defRPr sz="2000"/>
+            <a:lvl9pPr marL="3657600" indent="0">
+              <a:buNone/>
+              <a:defRPr sz="1400">
+                <a:solidFill>
+                  <a:schemeClr val="tx1">
+                    <a:tint val="75000"/>
+                  </a:schemeClr>
+                </a:solidFill>
+              </a:defRPr>
             </a:lvl9pPr>
           </a:lstStyle>
           <a:p>
             <a:pPr lvl="0"/>
             <a:r>
-              <a:rPr lang="es-ES" smtClean="0"/>
-              <a:t>Haga clic para modificar el estilo de texto del patrón</a:t>
-            </a:r>
-          </a:p>
-          <a:p>
-            <a:pPr lvl="1"/>
-            <a:r>
-              <a:rPr lang="es-ES" smtClean="0"/>
-              <a:t>Segundo nivel</a:t>
-            </a:r>
-          </a:p>
-          <a:p>
-            <a:pPr lvl="2"/>
-            <a:r>
-              <a:rPr lang="es-ES" smtClean="0"/>
-              <a:t>Tercer nivel</a:t>
-            </a:r>
-          </a:p>
-          <a:p>
-            <a:pPr lvl="3"/>
-            <a:r>
-              <a:rPr lang="es-ES" smtClean="0"/>
-              <a:t>Cuarto nivel</a:t>
-            </a:r>
-          </a:p>
-          <a:p>
-            <a:pPr lvl="4"/>
-            <a:r>
-              <a:rPr lang="es-ES" smtClean="0"/>
-              <a:t>Quinto nivel</a:t>
-            </a:r>
-            <a:endParaRPr lang="en-US" dirty="0"/>
-          </a:p>
-        </p:txBody>
-      </p:sp>
-      <p:sp>
-        <p:nvSpPr>
-          <p:cNvPr id="4" name="Text Placeholder 3"/>
-          <p:cNvSpPr>
-            <a:spLocks noGrp="1"/>
-          </p:cNvSpPr>
-          <p:nvPr>
-            <p:ph type="body" sz="half" idx="2"/>
-          </p:nvPr>
-        </p:nvSpPr>
-        <p:spPr>
-          <a:xfrm>
-            <a:off x="629841" y="2057400"/>
-            <a:ext cx="2949178" cy="3811588"/>
-          </a:xfrm>
-        </p:spPr>
-        <p:txBody>
-          <a:bodyPr/>
-          <a:lstStyle>
-            <a:lvl1pPr marL="0" indent="0">
-              <a:buNone/>
-              <a:defRPr sz="1600"/>
-            </a:lvl1pPr>
-            <a:lvl2pPr marL="457200" indent="0">
-              <a:buNone/>
-              <a:defRPr sz="1400"/>
-            </a:lvl2pPr>
-            <a:lvl3pPr marL="914400" indent="0">
-              <a:buNone/>
-              <a:defRPr sz="1200"/>
-            </a:lvl3pPr>
-            <a:lvl4pPr marL="1371600" indent="0">
-              <a:buNone/>
-              <a:defRPr sz="1000"/>
-            </a:lvl4pPr>
-            <a:lvl5pPr marL="1828800" indent="0">
-              <a:buNone/>
-              <a:defRPr sz="1000"/>
-            </a:lvl5pPr>
-            <a:lvl6pPr marL="2286000" indent="0">
-              <a:buNone/>
-              <a:defRPr sz="1000"/>
-            </a:lvl6pPr>
-            <a:lvl7pPr marL="2743200" indent="0">
-              <a:buNone/>
-              <a:defRPr sz="1000"/>
-            </a:lvl7pPr>
-            <a:lvl8pPr marL="3200400" indent="0">
-              <a:buNone/>
-              <a:defRPr sz="1000"/>
-            </a:lvl8pPr>
-            <a:lvl9pPr marL="3657600" indent="0">
-              <a:buNone/>
-              <a:defRPr sz="1000"/>
-            </a:lvl9pPr>
-          </a:lstStyle>
-          <a:p>
-            <a:pPr lvl="0"/>
-            <a:r>
-              <a:rPr lang="es-ES" smtClean="0"/>
-              <a:t>Haga clic para modificar el estilo de texto del patrón</a:t>
-            </a:r>
-          </a:p>
-        </p:txBody>
-      </p:sp>
-      <p:sp>
-        <p:nvSpPr>
-          <p:cNvPr id="5" name="Date Placeholder 4"/>
+              <a:rPr lang="en-US" smtClean="0"/>
+              <a:t>Click to edit Master text styles</a:t>
+            </a:r>
+          </a:p>
+        </p:txBody>
+      </p:sp>
+      <p:sp>
+        <p:nvSpPr>
+          <p:cNvPr id="4" name="Date Placeholder 3"/>
           <p:cNvSpPr>
             <a:spLocks noGrp="1"/>
           </p:cNvSpPr>
@@ -2112,7 +3314,7 @@
       </p:sp>
       <p:sp>
         <p:nvSpPr>
-          <p:cNvPr id="6" name="Footer Placeholder 5"/>
+          <p:cNvPr id="5" name="Footer Placeholder 4"/>
           <p:cNvSpPr>
             <a:spLocks noGrp="1"/>
           </p:cNvSpPr>
@@ -2131,7 +3333,7 @@
       </p:sp>
       <p:sp>
         <p:nvSpPr>
-          <p:cNvPr id="7" name="Slide Number Placeholder 6"/>
+          <p:cNvPr id="6" name="Slide Number Placeholder 5"/>
           <p:cNvSpPr>
             <a:spLocks noGrp="1"/>
           </p:cNvSpPr>
@@ -2146,7 +3348,7 @@
           <a:p>
             <a:fld id="{2CDB9AEF-8318-41C2-9891-CC46D7AD0D89}" type="slidenum">
               <a:rPr lang="es-CO" smtClean="0"/>
-              <a:t>‹Nº›</a:t>
+              <a:t>‹#›</a:t>
             </a:fld>
             <a:endParaRPr lang="es-CO"/>
           </a:p>
@@ -2155,7 +3357,7 @@
     </p:spTree>
     <p:extLst>
       <p:ext uri="{BB962C8B-B14F-4D97-AF65-F5344CB8AC3E}">
-        <p14:creationId xmlns:p14="http://schemas.microsoft.com/office/powerpoint/2010/main" val="2550978030"/>
+        <p14:creationId xmlns:p14="http://schemas.microsoft.com/office/powerpoint/2010/main" val="386602884"/>
       </p:ext>
     </p:extLst>
   </p:cSld>
@@ -2165,9 +3367,9 @@
 </p:sldLayout>
 </file>
 
-<file path=ppt/slideLayouts/slideLayout9.xml><?xml version="1.0" encoding="utf-8"?>
-<p:sldLayout xmlns:a="http://schemas.openxmlformats.org/drawingml/2006/main" xmlns:r="http://schemas.openxmlformats.org/officeDocument/2006/relationships" xmlns:p="http://schemas.openxmlformats.org/presentationml/2006/main" type="picTx" preserve="1">
-  <p:cSld name="Imagen con título">
+<file path=ppt/slideLayouts/slideLayout4.xml><?xml version="1.0" encoding="utf-8"?>
+<p:sldLayout xmlns:a="http://schemas.openxmlformats.org/drawingml/2006/main" xmlns:r="http://schemas.openxmlformats.org/officeDocument/2006/relationships" xmlns:p="http://schemas.openxmlformats.org/presentationml/2006/main" type="twoObj" preserve="1">
+  <p:cSld name="Two Content">
     <p:spTree>
       <p:nvGrpSpPr>
         <p:cNvPr id="1" name=""/>
@@ -2194,21 +3396,104 @@
         </p:nvSpPr>
         <p:spPr>
           <a:xfrm>
-            <a:off x="629841" y="457200"/>
-            <a:ext cx="2949178" cy="1600200"/>
+            <a:off x="609600" y="609600"/>
+            <a:ext cx="6347714" cy="1320800"/>
           </a:xfrm>
         </p:spPr>
         <p:txBody>
-          <a:bodyPr anchor="b"/>
+          <a:bodyPr/>
+          <a:lstStyle/>
+          <a:p>
+            <a:r>
+              <a:rPr lang="en-US" smtClean="0"/>
+              <a:t>Click to edit Master title style</a:t>
+            </a:r>
+            <a:endParaRPr lang="en-US" dirty="0"/>
+          </a:p>
+        </p:txBody>
+      </p:sp>
+      <p:sp>
+        <p:nvSpPr>
+          <p:cNvPr id="3" name="Content Placeholder 2"/>
+          <p:cNvSpPr>
+            <a:spLocks noGrp="1"/>
+          </p:cNvSpPr>
+          <p:nvPr>
+            <p:ph sz="half" idx="1"/>
+          </p:nvPr>
+        </p:nvSpPr>
+        <p:spPr>
+          <a:xfrm>
+            <a:off x="609600" y="2160589"/>
+            <a:ext cx="3088109" cy="3880772"/>
+          </a:xfrm>
+        </p:spPr>
+        <p:txBody>
+          <a:bodyPr>
+            <a:normAutofit/>
+          </a:bodyPr>
           <a:lstStyle>
             <a:lvl1pPr>
-              <a:defRPr sz="3200"/>
+              <a:defRPr sz="1800"/>
             </a:lvl1pPr>
+            <a:lvl2pPr>
+              <a:defRPr sz="1600"/>
+            </a:lvl2pPr>
+            <a:lvl3pPr>
+              <a:defRPr sz="1400"/>
+            </a:lvl3pPr>
+            <a:lvl4pPr>
+              <a:defRPr sz="1200"/>
+            </a:lvl4pPr>
+            <a:lvl5pPr>
+              <a:defRPr sz="1200"/>
+            </a:lvl5pPr>
+            <a:lvl6pPr>
+              <a:defRPr sz="1200"/>
+            </a:lvl6pPr>
+            <a:lvl7pPr>
+              <a:defRPr sz="1200"/>
+            </a:lvl7pPr>
+            <a:lvl8pPr>
+              <a:defRPr sz="1200"/>
+            </a:lvl8pPr>
+            <a:lvl9pPr>
+              <a:defRPr sz="1200"/>
+            </a:lvl9pPr>
           </a:lstStyle>
           <a:p>
-            <a:r>
-              <a:rPr lang="es-ES" smtClean="0"/>
-              <a:t>Haga clic para modificar el estilo de título del patrón</a:t>
+            <a:pPr lvl="0"/>
+            <a:r>
+              <a:rPr lang="en-US" smtClean="0"/>
+              <a:t>Click to edit Master text styles</a:t>
+            </a:r>
+          </a:p>
+          <a:p>
+            <a:pPr lvl="1"/>
+            <a:r>
+              <a:rPr lang="en-US" smtClean="0"/>
+              <a:t>Second level</a:t>
+            </a:r>
+          </a:p>
+          <a:p>
+            <a:pPr lvl="2"/>
+            <a:r>
+              <a:rPr lang="en-US" smtClean="0"/>
+              <a:t>Third level</a:t>
+            </a:r>
+          </a:p>
+          <a:p>
+            <a:pPr lvl="3"/>
+            <a:r>
+              <a:rPr lang="en-US" smtClean="0"/>
+              <a:t>Fourth level</a:t>
+            </a:r>
+          </a:p>
+          <a:p>
+            <a:pPr lvl="4"/>
+            <a:r>
+              <a:rPr lang="en-US" smtClean="0"/>
+              <a:t>Fifth level</a:t>
             </a:r>
             <a:endParaRPr lang="en-US" dirty="0"/>
           </a:p>
@@ -2216,131 +3501,88 @@
       </p:sp>
       <p:sp>
         <p:nvSpPr>
-          <p:cNvPr id="3" name="Picture Placeholder 2"/>
-          <p:cNvSpPr>
-            <a:spLocks noGrp="1" noChangeAspect="1"/>
-          </p:cNvSpPr>
-          <p:nvPr>
-            <p:ph type="pic" idx="1"/>
+          <p:cNvPr id="4" name="Content Placeholder 3"/>
+          <p:cNvSpPr>
+            <a:spLocks noGrp="1"/>
+          </p:cNvSpPr>
+          <p:nvPr>
+            <p:ph sz="half" idx="2"/>
           </p:nvPr>
         </p:nvSpPr>
         <p:spPr>
           <a:xfrm>
-            <a:off x="3887391" y="987426"/>
-            <a:ext cx="4629150" cy="4873625"/>
+            <a:off x="3869204" y="2160590"/>
+            <a:ext cx="3088110" cy="3880773"/>
           </a:xfrm>
         </p:spPr>
         <p:txBody>
-          <a:bodyPr anchor="t"/>
+          <a:bodyPr>
+            <a:normAutofit/>
+          </a:bodyPr>
           <a:lstStyle>
-            <a:lvl1pPr marL="0" indent="0">
-              <a:buNone/>
-              <a:defRPr sz="3200"/>
+            <a:lvl1pPr>
+              <a:defRPr sz="1800"/>
             </a:lvl1pPr>
-            <a:lvl2pPr marL="457200" indent="0">
-              <a:buNone/>
-              <a:defRPr sz="2800"/>
+            <a:lvl2pPr>
+              <a:defRPr sz="1600"/>
             </a:lvl2pPr>
-            <a:lvl3pPr marL="914400" indent="0">
-              <a:buNone/>
-              <a:defRPr sz="2400"/>
+            <a:lvl3pPr>
+              <a:defRPr sz="1400"/>
             </a:lvl3pPr>
-            <a:lvl4pPr marL="1371600" indent="0">
-              <a:buNone/>
-              <a:defRPr sz="2000"/>
+            <a:lvl4pPr>
+              <a:defRPr sz="1200"/>
             </a:lvl4pPr>
-            <a:lvl5pPr marL="1828800" indent="0">
-              <a:buNone/>
-              <a:defRPr sz="2000"/>
+            <a:lvl5pPr>
+              <a:defRPr sz="1200"/>
             </a:lvl5pPr>
-            <a:lvl6pPr marL="2286000" indent="0">
-              <a:buNone/>
-              <a:defRPr sz="2000"/>
+            <a:lvl6pPr>
+              <a:defRPr sz="1200"/>
             </a:lvl6pPr>
-            <a:lvl7pPr marL="2743200" indent="0">
-              <a:buNone/>
-              <a:defRPr sz="2000"/>
+            <a:lvl7pPr>
+              <a:defRPr sz="1200"/>
             </a:lvl7pPr>
-            <a:lvl8pPr marL="3200400" indent="0">
-              <a:buNone/>
-              <a:defRPr sz="2000"/>
+            <a:lvl8pPr>
+              <a:defRPr sz="1200"/>
             </a:lvl8pPr>
-            <a:lvl9pPr marL="3657600" indent="0">
-              <a:buNone/>
-              <a:defRPr sz="2000"/>
+            <a:lvl9pPr>
+              <a:defRPr sz="1200"/>
             </a:lvl9pPr>
           </a:lstStyle>
           <a:p>
-            <a:r>
-              <a:rPr lang="es-ES" smtClean="0"/>
-              <a:t>Haga clic en el icono para agregar una imagen</a:t>
+            <a:pPr lvl="0"/>
+            <a:r>
+              <a:rPr lang="en-US" smtClean="0"/>
+              <a:t>Click to edit Master text styles</a:t>
+            </a:r>
+          </a:p>
+          <a:p>
+            <a:pPr lvl="1"/>
+            <a:r>
+              <a:rPr lang="en-US" smtClean="0"/>
+              <a:t>Second level</a:t>
+            </a:r>
+          </a:p>
+          <a:p>
+            <a:pPr lvl="2"/>
+            <a:r>
+              <a:rPr lang="en-US" smtClean="0"/>
+              <a:t>Third level</a:t>
+            </a:r>
+          </a:p>
+          <a:p>
+            <a:pPr lvl="3"/>
+            <a:r>
+              <a:rPr lang="en-US" smtClean="0"/>
+              <a:t>Fourth level</a:t>
+            </a:r>
+          </a:p>
+          <a:p>
+            <a:pPr lvl="4"/>
+            <a:r>
+              <a:rPr lang="en-US" smtClean="0"/>
+              <a:t>Fifth level</a:t>
             </a:r>
             <a:endParaRPr lang="en-US" dirty="0"/>
-          </a:p>
-        </p:txBody>
-      </p:sp>
-      <p:sp>
-        <p:nvSpPr>
-          <p:cNvPr id="4" name="Text Placeholder 3"/>
-          <p:cNvSpPr>
-            <a:spLocks noGrp="1"/>
-          </p:cNvSpPr>
-          <p:nvPr>
-            <p:ph type="body" sz="half" idx="2"/>
-          </p:nvPr>
-        </p:nvSpPr>
-        <p:spPr>
-          <a:xfrm>
-            <a:off x="629841" y="2057400"/>
-            <a:ext cx="2949178" cy="3811588"/>
-          </a:xfrm>
-        </p:spPr>
-        <p:txBody>
-          <a:bodyPr/>
-          <a:lstStyle>
-            <a:lvl1pPr marL="0" indent="0">
-              <a:buNone/>
-              <a:defRPr sz="1600"/>
-            </a:lvl1pPr>
-            <a:lvl2pPr marL="457200" indent="0">
-              <a:buNone/>
-              <a:defRPr sz="1400"/>
-            </a:lvl2pPr>
-            <a:lvl3pPr marL="914400" indent="0">
-              <a:buNone/>
-              <a:defRPr sz="1200"/>
-            </a:lvl3pPr>
-            <a:lvl4pPr marL="1371600" indent="0">
-              <a:buNone/>
-              <a:defRPr sz="1000"/>
-            </a:lvl4pPr>
-            <a:lvl5pPr marL="1828800" indent="0">
-              <a:buNone/>
-              <a:defRPr sz="1000"/>
-            </a:lvl5pPr>
-            <a:lvl6pPr marL="2286000" indent="0">
-              <a:buNone/>
-              <a:defRPr sz="1000"/>
-            </a:lvl6pPr>
-            <a:lvl7pPr marL="2743200" indent="0">
-              <a:buNone/>
-              <a:defRPr sz="1000"/>
-            </a:lvl7pPr>
-            <a:lvl8pPr marL="3200400" indent="0">
-              <a:buNone/>
-              <a:defRPr sz="1000"/>
-            </a:lvl8pPr>
-            <a:lvl9pPr marL="3657600" indent="0">
-              <a:buNone/>
-              <a:defRPr sz="1000"/>
-            </a:lvl9pPr>
-          </a:lstStyle>
-          <a:p>
-            <a:pPr lvl="0"/>
-            <a:r>
-              <a:rPr lang="es-ES" smtClean="0"/>
-              <a:t>Haga clic para modificar el estilo de texto del patrón</a:t>
-            </a:r>
           </a:p>
         </p:txBody>
       </p:sp>
@@ -2403,7 +3645,7 @@
           <a:p>
             <a:fld id="{2CDB9AEF-8318-41C2-9891-CC46D7AD0D89}" type="slidenum">
               <a:rPr lang="es-CO" smtClean="0"/>
-              <a:t>‹Nº›</a:t>
+              <a:t>‹#›</a:t>
             </a:fld>
             <a:endParaRPr lang="es-CO"/>
           </a:p>
@@ -2412,7 +3654,1122 @@
     </p:spTree>
     <p:extLst>
       <p:ext uri="{BB962C8B-B14F-4D97-AF65-F5344CB8AC3E}">
-        <p14:creationId xmlns:p14="http://schemas.microsoft.com/office/powerpoint/2010/main" val="1012191426"/>
+        <p14:creationId xmlns:p14="http://schemas.microsoft.com/office/powerpoint/2010/main" val="3744865692"/>
+      </p:ext>
+    </p:extLst>
+  </p:cSld>
+  <p:clrMapOvr>
+    <a:masterClrMapping/>
+  </p:clrMapOvr>
+</p:sldLayout>
+</file>
+
+<file path=ppt/slideLayouts/slideLayout5.xml><?xml version="1.0" encoding="utf-8"?>
+<p:sldLayout xmlns:a="http://schemas.openxmlformats.org/drawingml/2006/main" xmlns:r="http://schemas.openxmlformats.org/officeDocument/2006/relationships" xmlns:p="http://schemas.openxmlformats.org/presentationml/2006/main" type="twoTxTwoObj" preserve="1">
+  <p:cSld name="Comparison">
+    <p:spTree>
+      <p:nvGrpSpPr>
+        <p:cNvPr id="1" name=""/>
+        <p:cNvGrpSpPr/>
+        <p:nvPr/>
+      </p:nvGrpSpPr>
+      <p:grpSpPr>
+        <a:xfrm>
+          <a:off x="0" y="0"/>
+          <a:ext cx="0" cy="0"/>
+          <a:chOff x="0" y="0"/>
+          <a:chExt cx="0" cy="0"/>
+        </a:xfrm>
+      </p:grpSpPr>
+      <p:sp>
+        <p:nvSpPr>
+          <p:cNvPr id="2" name="Title 1"/>
+          <p:cNvSpPr>
+            <a:spLocks noGrp="1"/>
+          </p:cNvSpPr>
+          <p:nvPr>
+            <p:ph type="title"/>
+          </p:nvPr>
+        </p:nvSpPr>
+        <p:spPr>
+          <a:xfrm>
+            <a:off x="609599" y="609600"/>
+            <a:ext cx="6347713" cy="1320800"/>
+          </a:xfrm>
+        </p:spPr>
+        <p:txBody>
+          <a:bodyPr/>
+          <a:lstStyle>
+            <a:lvl1pPr>
+              <a:defRPr/>
+            </a:lvl1pPr>
+          </a:lstStyle>
+          <a:p>
+            <a:r>
+              <a:rPr lang="en-US" smtClean="0"/>
+              <a:t>Click to edit Master title style</a:t>
+            </a:r>
+            <a:endParaRPr lang="en-US" dirty="0"/>
+          </a:p>
+        </p:txBody>
+      </p:sp>
+      <p:sp>
+        <p:nvSpPr>
+          <p:cNvPr id="3" name="Text Placeholder 2"/>
+          <p:cNvSpPr>
+            <a:spLocks noGrp="1"/>
+          </p:cNvSpPr>
+          <p:nvPr>
+            <p:ph type="body" idx="1"/>
+          </p:nvPr>
+        </p:nvSpPr>
+        <p:spPr>
+          <a:xfrm>
+            <a:off x="609599" y="2160983"/>
+            <a:ext cx="3090672" cy="576262"/>
+          </a:xfrm>
+        </p:spPr>
+        <p:txBody>
+          <a:bodyPr anchor="b">
+            <a:noAutofit/>
+          </a:bodyPr>
+          <a:lstStyle>
+            <a:lvl1pPr marL="0" indent="0">
+              <a:buNone/>
+              <a:defRPr sz="2400" b="0"/>
+            </a:lvl1pPr>
+            <a:lvl2pPr marL="457200" indent="0">
+              <a:buNone/>
+              <a:defRPr sz="2000" b="1"/>
+            </a:lvl2pPr>
+            <a:lvl3pPr marL="914400" indent="0">
+              <a:buNone/>
+              <a:defRPr sz="1800" b="1"/>
+            </a:lvl3pPr>
+            <a:lvl4pPr marL="1371600" indent="0">
+              <a:buNone/>
+              <a:defRPr sz="1600" b="1"/>
+            </a:lvl4pPr>
+            <a:lvl5pPr marL="1828800" indent="0">
+              <a:buNone/>
+              <a:defRPr sz="1600" b="1"/>
+            </a:lvl5pPr>
+            <a:lvl6pPr marL="2286000" indent="0">
+              <a:buNone/>
+              <a:defRPr sz="1600" b="1"/>
+            </a:lvl6pPr>
+            <a:lvl7pPr marL="2743200" indent="0">
+              <a:buNone/>
+              <a:defRPr sz="1600" b="1"/>
+            </a:lvl7pPr>
+            <a:lvl8pPr marL="3200400" indent="0">
+              <a:buNone/>
+              <a:defRPr sz="1600" b="1"/>
+            </a:lvl8pPr>
+            <a:lvl9pPr marL="3657600" indent="0">
+              <a:buNone/>
+              <a:defRPr sz="1600" b="1"/>
+            </a:lvl9pPr>
+          </a:lstStyle>
+          <a:p>
+            <a:pPr lvl="0"/>
+            <a:r>
+              <a:rPr lang="en-US" smtClean="0"/>
+              <a:t>Click to edit Master text styles</a:t>
+            </a:r>
+          </a:p>
+        </p:txBody>
+      </p:sp>
+      <p:sp>
+        <p:nvSpPr>
+          <p:cNvPr id="4" name="Content Placeholder 3"/>
+          <p:cNvSpPr>
+            <a:spLocks noGrp="1"/>
+          </p:cNvSpPr>
+          <p:nvPr>
+            <p:ph sz="half" idx="2"/>
+          </p:nvPr>
+        </p:nvSpPr>
+        <p:spPr>
+          <a:xfrm>
+            <a:off x="609599" y="2737246"/>
+            <a:ext cx="3090672" cy="3304117"/>
+          </a:xfrm>
+        </p:spPr>
+        <p:txBody>
+          <a:bodyPr>
+            <a:normAutofit/>
+          </a:bodyPr>
+          <a:lstStyle/>
+          <a:p>
+            <a:pPr lvl="0"/>
+            <a:r>
+              <a:rPr lang="en-US" smtClean="0"/>
+              <a:t>Click to edit Master text styles</a:t>
+            </a:r>
+          </a:p>
+          <a:p>
+            <a:pPr lvl="1"/>
+            <a:r>
+              <a:rPr lang="en-US" smtClean="0"/>
+              <a:t>Second level</a:t>
+            </a:r>
+          </a:p>
+          <a:p>
+            <a:pPr lvl="2"/>
+            <a:r>
+              <a:rPr lang="en-US" smtClean="0"/>
+              <a:t>Third level</a:t>
+            </a:r>
+          </a:p>
+          <a:p>
+            <a:pPr lvl="3"/>
+            <a:r>
+              <a:rPr lang="en-US" smtClean="0"/>
+              <a:t>Fourth level</a:t>
+            </a:r>
+          </a:p>
+          <a:p>
+            <a:pPr lvl="4"/>
+            <a:r>
+              <a:rPr lang="en-US" smtClean="0"/>
+              <a:t>Fifth level</a:t>
+            </a:r>
+            <a:endParaRPr lang="en-US" dirty="0"/>
+          </a:p>
+        </p:txBody>
+      </p:sp>
+      <p:sp>
+        <p:nvSpPr>
+          <p:cNvPr id="5" name="Text Placeholder 4"/>
+          <p:cNvSpPr>
+            <a:spLocks noGrp="1"/>
+          </p:cNvSpPr>
+          <p:nvPr>
+            <p:ph type="body" sz="quarter" idx="3"/>
+          </p:nvPr>
+        </p:nvSpPr>
+        <p:spPr>
+          <a:xfrm>
+            <a:off x="3866640" y="2160983"/>
+            <a:ext cx="3090672" cy="576262"/>
+          </a:xfrm>
+        </p:spPr>
+        <p:txBody>
+          <a:bodyPr anchor="b">
+            <a:noAutofit/>
+          </a:bodyPr>
+          <a:lstStyle>
+            <a:lvl1pPr marL="0" indent="0">
+              <a:buNone/>
+              <a:defRPr sz="2400" b="0"/>
+            </a:lvl1pPr>
+            <a:lvl2pPr marL="457200" indent="0">
+              <a:buNone/>
+              <a:defRPr sz="2000" b="1"/>
+            </a:lvl2pPr>
+            <a:lvl3pPr marL="914400" indent="0">
+              <a:buNone/>
+              <a:defRPr sz="1800" b="1"/>
+            </a:lvl3pPr>
+            <a:lvl4pPr marL="1371600" indent="0">
+              <a:buNone/>
+              <a:defRPr sz="1600" b="1"/>
+            </a:lvl4pPr>
+            <a:lvl5pPr marL="1828800" indent="0">
+              <a:buNone/>
+              <a:defRPr sz="1600" b="1"/>
+            </a:lvl5pPr>
+            <a:lvl6pPr marL="2286000" indent="0">
+              <a:buNone/>
+              <a:defRPr sz="1600" b="1"/>
+            </a:lvl6pPr>
+            <a:lvl7pPr marL="2743200" indent="0">
+              <a:buNone/>
+              <a:defRPr sz="1600" b="1"/>
+            </a:lvl7pPr>
+            <a:lvl8pPr marL="3200400" indent="0">
+              <a:buNone/>
+              <a:defRPr sz="1600" b="1"/>
+            </a:lvl8pPr>
+            <a:lvl9pPr marL="3657600" indent="0">
+              <a:buNone/>
+              <a:defRPr sz="1600" b="1"/>
+            </a:lvl9pPr>
+          </a:lstStyle>
+          <a:p>
+            <a:pPr lvl="0"/>
+            <a:r>
+              <a:rPr lang="en-US" smtClean="0"/>
+              <a:t>Click to edit Master text styles</a:t>
+            </a:r>
+          </a:p>
+        </p:txBody>
+      </p:sp>
+      <p:sp>
+        <p:nvSpPr>
+          <p:cNvPr id="6" name="Content Placeholder 5"/>
+          <p:cNvSpPr>
+            <a:spLocks noGrp="1"/>
+          </p:cNvSpPr>
+          <p:nvPr>
+            <p:ph sz="quarter" idx="4"/>
+          </p:nvPr>
+        </p:nvSpPr>
+        <p:spPr>
+          <a:xfrm>
+            <a:off x="3866640" y="2737246"/>
+            <a:ext cx="3090672" cy="3304117"/>
+          </a:xfrm>
+        </p:spPr>
+        <p:txBody>
+          <a:bodyPr>
+            <a:normAutofit/>
+          </a:bodyPr>
+          <a:lstStyle/>
+          <a:p>
+            <a:pPr lvl="0"/>
+            <a:r>
+              <a:rPr lang="en-US" smtClean="0"/>
+              <a:t>Click to edit Master text styles</a:t>
+            </a:r>
+          </a:p>
+          <a:p>
+            <a:pPr lvl="1"/>
+            <a:r>
+              <a:rPr lang="en-US" smtClean="0"/>
+              <a:t>Second level</a:t>
+            </a:r>
+          </a:p>
+          <a:p>
+            <a:pPr lvl="2"/>
+            <a:r>
+              <a:rPr lang="en-US" smtClean="0"/>
+              <a:t>Third level</a:t>
+            </a:r>
+          </a:p>
+          <a:p>
+            <a:pPr lvl="3"/>
+            <a:r>
+              <a:rPr lang="en-US" smtClean="0"/>
+              <a:t>Fourth level</a:t>
+            </a:r>
+          </a:p>
+          <a:p>
+            <a:pPr lvl="4"/>
+            <a:r>
+              <a:rPr lang="en-US" smtClean="0"/>
+              <a:t>Fifth level</a:t>
+            </a:r>
+            <a:endParaRPr lang="en-US" dirty="0"/>
+          </a:p>
+        </p:txBody>
+      </p:sp>
+      <p:sp>
+        <p:nvSpPr>
+          <p:cNvPr id="7" name="Date Placeholder 6"/>
+          <p:cNvSpPr>
+            <a:spLocks noGrp="1"/>
+          </p:cNvSpPr>
+          <p:nvPr>
+            <p:ph type="dt" sz="half" idx="10"/>
+          </p:nvPr>
+        </p:nvSpPr>
+        <p:spPr/>
+        <p:txBody>
+          <a:bodyPr/>
+          <a:lstStyle/>
+          <a:p>
+            <a:fld id="{314721F9-2DA5-49BF-934F-EFEE00852BD6}" type="datetimeFigureOut">
+              <a:rPr lang="es-CO" smtClean="0"/>
+              <a:t>13/12/2017</a:t>
+            </a:fld>
+            <a:endParaRPr lang="es-CO"/>
+          </a:p>
+        </p:txBody>
+      </p:sp>
+      <p:sp>
+        <p:nvSpPr>
+          <p:cNvPr id="8" name="Footer Placeholder 7"/>
+          <p:cNvSpPr>
+            <a:spLocks noGrp="1"/>
+          </p:cNvSpPr>
+          <p:nvPr>
+            <p:ph type="ftr" sz="quarter" idx="11"/>
+          </p:nvPr>
+        </p:nvSpPr>
+        <p:spPr/>
+        <p:txBody>
+          <a:bodyPr/>
+          <a:lstStyle/>
+          <a:p>
+            <a:endParaRPr lang="es-CO"/>
+          </a:p>
+        </p:txBody>
+      </p:sp>
+      <p:sp>
+        <p:nvSpPr>
+          <p:cNvPr id="9" name="Slide Number Placeholder 8"/>
+          <p:cNvSpPr>
+            <a:spLocks noGrp="1"/>
+          </p:cNvSpPr>
+          <p:nvPr>
+            <p:ph type="sldNum" sz="quarter" idx="12"/>
+          </p:nvPr>
+        </p:nvSpPr>
+        <p:spPr/>
+        <p:txBody>
+          <a:bodyPr/>
+          <a:lstStyle/>
+          <a:p>
+            <a:fld id="{2CDB9AEF-8318-41C2-9891-CC46D7AD0D89}" type="slidenum">
+              <a:rPr lang="es-CO" smtClean="0"/>
+              <a:t>‹#›</a:t>
+            </a:fld>
+            <a:endParaRPr lang="es-CO"/>
+          </a:p>
+        </p:txBody>
+      </p:sp>
+    </p:spTree>
+    <p:extLst>
+      <p:ext uri="{BB962C8B-B14F-4D97-AF65-F5344CB8AC3E}">
+        <p14:creationId xmlns:p14="http://schemas.microsoft.com/office/powerpoint/2010/main" val="2678142933"/>
+      </p:ext>
+    </p:extLst>
+  </p:cSld>
+  <p:clrMapOvr>
+    <a:masterClrMapping/>
+  </p:clrMapOvr>
+</p:sldLayout>
+</file>
+
+<file path=ppt/slideLayouts/slideLayout6.xml><?xml version="1.0" encoding="utf-8"?>
+<p:sldLayout xmlns:a="http://schemas.openxmlformats.org/drawingml/2006/main" xmlns:r="http://schemas.openxmlformats.org/officeDocument/2006/relationships" xmlns:p="http://schemas.openxmlformats.org/presentationml/2006/main" type="titleOnly" preserve="1">
+  <p:cSld name="Title Only">
+    <p:spTree>
+      <p:nvGrpSpPr>
+        <p:cNvPr id="1" name=""/>
+        <p:cNvGrpSpPr/>
+        <p:nvPr/>
+      </p:nvGrpSpPr>
+      <p:grpSpPr>
+        <a:xfrm>
+          <a:off x="0" y="0"/>
+          <a:ext cx="0" cy="0"/>
+          <a:chOff x="0" y="0"/>
+          <a:chExt cx="0" cy="0"/>
+        </a:xfrm>
+      </p:grpSpPr>
+      <p:sp>
+        <p:nvSpPr>
+          <p:cNvPr id="2" name="Title 1"/>
+          <p:cNvSpPr>
+            <a:spLocks noGrp="1"/>
+          </p:cNvSpPr>
+          <p:nvPr>
+            <p:ph type="title"/>
+          </p:nvPr>
+        </p:nvSpPr>
+        <p:spPr>
+          <a:xfrm>
+            <a:off x="609599" y="609600"/>
+            <a:ext cx="6347714" cy="1320800"/>
+          </a:xfrm>
+        </p:spPr>
+        <p:txBody>
+          <a:bodyPr/>
+          <a:lstStyle/>
+          <a:p>
+            <a:r>
+              <a:rPr lang="en-US" smtClean="0"/>
+              <a:t>Click to edit Master title style</a:t>
+            </a:r>
+            <a:endParaRPr lang="en-US" dirty="0"/>
+          </a:p>
+        </p:txBody>
+      </p:sp>
+      <p:sp>
+        <p:nvSpPr>
+          <p:cNvPr id="3" name="Date Placeholder 2"/>
+          <p:cNvSpPr>
+            <a:spLocks noGrp="1"/>
+          </p:cNvSpPr>
+          <p:nvPr>
+            <p:ph type="dt" sz="half" idx="10"/>
+          </p:nvPr>
+        </p:nvSpPr>
+        <p:spPr/>
+        <p:txBody>
+          <a:bodyPr/>
+          <a:lstStyle/>
+          <a:p>
+            <a:fld id="{314721F9-2DA5-49BF-934F-EFEE00852BD6}" type="datetimeFigureOut">
+              <a:rPr lang="es-CO" smtClean="0"/>
+              <a:t>13/12/2017</a:t>
+            </a:fld>
+            <a:endParaRPr lang="es-CO"/>
+          </a:p>
+        </p:txBody>
+      </p:sp>
+      <p:sp>
+        <p:nvSpPr>
+          <p:cNvPr id="4" name="Footer Placeholder 3"/>
+          <p:cNvSpPr>
+            <a:spLocks noGrp="1"/>
+          </p:cNvSpPr>
+          <p:nvPr>
+            <p:ph type="ftr" sz="quarter" idx="11"/>
+          </p:nvPr>
+        </p:nvSpPr>
+        <p:spPr/>
+        <p:txBody>
+          <a:bodyPr/>
+          <a:lstStyle/>
+          <a:p>
+            <a:endParaRPr lang="es-CO"/>
+          </a:p>
+        </p:txBody>
+      </p:sp>
+      <p:sp>
+        <p:nvSpPr>
+          <p:cNvPr id="5" name="Slide Number Placeholder 4"/>
+          <p:cNvSpPr>
+            <a:spLocks noGrp="1"/>
+          </p:cNvSpPr>
+          <p:nvPr>
+            <p:ph type="sldNum" sz="quarter" idx="12"/>
+          </p:nvPr>
+        </p:nvSpPr>
+        <p:spPr/>
+        <p:txBody>
+          <a:bodyPr/>
+          <a:lstStyle/>
+          <a:p>
+            <a:fld id="{2CDB9AEF-8318-41C2-9891-CC46D7AD0D89}" type="slidenum">
+              <a:rPr lang="es-CO" smtClean="0"/>
+              <a:t>‹#›</a:t>
+            </a:fld>
+            <a:endParaRPr lang="es-CO"/>
+          </a:p>
+        </p:txBody>
+      </p:sp>
+    </p:spTree>
+    <p:extLst>
+      <p:ext uri="{BB962C8B-B14F-4D97-AF65-F5344CB8AC3E}">
+        <p14:creationId xmlns:p14="http://schemas.microsoft.com/office/powerpoint/2010/main" val="643238809"/>
+      </p:ext>
+    </p:extLst>
+  </p:cSld>
+  <p:clrMapOvr>
+    <a:masterClrMapping/>
+  </p:clrMapOvr>
+</p:sldLayout>
+</file>
+
+<file path=ppt/slideLayouts/slideLayout7.xml><?xml version="1.0" encoding="utf-8"?>
+<p:sldLayout xmlns:a="http://schemas.openxmlformats.org/drawingml/2006/main" xmlns:r="http://schemas.openxmlformats.org/officeDocument/2006/relationships" xmlns:p="http://schemas.openxmlformats.org/presentationml/2006/main" type="blank" preserve="1">
+  <p:cSld name="Blank">
+    <p:spTree>
+      <p:nvGrpSpPr>
+        <p:cNvPr id="1" name=""/>
+        <p:cNvGrpSpPr/>
+        <p:nvPr/>
+      </p:nvGrpSpPr>
+      <p:grpSpPr>
+        <a:xfrm>
+          <a:off x="0" y="0"/>
+          <a:ext cx="0" cy="0"/>
+          <a:chOff x="0" y="0"/>
+          <a:chExt cx="0" cy="0"/>
+        </a:xfrm>
+      </p:grpSpPr>
+      <p:sp>
+        <p:nvSpPr>
+          <p:cNvPr id="2" name="Date Placeholder 1"/>
+          <p:cNvSpPr>
+            <a:spLocks noGrp="1"/>
+          </p:cNvSpPr>
+          <p:nvPr>
+            <p:ph type="dt" sz="half" idx="10"/>
+          </p:nvPr>
+        </p:nvSpPr>
+        <p:spPr/>
+        <p:txBody>
+          <a:bodyPr/>
+          <a:lstStyle/>
+          <a:p>
+            <a:fld id="{314721F9-2DA5-49BF-934F-EFEE00852BD6}" type="datetimeFigureOut">
+              <a:rPr lang="es-CO" smtClean="0"/>
+              <a:t>13/12/2017</a:t>
+            </a:fld>
+            <a:endParaRPr lang="es-CO"/>
+          </a:p>
+        </p:txBody>
+      </p:sp>
+      <p:sp>
+        <p:nvSpPr>
+          <p:cNvPr id="3" name="Footer Placeholder 2"/>
+          <p:cNvSpPr>
+            <a:spLocks noGrp="1"/>
+          </p:cNvSpPr>
+          <p:nvPr>
+            <p:ph type="ftr" sz="quarter" idx="11"/>
+          </p:nvPr>
+        </p:nvSpPr>
+        <p:spPr/>
+        <p:txBody>
+          <a:bodyPr/>
+          <a:lstStyle/>
+          <a:p>
+            <a:endParaRPr lang="es-CO"/>
+          </a:p>
+        </p:txBody>
+      </p:sp>
+      <p:sp>
+        <p:nvSpPr>
+          <p:cNvPr id="4" name="Slide Number Placeholder 3"/>
+          <p:cNvSpPr>
+            <a:spLocks noGrp="1"/>
+          </p:cNvSpPr>
+          <p:nvPr>
+            <p:ph type="sldNum" sz="quarter" idx="12"/>
+          </p:nvPr>
+        </p:nvSpPr>
+        <p:spPr/>
+        <p:txBody>
+          <a:bodyPr/>
+          <a:lstStyle/>
+          <a:p>
+            <a:fld id="{2CDB9AEF-8318-41C2-9891-CC46D7AD0D89}" type="slidenum">
+              <a:rPr lang="es-CO" smtClean="0"/>
+              <a:t>‹#›</a:t>
+            </a:fld>
+            <a:endParaRPr lang="es-CO"/>
+          </a:p>
+        </p:txBody>
+      </p:sp>
+    </p:spTree>
+    <p:extLst>
+      <p:ext uri="{BB962C8B-B14F-4D97-AF65-F5344CB8AC3E}">
+        <p14:creationId xmlns:p14="http://schemas.microsoft.com/office/powerpoint/2010/main" val="2380593131"/>
+      </p:ext>
+    </p:extLst>
+  </p:cSld>
+  <p:clrMapOvr>
+    <a:masterClrMapping/>
+  </p:clrMapOvr>
+</p:sldLayout>
+</file>
+
+<file path=ppt/slideLayouts/slideLayout8.xml><?xml version="1.0" encoding="utf-8"?>
+<p:sldLayout xmlns:a="http://schemas.openxmlformats.org/drawingml/2006/main" xmlns:r="http://schemas.openxmlformats.org/officeDocument/2006/relationships" xmlns:p="http://schemas.openxmlformats.org/presentationml/2006/main" type="objTx" preserve="1">
+  <p:cSld name="Content with Caption">
+    <p:spTree>
+      <p:nvGrpSpPr>
+        <p:cNvPr id="1" name=""/>
+        <p:cNvGrpSpPr/>
+        <p:nvPr/>
+      </p:nvGrpSpPr>
+      <p:grpSpPr>
+        <a:xfrm>
+          <a:off x="0" y="0"/>
+          <a:ext cx="0" cy="0"/>
+          <a:chOff x="0" y="0"/>
+          <a:chExt cx="0" cy="0"/>
+        </a:xfrm>
+      </p:grpSpPr>
+      <p:sp>
+        <p:nvSpPr>
+          <p:cNvPr id="2" name="Title 1"/>
+          <p:cNvSpPr>
+            <a:spLocks noGrp="1"/>
+          </p:cNvSpPr>
+          <p:nvPr>
+            <p:ph type="title"/>
+          </p:nvPr>
+        </p:nvSpPr>
+        <p:spPr>
+          <a:xfrm>
+            <a:off x="609599" y="1498604"/>
+            <a:ext cx="2790182" cy="1278466"/>
+          </a:xfrm>
+        </p:spPr>
+        <p:txBody>
+          <a:bodyPr anchor="b">
+            <a:normAutofit/>
+          </a:bodyPr>
+          <a:lstStyle>
+            <a:lvl1pPr>
+              <a:defRPr sz="2000"/>
+            </a:lvl1pPr>
+          </a:lstStyle>
+          <a:p>
+            <a:r>
+              <a:rPr lang="en-US" smtClean="0"/>
+              <a:t>Click to edit Master title style</a:t>
+            </a:r>
+            <a:endParaRPr lang="en-US" dirty="0"/>
+          </a:p>
+        </p:txBody>
+      </p:sp>
+      <p:sp>
+        <p:nvSpPr>
+          <p:cNvPr id="3" name="Content Placeholder 2"/>
+          <p:cNvSpPr>
+            <a:spLocks noGrp="1"/>
+          </p:cNvSpPr>
+          <p:nvPr>
+            <p:ph idx="1"/>
+          </p:nvPr>
+        </p:nvSpPr>
+        <p:spPr>
+          <a:xfrm>
+            <a:off x="3571275" y="514925"/>
+            <a:ext cx="3386037" cy="5526437"/>
+          </a:xfrm>
+        </p:spPr>
+        <p:txBody>
+          <a:bodyPr>
+            <a:normAutofit/>
+          </a:bodyPr>
+          <a:lstStyle/>
+          <a:p>
+            <a:pPr lvl="0"/>
+            <a:r>
+              <a:rPr lang="en-US" smtClean="0"/>
+              <a:t>Click to edit Master text styles</a:t>
+            </a:r>
+          </a:p>
+          <a:p>
+            <a:pPr lvl="1"/>
+            <a:r>
+              <a:rPr lang="en-US" smtClean="0"/>
+              <a:t>Second level</a:t>
+            </a:r>
+          </a:p>
+          <a:p>
+            <a:pPr lvl="2"/>
+            <a:r>
+              <a:rPr lang="en-US" smtClean="0"/>
+              <a:t>Third level</a:t>
+            </a:r>
+          </a:p>
+          <a:p>
+            <a:pPr lvl="3"/>
+            <a:r>
+              <a:rPr lang="en-US" smtClean="0"/>
+              <a:t>Fourth level</a:t>
+            </a:r>
+          </a:p>
+          <a:p>
+            <a:pPr lvl="4"/>
+            <a:r>
+              <a:rPr lang="en-US" smtClean="0"/>
+              <a:t>Fifth level</a:t>
+            </a:r>
+            <a:endParaRPr lang="en-US" dirty="0"/>
+          </a:p>
+        </p:txBody>
+      </p:sp>
+      <p:sp>
+        <p:nvSpPr>
+          <p:cNvPr id="4" name="Text Placeholder 3"/>
+          <p:cNvSpPr>
+            <a:spLocks noGrp="1"/>
+          </p:cNvSpPr>
+          <p:nvPr>
+            <p:ph type="body" sz="half" idx="2"/>
+          </p:nvPr>
+        </p:nvSpPr>
+        <p:spPr>
+          <a:xfrm>
+            <a:off x="609599" y="2777069"/>
+            <a:ext cx="2790182" cy="2584449"/>
+          </a:xfrm>
+        </p:spPr>
+        <p:txBody>
+          <a:bodyPr>
+            <a:normAutofit/>
+          </a:bodyPr>
+          <a:lstStyle>
+            <a:lvl1pPr marL="0" indent="0">
+              <a:buNone/>
+              <a:defRPr sz="1400"/>
+            </a:lvl1pPr>
+            <a:lvl2pPr marL="342900" indent="0">
+              <a:buNone/>
+              <a:defRPr sz="1050"/>
+            </a:lvl2pPr>
+            <a:lvl3pPr marL="685800" indent="0">
+              <a:buNone/>
+              <a:defRPr sz="900"/>
+            </a:lvl3pPr>
+            <a:lvl4pPr marL="1028700" indent="0">
+              <a:buNone/>
+              <a:defRPr sz="750"/>
+            </a:lvl4pPr>
+            <a:lvl5pPr marL="1371600" indent="0">
+              <a:buNone/>
+              <a:defRPr sz="750"/>
+            </a:lvl5pPr>
+            <a:lvl6pPr marL="1714500" indent="0">
+              <a:buNone/>
+              <a:defRPr sz="750"/>
+            </a:lvl6pPr>
+            <a:lvl7pPr marL="2057400" indent="0">
+              <a:buNone/>
+              <a:defRPr sz="750"/>
+            </a:lvl7pPr>
+            <a:lvl8pPr marL="2400300" indent="0">
+              <a:buNone/>
+              <a:defRPr sz="750"/>
+            </a:lvl8pPr>
+            <a:lvl9pPr marL="2743200" indent="0">
+              <a:buNone/>
+              <a:defRPr sz="750"/>
+            </a:lvl9pPr>
+          </a:lstStyle>
+          <a:p>
+            <a:pPr lvl="0"/>
+            <a:r>
+              <a:rPr lang="en-US" smtClean="0"/>
+              <a:t>Click to edit Master text styles</a:t>
+            </a:r>
+          </a:p>
+        </p:txBody>
+      </p:sp>
+      <p:sp>
+        <p:nvSpPr>
+          <p:cNvPr id="5" name="Date Placeholder 4"/>
+          <p:cNvSpPr>
+            <a:spLocks noGrp="1"/>
+          </p:cNvSpPr>
+          <p:nvPr>
+            <p:ph type="dt" sz="half" idx="10"/>
+          </p:nvPr>
+        </p:nvSpPr>
+        <p:spPr/>
+        <p:txBody>
+          <a:bodyPr/>
+          <a:lstStyle/>
+          <a:p>
+            <a:fld id="{314721F9-2DA5-49BF-934F-EFEE00852BD6}" type="datetimeFigureOut">
+              <a:rPr lang="es-CO" smtClean="0"/>
+              <a:t>13/12/2017</a:t>
+            </a:fld>
+            <a:endParaRPr lang="es-CO"/>
+          </a:p>
+        </p:txBody>
+      </p:sp>
+      <p:sp>
+        <p:nvSpPr>
+          <p:cNvPr id="6" name="Footer Placeholder 5"/>
+          <p:cNvSpPr>
+            <a:spLocks noGrp="1"/>
+          </p:cNvSpPr>
+          <p:nvPr>
+            <p:ph type="ftr" sz="quarter" idx="11"/>
+          </p:nvPr>
+        </p:nvSpPr>
+        <p:spPr/>
+        <p:txBody>
+          <a:bodyPr/>
+          <a:lstStyle/>
+          <a:p>
+            <a:endParaRPr lang="es-CO"/>
+          </a:p>
+        </p:txBody>
+      </p:sp>
+      <p:sp>
+        <p:nvSpPr>
+          <p:cNvPr id="7" name="Slide Number Placeholder 6"/>
+          <p:cNvSpPr>
+            <a:spLocks noGrp="1"/>
+          </p:cNvSpPr>
+          <p:nvPr>
+            <p:ph type="sldNum" sz="quarter" idx="12"/>
+          </p:nvPr>
+        </p:nvSpPr>
+        <p:spPr/>
+        <p:txBody>
+          <a:bodyPr/>
+          <a:lstStyle/>
+          <a:p>
+            <a:fld id="{2CDB9AEF-8318-41C2-9891-CC46D7AD0D89}" type="slidenum">
+              <a:rPr lang="es-CO" smtClean="0"/>
+              <a:t>‹#›</a:t>
+            </a:fld>
+            <a:endParaRPr lang="es-CO"/>
+          </a:p>
+        </p:txBody>
+      </p:sp>
+    </p:spTree>
+    <p:extLst>
+      <p:ext uri="{BB962C8B-B14F-4D97-AF65-F5344CB8AC3E}">
+        <p14:creationId xmlns:p14="http://schemas.microsoft.com/office/powerpoint/2010/main" val="585436667"/>
+      </p:ext>
+    </p:extLst>
+  </p:cSld>
+  <p:clrMapOvr>
+    <a:masterClrMapping/>
+  </p:clrMapOvr>
+</p:sldLayout>
+</file>
+
+<file path=ppt/slideLayouts/slideLayout9.xml><?xml version="1.0" encoding="utf-8"?>
+<p:sldLayout xmlns:a="http://schemas.openxmlformats.org/drawingml/2006/main" xmlns:r="http://schemas.openxmlformats.org/officeDocument/2006/relationships" xmlns:p="http://schemas.openxmlformats.org/presentationml/2006/main" type="picTx" preserve="1">
+  <p:cSld name="Picture with Caption">
+    <p:spTree>
+      <p:nvGrpSpPr>
+        <p:cNvPr id="1" name=""/>
+        <p:cNvGrpSpPr/>
+        <p:nvPr/>
+      </p:nvGrpSpPr>
+      <p:grpSpPr>
+        <a:xfrm>
+          <a:off x="0" y="0"/>
+          <a:ext cx="0" cy="0"/>
+          <a:chOff x="0" y="0"/>
+          <a:chExt cx="0" cy="0"/>
+        </a:xfrm>
+      </p:grpSpPr>
+      <p:sp>
+        <p:nvSpPr>
+          <p:cNvPr id="2" name="Title 1"/>
+          <p:cNvSpPr>
+            <a:spLocks noGrp="1"/>
+          </p:cNvSpPr>
+          <p:nvPr>
+            <p:ph type="title"/>
+          </p:nvPr>
+        </p:nvSpPr>
+        <p:spPr>
+          <a:xfrm>
+            <a:off x="609599" y="4800600"/>
+            <a:ext cx="6347714" cy="566738"/>
+          </a:xfrm>
+        </p:spPr>
+        <p:txBody>
+          <a:bodyPr anchor="b">
+            <a:normAutofit/>
+          </a:bodyPr>
+          <a:lstStyle>
+            <a:lvl1pPr algn="l">
+              <a:defRPr sz="2400" b="0"/>
+            </a:lvl1pPr>
+          </a:lstStyle>
+          <a:p>
+            <a:r>
+              <a:rPr lang="en-US" smtClean="0"/>
+              <a:t>Click to edit Master title style</a:t>
+            </a:r>
+            <a:endParaRPr lang="en-US" dirty="0"/>
+          </a:p>
+        </p:txBody>
+      </p:sp>
+      <p:sp>
+        <p:nvSpPr>
+          <p:cNvPr id="3" name="Picture Placeholder 2"/>
+          <p:cNvSpPr>
+            <a:spLocks noGrp="1" noChangeAspect="1"/>
+          </p:cNvSpPr>
+          <p:nvPr>
+            <p:ph type="pic" idx="1"/>
+          </p:nvPr>
+        </p:nvSpPr>
+        <p:spPr>
+          <a:xfrm>
+            <a:off x="609599" y="609600"/>
+            <a:ext cx="6347714" cy="3845718"/>
+          </a:xfrm>
+        </p:spPr>
+        <p:txBody>
+          <a:bodyPr anchor="t">
+            <a:normAutofit/>
+          </a:bodyPr>
+          <a:lstStyle>
+            <a:lvl1pPr marL="0" indent="0" algn="ctr">
+              <a:buNone/>
+              <a:defRPr sz="1600"/>
+            </a:lvl1pPr>
+            <a:lvl2pPr marL="457200" indent="0">
+              <a:buNone/>
+              <a:defRPr sz="1600"/>
+            </a:lvl2pPr>
+            <a:lvl3pPr marL="914400" indent="0">
+              <a:buNone/>
+              <a:defRPr sz="1600"/>
+            </a:lvl3pPr>
+            <a:lvl4pPr marL="1371600" indent="0">
+              <a:buNone/>
+              <a:defRPr sz="1600"/>
+            </a:lvl4pPr>
+            <a:lvl5pPr marL="1828800" indent="0">
+              <a:buNone/>
+              <a:defRPr sz="1600"/>
+            </a:lvl5pPr>
+            <a:lvl6pPr marL="2286000" indent="0">
+              <a:buNone/>
+              <a:defRPr sz="1600"/>
+            </a:lvl6pPr>
+            <a:lvl7pPr marL="2743200" indent="0">
+              <a:buNone/>
+              <a:defRPr sz="1600"/>
+            </a:lvl7pPr>
+            <a:lvl8pPr marL="3200400" indent="0">
+              <a:buNone/>
+              <a:defRPr sz="1600"/>
+            </a:lvl8pPr>
+            <a:lvl9pPr marL="3657600" indent="0">
+              <a:buNone/>
+              <a:defRPr sz="1600"/>
+            </a:lvl9pPr>
+          </a:lstStyle>
+          <a:p>
+            <a:r>
+              <a:rPr lang="en-US" smtClean="0"/>
+              <a:t>Click icon to add picture</a:t>
+            </a:r>
+            <a:endParaRPr lang="en-US" dirty="0"/>
+          </a:p>
+        </p:txBody>
+      </p:sp>
+      <p:sp>
+        <p:nvSpPr>
+          <p:cNvPr id="4" name="Text Placeholder 3"/>
+          <p:cNvSpPr>
+            <a:spLocks noGrp="1"/>
+          </p:cNvSpPr>
+          <p:nvPr>
+            <p:ph type="body" sz="half" idx="2"/>
+          </p:nvPr>
+        </p:nvSpPr>
+        <p:spPr>
+          <a:xfrm>
+            <a:off x="609599" y="5367338"/>
+            <a:ext cx="6347714" cy="674024"/>
+          </a:xfrm>
+        </p:spPr>
+        <p:txBody>
+          <a:bodyPr>
+            <a:normAutofit/>
+          </a:bodyPr>
+          <a:lstStyle>
+            <a:lvl1pPr marL="0" indent="0">
+              <a:buNone/>
+              <a:defRPr sz="1200"/>
+            </a:lvl1pPr>
+            <a:lvl2pPr marL="457200" indent="0">
+              <a:buNone/>
+              <a:defRPr sz="1200"/>
+            </a:lvl2pPr>
+            <a:lvl3pPr marL="914400" indent="0">
+              <a:buNone/>
+              <a:defRPr sz="1000"/>
+            </a:lvl3pPr>
+            <a:lvl4pPr marL="1371600" indent="0">
+              <a:buNone/>
+              <a:defRPr sz="900"/>
+            </a:lvl4pPr>
+            <a:lvl5pPr marL="1828800" indent="0">
+              <a:buNone/>
+              <a:defRPr sz="900"/>
+            </a:lvl5pPr>
+            <a:lvl6pPr marL="2286000" indent="0">
+              <a:buNone/>
+              <a:defRPr sz="900"/>
+            </a:lvl6pPr>
+            <a:lvl7pPr marL="2743200" indent="0">
+              <a:buNone/>
+              <a:defRPr sz="900"/>
+            </a:lvl7pPr>
+            <a:lvl8pPr marL="3200400" indent="0">
+              <a:buNone/>
+              <a:defRPr sz="900"/>
+            </a:lvl8pPr>
+            <a:lvl9pPr marL="3657600" indent="0">
+              <a:buNone/>
+              <a:defRPr sz="900"/>
+            </a:lvl9pPr>
+          </a:lstStyle>
+          <a:p>
+            <a:pPr lvl="0"/>
+            <a:r>
+              <a:rPr lang="en-US" smtClean="0"/>
+              <a:t>Click to edit Master text styles</a:t>
+            </a:r>
+          </a:p>
+        </p:txBody>
+      </p:sp>
+      <p:sp>
+        <p:nvSpPr>
+          <p:cNvPr id="5" name="Date Placeholder 4"/>
+          <p:cNvSpPr>
+            <a:spLocks noGrp="1"/>
+          </p:cNvSpPr>
+          <p:nvPr>
+            <p:ph type="dt" sz="half" idx="10"/>
+          </p:nvPr>
+        </p:nvSpPr>
+        <p:spPr/>
+        <p:txBody>
+          <a:bodyPr/>
+          <a:lstStyle/>
+          <a:p>
+            <a:fld id="{314721F9-2DA5-49BF-934F-EFEE00852BD6}" type="datetimeFigureOut">
+              <a:rPr lang="es-CO" smtClean="0"/>
+              <a:t>13/12/2017</a:t>
+            </a:fld>
+            <a:endParaRPr lang="es-CO"/>
+          </a:p>
+        </p:txBody>
+      </p:sp>
+      <p:sp>
+        <p:nvSpPr>
+          <p:cNvPr id="6" name="Footer Placeholder 5"/>
+          <p:cNvSpPr>
+            <a:spLocks noGrp="1"/>
+          </p:cNvSpPr>
+          <p:nvPr>
+            <p:ph type="ftr" sz="quarter" idx="11"/>
+          </p:nvPr>
+        </p:nvSpPr>
+        <p:spPr/>
+        <p:txBody>
+          <a:bodyPr/>
+          <a:lstStyle/>
+          <a:p>
+            <a:endParaRPr lang="es-CO"/>
+          </a:p>
+        </p:txBody>
+      </p:sp>
+      <p:sp>
+        <p:nvSpPr>
+          <p:cNvPr id="7" name="Slide Number Placeholder 6"/>
+          <p:cNvSpPr>
+            <a:spLocks noGrp="1"/>
+          </p:cNvSpPr>
+          <p:nvPr>
+            <p:ph type="sldNum" sz="quarter" idx="12"/>
+          </p:nvPr>
+        </p:nvSpPr>
+        <p:spPr/>
+        <p:txBody>
+          <a:bodyPr/>
+          <a:lstStyle/>
+          <a:p>
+            <a:fld id="{2CDB9AEF-8318-41C2-9891-CC46D7AD0D89}" type="slidenum">
+              <a:rPr lang="es-CO" smtClean="0"/>
+              <a:t>‹#›</a:t>
+            </a:fld>
+            <a:endParaRPr lang="es-CO"/>
+          </a:p>
+        </p:txBody>
+      </p:sp>
+    </p:spTree>
+    <p:extLst>
+      <p:ext uri="{BB962C8B-B14F-4D97-AF65-F5344CB8AC3E}">
+        <p14:creationId xmlns:p14="http://schemas.microsoft.com/office/powerpoint/2010/main" val="1310204273"/>
       </p:ext>
     </p:extLst>
   </p:cSld>
@@ -2444,6 +4801,607 @@
           <a:chExt cx="0" cy="0"/>
         </a:xfrm>
       </p:grpSpPr>
+      <p:grpSp>
+        <p:nvGrpSpPr>
+          <p:cNvPr id="17" name="Group 16"/>
+          <p:cNvGrpSpPr/>
+          <p:nvPr/>
+        </p:nvGrpSpPr>
+        <p:grpSpPr>
+          <a:xfrm>
+            <a:off x="-8467" y="-8468"/>
+            <a:ext cx="9169805" cy="6874935"/>
+            <a:chOff x="-8467" y="-8468"/>
+            <a:chExt cx="9169805" cy="6874935"/>
+          </a:xfrm>
+        </p:grpSpPr>
+        <p:sp>
+          <p:nvSpPr>
+            <p:cNvPr id="7" name="Freeform 6"/>
+            <p:cNvSpPr/>
+            <p:nvPr/>
+          </p:nvSpPr>
+          <p:spPr>
+            <a:xfrm>
+              <a:off x="-8467" y="4013200"/>
+              <a:ext cx="457200" cy="2853267"/>
+            </a:xfrm>
+            <a:custGeom>
+              <a:avLst/>
+              <a:gdLst/>
+              <a:ahLst/>
+              <a:cxnLst/>
+              <a:rect l="l" t="t" r="r" b="b"/>
+              <a:pathLst>
+                <a:path w="457200" h="2853267">
+                  <a:moveTo>
+                    <a:pt x="0" y="0"/>
+                  </a:moveTo>
+                  <a:lnTo>
+                    <a:pt x="457200" y="2853267"/>
+                  </a:lnTo>
+                  <a:lnTo>
+                    <a:pt x="0" y="2844800"/>
+                  </a:lnTo>
+                  <a:cubicBezTo>
+                    <a:pt x="2822" y="1905000"/>
+                    <a:pt x="5645" y="965200"/>
+                    <a:pt x="0" y="0"/>
+                  </a:cubicBezTo>
+                  <a:close/>
+                </a:path>
+              </a:pathLst>
+            </a:custGeom>
+            <a:solidFill>
+              <a:schemeClr val="accent1">
+                <a:alpha val="85000"/>
+              </a:schemeClr>
+            </a:solidFill>
+            <a:ln>
+              <a:noFill/>
+            </a:ln>
+            <a:effectLst/>
+          </p:spPr>
+          <p:style>
+            <a:lnRef idx="1">
+              <a:schemeClr val="accent1"/>
+            </a:lnRef>
+            <a:fillRef idx="3">
+              <a:schemeClr val="accent1"/>
+            </a:fillRef>
+            <a:effectRef idx="2">
+              <a:schemeClr val="accent1"/>
+            </a:effectRef>
+            <a:fontRef idx="minor">
+              <a:schemeClr val="lt1"/>
+            </a:fontRef>
+          </p:style>
+        </p:sp>
+        <p:cxnSp>
+          <p:nvCxnSpPr>
+            <p:cNvPr id="8" name="Straight Connector 7"/>
+            <p:cNvCxnSpPr/>
+            <p:nvPr/>
+          </p:nvCxnSpPr>
+          <p:spPr>
+            <a:xfrm flipV="1">
+              <a:off x="5130830" y="4175605"/>
+              <a:ext cx="4022475" cy="2682396"/>
+            </a:xfrm>
+            <a:prstGeom prst="line">
+              <a:avLst/>
+            </a:prstGeom>
+            <a:ln w="9525">
+              <a:solidFill>
+                <a:schemeClr val="bg1">
+                  <a:lumMod val="85000"/>
+                </a:schemeClr>
+              </a:solidFill>
+            </a:ln>
+          </p:spPr>
+          <p:style>
+            <a:lnRef idx="2">
+              <a:schemeClr val="accent1"/>
+            </a:lnRef>
+            <a:fillRef idx="0">
+              <a:schemeClr val="accent1"/>
+            </a:fillRef>
+            <a:effectRef idx="1">
+              <a:schemeClr val="accent1"/>
+            </a:effectRef>
+            <a:fontRef idx="minor">
+              <a:schemeClr val="tx1"/>
+            </a:fontRef>
+          </p:style>
+        </p:cxnSp>
+        <p:cxnSp>
+          <p:nvCxnSpPr>
+            <p:cNvPr id="9" name="Straight Connector 8"/>
+            <p:cNvCxnSpPr/>
+            <p:nvPr/>
+          </p:nvCxnSpPr>
+          <p:spPr>
+            <a:xfrm>
+              <a:off x="7042707" y="0"/>
+              <a:ext cx="1219200" cy="6858000"/>
+            </a:xfrm>
+            <a:prstGeom prst="line">
+              <a:avLst/>
+            </a:prstGeom>
+            <a:ln w="9525">
+              <a:solidFill>
+                <a:schemeClr val="bg1">
+                  <a:lumMod val="75000"/>
+                </a:schemeClr>
+              </a:solidFill>
+            </a:ln>
+          </p:spPr>
+          <p:style>
+            <a:lnRef idx="2">
+              <a:schemeClr val="accent1"/>
+            </a:lnRef>
+            <a:fillRef idx="0">
+              <a:schemeClr val="accent1"/>
+            </a:fillRef>
+            <a:effectRef idx="1">
+              <a:schemeClr val="accent1"/>
+            </a:effectRef>
+            <a:fontRef idx="minor">
+              <a:schemeClr val="tx1"/>
+            </a:fontRef>
+          </p:style>
+        </p:cxnSp>
+        <p:sp>
+          <p:nvSpPr>
+            <p:cNvPr id="10" name="Freeform 9"/>
+            <p:cNvSpPr/>
+            <p:nvPr/>
+          </p:nvSpPr>
+          <p:spPr>
+            <a:xfrm>
+              <a:off x="6891896" y="1"/>
+              <a:ext cx="2269442" cy="6866466"/>
+            </a:xfrm>
+            <a:custGeom>
+              <a:avLst/>
+              <a:gdLst/>
+              <a:ahLst/>
+              <a:cxnLst/>
+              <a:rect l="l" t="t" r="r" b="b"/>
+              <a:pathLst>
+                <a:path w="2269442" h="6866466">
+                  <a:moveTo>
+                    <a:pt x="2023534" y="0"/>
+                  </a:moveTo>
+                  <a:lnTo>
+                    <a:pt x="0" y="6858000"/>
+                  </a:lnTo>
+                  <a:lnTo>
+                    <a:pt x="2269067" y="6866466"/>
+                  </a:lnTo>
+                  <a:cubicBezTo>
+                    <a:pt x="2271889" y="4580466"/>
+                    <a:pt x="2257778" y="2294466"/>
+                    <a:pt x="2260600" y="8466"/>
+                  </a:cubicBezTo>
+                  <a:lnTo>
+                    <a:pt x="2023534" y="0"/>
+                  </a:lnTo>
+                  <a:close/>
+                </a:path>
+              </a:pathLst>
+            </a:custGeom>
+            <a:solidFill>
+              <a:schemeClr val="accent1">
+                <a:alpha val="30000"/>
+              </a:schemeClr>
+            </a:solidFill>
+            <a:ln>
+              <a:noFill/>
+            </a:ln>
+            <a:effectLst/>
+          </p:spPr>
+          <p:style>
+            <a:lnRef idx="1">
+              <a:schemeClr val="accent1"/>
+            </a:lnRef>
+            <a:fillRef idx="3">
+              <a:schemeClr val="accent1"/>
+            </a:fillRef>
+            <a:effectRef idx="2">
+              <a:schemeClr val="accent1"/>
+            </a:effectRef>
+            <a:fontRef idx="minor">
+              <a:schemeClr val="lt1"/>
+            </a:fontRef>
+          </p:style>
+        </p:sp>
+        <p:sp>
+          <p:nvSpPr>
+            <p:cNvPr id="11" name="Freeform 10"/>
+            <p:cNvSpPr/>
+            <p:nvPr/>
+          </p:nvSpPr>
+          <p:spPr>
+            <a:xfrm>
+              <a:off x="7205158" y="-8467"/>
+              <a:ext cx="1948147" cy="6866467"/>
+            </a:xfrm>
+            <a:custGeom>
+              <a:avLst/>
+              <a:gdLst/>
+              <a:ahLst/>
+              <a:cxnLst/>
+              <a:rect l="l" t="t" r="r" b="b"/>
+              <a:pathLst>
+                <a:path w="1948147" h="6866467">
+                  <a:moveTo>
+                    <a:pt x="0" y="0"/>
+                  </a:moveTo>
+                  <a:lnTo>
+                    <a:pt x="1202267" y="6866467"/>
+                  </a:lnTo>
+                  <a:lnTo>
+                    <a:pt x="1947333" y="6866467"/>
+                  </a:lnTo>
+                  <a:cubicBezTo>
+                    <a:pt x="1944511" y="4577645"/>
+                    <a:pt x="1950155" y="2288822"/>
+                    <a:pt x="1947333" y="0"/>
+                  </a:cubicBezTo>
+                  <a:lnTo>
+                    <a:pt x="0" y="0"/>
+                  </a:lnTo>
+                  <a:close/>
+                </a:path>
+              </a:pathLst>
+            </a:custGeom>
+            <a:solidFill>
+              <a:schemeClr val="accent1">
+                <a:alpha val="20000"/>
+              </a:schemeClr>
+            </a:solidFill>
+            <a:ln>
+              <a:noFill/>
+            </a:ln>
+            <a:effectLst/>
+          </p:spPr>
+          <p:style>
+            <a:lnRef idx="1">
+              <a:schemeClr val="accent1"/>
+            </a:lnRef>
+            <a:fillRef idx="3">
+              <a:schemeClr val="accent1"/>
+            </a:fillRef>
+            <a:effectRef idx="2">
+              <a:schemeClr val="accent1"/>
+            </a:effectRef>
+            <a:fontRef idx="minor">
+              <a:schemeClr val="lt1"/>
+            </a:fontRef>
+          </p:style>
+        </p:sp>
+        <p:sp>
+          <p:nvSpPr>
+            <p:cNvPr id="12" name="Freeform 11"/>
+            <p:cNvSpPr/>
+            <p:nvPr/>
+          </p:nvSpPr>
+          <p:spPr>
+            <a:xfrm>
+              <a:off x="6637896" y="3920066"/>
+              <a:ext cx="2513565" cy="2937933"/>
+            </a:xfrm>
+            <a:custGeom>
+              <a:avLst/>
+              <a:gdLst/>
+              <a:ahLst/>
+              <a:cxnLst/>
+              <a:rect l="l" t="t" r="r" b="b"/>
+              <a:pathLst>
+                <a:path w="3259667" h="3810000">
+                  <a:moveTo>
+                    <a:pt x="0" y="3810000"/>
+                  </a:moveTo>
+                  <a:lnTo>
+                    <a:pt x="3251200" y="0"/>
+                  </a:lnTo>
+                  <a:cubicBezTo>
+                    <a:pt x="3254022" y="1270000"/>
+                    <a:pt x="3256845" y="2540000"/>
+                    <a:pt x="3259667" y="3810000"/>
+                  </a:cubicBezTo>
+                  <a:lnTo>
+                    <a:pt x="0" y="3810000"/>
+                  </a:lnTo>
+                  <a:close/>
+                </a:path>
+              </a:pathLst>
+            </a:custGeom>
+            <a:solidFill>
+              <a:schemeClr val="accent2">
+                <a:alpha val="72000"/>
+              </a:schemeClr>
+            </a:solidFill>
+            <a:ln>
+              <a:noFill/>
+            </a:ln>
+            <a:effectLst/>
+          </p:spPr>
+          <p:style>
+            <a:lnRef idx="1">
+              <a:schemeClr val="accent1"/>
+            </a:lnRef>
+            <a:fillRef idx="3">
+              <a:schemeClr val="accent1"/>
+            </a:fillRef>
+            <a:effectRef idx="2">
+              <a:schemeClr val="accent1"/>
+            </a:effectRef>
+            <a:fontRef idx="minor">
+              <a:schemeClr val="lt1"/>
+            </a:fontRef>
+          </p:style>
+        </p:sp>
+        <p:sp>
+          <p:nvSpPr>
+            <p:cNvPr id="13" name="Freeform 12"/>
+            <p:cNvSpPr/>
+            <p:nvPr/>
+          </p:nvSpPr>
+          <p:spPr>
+            <a:xfrm>
+              <a:off x="7010429" y="-8467"/>
+              <a:ext cx="2142876" cy="6866467"/>
+            </a:xfrm>
+            <a:custGeom>
+              <a:avLst/>
+              <a:gdLst/>
+              <a:ahLst/>
+              <a:cxnLst/>
+              <a:rect l="l" t="t" r="r" b="b"/>
+              <a:pathLst>
+                <a:path w="2853267" h="6866467">
+                  <a:moveTo>
+                    <a:pt x="0" y="0"/>
+                  </a:moveTo>
+                  <a:lnTo>
+                    <a:pt x="2472267" y="6866467"/>
+                  </a:lnTo>
+                  <a:lnTo>
+                    <a:pt x="2853267" y="6858000"/>
+                  </a:lnTo>
+                  <a:lnTo>
+                    <a:pt x="2853267" y="0"/>
+                  </a:lnTo>
+                  <a:lnTo>
+                    <a:pt x="0" y="0"/>
+                  </a:lnTo>
+                  <a:close/>
+                </a:path>
+              </a:pathLst>
+            </a:custGeom>
+            <a:solidFill>
+              <a:schemeClr val="accent2">
+                <a:lumMod val="75000"/>
+                <a:alpha val="70000"/>
+              </a:schemeClr>
+            </a:solidFill>
+            <a:ln>
+              <a:noFill/>
+            </a:ln>
+            <a:effectLst/>
+          </p:spPr>
+          <p:style>
+            <a:lnRef idx="1">
+              <a:schemeClr val="accent1"/>
+            </a:lnRef>
+            <a:fillRef idx="3">
+              <a:schemeClr val="accent1"/>
+            </a:fillRef>
+            <a:effectRef idx="2">
+              <a:schemeClr val="accent1"/>
+            </a:effectRef>
+            <a:fontRef idx="minor">
+              <a:schemeClr val="lt1"/>
+            </a:fontRef>
+          </p:style>
+        </p:sp>
+        <p:sp>
+          <p:nvSpPr>
+            <p:cNvPr id="14" name="Freeform 13"/>
+            <p:cNvSpPr/>
+            <p:nvPr/>
+          </p:nvSpPr>
+          <p:spPr>
+            <a:xfrm>
+              <a:off x="8295776" y="-8467"/>
+              <a:ext cx="857530" cy="6866467"/>
+            </a:xfrm>
+            <a:custGeom>
+              <a:avLst/>
+              <a:gdLst/>
+              <a:ahLst/>
+              <a:cxnLst/>
+              <a:rect l="l" t="t" r="r" b="b"/>
+              <a:pathLst>
+                <a:path w="1286933" h="6866467">
+                  <a:moveTo>
+                    <a:pt x="1016000" y="0"/>
+                  </a:moveTo>
+                  <a:lnTo>
+                    <a:pt x="0" y="6866467"/>
+                  </a:lnTo>
+                  <a:lnTo>
+                    <a:pt x="1286933" y="6866467"/>
+                  </a:lnTo>
+                  <a:cubicBezTo>
+                    <a:pt x="1284111" y="4577645"/>
+                    <a:pt x="1281288" y="2288822"/>
+                    <a:pt x="1278466" y="0"/>
+                  </a:cubicBezTo>
+                  <a:lnTo>
+                    <a:pt x="1016000" y="0"/>
+                  </a:lnTo>
+                  <a:close/>
+                </a:path>
+              </a:pathLst>
+            </a:custGeom>
+            <a:solidFill>
+              <a:schemeClr val="accent1">
+                <a:lumMod val="60000"/>
+                <a:lumOff val="40000"/>
+                <a:alpha val="70000"/>
+              </a:schemeClr>
+            </a:solidFill>
+            <a:ln>
+              <a:noFill/>
+            </a:ln>
+            <a:effectLst/>
+          </p:spPr>
+          <p:style>
+            <a:lnRef idx="1">
+              <a:schemeClr val="accent1"/>
+            </a:lnRef>
+            <a:fillRef idx="3">
+              <a:schemeClr val="accent1"/>
+            </a:fillRef>
+            <a:effectRef idx="2">
+              <a:schemeClr val="accent1"/>
+            </a:effectRef>
+            <a:fontRef idx="minor">
+              <a:schemeClr val="lt1"/>
+            </a:fontRef>
+          </p:style>
+        </p:sp>
+        <p:sp>
+          <p:nvSpPr>
+            <p:cNvPr id="15" name="Freeform 14"/>
+            <p:cNvSpPr/>
+            <p:nvPr/>
+          </p:nvSpPr>
+          <p:spPr>
+            <a:xfrm>
+              <a:off x="8077231" y="-8468"/>
+              <a:ext cx="1066770" cy="6866467"/>
+            </a:xfrm>
+            <a:custGeom>
+              <a:avLst/>
+              <a:gdLst/>
+              <a:ahLst/>
+              <a:cxnLst/>
+              <a:rect l="l" t="t" r="r" b="b"/>
+              <a:pathLst>
+                <a:path w="1270244" h="6866467">
+                  <a:moveTo>
+                    <a:pt x="0" y="0"/>
+                  </a:moveTo>
+                  <a:lnTo>
+                    <a:pt x="1117600" y="6866467"/>
+                  </a:lnTo>
+                  <a:lnTo>
+                    <a:pt x="1270000" y="6866467"/>
+                  </a:lnTo>
+                  <a:cubicBezTo>
+                    <a:pt x="1272822" y="4574822"/>
+                    <a:pt x="1250245" y="2291645"/>
+                    <a:pt x="1253067" y="0"/>
+                  </a:cubicBezTo>
+                  <a:lnTo>
+                    <a:pt x="0" y="0"/>
+                  </a:lnTo>
+                  <a:close/>
+                </a:path>
+              </a:pathLst>
+            </a:custGeom>
+            <a:solidFill>
+              <a:schemeClr val="accent1">
+                <a:alpha val="65000"/>
+              </a:schemeClr>
+            </a:solidFill>
+            <a:ln>
+              <a:noFill/>
+            </a:ln>
+            <a:effectLst/>
+          </p:spPr>
+          <p:style>
+            <a:lnRef idx="1">
+              <a:schemeClr val="accent1"/>
+            </a:lnRef>
+            <a:fillRef idx="3">
+              <a:schemeClr val="accent1"/>
+            </a:fillRef>
+            <a:effectRef idx="2">
+              <a:schemeClr val="accent1"/>
+            </a:effectRef>
+            <a:fontRef idx="minor">
+              <a:schemeClr val="lt1"/>
+            </a:fontRef>
+          </p:style>
+        </p:sp>
+        <p:sp>
+          <p:nvSpPr>
+            <p:cNvPr id="16" name="Freeform 15"/>
+            <p:cNvSpPr/>
+            <p:nvPr/>
+          </p:nvSpPr>
+          <p:spPr>
+            <a:xfrm>
+              <a:off x="8060297" y="4893733"/>
+              <a:ext cx="1094086" cy="1964267"/>
+            </a:xfrm>
+            <a:custGeom>
+              <a:avLst/>
+              <a:gdLst/>
+              <a:ahLst/>
+              <a:cxnLst/>
+              <a:rect l="l" t="t" r="r" b="b"/>
+              <a:pathLst>
+                <a:path w="1820333" h="3268133">
+                  <a:moveTo>
+                    <a:pt x="0" y="3268133"/>
+                  </a:moveTo>
+                  <a:lnTo>
+                    <a:pt x="1811866" y="0"/>
+                  </a:lnTo>
+                  <a:cubicBezTo>
+                    <a:pt x="1814688" y="1086555"/>
+                    <a:pt x="1817511" y="2173111"/>
+                    <a:pt x="1820333" y="3259666"/>
+                  </a:cubicBezTo>
+                  <a:lnTo>
+                    <a:pt x="0" y="3268133"/>
+                  </a:lnTo>
+                  <a:close/>
+                </a:path>
+              </a:pathLst>
+            </a:custGeom>
+            <a:solidFill>
+              <a:schemeClr val="accent1">
+                <a:alpha val="80000"/>
+              </a:schemeClr>
+            </a:solidFill>
+            <a:ln>
+              <a:noFill/>
+            </a:ln>
+            <a:effectLst/>
+          </p:spPr>
+          <p:style>
+            <a:lnRef idx="1">
+              <a:schemeClr val="accent1"/>
+            </a:lnRef>
+            <a:fillRef idx="3">
+              <a:schemeClr val="accent1"/>
+            </a:fillRef>
+            <a:effectRef idx="2">
+              <a:schemeClr val="accent1"/>
+            </a:effectRef>
+            <a:fontRef idx="minor">
+              <a:schemeClr val="lt1"/>
+            </a:fontRef>
+          </p:style>
+        </p:sp>
+      </p:grpSp>
       <p:sp>
         <p:nvSpPr>
           <p:cNvPr id="2" name="Title Placeholder 1"/>
@@ -2456,22 +5414,22 @@
         </p:nvSpPr>
         <p:spPr>
           <a:xfrm>
-            <a:off x="628650" y="365126"/>
-            <a:ext cx="7886700" cy="1325563"/>
+            <a:off x="609599" y="609600"/>
+            <a:ext cx="6347713" cy="1320800"/>
           </a:xfrm>
           <a:prstGeom prst="rect">
             <a:avLst/>
           </a:prstGeom>
         </p:spPr>
         <p:txBody>
-          <a:bodyPr vert="horz" lIns="91440" tIns="45720" rIns="91440" bIns="45720" rtlCol="0" anchor="ctr">
+          <a:bodyPr vert="horz" lIns="91440" tIns="45720" rIns="91440" bIns="45720" rtlCol="0" anchor="t">
             <a:normAutofit/>
           </a:bodyPr>
           <a:lstStyle/>
           <a:p>
             <a:r>
-              <a:rPr lang="es-ES" smtClean="0"/>
-              <a:t>Haga clic para modificar el estilo de título del patrón</a:t>
+              <a:rPr lang="en-US" smtClean="0"/>
+              <a:t>Click to edit Master title style</a:t>
             </a:r>
             <a:endParaRPr lang="en-US" dirty="0"/>
           </a:p>
@@ -2489,8 +5447,8 @@
         </p:nvSpPr>
         <p:spPr>
           <a:xfrm>
-            <a:off x="628650" y="1825625"/>
-            <a:ext cx="7886700" cy="4351338"/>
+            <a:off x="609599" y="2160590"/>
+            <a:ext cx="6347714" cy="3880773"/>
           </a:xfrm>
           <a:prstGeom prst="rect">
             <a:avLst/>
@@ -2504,36 +5462,36 @@
           <a:p>
             <a:pPr lvl="0"/>
             <a:r>
-              <a:rPr lang="es-ES" smtClean="0"/>
-              <a:t>Haga clic para modificar el estilo de texto del patrón</a:t>
+              <a:rPr lang="en-US" smtClean="0"/>
+              <a:t>Click to edit Master text styles</a:t>
             </a:r>
           </a:p>
           <a:p>
             <a:pPr lvl="1"/>
             <a:r>
-              <a:rPr lang="es-ES" smtClean="0"/>
-              <a:t>Segundo nivel</a:t>
+              <a:rPr lang="en-US" smtClean="0"/>
+              <a:t>Second level</a:t>
             </a:r>
           </a:p>
           <a:p>
             <a:pPr lvl="2"/>
             <a:r>
-              <a:rPr lang="es-ES" smtClean="0"/>
-              <a:t>Tercer nivel</a:t>
+              <a:rPr lang="en-US" smtClean="0"/>
+              <a:t>Third level</a:t>
             </a:r>
           </a:p>
           <a:p>
             <a:pPr lvl="3"/>
             <a:r>
-              <a:rPr lang="es-ES" smtClean="0"/>
-              <a:t>Cuarto nivel</a:t>
+              <a:rPr lang="en-US" smtClean="0"/>
+              <a:t>Fourth level</a:t>
             </a:r>
           </a:p>
           <a:p>
             <a:pPr lvl="4"/>
             <a:r>
-              <a:rPr lang="es-ES" smtClean="0"/>
-              <a:t>Quinto nivel</a:t>
+              <a:rPr lang="en-US" smtClean="0"/>
+              <a:t>Fifth level</a:t>
             </a:r>
             <a:endParaRPr lang="en-US" dirty="0"/>
           </a:p>
@@ -2551,8 +5509,8 @@
         </p:nvSpPr>
         <p:spPr>
           <a:xfrm>
-            <a:off x="628650" y="6356351"/>
-            <a:ext cx="2057400" cy="365125"/>
+            <a:off x="5405258" y="6041363"/>
+            <a:ext cx="684132" cy="365125"/>
           </a:xfrm>
           <a:prstGeom prst="rect">
             <a:avLst/>
@@ -2561,8 +5519,8 @@
         <p:txBody>
           <a:bodyPr vert="horz" lIns="91440" tIns="45720" rIns="91440" bIns="45720" rtlCol="0" anchor="ctr"/>
           <a:lstStyle>
-            <a:lvl1pPr algn="l">
-              <a:defRPr sz="1200">
+            <a:lvl1pPr algn="r">
+              <a:defRPr sz="900">
                 <a:solidFill>
                   <a:schemeClr val="tx1">
                     <a:tint val="75000"/>
@@ -2592,8 +5550,8 @@
         </p:nvSpPr>
         <p:spPr>
           <a:xfrm>
-            <a:off x="3028950" y="6356351"/>
-            <a:ext cx="3086100" cy="365125"/>
+            <a:off x="609599" y="6041363"/>
+            <a:ext cx="4622973" cy="365125"/>
           </a:xfrm>
           <a:prstGeom prst="rect">
             <a:avLst/>
@@ -2602,8 +5560,8 @@
         <p:txBody>
           <a:bodyPr vert="horz" lIns="91440" tIns="45720" rIns="91440" bIns="45720" rtlCol="0" anchor="ctr"/>
           <a:lstStyle>
-            <a:lvl1pPr algn="ctr">
-              <a:defRPr sz="1200">
+            <a:lvl1pPr algn="l">
+              <a:defRPr sz="900">
                 <a:solidFill>
                   <a:schemeClr val="tx1">
                     <a:tint val="75000"/>
@@ -2629,8 +5587,8 @@
         </p:nvSpPr>
         <p:spPr>
           <a:xfrm>
-            <a:off x="6457950" y="6356351"/>
-            <a:ext cx="2057400" cy="365125"/>
+            <a:off x="6444676" y="6041363"/>
+            <a:ext cx="512638" cy="365125"/>
           </a:xfrm>
           <a:prstGeom prst="rect">
             <a:avLst/>
@@ -2640,11 +5598,9 @@
           <a:bodyPr vert="horz" lIns="91440" tIns="45720" rIns="91440" bIns="45720" rtlCol="0" anchor="ctr"/>
           <a:lstStyle>
             <a:lvl1pPr algn="r">
-              <a:defRPr sz="1200">
+              <a:defRPr sz="900">
                 <a:solidFill>
-                  <a:schemeClr val="tx1">
-                    <a:tint val="75000"/>
-                  </a:schemeClr>
+                  <a:schemeClr val="accent1"/>
                 </a:solidFill>
               </a:defRPr>
             </a:lvl1pPr>
@@ -2652,7 +5608,7 @@
           <a:p>
             <a:fld id="{2CDB9AEF-8318-41C2-9891-CC46D7AD0D89}" type="slidenum">
               <a:rPr lang="es-CO" smtClean="0"/>
-              <a:t>‹Nº›</a:t>
+              <a:t>‹#›</a:t>
             </a:fld>
             <a:endParaRPr lang="es-CO"/>
           </a:p>
@@ -2661,201 +5617,322 @@
     </p:spTree>
     <p:extLst>
       <p:ext uri="{BB962C8B-B14F-4D97-AF65-F5344CB8AC3E}">
-        <p14:creationId xmlns:p14="http://schemas.microsoft.com/office/powerpoint/2010/main" val="914022737"/>
+        <p14:creationId xmlns:p14="http://schemas.microsoft.com/office/powerpoint/2010/main" val="2201836250"/>
       </p:ext>
     </p:extLst>
   </p:cSld>
   <p:clrMap bg1="lt1" tx1="dk1" bg2="lt2" tx2="dk2" accent1="accent1" accent2="accent2" accent3="accent3" accent4="accent4" accent5="accent5" accent6="accent6" hlink="hlink" folHlink="folHlink"/>
   <p:sldLayoutIdLst>
-    <p:sldLayoutId id="2147483661" r:id="rId1"/>
-    <p:sldLayoutId id="2147483662" r:id="rId2"/>
-    <p:sldLayoutId id="2147483663" r:id="rId3"/>
-    <p:sldLayoutId id="2147483664" r:id="rId4"/>
-    <p:sldLayoutId id="2147483665" r:id="rId5"/>
-    <p:sldLayoutId id="2147483666" r:id="rId6"/>
-    <p:sldLayoutId id="2147483667" r:id="rId7"/>
-    <p:sldLayoutId id="2147483668" r:id="rId8"/>
-    <p:sldLayoutId id="2147483669" r:id="rId9"/>
-    <p:sldLayoutId id="2147483670" r:id="rId10"/>
-    <p:sldLayoutId id="2147483671" r:id="rId11"/>
+    <p:sldLayoutId id="2147483736" r:id="rId1"/>
+    <p:sldLayoutId id="2147483737" r:id="rId2"/>
+    <p:sldLayoutId id="2147483738" r:id="rId3"/>
+    <p:sldLayoutId id="2147483739" r:id="rId4"/>
+    <p:sldLayoutId id="2147483740" r:id="rId5"/>
+    <p:sldLayoutId id="2147483741" r:id="rId6"/>
+    <p:sldLayoutId id="2147483742" r:id="rId7"/>
+    <p:sldLayoutId id="2147483743" r:id="rId8"/>
+    <p:sldLayoutId id="2147483744" r:id="rId9"/>
+    <p:sldLayoutId id="2147483745" r:id="rId10"/>
+    <p:sldLayoutId id="2147483746" r:id="rId11"/>
+    <p:sldLayoutId id="2147483747" r:id="rId12"/>
+    <p:sldLayoutId id="2147483748" r:id="rId13"/>
+    <p:sldLayoutId id="2147483749" r:id="rId14"/>
+    <p:sldLayoutId id="2147483750" r:id="rId15"/>
+    <p:sldLayoutId id="2147483751" r:id="rId16"/>
   </p:sldLayoutIdLst>
   <p:txStyles>
     <p:titleStyle>
-      <a:lvl1pPr algn="l" defTabSz="914400" rtl="0" eaLnBrk="1" latinLnBrk="0" hangingPunct="1">
-        <a:lnSpc>
-          <a:spcPct val="90000"/>
-        </a:lnSpc>
+      <a:lvl1pPr algn="l" defTabSz="457200" rtl="0" eaLnBrk="1" latinLnBrk="0" hangingPunct="1">
         <a:spcBef>
           <a:spcPct val="0"/>
         </a:spcBef>
         <a:buNone/>
-        <a:defRPr sz="4400" kern="1200">
+        <a:defRPr sz="3600" kern="1200">
           <a:solidFill>
-            <a:schemeClr val="tx1"/>
+            <a:schemeClr val="accent1"/>
           </a:solidFill>
           <a:latin typeface="+mj-lt"/>
           <a:ea typeface="+mj-ea"/>
           <a:cs typeface="+mj-cs"/>
         </a:defRPr>
       </a:lvl1pPr>
+      <a:lvl2pPr eaLnBrk="1" hangingPunct="1">
+        <a:defRPr>
+          <a:solidFill>
+            <a:schemeClr val="tx2"/>
+          </a:solidFill>
+        </a:defRPr>
+      </a:lvl2pPr>
+      <a:lvl3pPr eaLnBrk="1" hangingPunct="1">
+        <a:defRPr>
+          <a:solidFill>
+            <a:schemeClr val="tx2"/>
+          </a:solidFill>
+        </a:defRPr>
+      </a:lvl3pPr>
+      <a:lvl4pPr eaLnBrk="1" hangingPunct="1">
+        <a:defRPr>
+          <a:solidFill>
+            <a:schemeClr val="tx2"/>
+          </a:solidFill>
+        </a:defRPr>
+      </a:lvl4pPr>
+      <a:lvl5pPr eaLnBrk="1" hangingPunct="1">
+        <a:defRPr>
+          <a:solidFill>
+            <a:schemeClr val="tx2"/>
+          </a:solidFill>
+        </a:defRPr>
+      </a:lvl5pPr>
+      <a:lvl6pPr eaLnBrk="1" hangingPunct="1">
+        <a:defRPr>
+          <a:solidFill>
+            <a:schemeClr val="tx2"/>
+          </a:solidFill>
+        </a:defRPr>
+      </a:lvl6pPr>
+      <a:lvl7pPr eaLnBrk="1" hangingPunct="1">
+        <a:defRPr>
+          <a:solidFill>
+            <a:schemeClr val="tx2"/>
+          </a:solidFill>
+        </a:defRPr>
+      </a:lvl7pPr>
+      <a:lvl8pPr eaLnBrk="1" hangingPunct="1">
+        <a:defRPr>
+          <a:solidFill>
+            <a:schemeClr val="tx2"/>
+          </a:solidFill>
+        </a:defRPr>
+      </a:lvl8pPr>
+      <a:lvl9pPr eaLnBrk="1" hangingPunct="1">
+        <a:defRPr>
+          <a:solidFill>
+            <a:schemeClr val="tx2"/>
+          </a:solidFill>
+        </a:defRPr>
+      </a:lvl9pPr>
     </p:titleStyle>
     <p:bodyStyle>
-      <a:lvl1pPr marL="228600" indent="-228600" algn="l" defTabSz="914400" rtl="0" eaLnBrk="1" latinLnBrk="0" hangingPunct="1">
-        <a:lnSpc>
-          <a:spcPct val="90000"/>
-        </a:lnSpc>
+      <a:lvl1pPr marL="342900" indent="-342900" algn="l" defTabSz="457200" rtl="0" eaLnBrk="1" latinLnBrk="0" hangingPunct="1">
         <a:spcBef>
           <a:spcPts val="1000"/>
         </a:spcBef>
-        <a:buFont typeface="Arial" panose="020B0604020202020204" pitchFamily="34" charset="0"/>
-        <a:buChar char="•"/>
-        <a:defRPr sz="2800" kern="1200">
+        <a:spcAft>
+          <a:spcPts val="0"/>
+        </a:spcAft>
+        <a:buClr>
+          <a:schemeClr val="accent1"/>
+        </a:buClr>
+        <a:buSzPct val="80000"/>
+        <a:buFont typeface="Wingdings 3" charset="2"/>
+        <a:buChar char=""/>
+        <a:defRPr sz="1800" kern="1200">
           <a:solidFill>
-            <a:schemeClr val="tx1"/>
+            <a:schemeClr val="tx1">
+              <a:lumMod val="75000"/>
+              <a:lumOff val="25000"/>
+            </a:schemeClr>
           </a:solidFill>
           <a:latin typeface="+mn-lt"/>
           <a:ea typeface="+mn-ea"/>
           <a:cs typeface="+mn-cs"/>
         </a:defRPr>
       </a:lvl1pPr>
-      <a:lvl2pPr marL="685800" indent="-228600" algn="l" defTabSz="914400" rtl="0" eaLnBrk="1" latinLnBrk="0" hangingPunct="1">
-        <a:lnSpc>
-          <a:spcPct val="90000"/>
-        </a:lnSpc>
+      <a:lvl2pPr marL="742950" indent="-285750" algn="l" defTabSz="457200" rtl="0" eaLnBrk="1" latinLnBrk="0" hangingPunct="1">
         <a:spcBef>
-          <a:spcPts val="500"/>
+          <a:spcPts val="1000"/>
         </a:spcBef>
-        <a:buFont typeface="Arial" panose="020B0604020202020204" pitchFamily="34" charset="0"/>
-        <a:buChar char="•"/>
-        <a:defRPr sz="2400" kern="1200">
+        <a:spcAft>
+          <a:spcPts val="0"/>
+        </a:spcAft>
+        <a:buClr>
+          <a:schemeClr val="accent1"/>
+        </a:buClr>
+        <a:buSzPct val="80000"/>
+        <a:buFont typeface="Wingdings 3" charset="2"/>
+        <a:buChar char=""/>
+        <a:defRPr sz="1600" kern="1200">
           <a:solidFill>
-            <a:schemeClr val="tx1"/>
+            <a:schemeClr val="tx1">
+              <a:lumMod val="75000"/>
+              <a:lumOff val="25000"/>
+            </a:schemeClr>
           </a:solidFill>
           <a:latin typeface="+mn-lt"/>
           <a:ea typeface="+mn-ea"/>
           <a:cs typeface="+mn-cs"/>
         </a:defRPr>
       </a:lvl2pPr>
-      <a:lvl3pPr marL="1143000" indent="-228600" algn="l" defTabSz="914400" rtl="0" eaLnBrk="1" latinLnBrk="0" hangingPunct="1">
-        <a:lnSpc>
-          <a:spcPct val="90000"/>
-        </a:lnSpc>
+      <a:lvl3pPr marL="1143000" indent="-228600" algn="l" defTabSz="457200" rtl="0" eaLnBrk="1" latinLnBrk="0" hangingPunct="1">
         <a:spcBef>
-          <a:spcPts val="500"/>
+          <a:spcPts val="1000"/>
         </a:spcBef>
-        <a:buFont typeface="Arial" panose="020B0604020202020204" pitchFamily="34" charset="0"/>
-        <a:buChar char="•"/>
-        <a:defRPr sz="2000" kern="1200">
+        <a:spcAft>
+          <a:spcPts val="0"/>
+        </a:spcAft>
+        <a:buClr>
+          <a:schemeClr val="accent1"/>
+        </a:buClr>
+        <a:buSzPct val="80000"/>
+        <a:buFont typeface="Wingdings 3" charset="2"/>
+        <a:buChar char=""/>
+        <a:defRPr sz="1400" kern="1200">
           <a:solidFill>
-            <a:schemeClr val="tx1"/>
+            <a:schemeClr val="tx1">
+              <a:lumMod val="75000"/>
+              <a:lumOff val="25000"/>
+            </a:schemeClr>
           </a:solidFill>
           <a:latin typeface="+mn-lt"/>
           <a:ea typeface="+mn-ea"/>
           <a:cs typeface="+mn-cs"/>
         </a:defRPr>
       </a:lvl3pPr>
-      <a:lvl4pPr marL="1600200" indent="-228600" algn="l" defTabSz="914400" rtl="0" eaLnBrk="1" latinLnBrk="0" hangingPunct="1">
-        <a:lnSpc>
-          <a:spcPct val="90000"/>
-        </a:lnSpc>
+      <a:lvl4pPr marL="1600200" indent="-228600" algn="l" defTabSz="457200" rtl="0" eaLnBrk="1" latinLnBrk="0" hangingPunct="1">
         <a:spcBef>
-          <a:spcPts val="500"/>
+          <a:spcPts val="1000"/>
         </a:spcBef>
-        <a:buFont typeface="Arial" panose="020B0604020202020204" pitchFamily="34" charset="0"/>
-        <a:buChar char="•"/>
-        <a:defRPr sz="1800" kern="1200">
+        <a:spcAft>
+          <a:spcPts val="0"/>
+        </a:spcAft>
+        <a:buClr>
+          <a:schemeClr val="accent1"/>
+        </a:buClr>
+        <a:buSzPct val="80000"/>
+        <a:buFont typeface="Wingdings 3" charset="2"/>
+        <a:buChar char=""/>
+        <a:defRPr sz="1200" kern="1200">
           <a:solidFill>
-            <a:schemeClr val="tx1"/>
+            <a:schemeClr val="tx1">
+              <a:lumMod val="75000"/>
+              <a:lumOff val="25000"/>
+            </a:schemeClr>
           </a:solidFill>
           <a:latin typeface="+mn-lt"/>
           <a:ea typeface="+mn-ea"/>
           <a:cs typeface="+mn-cs"/>
         </a:defRPr>
       </a:lvl4pPr>
-      <a:lvl5pPr marL="2057400" indent="-228600" algn="l" defTabSz="914400" rtl="0" eaLnBrk="1" latinLnBrk="0" hangingPunct="1">
-        <a:lnSpc>
-          <a:spcPct val="90000"/>
-        </a:lnSpc>
+      <a:lvl5pPr marL="2057400" indent="-228600" algn="l" defTabSz="457200" rtl="0" eaLnBrk="1" latinLnBrk="0" hangingPunct="1">
         <a:spcBef>
-          <a:spcPts val="500"/>
+          <a:spcPts val="1000"/>
         </a:spcBef>
-        <a:buFont typeface="Arial" panose="020B0604020202020204" pitchFamily="34" charset="0"/>
-        <a:buChar char="•"/>
-        <a:defRPr sz="1800" kern="1200">
+        <a:spcAft>
+          <a:spcPts val="0"/>
+        </a:spcAft>
+        <a:buClr>
+          <a:schemeClr val="accent1"/>
+        </a:buClr>
+        <a:buSzPct val="80000"/>
+        <a:buFont typeface="Wingdings 3" charset="2"/>
+        <a:buChar char=""/>
+        <a:defRPr sz="1200" kern="1200">
           <a:solidFill>
-            <a:schemeClr val="tx1"/>
+            <a:schemeClr val="tx1">
+              <a:lumMod val="75000"/>
+              <a:lumOff val="25000"/>
+            </a:schemeClr>
           </a:solidFill>
           <a:latin typeface="+mn-lt"/>
           <a:ea typeface="+mn-ea"/>
           <a:cs typeface="+mn-cs"/>
         </a:defRPr>
       </a:lvl5pPr>
-      <a:lvl6pPr marL="2514600" indent="-228600" algn="l" defTabSz="914400" rtl="0" eaLnBrk="1" latinLnBrk="0" hangingPunct="1">
-        <a:lnSpc>
-          <a:spcPct val="90000"/>
-        </a:lnSpc>
+      <a:lvl6pPr marL="2514600" indent="-228600" algn="l" defTabSz="457200" rtl="0" eaLnBrk="1" latinLnBrk="0" hangingPunct="1">
         <a:spcBef>
-          <a:spcPts val="500"/>
+          <a:spcPts val="1000"/>
         </a:spcBef>
-        <a:buFont typeface="Arial" panose="020B0604020202020204" pitchFamily="34" charset="0"/>
-        <a:buChar char="•"/>
-        <a:defRPr sz="1800" kern="1200">
+        <a:spcAft>
+          <a:spcPts val="0"/>
+        </a:spcAft>
+        <a:buClr>
+          <a:schemeClr val="accent1"/>
+        </a:buClr>
+        <a:buSzPct val="80000"/>
+        <a:buFont typeface="Wingdings 3" charset="2"/>
+        <a:buChar char=""/>
+        <a:defRPr sz="1200" kern="1200">
           <a:solidFill>
-            <a:schemeClr val="tx1"/>
+            <a:schemeClr val="tx1">
+              <a:lumMod val="75000"/>
+              <a:lumOff val="25000"/>
+            </a:schemeClr>
           </a:solidFill>
           <a:latin typeface="+mn-lt"/>
           <a:ea typeface="+mn-ea"/>
           <a:cs typeface="+mn-cs"/>
         </a:defRPr>
       </a:lvl6pPr>
-      <a:lvl7pPr marL="2971800" indent="-228600" algn="l" defTabSz="914400" rtl="0" eaLnBrk="1" latinLnBrk="0" hangingPunct="1">
-        <a:lnSpc>
-          <a:spcPct val="90000"/>
-        </a:lnSpc>
+      <a:lvl7pPr marL="2971800" indent="-228600" algn="l" defTabSz="457200" rtl="0" eaLnBrk="1" latinLnBrk="0" hangingPunct="1">
         <a:spcBef>
-          <a:spcPts val="500"/>
+          <a:spcPts val="1000"/>
         </a:spcBef>
-        <a:buFont typeface="Arial" panose="020B0604020202020204" pitchFamily="34" charset="0"/>
-        <a:buChar char="•"/>
-        <a:defRPr sz="1800" kern="1200">
+        <a:spcAft>
+          <a:spcPts val="0"/>
+        </a:spcAft>
+        <a:buClr>
+          <a:schemeClr val="accent1"/>
+        </a:buClr>
+        <a:buSzPct val="80000"/>
+        <a:buFont typeface="Wingdings 3" charset="2"/>
+        <a:buChar char=""/>
+        <a:defRPr sz="1200" kern="1200">
           <a:solidFill>
-            <a:schemeClr val="tx1"/>
+            <a:schemeClr val="tx1">
+              <a:lumMod val="75000"/>
+              <a:lumOff val="25000"/>
+            </a:schemeClr>
           </a:solidFill>
           <a:latin typeface="+mn-lt"/>
           <a:ea typeface="+mn-ea"/>
           <a:cs typeface="+mn-cs"/>
         </a:defRPr>
       </a:lvl7pPr>
-      <a:lvl8pPr marL="3429000" indent="-228600" algn="l" defTabSz="914400" rtl="0" eaLnBrk="1" latinLnBrk="0" hangingPunct="1">
-        <a:lnSpc>
-          <a:spcPct val="90000"/>
-        </a:lnSpc>
+      <a:lvl8pPr marL="3429000" indent="-228600" algn="l" defTabSz="457200" rtl="0" eaLnBrk="1" latinLnBrk="0" hangingPunct="1">
         <a:spcBef>
-          <a:spcPts val="500"/>
+          <a:spcPts val="1000"/>
         </a:spcBef>
-        <a:buFont typeface="Arial" panose="020B0604020202020204" pitchFamily="34" charset="0"/>
-        <a:buChar char="•"/>
-        <a:defRPr sz="1800" kern="1200">
+        <a:spcAft>
+          <a:spcPts val="0"/>
+        </a:spcAft>
+        <a:buClr>
+          <a:schemeClr val="accent1"/>
+        </a:buClr>
+        <a:buSzPct val="80000"/>
+        <a:buFont typeface="Wingdings 3" charset="2"/>
+        <a:buChar char=""/>
+        <a:defRPr sz="1200" kern="1200">
           <a:solidFill>
-            <a:schemeClr val="tx1"/>
+            <a:schemeClr val="tx1">
+              <a:lumMod val="75000"/>
+              <a:lumOff val="25000"/>
+            </a:schemeClr>
           </a:solidFill>
           <a:latin typeface="+mn-lt"/>
           <a:ea typeface="+mn-ea"/>
           <a:cs typeface="+mn-cs"/>
         </a:defRPr>
       </a:lvl8pPr>
-      <a:lvl9pPr marL="3886200" indent="-228600" algn="l" defTabSz="914400" rtl="0" eaLnBrk="1" latinLnBrk="0" hangingPunct="1">
-        <a:lnSpc>
-          <a:spcPct val="90000"/>
-        </a:lnSpc>
+      <a:lvl9pPr marL="3886200" indent="-228600" algn="l" defTabSz="457200" rtl="0" eaLnBrk="1" latinLnBrk="0" hangingPunct="1">
         <a:spcBef>
-          <a:spcPts val="500"/>
+          <a:spcPts val="1000"/>
         </a:spcBef>
-        <a:buFont typeface="Arial" panose="020B0604020202020204" pitchFamily="34" charset="0"/>
-        <a:buChar char="•"/>
-        <a:defRPr sz="1800" kern="1200">
+        <a:spcAft>
+          <a:spcPts val="0"/>
+        </a:spcAft>
+        <a:buClr>
+          <a:schemeClr val="accent1"/>
+        </a:buClr>
+        <a:buSzPct val="80000"/>
+        <a:buFont typeface="Wingdings 3" charset="2"/>
+        <a:buChar char=""/>
+        <a:defRPr sz="1200" kern="1200">
           <a:solidFill>
-            <a:schemeClr val="tx1"/>
+            <a:schemeClr val="tx1">
+              <a:lumMod val="75000"/>
+              <a:lumOff val="25000"/>
+            </a:schemeClr>
           </a:solidFill>
           <a:latin typeface="+mn-lt"/>
           <a:ea typeface="+mn-ea"/>
@@ -2867,7 +5944,7 @@
       <a:defPPr>
         <a:defRPr lang="en-US"/>
       </a:defPPr>
-      <a:lvl1pPr marL="0" algn="l" defTabSz="914400" rtl="0" eaLnBrk="1" latinLnBrk="0" hangingPunct="1">
+      <a:lvl1pPr marL="0" algn="l" defTabSz="457200" rtl="0" eaLnBrk="1" latinLnBrk="0" hangingPunct="1">
         <a:defRPr sz="1800" kern="1200">
           <a:solidFill>
             <a:schemeClr val="tx1"/>
@@ -2877,7 +5954,7 @@
           <a:cs typeface="+mn-cs"/>
         </a:defRPr>
       </a:lvl1pPr>
-      <a:lvl2pPr marL="457200" algn="l" defTabSz="914400" rtl="0" eaLnBrk="1" latinLnBrk="0" hangingPunct="1">
+      <a:lvl2pPr marL="457200" algn="l" defTabSz="457200" rtl="0" eaLnBrk="1" latinLnBrk="0" hangingPunct="1">
         <a:defRPr sz="1800" kern="1200">
           <a:solidFill>
             <a:schemeClr val="tx1"/>
@@ -2887,7 +5964,7 @@
           <a:cs typeface="+mn-cs"/>
         </a:defRPr>
       </a:lvl2pPr>
-      <a:lvl3pPr marL="914400" algn="l" defTabSz="914400" rtl="0" eaLnBrk="1" latinLnBrk="0" hangingPunct="1">
+      <a:lvl3pPr marL="914400" algn="l" defTabSz="457200" rtl="0" eaLnBrk="1" latinLnBrk="0" hangingPunct="1">
         <a:defRPr sz="1800" kern="1200">
           <a:solidFill>
             <a:schemeClr val="tx1"/>
@@ -2897,7 +5974,7 @@
           <a:cs typeface="+mn-cs"/>
         </a:defRPr>
       </a:lvl3pPr>
-      <a:lvl4pPr marL="1371600" algn="l" defTabSz="914400" rtl="0" eaLnBrk="1" latinLnBrk="0" hangingPunct="1">
+      <a:lvl4pPr marL="1371600" algn="l" defTabSz="457200" rtl="0" eaLnBrk="1" latinLnBrk="0" hangingPunct="1">
         <a:defRPr sz="1800" kern="1200">
           <a:solidFill>
             <a:schemeClr val="tx1"/>
@@ -2907,7 +5984,7 @@
           <a:cs typeface="+mn-cs"/>
         </a:defRPr>
       </a:lvl4pPr>
-      <a:lvl5pPr marL="1828800" algn="l" defTabSz="914400" rtl="0" eaLnBrk="1" latinLnBrk="0" hangingPunct="1">
+      <a:lvl5pPr marL="1828800" algn="l" defTabSz="457200" rtl="0" eaLnBrk="1" latinLnBrk="0" hangingPunct="1">
         <a:defRPr sz="1800" kern="1200">
           <a:solidFill>
             <a:schemeClr val="tx1"/>
@@ -2917,7 +5994,7 @@
           <a:cs typeface="+mn-cs"/>
         </a:defRPr>
       </a:lvl5pPr>
-      <a:lvl6pPr marL="2286000" algn="l" defTabSz="914400" rtl="0" eaLnBrk="1" latinLnBrk="0" hangingPunct="1">
+      <a:lvl6pPr marL="2286000" algn="l" defTabSz="457200" rtl="0" eaLnBrk="1" latinLnBrk="0" hangingPunct="1">
         <a:defRPr sz="1800" kern="1200">
           <a:solidFill>
             <a:schemeClr val="tx1"/>
@@ -2927,7 +6004,7 @@
           <a:cs typeface="+mn-cs"/>
         </a:defRPr>
       </a:lvl6pPr>
-      <a:lvl7pPr marL="2743200" algn="l" defTabSz="914400" rtl="0" eaLnBrk="1" latinLnBrk="0" hangingPunct="1">
+      <a:lvl7pPr marL="2743200" algn="l" defTabSz="457200" rtl="0" eaLnBrk="1" latinLnBrk="0" hangingPunct="1">
         <a:defRPr sz="1800" kern="1200">
           <a:solidFill>
             <a:schemeClr val="tx1"/>
@@ -2937,7 +6014,7 @@
           <a:cs typeface="+mn-cs"/>
         </a:defRPr>
       </a:lvl7pPr>
-      <a:lvl8pPr marL="3200400" algn="l" defTabSz="914400" rtl="0" eaLnBrk="1" latinLnBrk="0" hangingPunct="1">
+      <a:lvl8pPr marL="3200400" algn="l" defTabSz="457200" rtl="0" eaLnBrk="1" latinLnBrk="0" hangingPunct="1">
         <a:defRPr sz="1800" kern="1200">
           <a:solidFill>
             <a:schemeClr val="tx1"/>
@@ -2947,7 +6024,7 @@
           <a:cs typeface="+mn-cs"/>
         </a:defRPr>
       </a:lvl8pPr>
-      <a:lvl9pPr marL="3657600" algn="l" defTabSz="914400" rtl="0" eaLnBrk="1" latinLnBrk="0" hangingPunct="1">
+      <a:lvl9pPr marL="3657600" algn="l" defTabSz="457200" rtl="0" eaLnBrk="1" latinLnBrk="0" hangingPunct="1">
         <a:defRPr sz="1800" kern="1200">
           <a:solidFill>
             <a:schemeClr val="tx1"/>
@@ -2987,7 +6064,7 @@
         </p:nvSpPr>
         <p:spPr>
           <a:xfrm>
-            <a:off x="1492551" y="2800142"/>
+            <a:off x="889140" y="1967935"/>
             <a:ext cx="6264696" cy="1569660"/>
           </a:xfrm>
           <a:prstGeom prst="rect">
@@ -3028,37 +6105,6 @@
       </p:sp>
       <p:sp>
         <p:nvSpPr>
-          <p:cNvPr id="5" name="CuadroTexto 4"/>
-          <p:cNvSpPr txBox="1"/>
-          <p:nvPr/>
-        </p:nvSpPr>
-        <p:spPr>
-          <a:xfrm>
-            <a:off x="573832" y="1512549"/>
-            <a:ext cx="3384376" cy="646331"/>
-          </a:xfrm>
-          <a:prstGeom prst="rect">
-            <a:avLst/>
-          </a:prstGeom>
-          <a:noFill/>
-        </p:spPr>
-        <p:txBody>
-          <a:bodyPr wrap="square" rtlCol="0">
-            <a:spAutoFit/>
-          </a:bodyPr>
-          <a:lstStyle/>
-          <a:p>
-            <a:pPr algn="ctr"/>
-            <a:r>
-              <a:rPr lang="es-CO" dirty="0" smtClean="0"/>
-              <a:t>Coloque aquí una imagen alusiva al proyecto.</a:t>
-            </a:r>
-            <a:endParaRPr lang="es-CO" dirty="0"/>
-          </a:p>
-        </p:txBody>
-      </p:sp>
-      <p:sp>
-        <p:nvSpPr>
           <p:cNvPr id="6" name="Rectángulo 5"/>
           <p:cNvSpPr/>
           <p:nvPr/>
@@ -3083,19 +6129,7 @@
               <a:rPr lang="es-CO" b="1" dirty="0" smtClean="0">
                 <a:latin typeface="Myriad Pro" pitchFamily="34" charset="0"/>
               </a:rPr>
-              <a:t>Sandy </a:t>
-            </a:r>
-            <a:r>
-              <a:rPr lang="es-CO" b="1" dirty="0" err="1" smtClean="0">
-                <a:latin typeface="Myriad Pro" pitchFamily="34" charset="0"/>
-              </a:rPr>
-              <a:t>Pauline</a:t>
-            </a:r>
-            <a:r>
-              <a:rPr lang="es-CO" b="1" dirty="0" smtClean="0">
-                <a:latin typeface="Myriad Pro" pitchFamily="34" charset="0"/>
-              </a:rPr>
-              <a:t> Cala Sanguino</a:t>
+              <a:t>Sandy Pauline Cala Sanguino</a:t>
             </a:r>
           </a:p>
           <a:p>
@@ -3131,6 +6165,13 @@
   <p:clrMapOvr>
     <a:masterClrMapping/>
   </p:clrMapOvr>
+  <p:timing>
+    <p:tnLst>
+      <p:par>
+        <p:cTn id="1" dur="indefinite" restart="never" nodeType="tmRoot"/>
+      </p:par>
+    </p:tnLst>
+  </p:timing>
 </p:sld>
 </file>
 
@@ -3161,24 +6202,84 @@
             <p:ph idx="1"/>
           </p:nvPr>
         </p:nvSpPr>
-        <p:spPr/>
+        <p:spPr>
+          <a:xfrm>
+            <a:off x="494017" y="1472223"/>
+            <a:ext cx="6347714" cy="459320"/>
+          </a:xfrm>
+        </p:spPr>
         <p:txBody>
           <a:bodyPr/>
           <a:lstStyle/>
           <a:p>
+            <a:pPr marL="0" indent="0">
+              <a:buNone/>
+            </a:pPr>
+            <a:r>
+              <a:rPr lang="es-CO" dirty="0" smtClean="0"/>
+              <a:t>Registro de Actividades y productos</a:t>
+            </a:r>
             <a:endParaRPr lang="es-CO" dirty="0"/>
           </a:p>
         </p:txBody>
       </p:sp>
-      <p:sp>
-        <p:nvSpPr>
-          <p:cNvPr id="5" name="12 CuadroTexto"/>
+      <p:pic>
+        <p:nvPicPr>
+          <p:cNvPr id="2" name="Picture 1"/>
+          <p:cNvPicPr>
+            <a:picLocks noChangeAspect="1"/>
+          </p:cNvPicPr>
+          <p:nvPr/>
+        </p:nvPicPr>
+        <p:blipFill>
+          <a:blip r:embed="rId2"/>
+          <a:stretch>
+            <a:fillRect/>
+          </a:stretch>
+        </p:blipFill>
+        <p:spPr>
+          <a:xfrm>
+            <a:off x="380144" y="1931543"/>
+            <a:ext cx="6904233" cy="2036531"/>
+          </a:xfrm>
+          <a:prstGeom prst="rect">
+            <a:avLst/>
+          </a:prstGeom>
+        </p:spPr>
+      </p:pic>
+      <p:pic>
+        <p:nvPicPr>
+          <p:cNvPr id="4" name="Picture 3"/>
+          <p:cNvPicPr>
+            <a:picLocks noChangeAspect="1"/>
+          </p:cNvPicPr>
+          <p:nvPr/>
+        </p:nvPicPr>
+        <p:blipFill>
+          <a:blip r:embed="rId3"/>
+          <a:stretch>
+            <a:fillRect/>
+          </a:stretch>
+        </p:blipFill>
+        <p:spPr>
+          <a:xfrm>
+            <a:off x="380144" y="4051229"/>
+            <a:ext cx="6922770" cy="1907782"/>
+          </a:xfrm>
+          <a:prstGeom prst="rect">
+            <a:avLst/>
+          </a:prstGeom>
+        </p:spPr>
+      </p:pic>
+      <p:sp>
+        <p:nvSpPr>
+          <p:cNvPr id="6" name="12 CuadroTexto"/>
           <p:cNvSpPr txBox="1"/>
           <p:nvPr/>
         </p:nvSpPr>
         <p:spPr>
           <a:xfrm>
-            <a:off x="1439652" y="541369"/>
+            <a:off x="535526" y="654385"/>
             <a:ext cx="6264696" cy="445507"/>
           </a:xfrm>
           <a:prstGeom prst="rect">
@@ -3226,26 +6327,15 @@
                 </a:effectLst>
                 <a:latin typeface="Arial Black" pitchFamily="34" charset="0"/>
               </a:rPr>
-              <a:t>Modulo Auditor</a:t>
-            </a:r>
-            <a:endParaRPr lang="es-MX" sz="2800" b="1" spc="50" dirty="0" smtClean="0">
-              <a:ln w="11430"/>
-              <a:effectLst>
-                <a:outerShdw blurRad="76200" dist="50800" dir="5400000" algn="tl" rotWithShape="0">
-                  <a:srgbClr val="000000">
-                    <a:alpha val="65000"/>
-                  </a:srgbClr>
-                </a:outerShdw>
-              </a:effectLst>
-              <a:latin typeface="Arial Black" pitchFamily="34" charset="0"/>
-            </a:endParaRPr>
+              <a:t>Modulo Docente</a:t>
+            </a:r>
           </a:p>
         </p:txBody>
       </p:sp>
     </p:spTree>
     <p:extLst>
       <p:ext uri="{BB962C8B-B14F-4D97-AF65-F5344CB8AC3E}">
-        <p14:creationId xmlns:p14="http://schemas.microsoft.com/office/powerpoint/2010/main" val="2867277766"/>
+        <p14:creationId xmlns:p14="http://schemas.microsoft.com/office/powerpoint/2010/main" val="3370190400"/>
       </p:ext>
     </p:extLst>
   </p:cSld>
@@ -3281,13 +6371,44 @@
       </p:grpSpPr>
       <p:sp>
         <p:nvSpPr>
-          <p:cNvPr id="4" name="12 CuadroTexto"/>
+          <p:cNvPr id="3" name="2 Marcador de contenido"/>
+          <p:cNvSpPr>
+            <a:spLocks noGrp="1"/>
+          </p:cNvSpPr>
+          <p:nvPr>
+            <p:ph idx="1"/>
+          </p:nvPr>
+        </p:nvSpPr>
+        <p:spPr>
+          <a:xfrm>
+            <a:off x="494017" y="1472223"/>
+            <a:ext cx="6347714" cy="459320"/>
+          </a:xfrm>
+        </p:spPr>
+        <p:txBody>
+          <a:bodyPr/>
+          <a:lstStyle/>
+          <a:p>
+            <a:pPr marL="0" indent="0">
+              <a:buNone/>
+            </a:pPr>
+            <a:r>
+              <a:rPr lang="es-CO" dirty="0" smtClean="0"/>
+              <a:t>Registro de horario</a:t>
+            </a:r>
+            <a:endParaRPr lang="es-CO" dirty="0"/>
+          </a:p>
+        </p:txBody>
+      </p:sp>
+      <p:sp>
+        <p:nvSpPr>
+          <p:cNvPr id="6" name="12 CuadroTexto"/>
           <p:cNvSpPr txBox="1"/>
           <p:nvPr/>
         </p:nvSpPr>
         <p:spPr>
           <a:xfrm>
-            <a:off x="1399311" y="1259286"/>
+            <a:off x="535526" y="654385"/>
             <a:ext cx="6264696" cy="445507"/>
           </a:xfrm>
           <a:prstGeom prst="rect">
@@ -3335,77 +6456,39 @@
                 </a:effectLst>
                 <a:latin typeface="Arial Black" pitchFamily="34" charset="0"/>
               </a:rPr>
-              <a:t>Conclusiones</a:t>
-            </a:r>
-          </a:p>
-        </p:txBody>
-      </p:sp>
-      <p:sp>
-        <p:nvSpPr>
-          <p:cNvPr id="2" name="Rectángulo 1"/>
-          <p:cNvSpPr/>
+              <a:t>Modulo Docente</a:t>
+            </a:r>
+          </a:p>
+        </p:txBody>
+      </p:sp>
+      <p:pic>
+        <p:nvPicPr>
+          <p:cNvPr id="5" name="Picture 4"/>
+          <p:cNvPicPr>
+            <a:picLocks noChangeAspect="1"/>
+          </p:cNvPicPr>
           <p:nvPr/>
-        </p:nvSpPr>
+        </p:nvPicPr>
+        <p:blipFill>
+          <a:blip r:embed="rId2"/>
+          <a:stretch>
+            <a:fillRect/>
+          </a:stretch>
+        </p:blipFill>
         <p:spPr>
           <a:xfrm>
-            <a:off x="618565" y="2043570"/>
-            <a:ext cx="8216153" cy="1754326"/>
+            <a:off x="369869" y="2225199"/>
+            <a:ext cx="7033978" cy="3148186"/>
           </a:xfrm>
           <a:prstGeom prst="rect">
             <a:avLst/>
           </a:prstGeom>
         </p:spPr>
-        <p:txBody>
-          <a:bodyPr wrap="square">
-            <a:spAutoFit/>
-          </a:bodyPr>
-          <a:lstStyle/>
-          <a:p>
-            <a:pPr algn="ctr"/>
-            <a:r>
-              <a:rPr lang="es-CO" dirty="0" smtClean="0"/>
-              <a:t>Presente las deducciones prácticas obtenidas a partir del desarrollo del Proyecto.</a:t>
-            </a:r>
-          </a:p>
-          <a:p>
-            <a:pPr algn="ctr"/>
-            <a:endParaRPr lang="es-CO" dirty="0" smtClean="0"/>
-          </a:p>
-          <a:p>
-            <a:pPr algn="ctr"/>
-            <a:r>
-              <a:rPr lang="es-CO" dirty="0" smtClean="0"/>
-              <a:t>Recuerde que las conclusiones deben presentarse de manera lógica y organizada.</a:t>
-            </a:r>
-          </a:p>
-          <a:p>
-            <a:pPr algn="ctr"/>
-            <a:r>
-              <a:rPr lang="es-CO" dirty="0" smtClean="0"/>
-              <a:t>Recuerde que es importante mostrar contundencia en las conclusiones</a:t>
-            </a:r>
-          </a:p>
-          <a:p>
-            <a:pPr algn="ctr"/>
-            <a:r>
-              <a:rPr lang="es-CO" dirty="0" smtClean="0"/>
-              <a:t>No usen este espacio de la presentación para dar definiciones</a:t>
-            </a:r>
-          </a:p>
-          <a:p>
-            <a:pPr algn="ctr"/>
-            <a:r>
-              <a:rPr lang="es-CO" dirty="0" smtClean="0"/>
-              <a:t>Cuenten sus hallazgos, sus deducciones</a:t>
-            </a:r>
-            <a:endParaRPr lang="es-CO" dirty="0"/>
-          </a:p>
-        </p:txBody>
-      </p:sp>
+      </p:pic>
     </p:spTree>
     <p:extLst>
       <p:ext uri="{BB962C8B-B14F-4D97-AF65-F5344CB8AC3E}">
-        <p14:creationId xmlns:p14="http://schemas.microsoft.com/office/powerpoint/2010/main" val="3494442297"/>
+        <p14:creationId xmlns:p14="http://schemas.microsoft.com/office/powerpoint/2010/main" val="375556039"/>
       </p:ext>
     </p:extLst>
   </p:cSld>
@@ -3441,13 +6524,44 @@
       </p:grpSpPr>
       <p:sp>
         <p:nvSpPr>
-          <p:cNvPr id="4" name="12 CuadroTexto"/>
+          <p:cNvPr id="3" name="2 Marcador de contenido"/>
+          <p:cNvSpPr>
+            <a:spLocks noGrp="1"/>
+          </p:cNvSpPr>
+          <p:nvPr>
+            <p:ph idx="1"/>
+          </p:nvPr>
+        </p:nvSpPr>
+        <p:spPr>
+          <a:xfrm>
+            <a:off x="494017" y="1410578"/>
+            <a:ext cx="6347714" cy="459320"/>
+          </a:xfrm>
+        </p:spPr>
+        <p:txBody>
+          <a:bodyPr/>
+          <a:lstStyle/>
+          <a:p>
+            <a:pPr marL="0" indent="0">
+              <a:buNone/>
+            </a:pPr>
+            <a:r>
+              <a:rPr lang="es-CO" dirty="0" smtClean="0"/>
+              <a:t>Reporte RDC-54</a:t>
+            </a:r>
+            <a:endParaRPr lang="es-CO" dirty="0"/>
+          </a:p>
+        </p:txBody>
+      </p:sp>
+      <p:sp>
+        <p:nvSpPr>
+          <p:cNvPr id="6" name="12 CuadroTexto"/>
           <p:cNvSpPr txBox="1"/>
           <p:nvPr/>
         </p:nvSpPr>
         <p:spPr>
           <a:xfrm>
-            <a:off x="1399311" y="1259286"/>
+            <a:off x="535526" y="654385"/>
             <a:ext cx="6264696" cy="445507"/>
           </a:xfrm>
           <a:prstGeom prst="rect">
@@ -3495,63 +6609,87 @@
                 </a:effectLst>
                 <a:latin typeface="Arial Black" pitchFamily="34" charset="0"/>
               </a:rPr>
-              <a:t>Recomendaciones</a:t>
-            </a:r>
-          </a:p>
-        </p:txBody>
-      </p:sp>
-      <p:sp>
-        <p:nvSpPr>
-          <p:cNvPr id="2" name="Rectángulo 1"/>
-          <p:cNvSpPr/>
+              <a:t>Modulo Docente</a:t>
+            </a:r>
+          </a:p>
+        </p:txBody>
+      </p:sp>
+      <p:pic>
+        <p:nvPicPr>
+          <p:cNvPr id="2" name="Picture 1"/>
+          <p:cNvPicPr>
+            <a:picLocks noChangeAspect="1"/>
+          </p:cNvPicPr>
           <p:nvPr/>
-        </p:nvSpPr>
+        </p:nvPicPr>
+        <p:blipFill>
+          <a:blip r:embed="rId2"/>
+          <a:stretch>
+            <a:fillRect/>
+          </a:stretch>
+        </p:blipFill>
         <p:spPr>
           <a:xfrm>
-            <a:off x="618565" y="2043570"/>
-            <a:ext cx="8216153" cy="2308324"/>
+            <a:off x="1613044" y="1773843"/>
+            <a:ext cx="3698696" cy="2203418"/>
           </a:xfrm>
           <a:prstGeom prst="rect">
             <a:avLst/>
           </a:prstGeom>
         </p:spPr>
-        <p:txBody>
-          <a:bodyPr wrap="square">
-            <a:spAutoFit/>
-          </a:bodyPr>
-          <a:lstStyle/>
-          <a:p>
-            <a:pPr algn="ctr"/>
-            <a:r>
-              <a:rPr lang="es-CO" dirty="0" smtClean="0"/>
-              <a:t>Esta sección es OPCIONAL</a:t>
-            </a:r>
-          </a:p>
-          <a:p>
-            <a:pPr algn="ctr"/>
-            <a:r>
-              <a:rPr lang="es-CO" dirty="0" smtClean="0"/>
-              <a:t>Presente las indicaciones para que futuros investigadores puedan retomar o ampliar el tema.</a:t>
-            </a:r>
-          </a:p>
-          <a:p>
-            <a:pPr algn="ctr"/>
-            <a:endParaRPr lang="es-CO" dirty="0" smtClean="0"/>
-          </a:p>
-          <a:p>
-            <a:pPr algn="ctr"/>
-            <a:r>
-              <a:rPr lang="es-CO" dirty="0" smtClean="0"/>
-              <a:t>Recuerde que las recomendaciones tienen como fin orientar futuras investigaciones que contribuyan a mejorar los resultados presentados. Así mismo, establecer lineamientos sobre las aplicaciones prácticas del proyecto presentado en etapas no contempladas en el anteproyecto o descubiertas durante el desarrollo.</a:t>
-            </a:r>
-            <a:endParaRPr lang="es-CO" dirty="0"/>
-          </a:p>
-        </p:txBody>
-      </p:sp>
+      </p:pic>
+      <p:pic>
+        <p:nvPicPr>
+          <p:cNvPr id="4" name="Picture 3"/>
+          <p:cNvPicPr>
+            <a:picLocks noChangeAspect="1"/>
+          </p:cNvPicPr>
+          <p:nvPr/>
+        </p:nvPicPr>
+        <p:blipFill>
+          <a:blip r:embed="rId3"/>
+          <a:stretch>
+            <a:fillRect/>
+          </a:stretch>
+        </p:blipFill>
+        <p:spPr>
+          <a:xfrm>
+            <a:off x="1613045" y="3977261"/>
+            <a:ext cx="3698696" cy="2199301"/>
+          </a:xfrm>
+          <a:prstGeom prst="rect">
+            <a:avLst/>
+          </a:prstGeom>
+        </p:spPr>
+      </p:pic>
+      <p:pic>
+        <p:nvPicPr>
+          <p:cNvPr id="7" name="Picture 6"/>
+          <p:cNvPicPr>
+            <a:picLocks noChangeAspect="1"/>
+          </p:cNvPicPr>
+          <p:nvPr/>
+        </p:nvPicPr>
+        <p:blipFill>
+          <a:blip r:embed="rId4"/>
+          <a:stretch>
+            <a:fillRect/>
+          </a:stretch>
+        </p:blipFill>
+        <p:spPr>
+          <a:xfrm>
+            <a:off x="1613044" y="6176562"/>
+            <a:ext cx="3698696" cy="338068"/>
+          </a:xfrm>
+          <a:prstGeom prst="rect">
+            <a:avLst/>
+          </a:prstGeom>
+        </p:spPr>
+      </p:pic>
     </p:spTree>
     <p:extLst>
       <p:ext uri="{BB962C8B-B14F-4D97-AF65-F5344CB8AC3E}">
-        <p14:creationId xmlns:p14="http://schemas.microsoft.com/office/powerpoint/2010/main" val="2586886564"/>
+        <p14:creationId xmlns:p14="http://schemas.microsoft.com/office/powerpoint/2010/main" val="2190580954"/>
       </p:ext>
     </p:extLst>
   </p:cSld>
@@ -3587,13 +6725,44 @@
       </p:grpSpPr>
       <p:sp>
         <p:nvSpPr>
-          <p:cNvPr id="4" name="12 CuadroTexto"/>
+          <p:cNvPr id="3" name="2 Marcador de contenido"/>
+          <p:cNvSpPr>
+            <a:spLocks noGrp="1"/>
+          </p:cNvSpPr>
+          <p:nvPr>
+            <p:ph idx="1"/>
+          </p:nvPr>
+        </p:nvSpPr>
+        <p:spPr>
+          <a:xfrm>
+            <a:off x="494017" y="1472223"/>
+            <a:ext cx="6347714" cy="459320"/>
+          </a:xfrm>
+        </p:spPr>
+        <p:txBody>
+          <a:bodyPr/>
+          <a:lstStyle/>
+          <a:p>
+            <a:pPr marL="0" indent="0">
+              <a:buNone/>
+            </a:pPr>
+            <a:r>
+              <a:rPr lang="es-CO" dirty="0" smtClean="0"/>
+              <a:t>Registro de Actividades y productos</a:t>
+            </a:r>
+            <a:endParaRPr lang="es-CO" dirty="0"/>
+          </a:p>
+        </p:txBody>
+      </p:sp>
+      <p:sp>
+        <p:nvSpPr>
+          <p:cNvPr id="5" name="12 CuadroTexto"/>
           <p:cNvSpPr txBox="1"/>
           <p:nvPr/>
         </p:nvSpPr>
         <p:spPr>
           <a:xfrm>
-            <a:off x="1399311" y="1259286"/>
+            <a:off x="535526" y="592740"/>
             <a:ext cx="6264696" cy="445507"/>
           </a:xfrm>
           <a:prstGeom prst="rect">
@@ -3641,55 +6810,39 @@
                 </a:effectLst>
                 <a:latin typeface="Arial Black" pitchFamily="34" charset="0"/>
               </a:rPr>
-              <a:t>Referencias bibliográficas</a:t>
-            </a:r>
-          </a:p>
-        </p:txBody>
-      </p:sp>
-      <p:sp>
-        <p:nvSpPr>
-          <p:cNvPr id="2" name="Rectángulo 1"/>
-          <p:cNvSpPr/>
+              <a:t>Modulo Auditor</a:t>
+            </a:r>
+          </a:p>
+        </p:txBody>
+      </p:sp>
+      <p:pic>
+        <p:nvPicPr>
+          <p:cNvPr id="6" name="Picture 5"/>
+          <p:cNvPicPr>
+            <a:picLocks noChangeAspect="1"/>
+          </p:cNvPicPr>
           <p:nvPr/>
-        </p:nvSpPr>
+        </p:nvPicPr>
+        <p:blipFill>
+          <a:blip r:embed="rId2"/>
+          <a:stretch>
+            <a:fillRect/>
+          </a:stretch>
+        </p:blipFill>
         <p:spPr>
           <a:xfrm>
-            <a:off x="618565" y="2043570"/>
-            <a:ext cx="8216153" cy="1477328"/>
+            <a:off x="494017" y="2365519"/>
+            <a:ext cx="6461174" cy="3098826"/>
           </a:xfrm>
           <a:prstGeom prst="rect">
             <a:avLst/>
           </a:prstGeom>
         </p:spPr>
-        <p:txBody>
-          <a:bodyPr wrap="square">
-            <a:spAutoFit/>
-          </a:bodyPr>
-          <a:lstStyle/>
-          <a:p>
-            <a:pPr algn="ctr"/>
-            <a:r>
-              <a:rPr lang="es-CO" dirty="0" smtClean="0"/>
-              <a:t>Presente el conjunto de referentes bibliográficos incorporados en la construcción del documento y que sirvieron como base para el desarrollo del proyecto. </a:t>
-            </a:r>
-          </a:p>
-          <a:p>
-            <a:pPr algn="ctr"/>
-            <a:r>
-              <a:rPr lang="es-CO" dirty="0" smtClean="0"/>
-              <a:t>Las referencias NO hay que leerlas durante la presentación, solo se dejan un instante de tiempo para que los evaluadores las vean y listo</a:t>
-            </a:r>
-          </a:p>
-          <a:p>
-            <a:pPr algn="ctr"/>
-            <a:endParaRPr lang="es-CO" dirty="0"/>
-          </a:p>
-        </p:txBody>
-      </p:sp>
+      </p:pic>
     </p:spTree>
     <p:extLst>
       <p:ext uri="{BB962C8B-B14F-4D97-AF65-F5344CB8AC3E}">
-        <p14:creationId xmlns:p14="http://schemas.microsoft.com/office/powerpoint/2010/main" val="541383432"/>
+        <p14:creationId xmlns:p14="http://schemas.microsoft.com/office/powerpoint/2010/main" val="1545454089"/>
       </p:ext>
     </p:extLst>
   </p:cSld>
@@ -3725,13 +6878,32 @@
       </p:grpSpPr>
       <p:sp>
         <p:nvSpPr>
-          <p:cNvPr id="4" name="12 CuadroTexto"/>
+          <p:cNvPr id="3" name="2 Marcador de contenido"/>
+          <p:cNvSpPr>
+            <a:spLocks noGrp="1"/>
+          </p:cNvSpPr>
+          <p:nvPr>
+            <p:ph idx="1"/>
+          </p:nvPr>
+        </p:nvSpPr>
+        <p:spPr/>
+        <p:txBody>
+          <a:bodyPr/>
+          <a:lstStyle/>
+          <a:p>
+            <a:endParaRPr lang="es-CO" dirty="0"/>
+          </a:p>
+        </p:txBody>
+      </p:sp>
+      <p:sp>
+        <p:nvSpPr>
+          <p:cNvPr id="5" name="12 CuadroTexto"/>
           <p:cNvSpPr txBox="1"/>
           <p:nvPr/>
         </p:nvSpPr>
         <p:spPr>
           <a:xfrm>
-            <a:off x="1399311" y="1259286"/>
+            <a:off x="494430" y="428353"/>
             <a:ext cx="6264696" cy="445507"/>
           </a:xfrm>
           <a:prstGeom prst="rect">
@@ -3779,11 +6951,583 @@
                 </a:effectLst>
                 <a:latin typeface="Arial Black" pitchFamily="34" charset="0"/>
               </a:rPr>
-              <a:t>Diapositiva de Cierre</a:t>
-            </a:r>
-          </a:p>
-        </p:txBody>
-      </p:sp>
+              <a:t>Pruebas</a:t>
+            </a:r>
+            <a:endParaRPr lang="es-MX" sz="2800" b="1" spc="50" dirty="0" smtClean="0">
+              <a:ln w="11430"/>
+              <a:effectLst>
+                <a:outerShdw blurRad="76200" dist="50800" dir="5400000" algn="tl" rotWithShape="0">
+                  <a:srgbClr val="000000">
+                    <a:alpha val="65000"/>
+                  </a:srgbClr>
+                </a:outerShdw>
+              </a:effectLst>
+              <a:latin typeface="Arial Black" pitchFamily="34" charset="0"/>
+            </a:endParaRPr>
+          </a:p>
+        </p:txBody>
+      </p:sp>
+    </p:spTree>
+    <p:extLst>
+      <p:ext uri="{BB962C8B-B14F-4D97-AF65-F5344CB8AC3E}">
+        <p14:creationId xmlns:p14="http://schemas.microsoft.com/office/powerpoint/2010/main" val="2134572096"/>
+      </p:ext>
+    </p:extLst>
+  </p:cSld>
+  <p:clrMapOvr>
+    <a:masterClrMapping/>
+  </p:clrMapOvr>
+  <p:timing>
+    <p:tnLst>
+      <p:par>
+        <p:cTn id="1" dur="indefinite" restart="never" nodeType="tmRoot"/>
+      </p:par>
+    </p:tnLst>
+  </p:timing>
+</p:sld>
+</file>
+
+<file path=ppt/slides/slide15.xml><?xml version="1.0" encoding="utf-8"?>
+<p:sld xmlns:a="http://schemas.openxmlformats.org/drawingml/2006/main" xmlns:r="http://schemas.openxmlformats.org/officeDocument/2006/relationships" xmlns:p="http://schemas.openxmlformats.org/presentationml/2006/main">
+  <p:cSld>
+    <p:spTree>
+      <p:nvGrpSpPr>
+        <p:cNvPr id="1" name=""/>
+        <p:cNvGrpSpPr/>
+        <p:nvPr/>
+      </p:nvGrpSpPr>
+      <p:grpSpPr>
+        <a:xfrm>
+          <a:off x="0" y="0"/>
+          <a:ext cx="0" cy="0"/>
+          <a:chOff x="0" y="0"/>
+          <a:chExt cx="0" cy="0"/>
+        </a:xfrm>
+      </p:grpSpPr>
+      <p:sp>
+        <p:nvSpPr>
+          <p:cNvPr id="4" name="12 CuadroTexto"/>
+          <p:cNvSpPr txBox="1"/>
+          <p:nvPr/>
+        </p:nvSpPr>
+        <p:spPr>
+          <a:xfrm>
+            <a:off x="1399311" y="1259286"/>
+            <a:ext cx="6264696" cy="445507"/>
+          </a:xfrm>
+          <a:prstGeom prst="rect">
+            <a:avLst/>
+          </a:prstGeom>
+          <a:noFill/>
+          <a:ln>
+            <a:noFill/>
+          </a:ln>
+        </p:spPr>
+        <p:txBody>
+          <a:bodyPr wrap="square">
+            <a:spAutoFit/>
+            <a:scene3d>
+              <a:camera prst="orthographicFront"/>
+              <a:lightRig rig="flat" dir="tl">
+                <a:rot lat="0" lon="0" rev="6600000"/>
+              </a:lightRig>
+            </a:scene3d>
+            <a:sp3d extrusionH="25400" contourW="8890">
+              <a:bevelT w="38100" h="31750"/>
+              <a:contourClr>
+                <a:schemeClr val="accent2">
+                  <a:shade val="75000"/>
+                </a:schemeClr>
+              </a:contourClr>
+            </a:sp3d>
+          </a:bodyPr>
+          <a:lstStyle/>
+          <a:p>
+            <a:pPr algn="ctr">
+              <a:lnSpc>
+                <a:spcPct val="80000"/>
+              </a:lnSpc>
+            </a:pPr>
+            <a:r>
+              <a:rPr lang="es-MX" sz="2800" b="1" spc="50" dirty="0" smtClean="0">
+                <a:ln w="11430"/>
+                <a:effectLst>
+                  <a:outerShdw blurRad="76200" dist="50800" dir="5400000" algn="tl" rotWithShape="0">
+                    <a:srgbClr val="000000">
+                      <a:alpha val="65000"/>
+                    </a:srgbClr>
+                  </a:outerShdw>
+                </a:effectLst>
+                <a:latin typeface="Arial Black" pitchFamily="34" charset="0"/>
+              </a:rPr>
+              <a:t>Conclusiones</a:t>
+            </a:r>
+          </a:p>
+        </p:txBody>
+      </p:sp>
+      <p:sp>
+        <p:nvSpPr>
+          <p:cNvPr id="2" name="Rectángulo 1"/>
+          <p:cNvSpPr/>
+          <p:nvPr/>
+        </p:nvSpPr>
+        <p:spPr>
+          <a:xfrm>
+            <a:off x="618565" y="2043570"/>
+            <a:ext cx="8216153" cy="1754326"/>
+          </a:xfrm>
+          <a:prstGeom prst="rect">
+            <a:avLst/>
+          </a:prstGeom>
+        </p:spPr>
+        <p:txBody>
+          <a:bodyPr wrap="square">
+            <a:spAutoFit/>
+          </a:bodyPr>
+          <a:lstStyle/>
+          <a:p>
+            <a:pPr algn="ctr"/>
+            <a:r>
+              <a:rPr lang="es-CO" dirty="0" smtClean="0"/>
+              <a:t>Presente las deducciones prácticas obtenidas a partir del desarrollo del Proyecto.</a:t>
+            </a:r>
+          </a:p>
+          <a:p>
+            <a:pPr algn="ctr"/>
+            <a:endParaRPr lang="es-CO" dirty="0" smtClean="0"/>
+          </a:p>
+          <a:p>
+            <a:pPr algn="ctr"/>
+            <a:r>
+              <a:rPr lang="es-CO" dirty="0" smtClean="0"/>
+              <a:t>Recuerde que las conclusiones deben presentarse de manera lógica y organizada.</a:t>
+            </a:r>
+          </a:p>
+          <a:p>
+            <a:pPr algn="ctr"/>
+            <a:r>
+              <a:rPr lang="es-CO" dirty="0" smtClean="0"/>
+              <a:t>Recuerde que es importante mostrar contundencia en las conclusiones</a:t>
+            </a:r>
+          </a:p>
+          <a:p>
+            <a:pPr algn="ctr"/>
+            <a:r>
+              <a:rPr lang="es-CO" dirty="0" smtClean="0"/>
+              <a:t>No usen este espacio de la presentación para dar definiciones</a:t>
+            </a:r>
+          </a:p>
+          <a:p>
+            <a:pPr algn="ctr"/>
+            <a:r>
+              <a:rPr lang="es-CO" dirty="0" smtClean="0"/>
+              <a:t>Cuenten sus hallazgos, sus deducciones</a:t>
+            </a:r>
+            <a:endParaRPr lang="es-CO" dirty="0"/>
+          </a:p>
+        </p:txBody>
+      </p:sp>
+    </p:spTree>
+    <p:extLst>
+      <p:ext uri="{BB962C8B-B14F-4D97-AF65-F5344CB8AC3E}">
+        <p14:creationId xmlns:p14="http://schemas.microsoft.com/office/powerpoint/2010/main" val="3494442297"/>
+      </p:ext>
+    </p:extLst>
+  </p:cSld>
+  <p:clrMapOvr>
+    <a:masterClrMapping/>
+  </p:clrMapOvr>
+  <p:timing>
+    <p:tnLst>
+      <p:par>
+        <p:cTn id="1" dur="indefinite" restart="never" nodeType="tmRoot"/>
+      </p:par>
+    </p:tnLst>
+  </p:timing>
+</p:sld>
+</file>
+
+<file path=ppt/slides/slide16.xml><?xml version="1.0" encoding="utf-8"?>
+<p:sld xmlns:a="http://schemas.openxmlformats.org/drawingml/2006/main" xmlns:r="http://schemas.openxmlformats.org/officeDocument/2006/relationships" xmlns:p="http://schemas.openxmlformats.org/presentationml/2006/main">
+  <p:cSld>
+    <p:spTree>
+      <p:nvGrpSpPr>
+        <p:cNvPr id="1" name=""/>
+        <p:cNvGrpSpPr/>
+        <p:nvPr/>
+      </p:nvGrpSpPr>
+      <p:grpSpPr>
+        <a:xfrm>
+          <a:off x="0" y="0"/>
+          <a:ext cx="0" cy="0"/>
+          <a:chOff x="0" y="0"/>
+          <a:chExt cx="0" cy="0"/>
+        </a:xfrm>
+      </p:grpSpPr>
+      <p:sp>
+        <p:nvSpPr>
+          <p:cNvPr id="4" name="12 CuadroTexto"/>
+          <p:cNvSpPr txBox="1"/>
+          <p:nvPr/>
+        </p:nvSpPr>
+        <p:spPr>
+          <a:xfrm>
+            <a:off x="1399311" y="1259286"/>
+            <a:ext cx="6264696" cy="445507"/>
+          </a:xfrm>
+          <a:prstGeom prst="rect">
+            <a:avLst/>
+          </a:prstGeom>
+          <a:noFill/>
+          <a:ln>
+            <a:noFill/>
+          </a:ln>
+        </p:spPr>
+        <p:txBody>
+          <a:bodyPr wrap="square">
+            <a:spAutoFit/>
+            <a:scene3d>
+              <a:camera prst="orthographicFront"/>
+              <a:lightRig rig="flat" dir="tl">
+                <a:rot lat="0" lon="0" rev="6600000"/>
+              </a:lightRig>
+            </a:scene3d>
+            <a:sp3d extrusionH="25400" contourW="8890">
+              <a:bevelT w="38100" h="31750"/>
+              <a:contourClr>
+                <a:schemeClr val="accent2">
+                  <a:shade val="75000"/>
+                </a:schemeClr>
+              </a:contourClr>
+            </a:sp3d>
+          </a:bodyPr>
+          <a:lstStyle/>
+          <a:p>
+            <a:pPr algn="ctr">
+              <a:lnSpc>
+                <a:spcPct val="80000"/>
+              </a:lnSpc>
+            </a:pPr>
+            <a:r>
+              <a:rPr lang="es-MX" sz="2800" b="1" spc="50" dirty="0" smtClean="0">
+                <a:ln w="11430"/>
+                <a:effectLst>
+                  <a:outerShdw blurRad="76200" dist="50800" dir="5400000" algn="tl" rotWithShape="0">
+                    <a:srgbClr val="000000">
+                      <a:alpha val="65000"/>
+                    </a:srgbClr>
+                  </a:outerShdw>
+                </a:effectLst>
+                <a:latin typeface="Arial Black" pitchFamily="34" charset="0"/>
+              </a:rPr>
+              <a:t>Recomendaciones</a:t>
+            </a:r>
+          </a:p>
+        </p:txBody>
+      </p:sp>
+      <p:sp>
+        <p:nvSpPr>
+          <p:cNvPr id="2" name="Rectángulo 1"/>
+          <p:cNvSpPr/>
+          <p:nvPr/>
+        </p:nvSpPr>
+        <p:spPr>
+          <a:xfrm>
+            <a:off x="618565" y="2043570"/>
+            <a:ext cx="8216153" cy="2308324"/>
+          </a:xfrm>
+          <a:prstGeom prst="rect">
+            <a:avLst/>
+          </a:prstGeom>
+        </p:spPr>
+        <p:txBody>
+          <a:bodyPr wrap="square">
+            <a:spAutoFit/>
+          </a:bodyPr>
+          <a:lstStyle/>
+          <a:p>
+            <a:pPr algn="ctr"/>
+            <a:r>
+              <a:rPr lang="es-CO" dirty="0" smtClean="0"/>
+              <a:t>Esta sección es OPCIONAL</a:t>
+            </a:r>
+          </a:p>
+          <a:p>
+            <a:pPr algn="ctr"/>
+            <a:r>
+              <a:rPr lang="es-CO" dirty="0" smtClean="0"/>
+              <a:t>Presente las indicaciones para que futuros investigadores puedan retomar o ampliar el tema.</a:t>
+            </a:r>
+          </a:p>
+          <a:p>
+            <a:pPr algn="ctr"/>
+            <a:endParaRPr lang="es-CO" dirty="0" smtClean="0"/>
+          </a:p>
+          <a:p>
+            <a:pPr algn="ctr"/>
+            <a:r>
+              <a:rPr lang="es-CO" dirty="0" smtClean="0"/>
+              <a:t>Recuerde que las recomendaciones tienen como fin orientar futuras investigaciones que contribuyan a mejorar los resultados presentados. Así mismo, establecer lineamientos sobre las aplicaciones prácticas del proyecto presentado en etapas no contempladas en el anteproyecto o descubiertas durante el desarrollo.</a:t>
+            </a:r>
+            <a:endParaRPr lang="es-CO" dirty="0"/>
+          </a:p>
+        </p:txBody>
+      </p:sp>
+    </p:spTree>
+    <p:extLst>
+      <p:ext uri="{BB962C8B-B14F-4D97-AF65-F5344CB8AC3E}">
+        <p14:creationId xmlns:p14="http://schemas.microsoft.com/office/powerpoint/2010/main" val="2586886564"/>
+      </p:ext>
+    </p:extLst>
+  </p:cSld>
+  <p:clrMapOvr>
+    <a:masterClrMapping/>
+  </p:clrMapOvr>
+  <p:timing>
+    <p:tnLst>
+      <p:par>
+        <p:cTn id="1" dur="indefinite" restart="never" nodeType="tmRoot"/>
+      </p:par>
+    </p:tnLst>
+  </p:timing>
+</p:sld>
+</file>
+
+<file path=ppt/slides/slide17.xml><?xml version="1.0" encoding="utf-8"?>
+<p:sld xmlns:a="http://schemas.openxmlformats.org/drawingml/2006/main" xmlns:r="http://schemas.openxmlformats.org/officeDocument/2006/relationships" xmlns:p="http://schemas.openxmlformats.org/presentationml/2006/main">
+  <p:cSld>
+    <p:spTree>
+      <p:nvGrpSpPr>
+        <p:cNvPr id="1" name=""/>
+        <p:cNvGrpSpPr/>
+        <p:nvPr/>
+      </p:nvGrpSpPr>
+      <p:grpSpPr>
+        <a:xfrm>
+          <a:off x="0" y="0"/>
+          <a:ext cx="0" cy="0"/>
+          <a:chOff x="0" y="0"/>
+          <a:chExt cx="0" cy="0"/>
+        </a:xfrm>
+      </p:grpSpPr>
+      <p:sp>
+        <p:nvSpPr>
+          <p:cNvPr id="4" name="12 CuadroTexto"/>
+          <p:cNvSpPr txBox="1"/>
+          <p:nvPr/>
+        </p:nvSpPr>
+        <p:spPr>
+          <a:xfrm>
+            <a:off x="1029441" y="488725"/>
+            <a:ext cx="6264696" cy="445507"/>
+          </a:xfrm>
+          <a:prstGeom prst="rect">
+            <a:avLst/>
+          </a:prstGeom>
+          <a:noFill/>
+          <a:ln>
+            <a:noFill/>
+          </a:ln>
+        </p:spPr>
+        <p:txBody>
+          <a:bodyPr wrap="square">
+            <a:spAutoFit/>
+            <a:scene3d>
+              <a:camera prst="orthographicFront"/>
+              <a:lightRig rig="flat" dir="tl">
+                <a:rot lat="0" lon="0" rev="6600000"/>
+              </a:lightRig>
+            </a:scene3d>
+            <a:sp3d extrusionH="25400" contourW="8890">
+              <a:bevelT w="38100" h="31750"/>
+              <a:contourClr>
+                <a:schemeClr val="accent2">
+                  <a:shade val="75000"/>
+                </a:schemeClr>
+              </a:contourClr>
+            </a:sp3d>
+          </a:bodyPr>
+          <a:lstStyle/>
+          <a:p>
+            <a:pPr algn="ctr">
+              <a:lnSpc>
+                <a:spcPct val="80000"/>
+              </a:lnSpc>
+            </a:pPr>
+            <a:r>
+              <a:rPr lang="es-MX" sz="2800" b="1" spc="50" dirty="0" smtClean="0">
+                <a:ln w="11430"/>
+                <a:effectLst>
+                  <a:outerShdw blurRad="76200" dist="50800" dir="5400000" algn="tl" rotWithShape="0">
+                    <a:srgbClr val="000000">
+                      <a:alpha val="65000"/>
+                    </a:srgbClr>
+                  </a:outerShdw>
+                </a:effectLst>
+                <a:latin typeface="Arial Black" pitchFamily="34" charset="0"/>
+              </a:rPr>
+              <a:t>Referencias bibliográficas</a:t>
+            </a:r>
+          </a:p>
+        </p:txBody>
+      </p:sp>
+      <p:sp>
+        <p:nvSpPr>
+          <p:cNvPr id="8" name="TextBox 7"/>
+          <p:cNvSpPr txBox="1"/>
+          <p:nvPr/>
+        </p:nvSpPr>
+        <p:spPr>
+          <a:xfrm>
+            <a:off x="719191" y="1468488"/>
+            <a:ext cx="6298058" cy="21144250"/>
+          </a:xfrm>
+          <a:prstGeom prst="rect">
+            <a:avLst/>
+          </a:prstGeom>
+          <a:noFill/>
+        </p:spPr>
+        <p:txBody>
+          <a:bodyPr wrap="square" rtlCol="0">
+            <a:spAutoFit/>
+          </a:bodyPr>
+          <a:lstStyle/>
+          <a:p>
+            <a:r>
+              <a:rPr lang="es-CO"/>
+              <a:t>AGUADED GÓMEZ, J. I., LÓPEZ MENESES, E., &amp; DÍAZ, L. A. (n.d.). Formacion del profesorado y software social. Retrieved from http://rabida.uhu.es/dspace/bitstream/handle/10272/6218/Formacion_del_profesorado.pdf?sequence=2</a:t>
+            </a:r>
+          </a:p>
+          <a:p>
+            <a:r>
+              <a:rPr lang="es-CO"/>
+              <a:t>Bermeo, H. P., González Bañales, D. L., &amp; Otálora, J. (2013). Desempeño de los sectores de alta tecnología en regiones de bajo perfil tecnológico. Una mirada al caso de la industria del software en Tolima (Colombia). POLIANTEA, 6(10). https://doi.org/10.15765/plnt.v6i10.238</a:t>
+            </a:r>
+          </a:p>
+          <a:p>
+            <a:r>
+              <a:rPr lang="es-CO"/>
+              <a:t>Cordeiro, J. (2014). Apuntes de Ciencia &amp;amp; Sociedad. Apuntes de Ciencia &amp; Sociedad (Vol. 4). Retrieved from http://journals.continental.edu.pe/index.php/apuntes/article/view/255/279</a:t>
+            </a:r>
+          </a:p>
+          <a:p>
+            <a:r>
+              <a:rPr lang="es-CO"/>
+              <a:t>Gimenez de Litebi Aznar, J. (2010). Muy breve historia del software. Retrieved July 2, 2017, from http://www.itespresso.es/muy-breve-historia-del-software-45687.html</a:t>
+            </a:r>
+          </a:p>
+          <a:p>
+            <a:r>
+              <a:rPr lang="es-CO"/>
+              <a:t>Lugo Silva, C., &amp; López García, S. (2013). Informador técnico. Informador técnico, ISSN 0122-056X, ISSN-e 2256-5035, No. 77, 2, 2013, págs. 192-200. Centro Nacional de Asistencia Técnica a la Industria, ASTIN-SENA. Retrieved from https://dialnet.unirioja.es/servlet/articulo?codigo=4560567</a:t>
+            </a:r>
+          </a:p>
+          <a:p>
+            <a:r>
+              <a:rPr lang="es-CO"/>
+              <a:t>Majó, Joan, M., &amp; Pere. (2001). La revolución educativa en la era de Internet. Retrieved from http://portal.cuc.edu.ve/upc/PNFT/TC/La revolucion educativa en la era de Internet.pdf</a:t>
+            </a:r>
+          </a:p>
+          <a:p>
+            <a:r>
+              <a:rPr lang="es-CO"/>
+              <a:t>Manuel Luzuriaga Directora, J., Alejandra Cechich CoDirectora, D., &amp; Rossi, G. (2011). Universidad Nacional de La Plata Mejora de Procesos como Soporte a Prácticas de Gobierno Electrónico. Retrieved from http://sedici.unlp.edu.ar/bitstream/handle/10915/4199/Documento_completo.pdf?sequence=1</a:t>
+            </a:r>
+          </a:p>
+          <a:p>
+            <a:r>
+              <a:rPr lang="es-CO"/>
+              <a:t>Morato, M. (2016). Empieza bien el 2016: sumérgete en la revolución del software. Retrieved July 2, 2017, from https://www.fayerwayer.com/2016/01/empieza-bien-el-2016-sumergete-en-la-revolucion-del-software/</a:t>
+            </a:r>
+          </a:p>
+          <a:p>
+            <a:r>
+              <a:rPr lang="es-CO"/>
+              <a:t>Moravia. (n.d.). Pruebas de funcionalidad. Retrieved November 13, 2017, from https://www.moravia.com/es/services/engineering-testing/functionality-testing/</a:t>
+            </a:r>
+          </a:p>
+          <a:p>
+            <a:r>
+              <a:rPr lang="es-CO"/>
+              <a:t>Moreno Álvarez, J. L. (2004). Aplicación de un Sistema Experto para el desarrollo de Sistema Evaluador del modelo Capability Maturity Model (CMM) niveles dos y tres. Retrieved from http://catarina.udlap.mx/u_dl_a/tales/documentos/lis/moreno_a_jl/capitulo5.pdf</a:t>
+            </a:r>
+          </a:p>
+          <a:p>
+            <a:r>
+              <a:rPr lang="es-CO"/>
+              <a:t>Neumann, P. G. (1993). The Role Of Software Engineering. Communications of the ACM, 36(5), 114. https://doi.org/10.1145/155049.214836</a:t>
+            </a:r>
+          </a:p>
+          <a:p>
+            <a:r>
+              <a:rPr lang="es-CO"/>
+              <a:t>Palomino Zuluaga, K. C., &amp; Arango Aramburo, S. (2011). ESTUDIO DEL COMPORTAMIENTO DE LA INDUSTRIA DEL SOFTWARE EN COLOMBIA ANTE ESCENARIOS DE CAPACIDADES DE INNOVACION Y ´ VENTAJAS COMPARATIVAS POR MEDIO DE DINAMICA DE SISTEMAS, 105. Retrieved from http://www.bdigital.unal.edu.co/5411/1/200802180-2011.pdf</a:t>
+            </a:r>
+          </a:p>
+          <a:p>
+            <a:r>
+              <a:rPr lang="es-CO"/>
+              <a:t>Políticas de Privacidad y Condiciones de Uso. (n.d.). Retrieved from http://www.mintic.gov.co/portal/604/w3-article-2627.html</a:t>
+            </a:r>
+          </a:p>
+          <a:p>
+            <a:r>
+              <a:rPr lang="es-CO"/>
+              <a:t>Pruebas de Interfaces y Contenidos | Guía Digital. (n.d.). Retrieved November 13, 2017, from http://www.guiadigital.gob.cl/articulo/pruebas-de-interfaces-y-contenidos</a:t>
+            </a:r>
+          </a:p>
+          <a:p>
+            <a:r>
+              <a:rPr lang="es-CO"/>
+              <a:t>Risen, J. (2013). Un “software” revolucionario que revela los secretos de las grandes bases de datos | Internacional | EL PAÍS. Retrieved July 2, 2017, from http://internacional.elpais.com/internacional/2013/06/10/actualidad/1370853710_349931.html</a:t>
+            </a:r>
+          </a:p>
+          <a:p>
+            <a:r>
+              <a:rPr lang="es-CO"/>
+              <a:t>Rodríguez Bello, D. L., &amp; Valero Sánchez, D. A. (2015). Adaptación de una solución de software libre para el control y monitoreo de traslado. reponame:Repositorio Institucional Universidad Santo Tomás. Retrieved from http://repository.usta.edu.co/handle/11634/391</a:t>
+            </a:r>
+            <a:endParaRPr lang="es-CO" dirty="0"/>
+          </a:p>
+        </p:txBody>
+      </p:sp>
+    </p:spTree>
+    <p:extLst>
+      <p:ext uri="{BB962C8B-B14F-4D97-AF65-F5344CB8AC3E}">
+        <p14:creationId xmlns:p14="http://schemas.microsoft.com/office/powerpoint/2010/main" val="541383432"/>
+      </p:ext>
+    </p:extLst>
+  </p:cSld>
+  <p:clrMapOvr>
+    <a:masterClrMapping/>
+  </p:clrMapOvr>
+  <p:timing>
+    <p:tnLst>
+      <p:par>
+        <p:cTn id="1" dur="indefinite" restart="never" nodeType="tmRoot"/>
+      </p:par>
+    </p:tnLst>
+  </p:timing>
+</p:sld>
+</file>
+
+<file path=ppt/slides/slide18.xml><?xml version="1.0" encoding="utf-8"?>
+<p:sld xmlns:a="http://schemas.openxmlformats.org/drawingml/2006/main" xmlns:r="http://schemas.openxmlformats.org/officeDocument/2006/relationships" xmlns:p="http://schemas.openxmlformats.org/presentationml/2006/main">
+  <p:cSld>
+    <p:spTree>
+      <p:nvGrpSpPr>
+        <p:cNvPr id="1" name=""/>
+        <p:cNvGrpSpPr/>
+        <p:nvPr/>
+      </p:nvGrpSpPr>
+      <p:grpSpPr>
+        <a:xfrm>
+          <a:off x="0" y="0"/>
+          <a:ext cx="0" cy="0"/>
+          <a:chOff x="0" y="0"/>
+          <a:chExt cx="0" cy="0"/>
+        </a:xfrm>
+      </p:grpSpPr>
       <p:sp>
         <p:nvSpPr>
           <p:cNvPr id="2" name="Rectángulo 1"/>
@@ -3820,6 +7564,36 @@
           </a:p>
           <a:p>
             <a:pPr algn="ctr"/>
+            <a:endParaRPr lang="es-CO" dirty="0"/>
+          </a:p>
+        </p:txBody>
+      </p:sp>
+      <p:sp>
+        <p:nvSpPr>
+          <p:cNvPr id="3" name="TextBox 2"/>
+          <p:cNvSpPr txBox="1"/>
+          <p:nvPr/>
+        </p:nvSpPr>
+        <p:spPr>
+          <a:xfrm>
+            <a:off x="1305573" y="1654139"/>
+            <a:ext cx="5732980" cy="1477328"/>
+          </a:xfrm>
+          <a:prstGeom prst="rect">
+            <a:avLst/>
+          </a:prstGeom>
+          <a:noFill/>
+        </p:spPr>
+        <p:txBody>
+          <a:bodyPr wrap="square" rtlCol="0">
+            <a:spAutoFit/>
+          </a:bodyPr>
+          <a:lstStyle/>
+          <a:p>
+            <a:r>
+              <a:rPr lang="es-CO" dirty="0"/>
+              <a:t>Se agradece a los docentes de las Unidades Tecnológicas de Santander por la orientación desde el inicio de la carrera, fue un gran apoyo para el desarrollo integral de cada uno de nosotros como profesionales</a:t>
+            </a:r>
             <a:endParaRPr lang="es-CO" dirty="0"/>
           </a:p>
         </p:txBody>
@@ -3900,7 +7674,7 @@
           </a:bodyPr>
           <a:lstStyle/>
           <a:p>
-            <a:pPr algn="ctr" eaLnBrk="1" hangingPunct="1">
+            <a:pPr algn="ctr">
               <a:lnSpc>
                 <a:spcPct val="80000"/>
               </a:lnSpc>
@@ -3917,7 +7691,7 @@
                 </a:effectLst>
                 <a:latin typeface="Arial Black" pitchFamily="34" charset="0"/>
               </a:rPr>
-              <a:t>Agenda</a:t>
+              <a:t>Planteamiento del Problema</a:t>
             </a:r>
           </a:p>
         </p:txBody>
@@ -3930,23 +7704,34 @@
         </p:nvSpPr>
         <p:spPr>
           <a:xfrm>
-            <a:off x="2407024" y="2285617"/>
-            <a:ext cx="4572000" cy="3416320"/>
+            <a:off x="604562" y="1990893"/>
+            <a:ext cx="7829078" cy="5632311"/>
           </a:xfrm>
           <a:prstGeom prst="rect">
             <a:avLst/>
           </a:prstGeom>
         </p:spPr>
         <p:txBody>
-          <a:bodyPr>
+          <a:bodyPr wrap="square">
             <a:spAutoFit/>
           </a:bodyPr>
           <a:lstStyle/>
           <a:p>
+            <a:pPr algn="just"/>
+            <a:r>
+              <a:rPr lang="es-CO" dirty="0"/>
+              <a:t>En las Unidades Tecnológicas de Santander la elaboración del plan de trabajo de los docentes implica un gasto prolongado de tiempo por parte del docente, sin importar que se use una herramienta ofimática como Microsoft Excel. Se consultó a algunos docentes acerca del diligenciamiento del formato R-DC-54 y en resumen se deduce que el proceso es confuso y tedioso, sobretodo en docentes que no están familiarizados con estas herramientas, parte de lo que dijeron es que cuando el documento no está bien diligenciado, deben corregir muchas veces, y que suele ser preferible hacerlo desde el principio, esto para el docente se vuelve frustrante y pierde tiempo en esta actividad, además, hay docentes que desconocen que el formato contiene funciones agregadas para mantener un mínimo control y dar un poco de ayuda durante el completado, pero que si accidentalmente se borran o modifican las funciones de las celdas, el formato se daña, desde ese instante el docente debe estar muy pendiente de cada dato que ingresa y al final aumenta la probabilidad de caer en errores.</a:t>
+            </a:r>
+          </a:p>
+          <a:p>
             <a:pPr algn="ctr"/>
+            <a:endParaRPr lang="es-CO" dirty="0"/>
+          </a:p>
+          <a:p>
+            <a:pPr algn="ctr"/>
             <a:r>
               <a:rPr lang="es-CO" dirty="0" smtClean="0"/>
-              <a:t>Evite agendas demasiado extensas y el uso de sólo texto.</a:t>
+              <a:t>Coloque solo ideas (máximo 6) sobre las que va a hablar.</a:t>
             </a:r>
           </a:p>
           <a:p>
@@ -3956,49 +7741,12 @@
           <a:p>
             <a:pPr algn="ctr"/>
             <a:r>
-              <a:rPr lang="es-CO" dirty="0" smtClean="0"/>
-              <a:t>El tamaño de la letra del contenido de las diapositivas debe ser máximo 28 mínimo 24</a:t>
+              <a:rPr lang="es-CO" dirty="0"/>
+              <a:t>¿Es posible que una herramienta tecnológica mejore el proceso de realización del plan de trabajo del docente de las Unidades Tecnológicas de Santander?</a:t>
             </a:r>
           </a:p>
           <a:p>
             <a:pPr algn="ctr"/>
-            <a:endParaRPr lang="es-CO" dirty="0" smtClean="0"/>
-          </a:p>
-          <a:p>
-            <a:pPr algn="ctr"/>
-            <a:r>
-              <a:rPr lang="es-CO" dirty="0" smtClean="0"/>
-              <a:t>Máximo 10 líneas por diapositiva</a:t>
-            </a:r>
-          </a:p>
-          <a:p>
-            <a:pPr algn="ctr"/>
-            <a:endParaRPr lang="es-CO" dirty="0" smtClean="0"/>
-          </a:p>
-          <a:p>
-            <a:pPr algn="ctr"/>
-            <a:r>
-              <a:rPr lang="es-CO" dirty="0" smtClean="0"/>
-              <a:t>Use SmartArt donde sea posible </a:t>
-            </a:r>
-          </a:p>
-          <a:p>
-            <a:pPr algn="ctr"/>
-            <a:endParaRPr lang="es-CO" dirty="0" smtClean="0"/>
-          </a:p>
-          <a:p>
-            <a:pPr algn="ctr"/>
-            <a:r>
-              <a:rPr lang="es-CO" dirty="0" smtClean="0"/>
-              <a:t>Use imágenes y cuadros comparativos</a:t>
-            </a:r>
-          </a:p>
-          <a:p>
-            <a:pPr algn="ctr"/>
-            <a:r>
-              <a:rPr lang="es-CO" dirty="0" smtClean="0"/>
-              <a:t>Evite que su presentación sea solo texto</a:t>
-            </a:r>
             <a:endParaRPr lang="es-CO" dirty="0"/>
           </a:p>
         </p:txBody>
@@ -4006,13 +7754,20 @@
     </p:spTree>
     <p:extLst>
       <p:ext uri="{BB962C8B-B14F-4D97-AF65-F5344CB8AC3E}">
-        <p14:creationId xmlns:p14="http://schemas.microsoft.com/office/powerpoint/2010/main" val="156809004"/>
+        <p14:creationId xmlns:p14="http://schemas.microsoft.com/office/powerpoint/2010/main" val="1227951882"/>
       </p:ext>
     </p:extLst>
   </p:cSld>
   <p:clrMapOvr>
     <a:masterClrMapping/>
   </p:clrMapOvr>
+  <p:timing>
+    <p:tnLst>
+      <p:par>
+        <p:cTn id="1" dur="indefinite" restart="never" nodeType="tmRoot"/>
+      </p:par>
+    </p:tnLst>
+  </p:timing>
 </p:sld>
 </file>
 
@@ -4035,13 +7790,59 @@
       </p:grpSpPr>
       <p:sp>
         <p:nvSpPr>
+          <p:cNvPr id="3" name="2 Rectángulo redondeado"/>
+          <p:cNvSpPr/>
+          <p:nvPr/>
+        </p:nvSpPr>
+        <p:spPr>
+          <a:xfrm>
+            <a:off x="521435" y="2020086"/>
+            <a:ext cx="7995332" cy="4005223"/>
+          </a:xfrm>
+          <a:prstGeom prst="roundRect">
+            <a:avLst/>
+          </a:prstGeom>
+          <a:effectLst>
+            <a:glow rad="63500">
+              <a:schemeClr val="accent1">
+                <a:satMod val="175000"/>
+                <a:alpha val="40000"/>
+              </a:schemeClr>
+            </a:glow>
+          </a:effectLst>
+        </p:spPr>
+        <p:style>
+          <a:lnRef idx="1">
+            <a:schemeClr val="accent1"/>
+          </a:lnRef>
+          <a:fillRef idx="2">
+            <a:schemeClr val="accent1"/>
+          </a:fillRef>
+          <a:effectRef idx="1">
+            <a:schemeClr val="accent1"/>
+          </a:effectRef>
+          <a:fontRef idx="minor">
+            <a:schemeClr val="dk1"/>
+          </a:fontRef>
+        </p:style>
+        <p:txBody>
+          <a:bodyPr rtlCol="0" anchor="ctr"/>
+          <a:lstStyle/>
+          <a:p>
+            <a:pPr algn="ctr"/>
+            <a:endParaRPr lang="es-CO"/>
+          </a:p>
+        </p:txBody>
+      </p:sp>
+      <p:sp>
+        <p:nvSpPr>
           <p:cNvPr id="4" name="12 CuadroTexto"/>
           <p:cNvSpPr txBox="1"/>
           <p:nvPr/>
         </p:nvSpPr>
         <p:spPr>
           <a:xfrm>
-            <a:off x="1399311" y="1259286"/>
+            <a:off x="1386753" y="1036532"/>
             <a:ext cx="6264696" cy="445507"/>
           </a:xfrm>
           <a:prstGeom prst="rect">
@@ -4089,7 +7890,7 @@
                 </a:effectLst>
                 <a:latin typeface="Arial Black" pitchFamily="34" charset="0"/>
               </a:rPr>
-              <a:t>Planteamiento del Problema</a:t>
+              <a:t>Objetivo General</a:t>
             </a:r>
           </a:p>
         </p:txBody>
@@ -4102,8 +7903,8 @@
         </p:nvSpPr>
         <p:spPr>
           <a:xfrm>
-            <a:off x="604562" y="1990893"/>
-            <a:ext cx="7829078" cy="5632311"/>
+            <a:off x="755702" y="2349852"/>
+            <a:ext cx="7632595" cy="3539430"/>
           </a:xfrm>
           <a:prstGeom prst="rect">
             <a:avLst/>
@@ -4117,46 +7918,24 @@
           <a:p>
             <a:pPr algn="just"/>
             <a:r>
-              <a:rPr lang="es-CO" dirty="0"/>
-              <a:t>En las Unidades Tecnológicas de Santander la elaboración del plan de trabajo de los docentes implica un gasto prolongado de tiempo por parte del docente, sin importar que se use una herramienta ofimática como Microsoft Excel. Se consultó a algunos docentes acerca del diligenciamiento del formato R-DC-54 y en resumen se deduce que el proceso es confuso y tedioso, sobretodo en docentes que no están familiarizados con estas herramientas, parte de lo que dijeron es que cuando el documento no está bien diligenciado, deben corregir muchas veces, y que suele ser preferible hacerlo desde el principio, esto para el docente se vuelve frustrante y pierde tiempo en esta actividad, además, hay docentes que desconocen que el formato contiene funciones agregadas para mantener un mínimo control y dar un poco de ayuda durante el completado, pero que si accidentalmente se borran o modifican las funciones de las celdas, el formato se daña, desde ese instante el docente debe estar muy pendiente de cada dato que ingresa y al final aumenta la probabilidad de caer en errores.</a:t>
-            </a:r>
-          </a:p>
-          <a:p>
-            <a:pPr algn="ctr"/>
-            <a:endParaRPr lang="es-CO" dirty="0"/>
-          </a:p>
-          <a:p>
-            <a:pPr algn="ctr"/>
-            <a:r>
-              <a:rPr lang="es-CO" dirty="0" smtClean="0"/>
-              <a:t>Coloque solo ideas (máximo 6) sobre las que va a hablar</a:t>
-            </a:r>
-            <a:r>
-              <a:rPr lang="es-CO" dirty="0" smtClean="0"/>
+              <a:rPr lang="es-CO" sz="2800" dirty="0"/>
+              <a:t>Desarrollar una aplicación informática que permita el registro de las actividades y productos que realizan los docentes en su actividad académica de acuerdo al formato R-DC- 54 del sistema de gestión de calidad de las Unidades Tecnológicas de Santander, buscando brindar una herramienta de apoyo al plan de trabajo de los docentes, por medio de herramientas open </a:t>
+            </a:r>
+            <a:r>
+              <a:rPr lang="es-CO" sz="2800" dirty="0" err="1"/>
+              <a:t>source</a:t>
+            </a:r>
+            <a:r>
+              <a:rPr lang="es-CO" sz="2800" dirty="0"/>
               <a:t>.</a:t>
             </a:r>
-          </a:p>
-          <a:p>
-            <a:pPr algn="ctr"/>
-            <a:endParaRPr lang="es-CO" dirty="0" smtClean="0"/>
-          </a:p>
-          <a:p>
-            <a:pPr algn="ctr"/>
-            <a:r>
-              <a:rPr lang="es-CO" dirty="0"/>
-              <a:t>¿Es posible que una herramienta tecnológica mejore el proceso de realización del plan de trabajo del docente de las Unidades Tecnológicas de Santander?</a:t>
-            </a:r>
-          </a:p>
-          <a:p>
-            <a:pPr algn="ctr"/>
-            <a:endParaRPr lang="es-CO" dirty="0"/>
           </a:p>
         </p:txBody>
       </p:sp>
     </p:spTree>
     <p:extLst>
       <p:ext uri="{BB962C8B-B14F-4D97-AF65-F5344CB8AC3E}">
-        <p14:creationId xmlns:p14="http://schemas.microsoft.com/office/powerpoint/2010/main" val="1227951882"/>
+        <p14:creationId xmlns:p14="http://schemas.microsoft.com/office/powerpoint/2010/main" val="2603685201"/>
       </p:ext>
     </p:extLst>
   </p:cSld>
@@ -4192,14 +7971,14 @@
       </p:grpSpPr>
       <p:sp>
         <p:nvSpPr>
-          <p:cNvPr id="3" name="2 Rectángulo redondeado"/>
+          <p:cNvPr id="6" name="5 Rectángulo redondeado"/>
           <p:cNvSpPr/>
           <p:nvPr/>
         </p:nvSpPr>
         <p:spPr>
           <a:xfrm>
-            <a:off x="521435" y="2020086"/>
-            <a:ext cx="7995332" cy="4005223"/>
+            <a:off x="445864" y="1700331"/>
+            <a:ext cx="8184258" cy="4632455"/>
           </a:xfrm>
           <a:prstGeom prst="roundRect">
             <a:avLst/>
@@ -4244,7 +8023,7 @@
         </p:nvSpPr>
         <p:spPr>
           <a:xfrm>
-            <a:off x="1386753" y="1036532"/>
+            <a:off x="1399311" y="1036532"/>
             <a:ext cx="6264696" cy="445507"/>
           </a:xfrm>
           <a:prstGeom prst="rect">
@@ -4292,7 +8071,7 @@
                 </a:effectLst>
                 <a:latin typeface="Arial Black" pitchFamily="34" charset="0"/>
               </a:rPr>
-              <a:t>Objetivo General</a:t>
+              <a:t>Objetivos Específicos</a:t>
             </a:r>
           </a:p>
         </p:txBody>
@@ -4305,8 +8084,8 @@
         </p:nvSpPr>
         <p:spPr>
           <a:xfrm>
-            <a:off x="755702" y="2349852"/>
-            <a:ext cx="7632595" cy="3539430"/>
+            <a:off x="695246" y="1805746"/>
+            <a:ext cx="7738394" cy="4524315"/>
           </a:xfrm>
           <a:prstGeom prst="rect">
             <a:avLst/>
@@ -4320,24 +8099,61 @@
           <a:p>
             <a:pPr algn="just"/>
             <a:r>
-              <a:rPr lang="es-CO" sz="2800" dirty="0"/>
-              <a:t>Desarrollar una aplicación informática que permita el registro de las actividades y productos que realizan los docentes en su actividad académica de acuerdo al formato R-DC- 54 del sistema de gestión de calidad de las Unidades Tecnológicas de Santander, buscando brindar una herramienta de apoyo al plan de trabajo de los docentes, por medio de herramientas open </a:t>
-            </a:r>
-            <a:r>
-              <a:rPr lang="es-CO" sz="2800" dirty="0" err="1"/>
-              <a:t>source</a:t>
-            </a:r>
-            <a:r>
-              <a:rPr lang="es-CO" sz="2800" dirty="0"/>
+              <a:rPr lang="es-CO" sz="2400" dirty="0" smtClean="0"/>
+              <a:t>Diseñar </a:t>
+            </a:r>
+            <a:r>
+              <a:rPr lang="es-CO" sz="2400" dirty="0"/>
+              <a:t>una arquitectura software que permita gestionar el proceso de planeación de las actividades de los docentes de tiempo completo, basados en el formato R-DC-54 de las UTS.</a:t>
+            </a:r>
+          </a:p>
+          <a:p>
+            <a:pPr algn="just"/>
+            <a:r>
+              <a:rPr lang="es-CO" sz="2400" dirty="0"/>
+              <a:t/>
+            </a:r>
+            <a:br>
+              <a:rPr lang="es-CO" sz="2400" dirty="0"/>
+            </a:br>
+            <a:r>
+              <a:rPr lang="es-CO" sz="2400" dirty="0" smtClean="0"/>
+              <a:t>Desarrollar</a:t>
+            </a:r>
+            <a:r>
+              <a:rPr lang="es-CO" sz="2400" dirty="0"/>
+              <a:t>, codificar e implementar el código fuente correspondiente a los modelos para el correcto funcionamiento de la aplicación basado en los modelos y estructuras planteadas anteriormente.</a:t>
+            </a:r>
+          </a:p>
+          <a:p>
+            <a:pPr algn="just"/>
+            <a:r>
+              <a:rPr lang="es-CO" sz="2400" b="1" dirty="0"/>
+              <a:t/>
+            </a:r>
+            <a:br>
+              <a:rPr lang="es-CO" sz="2400" b="1" dirty="0"/>
+            </a:br>
+            <a:r>
+              <a:rPr lang="es-CO" sz="2400" dirty="0" smtClean="0"/>
+              <a:t>Diseñar </a:t>
+            </a:r>
+            <a:r>
+              <a:rPr lang="es-CO" sz="2400" dirty="0"/>
+              <a:t>y realizar pruebas funcionales, de usabilidad y de carga al sistema de información desarrollado, verificando de esta manera el correcto funcionamiento</a:t>
+            </a:r>
+            <a:r>
+              <a:rPr lang="es-CO" sz="2400" dirty="0" smtClean="0"/>
               <a:t>.</a:t>
             </a:r>
+            <a:endParaRPr lang="es-MX" sz="2400" dirty="0" smtClean="0"/>
           </a:p>
         </p:txBody>
       </p:sp>
     </p:spTree>
     <p:extLst>
       <p:ext uri="{BB962C8B-B14F-4D97-AF65-F5344CB8AC3E}">
-        <p14:creationId xmlns:p14="http://schemas.microsoft.com/office/powerpoint/2010/main" val="2603685201"/>
+        <p14:creationId xmlns:p14="http://schemas.microsoft.com/office/powerpoint/2010/main" val="3435132315"/>
       </p:ext>
     </p:extLst>
   </p:cSld>
@@ -4373,59 +8189,13 @@
       </p:grpSpPr>
       <p:sp>
         <p:nvSpPr>
-          <p:cNvPr id="6" name="5 Rectángulo redondeado"/>
-          <p:cNvSpPr/>
-          <p:nvPr/>
-        </p:nvSpPr>
-        <p:spPr>
-          <a:xfrm>
-            <a:off x="445864" y="1700331"/>
-            <a:ext cx="8184258" cy="4632455"/>
-          </a:xfrm>
-          <a:prstGeom prst="roundRect">
-            <a:avLst/>
-          </a:prstGeom>
-          <a:effectLst>
-            <a:glow rad="63500">
-              <a:schemeClr val="accent1">
-                <a:satMod val="175000"/>
-                <a:alpha val="40000"/>
-              </a:schemeClr>
-            </a:glow>
-          </a:effectLst>
-        </p:spPr>
-        <p:style>
-          <a:lnRef idx="1">
-            <a:schemeClr val="accent1"/>
-          </a:lnRef>
-          <a:fillRef idx="2">
-            <a:schemeClr val="accent1"/>
-          </a:fillRef>
-          <a:effectRef idx="1">
-            <a:schemeClr val="accent1"/>
-          </a:effectRef>
-          <a:fontRef idx="minor">
-            <a:schemeClr val="dk1"/>
-          </a:fontRef>
-        </p:style>
-        <p:txBody>
-          <a:bodyPr rtlCol="0" anchor="ctr"/>
-          <a:lstStyle/>
-          <a:p>
-            <a:pPr algn="ctr"/>
-            <a:endParaRPr lang="es-CO"/>
-          </a:p>
-        </p:txBody>
-      </p:sp>
-      <p:sp>
-        <p:nvSpPr>
           <p:cNvPr id="4" name="12 CuadroTexto"/>
           <p:cNvSpPr txBox="1"/>
           <p:nvPr/>
         </p:nvSpPr>
         <p:spPr>
           <a:xfrm>
-            <a:off x="1399311" y="1036532"/>
+            <a:off x="1399311" y="1259286"/>
             <a:ext cx="6264696" cy="445507"/>
           </a:xfrm>
           <a:prstGeom prst="rect">
@@ -4473,7 +8243,7 @@
                 </a:effectLst>
                 <a:latin typeface="Arial Black" pitchFamily="34" charset="0"/>
               </a:rPr>
-              <a:t>Objetivos Específicos</a:t>
+              <a:t>Resultados</a:t>
             </a:r>
           </a:p>
         </p:txBody>
@@ -4486,8 +8256,8 @@
         </p:nvSpPr>
         <p:spPr>
           <a:xfrm>
-            <a:off x="695246" y="1805746"/>
-            <a:ext cx="7738394" cy="4524315"/>
+            <a:off x="618565" y="2043570"/>
+            <a:ext cx="8216153" cy="4524315"/>
           </a:xfrm>
           <a:prstGeom prst="rect">
             <a:avLst/>
@@ -4499,63 +8269,99 @@
           </a:bodyPr>
           <a:lstStyle/>
           <a:p>
-            <a:pPr algn="just"/>
-            <a:r>
-              <a:rPr lang="es-CO" sz="2400" dirty="0" smtClean="0"/>
-              <a:t>Diseñar </a:t>
-            </a:r>
-            <a:r>
-              <a:rPr lang="es-CO" sz="2400" dirty="0"/>
-              <a:t>una arquitectura software que permita gestionar el proceso de planeación de las actividades de los docentes de tiempo completo, basados en el formato R-DC-54 de las UTS.</a:t>
-            </a:r>
-          </a:p>
-          <a:p>
-            <a:pPr algn="just"/>
-            <a:r>
-              <a:rPr lang="es-CO" sz="2400" dirty="0"/>
-              <a:t/>
-            </a:r>
-            <a:br>
-              <a:rPr lang="es-CO" sz="2400" dirty="0"/>
-            </a:br>
-            <a:r>
-              <a:rPr lang="es-CO" sz="2400" dirty="0" smtClean="0"/>
-              <a:t>Desarrollar</a:t>
-            </a:r>
-            <a:r>
-              <a:rPr lang="es-CO" sz="2400" dirty="0"/>
-              <a:t>, codificar e implementar el código fuente correspondiente a los modelos para el correcto funcionamiento de la aplicación basado en los modelos y estructuras planteadas anteriormente.</a:t>
-            </a:r>
-          </a:p>
-          <a:p>
-            <a:pPr algn="just"/>
-            <a:r>
-              <a:rPr lang="es-CO" sz="2400" b="1" dirty="0"/>
-              <a:t/>
-            </a:r>
-            <a:br>
-              <a:rPr lang="es-CO" sz="2400" b="1" dirty="0"/>
-            </a:br>
-            <a:r>
-              <a:rPr lang="es-CO" sz="2400" dirty="0" smtClean="0"/>
-              <a:t>Diseñar </a:t>
-            </a:r>
-            <a:r>
-              <a:rPr lang="es-CO" sz="2400" dirty="0"/>
-              <a:t>y realizar pruebas funcionales, de usabilidad y de carga al sistema de información desarrollado, verificando de esta manera el correcto funcionamiento</a:t>
-            </a:r>
-            <a:r>
-              <a:rPr lang="es-CO" sz="2400" dirty="0" smtClean="0"/>
-              <a:t>.</a:t>
-            </a:r>
-            <a:endParaRPr lang="es-MX" sz="2400" dirty="0" smtClean="0"/>
+            <a:pPr algn="ctr"/>
+            <a:r>
+              <a:rPr lang="es-CO" dirty="0" smtClean="0"/>
+              <a:t>Utilice máximo 10 diapositivas para mostrar los resultados del proyecto. </a:t>
+            </a:r>
+          </a:p>
+          <a:p>
+            <a:pPr algn="ctr"/>
+            <a:r>
+              <a:rPr lang="es-CO" dirty="0" smtClean="0"/>
+              <a:t>Presente imágenes, cuadros, tablas, que le permitan contar lo MAS importante de cada capítulo. </a:t>
+            </a:r>
+          </a:p>
+          <a:p>
+            <a:pPr algn="ctr"/>
+            <a:r>
+              <a:rPr lang="es-CO" dirty="0" smtClean="0"/>
+              <a:t>No se trata de exponer las X hojas de su proyecto 10 diapositivas y en 15 minutos; se trata de mostrar lo más relevante de parte del producto obtenido y los pasos para llegar a él.</a:t>
+            </a:r>
+          </a:p>
+          <a:p>
+            <a:pPr algn="ctr"/>
+            <a:r>
+              <a:rPr lang="es-CO" dirty="0" smtClean="0"/>
+              <a:t>La exposición de esta parte debe realizarse hablando pausadamente, con seguridad y de manera organizada</a:t>
+            </a:r>
+          </a:p>
+          <a:p>
+            <a:pPr algn="ctr"/>
+            <a:r>
+              <a:rPr lang="es-CO" dirty="0" smtClean="0"/>
+              <a:t>Evite llevar papeles en la mano para la exposición</a:t>
+            </a:r>
+          </a:p>
+          <a:p>
+            <a:pPr algn="ctr"/>
+            <a:r>
+              <a:rPr lang="es-CO" dirty="0" smtClean="0"/>
+              <a:t>Haga uso de recursos tecnológicos para la exposición: tableta, un portátil auxiliar con la pantalla hacia Ud.</a:t>
+            </a:r>
+          </a:p>
+          <a:p>
+            <a:pPr algn="ctr"/>
+            <a:r>
+              <a:rPr lang="es-CO" dirty="0" smtClean="0"/>
+              <a:t>Lleve un dispositivo para pasar las diapositivas. Que no tengan que desplazarse de un lado a otro para dar “</a:t>
+            </a:r>
+            <a:r>
+              <a:rPr lang="es-CO" dirty="0" err="1" smtClean="0"/>
+              <a:t>enter</a:t>
+            </a:r>
+            <a:r>
+              <a:rPr lang="es-CO" dirty="0" smtClean="0"/>
+              <a:t>” o decirle al compañero que se las pase.</a:t>
+            </a:r>
+          </a:p>
+          <a:p>
+            <a:pPr algn="ctr"/>
+            <a:r>
+              <a:rPr lang="es-CO" dirty="0" smtClean="0"/>
+              <a:t>Lleven su propio PC en donde probaron la presentación</a:t>
+            </a:r>
+          </a:p>
+          <a:p>
+            <a:pPr algn="ctr"/>
+            <a:r>
+              <a:rPr lang="es-CO" dirty="0" smtClean="0"/>
+              <a:t>Tienen que hablar de la tecnología (lenguaje, framework, </a:t>
+            </a:r>
+            <a:r>
+              <a:rPr lang="es-CO" dirty="0" err="1" smtClean="0"/>
+              <a:t>bd</a:t>
+            </a:r>
+            <a:r>
+              <a:rPr lang="es-CO" dirty="0" smtClean="0"/>
+              <a:t>, servidor, </a:t>
+            </a:r>
+            <a:r>
+              <a:rPr lang="es-CO" dirty="0" err="1" smtClean="0"/>
+              <a:t>etc</a:t>
+            </a:r>
+            <a:r>
+              <a:rPr lang="es-CO" dirty="0" smtClean="0"/>
+              <a:t>) utilizado y sustentado rápidamente del por qué lo usaron</a:t>
+            </a:r>
+            <a:endParaRPr lang="es-CO" dirty="0"/>
           </a:p>
         </p:txBody>
       </p:sp>
     </p:spTree>
     <p:extLst>
       <p:ext uri="{BB962C8B-B14F-4D97-AF65-F5344CB8AC3E}">
-        <p14:creationId xmlns:p14="http://schemas.microsoft.com/office/powerpoint/2010/main" val="3435132315"/>
+        <p14:creationId xmlns:p14="http://schemas.microsoft.com/office/powerpoint/2010/main" val="47022068"/>
       </p:ext>
     </p:extLst>
   </p:cSld>
@@ -4591,13 +8397,13 @@
       </p:grpSpPr>
       <p:sp>
         <p:nvSpPr>
-          <p:cNvPr id="4" name="12 CuadroTexto"/>
+          <p:cNvPr id="5" name="12 CuadroTexto"/>
           <p:cNvSpPr txBox="1"/>
           <p:nvPr/>
         </p:nvSpPr>
         <p:spPr>
           <a:xfrm>
-            <a:off x="1399311" y="1259286"/>
+            <a:off x="494430" y="428353"/>
             <a:ext cx="6264696" cy="445507"/>
           </a:xfrm>
           <a:prstGeom prst="rect">
@@ -4645,125 +8451,50 @@
                 </a:effectLst>
                 <a:latin typeface="Arial Black" pitchFamily="34" charset="0"/>
               </a:rPr>
-              <a:t>Resultados</a:t>
-            </a:r>
-          </a:p>
-        </p:txBody>
-      </p:sp>
-      <p:sp>
-        <p:nvSpPr>
-          <p:cNvPr id="2" name="Rectángulo 1"/>
-          <p:cNvSpPr/>
+              <a:t>Arquitectura</a:t>
+            </a:r>
+            <a:endParaRPr lang="es-MX" sz="2800" b="1" spc="50" dirty="0" smtClean="0">
+              <a:ln w="11430"/>
+              <a:effectLst>
+                <a:outerShdw blurRad="76200" dist="50800" dir="5400000" algn="tl" rotWithShape="0">
+                  <a:srgbClr val="000000">
+                    <a:alpha val="65000"/>
+                  </a:srgbClr>
+                </a:outerShdw>
+              </a:effectLst>
+              <a:latin typeface="Arial Black" pitchFamily="34" charset="0"/>
+            </a:endParaRPr>
+          </a:p>
+        </p:txBody>
+      </p:sp>
+      <p:pic>
+        <p:nvPicPr>
+          <p:cNvPr id="2" name="Picture 1"/>
+          <p:cNvPicPr>
+            <a:picLocks noChangeAspect="1"/>
+          </p:cNvPicPr>
           <p:nvPr/>
-        </p:nvSpPr>
+        </p:nvPicPr>
+        <p:blipFill>
+          <a:blip r:embed="rId2"/>
+          <a:stretch>
+            <a:fillRect/>
+          </a:stretch>
+        </p:blipFill>
         <p:spPr>
           <a:xfrm>
-            <a:off x="618565" y="2043570"/>
-            <a:ext cx="8216153" cy="4524315"/>
+            <a:off x="0" y="913883"/>
+            <a:ext cx="7724896" cy="5944117"/>
           </a:xfrm>
           <a:prstGeom prst="rect">
             <a:avLst/>
           </a:prstGeom>
         </p:spPr>
-        <p:txBody>
-          <a:bodyPr wrap="square">
-            <a:spAutoFit/>
-          </a:bodyPr>
-          <a:lstStyle/>
-          <a:p>
-            <a:pPr algn="ctr"/>
-            <a:r>
-              <a:rPr lang="es-CO" dirty="0" smtClean="0"/>
-              <a:t>Utilice máximo 10 diapositivas para mostrar los resultados del proyecto. </a:t>
-            </a:r>
-          </a:p>
-          <a:p>
-            <a:pPr algn="ctr"/>
-            <a:r>
-              <a:rPr lang="es-CO" dirty="0" smtClean="0"/>
-              <a:t>Presente imágenes, cuadros, tablas, que le permitan contar lo MAS importante de cada capítulo. </a:t>
-            </a:r>
-          </a:p>
-          <a:p>
-            <a:pPr algn="ctr"/>
-            <a:r>
-              <a:rPr lang="es-CO" dirty="0" smtClean="0"/>
-              <a:t>No se trata de exponer las X hojas de su proyecto 10 diapositivas y en 15 minutos; se trata de mostrar lo más relevante de parte del producto obtenido y los pasos para llegar a él.</a:t>
-            </a:r>
-          </a:p>
-          <a:p>
-            <a:pPr algn="ctr"/>
-            <a:r>
-              <a:rPr lang="es-CO" dirty="0" smtClean="0"/>
-              <a:t>La exposición de esta parte debe realizarse hablando pausadamente, con seguridad y de manera organizada</a:t>
-            </a:r>
-          </a:p>
-          <a:p>
-            <a:pPr algn="ctr"/>
-            <a:r>
-              <a:rPr lang="es-CO" dirty="0" smtClean="0"/>
-              <a:t>Evite llevar papeles en la mano para la exposición</a:t>
-            </a:r>
-          </a:p>
-          <a:p>
-            <a:pPr algn="ctr"/>
-            <a:r>
-              <a:rPr lang="es-CO" dirty="0" smtClean="0"/>
-              <a:t>Haga uso de recursos tecnológicos para la exposición: tableta, un portátil auxiliar con la pantalla hacia Ud.</a:t>
-            </a:r>
-          </a:p>
-          <a:p>
-            <a:pPr algn="ctr"/>
-            <a:r>
-              <a:rPr lang="es-CO" dirty="0" smtClean="0"/>
-              <a:t>Lleve un dispositivo para pasar las diapositivas. Que no tengan que desplazarse de un lado a otro para dar “</a:t>
-            </a:r>
-            <a:r>
-              <a:rPr lang="es-CO" dirty="0" err="1" smtClean="0"/>
-              <a:t>enter</a:t>
-            </a:r>
-            <a:r>
-              <a:rPr lang="es-CO" dirty="0" smtClean="0"/>
-              <a:t>” o decirle al compañero que se las pase.</a:t>
-            </a:r>
-          </a:p>
-          <a:p>
-            <a:pPr algn="ctr"/>
-            <a:r>
-              <a:rPr lang="es-CO" dirty="0" smtClean="0"/>
-              <a:t>Lleven su propio PC en donde probaron la presentación</a:t>
-            </a:r>
-          </a:p>
-          <a:p>
-            <a:pPr algn="ctr"/>
-            <a:r>
-              <a:rPr lang="es-CO" dirty="0" smtClean="0"/>
-              <a:t>Tienen que hablar de la tecnología (lenguaje, framework, </a:t>
-            </a:r>
-            <a:r>
-              <a:rPr lang="es-CO" dirty="0" err="1" smtClean="0"/>
-              <a:t>bd</a:t>
-            </a:r>
-            <a:r>
-              <a:rPr lang="es-CO" dirty="0" smtClean="0"/>
-              <a:t>, servidor, </a:t>
-            </a:r>
-            <a:r>
-              <a:rPr lang="es-CO" dirty="0" err="1" smtClean="0"/>
-              <a:t>etc</a:t>
-            </a:r>
-            <a:r>
-              <a:rPr lang="es-CO" dirty="0" smtClean="0"/>
-              <a:t>) utilizado y sustentado rápidamente del por qué lo usaron</a:t>
-            </a:r>
-            <a:endParaRPr lang="es-CO" dirty="0"/>
-          </a:p>
-        </p:txBody>
-      </p:sp>
+      </p:pic>
     </p:spTree>
     <p:extLst>
       <p:ext uri="{BB962C8B-B14F-4D97-AF65-F5344CB8AC3E}">
-        <p14:creationId xmlns:p14="http://schemas.microsoft.com/office/powerpoint/2010/main" val="47022068"/>
+        <p14:creationId xmlns:p14="http://schemas.microsoft.com/office/powerpoint/2010/main" val="609078389"/>
       </p:ext>
     </p:extLst>
   </p:cSld>
@@ -4799,32 +8530,13 @@
       </p:grpSpPr>
       <p:sp>
         <p:nvSpPr>
-          <p:cNvPr id="3" name="2 Marcador de contenido"/>
-          <p:cNvSpPr>
-            <a:spLocks noGrp="1"/>
-          </p:cNvSpPr>
-          <p:nvPr>
-            <p:ph idx="1"/>
-          </p:nvPr>
-        </p:nvSpPr>
-        <p:spPr/>
-        <p:txBody>
-          <a:bodyPr/>
-          <a:lstStyle/>
-          <a:p>
-            <a:endParaRPr lang="es-CO" dirty="0"/>
-          </a:p>
-        </p:txBody>
-      </p:sp>
-      <p:sp>
-        <p:nvSpPr>
           <p:cNvPr id="5" name="12 CuadroTexto"/>
           <p:cNvSpPr txBox="1"/>
           <p:nvPr/>
         </p:nvSpPr>
         <p:spPr>
           <a:xfrm>
-            <a:off x="1439652" y="541369"/>
+            <a:off x="717037" y="659243"/>
             <a:ext cx="6264696" cy="445507"/>
           </a:xfrm>
           <a:prstGeom prst="rect">
@@ -4872,26 +8584,331 @@
                 </a:effectLst>
                 <a:latin typeface="Arial Black" pitchFamily="34" charset="0"/>
               </a:rPr>
-              <a:t>Recursos Tecnológicos</a:t>
-            </a:r>
-            <a:endParaRPr lang="es-MX" sz="2800" b="1" spc="50" dirty="0" smtClean="0">
-              <a:ln w="11430"/>
-              <a:effectLst>
-                <a:outerShdw blurRad="76200" dist="50800" dir="5400000" algn="tl" rotWithShape="0">
-                  <a:srgbClr val="000000">
-                    <a:alpha val="65000"/>
-                  </a:srgbClr>
-                </a:outerShdw>
-              </a:effectLst>
-              <a:latin typeface="Arial Black" pitchFamily="34" charset="0"/>
-            </a:endParaRPr>
+              <a:t>Modulo Coordinador</a:t>
+            </a:r>
+          </a:p>
+        </p:txBody>
+      </p:sp>
+      <p:sp>
+        <p:nvSpPr>
+          <p:cNvPr id="6" name="Content Placeholder 5"/>
+          <p:cNvSpPr>
+            <a:spLocks noGrp="1"/>
+          </p:cNvSpPr>
+          <p:nvPr>
+            <p:ph idx="1"/>
+          </p:nvPr>
+        </p:nvSpPr>
+        <p:spPr>
+          <a:xfrm>
+            <a:off x="226032" y="2368472"/>
+            <a:ext cx="6347714" cy="390418"/>
+          </a:xfrm>
+        </p:spPr>
+        <p:txBody>
+          <a:bodyPr/>
+          <a:lstStyle/>
+          <a:p>
+            <a:pPr marL="0" indent="0">
+              <a:buNone/>
+            </a:pPr>
+            <a:r>
+              <a:rPr lang="es-CO" dirty="0" smtClean="0"/>
+              <a:t>Menú Asignación.</a:t>
+            </a:r>
+            <a:endParaRPr lang="es-CO" dirty="0"/>
+          </a:p>
+        </p:txBody>
+      </p:sp>
+      <p:pic>
+        <p:nvPicPr>
+          <p:cNvPr id="3" name="Picture 2"/>
+          <p:cNvPicPr>
+            <a:picLocks noChangeAspect="1"/>
+          </p:cNvPicPr>
+          <p:nvPr/>
+        </p:nvPicPr>
+        <p:blipFill>
+          <a:blip r:embed="rId2"/>
+          <a:stretch>
+            <a:fillRect/>
+          </a:stretch>
+        </p:blipFill>
+        <p:spPr>
+          <a:xfrm>
+            <a:off x="226032" y="2938409"/>
+            <a:ext cx="7211317" cy="2229493"/>
+          </a:xfrm>
+          <a:prstGeom prst="rect">
+            <a:avLst/>
+          </a:prstGeom>
+        </p:spPr>
+      </p:pic>
+      <p:sp>
+        <p:nvSpPr>
+          <p:cNvPr id="8" name="Content Placeholder 5"/>
+          <p:cNvSpPr txBox="1">
+            <a:spLocks/>
+          </p:cNvSpPr>
+          <p:nvPr/>
+        </p:nvSpPr>
+        <p:spPr>
+          <a:xfrm>
+            <a:off x="226032" y="1428108"/>
+            <a:ext cx="6347714" cy="940364"/>
+          </a:xfrm>
+          <a:prstGeom prst="rect">
+            <a:avLst/>
+          </a:prstGeom>
+        </p:spPr>
+        <p:txBody>
+          <a:bodyPr vert="horz" lIns="91440" tIns="45720" rIns="91440" bIns="45720" rtlCol="0">
+            <a:normAutofit/>
+          </a:bodyPr>
+          <a:lstStyle>
+            <a:lvl1pPr marL="342900" indent="-342900" algn="l" defTabSz="457200" rtl="0" eaLnBrk="1" latinLnBrk="0" hangingPunct="1">
+              <a:spcBef>
+                <a:spcPts val="1000"/>
+              </a:spcBef>
+              <a:spcAft>
+                <a:spcPts val="0"/>
+              </a:spcAft>
+              <a:buClr>
+                <a:schemeClr val="accent1"/>
+              </a:buClr>
+              <a:buSzPct val="80000"/>
+              <a:buFont typeface="Wingdings 3" charset="2"/>
+              <a:buChar char=""/>
+              <a:defRPr sz="1800" kern="1200">
+                <a:solidFill>
+                  <a:schemeClr val="tx1">
+                    <a:lumMod val="75000"/>
+                    <a:lumOff val="25000"/>
+                  </a:schemeClr>
+                </a:solidFill>
+                <a:latin typeface="+mn-lt"/>
+                <a:ea typeface="+mn-ea"/>
+                <a:cs typeface="+mn-cs"/>
+              </a:defRPr>
+            </a:lvl1pPr>
+            <a:lvl2pPr marL="742950" indent="-285750" algn="l" defTabSz="457200" rtl="0" eaLnBrk="1" latinLnBrk="0" hangingPunct="1">
+              <a:spcBef>
+                <a:spcPts val="1000"/>
+              </a:spcBef>
+              <a:spcAft>
+                <a:spcPts val="0"/>
+              </a:spcAft>
+              <a:buClr>
+                <a:schemeClr val="accent1"/>
+              </a:buClr>
+              <a:buSzPct val="80000"/>
+              <a:buFont typeface="Wingdings 3" charset="2"/>
+              <a:buChar char=""/>
+              <a:defRPr sz="1600" kern="1200">
+                <a:solidFill>
+                  <a:schemeClr val="tx1">
+                    <a:lumMod val="75000"/>
+                    <a:lumOff val="25000"/>
+                  </a:schemeClr>
+                </a:solidFill>
+                <a:latin typeface="+mn-lt"/>
+                <a:ea typeface="+mn-ea"/>
+                <a:cs typeface="+mn-cs"/>
+              </a:defRPr>
+            </a:lvl2pPr>
+            <a:lvl3pPr marL="1143000" indent="-228600" algn="l" defTabSz="457200" rtl="0" eaLnBrk="1" latinLnBrk="0" hangingPunct="1">
+              <a:spcBef>
+                <a:spcPts val="1000"/>
+              </a:spcBef>
+              <a:spcAft>
+                <a:spcPts val="0"/>
+              </a:spcAft>
+              <a:buClr>
+                <a:schemeClr val="accent1"/>
+              </a:buClr>
+              <a:buSzPct val="80000"/>
+              <a:buFont typeface="Wingdings 3" charset="2"/>
+              <a:buChar char=""/>
+              <a:defRPr sz="1400" kern="1200">
+                <a:solidFill>
+                  <a:schemeClr val="tx1">
+                    <a:lumMod val="75000"/>
+                    <a:lumOff val="25000"/>
+                  </a:schemeClr>
+                </a:solidFill>
+                <a:latin typeface="+mn-lt"/>
+                <a:ea typeface="+mn-ea"/>
+                <a:cs typeface="+mn-cs"/>
+              </a:defRPr>
+            </a:lvl3pPr>
+            <a:lvl4pPr marL="1600200" indent="-228600" algn="l" defTabSz="457200" rtl="0" eaLnBrk="1" latinLnBrk="0" hangingPunct="1">
+              <a:spcBef>
+                <a:spcPts val="1000"/>
+              </a:spcBef>
+              <a:spcAft>
+                <a:spcPts val="0"/>
+              </a:spcAft>
+              <a:buClr>
+                <a:schemeClr val="accent1"/>
+              </a:buClr>
+              <a:buSzPct val="80000"/>
+              <a:buFont typeface="Wingdings 3" charset="2"/>
+              <a:buChar char=""/>
+              <a:defRPr sz="1200" kern="1200">
+                <a:solidFill>
+                  <a:schemeClr val="tx1">
+                    <a:lumMod val="75000"/>
+                    <a:lumOff val="25000"/>
+                  </a:schemeClr>
+                </a:solidFill>
+                <a:latin typeface="+mn-lt"/>
+                <a:ea typeface="+mn-ea"/>
+                <a:cs typeface="+mn-cs"/>
+              </a:defRPr>
+            </a:lvl4pPr>
+            <a:lvl5pPr marL="2057400" indent="-228600" algn="l" defTabSz="457200" rtl="0" eaLnBrk="1" latinLnBrk="0" hangingPunct="1">
+              <a:spcBef>
+                <a:spcPts val="1000"/>
+              </a:spcBef>
+              <a:spcAft>
+                <a:spcPts val="0"/>
+              </a:spcAft>
+              <a:buClr>
+                <a:schemeClr val="accent1"/>
+              </a:buClr>
+              <a:buSzPct val="80000"/>
+              <a:buFont typeface="Wingdings 3" charset="2"/>
+              <a:buChar char=""/>
+              <a:defRPr sz="1200" kern="1200">
+                <a:solidFill>
+                  <a:schemeClr val="tx1">
+                    <a:lumMod val="75000"/>
+                    <a:lumOff val="25000"/>
+                  </a:schemeClr>
+                </a:solidFill>
+                <a:latin typeface="+mn-lt"/>
+                <a:ea typeface="+mn-ea"/>
+                <a:cs typeface="+mn-cs"/>
+              </a:defRPr>
+            </a:lvl5pPr>
+            <a:lvl6pPr marL="2514600" indent="-228600" algn="l" defTabSz="457200" rtl="0" eaLnBrk="1" latinLnBrk="0" hangingPunct="1">
+              <a:spcBef>
+                <a:spcPts val="1000"/>
+              </a:spcBef>
+              <a:spcAft>
+                <a:spcPts val="0"/>
+              </a:spcAft>
+              <a:buClr>
+                <a:schemeClr val="accent1"/>
+              </a:buClr>
+              <a:buSzPct val="80000"/>
+              <a:buFont typeface="Wingdings 3" charset="2"/>
+              <a:buChar char=""/>
+              <a:defRPr sz="1200" kern="1200">
+                <a:solidFill>
+                  <a:schemeClr val="tx1">
+                    <a:lumMod val="75000"/>
+                    <a:lumOff val="25000"/>
+                  </a:schemeClr>
+                </a:solidFill>
+                <a:latin typeface="+mn-lt"/>
+                <a:ea typeface="+mn-ea"/>
+                <a:cs typeface="+mn-cs"/>
+              </a:defRPr>
+            </a:lvl6pPr>
+            <a:lvl7pPr marL="2971800" indent="-228600" algn="l" defTabSz="457200" rtl="0" eaLnBrk="1" latinLnBrk="0" hangingPunct="1">
+              <a:spcBef>
+                <a:spcPts val="1000"/>
+              </a:spcBef>
+              <a:spcAft>
+                <a:spcPts val="0"/>
+              </a:spcAft>
+              <a:buClr>
+                <a:schemeClr val="accent1"/>
+              </a:buClr>
+              <a:buSzPct val="80000"/>
+              <a:buFont typeface="Wingdings 3" charset="2"/>
+              <a:buChar char=""/>
+              <a:defRPr sz="1200" kern="1200">
+                <a:solidFill>
+                  <a:schemeClr val="tx1">
+                    <a:lumMod val="75000"/>
+                    <a:lumOff val="25000"/>
+                  </a:schemeClr>
+                </a:solidFill>
+                <a:latin typeface="+mn-lt"/>
+                <a:ea typeface="+mn-ea"/>
+                <a:cs typeface="+mn-cs"/>
+              </a:defRPr>
+            </a:lvl7pPr>
+            <a:lvl8pPr marL="3429000" indent="-228600" algn="l" defTabSz="457200" rtl="0" eaLnBrk="1" latinLnBrk="0" hangingPunct="1">
+              <a:spcBef>
+                <a:spcPts val="1000"/>
+              </a:spcBef>
+              <a:spcAft>
+                <a:spcPts val="0"/>
+              </a:spcAft>
+              <a:buClr>
+                <a:schemeClr val="accent1"/>
+              </a:buClr>
+              <a:buSzPct val="80000"/>
+              <a:buFont typeface="Wingdings 3" charset="2"/>
+              <a:buChar char=""/>
+              <a:defRPr sz="1200" kern="1200">
+                <a:solidFill>
+                  <a:schemeClr val="tx1">
+                    <a:lumMod val="75000"/>
+                    <a:lumOff val="25000"/>
+                  </a:schemeClr>
+                </a:solidFill>
+                <a:latin typeface="+mn-lt"/>
+                <a:ea typeface="+mn-ea"/>
+                <a:cs typeface="+mn-cs"/>
+              </a:defRPr>
+            </a:lvl8pPr>
+            <a:lvl9pPr marL="3886200" indent="-228600" algn="l" defTabSz="457200" rtl="0" eaLnBrk="1" latinLnBrk="0" hangingPunct="1">
+              <a:spcBef>
+                <a:spcPts val="1000"/>
+              </a:spcBef>
+              <a:spcAft>
+                <a:spcPts val="0"/>
+              </a:spcAft>
+              <a:buClr>
+                <a:schemeClr val="accent1"/>
+              </a:buClr>
+              <a:buSzPct val="80000"/>
+              <a:buFont typeface="Wingdings 3" charset="2"/>
+              <a:buChar char=""/>
+              <a:defRPr sz="1200" kern="1200">
+                <a:solidFill>
+                  <a:schemeClr val="tx1">
+                    <a:lumMod val="75000"/>
+                    <a:lumOff val="25000"/>
+                  </a:schemeClr>
+                </a:solidFill>
+                <a:latin typeface="+mn-lt"/>
+                <a:ea typeface="+mn-ea"/>
+                <a:cs typeface="+mn-cs"/>
+              </a:defRPr>
+            </a:lvl9pPr>
+          </a:lstStyle>
+          <a:p>
+            <a:pPr marL="0" indent="0">
+              <a:buFont typeface="Wingdings 3" charset="2"/>
+              <a:buNone/>
+            </a:pPr>
+            <a:r>
+              <a:rPr lang="es-CO" dirty="0" smtClean="0"/>
+              <a:t>En este modulo se ingresan los docentes, las semanas del semestre, la asignación a cada docente y evaluar cada docente.</a:t>
+            </a:r>
+            <a:endParaRPr lang="es-CO" dirty="0"/>
           </a:p>
         </p:txBody>
       </p:sp>
     </p:spTree>
     <p:extLst>
       <p:ext uri="{BB962C8B-B14F-4D97-AF65-F5344CB8AC3E}">
-        <p14:creationId xmlns:p14="http://schemas.microsoft.com/office/powerpoint/2010/main" val="609078389"/>
+        <p14:creationId xmlns:p14="http://schemas.microsoft.com/office/powerpoint/2010/main" val="2457930094"/>
       </p:ext>
     </p:extLst>
   </p:cSld>
@@ -4925,25 +8942,32 @@
           <a:chExt cx="0" cy="0"/>
         </a:xfrm>
       </p:grpSpPr>
-      <p:sp>
-        <p:nvSpPr>
-          <p:cNvPr id="3" name="2 Marcador de contenido"/>
-          <p:cNvSpPr>
-            <a:spLocks noGrp="1"/>
-          </p:cNvSpPr>
+      <p:pic>
+        <p:nvPicPr>
+          <p:cNvPr id="2" name="Content Placeholder 1"/>
+          <p:cNvPicPr>
+            <a:picLocks noGrp="1" noChangeAspect="1"/>
+          </p:cNvPicPr>
           <p:nvPr>
             <p:ph idx="1"/>
           </p:nvPr>
-        </p:nvSpPr>
-        <p:spPr/>
-        <p:txBody>
-          <a:bodyPr/>
-          <a:lstStyle/>
-          <a:p>
-            <a:endParaRPr lang="es-CO" dirty="0"/>
-          </a:p>
-        </p:txBody>
-      </p:sp>
+        </p:nvPicPr>
+        <p:blipFill>
+          <a:blip r:embed="rId2"/>
+          <a:stretch>
+            <a:fillRect/>
+          </a:stretch>
+        </p:blipFill>
+        <p:spPr>
+          <a:xfrm>
+            <a:off x="588963" y="1757553"/>
+            <a:ext cx="6348412" cy="3146044"/>
+          </a:xfrm>
+          <a:prstGeom prst="rect">
+            <a:avLst/>
+          </a:prstGeom>
+        </p:spPr>
+      </p:pic>
       <p:sp>
         <p:nvSpPr>
           <p:cNvPr id="5" name="12 CuadroTexto"/>
@@ -4952,7 +8976,7 @@
         </p:nvSpPr>
         <p:spPr>
           <a:xfrm>
-            <a:off x="1439652" y="541369"/>
+            <a:off x="589050" y="428353"/>
             <a:ext cx="6264696" cy="445507"/>
           </a:xfrm>
           <a:prstGeom prst="rect">
@@ -5002,20 +9026,33 @@
               </a:rPr>
               <a:t>Modulo Docente</a:t>
             </a:r>
-            <a:endParaRPr lang="es-MX" sz="2800" b="1" spc="50" dirty="0" smtClean="0">
-              <a:ln w="11430"/>
-              <a:effectLst>
-                <a:outerShdw blurRad="76200" dist="50800" dir="5400000" algn="tl" rotWithShape="0">
-                  <a:srgbClr val="000000">
-                    <a:alpha val="65000"/>
-                  </a:srgbClr>
-                </a:outerShdw>
-              </a:effectLst>
-              <a:latin typeface="Arial Black" pitchFamily="34" charset="0"/>
-            </a:endParaRPr>
-          </a:p>
-        </p:txBody>
-      </p:sp>
+          </a:p>
+        </p:txBody>
+      </p:sp>
+      <p:pic>
+        <p:nvPicPr>
+          <p:cNvPr id="4" name="Picture 3"/>
+          <p:cNvPicPr>
+            <a:picLocks noChangeAspect="1"/>
+          </p:cNvPicPr>
+          <p:nvPr/>
+        </p:nvPicPr>
+        <p:blipFill>
+          <a:blip r:embed="rId3"/>
+          <a:stretch>
+            <a:fillRect/>
+          </a:stretch>
+        </p:blipFill>
+        <p:spPr>
+          <a:xfrm>
+            <a:off x="588963" y="4903597"/>
+            <a:ext cx="6348412" cy="339594"/>
+          </a:xfrm>
+          <a:prstGeom prst="rect">
+            <a:avLst/>
+          </a:prstGeom>
+        </p:spPr>
+      </p:pic>
     </p:spTree>
     <p:extLst>
       <p:ext uri="{BB962C8B-B14F-4D97-AF65-F5344CB8AC3E}">
@@ -5063,24 +9100,84 @@
             <p:ph idx="1"/>
           </p:nvPr>
         </p:nvSpPr>
-        <p:spPr/>
+        <p:spPr>
+          <a:xfrm>
+            <a:off x="494017" y="1472223"/>
+            <a:ext cx="6347714" cy="459320"/>
+          </a:xfrm>
+        </p:spPr>
         <p:txBody>
           <a:bodyPr/>
           <a:lstStyle/>
           <a:p>
+            <a:pPr marL="0" indent="0">
+              <a:buNone/>
+            </a:pPr>
+            <a:r>
+              <a:rPr lang="es-CO" dirty="0" smtClean="0"/>
+              <a:t>Registro de Actividades y productos</a:t>
+            </a:r>
             <a:endParaRPr lang="es-CO" dirty="0"/>
           </a:p>
         </p:txBody>
       </p:sp>
-      <p:sp>
-        <p:nvSpPr>
-          <p:cNvPr id="5" name="12 CuadroTexto"/>
+      <p:pic>
+        <p:nvPicPr>
+          <p:cNvPr id="2" name="Picture 1"/>
+          <p:cNvPicPr>
+            <a:picLocks noChangeAspect="1"/>
+          </p:cNvPicPr>
+          <p:nvPr/>
+        </p:nvPicPr>
+        <p:blipFill>
+          <a:blip r:embed="rId2"/>
+          <a:stretch>
+            <a:fillRect/>
+          </a:stretch>
+        </p:blipFill>
+        <p:spPr>
+          <a:xfrm>
+            <a:off x="380144" y="1931543"/>
+            <a:ext cx="6904233" cy="2036531"/>
+          </a:xfrm>
+          <a:prstGeom prst="rect">
+            <a:avLst/>
+          </a:prstGeom>
+        </p:spPr>
+      </p:pic>
+      <p:pic>
+        <p:nvPicPr>
+          <p:cNvPr id="4" name="Picture 3"/>
+          <p:cNvPicPr>
+            <a:picLocks noChangeAspect="1"/>
+          </p:cNvPicPr>
+          <p:nvPr/>
+        </p:nvPicPr>
+        <p:blipFill>
+          <a:blip r:embed="rId3"/>
+          <a:stretch>
+            <a:fillRect/>
+          </a:stretch>
+        </p:blipFill>
+        <p:spPr>
+          <a:xfrm>
+            <a:off x="380144" y="4051229"/>
+            <a:ext cx="6922770" cy="1907782"/>
+          </a:xfrm>
+          <a:prstGeom prst="rect">
+            <a:avLst/>
+          </a:prstGeom>
+        </p:spPr>
+      </p:pic>
+      <p:sp>
+        <p:nvSpPr>
+          <p:cNvPr id="6" name="12 CuadroTexto"/>
           <p:cNvSpPr txBox="1"/>
           <p:nvPr/>
         </p:nvSpPr>
         <p:spPr>
           <a:xfrm>
-            <a:off x="1439652" y="541369"/>
+            <a:off x="535526" y="654385"/>
             <a:ext cx="6264696" cy="445507"/>
           </a:xfrm>
           <a:prstGeom prst="rect">
@@ -5128,26 +9225,15 @@
                 </a:effectLst>
                 <a:latin typeface="Arial Black" pitchFamily="34" charset="0"/>
               </a:rPr>
-              <a:t>Modulo Coordinador</a:t>
-            </a:r>
-            <a:endParaRPr lang="es-MX" sz="2800" b="1" spc="50" dirty="0" smtClean="0">
-              <a:ln w="11430"/>
-              <a:effectLst>
-                <a:outerShdw blurRad="76200" dist="50800" dir="5400000" algn="tl" rotWithShape="0">
-                  <a:srgbClr val="000000">
-                    <a:alpha val="65000"/>
-                  </a:srgbClr>
-                </a:outerShdw>
-              </a:effectLst>
-              <a:latin typeface="Arial Black" pitchFamily="34" charset="0"/>
-            </a:endParaRPr>
+              <a:t>Modulo Docente</a:t>
+            </a:r>
           </a:p>
         </p:txBody>
       </p:sp>
     </p:spTree>
     <p:extLst>
       <p:ext uri="{BB962C8B-B14F-4D97-AF65-F5344CB8AC3E}">
-        <p14:creationId xmlns:p14="http://schemas.microsoft.com/office/powerpoint/2010/main" val="1973027039"/>
+        <p14:creationId xmlns:p14="http://schemas.microsoft.com/office/powerpoint/2010/main" val="2867277766"/>
       </p:ext>
     </p:extLst>
   </p:cSld>
@@ -5165,9 +9251,9 @@
 </file>
 
 <file path=ppt/theme/theme1.xml><?xml version="1.0" encoding="utf-8"?>
-<a:theme xmlns:a="http://schemas.openxmlformats.org/drawingml/2006/main" name="Tema de Office">
+<a:theme xmlns:a="http://schemas.openxmlformats.org/drawingml/2006/main" name="Facet">
   <a:themeElements>
-    <a:clrScheme name="Tema de Office">
+    <a:clrScheme name="Facet">
       <a:dk1>
         <a:sysClr val="windowText" lastClr="000000"/>
       </a:dk1>
@@ -5175,52 +9261,52 @@
         <a:sysClr val="window" lastClr="FFFFFF"/>
       </a:lt1>
       <a:dk2>
-        <a:srgbClr val="44546A"/>
+        <a:srgbClr val="2C3C43"/>
       </a:dk2>
       <a:lt2>
-        <a:srgbClr val="E7E6E6"/>
+        <a:srgbClr val="EBEBEB"/>
       </a:lt2>
       <a:accent1>
-        <a:srgbClr val="5B9BD5"/>
+        <a:srgbClr val="90C226"/>
       </a:accent1>
       <a:accent2>
-        <a:srgbClr val="ED7D31"/>
+        <a:srgbClr val="54A021"/>
       </a:accent2>
       <a:accent3>
-        <a:srgbClr val="A5A5A5"/>
+        <a:srgbClr val="E6B91E"/>
       </a:accent3>
       <a:accent4>
-        <a:srgbClr val="FFC000"/>
+        <a:srgbClr val="E76618"/>
       </a:accent4>
       <a:accent5>
-        <a:srgbClr val="4472C4"/>
+        <a:srgbClr val="C42F1A"/>
       </a:accent5>
       <a:accent6>
-        <a:srgbClr val="70AD47"/>
+        <a:srgbClr val="918655"/>
       </a:accent6>
       <a:hlink>
-        <a:srgbClr val="0563C1"/>
+        <a:srgbClr val="99CA3C"/>
       </a:hlink>
       <a:folHlink>
-        <a:srgbClr val="954F72"/>
+        <a:srgbClr val="B9D181"/>
       </a:folHlink>
     </a:clrScheme>
-    <a:fontScheme name="Tema de Office">
+    <a:fontScheme name="Facet">
       <a:majorFont>
-        <a:latin typeface="Calibri Light"/>
+        <a:latin typeface="Trebuchet MS" panose="020B0603020202020204"/>
         <a:ea typeface=""/>
         <a:cs typeface=""/>
-        <a:font script="Jpan" typeface="ＭＳ Ｐゴシック"/>
+        <a:font script="Jpan" typeface="メイリオ"/>
         <a:font script="Hang" typeface="맑은 고딕"/>
-        <a:font script="Hans" typeface="宋体"/>
-        <a:font script="Hant" typeface="新細明體"/>
-        <a:font script="Arab" typeface="Times New Roman"/>
-        <a:font script="Hebr" typeface="Times New Roman"/>
-        <a:font script="Thai" typeface="Angsana New"/>
+        <a:font script="Hans" typeface="方正姚体"/>
+        <a:font script="Hant" typeface="微軟正黑體"/>
+        <a:font script="Arab" typeface="Tahoma"/>
+        <a:font script="Hebr" typeface="Arial"/>
+        <a:font script="Thai" typeface="Cordia New"/>
         <a:font script="Ethi" typeface="Nyala"/>
         <a:font script="Beng" typeface="Vrinda"/>
         <a:font script="Gujr" typeface="Shruti"/>
-        <a:font script="Khmr" typeface="MoolBoran"/>
+        <a:font script="Khmr" typeface="DaunPenh"/>
         <a:font script="Knda" typeface="Tunga"/>
         <a:font script="Guru" typeface="Raavi"/>
         <a:font script="Cans" typeface="Euphemia"/>
@@ -5237,21 +9323,21 @@
         <a:font script="Laoo" typeface="DokChampa"/>
         <a:font script="Sinh" typeface="Iskoola Pota"/>
         <a:font script="Mong" typeface="Mongolian Baiti"/>
-        <a:font script="Viet" typeface="Times New Roman"/>
+        <a:font script="Viet" typeface="Tahoma"/>
         <a:font script="Uigh" typeface="Microsoft Uighur"/>
         <a:font script="Geor" typeface="Sylfaen"/>
       </a:majorFont>
       <a:minorFont>
-        <a:latin typeface="Calibri"/>
+        <a:latin typeface="Trebuchet MS" panose="020B0603020202020204"/>
         <a:ea typeface=""/>
         <a:cs typeface=""/>
-        <a:font script="Jpan" typeface="ＭＳ Ｐゴシック"/>
-        <a:font script="Hang" typeface="맑은 고딕"/>
-        <a:font script="Hans" typeface="宋体"/>
-        <a:font script="Hant" typeface="新細明體"/>
-        <a:font script="Arab" typeface="Arial"/>
-        <a:font script="Hebr" typeface="Arial"/>
-        <a:font script="Thai" typeface="Cordia New"/>
+        <a:font script="Jpan" typeface="メイリオ"/>
+        <a:font script="Hang" typeface="HY그래픽M"/>
+        <a:font script="Hans" typeface="华文新魏"/>
+        <a:font script="Hant" typeface="微軟正黑體"/>
+        <a:font script="Arab" typeface="Tahoma"/>
+        <a:font script="Hebr" typeface="Gisha"/>
+        <a:font script="Thai" typeface="IrisUPC"/>
         <a:font script="Ethi" typeface="Nyala"/>
         <a:font script="Beng" typeface="Vrinda"/>
         <a:font script="Gujr" typeface="Shruti"/>
@@ -5277,7 +9363,7 @@
         <a:font script="Geor" typeface="Sylfaen"/>
       </a:minorFont>
     </a:fontScheme>
-    <a:fmtScheme name="Tema de Office">
+    <a:fmtScheme name="Facet">
       <a:fillStyleLst>
         <a:solidFill>
           <a:schemeClr val="phClr"/>
@@ -5286,23 +9372,13 @@
           <a:gsLst>
             <a:gs pos="0">
               <a:schemeClr val="phClr">
+                <a:tint val="65000"/>
                 <a:lumMod val="110000"/>
-                <a:satMod val="105000"/>
-                <a:tint val="67000"/>
               </a:schemeClr>
             </a:gs>
-            <a:gs pos="50000">
+            <a:gs pos="88000">
               <a:schemeClr val="phClr">
-                <a:lumMod val="105000"/>
-                <a:satMod val="103000"/>
-                <a:tint val="73000"/>
-              </a:schemeClr>
-            </a:gs>
-            <a:gs pos="100000">
-              <a:schemeClr val="phClr">
-                <a:lumMod val="105000"/>
-                <a:satMod val="109000"/>
-                <a:tint val="81000"/>
+                <a:tint val="90000"/>
               </a:schemeClr>
             </a:gs>
           </a:gsLst>
@@ -5312,23 +9388,14 @@
           <a:gsLst>
             <a:gs pos="0">
               <a:schemeClr val="phClr">
-                <a:satMod val="103000"/>
-                <a:lumMod val="102000"/>
-                <a:tint val="94000"/>
+                <a:tint val="96000"/>
+                <a:lumMod val="100000"/>
               </a:schemeClr>
             </a:gs>
-            <a:gs pos="50000">
+            <a:gs pos="78000">
               <a:schemeClr val="phClr">
-                <a:satMod val="110000"/>
-                <a:lumMod val="100000"/>
-                <a:shade val="100000"/>
-              </a:schemeClr>
-            </a:gs>
-            <a:gs pos="100000">
-              <a:schemeClr val="phClr">
-                <a:lumMod val="99000"/>
-                <a:satMod val="120000"/>
-                <a:shade val="78000"/>
+                <a:shade val="94000"/>
+                <a:lumMod val="94000"/>
               </a:schemeClr>
             </a:gs>
           </a:gsLst>
@@ -5336,26 +9403,23 @@
         </a:gradFill>
       </a:fillStyleLst>
       <a:lnStyleLst>
-        <a:ln w="6350" cap="flat" cmpd="sng" algn="ctr">
+        <a:ln w="12700" cap="rnd" cmpd="sng" algn="ctr">
           <a:solidFill>
             <a:schemeClr val="phClr"/>
           </a:solidFill>
           <a:prstDash val="solid"/>
-          <a:miter lim="800000"/>
         </a:ln>
-        <a:ln w="12700" cap="flat" cmpd="sng" algn="ctr">
+        <a:ln w="19050" cap="rnd" cmpd="sng" algn="ctr">
           <a:solidFill>
             <a:schemeClr val="phClr"/>
           </a:solidFill>
           <a:prstDash val="solid"/>
-          <a:miter lim="800000"/>
         </a:ln>
-        <a:ln w="19050" cap="flat" cmpd="sng" algn="ctr">
+        <a:ln w="25400" cap="rnd" cmpd="sng" algn="ctr">
           <a:solidFill>
             <a:schemeClr val="phClr"/>
           </a:solidFill>
           <a:prstDash val="solid"/>
-          <a:miter lim="800000"/>
         </a:ln>
       </a:lnStyleLst>
       <a:effectStyleLst>
@@ -5363,54 +9427,72 @@
           <a:effectLst/>
         </a:effectStyle>
         <a:effectStyle>
-          <a:effectLst/>
+          <a:effectLst>
+            <a:outerShdw blurRad="38100" dist="25400" dir="5400000" rotWithShape="0">
+              <a:srgbClr val="000000">
+                <a:alpha val="35000"/>
+              </a:srgbClr>
+            </a:outerShdw>
+          </a:effectLst>
         </a:effectStyle>
         <a:effectStyle>
           <a:effectLst>
-            <a:outerShdw blurRad="57150" dist="19050" dir="5400000" algn="ctr" rotWithShape="0">
+            <a:outerShdw blurRad="50800" dist="38100" dir="5400000" rotWithShape="0">
               <a:srgbClr val="000000">
-                <a:alpha val="63000"/>
+                <a:alpha val="35000"/>
               </a:srgbClr>
             </a:outerShdw>
           </a:effectLst>
+          <a:scene3d>
+            <a:camera prst="orthographicFront">
+              <a:rot lat="0" lon="0" rev="0"/>
+            </a:camera>
+            <a:lightRig rig="threePt" dir="tl"/>
+          </a:scene3d>
+          <a:sp3d prstMaterial="plastic">
+            <a:bevelT w="0" h="0"/>
+          </a:sp3d>
         </a:effectStyle>
       </a:effectStyleLst>
       <a:bgFillStyleLst>
         <a:solidFill>
           <a:schemeClr val="phClr"/>
         </a:solidFill>
-        <a:solidFill>
-          <a:schemeClr val="phClr">
-            <a:tint val="95000"/>
-            <a:satMod val="170000"/>
-          </a:schemeClr>
-        </a:solidFill>
         <a:gradFill rotWithShape="1">
           <a:gsLst>
             <a:gs pos="0">
               <a:schemeClr val="phClr">
-                <a:tint val="93000"/>
-                <a:satMod val="150000"/>
-                <a:shade val="98000"/>
-                <a:lumMod val="102000"/>
+                <a:tint val="90000"/>
+                <a:lumMod val="104000"/>
               </a:schemeClr>
             </a:gs>
-            <a:gs pos="50000">
+            <a:gs pos="94000">
               <a:schemeClr val="phClr">
-                <a:tint val="98000"/>
-                <a:satMod val="130000"/>
-                <a:shade val="90000"/>
-                <a:lumMod val="103000"/>
+                <a:shade val="96000"/>
+                <a:lumMod val="82000"/>
+              </a:schemeClr>
+            </a:gs>
+          </a:gsLst>
+          <a:lin ang="5400000" scaled="0"/>
+        </a:gradFill>
+        <a:gradFill rotWithShape="1">
+          <a:gsLst>
+            <a:gs pos="0">
+              <a:schemeClr val="phClr">
+                <a:tint val="90000"/>
+                <a:lumMod val="110000"/>
               </a:schemeClr>
             </a:gs>
             <a:gs pos="100000">
               <a:schemeClr val="phClr">
-                <a:shade val="63000"/>
-                <a:satMod val="120000"/>
+                <a:shade val="94000"/>
+                <a:lumMod val="96000"/>
               </a:schemeClr>
             </a:gs>
           </a:gsLst>
-          <a:lin ang="5400000" scaled="0"/>
+          <a:path path="circle">
+            <a:fillToRect l="50000" t="50000" r="100000" b="100000"/>
+          </a:path>
         </a:gradFill>
       </a:bgFillStyleLst>
     </a:fmtScheme>
@@ -5419,7 +9501,7 @@
   <a:extraClrSchemeLst/>
   <a:extLst>
     <a:ext uri="{05A4C25C-085E-4340-85A3-A5531E510DB2}">
-      <thm15:themeFamily xmlns:thm15="http://schemas.microsoft.com/office/thememl/2012/main" xmlns="" name="Office Theme" id="{62F939B6-93AF-4DB8-9C6B-D6C7DFDC589F}" vid="{4A3C46E8-61CC-4603-A589-7422A47A8E4A}"/>
+      <thm15:themeFamily xmlns:thm15="http://schemas.microsoft.com/office/thememl/2012/main" name="Facet" id="{C0C680CD-088A-49FC-A102-D699147F32B2}" vid="{CFBC31BA-B70F-4F30-BCAA-4F3011E16C4D}"/>
     </a:ext>
   </a:extLst>
 </a:theme>

--- a/extras/docs/rdc_presentacion.pptx
+++ b/extras/docs/rdc_presentacion.pptx
@@ -6953,17 +6953,6 @@
               </a:rPr>
               <a:t>Pruebas</a:t>
             </a:r>
-            <a:endParaRPr lang="es-MX" sz="2800" b="1" spc="50" dirty="0" smtClean="0">
-              <a:ln w="11430"/>
-              <a:effectLst>
-                <a:outerShdw blurRad="76200" dist="50800" dir="5400000" algn="tl" rotWithShape="0">
-                  <a:srgbClr val="000000">
-                    <a:alpha val="65000"/>
-                  </a:srgbClr>
-                </a:outerShdw>
-              </a:effectLst>
-              <a:latin typeface="Arial Black" pitchFamily="34" charset="0"/>
-            </a:endParaRPr>
           </a:p>
         </p:txBody>
       </p:sp>
@@ -7380,7 +7369,7 @@
         <p:spPr>
           <a:xfrm>
             <a:off x="719191" y="1468488"/>
-            <a:ext cx="6298058" cy="21144250"/>
+            <a:ext cx="6298058" cy="4801314"/>
           </a:xfrm>
           <a:prstGeom prst="rect">
             <a:avLst/>
@@ -7394,100 +7383,176 @@
           <a:lstStyle/>
           <a:p>
             <a:r>
-              <a:rPr lang="es-CO"/>
-              <a:t>AGUADED GÓMEZ, J. I., LÓPEZ MENESES, E., &amp; DÍAZ, L. A. (n.d.). Formacion del profesorado y software social. Retrieved from http://rabida.uhu.es/dspace/bitstream/handle/10272/6218/Formacion_del_profesorado.pdf?sequence=2</a:t>
-            </a:r>
-          </a:p>
-          <a:p>
-            <a:r>
-              <a:rPr lang="es-CO"/>
-              <a:t>Bermeo, H. P., González Bañales, D. L., &amp; Otálora, J. (2013). Desempeño de los sectores de alta tecnología en regiones de bajo perfil tecnológico. Una mirada al caso de la industria del software en Tolima (Colombia). POLIANTEA, 6(10). https://doi.org/10.15765/plnt.v6i10.238</a:t>
-            </a:r>
-          </a:p>
-          <a:p>
-            <a:r>
-              <a:rPr lang="es-CO"/>
-              <a:t>Cordeiro, J. (2014). Apuntes de Ciencia &amp;amp; Sociedad. Apuntes de Ciencia &amp; Sociedad (Vol. 4). Retrieved from http://journals.continental.edu.pe/index.php/apuntes/article/view/255/279</a:t>
-            </a:r>
-          </a:p>
-          <a:p>
-            <a:r>
-              <a:rPr lang="es-CO"/>
-              <a:t>Gimenez de Litebi Aznar, J. (2010). Muy breve historia del software. Retrieved July 2, 2017, from http://www.itespresso.es/muy-breve-historia-del-software-45687.html</a:t>
-            </a:r>
-          </a:p>
-          <a:p>
-            <a:r>
-              <a:rPr lang="es-CO"/>
-              <a:t>Lugo Silva, C., &amp; López García, S. (2013). Informador técnico. Informador técnico, ISSN 0122-056X, ISSN-e 2256-5035, No. 77, 2, 2013, págs. 192-200. Centro Nacional de Asistencia Técnica a la Industria, ASTIN-SENA. Retrieved from https://dialnet.unirioja.es/servlet/articulo?codigo=4560567</a:t>
-            </a:r>
-          </a:p>
-          <a:p>
-            <a:r>
-              <a:rPr lang="es-CO"/>
-              <a:t>Majó, Joan, M., &amp; Pere. (2001). La revolución educativa en la era de Internet. Retrieved from http://portal.cuc.edu.ve/upc/PNFT/TC/La revolucion educativa en la era de Internet.pdf</a:t>
-            </a:r>
-          </a:p>
-          <a:p>
-            <a:r>
-              <a:rPr lang="es-CO"/>
-              <a:t>Manuel Luzuriaga Directora, J., Alejandra Cechich CoDirectora, D., &amp; Rossi, G. (2011). Universidad Nacional de La Plata Mejora de Procesos como Soporte a Prácticas de Gobierno Electrónico. Retrieved from http://sedici.unlp.edu.ar/bitstream/handle/10915/4199/Documento_completo.pdf?sequence=1</a:t>
-            </a:r>
-          </a:p>
-          <a:p>
-            <a:r>
-              <a:rPr lang="es-CO"/>
-              <a:t>Morato, M. (2016). Empieza bien el 2016: sumérgete en la revolución del software. Retrieved July 2, 2017, from https://www.fayerwayer.com/2016/01/empieza-bien-el-2016-sumergete-en-la-revolucion-del-software/</a:t>
-            </a:r>
-          </a:p>
-          <a:p>
-            <a:r>
-              <a:rPr lang="es-CO"/>
-              <a:t>Moravia. (n.d.). Pruebas de funcionalidad. Retrieved November 13, 2017, from https://www.moravia.com/es/services/engineering-testing/functionality-testing/</a:t>
-            </a:r>
-          </a:p>
-          <a:p>
-            <a:r>
-              <a:rPr lang="es-CO"/>
-              <a:t>Moreno Álvarez, J. L. (2004). Aplicación de un Sistema Experto para el desarrollo de Sistema Evaluador del modelo Capability Maturity Model (CMM) niveles dos y tres. Retrieved from http://catarina.udlap.mx/u_dl_a/tales/documentos/lis/moreno_a_jl/capitulo5.pdf</a:t>
-            </a:r>
-          </a:p>
-          <a:p>
-            <a:r>
-              <a:rPr lang="es-CO"/>
-              <a:t>Neumann, P. G. (1993). The Role Of Software Engineering. Communications of the ACM, 36(5), 114. https://doi.org/10.1145/155049.214836</a:t>
-            </a:r>
-          </a:p>
-          <a:p>
-            <a:r>
-              <a:rPr lang="es-CO"/>
-              <a:t>Palomino Zuluaga, K. C., &amp; Arango Aramburo, S. (2011). ESTUDIO DEL COMPORTAMIENTO DE LA INDUSTRIA DEL SOFTWARE EN COLOMBIA ANTE ESCENARIOS DE CAPACIDADES DE INNOVACION Y ´ VENTAJAS COMPARATIVAS POR MEDIO DE DINAMICA DE SISTEMAS, 105. Retrieved from http://www.bdigital.unal.edu.co/5411/1/200802180-2011.pdf</a:t>
-            </a:r>
-          </a:p>
-          <a:p>
-            <a:r>
-              <a:rPr lang="es-CO"/>
-              <a:t>Políticas de Privacidad y Condiciones de Uso. (n.d.). Retrieved from http://www.mintic.gov.co/portal/604/w3-article-2627.html</a:t>
-            </a:r>
-          </a:p>
-          <a:p>
-            <a:r>
-              <a:rPr lang="es-CO"/>
-              <a:t>Pruebas de Interfaces y Contenidos | Guía Digital. (n.d.). Retrieved November 13, 2017, from http://www.guiadigital.gob.cl/articulo/pruebas-de-interfaces-y-contenidos</a:t>
-            </a:r>
-          </a:p>
-          <a:p>
-            <a:r>
-              <a:rPr lang="es-CO"/>
-              <a:t>Risen, J. (2013). Un “software” revolucionario que revela los secretos de las grandes bases de datos | Internacional | EL PAÍS. Retrieved July 2, 2017, from http://internacional.elpais.com/internacional/2013/06/10/actualidad/1370853710_349931.html</a:t>
-            </a:r>
-          </a:p>
-          <a:p>
-            <a:r>
-              <a:rPr lang="es-CO"/>
-              <a:t>Rodríguez Bello, D. L., &amp; Valero Sánchez, D. A. (2015). Adaptación de una solución de software libre para el control y monitoreo de traslado. reponame:Repositorio Institucional Universidad Santo Tomás. Retrieved from http://repository.usta.edu.co/handle/11634/391</a:t>
-            </a:r>
-            <a:endParaRPr lang="es-CO" dirty="0"/>
+              <a:rPr lang="es-CO" dirty="0">
+                <a:latin typeface="Arial" panose="020B0604020202020204" pitchFamily="34" charset="0"/>
+                <a:cs typeface="Arial" panose="020B0604020202020204" pitchFamily="34" charset="0"/>
+              </a:rPr>
+              <a:t>AGUADED GÓMEZ, J. I., LÓPEZ MENESES, E., &amp; DÍAZ, L. A. (</a:t>
+            </a:r>
+            <a:r>
+              <a:rPr lang="es-CO" dirty="0" err="1">
+                <a:latin typeface="Arial" panose="020B0604020202020204" pitchFamily="34" charset="0"/>
+                <a:cs typeface="Arial" panose="020B0604020202020204" pitchFamily="34" charset="0"/>
+              </a:rPr>
+              <a:t>n.d</a:t>
+            </a:r>
+            <a:r>
+              <a:rPr lang="es-CO" dirty="0">
+                <a:latin typeface="Arial" panose="020B0604020202020204" pitchFamily="34" charset="0"/>
+                <a:cs typeface="Arial" panose="020B0604020202020204" pitchFamily="34" charset="0"/>
+              </a:rPr>
+              <a:t>.). </a:t>
+            </a:r>
+            <a:r>
+              <a:rPr lang="es-CO" dirty="0" err="1">
+                <a:latin typeface="Arial" panose="020B0604020202020204" pitchFamily="34" charset="0"/>
+                <a:cs typeface="Arial" panose="020B0604020202020204" pitchFamily="34" charset="0"/>
+              </a:rPr>
+              <a:t>Formacion</a:t>
+            </a:r>
+            <a:r>
+              <a:rPr lang="es-CO" dirty="0">
+                <a:latin typeface="Arial" panose="020B0604020202020204" pitchFamily="34" charset="0"/>
+                <a:cs typeface="Arial" panose="020B0604020202020204" pitchFamily="34" charset="0"/>
+              </a:rPr>
+              <a:t> del profesorado y software social. </a:t>
+            </a:r>
+            <a:r>
+              <a:rPr lang="es-CO" dirty="0" err="1">
+                <a:latin typeface="Arial" panose="020B0604020202020204" pitchFamily="34" charset="0"/>
+                <a:cs typeface="Arial" panose="020B0604020202020204" pitchFamily="34" charset="0"/>
+              </a:rPr>
+              <a:t>Retrieved</a:t>
+            </a:r>
+            <a:r>
+              <a:rPr lang="es-CO" dirty="0">
+                <a:latin typeface="Arial" panose="020B0604020202020204" pitchFamily="34" charset="0"/>
+                <a:cs typeface="Arial" panose="020B0604020202020204" pitchFamily="34" charset="0"/>
+              </a:rPr>
+              <a:t> </a:t>
+            </a:r>
+            <a:r>
+              <a:rPr lang="es-CO" dirty="0" err="1">
+                <a:latin typeface="Arial" panose="020B0604020202020204" pitchFamily="34" charset="0"/>
+                <a:cs typeface="Arial" panose="020B0604020202020204" pitchFamily="34" charset="0"/>
+              </a:rPr>
+              <a:t>from</a:t>
+            </a:r>
+            <a:r>
+              <a:rPr lang="es-CO" dirty="0">
+                <a:latin typeface="Arial" panose="020B0604020202020204" pitchFamily="34" charset="0"/>
+                <a:cs typeface="Arial" panose="020B0604020202020204" pitchFamily="34" charset="0"/>
+              </a:rPr>
+              <a:t> http://rabida.uhu.es/dspace/bitstream/handle/10272/6218/Formacion_del_profesorado.pdf?sequence=2</a:t>
+            </a:r>
+          </a:p>
+          <a:p>
+            <a:r>
+              <a:rPr lang="es-CO" dirty="0" smtClean="0">
+                <a:latin typeface="Arial" panose="020B0604020202020204" pitchFamily="34" charset="0"/>
+                <a:cs typeface="Arial" panose="020B0604020202020204" pitchFamily="34" charset="0"/>
+              </a:rPr>
+              <a:t>Bermeo, H. P., González </a:t>
+            </a:r>
+            <a:r>
+              <a:rPr lang="es-CO" dirty="0" err="1" smtClean="0">
+                <a:latin typeface="Arial" panose="020B0604020202020204" pitchFamily="34" charset="0"/>
+                <a:cs typeface="Arial" panose="020B0604020202020204" pitchFamily="34" charset="0"/>
+              </a:rPr>
+              <a:t>Bañales</a:t>
+            </a:r>
+            <a:r>
+              <a:rPr lang="es-CO" dirty="0" smtClean="0">
+                <a:latin typeface="Arial" panose="020B0604020202020204" pitchFamily="34" charset="0"/>
+                <a:cs typeface="Arial" panose="020B0604020202020204" pitchFamily="34" charset="0"/>
+              </a:rPr>
+              <a:t>, D. L., &amp; Otálora, J. (2013). Desempeño de los sectores de alta tecnología en regiones de bajo perfil tecnológico. Una mirada al caso de la industria del software en Tolima (Colombia). POLIANTEA, 6(10). https://doi.org/10.15765/plnt.v6i10.238</a:t>
+            </a:r>
+          </a:p>
+          <a:p>
+            <a:r>
+              <a:rPr lang="es-CO" dirty="0" err="1" smtClean="0">
+                <a:latin typeface="Arial" panose="020B0604020202020204" pitchFamily="34" charset="0"/>
+                <a:cs typeface="Arial" panose="020B0604020202020204" pitchFamily="34" charset="0"/>
+              </a:rPr>
+              <a:t>Cordeiro</a:t>
+            </a:r>
+            <a:r>
+              <a:rPr lang="es-CO" dirty="0" smtClean="0">
+                <a:latin typeface="Arial" panose="020B0604020202020204" pitchFamily="34" charset="0"/>
+                <a:cs typeface="Arial" panose="020B0604020202020204" pitchFamily="34" charset="0"/>
+              </a:rPr>
+              <a:t>, J. (2014). </a:t>
+            </a:r>
+          </a:p>
+          <a:p>
+            <a:r>
+              <a:rPr lang="es-CO" dirty="0" smtClean="0">
+                <a:latin typeface="Arial" panose="020B0604020202020204" pitchFamily="34" charset="0"/>
+                <a:cs typeface="Arial" panose="020B0604020202020204" pitchFamily="34" charset="0"/>
+              </a:rPr>
+              <a:t>Lugo </a:t>
+            </a:r>
+            <a:r>
+              <a:rPr lang="es-CO" dirty="0">
+                <a:latin typeface="Arial" panose="020B0604020202020204" pitchFamily="34" charset="0"/>
+                <a:cs typeface="Arial" panose="020B0604020202020204" pitchFamily="34" charset="0"/>
+              </a:rPr>
+              <a:t>Silva, C., &amp; López García, S. (2013). Informador </a:t>
+            </a:r>
+            <a:r>
+              <a:rPr lang="es-CO" dirty="0" err="1">
+                <a:latin typeface="Arial" panose="020B0604020202020204" pitchFamily="34" charset="0"/>
+                <a:cs typeface="Arial" panose="020B0604020202020204" pitchFamily="34" charset="0"/>
+              </a:rPr>
+              <a:t>técnico</a:t>
+            </a:r>
+            <a:r>
+              <a:rPr lang="es-CO" dirty="0">
+                <a:latin typeface="Arial" panose="020B0604020202020204" pitchFamily="34" charset="0"/>
+                <a:cs typeface="Arial" panose="020B0604020202020204" pitchFamily="34" charset="0"/>
+              </a:rPr>
+              <a:t>. Informador técnico, ISSN 0122-056X, ISSN-e 2256-5035, No. 77, 2, 2013, págs. 192-200. Centro Nacional de Asistencia Técnica a la Industria, ASTIN-SENA. </a:t>
+            </a:r>
+            <a:r>
+              <a:rPr lang="es-CO" dirty="0" err="1">
+                <a:latin typeface="Arial" panose="020B0604020202020204" pitchFamily="34" charset="0"/>
+                <a:cs typeface="Arial" panose="020B0604020202020204" pitchFamily="34" charset="0"/>
+              </a:rPr>
+              <a:t>Retrieved</a:t>
+            </a:r>
+            <a:r>
+              <a:rPr lang="es-CO" dirty="0">
+                <a:latin typeface="Arial" panose="020B0604020202020204" pitchFamily="34" charset="0"/>
+                <a:cs typeface="Arial" panose="020B0604020202020204" pitchFamily="34" charset="0"/>
+              </a:rPr>
+              <a:t> </a:t>
+            </a:r>
+            <a:r>
+              <a:rPr lang="es-CO" dirty="0" err="1">
+                <a:latin typeface="Arial" panose="020B0604020202020204" pitchFamily="34" charset="0"/>
+                <a:cs typeface="Arial" panose="020B0604020202020204" pitchFamily="34" charset="0"/>
+              </a:rPr>
+              <a:t>from</a:t>
+            </a:r>
+            <a:r>
+              <a:rPr lang="es-CO" dirty="0">
+                <a:latin typeface="Arial" panose="020B0604020202020204" pitchFamily="34" charset="0"/>
+                <a:cs typeface="Arial" panose="020B0604020202020204" pitchFamily="34" charset="0"/>
+              </a:rPr>
+              <a:t> https://</a:t>
+            </a:r>
+            <a:r>
+              <a:rPr lang="es-CO" dirty="0" smtClean="0">
+                <a:latin typeface="Arial" panose="020B0604020202020204" pitchFamily="34" charset="0"/>
+                <a:cs typeface="Arial" panose="020B0604020202020204" pitchFamily="34" charset="0"/>
+              </a:rPr>
+              <a:t>dialnet.unirioja.es/servlet/articulo?codigo=4560567</a:t>
+            </a:r>
+            <a:endParaRPr lang="es-CO" dirty="0">
+              <a:latin typeface="Arial" panose="020B0604020202020204" pitchFamily="34" charset="0"/>
+              <a:cs typeface="Arial" panose="020B0604020202020204" pitchFamily="34" charset="0"/>
+            </a:endParaRPr>
           </a:p>
         </p:txBody>
       </p:sp>
@@ -7594,7 +7659,6 @@
               <a:rPr lang="es-CO" dirty="0"/>
               <a:t>Se agradece a los docentes de las Unidades Tecnológicas de Santander por la orientación desde el inicio de la carrera, fue un gran apoyo para el desarrollo integral de cada uno de nosotros como profesionales</a:t>
             </a:r>
-            <a:endParaRPr lang="es-CO" dirty="0"/>
           </a:p>
         </p:txBody>
       </p:sp>
@@ -7790,59 +7854,13 @@
       </p:grpSpPr>
       <p:sp>
         <p:nvSpPr>
-          <p:cNvPr id="3" name="2 Rectángulo redondeado"/>
-          <p:cNvSpPr/>
-          <p:nvPr/>
-        </p:nvSpPr>
-        <p:spPr>
-          <a:xfrm>
-            <a:off x="521435" y="2020086"/>
-            <a:ext cx="7995332" cy="4005223"/>
-          </a:xfrm>
-          <a:prstGeom prst="roundRect">
-            <a:avLst/>
-          </a:prstGeom>
-          <a:effectLst>
-            <a:glow rad="63500">
-              <a:schemeClr val="accent1">
-                <a:satMod val="175000"/>
-                <a:alpha val="40000"/>
-              </a:schemeClr>
-            </a:glow>
-          </a:effectLst>
-        </p:spPr>
-        <p:style>
-          <a:lnRef idx="1">
-            <a:schemeClr val="accent1"/>
-          </a:lnRef>
-          <a:fillRef idx="2">
-            <a:schemeClr val="accent1"/>
-          </a:fillRef>
-          <a:effectRef idx="1">
-            <a:schemeClr val="accent1"/>
-          </a:effectRef>
-          <a:fontRef idx="minor">
-            <a:schemeClr val="dk1"/>
-          </a:fontRef>
-        </p:style>
-        <p:txBody>
-          <a:bodyPr rtlCol="0" anchor="ctr"/>
-          <a:lstStyle/>
-          <a:p>
-            <a:pPr algn="ctr"/>
-            <a:endParaRPr lang="es-CO"/>
-          </a:p>
-        </p:txBody>
-      </p:sp>
-      <p:sp>
-        <p:nvSpPr>
           <p:cNvPr id="4" name="12 CuadroTexto"/>
           <p:cNvSpPr txBox="1"/>
           <p:nvPr/>
         </p:nvSpPr>
         <p:spPr>
           <a:xfrm>
-            <a:off x="1386753" y="1036532"/>
+            <a:off x="601590" y="769404"/>
             <a:ext cx="6264696" cy="445507"/>
           </a:xfrm>
           <a:prstGeom prst="rect">
@@ -7903,8 +7921,8 @@
         </p:nvSpPr>
         <p:spPr>
           <a:xfrm>
-            <a:off x="755702" y="2349852"/>
-            <a:ext cx="7632595" cy="3539430"/>
+            <a:off x="601590" y="1661483"/>
+            <a:ext cx="6610869" cy="3416320"/>
           </a:xfrm>
           <a:prstGeom prst="rect">
             <a:avLst/>
@@ -7918,16 +7936,8 @@
           <a:p>
             <a:pPr algn="just"/>
             <a:r>
-              <a:rPr lang="es-CO" sz="2800" dirty="0"/>
-              <a:t>Desarrollar una aplicación informática que permita el registro de las actividades y productos que realizan los docentes en su actividad académica de acuerdo al formato R-DC- 54 del sistema de gestión de calidad de las Unidades Tecnológicas de Santander, buscando brindar una herramienta de apoyo al plan de trabajo de los docentes, por medio de herramientas open </a:t>
-            </a:r>
-            <a:r>
-              <a:rPr lang="es-CO" sz="2800" dirty="0" err="1"/>
-              <a:t>source</a:t>
-            </a:r>
-            <a:r>
-              <a:rPr lang="es-CO" sz="2800" dirty="0"/>
-              <a:t>.</a:t>
+              <a:rPr lang="es-CO" sz="2400" dirty="0"/>
+              <a:t>Desarrollar una aplicación informática que permita el registro de las actividades y productos que realizan los docentes en su actividad académica de acuerdo al formato R-DC- 54 del sistema de gestión de calidad de las Unidades Tecnológicas de Santander, buscando brindar una herramienta de apoyo al plan de trabajo de los docentes, por medio de herramientas open source.</a:t>
             </a:r>
           </a:p>
         </p:txBody>
@@ -7971,59 +7981,13 @@
       </p:grpSpPr>
       <p:sp>
         <p:nvSpPr>
-          <p:cNvPr id="6" name="5 Rectángulo redondeado"/>
-          <p:cNvSpPr/>
-          <p:nvPr/>
-        </p:nvSpPr>
-        <p:spPr>
-          <a:xfrm>
-            <a:off x="445864" y="1700331"/>
-            <a:ext cx="8184258" cy="4632455"/>
-          </a:xfrm>
-          <a:prstGeom prst="roundRect">
-            <a:avLst/>
-          </a:prstGeom>
-          <a:effectLst>
-            <a:glow rad="63500">
-              <a:schemeClr val="accent1">
-                <a:satMod val="175000"/>
-                <a:alpha val="40000"/>
-              </a:schemeClr>
-            </a:glow>
-          </a:effectLst>
-        </p:spPr>
-        <p:style>
-          <a:lnRef idx="1">
-            <a:schemeClr val="accent1"/>
-          </a:lnRef>
-          <a:fillRef idx="2">
-            <a:schemeClr val="accent1"/>
-          </a:fillRef>
-          <a:effectRef idx="1">
-            <a:schemeClr val="accent1"/>
-          </a:effectRef>
-          <a:fontRef idx="minor">
-            <a:schemeClr val="dk1"/>
-          </a:fontRef>
-        </p:style>
-        <p:txBody>
-          <a:bodyPr rtlCol="0" anchor="ctr"/>
-          <a:lstStyle/>
-          <a:p>
-            <a:pPr algn="ctr"/>
-            <a:endParaRPr lang="es-CO"/>
-          </a:p>
-        </p:txBody>
-      </p:sp>
-      <p:sp>
-        <p:nvSpPr>
           <p:cNvPr id="4" name="12 CuadroTexto"/>
           <p:cNvSpPr txBox="1"/>
           <p:nvPr/>
         </p:nvSpPr>
         <p:spPr>
           <a:xfrm>
-            <a:off x="1399311" y="1036532"/>
+            <a:off x="1091087" y="625565"/>
             <a:ext cx="6264696" cy="445507"/>
           </a:xfrm>
           <a:prstGeom prst="rect">
@@ -8085,7 +8049,7 @@
         <p:spPr>
           <a:xfrm>
             <a:off x="695246" y="1805746"/>
-            <a:ext cx="7738394" cy="4524315"/>
+            <a:ext cx="7738394" cy="3785652"/>
           </a:xfrm>
           <a:prstGeom prst="rect">
             <a:avLst/>
@@ -8099,54 +8063,54 @@
           <a:p>
             <a:pPr algn="just"/>
             <a:r>
-              <a:rPr lang="es-CO" sz="2400" dirty="0" smtClean="0"/>
+              <a:rPr lang="es-CO" sz="2000" dirty="0" smtClean="0"/>
               <a:t>Diseñar </a:t>
             </a:r>
             <a:r>
-              <a:rPr lang="es-CO" sz="2400" dirty="0"/>
+              <a:rPr lang="es-CO" sz="2000" dirty="0"/>
               <a:t>una arquitectura software que permita gestionar el proceso de planeación de las actividades de los docentes de tiempo completo, basados en el formato R-DC-54 de las UTS.</a:t>
             </a:r>
           </a:p>
           <a:p>
             <a:pPr algn="just"/>
             <a:r>
-              <a:rPr lang="es-CO" sz="2400" dirty="0"/>
+              <a:rPr lang="es-CO" sz="2000" dirty="0"/>
               <a:t/>
             </a:r>
             <a:br>
-              <a:rPr lang="es-CO" sz="2400" dirty="0"/>
+              <a:rPr lang="es-CO" sz="2000" dirty="0"/>
             </a:br>
             <a:r>
-              <a:rPr lang="es-CO" sz="2400" dirty="0" smtClean="0"/>
+              <a:rPr lang="es-CO" sz="2000" dirty="0" smtClean="0"/>
               <a:t>Desarrollar</a:t>
             </a:r>
             <a:r>
-              <a:rPr lang="es-CO" sz="2400" dirty="0"/>
+              <a:rPr lang="es-CO" sz="2000" dirty="0"/>
               <a:t>, codificar e implementar el código fuente correspondiente a los modelos para el correcto funcionamiento de la aplicación basado en los modelos y estructuras planteadas anteriormente.</a:t>
             </a:r>
           </a:p>
           <a:p>
             <a:pPr algn="just"/>
             <a:r>
-              <a:rPr lang="es-CO" sz="2400" b="1" dirty="0"/>
+              <a:rPr lang="es-CO" sz="2000" b="1" dirty="0"/>
               <a:t/>
             </a:r>
             <a:br>
-              <a:rPr lang="es-CO" sz="2400" b="1" dirty="0"/>
+              <a:rPr lang="es-CO" sz="2000" b="1" dirty="0"/>
             </a:br>
             <a:r>
-              <a:rPr lang="es-CO" sz="2400" dirty="0" smtClean="0"/>
+              <a:rPr lang="es-CO" sz="2000" dirty="0" smtClean="0"/>
               <a:t>Diseñar </a:t>
             </a:r>
             <a:r>
-              <a:rPr lang="es-CO" sz="2400" dirty="0"/>
+              <a:rPr lang="es-CO" sz="2000" dirty="0"/>
               <a:t>y realizar pruebas funcionales, de usabilidad y de carga al sistema de información desarrollado, verificando de esta manera el correcto funcionamiento</a:t>
             </a:r>
             <a:r>
-              <a:rPr lang="es-CO" sz="2400" dirty="0" smtClean="0"/>
+              <a:rPr lang="es-CO" sz="2000" dirty="0" smtClean="0"/>
               <a:t>.</a:t>
             </a:r>
-            <a:endParaRPr lang="es-MX" sz="2400" dirty="0" smtClean="0"/>
+            <a:endParaRPr lang="es-MX" sz="2000" dirty="0" smtClean="0"/>
           </a:p>
         </p:txBody>
       </p:sp>
@@ -8453,17 +8417,6 @@
               </a:rPr>
               <a:t>Arquitectura</a:t>
             </a:r>
-            <a:endParaRPr lang="es-MX" sz="2800" b="1" spc="50" dirty="0" smtClean="0">
-              <a:ln w="11430"/>
-              <a:effectLst>
-                <a:outerShdw blurRad="76200" dist="50800" dir="5400000" algn="tl" rotWithShape="0">
-                  <a:srgbClr val="000000">
-                    <a:alpha val="65000"/>
-                  </a:srgbClr>
-                </a:outerShdw>
-              </a:effectLst>
-              <a:latin typeface="Arial Black" pitchFamily="34" charset="0"/>
-            </a:endParaRPr>
           </a:p>
         </p:txBody>
       </p:sp>

--- a/extras/docs/rdc_presentacion.pptx
+++ b/extras/docs/rdc_presentacion.pptx
@@ -127,7 +127,7 @@
   </p:defaultTextStyle>
   <p:extLst>
     <p:ext uri="{EFAFB233-063F-42B5-8137-9DF3F51BA10A}">
-      <p15:sldGuideLst xmlns:p15="http://schemas.microsoft.com/office/powerpoint/2012/main">
+      <p15:sldGuideLst xmlns:p15="http://schemas.microsoft.com/office/powerpoint/2012/main" xmlns="">
         <p15:guide id="1" orient="horz" pos="2160">
           <p15:clr>
             <a:srgbClr val="A4A3A4"/>
@@ -149,9 +149,9 @@
 </file>
 
 <file path=ppt/charts/chart1.xml><?xml version="1.0" encoding="utf-8"?>
-<c:chartSpace xmlns:c="http://schemas.openxmlformats.org/drawingml/2006/chart" xmlns:a="http://schemas.openxmlformats.org/drawingml/2006/main" xmlns:r="http://schemas.openxmlformats.org/officeDocument/2006/relationships" xmlns:c16r2="http://schemas.microsoft.com/office/drawing/2015/06/chart">
+<c:chartSpace xmlns:c="http://schemas.openxmlformats.org/drawingml/2006/chart" xmlns:a="http://schemas.openxmlformats.org/drawingml/2006/main" xmlns:r="http://schemas.openxmlformats.org/officeDocument/2006/relationships">
   <c:date1904 val="0"/>
-  <c:lang val="es-ES"/>
+  <c:lang val="es-CO"/>
   <c:roundedCorners val="1"/>
   <mc:AlternateContent xmlns:mc="http://schemas.openxmlformats.org/markup-compatibility/2006">
     <mc:Choice xmlns:c14="http://schemas.microsoft.com/office/drawing/2007/8/2/chart" Requires="c14">
@@ -165,27 +165,14 @@
     <c:title>
       <c:tx>
         <c:rich>
-          <a:bodyPr rot="0" spcFirstLastPara="1" vertOverflow="ellipsis" vert="horz" wrap="square" anchor="ctr" anchorCtr="1"/>
+          <a:bodyPr rot="0" vert="horz"/>
           <a:lstStyle/>
           <a:p>
             <a:pPr>
-              <a:defRPr sz="1400" b="1" i="0" u="none" strike="noStrike" kern="1200" baseline="0">
-                <a:solidFill>
-                  <a:schemeClr val="tx1">
-                    <a:lumMod val="65000"/>
-                    <a:lumOff val="35000"/>
-                  </a:schemeClr>
-                </a:solidFill>
-                <a:latin typeface="Arial" panose="020B0604020202020204" pitchFamily="34" charset="0"/>
-                <a:ea typeface="+mn-ea"/>
-                <a:cs typeface="Arial" panose="020B0604020202020204" pitchFamily="34" charset="0"/>
-              </a:defRPr>
+              <a:defRPr/>
             </a:pPr>
             <a:r>
-              <a:rPr lang="es-CO" sz="1400">
-                <a:latin typeface="Arial" panose="020B0604020202020204" pitchFamily="34" charset="0"/>
-                <a:cs typeface="Arial" panose="020B0604020202020204" pitchFamily="34" charset="0"/>
-              </a:rPr>
+              <a:rPr lang="es-CO"/>
               <a:t>Carga Parcial por Secciones</a:t>
             </a:r>
           </a:p>
@@ -195,8 +182,8 @@
         <c:manualLayout>
           <c:xMode val="edge"/>
           <c:yMode val="edge"/>
-          <c:x val="0.21331406040047235"/>
-          <c:y val="5.3718508669864162E-2"/>
+          <c:x val="0.33084892708765218"/>
+          <c:y val="5.3718370319650696E-2"/>
         </c:manualLayout>
       </c:layout>
       <c:overlay val="0"/>
@@ -207,26 +194,6 @@
         </a:ln>
         <a:effectLst/>
       </c:spPr>
-      <c:txPr>
-        <a:bodyPr rot="0" spcFirstLastPara="1" vertOverflow="ellipsis" vert="horz" wrap="square" anchor="ctr" anchorCtr="1"/>
-        <a:lstStyle/>
-        <a:p>
-          <a:pPr>
-            <a:defRPr sz="1400" b="1" i="0" u="none" strike="noStrike" kern="1200" baseline="0">
-              <a:solidFill>
-                <a:schemeClr val="tx1">
-                  <a:lumMod val="65000"/>
-                  <a:lumOff val="35000"/>
-                </a:schemeClr>
-              </a:solidFill>
-              <a:latin typeface="Arial" panose="020B0604020202020204" pitchFamily="34" charset="0"/>
-              <a:ea typeface="+mn-ea"/>
-              <a:cs typeface="Arial" panose="020B0604020202020204" pitchFamily="34" charset="0"/>
-            </a:defRPr>
-          </a:pPr>
-          <a:endParaRPr lang="es-CO"/>
-        </a:p>
-      </c:txPr>
     </c:title>
     <c:autoTitleDeleted val="0"/>
     <c:plotArea>
@@ -363,7 +330,7 @@
               </c:numCache>
             </c:numRef>
           </c:val>
-          <c:extLst>
+          <c:extLst xmlns:c16r2="http://schemas.microsoft.com/office/drawing/2015/06/chart">
             <c:ext xmlns:c16="http://schemas.microsoft.com/office/drawing/2014/chart" uri="{C3380CC4-5D6E-409C-BE32-E72D297353CC}">
               <c16:uniqueId val="{00000000-D21C-4448-B589-C66B95183857}"/>
             </c:ext>
@@ -497,7 +464,7 @@
               </c:numCache>
             </c:numRef>
           </c:val>
-          <c:extLst>
+          <c:extLst xmlns:c16r2="http://schemas.microsoft.com/office/drawing/2015/06/chart">
             <c:ext xmlns:c16="http://schemas.microsoft.com/office/drawing/2014/chart" uri="{C3380CC4-5D6E-409C-BE32-E72D297353CC}">
               <c16:uniqueId val="{00000001-D21C-4448-B589-C66B95183857}"/>
             </c:ext>
@@ -513,11 +480,11 @@
         </c:dLbls>
         <c:gapWidth val="100"/>
         <c:overlap val="-24"/>
-        <c:axId val="212121472"/>
-        <c:axId val="248918400"/>
+        <c:axId val="156258688"/>
+        <c:axId val="156260608"/>
       </c:barChart>
       <c:catAx>
-        <c:axId val="212121472"/>
+        <c:axId val="156258688"/>
         <c:scaling>
           <c:orientation val="minMax"/>
         </c:scaling>
@@ -526,32 +493,20 @@
         <c:title>
           <c:tx>
             <c:rich>
-              <a:bodyPr rot="0" spcFirstLastPara="1" vertOverflow="ellipsis" vert="horz" wrap="square" anchor="ctr" anchorCtr="1"/>
+              <a:bodyPr rot="0" vert="horz"/>
               <a:lstStyle/>
               <a:p>
                 <a:pPr>
-                  <a:defRPr sz="1197" b="0" i="0" u="none" strike="noStrike" kern="1200" baseline="0">
-                    <a:solidFill>
-                      <a:schemeClr val="tx1">
-                        <a:lumMod val="65000"/>
-                        <a:lumOff val="35000"/>
-                      </a:schemeClr>
-                    </a:solidFill>
-                    <a:latin typeface="Arial" panose="020B0604020202020204" pitchFamily="34" charset="0"/>
-                    <a:ea typeface="+mn-ea"/>
-                    <a:cs typeface="Arial" panose="020B0604020202020204" pitchFamily="34" charset="0"/>
-                  </a:defRPr>
+                  <a:defRPr/>
                 </a:pPr>
                 <a:r>
-                  <a:rPr lang="es-CO">
-                    <a:latin typeface="Arial" panose="020B0604020202020204" pitchFamily="34" charset="0"/>
-                    <a:cs typeface="Arial" panose="020B0604020202020204" pitchFamily="34" charset="0"/>
-                  </a:rPr>
+                  <a:rPr lang="es-CO"/>
                   <a:t>Secciones</a:t>
                 </a:r>
               </a:p>
             </c:rich>
           </c:tx>
+          <c:layout/>
           <c:overlay val="0"/>
           <c:spPr>
             <a:noFill/>
@@ -560,26 +515,6 @@
             </a:ln>
             <a:effectLst/>
           </c:spPr>
-          <c:txPr>
-            <a:bodyPr rot="0" spcFirstLastPara="1" vertOverflow="ellipsis" vert="horz" wrap="square" anchor="ctr" anchorCtr="1"/>
-            <a:lstStyle/>
-            <a:p>
-              <a:pPr>
-                <a:defRPr sz="1197" b="0" i="0" u="none" strike="noStrike" kern="1200" baseline="0">
-                  <a:solidFill>
-                    <a:schemeClr val="tx1">
-                      <a:lumMod val="65000"/>
-                      <a:lumOff val="35000"/>
-                    </a:schemeClr>
-                  </a:solidFill>
-                  <a:latin typeface="Arial" panose="020B0604020202020204" pitchFamily="34" charset="0"/>
-                  <a:ea typeface="+mn-ea"/>
-                  <a:cs typeface="Arial" panose="020B0604020202020204" pitchFamily="34" charset="0"/>
-                </a:defRPr>
-              </a:pPr>
-              <a:endParaRPr lang="es-CO"/>
-            </a:p>
-          </c:txPr>
         </c:title>
         <c:numFmt formatCode="General" sourceLinked="0"/>
         <c:majorTickMark val="none"/>
@@ -599,26 +534,16 @@
           <a:effectLst/>
         </c:spPr>
         <c:txPr>
-          <a:bodyPr rot="-60000000" spcFirstLastPara="1" vertOverflow="ellipsis" vert="horz" wrap="square" anchor="ctr" anchorCtr="1"/>
+          <a:bodyPr rot="-60000000" vert="horz"/>
           <a:lstStyle/>
           <a:p>
             <a:pPr>
-              <a:defRPr sz="1197" b="0" i="0" u="none" strike="noStrike" kern="1200" baseline="0">
-                <a:solidFill>
-                  <a:schemeClr val="tx1">
-                    <a:lumMod val="65000"/>
-                    <a:lumOff val="35000"/>
-                  </a:schemeClr>
-                </a:solidFill>
-                <a:latin typeface="Arial" panose="020B0604020202020204" pitchFamily="34" charset="0"/>
-                <a:ea typeface="+mn-ea"/>
-                <a:cs typeface="Arial" panose="020B0604020202020204" pitchFamily="34" charset="0"/>
-              </a:defRPr>
+              <a:defRPr/>
             </a:pPr>
             <a:endParaRPr lang="es-CO"/>
           </a:p>
         </c:txPr>
-        <c:crossAx val="248918400"/>
+        <c:crossAx val="156260608"/>
         <c:crosses val="autoZero"/>
         <c:auto val="1"/>
         <c:lblAlgn val="ctr"/>
@@ -626,7 +551,7 @@
         <c:noMultiLvlLbl val="1"/>
       </c:catAx>
       <c:valAx>
-        <c:axId val="248918400"/>
+        <c:axId val="156260608"/>
         <c:scaling>
           <c:orientation val="minMax"/>
         </c:scaling>
@@ -649,32 +574,20 @@
         <c:title>
           <c:tx>
             <c:rich>
-              <a:bodyPr rot="-5400000" spcFirstLastPara="1" vertOverflow="ellipsis" vert="horz" wrap="square" anchor="ctr" anchorCtr="1"/>
+              <a:bodyPr rot="-5400000" vert="horz"/>
               <a:lstStyle/>
               <a:p>
                 <a:pPr>
-                  <a:defRPr sz="1197" b="0" i="0" u="none" strike="noStrike" kern="1200" baseline="0">
-                    <a:solidFill>
-                      <a:schemeClr val="tx1">
-                        <a:lumMod val="65000"/>
-                        <a:lumOff val="35000"/>
-                      </a:schemeClr>
-                    </a:solidFill>
-                    <a:latin typeface="Arial" panose="020B0604020202020204" pitchFamily="34" charset="0"/>
-                    <a:ea typeface="+mn-ea"/>
-                    <a:cs typeface="Arial" panose="020B0604020202020204" pitchFamily="34" charset="0"/>
-                  </a:defRPr>
+                  <a:defRPr/>
                 </a:pPr>
                 <a:r>
-                  <a:rPr lang="es-CO">
-                    <a:latin typeface="Arial" panose="020B0604020202020204" pitchFamily="34" charset="0"/>
-                    <a:cs typeface="Arial" panose="020B0604020202020204" pitchFamily="34" charset="0"/>
-                  </a:rPr>
+                  <a:rPr lang="es-CO"/>
                   <a:t>Tiempo de Carga (seg)</a:t>
                 </a:r>
               </a:p>
             </c:rich>
           </c:tx>
+          <c:layout/>
           <c:overlay val="0"/>
           <c:spPr>
             <a:noFill/>
@@ -683,26 +596,6 @@
             </a:ln>
             <a:effectLst/>
           </c:spPr>
-          <c:txPr>
-            <a:bodyPr rot="-5400000" spcFirstLastPara="1" vertOverflow="ellipsis" vert="horz" wrap="square" anchor="ctr" anchorCtr="1"/>
-            <a:lstStyle/>
-            <a:p>
-              <a:pPr>
-                <a:defRPr sz="1197" b="0" i="0" u="none" strike="noStrike" kern="1200" baseline="0">
-                  <a:solidFill>
-                    <a:schemeClr val="tx1">
-                      <a:lumMod val="65000"/>
-                      <a:lumOff val="35000"/>
-                    </a:schemeClr>
-                  </a:solidFill>
-                  <a:latin typeface="Arial" panose="020B0604020202020204" pitchFamily="34" charset="0"/>
-                  <a:ea typeface="+mn-ea"/>
-                  <a:cs typeface="Arial" panose="020B0604020202020204" pitchFamily="34" charset="0"/>
-                </a:defRPr>
-              </a:pPr>
-              <a:endParaRPr lang="es-CO"/>
-            </a:p>
-          </c:txPr>
         </c:title>
         <c:numFmt formatCode="General" sourceLinked="1"/>
         <c:majorTickMark val="none"/>
@@ -716,26 +609,16 @@
           <a:effectLst/>
         </c:spPr>
         <c:txPr>
-          <a:bodyPr rot="-60000000" spcFirstLastPara="1" vertOverflow="ellipsis" vert="horz" wrap="square" anchor="ctr" anchorCtr="1"/>
+          <a:bodyPr rot="-60000000" vert="horz"/>
           <a:lstStyle/>
           <a:p>
             <a:pPr>
-              <a:defRPr sz="1197" b="0" i="0" u="none" strike="noStrike" kern="1200" baseline="0">
-                <a:solidFill>
-                  <a:schemeClr val="tx1">
-                    <a:lumMod val="65000"/>
-                    <a:lumOff val="35000"/>
-                  </a:schemeClr>
-                </a:solidFill>
-                <a:latin typeface="+mn-lt"/>
-                <a:ea typeface="+mn-ea"/>
-                <a:cs typeface="+mn-cs"/>
-              </a:defRPr>
+              <a:defRPr/>
             </a:pPr>
             <a:endParaRPr lang="es-CO"/>
           </a:p>
         </c:txPr>
-        <c:crossAx val="212121472"/>
+        <c:crossAx val="156258688"/>
         <c:crosses val="autoZero"/>
         <c:crossBetween val="between"/>
       </c:valAx>
@@ -749,6 +632,7 @@
     </c:plotArea>
     <c:legend>
       <c:legendPos val="b"/>
+      <c:layout/>
       <c:overlay val="0"/>
       <c:spPr>
         <a:noFill/>
@@ -758,21 +642,11 @@
         <a:effectLst/>
       </c:spPr>
       <c:txPr>
-        <a:bodyPr rot="0" spcFirstLastPara="1" vertOverflow="ellipsis" vert="horz" wrap="square" anchor="ctr" anchorCtr="1"/>
+        <a:bodyPr rot="0" vert="horz"/>
         <a:lstStyle/>
         <a:p>
           <a:pPr>
-            <a:defRPr sz="1197" b="0" i="0" u="none" strike="noStrike" kern="1200" baseline="0">
-              <a:solidFill>
-                <a:schemeClr val="tx1">
-                  <a:lumMod val="65000"/>
-                  <a:lumOff val="35000"/>
-                </a:schemeClr>
-              </a:solidFill>
-              <a:latin typeface="Arial" panose="020B0604020202020204" pitchFamily="34" charset="0"/>
-              <a:ea typeface="+mn-ea"/>
-              <a:cs typeface="Arial" panose="020B0604020202020204" pitchFamily="34" charset="0"/>
-            </a:defRPr>
+            <a:defRPr/>
           </a:pPr>
           <a:endParaRPr lang="es-CO"/>
         </a:p>
@@ -783,9 +657,14 @@
     <c:showDLblsOverMax val="1"/>
   </c:chart>
   <c:spPr>
-    <a:noFill/>
-    <a:ln>
-      <a:noFill/>
+    <a:solidFill>
+      <a:schemeClr val="lt1"/>
+    </a:solidFill>
+    <a:ln w="19050" cap="rnd" cmpd="sng" algn="ctr">
+      <a:solidFill>
+        <a:schemeClr val="dk1"/>
+      </a:solidFill>
+      <a:prstDash val="solid"/>
     </a:ln>
     <a:effectLst/>
   </c:spPr>
@@ -794,21 +673,28 @@
     <a:lstStyle/>
     <a:p>
       <a:pPr>
-        <a:defRPr/>
+        <a:defRPr>
+          <a:solidFill>
+            <a:schemeClr val="dk1"/>
+          </a:solidFill>
+          <a:latin typeface="+mn-lt"/>
+          <a:ea typeface="+mn-ea"/>
+          <a:cs typeface="+mn-cs"/>
+        </a:defRPr>
       </a:pPr>
       <a:endParaRPr lang="es-CO"/>
     </a:p>
   </c:txPr>
-  <c:externalData r:id="rId3">
+  <c:externalData r:id="rId1">
     <c:autoUpdate val="0"/>
   </c:externalData>
 </c:chartSpace>
 </file>
 
 <file path=ppt/charts/chart2.xml><?xml version="1.0" encoding="utf-8"?>
-<c:chartSpace xmlns:c="http://schemas.openxmlformats.org/drawingml/2006/chart" xmlns:a="http://schemas.openxmlformats.org/drawingml/2006/main" xmlns:r="http://schemas.openxmlformats.org/officeDocument/2006/relationships" xmlns:c16r2="http://schemas.microsoft.com/office/drawing/2015/06/chart">
+<c:chartSpace xmlns:c="http://schemas.openxmlformats.org/drawingml/2006/chart" xmlns:a="http://schemas.openxmlformats.org/drawingml/2006/main" xmlns:r="http://schemas.openxmlformats.org/officeDocument/2006/relationships">
   <c:date1904 val="0"/>
-  <c:lang val="es-ES"/>
+  <c:lang val="es-CO"/>
   <c:roundedCorners val="1"/>
   <mc:AlternateContent xmlns:mc="http://schemas.openxmlformats.org/markup-compatibility/2006">
     <mc:Choice xmlns:c14="http://schemas.microsoft.com/office/drawing/2007/8/2/chart" Requires="c14">
@@ -822,27 +708,14 @@
     <c:title>
       <c:tx>
         <c:rich>
-          <a:bodyPr rot="0" spcFirstLastPara="1" vertOverflow="ellipsis" vert="horz" wrap="square" anchor="ctr" anchorCtr="1"/>
+          <a:bodyPr rot="0" vert="horz"/>
           <a:lstStyle/>
           <a:p>
             <a:pPr>
-              <a:defRPr sz="1600" b="1" i="0" u="none" strike="noStrike" kern="1200" baseline="0">
-                <a:solidFill>
-                  <a:schemeClr val="tx1">
-                    <a:lumMod val="65000"/>
-                    <a:lumOff val="35000"/>
-                  </a:schemeClr>
-                </a:solidFill>
-                <a:latin typeface="Arial" panose="020B0604020202020204" pitchFamily="34" charset="0"/>
-                <a:ea typeface="+mn-ea"/>
-                <a:cs typeface="Arial" panose="020B0604020202020204" pitchFamily="34" charset="0"/>
-              </a:defRPr>
+              <a:defRPr/>
             </a:pPr>
             <a:r>
-              <a:rPr lang="es-CO" sz="1600">
-                <a:latin typeface="Arial" panose="020B0604020202020204" pitchFamily="34" charset="0"/>
-                <a:cs typeface="Arial" panose="020B0604020202020204" pitchFamily="34" charset="0"/>
-              </a:rPr>
+              <a:rPr lang="es-CO"/>
               <a:t>Carga Total por Secciones</a:t>
             </a:r>
           </a:p>
@@ -852,8 +725,8 @@
         <c:manualLayout>
           <c:xMode val="edge"/>
           <c:yMode val="edge"/>
-          <c:x val="0.13507725194144546"/>
-          <c:y val="2.291812724613437E-2"/>
+          <c:x val="0.34513906461109811"/>
+          <c:y val="2.2917960633855112E-2"/>
         </c:manualLayout>
       </c:layout>
       <c:overlay val="0"/>
@@ -864,26 +737,6 @@
         </a:ln>
         <a:effectLst/>
       </c:spPr>
-      <c:txPr>
-        <a:bodyPr rot="0" spcFirstLastPara="1" vertOverflow="ellipsis" vert="horz" wrap="square" anchor="ctr" anchorCtr="1"/>
-        <a:lstStyle/>
-        <a:p>
-          <a:pPr>
-            <a:defRPr sz="1600" b="1" i="0" u="none" strike="noStrike" kern="1200" baseline="0">
-              <a:solidFill>
-                <a:schemeClr val="tx1">
-                  <a:lumMod val="65000"/>
-                  <a:lumOff val="35000"/>
-                </a:schemeClr>
-              </a:solidFill>
-              <a:latin typeface="Arial" panose="020B0604020202020204" pitchFamily="34" charset="0"/>
-              <a:ea typeface="+mn-ea"/>
-              <a:cs typeface="Arial" panose="020B0604020202020204" pitchFamily="34" charset="0"/>
-            </a:defRPr>
-          </a:pPr>
-          <a:endParaRPr lang="es-CO"/>
-        </a:p>
-      </c:txPr>
     </c:title>
     <c:autoTitleDeleted val="0"/>
     <c:plotArea>
@@ -1020,7 +873,7 @@
               </c:numCache>
             </c:numRef>
           </c:val>
-          <c:extLst>
+          <c:extLst xmlns:c16r2="http://schemas.microsoft.com/office/drawing/2015/06/chart">
             <c:ext xmlns:c16="http://schemas.microsoft.com/office/drawing/2014/chart" uri="{C3380CC4-5D6E-409C-BE32-E72D297353CC}">
               <c16:uniqueId val="{00000000-2D3E-4372-A754-D42F52A5145C}"/>
             </c:ext>
@@ -1154,7 +1007,7 @@
               </c:numCache>
             </c:numRef>
           </c:val>
-          <c:extLst>
+          <c:extLst xmlns:c16r2="http://schemas.microsoft.com/office/drawing/2015/06/chart">
             <c:ext xmlns:c16="http://schemas.microsoft.com/office/drawing/2014/chart" uri="{C3380CC4-5D6E-409C-BE32-E72D297353CC}">
               <c16:uniqueId val="{00000001-2D3E-4372-A754-D42F52A5145C}"/>
             </c:ext>
@@ -1170,11 +1023,11 @@
         </c:dLbls>
         <c:gapWidth val="100"/>
         <c:overlap val="-24"/>
-        <c:axId val="50288128"/>
-        <c:axId val="50289664"/>
+        <c:axId val="156119424"/>
+        <c:axId val="156121344"/>
       </c:barChart>
       <c:catAx>
-        <c:axId val="50288128"/>
+        <c:axId val="156119424"/>
         <c:scaling>
           <c:orientation val="minMax"/>
         </c:scaling>
@@ -1183,32 +1036,20 @@
         <c:title>
           <c:tx>
             <c:rich>
-              <a:bodyPr rot="0" spcFirstLastPara="1" vertOverflow="ellipsis" vert="horz" wrap="square" anchor="ctr" anchorCtr="1"/>
+              <a:bodyPr rot="0" vert="horz"/>
               <a:lstStyle/>
               <a:p>
                 <a:pPr>
-                  <a:defRPr sz="1197" b="0" i="0" u="none" strike="noStrike" kern="1200" baseline="0">
-                    <a:solidFill>
-                      <a:schemeClr val="tx1">
-                        <a:lumMod val="65000"/>
-                        <a:lumOff val="35000"/>
-                      </a:schemeClr>
-                    </a:solidFill>
-                    <a:latin typeface="Arial" panose="020B0604020202020204" pitchFamily="34" charset="0"/>
-                    <a:ea typeface="+mn-ea"/>
-                    <a:cs typeface="Arial" panose="020B0604020202020204" pitchFamily="34" charset="0"/>
-                  </a:defRPr>
+                  <a:defRPr/>
                 </a:pPr>
                 <a:r>
-                  <a:rPr lang="es-CO">
-                    <a:latin typeface="Arial" panose="020B0604020202020204" pitchFamily="34" charset="0"/>
-                    <a:cs typeface="Arial" panose="020B0604020202020204" pitchFamily="34" charset="0"/>
-                  </a:rPr>
+                  <a:rPr lang="es-CO"/>
                   <a:t>Secciones</a:t>
                 </a:r>
               </a:p>
             </c:rich>
           </c:tx>
+          <c:layout/>
           <c:overlay val="0"/>
           <c:spPr>
             <a:noFill/>
@@ -1217,26 +1058,6 @@
             </a:ln>
             <a:effectLst/>
           </c:spPr>
-          <c:txPr>
-            <a:bodyPr rot="0" spcFirstLastPara="1" vertOverflow="ellipsis" vert="horz" wrap="square" anchor="ctr" anchorCtr="1"/>
-            <a:lstStyle/>
-            <a:p>
-              <a:pPr>
-                <a:defRPr sz="1197" b="0" i="0" u="none" strike="noStrike" kern="1200" baseline="0">
-                  <a:solidFill>
-                    <a:schemeClr val="tx1">
-                      <a:lumMod val="65000"/>
-                      <a:lumOff val="35000"/>
-                    </a:schemeClr>
-                  </a:solidFill>
-                  <a:latin typeface="Arial" panose="020B0604020202020204" pitchFamily="34" charset="0"/>
-                  <a:ea typeface="+mn-ea"/>
-                  <a:cs typeface="Arial" panose="020B0604020202020204" pitchFamily="34" charset="0"/>
-                </a:defRPr>
-              </a:pPr>
-              <a:endParaRPr lang="es-CO"/>
-            </a:p>
-          </c:txPr>
         </c:title>
         <c:numFmt formatCode="General" sourceLinked="0"/>
         <c:majorTickMark val="none"/>
@@ -1256,26 +1077,16 @@
           <a:effectLst/>
         </c:spPr>
         <c:txPr>
-          <a:bodyPr rot="-60000000" spcFirstLastPara="1" vertOverflow="ellipsis" vert="horz" wrap="square" anchor="ctr" anchorCtr="1"/>
+          <a:bodyPr rot="-60000000" vert="horz"/>
           <a:lstStyle/>
           <a:p>
             <a:pPr>
-              <a:defRPr sz="1200" b="0" i="0" u="none" strike="noStrike" kern="1200" baseline="0">
-                <a:solidFill>
-                  <a:schemeClr val="tx1">
-                    <a:lumMod val="65000"/>
-                    <a:lumOff val="35000"/>
-                  </a:schemeClr>
-                </a:solidFill>
-                <a:latin typeface="Arial" panose="020B0604020202020204" pitchFamily="34" charset="0"/>
-                <a:ea typeface="+mn-ea"/>
-                <a:cs typeface="Arial" panose="020B0604020202020204" pitchFamily="34" charset="0"/>
-              </a:defRPr>
+              <a:defRPr/>
             </a:pPr>
             <a:endParaRPr lang="es-CO"/>
           </a:p>
         </c:txPr>
-        <c:crossAx val="50289664"/>
+        <c:crossAx val="156121344"/>
         <c:crosses val="autoZero"/>
         <c:auto val="1"/>
         <c:lblAlgn val="ctr"/>
@@ -1283,7 +1094,7 @@
         <c:noMultiLvlLbl val="1"/>
       </c:catAx>
       <c:valAx>
-        <c:axId val="50289664"/>
+        <c:axId val="156121344"/>
         <c:scaling>
           <c:orientation val="minMax"/>
         </c:scaling>
@@ -1306,32 +1117,20 @@
         <c:title>
           <c:tx>
             <c:rich>
-              <a:bodyPr rot="-5400000" spcFirstLastPara="1" vertOverflow="ellipsis" vert="horz" wrap="square" anchor="ctr" anchorCtr="1"/>
+              <a:bodyPr rot="-5400000" vert="horz"/>
               <a:lstStyle/>
               <a:p>
                 <a:pPr>
-                  <a:defRPr sz="1197" b="0" i="0" u="none" strike="noStrike" kern="1200" baseline="0">
-                    <a:solidFill>
-                      <a:schemeClr val="tx1">
-                        <a:lumMod val="65000"/>
-                        <a:lumOff val="35000"/>
-                      </a:schemeClr>
-                    </a:solidFill>
-                    <a:latin typeface="Arial" panose="020B0604020202020204" pitchFamily="34" charset="0"/>
-                    <a:ea typeface="+mn-ea"/>
-                    <a:cs typeface="Arial" panose="020B0604020202020204" pitchFamily="34" charset="0"/>
-                  </a:defRPr>
+                  <a:defRPr/>
                 </a:pPr>
                 <a:r>
-                  <a:rPr lang="es-CO">
-                    <a:latin typeface="Arial" panose="020B0604020202020204" pitchFamily="34" charset="0"/>
-                    <a:cs typeface="Arial" panose="020B0604020202020204" pitchFamily="34" charset="0"/>
-                  </a:rPr>
+                  <a:rPr lang="es-CO"/>
                   <a:t>Tiempo de Carga (seg)</a:t>
                 </a:r>
               </a:p>
             </c:rich>
           </c:tx>
+          <c:layout/>
           <c:overlay val="0"/>
           <c:spPr>
             <a:noFill/>
@@ -1340,26 +1139,6 @@
             </a:ln>
             <a:effectLst/>
           </c:spPr>
-          <c:txPr>
-            <a:bodyPr rot="-5400000" spcFirstLastPara="1" vertOverflow="ellipsis" vert="horz" wrap="square" anchor="ctr" anchorCtr="1"/>
-            <a:lstStyle/>
-            <a:p>
-              <a:pPr>
-                <a:defRPr sz="1197" b="0" i="0" u="none" strike="noStrike" kern="1200" baseline="0">
-                  <a:solidFill>
-                    <a:schemeClr val="tx1">
-                      <a:lumMod val="65000"/>
-                      <a:lumOff val="35000"/>
-                    </a:schemeClr>
-                  </a:solidFill>
-                  <a:latin typeface="Arial" panose="020B0604020202020204" pitchFamily="34" charset="0"/>
-                  <a:ea typeface="+mn-ea"/>
-                  <a:cs typeface="Arial" panose="020B0604020202020204" pitchFamily="34" charset="0"/>
-                </a:defRPr>
-              </a:pPr>
-              <a:endParaRPr lang="es-CO"/>
-            </a:p>
-          </c:txPr>
         </c:title>
         <c:numFmt formatCode="0.00" sourceLinked="1"/>
         <c:majorTickMark val="none"/>
@@ -1373,26 +1152,16 @@
           <a:effectLst/>
         </c:spPr>
         <c:txPr>
-          <a:bodyPr rot="-60000000" spcFirstLastPara="1" vertOverflow="ellipsis" vert="horz" wrap="square" anchor="ctr" anchorCtr="1"/>
+          <a:bodyPr rot="-60000000" vert="horz"/>
           <a:lstStyle/>
           <a:p>
             <a:pPr>
-              <a:defRPr sz="1197" b="0" i="0" u="none" strike="noStrike" kern="1200" baseline="0">
-                <a:solidFill>
-                  <a:schemeClr val="tx1">
-                    <a:lumMod val="65000"/>
-                    <a:lumOff val="35000"/>
-                  </a:schemeClr>
-                </a:solidFill>
-                <a:latin typeface="+mn-lt"/>
-                <a:ea typeface="+mn-ea"/>
-                <a:cs typeface="+mn-cs"/>
-              </a:defRPr>
+              <a:defRPr/>
             </a:pPr>
             <a:endParaRPr lang="es-CO"/>
           </a:p>
         </c:txPr>
-        <c:crossAx val="50288128"/>
+        <c:crossAx val="156119424"/>
         <c:crosses val="autoZero"/>
         <c:crossBetween val="between"/>
       </c:valAx>
@@ -1406,6 +1175,7 @@
     </c:plotArea>
     <c:legend>
       <c:legendPos val="b"/>
+      <c:layout/>
       <c:overlay val="0"/>
       <c:spPr>
         <a:noFill/>
@@ -1415,21 +1185,11 @@
         <a:effectLst/>
       </c:spPr>
       <c:txPr>
-        <a:bodyPr rot="0" spcFirstLastPara="1" vertOverflow="ellipsis" vert="horz" wrap="square" anchor="ctr" anchorCtr="1"/>
+        <a:bodyPr rot="0" vert="horz"/>
         <a:lstStyle/>
         <a:p>
           <a:pPr>
-            <a:defRPr sz="1197" b="0" i="0" u="none" strike="noStrike" kern="1200" baseline="0">
-              <a:solidFill>
-                <a:schemeClr val="tx1">
-                  <a:lumMod val="65000"/>
-                  <a:lumOff val="35000"/>
-                </a:schemeClr>
-              </a:solidFill>
-              <a:latin typeface="Arial" panose="020B0604020202020204" pitchFamily="34" charset="0"/>
-              <a:ea typeface="+mn-ea"/>
-              <a:cs typeface="Arial" panose="020B0604020202020204" pitchFamily="34" charset="0"/>
-            </a:defRPr>
+            <a:defRPr/>
           </a:pPr>
           <a:endParaRPr lang="es-CO"/>
         </a:p>
@@ -1440,9 +1200,14 @@
     <c:showDLblsOverMax val="1"/>
   </c:chart>
   <c:spPr>
-    <a:noFill/>
-    <a:ln>
-      <a:noFill/>
+    <a:solidFill>
+      <a:schemeClr val="lt1"/>
+    </a:solidFill>
+    <a:ln w="19050" cap="rnd" cmpd="sng" algn="ctr">
+      <a:solidFill>
+        <a:schemeClr val="dk1"/>
+      </a:solidFill>
+      <a:prstDash val="solid"/>
     </a:ln>
     <a:effectLst/>
   </c:spPr>
@@ -1451,12 +1216,19 @@
     <a:lstStyle/>
     <a:p>
       <a:pPr>
-        <a:defRPr/>
+        <a:defRPr>
+          <a:solidFill>
+            <a:schemeClr val="dk1"/>
+          </a:solidFill>
+          <a:latin typeface="+mn-lt"/>
+          <a:ea typeface="+mn-ea"/>
+          <a:cs typeface="+mn-cs"/>
+        </a:defRPr>
       </a:pPr>
       <a:endParaRPr lang="es-CO"/>
     </a:p>
   </c:txPr>
-  <c:externalData r:id="rId3">
+  <c:externalData r:id="rId1">
     <c:autoUpdate val="0"/>
   </c:externalData>
 </c:chartSpace>
@@ -8723,6 +8495,16 @@
           <a:prstGeom prst="rect">
             <a:avLst/>
           </a:prstGeom>
+          <a:ln>
+            <a:noFill/>
+          </a:ln>
+          <a:effectLst>
+            <a:outerShdw blurRad="292100" dist="139700" dir="2700000" algn="tl" rotWithShape="0">
+              <a:srgbClr val="333333">
+                <a:alpha val="65000"/>
+              </a:srgbClr>
+            </a:outerShdw>
+          </a:effectLst>
         </p:spPr>
       </p:pic>
     </p:spTree>
@@ -8875,6 +8657,16 @@
           <a:prstGeom prst="rect">
             <a:avLst/>
           </a:prstGeom>
+          <a:ln>
+            <a:noFill/>
+          </a:ln>
+          <a:effectLst>
+            <a:outerShdw blurRad="292100" dist="139700" dir="2700000" algn="tl" rotWithShape="0">
+              <a:srgbClr val="333333">
+                <a:alpha val="65000"/>
+              </a:srgbClr>
+            </a:outerShdw>
+          </a:effectLst>
         </p:spPr>
       </p:pic>
       <p:pic>
@@ -8899,6 +8691,16 @@
           <a:prstGeom prst="rect">
             <a:avLst/>
           </a:prstGeom>
+          <a:ln>
+            <a:noFill/>
+          </a:ln>
+          <a:effectLst>
+            <a:outerShdw blurRad="292100" dist="139700" dir="2700000" algn="tl" rotWithShape="0">
+              <a:srgbClr val="333333">
+                <a:alpha val="65000"/>
+              </a:srgbClr>
+            </a:outerShdw>
+          </a:effectLst>
         </p:spPr>
       </p:pic>
       <p:pic>
@@ -8923,6 +8725,16 @@
           <a:prstGeom prst="rect">
             <a:avLst/>
           </a:prstGeom>
+          <a:ln>
+            <a:noFill/>
+          </a:ln>
+          <a:effectLst>
+            <a:outerShdw blurRad="292100" dist="139700" dir="2700000" algn="tl" rotWithShape="0">
+              <a:srgbClr val="333333">
+                <a:alpha val="65000"/>
+              </a:srgbClr>
+            </a:outerShdw>
+          </a:effectLst>
         </p:spPr>
       </p:pic>
     </p:spTree>
@@ -9075,6 +8887,16 @@
           <a:prstGeom prst="rect">
             <a:avLst/>
           </a:prstGeom>
+          <a:ln>
+            <a:noFill/>
+          </a:ln>
+          <a:effectLst>
+            <a:outerShdw blurRad="292100" dist="139700" dir="2700000" algn="tl" rotWithShape="0">
+              <a:srgbClr val="333333">
+                <a:alpha val="65000"/>
+              </a:srgbClr>
+            </a:outerShdw>
+          </a:effectLst>
         </p:spPr>
       </p:pic>
     </p:spTree>
@@ -9112,7 +8934,7 @@
           <p:cNvPr id="2" name="Marcador de contenido 1">
             <a:extLst>
               <a:ext uri="{FF2B5EF4-FFF2-40B4-BE49-F238E27FC236}">
-                <a16:creationId xmlns:a16="http://schemas.microsoft.com/office/drawing/2014/main" id="{BFB8CA3A-775A-4283-B473-CBA3C699E771}"/>
+                <a16:creationId xmlns:a16="http://schemas.microsoft.com/office/drawing/2014/main" xmlns="" id="{BFB8CA3A-775A-4283-B473-CBA3C699E771}"/>
               </a:ext>
             </a:extLst>
           </p:cNvPr>
@@ -9142,14 +8964,14 @@
                 <a:gridCol w="5304444">
                   <a:extLst>
                     <a:ext uri="{9D8B030D-6E8A-4147-A177-3AD203B41FA5}">
-                      <a16:colId xmlns:a16="http://schemas.microsoft.com/office/drawing/2014/main" val="2602485393"/>
+                      <a16:colId xmlns:a16="http://schemas.microsoft.com/office/drawing/2014/main" xmlns="" val="2602485393"/>
                     </a:ext>
                   </a:extLst>
                 </a:gridCol>
                 <a:gridCol w="1728977">
                   <a:extLst>
                     <a:ext uri="{9D8B030D-6E8A-4147-A177-3AD203B41FA5}">
-                      <a16:colId xmlns:a16="http://schemas.microsoft.com/office/drawing/2014/main" val="2786604418"/>
+                      <a16:colId xmlns:a16="http://schemas.microsoft.com/office/drawing/2014/main" xmlns="" val="2786604418"/>
                     </a:ext>
                   </a:extLst>
                 </a:gridCol>
@@ -9237,7 +9059,7 @@
                 </a:tc>
                 <a:extLst>
                   <a:ext uri="{0D108BD9-81ED-4DB2-BD59-A6C34878D82A}">
-                    <a16:rowId xmlns:a16="http://schemas.microsoft.com/office/drawing/2014/main" val="680232555"/>
+                    <a16:rowId xmlns:a16="http://schemas.microsoft.com/office/drawing/2014/main" xmlns="" val="680232555"/>
                   </a:ext>
                 </a:extLst>
               </a:tr>
@@ -9324,7 +9146,7 @@
                 </a:tc>
                 <a:extLst>
                   <a:ext uri="{0D108BD9-81ED-4DB2-BD59-A6C34878D82A}">
-                    <a16:rowId xmlns:a16="http://schemas.microsoft.com/office/drawing/2014/main" val="3577557739"/>
+                    <a16:rowId xmlns:a16="http://schemas.microsoft.com/office/drawing/2014/main" xmlns="" val="3577557739"/>
                   </a:ext>
                 </a:extLst>
               </a:tr>
@@ -9411,7 +9233,7 @@
                 </a:tc>
                 <a:extLst>
                   <a:ext uri="{0D108BD9-81ED-4DB2-BD59-A6C34878D82A}">
-                    <a16:rowId xmlns:a16="http://schemas.microsoft.com/office/drawing/2014/main" val="3154357346"/>
+                    <a16:rowId xmlns:a16="http://schemas.microsoft.com/office/drawing/2014/main" xmlns="" val="3154357346"/>
                   </a:ext>
                 </a:extLst>
               </a:tr>
@@ -9498,7 +9320,7 @@
                 </a:tc>
                 <a:extLst>
                   <a:ext uri="{0D108BD9-81ED-4DB2-BD59-A6C34878D82A}">
-                    <a16:rowId xmlns:a16="http://schemas.microsoft.com/office/drawing/2014/main" val="2015189163"/>
+                    <a16:rowId xmlns:a16="http://schemas.microsoft.com/office/drawing/2014/main" xmlns="" val="2015189163"/>
                   </a:ext>
                 </a:extLst>
               </a:tr>
@@ -9585,7 +9407,7 @@
                 </a:tc>
                 <a:extLst>
                   <a:ext uri="{0D108BD9-81ED-4DB2-BD59-A6C34878D82A}">
-                    <a16:rowId xmlns:a16="http://schemas.microsoft.com/office/drawing/2014/main" val="3033574485"/>
+                    <a16:rowId xmlns:a16="http://schemas.microsoft.com/office/drawing/2014/main" xmlns="" val="3033574485"/>
                   </a:ext>
                 </a:extLst>
               </a:tr>
@@ -9672,7 +9494,7 @@
                 </a:tc>
                 <a:extLst>
                   <a:ext uri="{0D108BD9-81ED-4DB2-BD59-A6C34878D82A}">
-                    <a16:rowId xmlns:a16="http://schemas.microsoft.com/office/drawing/2014/main" val="105546820"/>
+                    <a16:rowId xmlns:a16="http://schemas.microsoft.com/office/drawing/2014/main" xmlns="" val="105546820"/>
                   </a:ext>
                 </a:extLst>
               </a:tr>
@@ -9759,7 +9581,7 @@
                 </a:tc>
                 <a:extLst>
                   <a:ext uri="{0D108BD9-81ED-4DB2-BD59-A6C34878D82A}">
-                    <a16:rowId xmlns:a16="http://schemas.microsoft.com/office/drawing/2014/main" val="1824869552"/>
+                    <a16:rowId xmlns:a16="http://schemas.microsoft.com/office/drawing/2014/main" xmlns="" val="1824869552"/>
                   </a:ext>
                 </a:extLst>
               </a:tr>
@@ -9846,7 +9668,7 @@
                 </a:tc>
                 <a:extLst>
                   <a:ext uri="{0D108BD9-81ED-4DB2-BD59-A6C34878D82A}">
-                    <a16:rowId xmlns:a16="http://schemas.microsoft.com/office/drawing/2014/main" val="3109995033"/>
+                    <a16:rowId xmlns:a16="http://schemas.microsoft.com/office/drawing/2014/main" xmlns="" val="3109995033"/>
                   </a:ext>
                 </a:extLst>
               </a:tr>
@@ -9933,7 +9755,7 @@
                 </a:tc>
                 <a:extLst>
                   <a:ext uri="{0D108BD9-81ED-4DB2-BD59-A6C34878D82A}">
-                    <a16:rowId xmlns:a16="http://schemas.microsoft.com/office/drawing/2014/main" val="3267673382"/>
+                    <a16:rowId xmlns:a16="http://schemas.microsoft.com/office/drawing/2014/main" xmlns="" val="3267673382"/>
                   </a:ext>
                 </a:extLst>
               </a:tr>
@@ -10020,7 +9842,7 @@
                 </a:tc>
                 <a:extLst>
                   <a:ext uri="{0D108BD9-81ED-4DB2-BD59-A6C34878D82A}">
-                    <a16:rowId xmlns:a16="http://schemas.microsoft.com/office/drawing/2014/main" val="1788793914"/>
+                    <a16:rowId xmlns:a16="http://schemas.microsoft.com/office/drawing/2014/main" xmlns="" val="1788793914"/>
                   </a:ext>
                 </a:extLst>
               </a:tr>
@@ -10107,7 +9929,7 @@
                 </a:tc>
                 <a:extLst>
                   <a:ext uri="{0D108BD9-81ED-4DB2-BD59-A6C34878D82A}">
-                    <a16:rowId xmlns:a16="http://schemas.microsoft.com/office/drawing/2014/main" val="758896334"/>
+                    <a16:rowId xmlns:a16="http://schemas.microsoft.com/office/drawing/2014/main" xmlns="" val="758896334"/>
                   </a:ext>
                 </a:extLst>
               </a:tr>
@@ -10194,7 +10016,7 @@
                 </a:tc>
                 <a:extLst>
                   <a:ext uri="{0D108BD9-81ED-4DB2-BD59-A6C34878D82A}">
-                    <a16:rowId xmlns:a16="http://schemas.microsoft.com/office/drawing/2014/main" val="2965732642"/>
+                    <a16:rowId xmlns:a16="http://schemas.microsoft.com/office/drawing/2014/main" xmlns="" val="2965732642"/>
                   </a:ext>
                 </a:extLst>
               </a:tr>
@@ -10281,7 +10103,7 @@
                 </a:tc>
                 <a:extLst>
                   <a:ext uri="{0D108BD9-81ED-4DB2-BD59-A6C34878D82A}">
-                    <a16:rowId xmlns:a16="http://schemas.microsoft.com/office/drawing/2014/main" val="456296594"/>
+                    <a16:rowId xmlns:a16="http://schemas.microsoft.com/office/drawing/2014/main" xmlns="" val="456296594"/>
                   </a:ext>
                 </a:extLst>
               </a:tr>
@@ -10368,7 +10190,7 @@
                 </a:tc>
                 <a:extLst>
                   <a:ext uri="{0D108BD9-81ED-4DB2-BD59-A6C34878D82A}">
-                    <a16:rowId xmlns:a16="http://schemas.microsoft.com/office/drawing/2014/main" val="1809744462"/>
+                    <a16:rowId xmlns:a16="http://schemas.microsoft.com/office/drawing/2014/main" xmlns="" val="1809744462"/>
                   </a:ext>
                 </a:extLst>
               </a:tr>
@@ -10455,7 +10277,7 @@
                 </a:tc>
                 <a:extLst>
                   <a:ext uri="{0D108BD9-81ED-4DB2-BD59-A6C34878D82A}">
-                    <a16:rowId xmlns:a16="http://schemas.microsoft.com/office/drawing/2014/main" val="3437766592"/>
+                    <a16:rowId xmlns:a16="http://schemas.microsoft.com/office/drawing/2014/main" xmlns="" val="3437766592"/>
                   </a:ext>
                 </a:extLst>
               </a:tr>
@@ -10620,7 +10442,7 @@
           <p:cNvPr id="6" name="Marcador de contenido 5">
             <a:extLst>
               <a:ext uri="{FF2B5EF4-FFF2-40B4-BE49-F238E27FC236}">
-                <a16:creationId xmlns:a16="http://schemas.microsoft.com/office/drawing/2014/main" id="{33CC28FB-25F0-4849-B092-1742F3204970}"/>
+                <a16:creationId xmlns:a16="http://schemas.microsoft.com/office/drawing/2014/main" xmlns="" id="{33CC28FB-25F0-4849-B092-1742F3204970}"/>
               </a:ext>
             </a:extLst>
           </p:cNvPr>
@@ -10650,42 +10472,42 @@
                 <a:gridCol w="937437">
                   <a:extLst>
                     <a:ext uri="{9D8B030D-6E8A-4147-A177-3AD203B41FA5}">
-                      <a16:colId xmlns:a16="http://schemas.microsoft.com/office/drawing/2014/main" val="1021433285"/>
+                      <a16:colId xmlns:a16="http://schemas.microsoft.com/office/drawing/2014/main" xmlns="" val="1021433285"/>
                     </a:ext>
                   </a:extLst>
                 </a:gridCol>
                 <a:gridCol w="937437">
                   <a:extLst>
                     <a:ext uri="{9D8B030D-6E8A-4147-A177-3AD203B41FA5}">
-                      <a16:colId xmlns:a16="http://schemas.microsoft.com/office/drawing/2014/main" val="1809417385"/>
+                      <a16:colId xmlns:a16="http://schemas.microsoft.com/office/drawing/2014/main" xmlns="" val="1809417385"/>
                     </a:ext>
                   </a:extLst>
                 </a:gridCol>
                 <a:gridCol w="937437">
                   <a:extLst>
                     <a:ext uri="{9D8B030D-6E8A-4147-A177-3AD203B41FA5}">
-                      <a16:colId xmlns:a16="http://schemas.microsoft.com/office/drawing/2014/main" val="1689638878"/>
+                      <a16:colId xmlns:a16="http://schemas.microsoft.com/office/drawing/2014/main" xmlns="" val="1689638878"/>
                     </a:ext>
                   </a:extLst>
                 </a:gridCol>
                 <a:gridCol w="937437">
                   <a:extLst>
                     <a:ext uri="{9D8B030D-6E8A-4147-A177-3AD203B41FA5}">
-                      <a16:colId xmlns:a16="http://schemas.microsoft.com/office/drawing/2014/main" val="2762686330"/>
+                      <a16:colId xmlns:a16="http://schemas.microsoft.com/office/drawing/2014/main" xmlns="" val="2762686330"/>
                     </a:ext>
                   </a:extLst>
                 </a:gridCol>
                 <a:gridCol w="937437">
                   <a:extLst>
                     <a:ext uri="{9D8B030D-6E8A-4147-A177-3AD203B41FA5}">
-                      <a16:colId xmlns:a16="http://schemas.microsoft.com/office/drawing/2014/main" val="2113957765"/>
+                      <a16:colId xmlns:a16="http://schemas.microsoft.com/office/drawing/2014/main" xmlns="" val="2113957765"/>
                     </a:ext>
                   </a:extLst>
                 </a:gridCol>
                 <a:gridCol w="937437">
                   <a:extLst>
                     <a:ext uri="{9D8B030D-6E8A-4147-A177-3AD203B41FA5}">
-                      <a16:colId xmlns:a16="http://schemas.microsoft.com/office/drawing/2014/main" val="2495045676"/>
+                      <a16:colId xmlns:a16="http://schemas.microsoft.com/office/drawing/2014/main" xmlns="" val="2495045676"/>
                     </a:ext>
                   </a:extLst>
                 </a:gridCol>
@@ -10698,14 +10520,14 @@
                     <a:p>
                       <a:pPr algn="ctr" fontAlgn="ctr"/>
                       <a:r>
-                        <a:rPr lang="es-CO" sz="1200" u="none" strike="noStrike">
+                        <a:rPr lang="es-CO" sz="1200" u="none" strike="noStrike" dirty="0">
                           <a:effectLst/>
                           <a:latin typeface="Arial" panose="020B0604020202020204" pitchFamily="34" charset="0"/>
                           <a:cs typeface="Arial" panose="020B0604020202020204" pitchFamily="34" charset="0"/>
                         </a:rPr>
                         <a:t>Modulo</a:t>
                       </a:r>
-                      <a:endParaRPr lang="es-CO" sz="1200" b="0" i="0" u="none" strike="noStrike">
+                      <a:endParaRPr lang="es-CO" sz="1200" b="0" i="0" u="none" strike="noStrike" dirty="0">
                         <a:solidFill>
                           <a:srgbClr val="000000"/>
                         </a:solidFill>
@@ -10724,14 +10546,14 @@
                     <a:p>
                       <a:pPr algn="ctr" fontAlgn="ctr"/>
                       <a:r>
-                        <a:rPr lang="es-CO" sz="1200" u="none" strike="noStrike">
+                        <a:rPr lang="es-CO" sz="1200" u="none" strike="noStrike" dirty="0" err="1">
                           <a:effectLst/>
                           <a:latin typeface="Arial" panose="020B0604020202020204" pitchFamily="34" charset="0"/>
                           <a:cs typeface="Arial" panose="020B0604020202020204" pitchFamily="34" charset="0"/>
                         </a:rPr>
                         <a:t>Seccion</a:t>
                       </a:r>
-                      <a:endParaRPr lang="es-CO" sz="1200" b="0" i="0" u="none" strike="noStrike">
+                      <a:endParaRPr lang="es-CO" sz="1200" b="0" i="0" u="none" strike="noStrike" dirty="0">
                         <a:solidFill>
                           <a:srgbClr val="000000"/>
                         </a:solidFill>
@@ -10817,7 +10639,7 @@
                 </a:tc>
                 <a:extLst>
                   <a:ext uri="{0D108BD9-81ED-4DB2-BD59-A6C34878D82A}">
-                    <a16:rowId xmlns:a16="http://schemas.microsoft.com/office/drawing/2014/main" val="1205791969"/>
+                    <a16:rowId xmlns:a16="http://schemas.microsoft.com/office/drawing/2014/main" xmlns="" val="1205791969"/>
                   </a:ext>
                 </a:extLst>
               </a:tr>
@@ -10948,7 +10770,7 @@
                 </a:tc>
                 <a:extLst>
                   <a:ext uri="{0D108BD9-81ED-4DB2-BD59-A6C34878D82A}">
-                    <a16:rowId xmlns:a16="http://schemas.microsoft.com/office/drawing/2014/main" val="3190319937"/>
+                    <a16:rowId xmlns:a16="http://schemas.microsoft.com/office/drawing/2014/main" xmlns="" val="3190319937"/>
                   </a:ext>
                 </a:extLst>
               </a:tr>
@@ -10986,14 +10808,14 @@
                     <a:p>
                       <a:pPr algn="ctr" fontAlgn="ctr"/>
                       <a:r>
-                        <a:rPr lang="es-CO" sz="1200" u="none" strike="noStrike">
+                        <a:rPr lang="es-CO" sz="1200" u="none" strike="noStrike" dirty="0">
                           <a:effectLst/>
                           <a:latin typeface="Arial" panose="020B0604020202020204" pitchFamily="34" charset="0"/>
                           <a:cs typeface="Arial" panose="020B0604020202020204" pitchFamily="34" charset="0"/>
                         </a:rPr>
                         <a:t>Docente</a:t>
                       </a:r>
-                      <a:endParaRPr lang="es-CO" sz="1200" b="0" i="0" u="none" strike="noStrike">
+                      <a:endParaRPr lang="es-CO" sz="1200" b="0" i="0" u="none" strike="noStrike" dirty="0">
                         <a:solidFill>
                           <a:srgbClr val="000000"/>
                         </a:solidFill>
@@ -11111,7 +10933,7 @@
                 </a:tc>
                 <a:extLst>
                   <a:ext uri="{0D108BD9-81ED-4DB2-BD59-A6C34878D82A}">
-                    <a16:rowId xmlns:a16="http://schemas.microsoft.com/office/drawing/2014/main" val="3057983255"/>
+                    <a16:rowId xmlns:a16="http://schemas.microsoft.com/office/drawing/2014/main" xmlns="" val="3057983255"/>
                   </a:ext>
                 </a:extLst>
               </a:tr>
@@ -11258,7 +11080,7 @@
                 </a:tc>
                 <a:extLst>
                   <a:ext uri="{0D108BD9-81ED-4DB2-BD59-A6C34878D82A}">
-                    <a16:rowId xmlns:a16="http://schemas.microsoft.com/office/drawing/2014/main" val="142723232"/>
+                    <a16:rowId xmlns:a16="http://schemas.microsoft.com/office/drawing/2014/main" xmlns="" val="142723232"/>
                   </a:ext>
                 </a:extLst>
               </a:tr>
@@ -11405,7 +11227,7 @@
                 </a:tc>
                 <a:extLst>
                   <a:ext uri="{0D108BD9-81ED-4DB2-BD59-A6C34878D82A}">
-                    <a16:rowId xmlns:a16="http://schemas.microsoft.com/office/drawing/2014/main" val="2010654794"/>
+                    <a16:rowId xmlns:a16="http://schemas.microsoft.com/office/drawing/2014/main" xmlns="" val="2010654794"/>
                   </a:ext>
                 </a:extLst>
               </a:tr>
@@ -11552,7 +11374,7 @@
                 </a:tc>
                 <a:extLst>
                   <a:ext uri="{0D108BD9-81ED-4DB2-BD59-A6C34878D82A}">
-                    <a16:rowId xmlns:a16="http://schemas.microsoft.com/office/drawing/2014/main" val="3090693922"/>
+                    <a16:rowId xmlns:a16="http://schemas.microsoft.com/office/drawing/2014/main" xmlns="" val="3090693922"/>
                   </a:ext>
                 </a:extLst>
               </a:tr>
@@ -11715,7 +11537,7 @@
                 </a:tc>
                 <a:extLst>
                   <a:ext uri="{0D108BD9-81ED-4DB2-BD59-A6C34878D82A}">
-                    <a16:rowId xmlns:a16="http://schemas.microsoft.com/office/drawing/2014/main" val="627599904"/>
+                    <a16:rowId xmlns:a16="http://schemas.microsoft.com/office/drawing/2014/main" xmlns="" val="627599904"/>
                   </a:ext>
                 </a:extLst>
               </a:tr>
@@ -11862,7 +11684,7 @@
                 </a:tc>
                 <a:extLst>
                   <a:ext uri="{0D108BD9-81ED-4DB2-BD59-A6C34878D82A}">
-                    <a16:rowId xmlns:a16="http://schemas.microsoft.com/office/drawing/2014/main" val="2241206887"/>
+                    <a16:rowId xmlns:a16="http://schemas.microsoft.com/office/drawing/2014/main" xmlns="" val="2241206887"/>
                   </a:ext>
                 </a:extLst>
               </a:tr>
@@ -12009,7 +11831,7 @@
                 </a:tc>
                 <a:extLst>
                   <a:ext uri="{0D108BD9-81ED-4DB2-BD59-A6C34878D82A}">
-                    <a16:rowId xmlns:a16="http://schemas.microsoft.com/office/drawing/2014/main" val="552371880"/>
+                    <a16:rowId xmlns:a16="http://schemas.microsoft.com/office/drawing/2014/main" xmlns="" val="552371880"/>
                   </a:ext>
                 </a:extLst>
               </a:tr>
@@ -12156,7 +11978,7 @@
                 </a:tc>
                 <a:extLst>
                   <a:ext uri="{0D108BD9-81ED-4DB2-BD59-A6C34878D82A}">
-                    <a16:rowId xmlns:a16="http://schemas.microsoft.com/office/drawing/2014/main" val="116541910"/>
+                    <a16:rowId xmlns:a16="http://schemas.microsoft.com/office/drawing/2014/main" xmlns="" val="116541910"/>
                   </a:ext>
                 </a:extLst>
               </a:tr>
@@ -12303,7 +12125,7 @@
                 </a:tc>
                 <a:extLst>
                   <a:ext uri="{0D108BD9-81ED-4DB2-BD59-A6C34878D82A}">
-                    <a16:rowId xmlns:a16="http://schemas.microsoft.com/office/drawing/2014/main" val="1742673978"/>
+                    <a16:rowId xmlns:a16="http://schemas.microsoft.com/office/drawing/2014/main" xmlns="" val="1742673978"/>
                   </a:ext>
                 </a:extLst>
               </a:tr>
@@ -12450,7 +12272,7 @@
                 </a:tc>
                 <a:extLst>
                   <a:ext uri="{0D108BD9-81ED-4DB2-BD59-A6C34878D82A}">
-                    <a16:rowId xmlns:a16="http://schemas.microsoft.com/office/drawing/2014/main" val="722975958"/>
+                    <a16:rowId xmlns:a16="http://schemas.microsoft.com/office/drawing/2014/main" xmlns="" val="722975958"/>
                   </a:ext>
                 </a:extLst>
               </a:tr>
@@ -12613,7 +12435,7 @@
                 </a:tc>
                 <a:extLst>
                   <a:ext uri="{0D108BD9-81ED-4DB2-BD59-A6C34878D82A}">
-                    <a16:rowId xmlns:a16="http://schemas.microsoft.com/office/drawing/2014/main" val="2653783117"/>
+                    <a16:rowId xmlns:a16="http://schemas.microsoft.com/office/drawing/2014/main" xmlns="" val="2653783117"/>
                   </a:ext>
                 </a:extLst>
               </a:tr>
@@ -12717,7 +12539,7 @@
           <p:cNvPr id="8" name="Chart 1" title="Chart">
             <a:extLst>
               <a:ext uri="{FF2B5EF4-FFF2-40B4-BE49-F238E27FC236}">
-                <a16:creationId xmlns:a16="http://schemas.microsoft.com/office/drawing/2014/main" id="{00000000-0008-0000-0000-000003000000}"/>
+                <a16:creationId xmlns:a16="http://schemas.microsoft.com/office/drawing/2014/main" xmlns="" id="{00000000-0008-0000-0000-000003000000}"/>
               </a:ext>
             </a:extLst>
           </p:cNvPr>
@@ -12727,14 +12549,14 @@
           <p:nvPr>
             <p:extLst>
               <p:ext uri="{D42A27DB-BD31-4B8C-83A1-F6EECF244321}">
-                <p14:modId xmlns:p14="http://schemas.microsoft.com/office/powerpoint/2010/main" val="4094331215"/>
+                <p14:modId xmlns:p14="http://schemas.microsoft.com/office/powerpoint/2010/main" val="1650589309"/>
               </p:ext>
             </p:extLst>
           </p:nvPr>
         </p:nvGraphicFramePr>
         <p:xfrm>
-          <a:off x="137337" y="4059758"/>
-          <a:ext cx="7878726" cy="2798242"/>
+          <a:off x="632637" y="3843627"/>
+          <a:ext cx="7563712" cy="2798242"/>
         </p:xfrm>
         <a:graphic>
           <a:graphicData uri="http://schemas.openxmlformats.org/drawingml/2006/chart">
@@ -12747,7 +12569,7 @@
           <p:cNvPr id="9" name="Chart 1" title="Chart">
             <a:extLst>
               <a:ext uri="{FF2B5EF4-FFF2-40B4-BE49-F238E27FC236}">
-                <a16:creationId xmlns:a16="http://schemas.microsoft.com/office/drawing/2014/main" id="{00000000-0008-0000-0000-000002000000}"/>
+                <a16:creationId xmlns:a16="http://schemas.microsoft.com/office/drawing/2014/main" xmlns="" id="{00000000-0008-0000-0000-000002000000}"/>
               </a:ext>
             </a:extLst>
           </p:cNvPr>
@@ -12757,13 +12579,13 @@
           <p:nvPr>
             <p:extLst>
               <p:ext uri="{D42A27DB-BD31-4B8C-83A1-F6EECF244321}">
-                <p14:modId xmlns:p14="http://schemas.microsoft.com/office/powerpoint/2010/main" val="700967335"/>
+                <p14:modId xmlns:p14="http://schemas.microsoft.com/office/powerpoint/2010/main" val="2606624011"/>
               </p:ext>
             </p:extLst>
           </p:nvPr>
         </p:nvGraphicFramePr>
         <p:xfrm>
-          <a:off x="137337" y="972556"/>
+          <a:off x="577912" y="906053"/>
           <a:ext cx="7496839" cy="2798242"/>
         </p:xfrm>
         <a:graphic>
@@ -12868,7 +12690,7 @@
           <p:cNvPr id="3" name="CuadroTexto 2">
             <a:extLst>
               <a:ext uri="{FF2B5EF4-FFF2-40B4-BE49-F238E27FC236}">
-                <a16:creationId xmlns:a16="http://schemas.microsoft.com/office/drawing/2014/main" id="{EB5CEF16-DF68-4175-87A1-37A37A1E0664}"/>
+                <a16:creationId xmlns:a16="http://schemas.microsoft.com/office/drawing/2014/main" xmlns="" id="{EB5CEF16-DF68-4175-87A1-37A37A1E0664}"/>
               </a:ext>
             </a:extLst>
           </p:cNvPr>
@@ -12878,7 +12700,7 @@
         <p:spPr>
           <a:xfrm>
             <a:off x="591236" y="1339703"/>
-            <a:ext cx="7106735" cy="3477875"/>
+            <a:ext cx="7106735" cy="4401205"/>
           </a:xfrm>
           <a:prstGeom prst="rect">
             <a:avLst/>
@@ -12906,7 +12728,72 @@
                 <a:latin typeface="Arial" panose="020B0604020202020204" pitchFamily="34" charset="0"/>
                 <a:cs typeface="Arial" panose="020B0604020202020204" pitchFamily="34" charset="0"/>
               </a:rPr>
-              <a:t>Problemas con PrimeFaces, solución un tema con ThemeRoller para hacer más amigable el diseño.</a:t>
+              <a:t>Problemas con PrimeFaces, solución un tema con </a:t>
+            </a:r>
+            <a:r>
+              <a:rPr lang="es-CO" sz="2000" dirty="0" err="1">
+                <a:solidFill>
+                  <a:schemeClr val="tx1">
+                    <a:lumMod val="85000"/>
+                    <a:lumOff val="15000"/>
+                  </a:schemeClr>
+                </a:solidFill>
+                <a:latin typeface="Arial" panose="020B0604020202020204" pitchFamily="34" charset="0"/>
+                <a:cs typeface="Arial" panose="020B0604020202020204" pitchFamily="34" charset="0"/>
+              </a:rPr>
+              <a:t>T</a:t>
+            </a:r>
+            <a:r>
+              <a:rPr lang="es-CO" sz="2000" dirty="0" err="1" smtClean="0">
+                <a:solidFill>
+                  <a:schemeClr val="tx1">
+                    <a:lumMod val="85000"/>
+                    <a:lumOff val="15000"/>
+                  </a:schemeClr>
+                </a:solidFill>
+                <a:latin typeface="Arial" panose="020B0604020202020204" pitchFamily="34" charset="0"/>
+                <a:cs typeface="Arial" panose="020B0604020202020204" pitchFamily="34" charset="0"/>
+              </a:rPr>
+              <a:t>hemeRoller</a:t>
+            </a:r>
+            <a:r>
+              <a:rPr lang="es-CO" sz="2000" dirty="0" smtClean="0">
+                <a:solidFill>
+                  <a:schemeClr val="tx1">
+                    <a:lumMod val="85000"/>
+                    <a:lumOff val="15000"/>
+                  </a:schemeClr>
+                </a:solidFill>
+                <a:latin typeface="Arial" panose="020B0604020202020204" pitchFamily="34" charset="0"/>
+                <a:cs typeface="Arial" panose="020B0604020202020204" pitchFamily="34" charset="0"/>
+              </a:rPr>
+              <a:t> </a:t>
+            </a:r>
+            <a:r>
+              <a:rPr lang="es-CO" sz="2000" dirty="0">
+                <a:solidFill>
+                  <a:schemeClr val="tx1">
+                    <a:lumMod val="85000"/>
+                    <a:lumOff val="15000"/>
+                  </a:schemeClr>
+                </a:solidFill>
+                <a:latin typeface="Arial" panose="020B0604020202020204" pitchFamily="34" charset="0"/>
+                <a:cs typeface="Arial" panose="020B0604020202020204" pitchFamily="34" charset="0"/>
+              </a:rPr>
+              <a:t>para hacer más amigable el diseño</a:t>
+            </a:r>
+            <a:r>
+              <a:rPr lang="es-CO" sz="2000" dirty="0" smtClean="0">
+                <a:solidFill>
+                  <a:schemeClr val="tx1">
+                    <a:lumMod val="85000"/>
+                    <a:lumOff val="15000"/>
+                  </a:schemeClr>
+                </a:solidFill>
+                <a:latin typeface="Arial" panose="020B0604020202020204" pitchFamily="34" charset="0"/>
+                <a:cs typeface="Arial" panose="020B0604020202020204" pitchFamily="34" charset="0"/>
+              </a:rPr>
+              <a:t>.</a:t>
             </a:r>
           </a:p>
           <a:p>
@@ -12914,19 +12801,16 @@
               <a:buFont typeface="Arial" panose="020B0604020202020204" pitchFamily="34" charset="0"/>
               <a:buChar char="•"/>
             </a:pPr>
-            <a:r>
-              <a:rPr lang="es-CO" sz="2000" dirty="0">
-                <a:solidFill>
-                  <a:schemeClr val="tx1">
-                    <a:lumMod val="85000"/>
-                    <a:lumOff val="15000"/>
-                  </a:schemeClr>
-                </a:solidFill>
-                <a:latin typeface="Arial" panose="020B0604020202020204" pitchFamily="34" charset="0"/>
-                <a:cs typeface="Arial" panose="020B0604020202020204" pitchFamily="34" charset="0"/>
-              </a:rPr>
-              <a:t>Problemas con JaspeReports, solución flying-saucer-pdf e itext</a:t>
-            </a:r>
+            <a:endParaRPr lang="es-CO" sz="2000" dirty="0">
+              <a:solidFill>
+                <a:schemeClr val="tx1">
+                  <a:lumMod val="85000"/>
+                  <a:lumOff val="15000"/>
+                </a:schemeClr>
+              </a:solidFill>
+              <a:latin typeface="Arial" panose="020B0604020202020204" pitchFamily="34" charset="0"/>
+              <a:cs typeface="Arial" panose="020B0604020202020204" pitchFamily="34" charset="0"/>
+            </a:endParaRPr>
           </a:p>
           <a:p>
             <a:pPr marL="285750" indent="-285750">
@@ -12944,8 +12828,98 @@
                 <a:latin typeface="Arial" panose="020B0604020202020204" pitchFamily="34" charset="0"/>
                 <a:cs typeface="Arial" panose="020B0604020202020204" pitchFamily="34" charset="0"/>
               </a:rPr>
-              <a:t>Encontrar un servidor con las especificaciones necesarias para que corriera el proyecto.</a:t>
-            </a:r>
+              <a:t>Problemas con JaspeReports, solución flying-saucer-pdf e </a:t>
+            </a:r>
+            <a:r>
+              <a:rPr lang="es-CO" sz="2000" dirty="0" err="1" smtClean="0">
+                <a:solidFill>
+                  <a:schemeClr val="tx1">
+                    <a:lumMod val="85000"/>
+                    <a:lumOff val="15000"/>
+                  </a:schemeClr>
+                </a:solidFill>
+                <a:latin typeface="Arial" panose="020B0604020202020204" pitchFamily="34" charset="0"/>
+                <a:cs typeface="Arial" panose="020B0604020202020204" pitchFamily="34" charset="0"/>
+              </a:rPr>
+              <a:t>itext</a:t>
+            </a:r>
+            <a:r>
+              <a:rPr lang="es-CO" sz="2000" dirty="0" smtClean="0">
+                <a:solidFill>
+                  <a:schemeClr val="tx1">
+                    <a:lumMod val="85000"/>
+                    <a:lumOff val="15000"/>
+                  </a:schemeClr>
+                </a:solidFill>
+                <a:latin typeface="Arial" panose="020B0604020202020204" pitchFamily="34" charset="0"/>
+                <a:cs typeface="Arial" panose="020B0604020202020204" pitchFamily="34" charset="0"/>
+              </a:rPr>
+              <a:t>.</a:t>
+            </a:r>
+          </a:p>
+          <a:p>
+            <a:pPr marL="285750" indent="-285750">
+              <a:buFont typeface="Arial" panose="020B0604020202020204" pitchFamily="34" charset="0"/>
+              <a:buChar char="•"/>
+            </a:pPr>
+            <a:endParaRPr lang="es-CO" sz="2000" dirty="0">
+              <a:solidFill>
+                <a:schemeClr val="tx1">
+                  <a:lumMod val="85000"/>
+                  <a:lumOff val="15000"/>
+                </a:schemeClr>
+              </a:solidFill>
+              <a:latin typeface="Arial" panose="020B0604020202020204" pitchFamily="34" charset="0"/>
+              <a:cs typeface="Arial" panose="020B0604020202020204" pitchFamily="34" charset="0"/>
+            </a:endParaRPr>
+          </a:p>
+          <a:p>
+            <a:pPr marL="285750" indent="-285750">
+              <a:buFont typeface="Arial" panose="020B0604020202020204" pitchFamily="34" charset="0"/>
+              <a:buChar char="•"/>
+            </a:pPr>
+            <a:r>
+              <a:rPr lang="es-CO" sz="2000" dirty="0">
+                <a:solidFill>
+                  <a:schemeClr val="tx1">
+                    <a:lumMod val="85000"/>
+                    <a:lumOff val="15000"/>
+                  </a:schemeClr>
+                </a:solidFill>
+                <a:latin typeface="Arial" panose="020B0604020202020204" pitchFamily="34" charset="0"/>
+                <a:cs typeface="Arial" panose="020B0604020202020204" pitchFamily="34" charset="0"/>
+              </a:rPr>
+              <a:t>Encontrar un servidor con las especificaciones necesarias para que corriera el proyecto</a:t>
+            </a:r>
+            <a:r>
+              <a:rPr lang="es-CO" sz="2000" dirty="0" smtClean="0">
+                <a:solidFill>
+                  <a:schemeClr val="tx1">
+                    <a:lumMod val="85000"/>
+                    <a:lumOff val="15000"/>
+                  </a:schemeClr>
+                </a:solidFill>
+                <a:latin typeface="Arial" panose="020B0604020202020204" pitchFamily="34" charset="0"/>
+                <a:cs typeface="Arial" panose="020B0604020202020204" pitchFamily="34" charset="0"/>
+              </a:rPr>
+              <a:t>.</a:t>
+            </a:r>
+          </a:p>
+          <a:p>
+            <a:pPr marL="285750" indent="-285750">
+              <a:buFont typeface="Arial" panose="020B0604020202020204" pitchFamily="34" charset="0"/>
+              <a:buChar char="•"/>
+            </a:pPr>
+            <a:endParaRPr lang="es-CO" sz="2000" dirty="0">
+              <a:solidFill>
+                <a:schemeClr val="tx1">
+                  <a:lumMod val="85000"/>
+                  <a:lumOff val="15000"/>
+                </a:schemeClr>
+              </a:solidFill>
+              <a:latin typeface="Arial" panose="020B0604020202020204" pitchFamily="34" charset="0"/>
+              <a:cs typeface="Arial" panose="020B0604020202020204" pitchFamily="34" charset="0"/>
+            </a:endParaRPr>
           </a:p>
           <a:p>
             <a:pPr marL="285750" indent="-285750">
@@ -13090,7 +13064,7 @@
           <p:cNvPr id="3" name="CuadroTexto 2">
             <a:extLst>
               <a:ext uri="{FF2B5EF4-FFF2-40B4-BE49-F238E27FC236}">
-                <a16:creationId xmlns:a16="http://schemas.microsoft.com/office/drawing/2014/main" id="{B3E05B2C-448F-4ECF-BEF8-9F8192CC5623}"/>
+                <a16:creationId xmlns:a16="http://schemas.microsoft.com/office/drawing/2014/main" xmlns="" id="{B3E05B2C-448F-4ECF-BEF8-9F8192CC5623}"/>
               </a:ext>
             </a:extLst>
           </p:cNvPr>
@@ -13099,8 +13073,8 @@
         </p:nvSpPr>
         <p:spPr>
           <a:xfrm>
-            <a:off x="761357" y="1562985"/>
-            <a:ext cx="6915350" cy="1938992"/>
+            <a:off x="761357" y="1837305"/>
+            <a:ext cx="6915350" cy="2554545"/>
           </a:xfrm>
           <a:prstGeom prst="rect">
             <a:avLst/>
@@ -13130,12 +13104,38 @@
               </a:rPr>
               <a:t>Ampliar el alcance del software. </a:t>
             </a:r>
+            <a:endParaRPr lang="es-CO" sz="2000" dirty="0" smtClean="0">
+              <a:solidFill>
+                <a:schemeClr val="tx1">
+                  <a:lumMod val="85000"/>
+                  <a:lumOff val="15000"/>
+                </a:schemeClr>
+              </a:solidFill>
+              <a:latin typeface="Arial" panose="020B0604020202020204" pitchFamily="34" charset="0"/>
+              <a:cs typeface="Arial" panose="020B0604020202020204" pitchFamily="34" charset="0"/>
+            </a:endParaRPr>
           </a:p>
           <a:p>
             <a:pPr marL="285750" lvl="0" indent="-285750">
               <a:buFont typeface="Arial" panose="020B0604020202020204" pitchFamily="34" charset="0"/>
               <a:buChar char="•"/>
             </a:pPr>
+            <a:endParaRPr lang="es-CO" sz="2000" dirty="0">
+              <a:solidFill>
+                <a:schemeClr val="tx1">
+                  <a:lumMod val="85000"/>
+                  <a:lumOff val="15000"/>
+                </a:schemeClr>
+              </a:solidFill>
+              <a:latin typeface="Arial" panose="020B0604020202020204" pitchFamily="34" charset="0"/>
+              <a:cs typeface="Arial" panose="020B0604020202020204" pitchFamily="34" charset="0"/>
+            </a:endParaRPr>
+          </a:p>
+          <a:p>
+            <a:pPr marL="285750" lvl="0" indent="-285750">
+              <a:buFont typeface="Arial" panose="020B0604020202020204" pitchFamily="34" charset="0"/>
+              <a:buChar char="•"/>
+            </a:pPr>
             <a:r>
               <a:rPr lang="es-CO" sz="2000" dirty="0">
                 <a:solidFill>
@@ -13149,6 +13149,29 @@
               </a:rPr>
               <a:t>El uso de librerías o frameworks debe estar sujeto a la compatibilidad con los demás elementos o herramientas usadas, es muy importante tener en cuenta las versiones y con cuales tienen mejor desempeño. </a:t>
             </a:r>
+            <a:endParaRPr lang="es-CO" sz="2000" dirty="0" smtClean="0">
+              <a:solidFill>
+                <a:schemeClr val="tx1">
+                  <a:lumMod val="85000"/>
+                  <a:lumOff val="15000"/>
+                </a:schemeClr>
+              </a:solidFill>
+              <a:latin typeface="Arial" panose="020B0604020202020204" pitchFamily="34" charset="0"/>
+              <a:cs typeface="Arial" panose="020B0604020202020204" pitchFamily="34" charset="0"/>
+            </a:endParaRPr>
+          </a:p>
+          <a:p>
+            <a:pPr lvl="0"/>
+            <a:endParaRPr lang="es-CO" sz="2000" dirty="0">
+              <a:solidFill>
+                <a:schemeClr val="tx1">
+                  <a:lumMod val="85000"/>
+                  <a:lumOff val="15000"/>
+                </a:schemeClr>
+              </a:solidFill>
+              <a:latin typeface="Arial" panose="020B0604020202020204" pitchFamily="34" charset="0"/>
+              <a:cs typeface="Arial" panose="020B0604020202020204" pitchFamily="34" charset="0"/>
+            </a:endParaRPr>
           </a:p>
           <a:p>
             <a:pPr marL="285750" lvl="0" indent="-285750">
@@ -13267,7 +13290,7 @@
           <p:cNvPr id="2" name="CuadroTexto 1">
             <a:extLst>
               <a:ext uri="{FF2B5EF4-FFF2-40B4-BE49-F238E27FC236}">
-                <a16:creationId xmlns:a16="http://schemas.microsoft.com/office/drawing/2014/main" id="{585F2FF1-E103-438A-A5E2-394CD4C49ABE}"/>
+                <a16:creationId xmlns:a16="http://schemas.microsoft.com/office/drawing/2014/main" xmlns="" id="{585F2FF1-E103-438A-A5E2-394CD4C49ABE}"/>
               </a:ext>
             </a:extLst>
           </p:cNvPr>
@@ -13613,7 +13636,7 @@
           <p:cNvPr id="2" name="CuadroTexto 1">
             <a:extLst>
               <a:ext uri="{FF2B5EF4-FFF2-40B4-BE49-F238E27FC236}">
-                <a16:creationId xmlns:a16="http://schemas.microsoft.com/office/drawing/2014/main" id="{4C0880D7-B166-4F0F-ACAC-974216E18C56}"/>
+                <a16:creationId xmlns:a16="http://schemas.microsoft.com/office/drawing/2014/main" xmlns="" id="{4C0880D7-B166-4F0F-ACAC-974216E18C56}"/>
               </a:ext>
             </a:extLst>
           </p:cNvPr>
@@ -14169,7 +14192,7 @@
           <p:cNvPr id="2" name="CuadroTexto 1">
             <a:extLst>
               <a:ext uri="{FF2B5EF4-FFF2-40B4-BE49-F238E27FC236}">
-                <a16:creationId xmlns:a16="http://schemas.microsoft.com/office/drawing/2014/main" id="{4C0880D7-B166-4F0F-ACAC-974216E18C56}"/>
+                <a16:creationId xmlns:a16="http://schemas.microsoft.com/office/drawing/2014/main" xmlns="" id="{4C0880D7-B166-4F0F-ACAC-974216E18C56}"/>
               </a:ext>
             </a:extLst>
           </p:cNvPr>
@@ -14485,7 +14508,7 @@
           <p:cNvPr id="2" name="CuadroTexto 1">
             <a:extLst>
               <a:ext uri="{FF2B5EF4-FFF2-40B4-BE49-F238E27FC236}">
-                <a16:creationId xmlns:a16="http://schemas.microsoft.com/office/drawing/2014/main" id="{4C0880D7-B166-4F0F-ACAC-974216E18C56}"/>
+                <a16:creationId xmlns:a16="http://schemas.microsoft.com/office/drawing/2014/main" xmlns="" id="{4C0880D7-B166-4F0F-ACAC-974216E18C56}"/>
               </a:ext>
             </a:extLst>
           </p:cNvPr>
@@ -14812,7 +14835,7 @@
         </p:nvSpPr>
         <p:spPr>
           <a:xfrm>
-            <a:off x="601590" y="769404"/>
+            <a:off x="1333110" y="782350"/>
             <a:ext cx="6264696" cy="445507"/>
           </a:xfrm>
           <a:prstGeom prst="rect">
@@ -14873,7 +14896,7 @@
         </p:nvSpPr>
         <p:spPr>
           <a:xfrm>
-            <a:off x="739813" y="2405762"/>
+            <a:off x="1266565" y="2497202"/>
             <a:ext cx="6610869" cy="2246769"/>
           </a:xfrm>
           <a:prstGeom prst="rect">
@@ -15003,7 +15026,7 @@
         <p:spPr>
           <a:xfrm>
             <a:off x="695246" y="1805746"/>
-            <a:ext cx="7738394" cy="3170099"/>
+            <a:ext cx="7738394" cy="3785652"/>
           </a:xfrm>
           <a:prstGeom prst="rect">
             <a:avLst/>
@@ -15030,7 +15053,20 @@
                 <a:latin typeface="Arial" panose="020B0604020202020204" pitchFamily="34" charset="0"/>
                 <a:cs typeface="Arial" panose="020B0604020202020204" pitchFamily="34" charset="0"/>
               </a:rPr>
-              <a:t>Diseñar una arquitectura software que permita gestionar el proceso de planeación de las actividades de los docentes de tiempo completo, basados en el formato R-DC-54 de las UTS.</a:t>
+              <a:t>Diseñar una arquitectura software que permita gestionar el proceso de planeación de las actividades de los docentes de tiempo completo, basados en el formato R-DC-54 de las UTS</a:t>
+            </a:r>
+            <a:r>
+              <a:rPr lang="es-CO" sz="2000" dirty="0" smtClean="0">
+                <a:solidFill>
+                  <a:schemeClr val="tx1">
+                    <a:lumMod val="85000"/>
+                    <a:lumOff val="15000"/>
+                  </a:schemeClr>
+                </a:solidFill>
+                <a:latin typeface="Arial" panose="020B0604020202020204" pitchFamily="34" charset="0"/>
+                <a:cs typeface="Arial" panose="020B0604020202020204" pitchFamily="34" charset="0"/>
+              </a:rPr>
+              <a:t>.</a:t>
             </a:r>
           </a:p>
           <a:p>
@@ -15038,6 +15074,22 @@
               <a:buFont typeface="Arial" panose="020B0604020202020204" pitchFamily="34" charset="0"/>
               <a:buChar char="•"/>
             </a:pPr>
+            <a:endParaRPr lang="es-CO" sz="2000" dirty="0">
+              <a:solidFill>
+                <a:schemeClr val="tx1">
+                  <a:lumMod val="85000"/>
+                  <a:lumOff val="15000"/>
+                </a:schemeClr>
+              </a:solidFill>
+              <a:latin typeface="Arial" panose="020B0604020202020204" pitchFamily="34" charset="0"/>
+              <a:cs typeface="Arial" panose="020B0604020202020204" pitchFamily="34" charset="0"/>
+            </a:endParaRPr>
+          </a:p>
+          <a:p>
+            <a:pPr marL="342900" indent="-342900" algn="just">
+              <a:buFont typeface="Arial" panose="020B0604020202020204" pitchFamily="34" charset="0"/>
+              <a:buChar char="•"/>
+            </a:pPr>
             <a:r>
               <a:rPr lang="es-CO" sz="2000" dirty="0">
                 <a:solidFill>
@@ -15049,8 +15101,37 @@
                 <a:latin typeface="Arial" panose="020B0604020202020204" pitchFamily="34" charset="0"/>
                 <a:cs typeface="Arial" panose="020B0604020202020204" pitchFamily="34" charset="0"/>
               </a:rPr>
-              <a:t>Desarrollar, codificar e implementar el código fuente correspondiente a los modelos para el correcto funcionamiento de la aplicación basado en los modelos y estructuras planteadas anteriormente.</a:t>
-            </a:r>
+              <a:t>Desarrollar, codificar e implementar el código fuente correspondiente a los modelos para el correcto funcionamiento de la aplicación basado en los modelos y estructuras planteadas anteriormente</a:t>
+            </a:r>
+            <a:r>
+              <a:rPr lang="es-CO" sz="2000" dirty="0" smtClean="0">
+                <a:solidFill>
+                  <a:schemeClr val="tx1">
+                    <a:lumMod val="85000"/>
+                    <a:lumOff val="15000"/>
+                  </a:schemeClr>
+                </a:solidFill>
+                <a:latin typeface="Arial" panose="020B0604020202020204" pitchFamily="34" charset="0"/>
+                <a:cs typeface="Arial" panose="020B0604020202020204" pitchFamily="34" charset="0"/>
+              </a:rPr>
+              <a:t>.</a:t>
+            </a:r>
+          </a:p>
+          <a:p>
+            <a:pPr marL="342900" indent="-342900" algn="just">
+              <a:buFont typeface="Arial" panose="020B0604020202020204" pitchFamily="34" charset="0"/>
+              <a:buChar char="•"/>
+            </a:pPr>
+            <a:endParaRPr lang="es-CO" sz="2000" dirty="0">
+              <a:solidFill>
+                <a:schemeClr val="tx1">
+                  <a:lumMod val="85000"/>
+                  <a:lumOff val="15000"/>
+                </a:schemeClr>
+              </a:solidFill>
+              <a:latin typeface="Arial" panose="020B0604020202020204" pitchFamily="34" charset="0"/>
+              <a:cs typeface="Arial" panose="020B0604020202020204" pitchFamily="34" charset="0"/>
+            </a:endParaRPr>
           </a:p>
           <a:p>
             <a:pPr marL="342900" indent="-342900" algn="just">
@@ -15395,7 +15476,7 @@
           <p:cNvPr id="4" name="Imagen 3">
             <a:extLst>
               <a:ext uri="{FF2B5EF4-FFF2-40B4-BE49-F238E27FC236}">
-                <a16:creationId xmlns:a16="http://schemas.microsoft.com/office/drawing/2014/main" id="{16D90900-6598-4986-AE8B-5DE9E3CE52D9}"/>
+                <a16:creationId xmlns:a16="http://schemas.microsoft.com/office/drawing/2014/main" xmlns="" id="{16D90900-6598-4986-AE8B-5DE9E3CE52D9}"/>
               </a:ext>
             </a:extLst>
           </p:cNvPr>
@@ -15424,6 +15505,16 @@
           <a:prstGeom prst="rect">
             <a:avLst/>
           </a:prstGeom>
+          <a:ln>
+            <a:noFill/>
+          </a:ln>
+          <a:effectLst>
+            <a:outerShdw blurRad="292100" dist="139700" dir="2700000" algn="tl" rotWithShape="0">
+              <a:srgbClr val="333333">
+                <a:alpha val="65000"/>
+              </a:srgbClr>
+            </a:outerShdw>
+          </a:effectLst>
         </p:spPr>
       </p:pic>
     </p:spTree>
@@ -15576,6 +15667,16 @@
           <a:prstGeom prst="rect">
             <a:avLst/>
           </a:prstGeom>
+          <a:ln>
+            <a:noFill/>
+          </a:ln>
+          <a:effectLst>
+            <a:outerShdw blurRad="292100" dist="139700" dir="2700000" algn="tl" rotWithShape="0">
+              <a:srgbClr val="333333">
+                <a:alpha val="65000"/>
+              </a:srgbClr>
+            </a:outerShdw>
+          </a:effectLst>
         </p:spPr>
       </p:pic>
       <p:sp>
@@ -15899,6 +16000,16 @@
           <a:prstGeom prst="rect">
             <a:avLst/>
           </a:prstGeom>
+          <a:ln>
+            <a:noFill/>
+          </a:ln>
+          <a:effectLst>
+            <a:outerShdw blurRad="292100" dist="139700" dir="2700000" algn="tl" rotWithShape="0">
+              <a:srgbClr val="333333">
+                <a:alpha val="65000"/>
+              </a:srgbClr>
+            </a:outerShdw>
+          </a:effectLst>
         </p:spPr>
       </p:pic>
       <p:sp>
@@ -15984,6 +16095,16 @@
           <a:prstGeom prst="rect">
             <a:avLst/>
           </a:prstGeom>
+          <a:ln>
+            <a:noFill/>
+          </a:ln>
+          <a:effectLst>
+            <a:outerShdw blurRad="292100" dist="139700" dir="2700000" algn="tl" rotWithShape="0">
+              <a:srgbClr val="333333">
+                <a:alpha val="65000"/>
+              </a:srgbClr>
+            </a:outerShdw>
+          </a:effectLst>
         </p:spPr>
       </p:pic>
       <p:sp>
@@ -15991,7 +16112,7 @@
           <p:cNvPr id="3" name="CuadroTexto 2">
             <a:extLst>
               <a:ext uri="{FF2B5EF4-FFF2-40B4-BE49-F238E27FC236}">
-                <a16:creationId xmlns:a16="http://schemas.microsoft.com/office/drawing/2014/main" id="{E9CC970F-E4E6-47B4-894B-BB9D00F1CF33}"/>
+                <a16:creationId xmlns:a16="http://schemas.microsoft.com/office/drawing/2014/main" xmlns="" id="{E9CC970F-E4E6-47B4-894B-BB9D00F1CF33}"/>
               </a:ext>
             </a:extLst>
           </p:cNvPr>
@@ -16090,8 +16211,27 @@
                   </a:schemeClr>
                 </a:solidFill>
               </a:rPr>
-              <a:t>Registro de Actividades y productos</a:t>
-            </a:r>
+              <a:t>Registro de Actividades y </a:t>
+            </a:r>
+            <a:r>
+              <a:rPr lang="es-CO" dirty="0" smtClean="0">
+                <a:solidFill>
+                  <a:schemeClr val="tx1">
+                    <a:lumMod val="85000"/>
+                    <a:lumOff val="15000"/>
+                  </a:schemeClr>
+                </a:solidFill>
+              </a:rPr>
+              <a:t>Productos</a:t>
+            </a:r>
+            <a:endParaRPr lang="es-CO" dirty="0">
+              <a:solidFill>
+                <a:schemeClr val="tx1">
+                  <a:lumMod val="85000"/>
+                  <a:lumOff val="15000"/>
+                </a:schemeClr>
+              </a:solidFill>
+            </a:endParaRPr>
           </a:p>
         </p:txBody>
       </p:sp>
@@ -16117,6 +16257,16 @@
           <a:prstGeom prst="rect">
             <a:avLst/>
           </a:prstGeom>
+          <a:ln>
+            <a:noFill/>
+          </a:ln>
+          <a:effectLst>
+            <a:outerShdw blurRad="292100" dist="139700" dir="2700000" algn="tl" rotWithShape="0">
+              <a:srgbClr val="333333">
+                <a:alpha val="65000"/>
+              </a:srgbClr>
+            </a:outerShdw>
+          </a:effectLst>
         </p:spPr>
       </p:pic>
       <p:pic>
@@ -16141,6 +16291,16 @@
           <a:prstGeom prst="rect">
             <a:avLst/>
           </a:prstGeom>
+          <a:ln>
+            <a:noFill/>
+          </a:ln>
+          <a:effectLst>
+            <a:outerShdw blurRad="292100" dist="139700" dir="2700000" algn="tl" rotWithShape="0">
+              <a:srgbClr val="333333">
+                <a:alpha val="65000"/>
+              </a:srgbClr>
+            </a:outerShdw>
+          </a:effectLst>
         </p:spPr>
       </p:pic>
       <p:sp>
@@ -16260,7 +16420,7 @@
     </a:clrScheme>
     <a:fontScheme name="Facet">
       <a:majorFont>
-        <a:latin typeface="Trebuchet MS" panose="020B0603020202020204"/>
+        <a:latin typeface="Trebuchet MS"/>
         <a:ea typeface=""/>
         <a:cs typeface=""/>
         <a:font script="Jpan" typeface="メイリオ"/>
@@ -16295,7 +16455,7 @@
         <a:font script="Geor" typeface="Sylfaen"/>
       </a:majorFont>
       <a:minorFont>
-        <a:latin typeface="Trebuchet MS" panose="020B0603020202020204"/>
+        <a:latin typeface="Trebuchet MS"/>
         <a:ea typeface=""/>
         <a:cs typeface=""/>
         <a:font script="Jpan" typeface="メイリオ"/>
@@ -16468,7 +16628,7 @@
   <a:extraClrSchemeLst/>
   <a:extLst>
     <a:ext uri="{05A4C25C-085E-4340-85A3-A5531E510DB2}">
-      <thm15:themeFamily xmlns:thm15="http://schemas.microsoft.com/office/thememl/2012/main" name="Facet" id="{C0C680CD-088A-49FC-A102-D699147F32B2}" vid="{CFBC31BA-B70F-4F30-BCAA-4F3011E16C4D}"/>
+      <thm15:themeFamily xmlns:thm15="http://schemas.microsoft.com/office/thememl/2012/main" xmlns="" name="Facet" id="{C0C680CD-088A-49FC-A102-D699147F32B2}" vid="{CFBC31BA-B70F-4F30-BCAA-4F3011E16C4D}"/>
     </a:ext>
   </a:extLst>
 </a:theme>

--- a/extras/docs/rdc_presentacion.pptx
+++ b/extras/docs/rdc_presentacion.pptx
@@ -127,7 +127,7 @@
   </p:defaultTextStyle>
   <p:extLst>
     <p:ext uri="{EFAFB233-063F-42B5-8137-9DF3F51BA10A}">
-      <p15:sldGuideLst xmlns:p15="http://schemas.microsoft.com/office/powerpoint/2012/main" xmlns="">
+      <p15:sldGuideLst xmlns:p15="http://schemas.microsoft.com/office/powerpoint/2012/main">
         <p15:guide id="1" orient="horz" pos="2160">
           <p15:clr>
             <a:srgbClr val="A4A3A4"/>
@@ -149,9 +149,9 @@
 </file>
 
 <file path=ppt/charts/chart1.xml><?xml version="1.0" encoding="utf-8"?>
-<c:chartSpace xmlns:c="http://schemas.openxmlformats.org/drawingml/2006/chart" xmlns:a="http://schemas.openxmlformats.org/drawingml/2006/main" xmlns:r="http://schemas.openxmlformats.org/officeDocument/2006/relationships">
+<c:chartSpace xmlns:c="http://schemas.openxmlformats.org/drawingml/2006/chart" xmlns:a="http://schemas.openxmlformats.org/drawingml/2006/main" xmlns:r="http://schemas.openxmlformats.org/officeDocument/2006/relationships" xmlns:c16r2="http://schemas.microsoft.com/office/drawing/2015/06/chart">
   <c:date1904 val="0"/>
-  <c:lang val="es-CO"/>
+  <c:lang val="es-ES"/>
   <c:roundedCorners val="1"/>
   <mc:AlternateContent xmlns:mc="http://schemas.openxmlformats.org/markup-compatibility/2006">
     <mc:Choice xmlns:c14="http://schemas.microsoft.com/office/drawing/2007/8/2/chart" Requires="c14">
@@ -330,7 +330,7 @@
               </c:numCache>
             </c:numRef>
           </c:val>
-          <c:extLst xmlns:c16r2="http://schemas.microsoft.com/office/drawing/2015/06/chart">
+          <c:extLst>
             <c:ext xmlns:c16="http://schemas.microsoft.com/office/drawing/2014/chart" uri="{C3380CC4-5D6E-409C-BE32-E72D297353CC}">
               <c16:uniqueId val="{00000000-D21C-4448-B589-C66B95183857}"/>
             </c:ext>
@@ -464,7 +464,7 @@
               </c:numCache>
             </c:numRef>
           </c:val>
-          <c:extLst xmlns:c16r2="http://schemas.microsoft.com/office/drawing/2015/06/chart">
+          <c:extLst>
             <c:ext xmlns:c16="http://schemas.microsoft.com/office/drawing/2014/chart" uri="{C3380CC4-5D6E-409C-BE32-E72D297353CC}">
               <c16:uniqueId val="{00000001-D21C-4448-B589-C66B95183857}"/>
             </c:ext>
@@ -506,7 +506,6 @@
               </a:p>
             </c:rich>
           </c:tx>
-          <c:layout/>
           <c:overlay val="0"/>
           <c:spPr>
             <a:noFill/>
@@ -587,7 +586,6 @@
               </a:p>
             </c:rich>
           </c:tx>
-          <c:layout/>
           <c:overlay val="0"/>
           <c:spPr>
             <a:noFill/>
@@ -632,7 +630,6 @@
     </c:plotArea>
     <c:legend>
       <c:legendPos val="b"/>
-      <c:layout/>
       <c:overlay val="0"/>
       <c:spPr>
         <a:noFill/>
@@ -692,9 +689,9 @@
 </file>
 
 <file path=ppt/charts/chart2.xml><?xml version="1.0" encoding="utf-8"?>
-<c:chartSpace xmlns:c="http://schemas.openxmlformats.org/drawingml/2006/chart" xmlns:a="http://schemas.openxmlformats.org/drawingml/2006/main" xmlns:r="http://schemas.openxmlformats.org/officeDocument/2006/relationships">
+<c:chartSpace xmlns:c="http://schemas.openxmlformats.org/drawingml/2006/chart" xmlns:a="http://schemas.openxmlformats.org/drawingml/2006/main" xmlns:r="http://schemas.openxmlformats.org/officeDocument/2006/relationships" xmlns:c16r2="http://schemas.microsoft.com/office/drawing/2015/06/chart">
   <c:date1904 val="0"/>
-  <c:lang val="es-CO"/>
+  <c:lang val="es-ES"/>
   <c:roundedCorners val="1"/>
   <mc:AlternateContent xmlns:mc="http://schemas.openxmlformats.org/markup-compatibility/2006">
     <mc:Choice xmlns:c14="http://schemas.microsoft.com/office/drawing/2007/8/2/chart" Requires="c14">
@@ -873,7 +870,7 @@
               </c:numCache>
             </c:numRef>
           </c:val>
-          <c:extLst xmlns:c16r2="http://schemas.microsoft.com/office/drawing/2015/06/chart">
+          <c:extLst>
             <c:ext xmlns:c16="http://schemas.microsoft.com/office/drawing/2014/chart" uri="{C3380CC4-5D6E-409C-BE32-E72D297353CC}">
               <c16:uniqueId val="{00000000-2D3E-4372-A754-D42F52A5145C}"/>
             </c:ext>
@@ -1007,7 +1004,7 @@
               </c:numCache>
             </c:numRef>
           </c:val>
-          <c:extLst xmlns:c16r2="http://schemas.microsoft.com/office/drawing/2015/06/chart">
+          <c:extLst>
             <c:ext xmlns:c16="http://schemas.microsoft.com/office/drawing/2014/chart" uri="{C3380CC4-5D6E-409C-BE32-E72D297353CC}">
               <c16:uniqueId val="{00000001-2D3E-4372-A754-D42F52A5145C}"/>
             </c:ext>
@@ -1049,7 +1046,6 @@
               </a:p>
             </c:rich>
           </c:tx>
-          <c:layout/>
           <c:overlay val="0"/>
           <c:spPr>
             <a:noFill/>
@@ -1130,7 +1126,6 @@
               </a:p>
             </c:rich>
           </c:tx>
-          <c:layout/>
           <c:overlay val="0"/>
           <c:spPr>
             <a:noFill/>
@@ -1175,7 +1170,6 @@
     </c:plotArea>
     <c:legend>
       <c:legendPos val="b"/>
-      <c:layout/>
       <c:overlay val="0"/>
       <c:spPr>
         <a:noFill/>
@@ -1232,1087 +1226,6 @@
     <c:autoUpdate val="0"/>
   </c:externalData>
 </c:chartSpace>
-</file>
-
-<file path=ppt/charts/colors1.xml><?xml version="1.0" encoding="utf-8"?>
-<cs:colorStyle xmlns:cs="http://schemas.microsoft.com/office/drawing/2012/chartStyle" xmlns:a="http://schemas.openxmlformats.org/drawingml/2006/main" meth="cycle" id="10">
-  <a:schemeClr val="accent1"/>
-  <a:schemeClr val="accent2"/>
-  <a:schemeClr val="accent3"/>
-  <a:schemeClr val="accent4"/>
-  <a:schemeClr val="accent5"/>
-  <a:schemeClr val="accent6"/>
-  <cs:variation/>
-  <cs:variation>
-    <a:lumMod val="60000"/>
-  </cs:variation>
-  <cs:variation>
-    <a:lumMod val="80000"/>
-    <a:lumOff val="20000"/>
-  </cs:variation>
-  <cs:variation>
-    <a:lumMod val="80000"/>
-  </cs:variation>
-  <cs:variation>
-    <a:lumMod val="60000"/>
-    <a:lumOff val="40000"/>
-  </cs:variation>
-  <cs:variation>
-    <a:lumMod val="50000"/>
-  </cs:variation>
-  <cs:variation>
-    <a:lumMod val="70000"/>
-    <a:lumOff val="30000"/>
-  </cs:variation>
-  <cs:variation>
-    <a:lumMod val="70000"/>
-  </cs:variation>
-  <cs:variation>
-    <a:lumMod val="50000"/>
-    <a:lumOff val="50000"/>
-  </cs:variation>
-</cs:colorStyle>
-</file>
-
-<file path=ppt/charts/colors2.xml><?xml version="1.0" encoding="utf-8"?>
-<cs:colorStyle xmlns:cs="http://schemas.microsoft.com/office/drawing/2012/chartStyle" xmlns:a="http://schemas.openxmlformats.org/drawingml/2006/main" meth="cycle" id="12">
-  <a:schemeClr val="accent2"/>
-  <a:schemeClr val="accent4"/>
-  <a:schemeClr val="accent6"/>
-  <cs:variation/>
-  <cs:variation>
-    <a:lumMod val="60000"/>
-  </cs:variation>
-  <cs:variation>
-    <a:lumMod val="80000"/>
-    <a:lumOff val="20000"/>
-  </cs:variation>
-  <cs:variation>
-    <a:lumMod val="80000"/>
-  </cs:variation>
-  <cs:variation>
-    <a:lumMod val="60000"/>
-    <a:lumOff val="40000"/>
-  </cs:variation>
-  <cs:variation>
-    <a:lumMod val="50000"/>
-  </cs:variation>
-  <cs:variation>
-    <a:lumMod val="70000"/>
-    <a:lumOff val="30000"/>
-  </cs:variation>
-  <cs:variation>
-    <a:lumMod val="70000"/>
-  </cs:variation>
-  <cs:variation>
-    <a:lumMod val="50000"/>
-    <a:lumOff val="50000"/>
-  </cs:variation>
-</cs:colorStyle>
-</file>
-
-<file path=ppt/charts/style1.xml><?xml version="1.0" encoding="utf-8"?>
-<cs:chartStyle xmlns:cs="http://schemas.microsoft.com/office/drawing/2012/chartStyle" xmlns:a="http://schemas.openxmlformats.org/drawingml/2006/main" id="340">
-  <cs:axisTitle>
-    <cs:lnRef idx="0"/>
-    <cs:fillRef idx="0"/>
-    <cs:effectRef idx="0"/>
-    <cs:fontRef idx="minor">
-      <a:schemeClr val="tx1">
-        <a:lumMod val="65000"/>
-        <a:lumOff val="35000"/>
-      </a:schemeClr>
-    </cs:fontRef>
-    <cs:defRPr sz="1197" kern="1200"/>
-  </cs:axisTitle>
-  <cs:categoryAxis>
-    <cs:lnRef idx="0"/>
-    <cs:fillRef idx="0"/>
-    <cs:effectRef idx="0"/>
-    <cs:fontRef idx="minor">
-      <a:schemeClr val="tx1">
-        <a:lumMod val="65000"/>
-        <a:lumOff val="35000"/>
-      </a:schemeClr>
-    </cs:fontRef>
-    <cs:spPr>
-      <a:ln w="12700" cap="flat" cmpd="sng" algn="ctr">
-        <a:solidFill>
-          <a:schemeClr val="tx1">
-            <a:lumMod val="15000"/>
-            <a:lumOff val="85000"/>
-          </a:schemeClr>
-        </a:solidFill>
-        <a:round/>
-      </a:ln>
-    </cs:spPr>
-    <cs:defRPr sz="1197" kern="1200"/>
-  </cs:categoryAxis>
-  <cs:chartArea mods="allowNoFillOverride allowNoLineOverride">
-    <cs:lnRef idx="0"/>
-    <cs:fillRef idx="0"/>
-    <cs:effectRef idx="0"/>
-    <cs:fontRef idx="minor">
-      <a:schemeClr val="tx2"/>
-    </cs:fontRef>
-    <cs:spPr>
-      <a:solidFill>
-        <a:schemeClr val="bg1"/>
-      </a:solidFill>
-      <a:ln w="9525" cap="flat" cmpd="sng" algn="ctr">
-        <a:solidFill>
-          <a:schemeClr val="tx1">
-            <a:lumMod val="15000"/>
-            <a:lumOff val="85000"/>
-          </a:schemeClr>
-        </a:solidFill>
-        <a:round/>
-      </a:ln>
-    </cs:spPr>
-    <cs:defRPr sz="1197" kern="1200"/>
-  </cs:chartArea>
-  <cs:dataLabel>
-    <cs:lnRef idx="0"/>
-    <cs:fillRef idx="0"/>
-    <cs:effectRef idx="0"/>
-    <cs:fontRef idx="minor">
-      <a:schemeClr val="tx1">
-        <a:lumMod val="75000"/>
-        <a:lumOff val="25000"/>
-      </a:schemeClr>
-    </cs:fontRef>
-    <cs:defRPr sz="1197" kern="1200"/>
-  </cs:dataLabel>
-  <cs:dataLabelCallout>
-    <cs:lnRef idx="0"/>
-    <cs:fillRef idx="0"/>
-    <cs:effectRef idx="0"/>
-    <cs:fontRef idx="minor">
-      <a:schemeClr val="dk1">
-        <a:lumMod val="65000"/>
-        <a:lumOff val="35000"/>
-      </a:schemeClr>
-    </cs:fontRef>
-    <cs:spPr>
-      <a:solidFill>
-        <a:schemeClr val="lt1"/>
-      </a:solidFill>
-      <a:ln>
-        <a:solidFill>
-          <a:schemeClr val="dk1">
-            <a:lumMod val="25000"/>
-            <a:lumOff val="75000"/>
-          </a:schemeClr>
-        </a:solidFill>
-      </a:ln>
-    </cs:spPr>
-    <cs:defRPr sz="1197" kern="1200"/>
-    <cs:bodyPr rot="0" spcFirstLastPara="1" vertOverflow="clip" horzOverflow="clip" vert="horz" wrap="square" lIns="36576" tIns="18288" rIns="36576" bIns="18288" anchor="ctr" anchorCtr="1">
-      <a:spAutoFit/>
-    </cs:bodyPr>
-  </cs:dataLabelCallout>
-  <cs:dataPoint>
-    <cs:lnRef idx="0"/>
-    <cs:fillRef idx="3">
-      <cs:styleClr val="auto"/>
-    </cs:fillRef>
-    <cs:effectRef idx="3"/>
-    <cs:fontRef idx="minor">
-      <a:schemeClr val="lt1"/>
-    </cs:fontRef>
-  </cs:dataPoint>
-  <cs:dataPoint3D>
-    <cs:lnRef idx="0"/>
-    <cs:fillRef idx="3">
-      <cs:styleClr val="auto"/>
-    </cs:fillRef>
-    <cs:effectRef idx="3"/>
-    <cs:fontRef idx="minor">
-      <a:schemeClr val="lt1"/>
-    </cs:fontRef>
-  </cs:dataPoint3D>
-  <cs:dataPointLine>
-    <cs:lnRef idx="0">
-      <cs:styleClr val="auto"/>
-    </cs:lnRef>
-    <cs:fillRef idx="3"/>
-    <cs:effectRef idx="3"/>
-    <cs:fontRef idx="minor">
-      <a:schemeClr val="lt1"/>
-    </cs:fontRef>
-    <cs:spPr>
-      <a:ln w="34925" cap="rnd">
-        <a:solidFill>
-          <a:schemeClr val="phClr"/>
-        </a:solidFill>
-        <a:round/>
-      </a:ln>
-    </cs:spPr>
-  </cs:dataPointLine>
-  <cs:dataPointMarker>
-    <cs:lnRef idx="0">
-      <cs:styleClr val="auto"/>
-    </cs:lnRef>
-    <cs:fillRef idx="3">
-      <cs:styleClr val="auto"/>
-    </cs:fillRef>
-    <cs:effectRef idx="3"/>
-    <cs:fontRef idx="minor">
-      <a:schemeClr val="lt1"/>
-    </cs:fontRef>
-    <cs:spPr>
-      <a:ln w="9525">
-        <a:solidFill>
-          <a:schemeClr val="phClr"/>
-        </a:solidFill>
-        <a:round/>
-      </a:ln>
-    </cs:spPr>
-  </cs:dataPointMarker>
-  <cs:dataPointMarkerLayout symbol="circle" size="6"/>
-  <cs:dataPointWireframe>
-    <cs:lnRef idx="0">
-      <cs:styleClr val="auto"/>
-    </cs:lnRef>
-    <cs:fillRef idx="3"/>
-    <cs:effectRef idx="3"/>
-    <cs:fontRef idx="minor">
-      <a:schemeClr val="lt1"/>
-    </cs:fontRef>
-    <cs:spPr>
-      <a:ln w="9525" cap="rnd">
-        <a:solidFill>
-          <a:schemeClr val="phClr"/>
-        </a:solidFill>
-        <a:round/>
-      </a:ln>
-    </cs:spPr>
-  </cs:dataPointWireframe>
-  <cs:dataTable>
-    <cs:lnRef idx="0"/>
-    <cs:fillRef idx="0"/>
-    <cs:effectRef idx="0"/>
-    <cs:fontRef idx="minor">
-      <a:schemeClr val="tx1">
-        <a:lumMod val="65000"/>
-        <a:lumOff val="35000"/>
-      </a:schemeClr>
-    </cs:fontRef>
-    <cs:spPr>
-      <a:noFill/>
-      <a:ln w="9525" cap="flat" cmpd="sng" algn="ctr">
-        <a:solidFill>
-          <a:schemeClr val="tx1">
-            <a:lumMod val="15000"/>
-            <a:lumOff val="85000"/>
-          </a:schemeClr>
-        </a:solidFill>
-        <a:round/>
-      </a:ln>
-    </cs:spPr>
-    <cs:defRPr sz="1197" kern="1200"/>
-  </cs:dataTable>
-  <cs:downBar>
-    <cs:lnRef idx="0"/>
-    <cs:fillRef idx="0"/>
-    <cs:effectRef idx="0"/>
-    <cs:fontRef idx="minor">
-      <a:schemeClr val="dk1"/>
-    </cs:fontRef>
-    <cs:spPr>
-      <a:solidFill>
-        <a:schemeClr val="dk1">
-          <a:lumMod val="65000"/>
-          <a:lumOff val="35000"/>
-        </a:schemeClr>
-      </a:solidFill>
-      <a:ln w="9525">
-        <a:solidFill>
-          <a:schemeClr val="tx1">
-            <a:lumMod val="65000"/>
-            <a:lumOff val="35000"/>
-          </a:schemeClr>
-        </a:solidFill>
-      </a:ln>
-    </cs:spPr>
-  </cs:downBar>
-  <cs:dropLine>
-    <cs:lnRef idx="0"/>
-    <cs:fillRef idx="0"/>
-    <cs:effectRef idx="0"/>
-    <cs:fontRef idx="minor">
-      <a:schemeClr val="tx1"/>
-    </cs:fontRef>
-    <cs:spPr>
-      <a:ln w="9525" cap="flat" cmpd="sng" algn="ctr">
-        <a:solidFill>
-          <a:schemeClr val="tx1">
-            <a:lumMod val="35000"/>
-            <a:lumOff val="65000"/>
-          </a:schemeClr>
-        </a:solidFill>
-        <a:round/>
-      </a:ln>
-    </cs:spPr>
-  </cs:dropLine>
-  <cs:errorBar>
-    <cs:lnRef idx="0"/>
-    <cs:fillRef idx="0"/>
-    <cs:effectRef idx="0"/>
-    <cs:fontRef idx="minor">
-      <a:schemeClr val="tx1"/>
-    </cs:fontRef>
-    <cs:spPr>
-      <a:ln w="9525" cap="flat" cmpd="sng" algn="ctr">
-        <a:solidFill>
-          <a:schemeClr val="tx1">
-            <a:lumMod val="65000"/>
-            <a:lumOff val="35000"/>
-          </a:schemeClr>
-        </a:solidFill>
-        <a:round/>
-      </a:ln>
-    </cs:spPr>
-  </cs:errorBar>
-  <cs:floor>
-    <cs:lnRef idx="0"/>
-    <cs:fillRef idx="0"/>
-    <cs:effectRef idx="0"/>
-    <cs:fontRef idx="minor">
-      <a:schemeClr val="lt1"/>
-    </cs:fontRef>
-  </cs:floor>
-  <cs:gridlineMajor>
-    <cs:lnRef idx="0"/>
-    <cs:fillRef idx="0"/>
-    <cs:effectRef idx="0"/>
-    <cs:fontRef idx="minor">
-      <a:schemeClr val="tx1"/>
-    </cs:fontRef>
-    <cs:spPr>
-      <a:ln w="9525" cap="flat" cmpd="sng" algn="ctr">
-        <a:solidFill>
-          <a:schemeClr val="tx1">
-            <a:lumMod val="15000"/>
-            <a:lumOff val="85000"/>
-          </a:schemeClr>
-        </a:solidFill>
-        <a:round/>
-      </a:ln>
-    </cs:spPr>
-  </cs:gridlineMajor>
-  <cs:gridlineMinor>
-    <cs:lnRef idx="0"/>
-    <cs:fillRef idx="0"/>
-    <cs:effectRef idx="0"/>
-    <cs:fontRef idx="minor">
-      <a:schemeClr val="tx1"/>
-    </cs:fontRef>
-    <cs:spPr>
-      <a:ln w="9525" cap="flat" cmpd="sng" algn="ctr">
-        <a:solidFill>
-          <a:schemeClr val="tx1">
-            <a:lumMod val="5000"/>
-            <a:lumOff val="95000"/>
-          </a:schemeClr>
-        </a:solidFill>
-        <a:round/>
-      </a:ln>
-    </cs:spPr>
-  </cs:gridlineMinor>
-  <cs:hiLoLine>
-    <cs:lnRef idx="0"/>
-    <cs:fillRef idx="0"/>
-    <cs:effectRef idx="0"/>
-    <cs:fontRef idx="minor">
-      <a:schemeClr val="tx1"/>
-    </cs:fontRef>
-    <cs:spPr>
-      <a:ln w="9525" cap="flat" cmpd="sng" algn="ctr">
-        <a:solidFill>
-          <a:schemeClr val="tx1">
-            <a:lumMod val="75000"/>
-            <a:lumOff val="25000"/>
-          </a:schemeClr>
-        </a:solidFill>
-        <a:round/>
-      </a:ln>
-    </cs:spPr>
-  </cs:hiLoLine>
-  <cs:leaderLine>
-    <cs:lnRef idx="0"/>
-    <cs:fillRef idx="0"/>
-    <cs:effectRef idx="0"/>
-    <cs:fontRef idx="minor">
-      <a:schemeClr val="tx1"/>
-    </cs:fontRef>
-    <cs:spPr>
-      <a:ln w="9525" cap="flat" cmpd="sng" algn="ctr">
-        <a:solidFill>
-          <a:schemeClr val="tx1">
-            <a:lumMod val="35000"/>
-            <a:lumOff val="65000"/>
-          </a:schemeClr>
-        </a:solidFill>
-        <a:round/>
-      </a:ln>
-    </cs:spPr>
-  </cs:leaderLine>
-  <cs:legend>
-    <cs:lnRef idx="0"/>
-    <cs:fillRef idx="0"/>
-    <cs:effectRef idx="0"/>
-    <cs:fontRef idx="minor">
-      <a:schemeClr val="tx1">
-        <a:lumMod val="65000"/>
-        <a:lumOff val="35000"/>
-      </a:schemeClr>
-    </cs:fontRef>
-    <cs:defRPr sz="1197" kern="1200"/>
-  </cs:legend>
-  <cs:plotArea>
-    <cs:lnRef idx="0"/>
-    <cs:fillRef idx="0"/>
-    <cs:effectRef idx="0"/>
-    <cs:fontRef idx="minor">
-      <a:schemeClr val="lt1"/>
-    </cs:fontRef>
-  </cs:plotArea>
-  <cs:plotArea3D>
-    <cs:lnRef idx="0"/>
-    <cs:fillRef idx="0"/>
-    <cs:effectRef idx="0"/>
-    <cs:fontRef idx="minor">
-      <a:schemeClr val="lt1"/>
-    </cs:fontRef>
-  </cs:plotArea3D>
-  <cs:seriesAxis>
-    <cs:lnRef idx="0"/>
-    <cs:fillRef idx="0"/>
-    <cs:effectRef idx="0"/>
-    <cs:fontRef idx="minor">
-      <a:schemeClr val="tx1">
-        <a:lumMod val="65000"/>
-        <a:lumOff val="35000"/>
-      </a:schemeClr>
-    </cs:fontRef>
-    <cs:spPr>
-      <a:ln w="12700" cap="flat" cmpd="sng" algn="ctr">
-        <a:solidFill>
-          <a:schemeClr val="tx1">
-            <a:lumMod val="15000"/>
-            <a:lumOff val="85000"/>
-          </a:schemeClr>
-        </a:solidFill>
-        <a:round/>
-      </a:ln>
-    </cs:spPr>
-    <cs:defRPr sz="1197" kern="1200"/>
-  </cs:seriesAxis>
-  <cs:seriesLine>
-    <cs:lnRef idx="0"/>
-    <cs:fillRef idx="0"/>
-    <cs:effectRef idx="0"/>
-    <cs:fontRef idx="minor">
-      <a:schemeClr val="tx1"/>
-    </cs:fontRef>
-    <cs:spPr>
-      <a:ln w="9525" cap="flat" cmpd="sng" algn="ctr">
-        <a:solidFill>
-          <a:schemeClr val="tx1">
-            <a:lumMod val="35000"/>
-            <a:lumOff val="65000"/>
-          </a:schemeClr>
-        </a:solidFill>
-        <a:round/>
-      </a:ln>
-    </cs:spPr>
-  </cs:seriesLine>
-  <cs:title>
-    <cs:lnRef idx="0"/>
-    <cs:fillRef idx="0"/>
-    <cs:effectRef idx="0"/>
-    <cs:fontRef idx="minor">
-      <a:schemeClr val="tx1">
-        <a:lumMod val="65000"/>
-        <a:lumOff val="35000"/>
-      </a:schemeClr>
-    </cs:fontRef>
-    <cs:defRPr sz="2128" b="1" kern="1200" baseline="0"/>
-  </cs:title>
-  <cs:trendline>
-    <cs:lnRef idx="0">
-      <cs:styleClr val="auto"/>
-    </cs:lnRef>
-    <cs:fillRef idx="0"/>
-    <cs:effectRef idx="0"/>
-    <cs:fontRef idx="minor">
-      <a:schemeClr val="lt1"/>
-    </cs:fontRef>
-    <cs:spPr>
-      <a:ln w="19050" cap="rnd">
-        <a:solidFill>
-          <a:schemeClr val="phClr"/>
-        </a:solidFill>
-      </a:ln>
-    </cs:spPr>
-  </cs:trendline>
-  <cs:trendlineLabel>
-    <cs:lnRef idx="0"/>
-    <cs:fillRef idx="0"/>
-    <cs:effectRef idx="0"/>
-    <cs:fontRef idx="minor">
-      <a:schemeClr val="tx1">
-        <a:lumMod val="65000"/>
-        <a:lumOff val="35000"/>
-      </a:schemeClr>
-    </cs:fontRef>
-    <cs:defRPr sz="1197" kern="1200"/>
-  </cs:trendlineLabel>
-  <cs:upBar>
-    <cs:lnRef idx="0"/>
-    <cs:fillRef idx="0"/>
-    <cs:effectRef idx="0"/>
-    <cs:fontRef idx="minor">
-      <a:schemeClr val="dk1"/>
-    </cs:fontRef>
-    <cs:spPr>
-      <a:solidFill>
-        <a:schemeClr val="lt1"/>
-      </a:solidFill>
-      <a:ln w="9525">
-        <a:solidFill>
-          <a:schemeClr val="tx1">
-            <a:lumMod val="15000"/>
-            <a:lumOff val="85000"/>
-          </a:schemeClr>
-        </a:solidFill>
-      </a:ln>
-    </cs:spPr>
-  </cs:upBar>
-  <cs:valueAxis>
-    <cs:lnRef idx="0"/>
-    <cs:fillRef idx="0"/>
-    <cs:effectRef idx="0"/>
-    <cs:fontRef idx="minor">
-      <a:schemeClr val="tx1">
-        <a:lumMod val="65000"/>
-        <a:lumOff val="35000"/>
-      </a:schemeClr>
-    </cs:fontRef>
-    <cs:defRPr sz="1197" kern="1200"/>
-  </cs:valueAxis>
-  <cs:wall>
-    <cs:lnRef idx="0"/>
-    <cs:fillRef idx="0"/>
-    <cs:effectRef idx="0"/>
-    <cs:fontRef idx="minor">
-      <a:schemeClr val="lt1"/>
-    </cs:fontRef>
-  </cs:wall>
-</cs:chartStyle>
-</file>
-
-<file path=ppt/charts/style2.xml><?xml version="1.0" encoding="utf-8"?>
-<cs:chartStyle xmlns:cs="http://schemas.microsoft.com/office/drawing/2012/chartStyle" xmlns:a="http://schemas.openxmlformats.org/drawingml/2006/main" id="340">
-  <cs:axisTitle>
-    <cs:lnRef idx="0"/>
-    <cs:fillRef idx="0"/>
-    <cs:effectRef idx="0"/>
-    <cs:fontRef idx="minor">
-      <a:schemeClr val="tx1">
-        <a:lumMod val="65000"/>
-        <a:lumOff val="35000"/>
-      </a:schemeClr>
-    </cs:fontRef>
-    <cs:defRPr sz="1197" kern="1200"/>
-  </cs:axisTitle>
-  <cs:categoryAxis>
-    <cs:lnRef idx="0"/>
-    <cs:fillRef idx="0"/>
-    <cs:effectRef idx="0"/>
-    <cs:fontRef idx="minor">
-      <a:schemeClr val="tx1">
-        <a:lumMod val="65000"/>
-        <a:lumOff val="35000"/>
-      </a:schemeClr>
-    </cs:fontRef>
-    <cs:spPr>
-      <a:ln w="12700" cap="flat" cmpd="sng" algn="ctr">
-        <a:solidFill>
-          <a:schemeClr val="tx1">
-            <a:lumMod val="15000"/>
-            <a:lumOff val="85000"/>
-          </a:schemeClr>
-        </a:solidFill>
-        <a:round/>
-      </a:ln>
-    </cs:spPr>
-    <cs:defRPr sz="1197" kern="1200"/>
-  </cs:categoryAxis>
-  <cs:chartArea mods="allowNoFillOverride allowNoLineOverride">
-    <cs:lnRef idx="0"/>
-    <cs:fillRef idx="0"/>
-    <cs:effectRef idx="0"/>
-    <cs:fontRef idx="minor">
-      <a:schemeClr val="tx2"/>
-    </cs:fontRef>
-    <cs:spPr>
-      <a:solidFill>
-        <a:schemeClr val="bg1"/>
-      </a:solidFill>
-      <a:ln w="9525" cap="flat" cmpd="sng" algn="ctr">
-        <a:solidFill>
-          <a:schemeClr val="tx1">
-            <a:lumMod val="15000"/>
-            <a:lumOff val="85000"/>
-          </a:schemeClr>
-        </a:solidFill>
-        <a:round/>
-      </a:ln>
-    </cs:spPr>
-    <cs:defRPr sz="1197" kern="1200"/>
-  </cs:chartArea>
-  <cs:dataLabel>
-    <cs:lnRef idx="0"/>
-    <cs:fillRef idx="0"/>
-    <cs:effectRef idx="0"/>
-    <cs:fontRef idx="minor">
-      <a:schemeClr val="tx1">
-        <a:lumMod val="75000"/>
-        <a:lumOff val="25000"/>
-      </a:schemeClr>
-    </cs:fontRef>
-    <cs:defRPr sz="1197" kern="1200"/>
-  </cs:dataLabel>
-  <cs:dataLabelCallout>
-    <cs:lnRef idx="0"/>
-    <cs:fillRef idx="0"/>
-    <cs:effectRef idx="0"/>
-    <cs:fontRef idx="minor">
-      <a:schemeClr val="dk1">
-        <a:lumMod val="65000"/>
-        <a:lumOff val="35000"/>
-      </a:schemeClr>
-    </cs:fontRef>
-    <cs:spPr>
-      <a:solidFill>
-        <a:schemeClr val="lt1"/>
-      </a:solidFill>
-      <a:ln>
-        <a:solidFill>
-          <a:schemeClr val="dk1">
-            <a:lumMod val="25000"/>
-            <a:lumOff val="75000"/>
-          </a:schemeClr>
-        </a:solidFill>
-      </a:ln>
-    </cs:spPr>
-    <cs:defRPr sz="1197" kern="1200"/>
-    <cs:bodyPr rot="0" spcFirstLastPara="1" vertOverflow="clip" horzOverflow="clip" vert="horz" wrap="square" lIns="36576" tIns="18288" rIns="36576" bIns="18288" anchor="ctr" anchorCtr="1">
-      <a:spAutoFit/>
-    </cs:bodyPr>
-  </cs:dataLabelCallout>
-  <cs:dataPoint>
-    <cs:lnRef idx="0"/>
-    <cs:fillRef idx="3">
-      <cs:styleClr val="auto"/>
-    </cs:fillRef>
-    <cs:effectRef idx="3"/>
-    <cs:fontRef idx="minor">
-      <a:schemeClr val="lt1"/>
-    </cs:fontRef>
-  </cs:dataPoint>
-  <cs:dataPoint3D>
-    <cs:lnRef idx="0"/>
-    <cs:fillRef idx="3">
-      <cs:styleClr val="auto"/>
-    </cs:fillRef>
-    <cs:effectRef idx="3"/>
-    <cs:fontRef idx="minor">
-      <a:schemeClr val="lt1"/>
-    </cs:fontRef>
-  </cs:dataPoint3D>
-  <cs:dataPointLine>
-    <cs:lnRef idx="0">
-      <cs:styleClr val="auto"/>
-    </cs:lnRef>
-    <cs:fillRef idx="3"/>
-    <cs:effectRef idx="3"/>
-    <cs:fontRef idx="minor">
-      <a:schemeClr val="lt1"/>
-    </cs:fontRef>
-    <cs:spPr>
-      <a:ln w="34925" cap="rnd">
-        <a:solidFill>
-          <a:schemeClr val="phClr"/>
-        </a:solidFill>
-        <a:round/>
-      </a:ln>
-    </cs:spPr>
-  </cs:dataPointLine>
-  <cs:dataPointMarker>
-    <cs:lnRef idx="0">
-      <cs:styleClr val="auto"/>
-    </cs:lnRef>
-    <cs:fillRef idx="3">
-      <cs:styleClr val="auto"/>
-    </cs:fillRef>
-    <cs:effectRef idx="3"/>
-    <cs:fontRef idx="minor">
-      <a:schemeClr val="lt1"/>
-    </cs:fontRef>
-    <cs:spPr>
-      <a:ln w="9525">
-        <a:solidFill>
-          <a:schemeClr val="phClr"/>
-        </a:solidFill>
-        <a:round/>
-      </a:ln>
-    </cs:spPr>
-  </cs:dataPointMarker>
-  <cs:dataPointMarkerLayout symbol="circle" size="6"/>
-  <cs:dataPointWireframe>
-    <cs:lnRef idx="0">
-      <cs:styleClr val="auto"/>
-    </cs:lnRef>
-    <cs:fillRef idx="3"/>
-    <cs:effectRef idx="3"/>
-    <cs:fontRef idx="minor">
-      <a:schemeClr val="lt1"/>
-    </cs:fontRef>
-    <cs:spPr>
-      <a:ln w="9525" cap="rnd">
-        <a:solidFill>
-          <a:schemeClr val="phClr"/>
-        </a:solidFill>
-        <a:round/>
-      </a:ln>
-    </cs:spPr>
-  </cs:dataPointWireframe>
-  <cs:dataTable>
-    <cs:lnRef idx="0"/>
-    <cs:fillRef idx="0"/>
-    <cs:effectRef idx="0"/>
-    <cs:fontRef idx="minor">
-      <a:schemeClr val="tx1">
-        <a:lumMod val="65000"/>
-        <a:lumOff val="35000"/>
-      </a:schemeClr>
-    </cs:fontRef>
-    <cs:spPr>
-      <a:noFill/>
-      <a:ln w="9525" cap="flat" cmpd="sng" algn="ctr">
-        <a:solidFill>
-          <a:schemeClr val="tx1">
-            <a:lumMod val="15000"/>
-            <a:lumOff val="85000"/>
-          </a:schemeClr>
-        </a:solidFill>
-        <a:round/>
-      </a:ln>
-    </cs:spPr>
-    <cs:defRPr sz="1197" kern="1200"/>
-  </cs:dataTable>
-  <cs:downBar>
-    <cs:lnRef idx="0"/>
-    <cs:fillRef idx="0"/>
-    <cs:effectRef idx="0"/>
-    <cs:fontRef idx="minor">
-      <a:schemeClr val="dk1"/>
-    </cs:fontRef>
-    <cs:spPr>
-      <a:solidFill>
-        <a:schemeClr val="dk1">
-          <a:lumMod val="65000"/>
-          <a:lumOff val="35000"/>
-        </a:schemeClr>
-      </a:solidFill>
-      <a:ln w="9525">
-        <a:solidFill>
-          <a:schemeClr val="tx1">
-            <a:lumMod val="65000"/>
-            <a:lumOff val="35000"/>
-          </a:schemeClr>
-        </a:solidFill>
-      </a:ln>
-    </cs:spPr>
-  </cs:downBar>
-  <cs:dropLine>
-    <cs:lnRef idx="0"/>
-    <cs:fillRef idx="0"/>
-    <cs:effectRef idx="0"/>
-    <cs:fontRef idx="minor">
-      <a:schemeClr val="tx1"/>
-    </cs:fontRef>
-    <cs:spPr>
-      <a:ln w="9525" cap="flat" cmpd="sng" algn="ctr">
-        <a:solidFill>
-          <a:schemeClr val="tx1">
-            <a:lumMod val="35000"/>
-            <a:lumOff val="65000"/>
-          </a:schemeClr>
-        </a:solidFill>
-        <a:round/>
-      </a:ln>
-    </cs:spPr>
-  </cs:dropLine>
-  <cs:errorBar>
-    <cs:lnRef idx="0"/>
-    <cs:fillRef idx="0"/>
-    <cs:effectRef idx="0"/>
-    <cs:fontRef idx="minor">
-      <a:schemeClr val="tx1"/>
-    </cs:fontRef>
-    <cs:spPr>
-      <a:ln w="9525" cap="flat" cmpd="sng" algn="ctr">
-        <a:solidFill>
-          <a:schemeClr val="tx1">
-            <a:lumMod val="65000"/>
-            <a:lumOff val="35000"/>
-          </a:schemeClr>
-        </a:solidFill>
-        <a:round/>
-      </a:ln>
-    </cs:spPr>
-  </cs:errorBar>
-  <cs:floor>
-    <cs:lnRef idx="0"/>
-    <cs:fillRef idx="0"/>
-    <cs:effectRef idx="0"/>
-    <cs:fontRef idx="minor">
-      <a:schemeClr val="lt1"/>
-    </cs:fontRef>
-  </cs:floor>
-  <cs:gridlineMajor>
-    <cs:lnRef idx="0"/>
-    <cs:fillRef idx="0"/>
-    <cs:effectRef idx="0"/>
-    <cs:fontRef idx="minor">
-      <a:schemeClr val="tx1"/>
-    </cs:fontRef>
-    <cs:spPr>
-      <a:ln w="9525" cap="flat" cmpd="sng" algn="ctr">
-        <a:solidFill>
-          <a:schemeClr val="tx1">
-            <a:lumMod val="15000"/>
-            <a:lumOff val="85000"/>
-          </a:schemeClr>
-        </a:solidFill>
-        <a:round/>
-      </a:ln>
-    </cs:spPr>
-  </cs:gridlineMajor>
-  <cs:gridlineMinor>
-    <cs:lnRef idx="0"/>
-    <cs:fillRef idx="0"/>
-    <cs:effectRef idx="0"/>
-    <cs:fontRef idx="minor">
-      <a:schemeClr val="tx1"/>
-    </cs:fontRef>
-    <cs:spPr>
-      <a:ln w="9525" cap="flat" cmpd="sng" algn="ctr">
-        <a:solidFill>
-          <a:schemeClr val="tx1">
-            <a:lumMod val="5000"/>
-            <a:lumOff val="95000"/>
-          </a:schemeClr>
-        </a:solidFill>
-        <a:round/>
-      </a:ln>
-    </cs:spPr>
-  </cs:gridlineMinor>
-  <cs:hiLoLine>
-    <cs:lnRef idx="0"/>
-    <cs:fillRef idx="0"/>
-    <cs:effectRef idx="0"/>
-    <cs:fontRef idx="minor">
-      <a:schemeClr val="tx1"/>
-    </cs:fontRef>
-    <cs:spPr>
-      <a:ln w="9525" cap="flat" cmpd="sng" algn="ctr">
-        <a:solidFill>
-          <a:schemeClr val="tx1">
-            <a:lumMod val="75000"/>
-            <a:lumOff val="25000"/>
-          </a:schemeClr>
-        </a:solidFill>
-        <a:round/>
-      </a:ln>
-    </cs:spPr>
-  </cs:hiLoLine>
-  <cs:leaderLine>
-    <cs:lnRef idx="0"/>
-    <cs:fillRef idx="0"/>
-    <cs:effectRef idx="0"/>
-    <cs:fontRef idx="minor">
-      <a:schemeClr val="tx1"/>
-    </cs:fontRef>
-    <cs:spPr>
-      <a:ln w="9525" cap="flat" cmpd="sng" algn="ctr">
-        <a:solidFill>
-          <a:schemeClr val="tx1">
-            <a:lumMod val="35000"/>
-            <a:lumOff val="65000"/>
-          </a:schemeClr>
-        </a:solidFill>
-        <a:round/>
-      </a:ln>
-    </cs:spPr>
-  </cs:leaderLine>
-  <cs:legend>
-    <cs:lnRef idx="0"/>
-    <cs:fillRef idx="0"/>
-    <cs:effectRef idx="0"/>
-    <cs:fontRef idx="minor">
-      <a:schemeClr val="tx1">
-        <a:lumMod val="65000"/>
-        <a:lumOff val="35000"/>
-      </a:schemeClr>
-    </cs:fontRef>
-    <cs:defRPr sz="1197" kern="1200"/>
-  </cs:legend>
-  <cs:plotArea>
-    <cs:lnRef idx="0"/>
-    <cs:fillRef idx="0"/>
-    <cs:effectRef idx="0"/>
-    <cs:fontRef idx="minor">
-      <a:schemeClr val="lt1"/>
-    </cs:fontRef>
-  </cs:plotArea>
-  <cs:plotArea3D>
-    <cs:lnRef idx="0"/>
-    <cs:fillRef idx="0"/>
-    <cs:effectRef idx="0"/>
-    <cs:fontRef idx="minor">
-      <a:schemeClr val="lt1"/>
-    </cs:fontRef>
-  </cs:plotArea3D>
-  <cs:seriesAxis>
-    <cs:lnRef idx="0"/>
-    <cs:fillRef idx="0"/>
-    <cs:effectRef idx="0"/>
-    <cs:fontRef idx="minor">
-      <a:schemeClr val="tx1">
-        <a:lumMod val="65000"/>
-        <a:lumOff val="35000"/>
-      </a:schemeClr>
-    </cs:fontRef>
-    <cs:spPr>
-      <a:ln w="12700" cap="flat" cmpd="sng" algn="ctr">
-        <a:solidFill>
-          <a:schemeClr val="tx1">
-            <a:lumMod val="15000"/>
-            <a:lumOff val="85000"/>
-          </a:schemeClr>
-        </a:solidFill>
-        <a:round/>
-      </a:ln>
-    </cs:spPr>
-    <cs:defRPr sz="1197" kern="1200"/>
-  </cs:seriesAxis>
-  <cs:seriesLine>
-    <cs:lnRef idx="0"/>
-    <cs:fillRef idx="0"/>
-    <cs:effectRef idx="0"/>
-    <cs:fontRef idx="minor">
-      <a:schemeClr val="tx1"/>
-    </cs:fontRef>
-    <cs:spPr>
-      <a:ln w="9525" cap="flat" cmpd="sng" algn="ctr">
-        <a:solidFill>
-          <a:schemeClr val="tx1">
-            <a:lumMod val="35000"/>
-            <a:lumOff val="65000"/>
-          </a:schemeClr>
-        </a:solidFill>
-        <a:round/>
-      </a:ln>
-    </cs:spPr>
-  </cs:seriesLine>
-  <cs:title>
-    <cs:lnRef idx="0"/>
-    <cs:fillRef idx="0"/>
-    <cs:effectRef idx="0"/>
-    <cs:fontRef idx="minor">
-      <a:schemeClr val="tx1">
-        <a:lumMod val="65000"/>
-        <a:lumOff val="35000"/>
-      </a:schemeClr>
-    </cs:fontRef>
-    <cs:defRPr sz="2128" b="1" kern="1200" baseline="0"/>
-  </cs:title>
-  <cs:trendline>
-    <cs:lnRef idx="0">
-      <cs:styleClr val="auto"/>
-    </cs:lnRef>
-    <cs:fillRef idx="0"/>
-    <cs:effectRef idx="0"/>
-    <cs:fontRef idx="minor">
-      <a:schemeClr val="lt1"/>
-    </cs:fontRef>
-    <cs:spPr>
-      <a:ln w="19050" cap="rnd">
-        <a:solidFill>
-          <a:schemeClr val="phClr"/>
-        </a:solidFill>
-      </a:ln>
-    </cs:spPr>
-  </cs:trendline>
-  <cs:trendlineLabel>
-    <cs:lnRef idx="0"/>
-    <cs:fillRef idx="0"/>
-    <cs:effectRef idx="0"/>
-    <cs:fontRef idx="minor">
-      <a:schemeClr val="tx1">
-        <a:lumMod val="65000"/>
-        <a:lumOff val="35000"/>
-      </a:schemeClr>
-    </cs:fontRef>
-    <cs:defRPr sz="1197" kern="1200"/>
-  </cs:trendlineLabel>
-  <cs:upBar>
-    <cs:lnRef idx="0"/>
-    <cs:fillRef idx="0"/>
-    <cs:effectRef idx="0"/>
-    <cs:fontRef idx="minor">
-      <a:schemeClr val="dk1"/>
-    </cs:fontRef>
-    <cs:spPr>
-      <a:solidFill>
-        <a:schemeClr val="lt1"/>
-      </a:solidFill>
-      <a:ln w="9525">
-        <a:solidFill>
-          <a:schemeClr val="tx1">
-            <a:lumMod val="15000"/>
-            <a:lumOff val="85000"/>
-          </a:schemeClr>
-        </a:solidFill>
-      </a:ln>
-    </cs:spPr>
-  </cs:upBar>
-  <cs:valueAxis>
-    <cs:lnRef idx="0"/>
-    <cs:fillRef idx="0"/>
-    <cs:effectRef idx="0"/>
-    <cs:fontRef idx="minor">
-      <a:schemeClr val="tx1">
-        <a:lumMod val="65000"/>
-        <a:lumOff val="35000"/>
-      </a:schemeClr>
-    </cs:fontRef>
-    <cs:defRPr sz="1197" kern="1200"/>
-  </cs:valueAxis>
-  <cs:wall>
-    <cs:lnRef idx="0"/>
-    <cs:fillRef idx="0"/>
-    <cs:effectRef idx="0"/>
-    <cs:fontRef idx="minor">
-      <a:schemeClr val="lt1"/>
-    </cs:fontRef>
-  </cs:wall>
-</cs:chartStyle>
 </file>
 
 <file path=ppt/slideLayouts/slideLayout1.xml><?xml version="1.0" encoding="utf-8"?>
@@ -8934,7 +7847,7 @@
           <p:cNvPr id="2" name="Marcador de contenido 1">
             <a:extLst>
               <a:ext uri="{FF2B5EF4-FFF2-40B4-BE49-F238E27FC236}">
-                <a16:creationId xmlns:a16="http://schemas.microsoft.com/office/drawing/2014/main" xmlns="" id="{BFB8CA3A-775A-4283-B473-CBA3C699E771}"/>
+                <a16:creationId xmlns:a16="http://schemas.microsoft.com/office/drawing/2014/main" id="{BFB8CA3A-775A-4283-B473-CBA3C699E771}"/>
               </a:ext>
             </a:extLst>
           </p:cNvPr>
@@ -8964,14 +7877,14 @@
                 <a:gridCol w="5304444">
                   <a:extLst>
                     <a:ext uri="{9D8B030D-6E8A-4147-A177-3AD203B41FA5}">
-                      <a16:colId xmlns:a16="http://schemas.microsoft.com/office/drawing/2014/main" xmlns="" val="2602485393"/>
+                      <a16:colId xmlns:a16="http://schemas.microsoft.com/office/drawing/2014/main" val="2602485393"/>
                     </a:ext>
                   </a:extLst>
                 </a:gridCol>
                 <a:gridCol w="1728977">
                   <a:extLst>
                     <a:ext uri="{9D8B030D-6E8A-4147-A177-3AD203B41FA5}">
-                      <a16:colId xmlns:a16="http://schemas.microsoft.com/office/drawing/2014/main" xmlns="" val="2786604418"/>
+                      <a16:colId xmlns:a16="http://schemas.microsoft.com/office/drawing/2014/main" val="2786604418"/>
                     </a:ext>
                   </a:extLst>
                 </a:gridCol>
@@ -9059,7 +7972,7 @@
                 </a:tc>
                 <a:extLst>
                   <a:ext uri="{0D108BD9-81ED-4DB2-BD59-A6C34878D82A}">
-                    <a16:rowId xmlns:a16="http://schemas.microsoft.com/office/drawing/2014/main" xmlns="" val="680232555"/>
+                    <a16:rowId xmlns:a16="http://schemas.microsoft.com/office/drawing/2014/main" val="680232555"/>
                   </a:ext>
                 </a:extLst>
               </a:tr>
@@ -9146,7 +8059,7 @@
                 </a:tc>
                 <a:extLst>
                   <a:ext uri="{0D108BD9-81ED-4DB2-BD59-A6C34878D82A}">
-                    <a16:rowId xmlns:a16="http://schemas.microsoft.com/office/drawing/2014/main" xmlns="" val="3577557739"/>
+                    <a16:rowId xmlns:a16="http://schemas.microsoft.com/office/drawing/2014/main" val="3577557739"/>
                   </a:ext>
                 </a:extLst>
               </a:tr>
@@ -9233,7 +8146,7 @@
                 </a:tc>
                 <a:extLst>
                   <a:ext uri="{0D108BD9-81ED-4DB2-BD59-A6C34878D82A}">
-                    <a16:rowId xmlns:a16="http://schemas.microsoft.com/office/drawing/2014/main" xmlns="" val="3154357346"/>
+                    <a16:rowId xmlns:a16="http://schemas.microsoft.com/office/drawing/2014/main" val="3154357346"/>
                   </a:ext>
                 </a:extLst>
               </a:tr>
@@ -9320,7 +8233,7 @@
                 </a:tc>
                 <a:extLst>
                   <a:ext uri="{0D108BD9-81ED-4DB2-BD59-A6C34878D82A}">
-                    <a16:rowId xmlns:a16="http://schemas.microsoft.com/office/drawing/2014/main" xmlns="" val="2015189163"/>
+                    <a16:rowId xmlns:a16="http://schemas.microsoft.com/office/drawing/2014/main" val="2015189163"/>
                   </a:ext>
                 </a:extLst>
               </a:tr>
@@ -9407,7 +8320,7 @@
                 </a:tc>
                 <a:extLst>
                   <a:ext uri="{0D108BD9-81ED-4DB2-BD59-A6C34878D82A}">
-                    <a16:rowId xmlns:a16="http://schemas.microsoft.com/office/drawing/2014/main" xmlns="" val="3033574485"/>
+                    <a16:rowId xmlns:a16="http://schemas.microsoft.com/office/drawing/2014/main" val="3033574485"/>
                   </a:ext>
                 </a:extLst>
               </a:tr>
@@ -9494,7 +8407,7 @@
                 </a:tc>
                 <a:extLst>
                   <a:ext uri="{0D108BD9-81ED-4DB2-BD59-A6C34878D82A}">
-                    <a16:rowId xmlns:a16="http://schemas.microsoft.com/office/drawing/2014/main" xmlns="" val="105546820"/>
+                    <a16:rowId xmlns:a16="http://schemas.microsoft.com/office/drawing/2014/main" val="105546820"/>
                   </a:ext>
                 </a:extLst>
               </a:tr>
@@ -9581,7 +8494,7 @@
                 </a:tc>
                 <a:extLst>
                   <a:ext uri="{0D108BD9-81ED-4DB2-BD59-A6C34878D82A}">
-                    <a16:rowId xmlns:a16="http://schemas.microsoft.com/office/drawing/2014/main" xmlns="" val="1824869552"/>
+                    <a16:rowId xmlns:a16="http://schemas.microsoft.com/office/drawing/2014/main" val="1824869552"/>
                   </a:ext>
                 </a:extLst>
               </a:tr>
@@ -9668,7 +8581,7 @@
                 </a:tc>
                 <a:extLst>
                   <a:ext uri="{0D108BD9-81ED-4DB2-BD59-A6C34878D82A}">
-                    <a16:rowId xmlns:a16="http://schemas.microsoft.com/office/drawing/2014/main" xmlns="" val="3109995033"/>
+                    <a16:rowId xmlns:a16="http://schemas.microsoft.com/office/drawing/2014/main" val="3109995033"/>
                   </a:ext>
                 </a:extLst>
               </a:tr>
@@ -9755,7 +8668,7 @@
                 </a:tc>
                 <a:extLst>
                   <a:ext uri="{0D108BD9-81ED-4DB2-BD59-A6C34878D82A}">
-                    <a16:rowId xmlns:a16="http://schemas.microsoft.com/office/drawing/2014/main" xmlns="" val="3267673382"/>
+                    <a16:rowId xmlns:a16="http://schemas.microsoft.com/office/drawing/2014/main" val="3267673382"/>
                   </a:ext>
                 </a:extLst>
               </a:tr>
@@ -9842,7 +8755,7 @@
                 </a:tc>
                 <a:extLst>
                   <a:ext uri="{0D108BD9-81ED-4DB2-BD59-A6C34878D82A}">
-                    <a16:rowId xmlns:a16="http://schemas.microsoft.com/office/drawing/2014/main" xmlns="" val="1788793914"/>
+                    <a16:rowId xmlns:a16="http://schemas.microsoft.com/office/drawing/2014/main" val="1788793914"/>
                   </a:ext>
                 </a:extLst>
               </a:tr>
@@ -9929,7 +8842,7 @@
                 </a:tc>
                 <a:extLst>
                   <a:ext uri="{0D108BD9-81ED-4DB2-BD59-A6C34878D82A}">
-                    <a16:rowId xmlns:a16="http://schemas.microsoft.com/office/drawing/2014/main" xmlns="" val="758896334"/>
+                    <a16:rowId xmlns:a16="http://schemas.microsoft.com/office/drawing/2014/main" val="758896334"/>
                   </a:ext>
                 </a:extLst>
               </a:tr>
@@ -10016,7 +8929,7 @@
                 </a:tc>
                 <a:extLst>
                   <a:ext uri="{0D108BD9-81ED-4DB2-BD59-A6C34878D82A}">
-                    <a16:rowId xmlns:a16="http://schemas.microsoft.com/office/drawing/2014/main" xmlns="" val="2965732642"/>
+                    <a16:rowId xmlns:a16="http://schemas.microsoft.com/office/drawing/2014/main" val="2965732642"/>
                   </a:ext>
                 </a:extLst>
               </a:tr>
@@ -10103,7 +9016,7 @@
                 </a:tc>
                 <a:extLst>
                   <a:ext uri="{0D108BD9-81ED-4DB2-BD59-A6C34878D82A}">
-                    <a16:rowId xmlns:a16="http://schemas.microsoft.com/office/drawing/2014/main" xmlns="" val="456296594"/>
+                    <a16:rowId xmlns:a16="http://schemas.microsoft.com/office/drawing/2014/main" val="456296594"/>
                   </a:ext>
                 </a:extLst>
               </a:tr>
@@ -10190,7 +9103,7 @@
                 </a:tc>
                 <a:extLst>
                   <a:ext uri="{0D108BD9-81ED-4DB2-BD59-A6C34878D82A}">
-                    <a16:rowId xmlns:a16="http://schemas.microsoft.com/office/drawing/2014/main" xmlns="" val="1809744462"/>
+                    <a16:rowId xmlns:a16="http://schemas.microsoft.com/office/drawing/2014/main" val="1809744462"/>
                   </a:ext>
                 </a:extLst>
               </a:tr>
@@ -10277,7 +9190,7 @@
                 </a:tc>
                 <a:extLst>
                   <a:ext uri="{0D108BD9-81ED-4DB2-BD59-A6C34878D82A}">
-                    <a16:rowId xmlns:a16="http://schemas.microsoft.com/office/drawing/2014/main" xmlns="" val="3437766592"/>
+                    <a16:rowId xmlns:a16="http://schemas.microsoft.com/office/drawing/2014/main" val="3437766592"/>
                   </a:ext>
                 </a:extLst>
               </a:tr>
@@ -10442,7 +9355,7 @@
           <p:cNvPr id="6" name="Marcador de contenido 5">
             <a:extLst>
               <a:ext uri="{FF2B5EF4-FFF2-40B4-BE49-F238E27FC236}">
-                <a16:creationId xmlns:a16="http://schemas.microsoft.com/office/drawing/2014/main" xmlns="" id="{33CC28FB-25F0-4849-B092-1742F3204970}"/>
+                <a16:creationId xmlns:a16="http://schemas.microsoft.com/office/drawing/2014/main" id="{33CC28FB-25F0-4849-B092-1742F3204970}"/>
               </a:ext>
             </a:extLst>
           </p:cNvPr>
@@ -10472,42 +9385,42 @@
                 <a:gridCol w="937437">
                   <a:extLst>
                     <a:ext uri="{9D8B030D-6E8A-4147-A177-3AD203B41FA5}">
-                      <a16:colId xmlns:a16="http://schemas.microsoft.com/office/drawing/2014/main" xmlns="" val="1021433285"/>
+                      <a16:colId xmlns:a16="http://schemas.microsoft.com/office/drawing/2014/main" val="1021433285"/>
                     </a:ext>
                   </a:extLst>
                 </a:gridCol>
                 <a:gridCol w="937437">
                   <a:extLst>
                     <a:ext uri="{9D8B030D-6E8A-4147-A177-3AD203B41FA5}">
-                      <a16:colId xmlns:a16="http://schemas.microsoft.com/office/drawing/2014/main" xmlns="" val="1809417385"/>
+                      <a16:colId xmlns:a16="http://schemas.microsoft.com/office/drawing/2014/main" val="1809417385"/>
                     </a:ext>
                   </a:extLst>
                 </a:gridCol>
                 <a:gridCol w="937437">
                   <a:extLst>
                     <a:ext uri="{9D8B030D-6E8A-4147-A177-3AD203B41FA5}">
-                      <a16:colId xmlns:a16="http://schemas.microsoft.com/office/drawing/2014/main" xmlns="" val="1689638878"/>
+                      <a16:colId xmlns:a16="http://schemas.microsoft.com/office/drawing/2014/main" val="1689638878"/>
                     </a:ext>
                   </a:extLst>
                 </a:gridCol>
                 <a:gridCol w="937437">
                   <a:extLst>
                     <a:ext uri="{9D8B030D-6E8A-4147-A177-3AD203B41FA5}">
-                      <a16:colId xmlns:a16="http://schemas.microsoft.com/office/drawing/2014/main" xmlns="" val="2762686330"/>
+                      <a16:colId xmlns:a16="http://schemas.microsoft.com/office/drawing/2014/main" val="2762686330"/>
                     </a:ext>
                   </a:extLst>
                 </a:gridCol>
                 <a:gridCol w="937437">
                   <a:extLst>
                     <a:ext uri="{9D8B030D-6E8A-4147-A177-3AD203B41FA5}">
-                      <a16:colId xmlns:a16="http://schemas.microsoft.com/office/drawing/2014/main" xmlns="" val="2113957765"/>
+                      <a16:colId xmlns:a16="http://schemas.microsoft.com/office/drawing/2014/main" val="2113957765"/>
                     </a:ext>
                   </a:extLst>
                 </a:gridCol>
                 <a:gridCol w="937437">
                   <a:extLst>
                     <a:ext uri="{9D8B030D-6E8A-4147-A177-3AD203B41FA5}">
-                      <a16:colId xmlns:a16="http://schemas.microsoft.com/office/drawing/2014/main" xmlns="" val="2495045676"/>
+                      <a16:colId xmlns:a16="http://schemas.microsoft.com/office/drawing/2014/main" val="2495045676"/>
                     </a:ext>
                   </a:extLst>
                 </a:gridCol>
@@ -10639,7 +9552,7 @@
                 </a:tc>
                 <a:extLst>
                   <a:ext uri="{0D108BD9-81ED-4DB2-BD59-A6C34878D82A}">
-                    <a16:rowId xmlns:a16="http://schemas.microsoft.com/office/drawing/2014/main" xmlns="" val="1205791969"/>
+                    <a16:rowId xmlns:a16="http://schemas.microsoft.com/office/drawing/2014/main" val="1205791969"/>
                   </a:ext>
                 </a:extLst>
               </a:tr>
@@ -10770,7 +9683,7 @@
                 </a:tc>
                 <a:extLst>
                   <a:ext uri="{0D108BD9-81ED-4DB2-BD59-A6C34878D82A}">
-                    <a16:rowId xmlns:a16="http://schemas.microsoft.com/office/drawing/2014/main" xmlns="" val="3190319937"/>
+                    <a16:rowId xmlns:a16="http://schemas.microsoft.com/office/drawing/2014/main" val="3190319937"/>
                   </a:ext>
                 </a:extLst>
               </a:tr>
@@ -10933,7 +9846,7 @@
                 </a:tc>
                 <a:extLst>
                   <a:ext uri="{0D108BD9-81ED-4DB2-BD59-A6C34878D82A}">
-                    <a16:rowId xmlns:a16="http://schemas.microsoft.com/office/drawing/2014/main" xmlns="" val="3057983255"/>
+                    <a16:rowId xmlns:a16="http://schemas.microsoft.com/office/drawing/2014/main" val="3057983255"/>
                   </a:ext>
                 </a:extLst>
               </a:tr>
@@ -11080,7 +9993,7 @@
                 </a:tc>
                 <a:extLst>
                   <a:ext uri="{0D108BD9-81ED-4DB2-BD59-A6C34878D82A}">
-                    <a16:rowId xmlns:a16="http://schemas.microsoft.com/office/drawing/2014/main" xmlns="" val="142723232"/>
+                    <a16:rowId xmlns:a16="http://schemas.microsoft.com/office/drawing/2014/main" val="142723232"/>
                   </a:ext>
                 </a:extLst>
               </a:tr>
@@ -11227,7 +10140,7 @@
                 </a:tc>
                 <a:extLst>
                   <a:ext uri="{0D108BD9-81ED-4DB2-BD59-A6C34878D82A}">
-                    <a16:rowId xmlns:a16="http://schemas.microsoft.com/office/drawing/2014/main" xmlns="" val="2010654794"/>
+                    <a16:rowId xmlns:a16="http://schemas.microsoft.com/office/drawing/2014/main" val="2010654794"/>
                   </a:ext>
                 </a:extLst>
               </a:tr>
@@ -11374,7 +10287,7 @@
                 </a:tc>
                 <a:extLst>
                   <a:ext uri="{0D108BD9-81ED-4DB2-BD59-A6C34878D82A}">
-                    <a16:rowId xmlns:a16="http://schemas.microsoft.com/office/drawing/2014/main" xmlns="" val="3090693922"/>
+                    <a16:rowId xmlns:a16="http://schemas.microsoft.com/office/drawing/2014/main" val="3090693922"/>
                   </a:ext>
                 </a:extLst>
               </a:tr>
@@ -11537,7 +10450,7 @@
                 </a:tc>
                 <a:extLst>
                   <a:ext uri="{0D108BD9-81ED-4DB2-BD59-A6C34878D82A}">
-                    <a16:rowId xmlns:a16="http://schemas.microsoft.com/office/drawing/2014/main" xmlns="" val="627599904"/>
+                    <a16:rowId xmlns:a16="http://schemas.microsoft.com/office/drawing/2014/main" val="627599904"/>
                   </a:ext>
                 </a:extLst>
               </a:tr>
@@ -11684,7 +10597,7 @@
                 </a:tc>
                 <a:extLst>
                   <a:ext uri="{0D108BD9-81ED-4DB2-BD59-A6C34878D82A}">
-                    <a16:rowId xmlns:a16="http://schemas.microsoft.com/office/drawing/2014/main" xmlns="" val="2241206887"/>
+                    <a16:rowId xmlns:a16="http://schemas.microsoft.com/office/drawing/2014/main" val="2241206887"/>
                   </a:ext>
                 </a:extLst>
               </a:tr>
@@ -11831,7 +10744,7 @@
                 </a:tc>
                 <a:extLst>
                   <a:ext uri="{0D108BD9-81ED-4DB2-BD59-A6C34878D82A}">
-                    <a16:rowId xmlns:a16="http://schemas.microsoft.com/office/drawing/2014/main" xmlns="" val="552371880"/>
+                    <a16:rowId xmlns:a16="http://schemas.microsoft.com/office/drawing/2014/main" val="552371880"/>
                   </a:ext>
                 </a:extLst>
               </a:tr>
@@ -11978,7 +10891,7 @@
                 </a:tc>
                 <a:extLst>
                   <a:ext uri="{0D108BD9-81ED-4DB2-BD59-A6C34878D82A}">
-                    <a16:rowId xmlns:a16="http://schemas.microsoft.com/office/drawing/2014/main" xmlns="" val="116541910"/>
+                    <a16:rowId xmlns:a16="http://schemas.microsoft.com/office/drawing/2014/main" val="116541910"/>
                   </a:ext>
                 </a:extLst>
               </a:tr>
@@ -12125,7 +11038,7 @@
                 </a:tc>
                 <a:extLst>
                   <a:ext uri="{0D108BD9-81ED-4DB2-BD59-A6C34878D82A}">
-                    <a16:rowId xmlns:a16="http://schemas.microsoft.com/office/drawing/2014/main" xmlns="" val="1742673978"/>
+                    <a16:rowId xmlns:a16="http://schemas.microsoft.com/office/drawing/2014/main" val="1742673978"/>
                   </a:ext>
                 </a:extLst>
               </a:tr>
@@ -12272,7 +11185,7 @@
                 </a:tc>
                 <a:extLst>
                   <a:ext uri="{0D108BD9-81ED-4DB2-BD59-A6C34878D82A}">
-                    <a16:rowId xmlns:a16="http://schemas.microsoft.com/office/drawing/2014/main" xmlns="" val="722975958"/>
+                    <a16:rowId xmlns:a16="http://schemas.microsoft.com/office/drawing/2014/main" val="722975958"/>
                   </a:ext>
                 </a:extLst>
               </a:tr>
@@ -12435,7 +11348,7 @@
                 </a:tc>
                 <a:extLst>
                   <a:ext uri="{0D108BD9-81ED-4DB2-BD59-A6C34878D82A}">
-                    <a16:rowId xmlns:a16="http://schemas.microsoft.com/office/drawing/2014/main" xmlns="" val="2653783117"/>
+                    <a16:rowId xmlns:a16="http://schemas.microsoft.com/office/drawing/2014/main" val="2653783117"/>
                   </a:ext>
                 </a:extLst>
               </a:tr>
@@ -12539,7 +11452,7 @@
           <p:cNvPr id="8" name="Chart 1" title="Chart">
             <a:extLst>
               <a:ext uri="{FF2B5EF4-FFF2-40B4-BE49-F238E27FC236}">
-                <a16:creationId xmlns:a16="http://schemas.microsoft.com/office/drawing/2014/main" xmlns="" id="{00000000-0008-0000-0000-000003000000}"/>
+                <a16:creationId xmlns:a16="http://schemas.microsoft.com/office/drawing/2014/main" id="{00000000-0008-0000-0000-000003000000}"/>
               </a:ext>
             </a:extLst>
           </p:cNvPr>
@@ -12569,7 +11482,7 @@
           <p:cNvPr id="9" name="Chart 1" title="Chart">
             <a:extLst>
               <a:ext uri="{FF2B5EF4-FFF2-40B4-BE49-F238E27FC236}">
-                <a16:creationId xmlns:a16="http://schemas.microsoft.com/office/drawing/2014/main" xmlns="" id="{00000000-0008-0000-0000-000002000000}"/>
+                <a16:creationId xmlns:a16="http://schemas.microsoft.com/office/drawing/2014/main" id="{00000000-0008-0000-0000-000002000000}"/>
               </a:ext>
             </a:extLst>
           </p:cNvPr>
@@ -12690,7 +11603,7 @@
           <p:cNvPr id="3" name="CuadroTexto 2">
             <a:extLst>
               <a:ext uri="{FF2B5EF4-FFF2-40B4-BE49-F238E27FC236}">
-                <a16:creationId xmlns:a16="http://schemas.microsoft.com/office/drawing/2014/main" xmlns="" id="{EB5CEF16-DF68-4175-87A1-37A37A1E0664}"/>
+                <a16:creationId xmlns:a16="http://schemas.microsoft.com/office/drawing/2014/main" id="{EB5CEF16-DF68-4175-87A1-37A37A1E0664}"/>
               </a:ext>
             </a:extLst>
           </p:cNvPr>
@@ -12741,10 +11654,10 @@
                 <a:latin typeface="Arial" panose="020B0604020202020204" pitchFamily="34" charset="0"/>
                 <a:cs typeface="Arial" panose="020B0604020202020204" pitchFamily="34" charset="0"/>
               </a:rPr>
-              <a:t>T</a:t>
-            </a:r>
-            <a:r>
-              <a:rPr lang="es-CO" sz="2000" dirty="0" err="1" smtClean="0">
+              <a:t>ThemeRoller</a:t>
+            </a:r>
+            <a:r>
+              <a:rPr lang="es-CO" sz="2000" dirty="0">
                 <a:solidFill>
                   <a:schemeClr val="tx1">
                     <a:lumMod val="85000"/>
@@ -12754,46 +11667,7 @@
                 <a:latin typeface="Arial" panose="020B0604020202020204" pitchFamily="34" charset="0"/>
                 <a:cs typeface="Arial" panose="020B0604020202020204" pitchFamily="34" charset="0"/>
               </a:rPr>
-              <a:t>hemeRoller</a:t>
-            </a:r>
-            <a:r>
-              <a:rPr lang="es-CO" sz="2000" dirty="0" smtClean="0">
-                <a:solidFill>
-                  <a:schemeClr val="tx1">
-                    <a:lumMod val="85000"/>
-                    <a:lumOff val="15000"/>
-                  </a:schemeClr>
-                </a:solidFill>
-                <a:latin typeface="Arial" panose="020B0604020202020204" pitchFamily="34" charset="0"/>
-                <a:cs typeface="Arial" panose="020B0604020202020204" pitchFamily="34" charset="0"/>
-              </a:rPr>
-              <a:t> </a:t>
-            </a:r>
-            <a:r>
-              <a:rPr lang="es-CO" sz="2000" dirty="0">
-                <a:solidFill>
-                  <a:schemeClr val="tx1">
-                    <a:lumMod val="85000"/>
-                    <a:lumOff val="15000"/>
-                  </a:schemeClr>
-                </a:solidFill>
-                <a:latin typeface="Arial" panose="020B0604020202020204" pitchFamily="34" charset="0"/>
-                <a:cs typeface="Arial" panose="020B0604020202020204" pitchFamily="34" charset="0"/>
-              </a:rPr>
-              <a:t>para hacer más amigable el diseño</a:t>
-            </a:r>
-            <a:r>
-              <a:rPr lang="es-CO" sz="2000" dirty="0" smtClean="0">
-                <a:solidFill>
-                  <a:schemeClr val="tx1">
-                    <a:lumMod val="85000"/>
-                    <a:lumOff val="15000"/>
-                  </a:schemeClr>
-                </a:solidFill>
-                <a:latin typeface="Arial" panose="020B0604020202020204" pitchFamily="34" charset="0"/>
-                <a:cs typeface="Arial" panose="020B0604020202020204" pitchFamily="34" charset="0"/>
-              </a:rPr>
-              <a:t>.</a:t>
+              <a:t> para hacer más amigable el diseño.</a:t>
             </a:r>
           </a:p>
           <a:p>
@@ -12831,7 +11705,7 @@
               <a:t>Problemas con JaspeReports, solución flying-saucer-pdf e </a:t>
             </a:r>
             <a:r>
-              <a:rPr lang="es-CO" sz="2000" dirty="0" err="1" smtClean="0">
+              <a:rPr lang="es-CO" sz="2000" dirty="0" err="1">
                 <a:solidFill>
                   <a:schemeClr val="tx1">
                     <a:lumMod val="85000"/>
@@ -12844,7 +11718,7 @@
               <a:t>itext</a:t>
             </a:r>
             <a:r>
-              <a:rPr lang="es-CO" sz="2000" dirty="0" smtClean="0">
+              <a:rPr lang="es-CO" sz="2000" dirty="0">
                 <a:solidFill>
                   <a:schemeClr val="tx1">
                     <a:lumMod val="85000"/>
@@ -12889,20 +11763,7 @@
                 <a:latin typeface="Arial" panose="020B0604020202020204" pitchFamily="34" charset="0"/>
                 <a:cs typeface="Arial" panose="020B0604020202020204" pitchFamily="34" charset="0"/>
               </a:rPr>
-              <a:t>Encontrar un servidor con las especificaciones necesarias para que corriera el proyecto</a:t>
-            </a:r>
-            <a:r>
-              <a:rPr lang="es-CO" sz="2000" dirty="0" smtClean="0">
-                <a:solidFill>
-                  <a:schemeClr val="tx1">
-                    <a:lumMod val="85000"/>
-                    <a:lumOff val="15000"/>
-                  </a:schemeClr>
-                </a:solidFill>
-                <a:latin typeface="Arial" panose="020B0604020202020204" pitchFamily="34" charset="0"/>
-                <a:cs typeface="Arial" panose="020B0604020202020204" pitchFamily="34" charset="0"/>
-              </a:rPr>
-              <a:t>.</a:t>
+              <a:t>Encontrar un servidor con las especificaciones necesarias para que corriera el proyecto.</a:t>
             </a:r>
           </a:p>
           <a:p>
@@ -13064,7 +11925,7 @@
           <p:cNvPr id="3" name="CuadroTexto 2">
             <a:extLst>
               <a:ext uri="{FF2B5EF4-FFF2-40B4-BE49-F238E27FC236}">
-                <a16:creationId xmlns:a16="http://schemas.microsoft.com/office/drawing/2014/main" xmlns="" id="{B3E05B2C-448F-4ECF-BEF8-9F8192CC5623}"/>
+                <a16:creationId xmlns:a16="http://schemas.microsoft.com/office/drawing/2014/main" id="{B3E05B2C-448F-4ECF-BEF8-9F8192CC5623}"/>
               </a:ext>
             </a:extLst>
           </p:cNvPr>
@@ -13104,16 +11965,6 @@
               </a:rPr>
               <a:t>Ampliar el alcance del software. </a:t>
             </a:r>
-            <a:endParaRPr lang="es-CO" sz="2000" dirty="0" smtClean="0">
-              <a:solidFill>
-                <a:schemeClr val="tx1">
-                  <a:lumMod val="85000"/>
-                  <a:lumOff val="15000"/>
-                </a:schemeClr>
-              </a:solidFill>
-              <a:latin typeface="Arial" panose="020B0604020202020204" pitchFamily="34" charset="0"/>
-              <a:cs typeface="Arial" panose="020B0604020202020204" pitchFamily="34" charset="0"/>
-            </a:endParaRPr>
           </a:p>
           <a:p>
             <a:pPr marL="285750" lvl="0" indent="-285750">
@@ -13149,16 +12000,6 @@
               </a:rPr>
               <a:t>El uso de librerías o frameworks debe estar sujeto a la compatibilidad con los demás elementos o herramientas usadas, es muy importante tener en cuenta las versiones y con cuales tienen mejor desempeño. </a:t>
             </a:r>
-            <a:endParaRPr lang="es-CO" sz="2000" dirty="0" smtClean="0">
-              <a:solidFill>
-                <a:schemeClr val="tx1">
-                  <a:lumMod val="85000"/>
-                  <a:lumOff val="15000"/>
-                </a:schemeClr>
-              </a:solidFill>
-              <a:latin typeface="Arial" panose="020B0604020202020204" pitchFamily="34" charset="0"/>
-              <a:cs typeface="Arial" panose="020B0604020202020204" pitchFamily="34" charset="0"/>
-            </a:endParaRPr>
           </a:p>
           <a:p>
             <a:pPr lvl="0"/>
@@ -13290,7 +12131,7 @@
           <p:cNvPr id="2" name="CuadroTexto 1">
             <a:extLst>
               <a:ext uri="{FF2B5EF4-FFF2-40B4-BE49-F238E27FC236}">
-                <a16:creationId xmlns:a16="http://schemas.microsoft.com/office/drawing/2014/main" xmlns="" id="{585F2FF1-E103-438A-A5E2-394CD4C49ABE}"/>
+                <a16:creationId xmlns:a16="http://schemas.microsoft.com/office/drawing/2014/main" id="{585F2FF1-E103-438A-A5E2-394CD4C49ABE}"/>
               </a:ext>
             </a:extLst>
           </p:cNvPr>
@@ -13636,7 +12477,7 @@
           <p:cNvPr id="2" name="CuadroTexto 1">
             <a:extLst>
               <a:ext uri="{FF2B5EF4-FFF2-40B4-BE49-F238E27FC236}">
-                <a16:creationId xmlns:a16="http://schemas.microsoft.com/office/drawing/2014/main" xmlns="" id="{4C0880D7-B166-4F0F-ACAC-974216E18C56}"/>
+                <a16:creationId xmlns:a16="http://schemas.microsoft.com/office/drawing/2014/main" id="{4C0880D7-B166-4F0F-ACAC-974216E18C56}"/>
               </a:ext>
             </a:extLst>
           </p:cNvPr>
@@ -14192,7 +13033,7 @@
           <p:cNvPr id="2" name="CuadroTexto 1">
             <a:extLst>
               <a:ext uri="{FF2B5EF4-FFF2-40B4-BE49-F238E27FC236}">
-                <a16:creationId xmlns:a16="http://schemas.microsoft.com/office/drawing/2014/main" xmlns="" id="{4C0880D7-B166-4F0F-ACAC-974216E18C56}"/>
+                <a16:creationId xmlns:a16="http://schemas.microsoft.com/office/drawing/2014/main" id="{4C0880D7-B166-4F0F-ACAC-974216E18C56}"/>
               </a:ext>
             </a:extLst>
           </p:cNvPr>
@@ -14508,7 +13349,7 @@
           <p:cNvPr id="2" name="CuadroTexto 1">
             <a:extLst>
               <a:ext uri="{FF2B5EF4-FFF2-40B4-BE49-F238E27FC236}">
-                <a16:creationId xmlns:a16="http://schemas.microsoft.com/office/drawing/2014/main" xmlns="" id="{4C0880D7-B166-4F0F-ACAC-974216E18C56}"/>
+                <a16:creationId xmlns:a16="http://schemas.microsoft.com/office/drawing/2014/main" id="{4C0880D7-B166-4F0F-ACAC-974216E18C56}"/>
               </a:ext>
             </a:extLst>
           </p:cNvPr>
@@ -15053,20 +13894,7 @@
                 <a:latin typeface="Arial" panose="020B0604020202020204" pitchFamily="34" charset="0"/>
                 <a:cs typeface="Arial" panose="020B0604020202020204" pitchFamily="34" charset="0"/>
               </a:rPr>
-              <a:t>Diseñar una arquitectura software que permita gestionar el proceso de planeación de las actividades de los docentes de tiempo completo, basados en el formato R-DC-54 de las UTS</a:t>
-            </a:r>
-            <a:r>
-              <a:rPr lang="es-CO" sz="2000" dirty="0" smtClean="0">
-                <a:solidFill>
-                  <a:schemeClr val="tx1">
-                    <a:lumMod val="85000"/>
-                    <a:lumOff val="15000"/>
-                  </a:schemeClr>
-                </a:solidFill>
-                <a:latin typeface="Arial" panose="020B0604020202020204" pitchFamily="34" charset="0"/>
-                <a:cs typeface="Arial" panose="020B0604020202020204" pitchFamily="34" charset="0"/>
-              </a:rPr>
-              <a:t>.</a:t>
+              <a:t>Diseñar una arquitectura software que permita gestionar el proceso de planeación de las actividades de los docentes de tiempo completo, basados en el formato R-DC-54 de las UTS.</a:t>
             </a:r>
           </a:p>
           <a:p>
@@ -15101,20 +13929,7 @@
                 <a:latin typeface="Arial" panose="020B0604020202020204" pitchFamily="34" charset="0"/>
                 <a:cs typeface="Arial" panose="020B0604020202020204" pitchFamily="34" charset="0"/>
               </a:rPr>
-              <a:t>Desarrollar, codificar e implementar el código fuente correspondiente a los modelos para el correcto funcionamiento de la aplicación basado en los modelos y estructuras planteadas anteriormente</a:t>
-            </a:r>
-            <a:r>
-              <a:rPr lang="es-CO" sz="2000" dirty="0" smtClean="0">
-                <a:solidFill>
-                  <a:schemeClr val="tx1">
-                    <a:lumMod val="85000"/>
-                    <a:lumOff val="15000"/>
-                  </a:schemeClr>
-                </a:solidFill>
-                <a:latin typeface="Arial" panose="020B0604020202020204" pitchFamily="34" charset="0"/>
-                <a:cs typeface="Arial" panose="020B0604020202020204" pitchFamily="34" charset="0"/>
-              </a:rPr>
-              <a:t>.</a:t>
+              <a:t>Desarrollar, codificar e implementar el código fuente correspondiente a los modelos para el correcto funcionamiento de la aplicación basado en los modelos y estructuras planteadas anteriormente.</a:t>
             </a:r>
           </a:p>
           <a:p>
@@ -15380,6 +14195,150 @@
           </a:p>
         </p:txBody>
       </p:sp>
+      <p:pic>
+        <p:nvPicPr>
+          <p:cNvPr id="5" name="Imagen 4">
+            <a:extLst>
+              <a:ext uri="{FF2B5EF4-FFF2-40B4-BE49-F238E27FC236}">
+                <a16:creationId xmlns:a16="http://schemas.microsoft.com/office/drawing/2014/main" id="{B3AF45A2-0048-4680-9268-7058CCBF71DF}"/>
+              </a:ext>
+            </a:extLst>
+          </p:cNvPr>
+          <p:cNvPicPr>
+            <a:picLocks noChangeAspect="1"/>
+          </p:cNvPicPr>
+          <p:nvPr/>
+        </p:nvPicPr>
+        <p:blipFill>
+          <a:blip r:embed="rId2">
+            <a:extLst>
+              <a:ext uri="{28A0092B-C50C-407E-A947-70E740481C1C}">
+                <a14:useLocalDpi xmlns:a14="http://schemas.microsoft.com/office/drawing/2010/main" val="0"/>
+              </a:ext>
+            </a:extLst>
+          </a:blip>
+          <a:stretch>
+            <a:fillRect/>
+          </a:stretch>
+        </p:blipFill>
+        <p:spPr>
+          <a:xfrm>
+            <a:off x="4625587" y="4733024"/>
+            <a:ext cx="1438716" cy="1438716"/>
+          </a:xfrm>
+          <a:prstGeom prst="rect">
+            <a:avLst/>
+          </a:prstGeom>
+        </p:spPr>
+      </p:pic>
+      <p:pic>
+        <p:nvPicPr>
+          <p:cNvPr id="7" name="Imagen 6">
+            <a:extLst>
+              <a:ext uri="{FF2B5EF4-FFF2-40B4-BE49-F238E27FC236}">
+                <a16:creationId xmlns:a16="http://schemas.microsoft.com/office/drawing/2014/main" id="{2C013981-C90B-4026-A12B-5D60518F9D30}"/>
+              </a:ext>
+            </a:extLst>
+          </p:cNvPr>
+          <p:cNvPicPr>
+            <a:picLocks noChangeAspect="1"/>
+          </p:cNvPicPr>
+          <p:nvPr/>
+        </p:nvPicPr>
+        <p:blipFill>
+          <a:blip r:embed="rId3" cstate="print">
+            <a:extLst>
+              <a:ext uri="{28A0092B-C50C-407E-A947-70E740481C1C}">
+                <a14:useLocalDpi xmlns:a14="http://schemas.microsoft.com/office/drawing/2010/main" val="0"/>
+              </a:ext>
+            </a:extLst>
+          </a:blip>
+          <a:stretch>
+            <a:fillRect/>
+          </a:stretch>
+        </p:blipFill>
+        <p:spPr>
+          <a:xfrm>
+            <a:off x="314974" y="4805872"/>
+            <a:ext cx="2324020" cy="1293021"/>
+          </a:xfrm>
+          <a:prstGeom prst="rect">
+            <a:avLst/>
+          </a:prstGeom>
+        </p:spPr>
+      </p:pic>
+      <p:pic>
+        <p:nvPicPr>
+          <p:cNvPr id="9" name="Imagen 8">
+            <a:extLst>
+              <a:ext uri="{FF2B5EF4-FFF2-40B4-BE49-F238E27FC236}">
+                <a16:creationId xmlns:a16="http://schemas.microsoft.com/office/drawing/2014/main" id="{AAA72AB6-D7ED-4441-88E9-CE75A79FDCA8}"/>
+              </a:ext>
+            </a:extLst>
+          </p:cNvPr>
+          <p:cNvPicPr>
+            <a:picLocks noChangeAspect="1"/>
+          </p:cNvPicPr>
+          <p:nvPr/>
+        </p:nvPicPr>
+        <p:blipFill>
+          <a:blip r:embed="rId4" cstate="print">
+            <a:extLst>
+              <a:ext uri="{28A0092B-C50C-407E-A947-70E740481C1C}">
+                <a14:useLocalDpi xmlns:a14="http://schemas.microsoft.com/office/drawing/2010/main" val="0"/>
+              </a:ext>
+            </a:extLst>
+          </a:blip>
+          <a:stretch>
+            <a:fillRect/>
+          </a:stretch>
+        </p:blipFill>
+        <p:spPr>
+          <a:xfrm>
+            <a:off x="2638994" y="4733024"/>
+            <a:ext cx="1622455" cy="1438716"/>
+          </a:xfrm>
+          <a:prstGeom prst="rect">
+            <a:avLst/>
+          </a:prstGeom>
+        </p:spPr>
+      </p:pic>
+      <p:pic>
+        <p:nvPicPr>
+          <p:cNvPr id="11" name="Imagen 10">
+            <a:extLst>
+              <a:ext uri="{FF2B5EF4-FFF2-40B4-BE49-F238E27FC236}">
+                <a16:creationId xmlns:a16="http://schemas.microsoft.com/office/drawing/2014/main" id="{B84EE28F-8E12-4ABE-8662-DBA26E891732}"/>
+              </a:ext>
+            </a:extLst>
+          </p:cNvPr>
+          <p:cNvPicPr>
+            <a:picLocks noChangeAspect="1"/>
+          </p:cNvPicPr>
+          <p:nvPr/>
+        </p:nvPicPr>
+        <p:blipFill>
+          <a:blip r:embed="rId5">
+            <a:extLst>
+              <a:ext uri="{28A0092B-C50C-407E-A947-70E740481C1C}">
+                <a14:useLocalDpi xmlns:a14="http://schemas.microsoft.com/office/drawing/2010/main" val="0"/>
+              </a:ext>
+            </a:extLst>
+          </a:blip>
+          <a:stretch>
+            <a:fillRect/>
+          </a:stretch>
+        </p:blipFill>
+        <p:spPr>
+          <a:xfrm>
+            <a:off x="789870" y="3287388"/>
+            <a:ext cx="4930445" cy="1189362"/>
+          </a:xfrm>
+          <a:prstGeom prst="rect">
+            <a:avLst/>
+          </a:prstGeom>
+        </p:spPr>
+      </p:pic>
     </p:spTree>
     <p:extLst>
       <p:ext uri="{BB962C8B-B14F-4D97-AF65-F5344CB8AC3E}">
@@ -15476,7 +14435,7 @@
           <p:cNvPr id="4" name="Imagen 3">
             <a:extLst>
               <a:ext uri="{FF2B5EF4-FFF2-40B4-BE49-F238E27FC236}">
-                <a16:creationId xmlns:a16="http://schemas.microsoft.com/office/drawing/2014/main" xmlns="" id="{16D90900-6598-4986-AE8B-5DE9E3CE52D9}"/>
+                <a16:creationId xmlns:a16="http://schemas.microsoft.com/office/drawing/2014/main" id="{16D90900-6598-4986-AE8B-5DE9E3CE52D9}"/>
               </a:ext>
             </a:extLst>
           </p:cNvPr>
@@ -16112,7 +15071,7 @@
           <p:cNvPr id="3" name="CuadroTexto 2">
             <a:extLst>
               <a:ext uri="{FF2B5EF4-FFF2-40B4-BE49-F238E27FC236}">
-                <a16:creationId xmlns:a16="http://schemas.microsoft.com/office/drawing/2014/main" xmlns="" id="{E9CC970F-E4E6-47B4-894B-BB9D00F1CF33}"/>
+                <a16:creationId xmlns:a16="http://schemas.microsoft.com/office/drawing/2014/main" id="{E9CC970F-E4E6-47B4-894B-BB9D00F1CF33}"/>
               </a:ext>
             </a:extLst>
           </p:cNvPr>
@@ -16211,27 +15170,8 @@
                   </a:schemeClr>
                 </a:solidFill>
               </a:rPr>
-              <a:t>Registro de Actividades y </a:t>
-            </a:r>
-            <a:r>
-              <a:rPr lang="es-CO" dirty="0" smtClean="0">
-                <a:solidFill>
-                  <a:schemeClr val="tx1">
-                    <a:lumMod val="85000"/>
-                    <a:lumOff val="15000"/>
-                  </a:schemeClr>
-                </a:solidFill>
-              </a:rPr>
-              <a:t>Productos</a:t>
-            </a:r>
-            <a:endParaRPr lang="es-CO" dirty="0">
-              <a:solidFill>
-                <a:schemeClr val="tx1">
-                  <a:lumMod val="85000"/>
-                  <a:lumOff val="15000"/>
-                </a:schemeClr>
-              </a:solidFill>
-            </a:endParaRPr>
+              <a:t>Registro de Actividades y Productos</a:t>
+            </a:r>
           </a:p>
         </p:txBody>
       </p:sp>
@@ -16628,7 +15568,7 @@
   <a:extraClrSchemeLst/>
   <a:extLst>
     <a:ext uri="{05A4C25C-085E-4340-85A3-A5531E510DB2}">
-      <thm15:themeFamily xmlns:thm15="http://schemas.microsoft.com/office/thememl/2012/main" xmlns="" name="Facet" id="{C0C680CD-088A-49FC-A102-D699147F32B2}" vid="{CFBC31BA-B70F-4F30-BCAA-4F3011E16C4D}"/>
+      <thm15:themeFamily xmlns:thm15="http://schemas.microsoft.com/office/thememl/2012/main" name="Facet" id="{C0C680CD-088A-49FC-A102-D699147F32B2}" vid="{CFBC31BA-B70F-4F30-BCAA-4F3011E16C4D}"/>
     </a:ext>
   </a:extLst>
 </a:theme>

--- a/extras/docs/rdc_presentacion.pptx
+++ b/extras/docs/rdc_presentacion.pptx
@@ -127,7 +127,7 @@
   </p:defaultTextStyle>
   <p:extLst>
     <p:ext uri="{EFAFB233-063F-42B5-8137-9DF3F51BA10A}">
-      <p15:sldGuideLst xmlns:p15="http://schemas.microsoft.com/office/powerpoint/2012/main">
+      <p15:sldGuideLst xmlns:p15="http://schemas.microsoft.com/office/powerpoint/2012/main" xmlns="">
         <p15:guide id="1" orient="horz" pos="2160">
           <p15:clr>
             <a:srgbClr val="A4A3A4"/>
@@ -149,9 +149,9 @@
 </file>
 
 <file path=ppt/charts/chart1.xml><?xml version="1.0" encoding="utf-8"?>
-<c:chartSpace xmlns:c="http://schemas.openxmlformats.org/drawingml/2006/chart" xmlns:a="http://schemas.openxmlformats.org/drawingml/2006/main" xmlns:r="http://schemas.openxmlformats.org/officeDocument/2006/relationships" xmlns:c16r2="http://schemas.microsoft.com/office/drawing/2015/06/chart">
+<c:chartSpace xmlns:c="http://schemas.openxmlformats.org/drawingml/2006/chart" xmlns:a="http://schemas.openxmlformats.org/drawingml/2006/main" xmlns:r="http://schemas.openxmlformats.org/officeDocument/2006/relationships">
   <c:date1904 val="0"/>
-  <c:lang val="es-ES"/>
+  <c:lang val="es-CO"/>
   <c:roundedCorners val="1"/>
   <mc:AlternateContent xmlns:mc="http://schemas.openxmlformats.org/markup-compatibility/2006">
     <mc:Choice xmlns:c14="http://schemas.microsoft.com/office/drawing/2007/8/2/chart" Requires="c14">
@@ -330,7 +330,7 @@
               </c:numCache>
             </c:numRef>
           </c:val>
-          <c:extLst>
+          <c:extLst xmlns:c16r2="http://schemas.microsoft.com/office/drawing/2015/06/chart">
             <c:ext xmlns:c16="http://schemas.microsoft.com/office/drawing/2014/chart" uri="{C3380CC4-5D6E-409C-BE32-E72D297353CC}">
               <c16:uniqueId val="{00000000-D21C-4448-B589-C66B95183857}"/>
             </c:ext>
@@ -464,7 +464,7 @@
               </c:numCache>
             </c:numRef>
           </c:val>
-          <c:extLst>
+          <c:extLst xmlns:c16r2="http://schemas.microsoft.com/office/drawing/2015/06/chart">
             <c:ext xmlns:c16="http://schemas.microsoft.com/office/drawing/2014/chart" uri="{C3380CC4-5D6E-409C-BE32-E72D297353CC}">
               <c16:uniqueId val="{00000001-D21C-4448-B589-C66B95183857}"/>
             </c:ext>
@@ -480,11 +480,11 @@
         </c:dLbls>
         <c:gapWidth val="100"/>
         <c:overlap val="-24"/>
-        <c:axId val="156258688"/>
-        <c:axId val="156260608"/>
+        <c:axId val="147603840"/>
+        <c:axId val="147605760"/>
       </c:barChart>
       <c:catAx>
-        <c:axId val="156258688"/>
+        <c:axId val="147603840"/>
         <c:scaling>
           <c:orientation val="minMax"/>
         </c:scaling>
@@ -506,6 +506,7 @@
               </a:p>
             </c:rich>
           </c:tx>
+          <c:layout/>
           <c:overlay val="0"/>
           <c:spPr>
             <a:noFill/>
@@ -542,7 +543,7 @@
             <a:endParaRPr lang="es-CO"/>
           </a:p>
         </c:txPr>
-        <c:crossAx val="156260608"/>
+        <c:crossAx val="147605760"/>
         <c:crosses val="autoZero"/>
         <c:auto val="1"/>
         <c:lblAlgn val="ctr"/>
@@ -550,7 +551,7 @@
         <c:noMultiLvlLbl val="1"/>
       </c:catAx>
       <c:valAx>
-        <c:axId val="156260608"/>
+        <c:axId val="147605760"/>
         <c:scaling>
           <c:orientation val="minMax"/>
         </c:scaling>
@@ -586,6 +587,7 @@
               </a:p>
             </c:rich>
           </c:tx>
+          <c:layout/>
           <c:overlay val="0"/>
           <c:spPr>
             <a:noFill/>
@@ -616,7 +618,7 @@
             <a:endParaRPr lang="es-CO"/>
           </a:p>
         </c:txPr>
-        <c:crossAx val="156258688"/>
+        <c:crossAx val="147603840"/>
         <c:crosses val="autoZero"/>
         <c:crossBetween val="between"/>
       </c:valAx>
@@ -630,6 +632,7 @@
     </c:plotArea>
     <c:legend>
       <c:legendPos val="b"/>
+      <c:layout/>
       <c:overlay val="0"/>
       <c:spPr>
         <a:noFill/>
@@ -689,9 +692,9 @@
 </file>
 
 <file path=ppt/charts/chart2.xml><?xml version="1.0" encoding="utf-8"?>
-<c:chartSpace xmlns:c="http://schemas.openxmlformats.org/drawingml/2006/chart" xmlns:a="http://schemas.openxmlformats.org/drawingml/2006/main" xmlns:r="http://schemas.openxmlformats.org/officeDocument/2006/relationships" xmlns:c16r2="http://schemas.microsoft.com/office/drawing/2015/06/chart">
+<c:chartSpace xmlns:c="http://schemas.openxmlformats.org/drawingml/2006/chart" xmlns:a="http://schemas.openxmlformats.org/drawingml/2006/main" xmlns:r="http://schemas.openxmlformats.org/officeDocument/2006/relationships">
   <c:date1904 val="0"/>
-  <c:lang val="es-ES"/>
+  <c:lang val="es-CO"/>
   <c:roundedCorners val="1"/>
   <mc:AlternateContent xmlns:mc="http://schemas.openxmlformats.org/markup-compatibility/2006">
     <mc:Choice xmlns:c14="http://schemas.microsoft.com/office/drawing/2007/8/2/chart" Requires="c14">
@@ -870,7 +873,7 @@
               </c:numCache>
             </c:numRef>
           </c:val>
-          <c:extLst>
+          <c:extLst xmlns:c16r2="http://schemas.microsoft.com/office/drawing/2015/06/chart">
             <c:ext xmlns:c16="http://schemas.microsoft.com/office/drawing/2014/chart" uri="{C3380CC4-5D6E-409C-BE32-E72D297353CC}">
               <c16:uniqueId val="{00000000-2D3E-4372-A754-D42F52A5145C}"/>
             </c:ext>
@@ -1004,7 +1007,7 @@
               </c:numCache>
             </c:numRef>
           </c:val>
-          <c:extLst>
+          <c:extLst xmlns:c16r2="http://schemas.microsoft.com/office/drawing/2015/06/chart">
             <c:ext xmlns:c16="http://schemas.microsoft.com/office/drawing/2014/chart" uri="{C3380CC4-5D6E-409C-BE32-E72D297353CC}">
               <c16:uniqueId val="{00000001-2D3E-4372-A754-D42F52A5145C}"/>
             </c:ext>
@@ -1020,11 +1023,11 @@
         </c:dLbls>
         <c:gapWidth val="100"/>
         <c:overlap val="-24"/>
-        <c:axId val="156119424"/>
-        <c:axId val="156121344"/>
+        <c:axId val="146809216"/>
+        <c:axId val="146811136"/>
       </c:barChart>
       <c:catAx>
-        <c:axId val="156119424"/>
+        <c:axId val="146809216"/>
         <c:scaling>
           <c:orientation val="minMax"/>
         </c:scaling>
@@ -1046,6 +1049,7 @@
               </a:p>
             </c:rich>
           </c:tx>
+          <c:layout/>
           <c:overlay val="0"/>
           <c:spPr>
             <a:noFill/>
@@ -1082,7 +1086,7 @@
             <a:endParaRPr lang="es-CO"/>
           </a:p>
         </c:txPr>
-        <c:crossAx val="156121344"/>
+        <c:crossAx val="146811136"/>
         <c:crosses val="autoZero"/>
         <c:auto val="1"/>
         <c:lblAlgn val="ctr"/>
@@ -1090,7 +1094,7 @@
         <c:noMultiLvlLbl val="1"/>
       </c:catAx>
       <c:valAx>
-        <c:axId val="156121344"/>
+        <c:axId val="146811136"/>
         <c:scaling>
           <c:orientation val="minMax"/>
         </c:scaling>
@@ -1126,6 +1130,7 @@
               </a:p>
             </c:rich>
           </c:tx>
+          <c:layout/>
           <c:overlay val="0"/>
           <c:spPr>
             <a:noFill/>
@@ -1156,7 +1161,7 @@
             <a:endParaRPr lang="es-CO"/>
           </a:p>
         </c:txPr>
-        <c:crossAx val="156119424"/>
+        <c:crossAx val="146809216"/>
         <c:crosses val="autoZero"/>
         <c:crossBetween val="between"/>
       </c:valAx>
@@ -1170,6 +1175,7 @@
     </c:plotArea>
     <c:legend>
       <c:legendPos val="b"/>
+      <c:layout/>
       <c:overlay val="0"/>
       <c:spPr>
         <a:noFill/>
@@ -7847,7 +7853,7 @@
           <p:cNvPr id="2" name="Marcador de contenido 1">
             <a:extLst>
               <a:ext uri="{FF2B5EF4-FFF2-40B4-BE49-F238E27FC236}">
-                <a16:creationId xmlns:a16="http://schemas.microsoft.com/office/drawing/2014/main" id="{BFB8CA3A-775A-4283-B473-CBA3C699E771}"/>
+                <a16:creationId xmlns:a16="http://schemas.microsoft.com/office/drawing/2014/main" xmlns="" id="{BFB8CA3A-775A-4283-B473-CBA3C699E771}"/>
               </a:ext>
             </a:extLst>
           </p:cNvPr>
@@ -7877,14 +7883,14 @@
                 <a:gridCol w="5304444">
                   <a:extLst>
                     <a:ext uri="{9D8B030D-6E8A-4147-A177-3AD203B41FA5}">
-                      <a16:colId xmlns:a16="http://schemas.microsoft.com/office/drawing/2014/main" val="2602485393"/>
+                      <a16:colId xmlns:a16="http://schemas.microsoft.com/office/drawing/2014/main" xmlns="" val="2602485393"/>
                     </a:ext>
                   </a:extLst>
                 </a:gridCol>
                 <a:gridCol w="1728977">
                   <a:extLst>
                     <a:ext uri="{9D8B030D-6E8A-4147-A177-3AD203B41FA5}">
-                      <a16:colId xmlns:a16="http://schemas.microsoft.com/office/drawing/2014/main" val="2786604418"/>
+                      <a16:colId xmlns:a16="http://schemas.microsoft.com/office/drawing/2014/main" xmlns="" val="2786604418"/>
                     </a:ext>
                   </a:extLst>
                 </a:gridCol>
@@ -7972,7 +7978,7 @@
                 </a:tc>
                 <a:extLst>
                   <a:ext uri="{0D108BD9-81ED-4DB2-BD59-A6C34878D82A}">
-                    <a16:rowId xmlns:a16="http://schemas.microsoft.com/office/drawing/2014/main" val="680232555"/>
+                    <a16:rowId xmlns:a16="http://schemas.microsoft.com/office/drawing/2014/main" xmlns="" val="680232555"/>
                   </a:ext>
                 </a:extLst>
               </a:tr>
@@ -8059,7 +8065,7 @@
                 </a:tc>
                 <a:extLst>
                   <a:ext uri="{0D108BD9-81ED-4DB2-BD59-A6C34878D82A}">
-                    <a16:rowId xmlns:a16="http://schemas.microsoft.com/office/drawing/2014/main" val="3577557739"/>
+                    <a16:rowId xmlns:a16="http://schemas.microsoft.com/office/drawing/2014/main" xmlns="" val="3577557739"/>
                   </a:ext>
                 </a:extLst>
               </a:tr>
@@ -8146,7 +8152,7 @@
                 </a:tc>
                 <a:extLst>
                   <a:ext uri="{0D108BD9-81ED-4DB2-BD59-A6C34878D82A}">
-                    <a16:rowId xmlns:a16="http://schemas.microsoft.com/office/drawing/2014/main" val="3154357346"/>
+                    <a16:rowId xmlns:a16="http://schemas.microsoft.com/office/drawing/2014/main" xmlns="" val="3154357346"/>
                   </a:ext>
                 </a:extLst>
               </a:tr>
@@ -8233,7 +8239,7 @@
                 </a:tc>
                 <a:extLst>
                   <a:ext uri="{0D108BD9-81ED-4DB2-BD59-A6C34878D82A}">
-                    <a16:rowId xmlns:a16="http://schemas.microsoft.com/office/drawing/2014/main" val="2015189163"/>
+                    <a16:rowId xmlns:a16="http://schemas.microsoft.com/office/drawing/2014/main" xmlns="" val="2015189163"/>
                   </a:ext>
                 </a:extLst>
               </a:tr>
@@ -8320,7 +8326,7 @@
                 </a:tc>
                 <a:extLst>
                   <a:ext uri="{0D108BD9-81ED-4DB2-BD59-A6C34878D82A}">
-                    <a16:rowId xmlns:a16="http://schemas.microsoft.com/office/drawing/2014/main" val="3033574485"/>
+                    <a16:rowId xmlns:a16="http://schemas.microsoft.com/office/drawing/2014/main" xmlns="" val="3033574485"/>
                   </a:ext>
                 </a:extLst>
               </a:tr>
@@ -8407,7 +8413,7 @@
                 </a:tc>
                 <a:extLst>
                   <a:ext uri="{0D108BD9-81ED-4DB2-BD59-A6C34878D82A}">
-                    <a16:rowId xmlns:a16="http://schemas.microsoft.com/office/drawing/2014/main" val="105546820"/>
+                    <a16:rowId xmlns:a16="http://schemas.microsoft.com/office/drawing/2014/main" xmlns="" val="105546820"/>
                   </a:ext>
                 </a:extLst>
               </a:tr>
@@ -8494,7 +8500,7 @@
                 </a:tc>
                 <a:extLst>
                   <a:ext uri="{0D108BD9-81ED-4DB2-BD59-A6C34878D82A}">
-                    <a16:rowId xmlns:a16="http://schemas.microsoft.com/office/drawing/2014/main" val="1824869552"/>
+                    <a16:rowId xmlns:a16="http://schemas.microsoft.com/office/drawing/2014/main" xmlns="" val="1824869552"/>
                   </a:ext>
                 </a:extLst>
               </a:tr>
@@ -8581,7 +8587,7 @@
                 </a:tc>
                 <a:extLst>
                   <a:ext uri="{0D108BD9-81ED-4DB2-BD59-A6C34878D82A}">
-                    <a16:rowId xmlns:a16="http://schemas.microsoft.com/office/drawing/2014/main" val="3109995033"/>
+                    <a16:rowId xmlns:a16="http://schemas.microsoft.com/office/drawing/2014/main" xmlns="" val="3109995033"/>
                   </a:ext>
                 </a:extLst>
               </a:tr>
@@ -8668,7 +8674,7 @@
                 </a:tc>
                 <a:extLst>
                   <a:ext uri="{0D108BD9-81ED-4DB2-BD59-A6C34878D82A}">
-                    <a16:rowId xmlns:a16="http://schemas.microsoft.com/office/drawing/2014/main" val="3267673382"/>
+                    <a16:rowId xmlns:a16="http://schemas.microsoft.com/office/drawing/2014/main" xmlns="" val="3267673382"/>
                   </a:ext>
                 </a:extLst>
               </a:tr>
@@ -8755,7 +8761,7 @@
                 </a:tc>
                 <a:extLst>
                   <a:ext uri="{0D108BD9-81ED-4DB2-BD59-A6C34878D82A}">
-                    <a16:rowId xmlns:a16="http://schemas.microsoft.com/office/drawing/2014/main" val="1788793914"/>
+                    <a16:rowId xmlns:a16="http://schemas.microsoft.com/office/drawing/2014/main" xmlns="" val="1788793914"/>
                   </a:ext>
                 </a:extLst>
               </a:tr>
@@ -8842,7 +8848,7 @@
                 </a:tc>
                 <a:extLst>
                   <a:ext uri="{0D108BD9-81ED-4DB2-BD59-A6C34878D82A}">
-                    <a16:rowId xmlns:a16="http://schemas.microsoft.com/office/drawing/2014/main" val="758896334"/>
+                    <a16:rowId xmlns:a16="http://schemas.microsoft.com/office/drawing/2014/main" xmlns="" val="758896334"/>
                   </a:ext>
                 </a:extLst>
               </a:tr>
@@ -8929,7 +8935,7 @@
                 </a:tc>
                 <a:extLst>
                   <a:ext uri="{0D108BD9-81ED-4DB2-BD59-A6C34878D82A}">
-                    <a16:rowId xmlns:a16="http://schemas.microsoft.com/office/drawing/2014/main" val="2965732642"/>
+                    <a16:rowId xmlns:a16="http://schemas.microsoft.com/office/drawing/2014/main" xmlns="" val="2965732642"/>
                   </a:ext>
                 </a:extLst>
               </a:tr>
@@ -9016,7 +9022,7 @@
                 </a:tc>
                 <a:extLst>
                   <a:ext uri="{0D108BD9-81ED-4DB2-BD59-A6C34878D82A}">
-                    <a16:rowId xmlns:a16="http://schemas.microsoft.com/office/drawing/2014/main" val="456296594"/>
+                    <a16:rowId xmlns:a16="http://schemas.microsoft.com/office/drawing/2014/main" xmlns="" val="456296594"/>
                   </a:ext>
                 </a:extLst>
               </a:tr>
@@ -9103,7 +9109,7 @@
                 </a:tc>
                 <a:extLst>
                   <a:ext uri="{0D108BD9-81ED-4DB2-BD59-A6C34878D82A}">
-                    <a16:rowId xmlns:a16="http://schemas.microsoft.com/office/drawing/2014/main" val="1809744462"/>
+                    <a16:rowId xmlns:a16="http://schemas.microsoft.com/office/drawing/2014/main" xmlns="" val="1809744462"/>
                   </a:ext>
                 </a:extLst>
               </a:tr>
@@ -9190,7 +9196,7 @@
                 </a:tc>
                 <a:extLst>
                   <a:ext uri="{0D108BD9-81ED-4DB2-BD59-A6C34878D82A}">
-                    <a16:rowId xmlns:a16="http://schemas.microsoft.com/office/drawing/2014/main" val="3437766592"/>
+                    <a16:rowId xmlns:a16="http://schemas.microsoft.com/office/drawing/2014/main" xmlns="" val="3437766592"/>
                   </a:ext>
                 </a:extLst>
               </a:tr>
@@ -9297,8 +9303,8 @@
         </p:nvSpPr>
         <p:spPr>
           <a:xfrm>
-            <a:off x="494430" y="285552"/>
-            <a:ext cx="6264696" cy="445507"/>
+            <a:off x="407324" y="395307"/>
+            <a:ext cx="4498064" cy="445507"/>
           </a:xfrm>
           <a:prstGeom prst="rect">
             <a:avLst/>
@@ -9355,7 +9361,7 @@
           <p:cNvPr id="6" name="Marcador de contenido 5">
             <a:extLst>
               <a:ext uri="{FF2B5EF4-FFF2-40B4-BE49-F238E27FC236}">
-                <a16:creationId xmlns:a16="http://schemas.microsoft.com/office/drawing/2014/main" id="{33CC28FB-25F0-4849-B092-1742F3204970}"/>
+                <a16:creationId xmlns:a16="http://schemas.microsoft.com/office/drawing/2014/main" xmlns="" id="{33CC28FB-25F0-4849-B092-1742F3204970}"/>
               </a:ext>
             </a:extLst>
           </p:cNvPr>
@@ -9366,14 +9372,14 @@
             <p:ph idx="1"/>
             <p:extLst>
               <p:ext uri="{D42A27DB-BD31-4B8C-83A1-F6EECF244321}">
-                <p14:modId xmlns:p14="http://schemas.microsoft.com/office/powerpoint/2010/main" val="93485905"/>
+                <p14:modId xmlns:p14="http://schemas.microsoft.com/office/powerpoint/2010/main" val="1615805756"/>
               </p:ext>
             </p:extLst>
           </p:nvPr>
         </p:nvGraphicFramePr>
         <p:xfrm>
-          <a:off x="1134504" y="1589005"/>
-          <a:ext cx="5624622" cy="4641676"/>
+          <a:off x="847899" y="1530816"/>
+          <a:ext cx="5853800" cy="4641676"/>
         </p:xfrm>
         <a:graphic>
           <a:graphicData uri="http://schemas.openxmlformats.org/drawingml/2006/table">
@@ -9382,45 +9388,45 @@
                 <a:tableStyleId>{3B4B98B0-60AC-42C2-AFA5-B58CD77FA1E5}</a:tableStyleId>
               </a:tblPr>
               <a:tblGrid>
-                <a:gridCol w="937437">
+                <a:gridCol w="1224043">
                   <a:extLst>
                     <a:ext uri="{9D8B030D-6E8A-4147-A177-3AD203B41FA5}">
-                      <a16:colId xmlns:a16="http://schemas.microsoft.com/office/drawing/2014/main" val="1021433285"/>
+                      <a16:colId xmlns:a16="http://schemas.microsoft.com/office/drawing/2014/main" xmlns="" val="1021433285"/>
                     </a:ext>
                   </a:extLst>
                 </a:gridCol>
                 <a:gridCol w="937437">
                   <a:extLst>
                     <a:ext uri="{9D8B030D-6E8A-4147-A177-3AD203B41FA5}">
-                      <a16:colId xmlns:a16="http://schemas.microsoft.com/office/drawing/2014/main" val="1809417385"/>
+                      <a16:colId xmlns:a16="http://schemas.microsoft.com/office/drawing/2014/main" xmlns="" val="1809417385"/>
                     </a:ext>
                   </a:extLst>
                 </a:gridCol>
                 <a:gridCol w="937437">
                   <a:extLst>
                     <a:ext uri="{9D8B030D-6E8A-4147-A177-3AD203B41FA5}">
-                      <a16:colId xmlns:a16="http://schemas.microsoft.com/office/drawing/2014/main" val="1689638878"/>
+                      <a16:colId xmlns:a16="http://schemas.microsoft.com/office/drawing/2014/main" xmlns="" val="1689638878"/>
                     </a:ext>
                   </a:extLst>
                 </a:gridCol>
                 <a:gridCol w="937437">
                   <a:extLst>
                     <a:ext uri="{9D8B030D-6E8A-4147-A177-3AD203B41FA5}">
-                      <a16:colId xmlns:a16="http://schemas.microsoft.com/office/drawing/2014/main" val="2762686330"/>
+                      <a16:colId xmlns:a16="http://schemas.microsoft.com/office/drawing/2014/main" xmlns="" val="2762686330"/>
                     </a:ext>
                   </a:extLst>
                 </a:gridCol>
-                <a:gridCol w="937437">
+                <a:gridCol w="818278">
                   <a:extLst>
                     <a:ext uri="{9D8B030D-6E8A-4147-A177-3AD203B41FA5}">
-                      <a16:colId xmlns:a16="http://schemas.microsoft.com/office/drawing/2014/main" val="2113957765"/>
+                      <a16:colId xmlns:a16="http://schemas.microsoft.com/office/drawing/2014/main" xmlns="" val="2113957765"/>
                     </a:ext>
                   </a:extLst>
                 </a:gridCol>
-                <a:gridCol w="937437">
+                <a:gridCol w="999168">
                   <a:extLst>
                     <a:ext uri="{9D8B030D-6E8A-4147-A177-3AD203B41FA5}">
-                      <a16:colId xmlns:a16="http://schemas.microsoft.com/office/drawing/2014/main" val="2495045676"/>
+                      <a16:colId xmlns:a16="http://schemas.microsoft.com/office/drawing/2014/main" xmlns="" val="2495045676"/>
                     </a:ext>
                   </a:extLst>
                 </a:gridCol>
@@ -9450,7 +9456,32 @@
                       </a:endParaRPr>
                     </a:p>
                   </a:txBody>
-                  <a:tcPr marL="9525" marR="9525" marT="9525" marB="0" anchor="ctr"/>
+                  <a:tcPr marL="9525" marR="9525" marT="9525" marB="0" anchor="ctr">
+                    <a:lnR w="12700" cap="flat" cmpd="sng" algn="ctr">
+                      <a:solidFill>
+                        <a:schemeClr val="tx1"/>
+                      </a:solidFill>
+                      <a:prstDash val="solid"/>
+                      <a:round/>
+                      <a:headEnd type="none" w="med" len="med"/>
+                      <a:tailEnd type="none" w="med" len="med"/>
+                    </a:lnR>
+                    <a:lnB w="12700" cap="flat" cmpd="sng" algn="ctr">
+                      <a:solidFill>
+                        <a:schemeClr val="tx1"/>
+                      </a:solidFill>
+                      <a:prstDash val="solid"/>
+                      <a:round/>
+                      <a:headEnd type="none" w="med" len="med"/>
+                      <a:tailEnd type="none" w="med" len="med"/>
+                    </a:lnB>
+                    <a:solidFill>
+                      <a:schemeClr val="accent3">
+                        <a:lumMod val="20000"/>
+                        <a:lumOff val="80000"/>
+                      </a:schemeClr>
+                    </a:solidFill>
+                  </a:tcPr>
                 </a:tc>
                 <a:tc rowSpan="2">
                   <a:txBody>
@@ -9459,12 +9490,12 @@
                     <a:p>
                       <a:pPr algn="ctr" fontAlgn="ctr"/>
                       <a:r>
-                        <a:rPr lang="es-CO" sz="1200" u="none" strike="noStrike" dirty="0" err="1">
+                        <a:rPr lang="es-CO" sz="1200" u="none" strike="noStrike" dirty="0" smtClean="0">
                           <a:effectLst/>
                           <a:latin typeface="Arial" panose="020B0604020202020204" pitchFamily="34" charset="0"/>
                           <a:cs typeface="Arial" panose="020B0604020202020204" pitchFamily="34" charset="0"/>
                         </a:rPr>
-                        <a:t>Seccion</a:t>
+                        <a:t>Sección</a:t>
                       </a:r>
                       <a:endParaRPr lang="es-CO" sz="1200" b="0" i="0" u="none" strike="noStrike" dirty="0">
                         <a:solidFill>
@@ -9476,7 +9507,41 @@
                       </a:endParaRPr>
                     </a:p>
                   </a:txBody>
-                  <a:tcPr marL="9525" marR="9525" marT="9525" marB="0" anchor="ctr"/>
+                  <a:tcPr marL="9525" marR="9525" marT="9525" marB="0" anchor="ctr">
+                    <a:lnL w="12700" cap="flat" cmpd="sng" algn="ctr">
+                      <a:solidFill>
+                        <a:schemeClr val="tx1"/>
+                      </a:solidFill>
+                      <a:prstDash val="solid"/>
+                      <a:round/>
+                      <a:headEnd type="none" w="med" len="med"/>
+                      <a:tailEnd type="none" w="med" len="med"/>
+                    </a:lnL>
+                    <a:lnR w="12700" cap="flat" cmpd="sng" algn="ctr">
+                      <a:solidFill>
+                        <a:schemeClr val="tx1"/>
+                      </a:solidFill>
+                      <a:prstDash val="solid"/>
+                      <a:round/>
+                      <a:headEnd type="none" w="med" len="med"/>
+                      <a:tailEnd type="none" w="med" len="med"/>
+                    </a:lnR>
+                    <a:lnB w="12700" cap="flat" cmpd="sng" algn="ctr">
+                      <a:solidFill>
+                        <a:schemeClr val="tx1"/>
+                      </a:solidFill>
+                      <a:prstDash val="solid"/>
+                      <a:round/>
+                      <a:headEnd type="none" w="med" len="med"/>
+                      <a:tailEnd type="none" w="med" len="med"/>
+                    </a:lnB>
+                    <a:solidFill>
+                      <a:schemeClr val="accent3">
+                        <a:lumMod val="20000"/>
+                        <a:lumOff val="80000"/>
+                      </a:schemeClr>
+                    </a:solidFill>
+                  </a:tcPr>
                 </a:tc>
                 <a:tc gridSpan="2">
                   <a:txBody>
@@ -9502,7 +9567,41 @@
                       </a:endParaRPr>
                     </a:p>
                   </a:txBody>
-                  <a:tcPr marL="9525" marR="9525" marT="9525" marB="0" anchor="b"/>
+                  <a:tcPr marL="9525" marR="9525" marT="9525" marB="0" anchor="b">
+                    <a:lnL w="12700" cap="flat" cmpd="sng" algn="ctr">
+                      <a:solidFill>
+                        <a:schemeClr val="tx1"/>
+                      </a:solidFill>
+                      <a:prstDash val="solid"/>
+                      <a:round/>
+                      <a:headEnd type="none" w="med" len="med"/>
+                      <a:tailEnd type="none" w="med" len="med"/>
+                    </a:lnL>
+                    <a:lnR w="12700" cap="flat" cmpd="sng" algn="ctr">
+                      <a:solidFill>
+                        <a:schemeClr val="tx1"/>
+                      </a:solidFill>
+                      <a:prstDash val="solid"/>
+                      <a:round/>
+                      <a:headEnd type="none" w="med" len="med"/>
+                      <a:tailEnd type="none" w="med" len="med"/>
+                    </a:lnR>
+                    <a:lnB w="12700" cap="flat" cmpd="sng" algn="ctr">
+                      <a:solidFill>
+                        <a:schemeClr val="tx1"/>
+                      </a:solidFill>
+                      <a:prstDash val="solid"/>
+                      <a:round/>
+                      <a:headEnd type="none" w="med" len="med"/>
+                      <a:tailEnd type="none" w="med" len="med"/>
+                    </a:lnB>
+                    <a:solidFill>
+                      <a:schemeClr val="accent3">
+                        <a:lumMod val="20000"/>
+                        <a:lumOff val="80000"/>
+                      </a:schemeClr>
+                    </a:solidFill>
+                  </a:tcPr>
                 </a:tc>
                 <a:tc hMerge="1">
                   <a:txBody>
@@ -9538,7 +9637,32 @@
                       </a:endParaRPr>
                     </a:p>
                   </a:txBody>
-                  <a:tcPr marL="9525" marR="9525" marT="9525" marB="0" anchor="b"/>
+                  <a:tcPr marL="9525" marR="9525" marT="9525" marB="0" anchor="b">
+                    <a:lnL w="12700" cap="flat" cmpd="sng" algn="ctr">
+                      <a:solidFill>
+                        <a:schemeClr val="tx1"/>
+                      </a:solidFill>
+                      <a:prstDash val="solid"/>
+                      <a:round/>
+                      <a:headEnd type="none" w="med" len="med"/>
+                      <a:tailEnd type="none" w="med" len="med"/>
+                    </a:lnL>
+                    <a:lnB w="12700" cap="flat" cmpd="sng" algn="ctr">
+                      <a:solidFill>
+                        <a:schemeClr val="tx1"/>
+                      </a:solidFill>
+                      <a:prstDash val="solid"/>
+                      <a:round/>
+                      <a:headEnd type="none" w="med" len="med"/>
+                      <a:tailEnd type="none" w="med" len="med"/>
+                    </a:lnB>
+                    <a:solidFill>
+                      <a:schemeClr val="accent3">
+                        <a:lumMod val="20000"/>
+                        <a:lumOff val="80000"/>
+                      </a:schemeClr>
+                    </a:solidFill>
+                  </a:tcPr>
                 </a:tc>
                 <a:tc hMerge="1">
                   <a:txBody>
@@ -9552,7 +9676,7 @@
                 </a:tc>
                 <a:extLst>
                   <a:ext uri="{0D108BD9-81ED-4DB2-BD59-A6C34878D82A}">
-                    <a16:rowId xmlns:a16="http://schemas.microsoft.com/office/drawing/2014/main" val="1205791969"/>
+                    <a16:rowId xmlns:a16="http://schemas.microsoft.com/office/drawing/2014/main" xmlns="" val="1205791969"/>
                   </a:ext>
                 </a:extLst>
               </a:tr>
@@ -9584,14 +9708,14 @@
                     <a:p>
                       <a:pPr algn="ctr" fontAlgn="ctr"/>
                       <a:r>
-                        <a:rPr lang="es-CO" sz="1200" u="none" strike="noStrike">
+                        <a:rPr lang="es-CO" sz="1200" u="none" strike="noStrike" dirty="0">
                           <a:effectLst/>
                           <a:latin typeface="Arial" panose="020B0604020202020204" pitchFamily="34" charset="0"/>
                           <a:cs typeface="Arial" panose="020B0604020202020204" pitchFamily="34" charset="0"/>
                         </a:rPr>
                         <a:t>1M</a:t>
                       </a:r>
-                      <a:endParaRPr lang="es-CO" sz="1200" b="0" i="0" u="none" strike="noStrike">
+                      <a:endParaRPr lang="es-CO" sz="1200" b="0" i="0" u="none" strike="noStrike" dirty="0">
                         <a:solidFill>
                           <a:srgbClr val="000000"/>
                         </a:solidFill>
@@ -9601,7 +9725,50 @@
                       </a:endParaRPr>
                     </a:p>
                   </a:txBody>
-                  <a:tcPr marL="9525" marR="9525" marT="9525" marB="0" anchor="ctr"/>
+                  <a:tcPr marL="9525" marR="9525" marT="9525" marB="0" anchor="ctr">
+                    <a:lnL w="12700" cap="flat" cmpd="sng" algn="ctr">
+                      <a:solidFill>
+                        <a:schemeClr val="tx1"/>
+                      </a:solidFill>
+                      <a:prstDash val="solid"/>
+                      <a:round/>
+                      <a:headEnd type="none" w="med" len="med"/>
+                      <a:tailEnd type="none" w="med" len="med"/>
+                    </a:lnL>
+                    <a:lnR w="12700" cap="flat" cmpd="sng" algn="ctr">
+                      <a:solidFill>
+                        <a:schemeClr val="tx1"/>
+                      </a:solidFill>
+                      <a:prstDash val="solid"/>
+                      <a:round/>
+                      <a:headEnd type="none" w="med" len="med"/>
+                      <a:tailEnd type="none" w="med" len="med"/>
+                    </a:lnR>
+                    <a:lnT w="12700" cap="flat" cmpd="sng" algn="ctr">
+                      <a:solidFill>
+                        <a:schemeClr val="tx1"/>
+                      </a:solidFill>
+                      <a:prstDash val="solid"/>
+                      <a:round/>
+                      <a:headEnd type="none" w="med" len="med"/>
+                      <a:tailEnd type="none" w="med" len="med"/>
+                    </a:lnT>
+                    <a:lnB w="12700" cap="flat" cmpd="sng" algn="ctr">
+                      <a:solidFill>
+                        <a:schemeClr val="tx1"/>
+                      </a:solidFill>
+                      <a:prstDash val="solid"/>
+                      <a:round/>
+                      <a:headEnd type="none" w="med" len="med"/>
+                      <a:tailEnd type="none" w="med" len="med"/>
+                    </a:lnB>
+                    <a:solidFill>
+                      <a:schemeClr val="accent3">
+                        <a:lumMod val="20000"/>
+                        <a:lumOff val="80000"/>
+                      </a:schemeClr>
+                    </a:solidFill>
+                  </a:tcPr>
                 </a:tc>
                 <a:tc>
                   <a:txBody>
@@ -9610,14 +9777,14 @@
                     <a:p>
                       <a:pPr algn="ctr" fontAlgn="ctr"/>
                       <a:r>
-                        <a:rPr lang="es-CO" sz="1200" u="none" strike="noStrike">
+                        <a:rPr lang="es-CO" sz="1200" u="none" strike="noStrike" dirty="0">
                           <a:effectLst/>
                           <a:latin typeface="Arial" panose="020B0604020202020204" pitchFamily="34" charset="0"/>
                           <a:cs typeface="Arial" panose="020B0604020202020204" pitchFamily="34" charset="0"/>
                         </a:rPr>
                         <a:t>5M</a:t>
                       </a:r>
-                      <a:endParaRPr lang="es-CO" sz="1200" b="0" i="0" u="none" strike="noStrike">
+                      <a:endParaRPr lang="es-CO" sz="1200" b="0" i="0" u="none" strike="noStrike" dirty="0">
                         <a:solidFill>
                           <a:srgbClr val="000000"/>
                         </a:solidFill>
@@ -9627,7 +9794,50 @@
                       </a:endParaRPr>
                     </a:p>
                   </a:txBody>
-                  <a:tcPr marL="9525" marR="9525" marT="9525" marB="0" anchor="ctr"/>
+                  <a:tcPr marL="9525" marR="9525" marT="9525" marB="0" anchor="ctr">
+                    <a:lnL w="12700" cap="flat" cmpd="sng" algn="ctr">
+                      <a:solidFill>
+                        <a:schemeClr val="tx1"/>
+                      </a:solidFill>
+                      <a:prstDash val="solid"/>
+                      <a:round/>
+                      <a:headEnd type="none" w="med" len="med"/>
+                      <a:tailEnd type="none" w="med" len="med"/>
+                    </a:lnL>
+                    <a:lnR w="12700" cap="flat" cmpd="sng" algn="ctr">
+                      <a:solidFill>
+                        <a:schemeClr val="tx1"/>
+                      </a:solidFill>
+                      <a:prstDash val="solid"/>
+                      <a:round/>
+                      <a:headEnd type="none" w="med" len="med"/>
+                      <a:tailEnd type="none" w="med" len="med"/>
+                    </a:lnR>
+                    <a:lnT w="12700" cap="flat" cmpd="sng" algn="ctr">
+                      <a:solidFill>
+                        <a:schemeClr val="tx1"/>
+                      </a:solidFill>
+                      <a:prstDash val="solid"/>
+                      <a:round/>
+                      <a:headEnd type="none" w="med" len="med"/>
+                      <a:tailEnd type="none" w="med" len="med"/>
+                    </a:lnT>
+                    <a:lnB w="12700" cap="flat" cmpd="sng" algn="ctr">
+                      <a:solidFill>
+                        <a:schemeClr val="tx1"/>
+                      </a:solidFill>
+                      <a:prstDash val="solid"/>
+                      <a:round/>
+                      <a:headEnd type="none" w="med" len="med"/>
+                      <a:tailEnd type="none" w="med" len="med"/>
+                    </a:lnB>
+                    <a:solidFill>
+                      <a:schemeClr val="accent3">
+                        <a:lumMod val="20000"/>
+                        <a:lumOff val="80000"/>
+                      </a:schemeClr>
+                    </a:solidFill>
+                  </a:tcPr>
                 </a:tc>
                 <a:tc>
                   <a:txBody>
@@ -9636,14 +9846,14 @@
                     <a:p>
                       <a:pPr algn="ctr" fontAlgn="ctr"/>
                       <a:r>
-                        <a:rPr lang="es-CO" sz="1200" u="none" strike="noStrike">
+                        <a:rPr lang="es-CO" sz="1200" u="none" strike="noStrike" dirty="0">
                           <a:effectLst/>
                           <a:latin typeface="Arial" panose="020B0604020202020204" pitchFamily="34" charset="0"/>
                           <a:cs typeface="Arial" panose="020B0604020202020204" pitchFamily="34" charset="0"/>
                         </a:rPr>
                         <a:t>1M</a:t>
                       </a:r>
-                      <a:endParaRPr lang="es-CO" sz="1200" b="0" i="0" u="none" strike="noStrike">
+                      <a:endParaRPr lang="es-CO" sz="1200" b="0" i="0" u="none" strike="noStrike" dirty="0">
                         <a:solidFill>
                           <a:srgbClr val="000000"/>
                         </a:solidFill>
@@ -9653,7 +9863,50 @@
                       </a:endParaRPr>
                     </a:p>
                   </a:txBody>
-                  <a:tcPr marL="9525" marR="9525" marT="9525" marB="0" anchor="ctr"/>
+                  <a:tcPr marL="9525" marR="9525" marT="9525" marB="0" anchor="ctr">
+                    <a:lnL w="12700" cap="flat" cmpd="sng" algn="ctr">
+                      <a:solidFill>
+                        <a:schemeClr val="tx1"/>
+                      </a:solidFill>
+                      <a:prstDash val="solid"/>
+                      <a:round/>
+                      <a:headEnd type="none" w="med" len="med"/>
+                      <a:tailEnd type="none" w="med" len="med"/>
+                    </a:lnL>
+                    <a:lnR w="12700" cap="flat" cmpd="sng" algn="ctr">
+                      <a:solidFill>
+                        <a:schemeClr val="tx1"/>
+                      </a:solidFill>
+                      <a:prstDash val="solid"/>
+                      <a:round/>
+                      <a:headEnd type="none" w="med" len="med"/>
+                      <a:tailEnd type="none" w="med" len="med"/>
+                    </a:lnR>
+                    <a:lnT w="12700" cap="flat" cmpd="sng" algn="ctr">
+                      <a:solidFill>
+                        <a:schemeClr val="tx1"/>
+                      </a:solidFill>
+                      <a:prstDash val="solid"/>
+                      <a:round/>
+                      <a:headEnd type="none" w="med" len="med"/>
+                      <a:tailEnd type="none" w="med" len="med"/>
+                    </a:lnT>
+                    <a:lnB w="12700" cap="flat" cmpd="sng" algn="ctr">
+                      <a:solidFill>
+                        <a:schemeClr val="tx1"/>
+                      </a:solidFill>
+                      <a:prstDash val="solid"/>
+                      <a:round/>
+                      <a:headEnd type="none" w="med" len="med"/>
+                      <a:tailEnd type="none" w="med" len="med"/>
+                    </a:lnB>
+                    <a:solidFill>
+                      <a:schemeClr val="accent3">
+                        <a:lumMod val="20000"/>
+                        <a:lumOff val="80000"/>
+                      </a:schemeClr>
+                    </a:solidFill>
+                  </a:tcPr>
                 </a:tc>
                 <a:tc>
                   <a:txBody>
@@ -9662,14 +9915,14 @@
                     <a:p>
                       <a:pPr algn="ctr" fontAlgn="ctr"/>
                       <a:r>
-                        <a:rPr lang="es-CO" sz="1200" u="none" strike="noStrike">
+                        <a:rPr lang="es-CO" sz="1200" u="none" strike="noStrike" dirty="0">
                           <a:effectLst/>
                           <a:latin typeface="Arial" panose="020B0604020202020204" pitchFamily="34" charset="0"/>
                           <a:cs typeface="Arial" panose="020B0604020202020204" pitchFamily="34" charset="0"/>
                         </a:rPr>
                         <a:t>5M</a:t>
                       </a:r>
-                      <a:endParaRPr lang="es-CO" sz="1200" b="0" i="0" u="none" strike="noStrike">
+                      <a:endParaRPr lang="es-CO" sz="1200" b="0" i="0" u="none" strike="noStrike" dirty="0">
                         <a:solidFill>
                           <a:srgbClr val="000000"/>
                         </a:solidFill>
@@ -9679,11 +9932,45 @@
                       </a:endParaRPr>
                     </a:p>
                   </a:txBody>
-                  <a:tcPr marL="9525" marR="9525" marT="9525" marB="0" anchor="ctr"/>
+                  <a:tcPr marL="9525" marR="9525" marT="9525" marB="0" anchor="ctr">
+                    <a:lnL w="12700" cap="flat" cmpd="sng" algn="ctr">
+                      <a:solidFill>
+                        <a:schemeClr val="tx1"/>
+                      </a:solidFill>
+                      <a:prstDash val="solid"/>
+                      <a:round/>
+                      <a:headEnd type="none" w="med" len="med"/>
+                      <a:tailEnd type="none" w="med" len="med"/>
+                    </a:lnL>
+                    <a:lnT w="12700" cap="flat" cmpd="sng" algn="ctr">
+                      <a:solidFill>
+                        <a:schemeClr val="tx1"/>
+                      </a:solidFill>
+                      <a:prstDash val="solid"/>
+                      <a:round/>
+                      <a:headEnd type="none" w="med" len="med"/>
+                      <a:tailEnd type="none" w="med" len="med"/>
+                    </a:lnT>
+                    <a:lnB w="12700" cap="flat" cmpd="sng" algn="ctr">
+                      <a:solidFill>
+                        <a:schemeClr val="tx1"/>
+                      </a:solidFill>
+                      <a:prstDash val="solid"/>
+                      <a:round/>
+                      <a:headEnd type="none" w="med" len="med"/>
+                      <a:tailEnd type="none" w="med" len="med"/>
+                    </a:lnB>
+                    <a:solidFill>
+                      <a:schemeClr val="accent3">
+                        <a:lumMod val="20000"/>
+                        <a:lumOff val="80000"/>
+                      </a:schemeClr>
+                    </a:solidFill>
+                  </a:tcPr>
                 </a:tc>
                 <a:extLst>
                   <a:ext uri="{0D108BD9-81ED-4DB2-BD59-A6C34878D82A}">
-                    <a16:rowId xmlns:a16="http://schemas.microsoft.com/office/drawing/2014/main" val="3190319937"/>
+                    <a16:rowId xmlns:a16="http://schemas.microsoft.com/office/drawing/2014/main" xmlns="" val="3190319937"/>
                   </a:ext>
                 </a:extLst>
               </a:tr>
@@ -9712,7 +9999,46 @@
                       </a:endParaRPr>
                     </a:p>
                   </a:txBody>
-                  <a:tcPr marL="9525" marR="9525" marT="9525" marB="0" anchor="ctr"/>
+                  <a:tcPr marL="9525" marR="9525" marT="9525" marB="0" anchor="ctr">
+                    <a:lnL>
+                      <a:noFill/>
+                    </a:lnL>
+                    <a:lnR w="12700" cap="flat" cmpd="sng" algn="ctr">
+                      <a:solidFill>
+                        <a:schemeClr val="tx1"/>
+                      </a:solidFill>
+                      <a:prstDash val="solid"/>
+                      <a:round/>
+                      <a:headEnd type="none" w="med" len="med"/>
+                      <a:tailEnd type="none" w="med" len="med"/>
+                    </a:lnR>
+                    <a:lnT w="12700" cap="flat" cmpd="sng" algn="ctr">
+                      <a:solidFill>
+                        <a:schemeClr val="tx1"/>
+                      </a:solidFill>
+                      <a:prstDash val="solid"/>
+                      <a:round/>
+                      <a:headEnd type="none" w="med" len="med"/>
+                      <a:tailEnd type="none" w="med" len="med"/>
+                    </a:lnT>
+                    <a:lnB w="12700" cap="flat" cmpd="sng" algn="ctr">
+                      <a:solidFill>
+                        <a:schemeClr val="tx1"/>
+                      </a:solidFill>
+                      <a:prstDash val="solid"/>
+                      <a:round/>
+                      <a:headEnd type="none" w="med" len="med"/>
+                      <a:tailEnd type="none" w="med" len="med"/>
+                    </a:lnB>
+                    <a:lnTlToBr w="12700" cmpd="sng">
+                      <a:noFill/>
+                      <a:prstDash val="solid"/>
+                    </a:lnTlToBr>
+                    <a:lnBlToTr w="12700" cmpd="sng">
+                      <a:noFill/>
+                      <a:prstDash val="solid"/>
+                    </a:lnBlToTr>
+                  </a:tcPr>
                 </a:tc>
                 <a:tc>
                   <a:txBody>
@@ -9738,7 +10064,48 @@
                       </a:endParaRPr>
                     </a:p>
                   </a:txBody>
-                  <a:tcPr marL="9525" marR="9525" marT="9525" marB="0" anchor="ctr"/>
+                  <a:tcPr marL="9525" marR="9525" marT="9525" marB="0" anchor="ctr">
+                    <a:lnL w="12700" cap="flat" cmpd="sng" algn="ctr">
+                      <a:solidFill>
+                        <a:schemeClr val="tx1"/>
+                      </a:solidFill>
+                      <a:prstDash val="solid"/>
+                      <a:round/>
+                      <a:headEnd type="none" w="med" len="med"/>
+                      <a:tailEnd type="none" w="med" len="med"/>
+                    </a:lnL>
+                    <a:lnR w="12700" cap="flat" cmpd="sng" algn="ctr">
+                      <a:noFill/>
+                      <a:prstDash val="solid"/>
+                      <a:round/>
+                      <a:headEnd type="none" w="med" len="med"/>
+                      <a:tailEnd type="none" w="med" len="med"/>
+                    </a:lnR>
+                    <a:lnT w="12700" cap="flat" cmpd="sng" algn="ctr">
+                      <a:solidFill>
+                        <a:schemeClr val="tx1"/>
+                      </a:solidFill>
+                      <a:prstDash val="solid"/>
+                      <a:round/>
+                      <a:headEnd type="none" w="med" len="med"/>
+                      <a:tailEnd type="none" w="med" len="med"/>
+                    </a:lnT>
+                    <a:lnB w="12700" cap="flat" cmpd="sng" algn="ctr">
+                      <a:noFill/>
+                      <a:prstDash val="solid"/>
+                      <a:round/>
+                      <a:headEnd type="none" w="med" len="med"/>
+                      <a:tailEnd type="none" w="med" len="med"/>
+                    </a:lnB>
+                    <a:lnTlToBr w="12700" cmpd="sng">
+                      <a:noFill/>
+                      <a:prstDash val="solid"/>
+                    </a:lnTlToBr>
+                    <a:lnBlToTr w="12700" cmpd="sng">
+                      <a:noFill/>
+                      <a:prstDash val="solid"/>
+                    </a:lnBlToTr>
+                  </a:tcPr>
                 </a:tc>
                 <a:tc>
                   <a:txBody>
@@ -9747,14 +10114,14 @@
                     <a:p>
                       <a:pPr algn="ctr" fontAlgn="ctr"/>
                       <a:r>
-                        <a:rPr lang="es-CO" sz="1200" u="none" strike="noStrike">
+                        <a:rPr lang="es-CO" sz="1200" u="none" strike="noStrike" dirty="0">
                           <a:effectLst/>
                           <a:latin typeface="Arial" panose="020B0604020202020204" pitchFamily="34" charset="0"/>
                           <a:cs typeface="Arial" panose="020B0604020202020204" pitchFamily="34" charset="0"/>
                         </a:rPr>
                         <a:t>1.50</a:t>
                       </a:r>
-                      <a:endParaRPr lang="es-CO" sz="1200" b="0" i="0" u="none" strike="noStrike">
+                      <a:endParaRPr lang="es-CO" sz="1200" b="0" i="0" u="none" strike="noStrike" dirty="0">
                         <a:solidFill>
                           <a:srgbClr val="000000"/>
                         </a:solidFill>
@@ -9764,7 +10131,46 @@
                       </a:endParaRPr>
                     </a:p>
                   </a:txBody>
-                  <a:tcPr marL="9525" marR="9525" marT="9525" marB="0" anchor="ctr"/>
+                  <a:tcPr marL="9525" marR="9525" marT="9525" marB="0" anchor="ctr">
+                    <a:lnL w="12700" cap="flat" cmpd="sng" algn="ctr">
+                      <a:noFill/>
+                      <a:prstDash val="solid"/>
+                      <a:round/>
+                      <a:headEnd type="none" w="med" len="med"/>
+                      <a:tailEnd type="none" w="med" len="med"/>
+                    </a:lnL>
+                    <a:lnR w="12700" cap="flat" cmpd="sng" algn="ctr">
+                      <a:noFill/>
+                      <a:prstDash val="solid"/>
+                      <a:round/>
+                      <a:headEnd type="none" w="med" len="med"/>
+                      <a:tailEnd type="none" w="med" len="med"/>
+                    </a:lnR>
+                    <a:lnT w="12700" cap="flat" cmpd="sng" algn="ctr">
+                      <a:solidFill>
+                        <a:schemeClr val="tx1"/>
+                      </a:solidFill>
+                      <a:prstDash val="solid"/>
+                      <a:round/>
+                      <a:headEnd type="none" w="med" len="med"/>
+                      <a:tailEnd type="none" w="med" len="med"/>
+                    </a:lnT>
+                    <a:lnB w="12700" cap="flat" cmpd="sng" algn="ctr">
+                      <a:noFill/>
+                      <a:prstDash val="solid"/>
+                      <a:round/>
+                      <a:headEnd type="none" w="med" len="med"/>
+                      <a:tailEnd type="none" w="med" len="med"/>
+                    </a:lnB>
+                    <a:lnTlToBr w="12700" cmpd="sng">
+                      <a:noFill/>
+                      <a:prstDash val="solid"/>
+                    </a:lnTlToBr>
+                    <a:lnBlToTr w="12700" cmpd="sng">
+                      <a:noFill/>
+                      <a:prstDash val="solid"/>
+                    </a:lnBlToTr>
+                  </a:tcPr>
                 </a:tc>
                 <a:tc>
                   <a:txBody>
@@ -9773,14 +10179,14 @@
                     <a:p>
                       <a:pPr algn="ctr" fontAlgn="ctr"/>
                       <a:r>
-                        <a:rPr lang="es-CO" sz="1200" u="none" strike="noStrike">
+                        <a:rPr lang="es-CO" sz="1200" u="none" strike="noStrike" dirty="0">
                           <a:effectLst/>
                           <a:latin typeface="Arial" panose="020B0604020202020204" pitchFamily="34" charset="0"/>
                           <a:cs typeface="Arial" panose="020B0604020202020204" pitchFamily="34" charset="0"/>
                         </a:rPr>
                         <a:t>1.29</a:t>
                       </a:r>
-                      <a:endParaRPr lang="es-CO" sz="1200" b="0" i="0" u="none" strike="noStrike">
+                      <a:endParaRPr lang="es-CO" sz="1200" b="0" i="0" u="none" strike="noStrike" dirty="0">
                         <a:solidFill>
                           <a:srgbClr val="000000"/>
                         </a:solidFill>
@@ -9790,7 +10196,46 @@
                       </a:endParaRPr>
                     </a:p>
                   </a:txBody>
-                  <a:tcPr marL="9525" marR="9525" marT="9525" marB="0" anchor="ctr"/>
+                  <a:tcPr marL="9525" marR="9525" marT="9525" marB="0" anchor="ctr">
+                    <a:lnL w="12700" cap="flat" cmpd="sng" algn="ctr">
+                      <a:noFill/>
+                      <a:prstDash val="solid"/>
+                      <a:round/>
+                      <a:headEnd type="none" w="med" len="med"/>
+                      <a:tailEnd type="none" w="med" len="med"/>
+                    </a:lnL>
+                    <a:lnR w="12700" cap="flat" cmpd="sng" algn="ctr">
+                      <a:noFill/>
+                      <a:prstDash val="solid"/>
+                      <a:round/>
+                      <a:headEnd type="none" w="med" len="med"/>
+                      <a:tailEnd type="none" w="med" len="med"/>
+                    </a:lnR>
+                    <a:lnT w="12700" cap="flat" cmpd="sng" algn="ctr">
+                      <a:solidFill>
+                        <a:schemeClr val="tx1"/>
+                      </a:solidFill>
+                      <a:prstDash val="solid"/>
+                      <a:round/>
+                      <a:headEnd type="none" w="med" len="med"/>
+                      <a:tailEnd type="none" w="med" len="med"/>
+                    </a:lnT>
+                    <a:lnB w="12700" cap="flat" cmpd="sng" algn="ctr">
+                      <a:noFill/>
+                      <a:prstDash val="solid"/>
+                      <a:round/>
+                      <a:headEnd type="none" w="med" len="med"/>
+                      <a:tailEnd type="none" w="med" len="med"/>
+                    </a:lnB>
+                    <a:lnTlToBr w="12700" cmpd="sng">
+                      <a:noFill/>
+                      <a:prstDash val="solid"/>
+                    </a:lnTlToBr>
+                    <a:lnBlToTr w="12700" cmpd="sng">
+                      <a:noFill/>
+                      <a:prstDash val="solid"/>
+                    </a:lnBlToTr>
+                  </a:tcPr>
                 </a:tc>
                 <a:tc>
                   <a:txBody>
@@ -9816,7 +10261,46 @@
                       </a:endParaRPr>
                     </a:p>
                   </a:txBody>
-                  <a:tcPr marL="9525" marR="9525" marT="9525" marB="0" anchor="ctr"/>
+                  <a:tcPr marL="9525" marR="9525" marT="9525" marB="0" anchor="ctr">
+                    <a:lnL w="12700" cap="flat" cmpd="sng" algn="ctr">
+                      <a:noFill/>
+                      <a:prstDash val="solid"/>
+                      <a:round/>
+                      <a:headEnd type="none" w="med" len="med"/>
+                      <a:tailEnd type="none" w="med" len="med"/>
+                    </a:lnL>
+                    <a:lnR w="12700" cap="flat" cmpd="sng" algn="ctr">
+                      <a:noFill/>
+                      <a:prstDash val="solid"/>
+                      <a:round/>
+                      <a:headEnd type="none" w="med" len="med"/>
+                      <a:tailEnd type="none" w="med" len="med"/>
+                    </a:lnR>
+                    <a:lnT w="12700" cap="flat" cmpd="sng" algn="ctr">
+                      <a:solidFill>
+                        <a:schemeClr val="tx1"/>
+                      </a:solidFill>
+                      <a:prstDash val="solid"/>
+                      <a:round/>
+                      <a:headEnd type="none" w="med" len="med"/>
+                      <a:tailEnd type="none" w="med" len="med"/>
+                    </a:lnT>
+                    <a:lnB w="12700" cap="flat" cmpd="sng" algn="ctr">
+                      <a:noFill/>
+                      <a:prstDash val="solid"/>
+                      <a:round/>
+                      <a:headEnd type="none" w="med" len="med"/>
+                      <a:tailEnd type="none" w="med" len="med"/>
+                    </a:lnB>
+                    <a:lnTlToBr w="12700" cmpd="sng">
+                      <a:noFill/>
+                      <a:prstDash val="solid"/>
+                    </a:lnTlToBr>
+                    <a:lnBlToTr w="12700" cmpd="sng">
+                      <a:noFill/>
+                      <a:prstDash val="solid"/>
+                    </a:lnBlToTr>
+                  </a:tcPr>
                 </a:tc>
                 <a:tc>
                   <a:txBody>
@@ -9825,14 +10309,14 @@
                     <a:p>
                       <a:pPr algn="ctr" fontAlgn="ctr"/>
                       <a:r>
-                        <a:rPr lang="es-CO" sz="1200" u="none" strike="noStrike">
+                        <a:rPr lang="es-CO" sz="1200" u="none" strike="noStrike" dirty="0">
                           <a:effectLst/>
                           <a:latin typeface="Arial" panose="020B0604020202020204" pitchFamily="34" charset="0"/>
                           <a:cs typeface="Arial" panose="020B0604020202020204" pitchFamily="34" charset="0"/>
                         </a:rPr>
                         <a:t>1.2</a:t>
                       </a:r>
-                      <a:endParaRPr lang="es-CO" sz="1200" b="0" i="0" u="none" strike="noStrike">
+                      <a:endParaRPr lang="es-CO" sz="1200" b="0" i="0" u="none" strike="noStrike" dirty="0">
                         <a:solidFill>
                           <a:srgbClr val="000000"/>
                         </a:solidFill>
@@ -9842,11 +10326,46 @@
                       </a:endParaRPr>
                     </a:p>
                   </a:txBody>
-                  <a:tcPr marL="9525" marR="9525" marT="9525" marB="0" anchor="ctr"/>
+                  <a:tcPr marL="9525" marR="9525" marT="9525" marB="0" anchor="ctr">
+                    <a:lnL w="12700" cap="flat" cmpd="sng" algn="ctr">
+                      <a:noFill/>
+                      <a:prstDash val="solid"/>
+                      <a:round/>
+                      <a:headEnd type="none" w="med" len="med"/>
+                      <a:tailEnd type="none" w="med" len="med"/>
+                    </a:lnL>
+                    <a:lnR>
+                      <a:noFill/>
+                    </a:lnR>
+                    <a:lnT w="12700" cap="flat" cmpd="sng" algn="ctr">
+                      <a:solidFill>
+                        <a:schemeClr val="tx1"/>
+                      </a:solidFill>
+                      <a:prstDash val="solid"/>
+                      <a:round/>
+                      <a:headEnd type="none" w="med" len="med"/>
+                      <a:tailEnd type="none" w="med" len="med"/>
+                    </a:lnT>
+                    <a:lnB w="12700" cap="flat" cmpd="sng" algn="ctr">
+                      <a:noFill/>
+                      <a:prstDash val="solid"/>
+                      <a:round/>
+                      <a:headEnd type="none" w="med" len="med"/>
+                      <a:tailEnd type="none" w="med" len="med"/>
+                    </a:lnB>
+                    <a:lnTlToBr w="12700" cmpd="sng">
+                      <a:noFill/>
+                      <a:prstDash val="solid"/>
+                    </a:lnTlToBr>
+                    <a:lnBlToTr w="12700" cmpd="sng">
+                      <a:noFill/>
+                      <a:prstDash val="solid"/>
+                    </a:lnBlToTr>
+                  </a:tcPr>
                 </a:tc>
                 <a:extLst>
                   <a:ext uri="{0D108BD9-81ED-4DB2-BD59-A6C34878D82A}">
-                    <a16:rowId xmlns:a16="http://schemas.microsoft.com/office/drawing/2014/main" val="3057983255"/>
+                    <a16:rowId xmlns:a16="http://schemas.microsoft.com/office/drawing/2014/main" xmlns="" val="3057983255"/>
                   </a:ext>
                 </a:extLst>
               </a:tr>
@@ -9868,14 +10387,14 @@
                     <a:p>
                       <a:pPr algn="ctr" fontAlgn="ctr"/>
                       <a:r>
-                        <a:rPr lang="es-CO" sz="1200" u="none" strike="noStrike">
+                        <a:rPr lang="es-CO" sz="1200" u="none" strike="noStrike" dirty="0">
                           <a:effectLst/>
                           <a:latin typeface="Arial" panose="020B0604020202020204" pitchFamily="34" charset="0"/>
                           <a:cs typeface="Arial" panose="020B0604020202020204" pitchFamily="34" charset="0"/>
                         </a:rPr>
                         <a:t>Semana</a:t>
                       </a:r>
-                      <a:endParaRPr lang="es-CO" sz="1200" b="0" i="0" u="none" strike="noStrike">
+                      <a:endParaRPr lang="es-CO" sz="1200" b="0" i="0" u="none" strike="noStrike" dirty="0">
                         <a:solidFill>
                           <a:srgbClr val="000000"/>
                         </a:solidFill>
@@ -9885,7 +10404,46 @@
                       </a:endParaRPr>
                     </a:p>
                   </a:txBody>
-                  <a:tcPr marL="9525" marR="9525" marT="9525" marB="0" anchor="ctr"/>
+                  <a:tcPr marL="9525" marR="9525" marT="9525" marB="0" anchor="ctr">
+                    <a:lnL w="12700" cap="flat" cmpd="sng" algn="ctr">
+                      <a:solidFill>
+                        <a:schemeClr val="tx1"/>
+                      </a:solidFill>
+                      <a:prstDash val="solid"/>
+                      <a:round/>
+                      <a:headEnd type="none" w="med" len="med"/>
+                      <a:tailEnd type="none" w="med" len="med"/>
+                    </a:lnL>
+                    <a:lnR w="12700" cap="flat" cmpd="sng" algn="ctr">
+                      <a:noFill/>
+                      <a:prstDash val="solid"/>
+                      <a:round/>
+                      <a:headEnd type="none" w="med" len="med"/>
+                      <a:tailEnd type="none" w="med" len="med"/>
+                    </a:lnR>
+                    <a:lnT w="12700" cap="flat" cmpd="sng" algn="ctr">
+                      <a:noFill/>
+                      <a:prstDash val="solid"/>
+                      <a:round/>
+                      <a:headEnd type="none" w="med" len="med"/>
+                      <a:tailEnd type="none" w="med" len="med"/>
+                    </a:lnT>
+                    <a:lnB w="12700" cap="flat" cmpd="sng" algn="ctr">
+                      <a:noFill/>
+                      <a:prstDash val="solid"/>
+                      <a:round/>
+                      <a:headEnd type="none" w="med" len="med"/>
+                      <a:tailEnd type="none" w="med" len="med"/>
+                    </a:lnB>
+                    <a:lnTlToBr w="12700" cmpd="sng">
+                      <a:noFill/>
+                      <a:prstDash val="solid"/>
+                    </a:lnTlToBr>
+                    <a:lnBlToTr w="12700" cmpd="sng">
+                      <a:noFill/>
+                      <a:prstDash val="solid"/>
+                    </a:lnBlToTr>
+                  </a:tcPr>
                 </a:tc>
                 <a:tc>
                   <a:txBody>
@@ -9894,14 +10452,14 @@
                     <a:p>
                       <a:pPr algn="ctr" fontAlgn="ctr"/>
                       <a:r>
-                        <a:rPr lang="es-CO" sz="1200" u="none" strike="noStrike">
+                        <a:rPr lang="es-CO" sz="1200" u="none" strike="noStrike" dirty="0">
                           <a:effectLst/>
                           <a:latin typeface="Arial" panose="020B0604020202020204" pitchFamily="34" charset="0"/>
                           <a:cs typeface="Arial" panose="020B0604020202020204" pitchFamily="34" charset="0"/>
                         </a:rPr>
                         <a:t>1.32</a:t>
                       </a:r>
-                      <a:endParaRPr lang="es-CO" sz="1200" b="0" i="0" u="none" strike="noStrike">
+                      <a:endParaRPr lang="es-CO" sz="1200" b="0" i="0" u="none" strike="noStrike" dirty="0">
                         <a:solidFill>
                           <a:srgbClr val="000000"/>
                         </a:solidFill>
@@ -9911,7 +10469,44 @@
                       </a:endParaRPr>
                     </a:p>
                   </a:txBody>
-                  <a:tcPr marL="9525" marR="9525" marT="9525" marB="0" anchor="ctr"/>
+                  <a:tcPr marL="9525" marR="9525" marT="9525" marB="0" anchor="ctr">
+                    <a:lnL w="12700" cap="flat" cmpd="sng" algn="ctr">
+                      <a:noFill/>
+                      <a:prstDash val="solid"/>
+                      <a:round/>
+                      <a:headEnd type="none" w="med" len="med"/>
+                      <a:tailEnd type="none" w="med" len="med"/>
+                    </a:lnL>
+                    <a:lnR w="12700" cap="flat" cmpd="sng" algn="ctr">
+                      <a:noFill/>
+                      <a:prstDash val="solid"/>
+                      <a:round/>
+                      <a:headEnd type="none" w="med" len="med"/>
+                      <a:tailEnd type="none" w="med" len="med"/>
+                    </a:lnR>
+                    <a:lnT w="12700" cap="flat" cmpd="sng" algn="ctr">
+                      <a:noFill/>
+                      <a:prstDash val="solid"/>
+                      <a:round/>
+                      <a:headEnd type="none" w="med" len="med"/>
+                      <a:tailEnd type="none" w="med" len="med"/>
+                    </a:lnT>
+                    <a:lnB w="12700" cap="flat" cmpd="sng" algn="ctr">
+                      <a:noFill/>
+                      <a:prstDash val="solid"/>
+                      <a:round/>
+                      <a:headEnd type="none" w="med" len="med"/>
+                      <a:tailEnd type="none" w="med" len="med"/>
+                    </a:lnB>
+                    <a:lnTlToBr w="12700" cmpd="sng">
+                      <a:noFill/>
+                      <a:prstDash val="solid"/>
+                    </a:lnTlToBr>
+                    <a:lnBlToTr w="12700" cmpd="sng">
+                      <a:noFill/>
+                      <a:prstDash val="solid"/>
+                    </a:lnBlToTr>
+                  </a:tcPr>
                 </a:tc>
                 <a:tc>
                   <a:txBody>
@@ -9920,14 +10515,14 @@
                     <a:p>
                       <a:pPr algn="ctr" fontAlgn="ctr"/>
                       <a:r>
-                        <a:rPr lang="es-CO" sz="1200" u="none" strike="noStrike">
+                        <a:rPr lang="es-CO" sz="1200" u="none" strike="noStrike" dirty="0">
                           <a:effectLst/>
                           <a:latin typeface="Arial" panose="020B0604020202020204" pitchFamily="34" charset="0"/>
                           <a:cs typeface="Arial" panose="020B0604020202020204" pitchFamily="34" charset="0"/>
                         </a:rPr>
                         <a:t>1.29</a:t>
                       </a:r>
-                      <a:endParaRPr lang="es-CO" sz="1200" b="0" i="0" u="none" strike="noStrike">
+                      <a:endParaRPr lang="es-CO" sz="1200" b="0" i="0" u="none" strike="noStrike" dirty="0">
                         <a:solidFill>
                           <a:srgbClr val="000000"/>
                         </a:solidFill>
@@ -9937,7 +10532,44 @@
                       </a:endParaRPr>
                     </a:p>
                   </a:txBody>
-                  <a:tcPr marL="9525" marR="9525" marT="9525" marB="0" anchor="ctr"/>
+                  <a:tcPr marL="9525" marR="9525" marT="9525" marB="0" anchor="ctr">
+                    <a:lnL w="12700" cap="flat" cmpd="sng" algn="ctr">
+                      <a:noFill/>
+                      <a:prstDash val="solid"/>
+                      <a:round/>
+                      <a:headEnd type="none" w="med" len="med"/>
+                      <a:tailEnd type="none" w="med" len="med"/>
+                    </a:lnL>
+                    <a:lnR w="12700" cap="flat" cmpd="sng" algn="ctr">
+                      <a:noFill/>
+                      <a:prstDash val="solid"/>
+                      <a:round/>
+                      <a:headEnd type="none" w="med" len="med"/>
+                      <a:tailEnd type="none" w="med" len="med"/>
+                    </a:lnR>
+                    <a:lnT w="12700" cap="flat" cmpd="sng" algn="ctr">
+                      <a:noFill/>
+                      <a:prstDash val="solid"/>
+                      <a:round/>
+                      <a:headEnd type="none" w="med" len="med"/>
+                      <a:tailEnd type="none" w="med" len="med"/>
+                    </a:lnT>
+                    <a:lnB w="12700" cap="flat" cmpd="sng" algn="ctr">
+                      <a:noFill/>
+                      <a:prstDash val="solid"/>
+                      <a:round/>
+                      <a:headEnd type="none" w="med" len="med"/>
+                      <a:tailEnd type="none" w="med" len="med"/>
+                    </a:lnB>
+                    <a:lnTlToBr w="12700" cmpd="sng">
+                      <a:noFill/>
+                      <a:prstDash val="solid"/>
+                    </a:lnTlToBr>
+                    <a:lnBlToTr w="12700" cmpd="sng">
+                      <a:noFill/>
+                      <a:prstDash val="solid"/>
+                    </a:lnBlToTr>
+                  </a:tcPr>
                 </a:tc>
                 <a:tc>
                   <a:txBody>
@@ -9963,7 +10595,44 @@
                       </a:endParaRPr>
                     </a:p>
                   </a:txBody>
-                  <a:tcPr marL="9525" marR="9525" marT="9525" marB="0" anchor="ctr"/>
+                  <a:tcPr marL="9525" marR="9525" marT="9525" marB="0" anchor="ctr">
+                    <a:lnL w="12700" cap="flat" cmpd="sng" algn="ctr">
+                      <a:noFill/>
+                      <a:prstDash val="solid"/>
+                      <a:round/>
+                      <a:headEnd type="none" w="med" len="med"/>
+                      <a:tailEnd type="none" w="med" len="med"/>
+                    </a:lnL>
+                    <a:lnR w="12700" cap="flat" cmpd="sng" algn="ctr">
+                      <a:noFill/>
+                      <a:prstDash val="solid"/>
+                      <a:round/>
+                      <a:headEnd type="none" w="med" len="med"/>
+                      <a:tailEnd type="none" w="med" len="med"/>
+                    </a:lnR>
+                    <a:lnT w="12700" cap="flat" cmpd="sng" algn="ctr">
+                      <a:noFill/>
+                      <a:prstDash val="solid"/>
+                      <a:round/>
+                      <a:headEnd type="none" w="med" len="med"/>
+                      <a:tailEnd type="none" w="med" len="med"/>
+                    </a:lnT>
+                    <a:lnB w="12700" cap="flat" cmpd="sng" algn="ctr">
+                      <a:noFill/>
+                      <a:prstDash val="solid"/>
+                      <a:round/>
+                      <a:headEnd type="none" w="med" len="med"/>
+                      <a:tailEnd type="none" w="med" len="med"/>
+                    </a:lnB>
+                    <a:lnTlToBr w="12700" cmpd="sng">
+                      <a:noFill/>
+                      <a:prstDash val="solid"/>
+                    </a:lnTlToBr>
+                    <a:lnBlToTr w="12700" cmpd="sng">
+                      <a:noFill/>
+                      <a:prstDash val="solid"/>
+                    </a:lnBlToTr>
+                  </a:tcPr>
                 </a:tc>
                 <a:tc>
                   <a:txBody>
@@ -9972,14 +10641,14 @@
                     <a:p>
                       <a:pPr algn="ctr" fontAlgn="ctr"/>
                       <a:r>
-                        <a:rPr lang="es-CO" sz="1200" u="none" strike="noStrike">
+                        <a:rPr lang="es-CO" sz="1200" u="none" strike="noStrike" dirty="0">
                           <a:effectLst/>
                           <a:latin typeface="Arial" panose="020B0604020202020204" pitchFamily="34" charset="0"/>
                           <a:cs typeface="Arial" panose="020B0604020202020204" pitchFamily="34" charset="0"/>
                         </a:rPr>
                         <a:t>1.18</a:t>
                       </a:r>
-                      <a:endParaRPr lang="es-CO" sz="1200" b="0" i="0" u="none" strike="noStrike">
+                      <a:endParaRPr lang="es-CO" sz="1200" b="0" i="0" u="none" strike="noStrike" dirty="0">
                         <a:solidFill>
                           <a:srgbClr val="000000"/>
                         </a:solidFill>
@@ -9989,11 +10658,44 @@
                       </a:endParaRPr>
                     </a:p>
                   </a:txBody>
-                  <a:tcPr marL="9525" marR="9525" marT="9525" marB="0" anchor="ctr"/>
+                  <a:tcPr marL="9525" marR="9525" marT="9525" marB="0" anchor="ctr">
+                    <a:lnL w="12700" cap="flat" cmpd="sng" algn="ctr">
+                      <a:noFill/>
+                      <a:prstDash val="solid"/>
+                      <a:round/>
+                      <a:headEnd type="none" w="med" len="med"/>
+                      <a:tailEnd type="none" w="med" len="med"/>
+                    </a:lnL>
+                    <a:lnR>
+                      <a:noFill/>
+                    </a:lnR>
+                    <a:lnT w="12700" cap="flat" cmpd="sng" algn="ctr">
+                      <a:noFill/>
+                      <a:prstDash val="solid"/>
+                      <a:round/>
+                      <a:headEnd type="none" w="med" len="med"/>
+                      <a:tailEnd type="none" w="med" len="med"/>
+                    </a:lnT>
+                    <a:lnB w="12700" cap="flat" cmpd="sng" algn="ctr">
+                      <a:noFill/>
+                      <a:prstDash val="solid"/>
+                      <a:round/>
+                      <a:headEnd type="none" w="med" len="med"/>
+                      <a:tailEnd type="none" w="med" len="med"/>
+                    </a:lnB>
+                    <a:lnTlToBr w="12700" cmpd="sng">
+                      <a:noFill/>
+                      <a:prstDash val="solid"/>
+                    </a:lnTlToBr>
+                    <a:lnBlToTr w="12700" cmpd="sng">
+                      <a:noFill/>
+                      <a:prstDash val="solid"/>
+                    </a:lnBlToTr>
+                  </a:tcPr>
                 </a:tc>
                 <a:extLst>
                   <a:ext uri="{0D108BD9-81ED-4DB2-BD59-A6C34878D82A}">
-                    <a16:rowId xmlns:a16="http://schemas.microsoft.com/office/drawing/2014/main" val="142723232"/>
+                    <a16:rowId xmlns:a16="http://schemas.microsoft.com/office/drawing/2014/main" xmlns="" val="142723232"/>
                   </a:ext>
                 </a:extLst>
               </a:tr>
@@ -10015,14 +10717,14 @@
                     <a:p>
                       <a:pPr algn="ctr" fontAlgn="ctr"/>
                       <a:r>
-                        <a:rPr lang="es-CO" sz="1200" u="none" strike="noStrike">
+                        <a:rPr lang="es-CO" sz="1200" u="none" strike="noStrike" dirty="0" smtClean="0">
                           <a:effectLst/>
                           <a:latin typeface="Arial" panose="020B0604020202020204" pitchFamily="34" charset="0"/>
                           <a:cs typeface="Arial" panose="020B0604020202020204" pitchFamily="34" charset="0"/>
                         </a:rPr>
-                        <a:t>Asignacion</a:t>
+                        <a:t>Asignación</a:t>
                       </a:r>
-                      <a:endParaRPr lang="es-CO" sz="1200" b="0" i="0" u="none" strike="noStrike">
+                      <a:endParaRPr lang="es-CO" sz="1200" b="0" i="0" u="none" strike="noStrike" dirty="0">
                         <a:solidFill>
                           <a:srgbClr val="000000"/>
                         </a:solidFill>
@@ -10032,7 +10734,46 @@
                       </a:endParaRPr>
                     </a:p>
                   </a:txBody>
-                  <a:tcPr marL="9525" marR="9525" marT="9525" marB="0" anchor="ctr"/>
+                  <a:tcPr marL="9525" marR="9525" marT="9525" marB="0" anchor="ctr">
+                    <a:lnL w="12700" cap="flat" cmpd="sng" algn="ctr">
+                      <a:solidFill>
+                        <a:schemeClr val="tx1"/>
+                      </a:solidFill>
+                      <a:prstDash val="solid"/>
+                      <a:round/>
+                      <a:headEnd type="none" w="med" len="med"/>
+                      <a:tailEnd type="none" w="med" len="med"/>
+                    </a:lnL>
+                    <a:lnR w="12700" cap="flat" cmpd="sng" algn="ctr">
+                      <a:noFill/>
+                      <a:prstDash val="solid"/>
+                      <a:round/>
+                      <a:headEnd type="none" w="med" len="med"/>
+                      <a:tailEnd type="none" w="med" len="med"/>
+                    </a:lnR>
+                    <a:lnT w="12700" cap="flat" cmpd="sng" algn="ctr">
+                      <a:noFill/>
+                      <a:prstDash val="solid"/>
+                      <a:round/>
+                      <a:headEnd type="none" w="med" len="med"/>
+                      <a:tailEnd type="none" w="med" len="med"/>
+                    </a:lnT>
+                    <a:lnB w="12700" cap="flat" cmpd="sng" algn="ctr">
+                      <a:noFill/>
+                      <a:prstDash val="solid"/>
+                      <a:round/>
+                      <a:headEnd type="none" w="med" len="med"/>
+                      <a:tailEnd type="none" w="med" len="med"/>
+                    </a:lnB>
+                    <a:lnTlToBr w="12700" cmpd="sng">
+                      <a:noFill/>
+                      <a:prstDash val="solid"/>
+                    </a:lnTlToBr>
+                    <a:lnBlToTr w="12700" cmpd="sng">
+                      <a:noFill/>
+                      <a:prstDash val="solid"/>
+                    </a:lnBlToTr>
+                  </a:tcPr>
                 </a:tc>
                 <a:tc>
                   <a:txBody>
@@ -10041,14 +10782,14 @@
                     <a:p>
                       <a:pPr algn="ctr" fontAlgn="ctr"/>
                       <a:r>
-                        <a:rPr lang="es-CO" sz="1200" u="none" strike="noStrike">
+                        <a:rPr lang="es-CO" sz="1200" u="none" strike="noStrike" dirty="0">
                           <a:effectLst/>
                           <a:latin typeface="Arial" panose="020B0604020202020204" pitchFamily="34" charset="0"/>
                           <a:cs typeface="Arial" panose="020B0604020202020204" pitchFamily="34" charset="0"/>
                         </a:rPr>
                         <a:t>1.34</a:t>
                       </a:r>
-                      <a:endParaRPr lang="es-CO" sz="1200" b="0" i="0" u="none" strike="noStrike">
+                      <a:endParaRPr lang="es-CO" sz="1200" b="0" i="0" u="none" strike="noStrike" dirty="0">
                         <a:solidFill>
                           <a:srgbClr val="000000"/>
                         </a:solidFill>
@@ -10058,7 +10799,44 @@
                       </a:endParaRPr>
                     </a:p>
                   </a:txBody>
-                  <a:tcPr marL="9525" marR="9525" marT="9525" marB="0" anchor="ctr"/>
+                  <a:tcPr marL="9525" marR="9525" marT="9525" marB="0" anchor="ctr">
+                    <a:lnL w="12700" cap="flat" cmpd="sng" algn="ctr">
+                      <a:noFill/>
+                      <a:prstDash val="solid"/>
+                      <a:round/>
+                      <a:headEnd type="none" w="med" len="med"/>
+                      <a:tailEnd type="none" w="med" len="med"/>
+                    </a:lnL>
+                    <a:lnR w="12700" cap="flat" cmpd="sng" algn="ctr">
+                      <a:noFill/>
+                      <a:prstDash val="solid"/>
+                      <a:round/>
+                      <a:headEnd type="none" w="med" len="med"/>
+                      <a:tailEnd type="none" w="med" len="med"/>
+                    </a:lnR>
+                    <a:lnT w="12700" cap="flat" cmpd="sng" algn="ctr">
+                      <a:noFill/>
+                      <a:prstDash val="solid"/>
+                      <a:round/>
+                      <a:headEnd type="none" w="med" len="med"/>
+                      <a:tailEnd type="none" w="med" len="med"/>
+                    </a:lnT>
+                    <a:lnB w="12700" cap="flat" cmpd="sng" algn="ctr">
+                      <a:noFill/>
+                      <a:prstDash val="solid"/>
+                      <a:round/>
+                      <a:headEnd type="none" w="med" len="med"/>
+                      <a:tailEnd type="none" w="med" len="med"/>
+                    </a:lnB>
+                    <a:lnTlToBr w="12700" cmpd="sng">
+                      <a:noFill/>
+                      <a:prstDash val="solid"/>
+                    </a:lnTlToBr>
+                    <a:lnBlToTr w="12700" cmpd="sng">
+                      <a:noFill/>
+                      <a:prstDash val="solid"/>
+                    </a:lnBlToTr>
+                  </a:tcPr>
                 </a:tc>
                 <a:tc>
                   <a:txBody>
@@ -10067,14 +10845,14 @@
                     <a:p>
                       <a:pPr algn="ctr" fontAlgn="ctr"/>
                       <a:r>
-                        <a:rPr lang="es-CO" sz="1200" u="none" strike="noStrike">
+                        <a:rPr lang="es-CO" sz="1200" u="none" strike="noStrike" dirty="0">
                           <a:effectLst/>
                           <a:latin typeface="Arial" panose="020B0604020202020204" pitchFamily="34" charset="0"/>
                           <a:cs typeface="Arial" panose="020B0604020202020204" pitchFamily="34" charset="0"/>
                         </a:rPr>
                         <a:t>1.27</a:t>
                       </a:r>
-                      <a:endParaRPr lang="es-CO" sz="1200" b="0" i="0" u="none" strike="noStrike">
+                      <a:endParaRPr lang="es-CO" sz="1200" b="0" i="0" u="none" strike="noStrike" dirty="0">
                         <a:solidFill>
                           <a:srgbClr val="222222"/>
                         </a:solidFill>
@@ -10084,7 +10862,44 @@
                       </a:endParaRPr>
                     </a:p>
                   </a:txBody>
-                  <a:tcPr marL="9525" marR="9525" marT="9525" marB="0" anchor="ctr"/>
+                  <a:tcPr marL="9525" marR="9525" marT="9525" marB="0" anchor="ctr">
+                    <a:lnL w="12700" cap="flat" cmpd="sng" algn="ctr">
+                      <a:noFill/>
+                      <a:prstDash val="solid"/>
+                      <a:round/>
+                      <a:headEnd type="none" w="med" len="med"/>
+                      <a:tailEnd type="none" w="med" len="med"/>
+                    </a:lnL>
+                    <a:lnR w="12700" cap="flat" cmpd="sng" algn="ctr">
+                      <a:noFill/>
+                      <a:prstDash val="solid"/>
+                      <a:round/>
+                      <a:headEnd type="none" w="med" len="med"/>
+                      <a:tailEnd type="none" w="med" len="med"/>
+                    </a:lnR>
+                    <a:lnT w="12700" cap="flat" cmpd="sng" algn="ctr">
+                      <a:noFill/>
+                      <a:prstDash val="solid"/>
+                      <a:round/>
+                      <a:headEnd type="none" w="med" len="med"/>
+                      <a:tailEnd type="none" w="med" len="med"/>
+                    </a:lnT>
+                    <a:lnB w="12700" cap="flat" cmpd="sng" algn="ctr">
+                      <a:noFill/>
+                      <a:prstDash val="solid"/>
+                      <a:round/>
+                      <a:headEnd type="none" w="med" len="med"/>
+                      <a:tailEnd type="none" w="med" len="med"/>
+                    </a:lnB>
+                    <a:lnTlToBr w="12700" cmpd="sng">
+                      <a:noFill/>
+                      <a:prstDash val="solid"/>
+                    </a:lnTlToBr>
+                    <a:lnBlToTr w="12700" cmpd="sng">
+                      <a:noFill/>
+                      <a:prstDash val="solid"/>
+                    </a:lnBlToTr>
+                  </a:tcPr>
                 </a:tc>
                 <a:tc>
                   <a:txBody>
@@ -10093,14 +10908,14 @@
                     <a:p>
                       <a:pPr algn="ctr" fontAlgn="ctr"/>
                       <a:r>
-                        <a:rPr lang="es-CO" sz="1200" u="none" strike="noStrike">
+                        <a:rPr lang="es-CO" sz="1200" u="none" strike="noStrike" dirty="0">
                           <a:effectLst/>
                           <a:latin typeface="Arial" panose="020B0604020202020204" pitchFamily="34" charset="0"/>
                           <a:cs typeface="Arial" panose="020B0604020202020204" pitchFamily="34" charset="0"/>
                         </a:rPr>
                         <a:t>1.24</a:t>
                       </a:r>
-                      <a:endParaRPr lang="es-CO" sz="1200" b="0" i="0" u="none" strike="noStrike">
+                      <a:endParaRPr lang="es-CO" sz="1200" b="0" i="0" u="none" strike="noStrike" dirty="0">
                         <a:solidFill>
                           <a:srgbClr val="000000"/>
                         </a:solidFill>
@@ -10110,7 +10925,44 @@
                       </a:endParaRPr>
                     </a:p>
                   </a:txBody>
-                  <a:tcPr marL="9525" marR="9525" marT="9525" marB="0" anchor="ctr"/>
+                  <a:tcPr marL="9525" marR="9525" marT="9525" marB="0" anchor="ctr">
+                    <a:lnL w="12700" cap="flat" cmpd="sng" algn="ctr">
+                      <a:noFill/>
+                      <a:prstDash val="solid"/>
+                      <a:round/>
+                      <a:headEnd type="none" w="med" len="med"/>
+                      <a:tailEnd type="none" w="med" len="med"/>
+                    </a:lnL>
+                    <a:lnR w="12700" cap="flat" cmpd="sng" algn="ctr">
+                      <a:noFill/>
+                      <a:prstDash val="solid"/>
+                      <a:round/>
+                      <a:headEnd type="none" w="med" len="med"/>
+                      <a:tailEnd type="none" w="med" len="med"/>
+                    </a:lnR>
+                    <a:lnT w="12700" cap="flat" cmpd="sng" algn="ctr">
+                      <a:noFill/>
+                      <a:prstDash val="solid"/>
+                      <a:round/>
+                      <a:headEnd type="none" w="med" len="med"/>
+                      <a:tailEnd type="none" w="med" len="med"/>
+                    </a:lnT>
+                    <a:lnB w="12700" cap="flat" cmpd="sng" algn="ctr">
+                      <a:noFill/>
+                      <a:prstDash val="solid"/>
+                      <a:round/>
+                      <a:headEnd type="none" w="med" len="med"/>
+                      <a:tailEnd type="none" w="med" len="med"/>
+                    </a:lnB>
+                    <a:lnTlToBr w="12700" cmpd="sng">
+                      <a:noFill/>
+                      <a:prstDash val="solid"/>
+                    </a:lnTlToBr>
+                    <a:lnBlToTr w="12700" cmpd="sng">
+                      <a:noFill/>
+                      <a:prstDash val="solid"/>
+                    </a:lnBlToTr>
+                  </a:tcPr>
                 </a:tc>
                 <a:tc>
                   <a:txBody>
@@ -10119,14 +10971,14 @@
                     <a:p>
                       <a:pPr algn="ctr" fontAlgn="ctr"/>
                       <a:r>
-                        <a:rPr lang="es-CO" sz="1200" u="none" strike="noStrike">
+                        <a:rPr lang="es-CO" sz="1200" u="none" strike="noStrike" dirty="0">
                           <a:effectLst/>
                           <a:latin typeface="Arial" panose="020B0604020202020204" pitchFamily="34" charset="0"/>
                           <a:cs typeface="Arial" panose="020B0604020202020204" pitchFamily="34" charset="0"/>
                         </a:rPr>
                         <a:t>1.14</a:t>
                       </a:r>
-                      <a:endParaRPr lang="es-CO" sz="1200" b="0" i="0" u="none" strike="noStrike">
+                      <a:endParaRPr lang="es-CO" sz="1200" b="0" i="0" u="none" strike="noStrike" dirty="0">
                         <a:solidFill>
                           <a:srgbClr val="222222"/>
                         </a:solidFill>
@@ -10136,11 +10988,44 @@
                       </a:endParaRPr>
                     </a:p>
                   </a:txBody>
-                  <a:tcPr marL="9525" marR="9525" marT="9525" marB="0" anchor="ctr"/>
+                  <a:tcPr marL="9525" marR="9525" marT="9525" marB="0" anchor="ctr">
+                    <a:lnL w="12700" cap="flat" cmpd="sng" algn="ctr">
+                      <a:noFill/>
+                      <a:prstDash val="solid"/>
+                      <a:round/>
+                      <a:headEnd type="none" w="med" len="med"/>
+                      <a:tailEnd type="none" w="med" len="med"/>
+                    </a:lnL>
+                    <a:lnR>
+                      <a:noFill/>
+                    </a:lnR>
+                    <a:lnT w="12700" cap="flat" cmpd="sng" algn="ctr">
+                      <a:noFill/>
+                      <a:prstDash val="solid"/>
+                      <a:round/>
+                      <a:headEnd type="none" w="med" len="med"/>
+                      <a:tailEnd type="none" w="med" len="med"/>
+                    </a:lnT>
+                    <a:lnB w="12700" cap="flat" cmpd="sng" algn="ctr">
+                      <a:noFill/>
+                      <a:prstDash val="solid"/>
+                      <a:round/>
+                      <a:headEnd type="none" w="med" len="med"/>
+                      <a:tailEnd type="none" w="med" len="med"/>
+                    </a:lnB>
+                    <a:lnTlToBr w="12700" cmpd="sng">
+                      <a:noFill/>
+                      <a:prstDash val="solid"/>
+                    </a:lnTlToBr>
+                    <a:lnBlToTr w="12700" cmpd="sng">
+                      <a:noFill/>
+                      <a:prstDash val="solid"/>
+                    </a:lnBlToTr>
+                  </a:tcPr>
                 </a:tc>
                 <a:extLst>
                   <a:ext uri="{0D108BD9-81ED-4DB2-BD59-A6C34878D82A}">
-                    <a16:rowId xmlns:a16="http://schemas.microsoft.com/office/drawing/2014/main" val="2010654794"/>
+                    <a16:rowId xmlns:a16="http://schemas.microsoft.com/office/drawing/2014/main" xmlns="" val="2010654794"/>
                   </a:ext>
                 </a:extLst>
               </a:tr>
@@ -10162,14 +11047,14 @@
                     <a:p>
                       <a:pPr algn="ctr" fontAlgn="ctr"/>
                       <a:r>
-                        <a:rPr lang="es-CO" sz="1200" u="none" strike="noStrike">
+                        <a:rPr lang="es-CO" sz="1200" u="none" strike="noStrike" dirty="0">
                           <a:effectLst/>
                           <a:latin typeface="Arial" panose="020B0604020202020204" pitchFamily="34" charset="0"/>
                           <a:cs typeface="Arial" panose="020B0604020202020204" pitchFamily="34" charset="0"/>
                         </a:rPr>
                         <a:t>Evaluar</a:t>
                       </a:r>
-                      <a:endParaRPr lang="es-CO" sz="1200" b="0" i="0" u="none" strike="noStrike">
+                      <a:endParaRPr lang="es-CO" sz="1200" b="0" i="0" u="none" strike="noStrike" dirty="0">
                         <a:solidFill>
                           <a:srgbClr val="000000"/>
                         </a:solidFill>
@@ -10179,7 +11064,48 @@
                       </a:endParaRPr>
                     </a:p>
                   </a:txBody>
-                  <a:tcPr marL="9525" marR="9525" marT="9525" marB="0" anchor="ctr"/>
+                  <a:tcPr marL="9525" marR="9525" marT="9525" marB="0" anchor="ctr">
+                    <a:lnL w="12700" cap="flat" cmpd="sng" algn="ctr">
+                      <a:solidFill>
+                        <a:schemeClr val="tx1"/>
+                      </a:solidFill>
+                      <a:prstDash val="solid"/>
+                      <a:round/>
+                      <a:headEnd type="none" w="med" len="med"/>
+                      <a:tailEnd type="none" w="med" len="med"/>
+                    </a:lnL>
+                    <a:lnR w="12700" cap="flat" cmpd="sng" algn="ctr">
+                      <a:noFill/>
+                      <a:prstDash val="solid"/>
+                      <a:round/>
+                      <a:headEnd type="none" w="med" len="med"/>
+                      <a:tailEnd type="none" w="med" len="med"/>
+                    </a:lnR>
+                    <a:lnT w="12700" cap="flat" cmpd="sng" algn="ctr">
+                      <a:noFill/>
+                      <a:prstDash val="solid"/>
+                      <a:round/>
+                      <a:headEnd type="none" w="med" len="med"/>
+                      <a:tailEnd type="none" w="med" len="med"/>
+                    </a:lnT>
+                    <a:lnB w="12700" cap="flat" cmpd="sng" algn="ctr">
+                      <a:solidFill>
+                        <a:schemeClr val="tx1"/>
+                      </a:solidFill>
+                      <a:prstDash val="solid"/>
+                      <a:round/>
+                      <a:headEnd type="none" w="med" len="med"/>
+                      <a:tailEnd type="none" w="med" len="med"/>
+                    </a:lnB>
+                    <a:lnTlToBr w="12700" cmpd="sng">
+                      <a:noFill/>
+                      <a:prstDash val="solid"/>
+                    </a:lnTlToBr>
+                    <a:lnBlToTr w="12700" cmpd="sng">
+                      <a:noFill/>
+                      <a:prstDash val="solid"/>
+                    </a:lnBlToTr>
+                  </a:tcPr>
                 </a:tc>
                 <a:tc>
                   <a:txBody>
@@ -10205,7 +11131,46 @@
                       </a:endParaRPr>
                     </a:p>
                   </a:txBody>
-                  <a:tcPr marL="9525" marR="9525" marT="9525" marB="0" anchor="ctr"/>
+                  <a:tcPr marL="9525" marR="9525" marT="9525" marB="0" anchor="ctr">
+                    <a:lnL w="12700" cap="flat" cmpd="sng" algn="ctr">
+                      <a:noFill/>
+                      <a:prstDash val="solid"/>
+                      <a:round/>
+                      <a:headEnd type="none" w="med" len="med"/>
+                      <a:tailEnd type="none" w="med" len="med"/>
+                    </a:lnL>
+                    <a:lnR w="12700" cap="flat" cmpd="sng" algn="ctr">
+                      <a:noFill/>
+                      <a:prstDash val="solid"/>
+                      <a:round/>
+                      <a:headEnd type="none" w="med" len="med"/>
+                      <a:tailEnd type="none" w="med" len="med"/>
+                    </a:lnR>
+                    <a:lnT w="12700" cap="flat" cmpd="sng" algn="ctr">
+                      <a:noFill/>
+                      <a:prstDash val="solid"/>
+                      <a:round/>
+                      <a:headEnd type="none" w="med" len="med"/>
+                      <a:tailEnd type="none" w="med" len="med"/>
+                    </a:lnT>
+                    <a:lnB w="12700" cap="flat" cmpd="sng" algn="ctr">
+                      <a:solidFill>
+                        <a:schemeClr val="tx1"/>
+                      </a:solidFill>
+                      <a:prstDash val="solid"/>
+                      <a:round/>
+                      <a:headEnd type="none" w="med" len="med"/>
+                      <a:tailEnd type="none" w="med" len="med"/>
+                    </a:lnB>
+                    <a:lnTlToBr w="12700" cmpd="sng">
+                      <a:noFill/>
+                      <a:prstDash val="solid"/>
+                    </a:lnTlToBr>
+                    <a:lnBlToTr w="12700" cmpd="sng">
+                      <a:noFill/>
+                      <a:prstDash val="solid"/>
+                    </a:lnBlToTr>
+                  </a:tcPr>
                 </a:tc>
                 <a:tc>
                   <a:txBody>
@@ -10214,14 +11179,14 @@
                     <a:p>
                       <a:pPr algn="ctr" fontAlgn="ctr"/>
                       <a:r>
-                        <a:rPr lang="es-CO" sz="1200" u="none" strike="noStrike">
+                        <a:rPr lang="es-CO" sz="1200" u="none" strike="noStrike" dirty="0">
                           <a:effectLst/>
                           <a:latin typeface="Arial" panose="020B0604020202020204" pitchFamily="34" charset="0"/>
                           <a:cs typeface="Arial" panose="020B0604020202020204" pitchFamily="34" charset="0"/>
                         </a:rPr>
                         <a:t>1.26</a:t>
                       </a:r>
-                      <a:endParaRPr lang="es-CO" sz="1200" b="0" i="0" u="none" strike="noStrike">
+                      <a:endParaRPr lang="es-CO" sz="1200" b="0" i="0" u="none" strike="noStrike" dirty="0">
                         <a:solidFill>
                           <a:srgbClr val="000000"/>
                         </a:solidFill>
@@ -10231,7 +11196,46 @@
                       </a:endParaRPr>
                     </a:p>
                   </a:txBody>
-                  <a:tcPr marL="9525" marR="9525" marT="9525" marB="0" anchor="ctr"/>
+                  <a:tcPr marL="9525" marR="9525" marT="9525" marB="0" anchor="ctr">
+                    <a:lnL w="12700" cap="flat" cmpd="sng" algn="ctr">
+                      <a:noFill/>
+                      <a:prstDash val="solid"/>
+                      <a:round/>
+                      <a:headEnd type="none" w="med" len="med"/>
+                      <a:tailEnd type="none" w="med" len="med"/>
+                    </a:lnL>
+                    <a:lnR w="12700" cap="flat" cmpd="sng" algn="ctr">
+                      <a:noFill/>
+                      <a:prstDash val="solid"/>
+                      <a:round/>
+                      <a:headEnd type="none" w="med" len="med"/>
+                      <a:tailEnd type="none" w="med" len="med"/>
+                    </a:lnR>
+                    <a:lnT w="12700" cap="flat" cmpd="sng" algn="ctr">
+                      <a:noFill/>
+                      <a:prstDash val="solid"/>
+                      <a:round/>
+                      <a:headEnd type="none" w="med" len="med"/>
+                      <a:tailEnd type="none" w="med" len="med"/>
+                    </a:lnT>
+                    <a:lnB w="12700" cap="flat" cmpd="sng" algn="ctr">
+                      <a:solidFill>
+                        <a:schemeClr val="tx1"/>
+                      </a:solidFill>
+                      <a:prstDash val="solid"/>
+                      <a:round/>
+                      <a:headEnd type="none" w="med" len="med"/>
+                      <a:tailEnd type="none" w="med" len="med"/>
+                    </a:lnB>
+                    <a:lnTlToBr w="12700" cmpd="sng">
+                      <a:noFill/>
+                      <a:prstDash val="solid"/>
+                    </a:lnTlToBr>
+                    <a:lnBlToTr w="12700" cmpd="sng">
+                      <a:noFill/>
+                      <a:prstDash val="solid"/>
+                    </a:lnBlToTr>
+                  </a:tcPr>
                 </a:tc>
                 <a:tc>
                   <a:txBody>
@@ -10240,14 +11244,14 @@
                     <a:p>
                       <a:pPr algn="ctr" fontAlgn="ctr"/>
                       <a:r>
-                        <a:rPr lang="es-CO" sz="1200" u="none" strike="noStrike">
+                        <a:rPr lang="es-CO" sz="1200" u="none" strike="noStrike" dirty="0">
                           <a:effectLst/>
                           <a:latin typeface="Arial" panose="020B0604020202020204" pitchFamily="34" charset="0"/>
                           <a:cs typeface="Arial" panose="020B0604020202020204" pitchFamily="34" charset="0"/>
                         </a:rPr>
                         <a:t>1.26</a:t>
                       </a:r>
-                      <a:endParaRPr lang="es-CO" sz="1200" b="0" i="0" u="none" strike="noStrike">
+                      <a:endParaRPr lang="es-CO" sz="1200" b="0" i="0" u="none" strike="noStrike" dirty="0">
                         <a:solidFill>
                           <a:srgbClr val="000000"/>
                         </a:solidFill>
@@ -10257,7 +11261,46 @@
                       </a:endParaRPr>
                     </a:p>
                   </a:txBody>
-                  <a:tcPr marL="9525" marR="9525" marT="9525" marB="0" anchor="ctr"/>
+                  <a:tcPr marL="9525" marR="9525" marT="9525" marB="0" anchor="ctr">
+                    <a:lnL w="12700" cap="flat" cmpd="sng" algn="ctr">
+                      <a:noFill/>
+                      <a:prstDash val="solid"/>
+                      <a:round/>
+                      <a:headEnd type="none" w="med" len="med"/>
+                      <a:tailEnd type="none" w="med" len="med"/>
+                    </a:lnL>
+                    <a:lnR w="12700" cap="flat" cmpd="sng" algn="ctr">
+                      <a:noFill/>
+                      <a:prstDash val="solid"/>
+                      <a:round/>
+                      <a:headEnd type="none" w="med" len="med"/>
+                      <a:tailEnd type="none" w="med" len="med"/>
+                    </a:lnR>
+                    <a:lnT w="12700" cap="flat" cmpd="sng" algn="ctr">
+                      <a:noFill/>
+                      <a:prstDash val="solid"/>
+                      <a:round/>
+                      <a:headEnd type="none" w="med" len="med"/>
+                      <a:tailEnd type="none" w="med" len="med"/>
+                    </a:lnT>
+                    <a:lnB w="12700" cap="flat" cmpd="sng" algn="ctr">
+                      <a:solidFill>
+                        <a:schemeClr val="tx1"/>
+                      </a:solidFill>
+                      <a:prstDash val="solid"/>
+                      <a:round/>
+                      <a:headEnd type="none" w="med" len="med"/>
+                      <a:tailEnd type="none" w="med" len="med"/>
+                    </a:lnB>
+                    <a:lnTlToBr w="12700" cmpd="sng">
+                      <a:noFill/>
+                      <a:prstDash val="solid"/>
+                    </a:lnTlToBr>
+                    <a:lnBlToTr w="12700" cmpd="sng">
+                      <a:noFill/>
+                      <a:prstDash val="solid"/>
+                    </a:lnBlToTr>
+                  </a:tcPr>
                 </a:tc>
                 <a:tc>
                   <a:txBody>
@@ -10266,14 +11309,14 @@
                     <a:p>
                       <a:pPr algn="ctr" fontAlgn="ctr"/>
                       <a:r>
-                        <a:rPr lang="es-CO" sz="1200" u="none" strike="noStrike">
+                        <a:rPr lang="es-CO" sz="1200" u="none" strike="noStrike" dirty="0">
                           <a:effectLst/>
                           <a:latin typeface="Arial" panose="020B0604020202020204" pitchFamily="34" charset="0"/>
                           <a:cs typeface="Arial" panose="020B0604020202020204" pitchFamily="34" charset="0"/>
                         </a:rPr>
                         <a:t>1.13</a:t>
                       </a:r>
-                      <a:endParaRPr lang="es-CO" sz="1200" b="0" i="0" u="none" strike="noStrike">
+                      <a:endParaRPr lang="es-CO" sz="1200" b="0" i="0" u="none" strike="noStrike" dirty="0">
                         <a:solidFill>
                           <a:srgbClr val="000000"/>
                         </a:solidFill>
@@ -10283,11 +11326,46 @@
                       </a:endParaRPr>
                     </a:p>
                   </a:txBody>
-                  <a:tcPr marL="9525" marR="9525" marT="9525" marB="0" anchor="ctr"/>
+                  <a:tcPr marL="9525" marR="9525" marT="9525" marB="0" anchor="ctr">
+                    <a:lnL w="12700" cap="flat" cmpd="sng" algn="ctr">
+                      <a:noFill/>
+                      <a:prstDash val="solid"/>
+                      <a:round/>
+                      <a:headEnd type="none" w="med" len="med"/>
+                      <a:tailEnd type="none" w="med" len="med"/>
+                    </a:lnL>
+                    <a:lnR>
+                      <a:noFill/>
+                    </a:lnR>
+                    <a:lnT w="12700" cap="flat" cmpd="sng" algn="ctr">
+                      <a:noFill/>
+                      <a:prstDash val="solid"/>
+                      <a:round/>
+                      <a:headEnd type="none" w="med" len="med"/>
+                      <a:tailEnd type="none" w="med" len="med"/>
+                    </a:lnT>
+                    <a:lnB w="12700" cap="flat" cmpd="sng" algn="ctr">
+                      <a:solidFill>
+                        <a:schemeClr val="tx1"/>
+                      </a:solidFill>
+                      <a:prstDash val="solid"/>
+                      <a:round/>
+                      <a:headEnd type="none" w="med" len="med"/>
+                      <a:tailEnd type="none" w="med" len="med"/>
+                    </a:lnB>
+                    <a:lnTlToBr w="12700" cmpd="sng">
+                      <a:noFill/>
+                      <a:prstDash val="solid"/>
+                    </a:lnTlToBr>
+                    <a:lnBlToTr w="12700" cmpd="sng">
+                      <a:noFill/>
+                      <a:prstDash val="solid"/>
+                    </a:lnBlToTr>
+                  </a:tcPr>
                 </a:tc>
                 <a:extLst>
                   <a:ext uri="{0D108BD9-81ED-4DB2-BD59-A6C34878D82A}">
-                    <a16:rowId xmlns:a16="http://schemas.microsoft.com/office/drawing/2014/main" val="3090693922"/>
+                    <a16:rowId xmlns:a16="http://schemas.microsoft.com/office/drawing/2014/main" xmlns="" val="3090693922"/>
                   </a:ext>
                 </a:extLst>
               </a:tr>
@@ -10299,14 +11377,14 @@
                     <a:p>
                       <a:pPr algn="ctr" fontAlgn="ctr"/>
                       <a:r>
-                        <a:rPr lang="es-CO" sz="1200" u="none" strike="noStrike">
+                        <a:rPr lang="es-CO" sz="1200" u="none" strike="noStrike" dirty="0">
                           <a:effectLst/>
                           <a:latin typeface="Arial" panose="020B0604020202020204" pitchFamily="34" charset="0"/>
                           <a:cs typeface="Arial" panose="020B0604020202020204" pitchFamily="34" charset="0"/>
                         </a:rPr>
                         <a:t>Docente</a:t>
                       </a:r>
-                      <a:endParaRPr lang="es-CO" sz="1200" b="0" i="0" u="none" strike="noStrike">
+                      <a:endParaRPr lang="es-CO" sz="1200" b="0" i="0" u="none" strike="noStrike" dirty="0">
                         <a:solidFill>
                           <a:srgbClr val="000000"/>
                         </a:solidFill>
@@ -10316,7 +11394,46 @@
                       </a:endParaRPr>
                     </a:p>
                   </a:txBody>
-                  <a:tcPr marL="9525" marR="9525" marT="9525" marB="0" anchor="ctr"/>
+                  <a:tcPr marL="9525" marR="9525" marT="9525" marB="0" anchor="ctr">
+                    <a:lnL>
+                      <a:noFill/>
+                    </a:lnL>
+                    <a:lnR w="12700" cap="flat" cmpd="sng" algn="ctr">
+                      <a:solidFill>
+                        <a:schemeClr val="tx1"/>
+                      </a:solidFill>
+                      <a:prstDash val="solid"/>
+                      <a:round/>
+                      <a:headEnd type="none" w="med" len="med"/>
+                      <a:tailEnd type="none" w="med" len="med"/>
+                    </a:lnR>
+                    <a:lnT w="12700" cap="flat" cmpd="sng" algn="ctr">
+                      <a:solidFill>
+                        <a:schemeClr val="tx1"/>
+                      </a:solidFill>
+                      <a:prstDash val="solid"/>
+                      <a:round/>
+                      <a:headEnd type="none" w="med" len="med"/>
+                      <a:tailEnd type="none" w="med" len="med"/>
+                    </a:lnT>
+                    <a:lnB w="12700" cap="flat" cmpd="sng" algn="ctr">
+                      <a:solidFill>
+                        <a:schemeClr val="tx1"/>
+                      </a:solidFill>
+                      <a:prstDash val="solid"/>
+                      <a:round/>
+                      <a:headEnd type="none" w="med" len="med"/>
+                      <a:tailEnd type="none" w="med" len="med"/>
+                    </a:lnB>
+                    <a:lnTlToBr w="12700" cmpd="sng">
+                      <a:noFill/>
+                      <a:prstDash val="solid"/>
+                    </a:lnTlToBr>
+                    <a:lnBlToTr w="12700" cmpd="sng">
+                      <a:noFill/>
+                      <a:prstDash val="solid"/>
+                    </a:lnBlToTr>
+                  </a:tcPr>
                 </a:tc>
                 <a:tc>
                   <a:txBody>
@@ -10325,14 +11442,14 @@
                     <a:p>
                       <a:pPr algn="ctr" fontAlgn="ctr"/>
                       <a:r>
-                        <a:rPr lang="es-CO" sz="1200" u="none" strike="noStrike">
+                        <a:rPr lang="es-CO" sz="1200" u="none" strike="noStrike" dirty="0">
                           <a:effectLst/>
                           <a:latin typeface="Arial" panose="020B0604020202020204" pitchFamily="34" charset="0"/>
                           <a:cs typeface="Arial" panose="020B0604020202020204" pitchFamily="34" charset="0"/>
                         </a:rPr>
                         <a:t>Perfil</a:t>
                       </a:r>
-                      <a:endParaRPr lang="es-CO" sz="1200" b="0" i="0" u="none" strike="noStrike">
+                      <a:endParaRPr lang="es-CO" sz="1200" b="0" i="0" u="none" strike="noStrike" dirty="0">
                         <a:solidFill>
                           <a:srgbClr val="000000"/>
                         </a:solidFill>
@@ -10342,7 +11459,48 @@
                       </a:endParaRPr>
                     </a:p>
                   </a:txBody>
-                  <a:tcPr marL="9525" marR="9525" marT="9525" marB="0" anchor="ctr"/>
+                  <a:tcPr marL="9525" marR="9525" marT="9525" marB="0" anchor="ctr">
+                    <a:lnL w="12700" cap="flat" cmpd="sng" algn="ctr">
+                      <a:solidFill>
+                        <a:schemeClr val="tx1"/>
+                      </a:solidFill>
+                      <a:prstDash val="solid"/>
+                      <a:round/>
+                      <a:headEnd type="none" w="med" len="med"/>
+                      <a:tailEnd type="none" w="med" len="med"/>
+                    </a:lnL>
+                    <a:lnR w="12700" cap="flat" cmpd="sng" algn="ctr">
+                      <a:noFill/>
+                      <a:prstDash val="solid"/>
+                      <a:round/>
+                      <a:headEnd type="none" w="med" len="med"/>
+                      <a:tailEnd type="none" w="med" len="med"/>
+                    </a:lnR>
+                    <a:lnT w="12700" cap="flat" cmpd="sng" algn="ctr">
+                      <a:solidFill>
+                        <a:schemeClr val="tx1"/>
+                      </a:solidFill>
+                      <a:prstDash val="solid"/>
+                      <a:round/>
+                      <a:headEnd type="none" w="med" len="med"/>
+                      <a:tailEnd type="none" w="med" len="med"/>
+                    </a:lnT>
+                    <a:lnB w="12700" cap="flat" cmpd="sng" algn="ctr">
+                      <a:noFill/>
+                      <a:prstDash val="solid"/>
+                      <a:round/>
+                      <a:headEnd type="none" w="med" len="med"/>
+                      <a:tailEnd type="none" w="med" len="med"/>
+                    </a:lnB>
+                    <a:lnTlToBr w="12700" cmpd="sng">
+                      <a:noFill/>
+                      <a:prstDash val="solid"/>
+                    </a:lnTlToBr>
+                    <a:lnBlToTr w="12700" cmpd="sng">
+                      <a:noFill/>
+                      <a:prstDash val="solid"/>
+                    </a:lnBlToTr>
+                  </a:tcPr>
                 </a:tc>
                 <a:tc>
                   <a:txBody>
@@ -10368,7 +11526,46 @@
                       </a:endParaRPr>
                     </a:p>
                   </a:txBody>
-                  <a:tcPr marL="9525" marR="9525" marT="9525" marB="0" anchor="ctr"/>
+                  <a:tcPr marL="9525" marR="9525" marT="9525" marB="0" anchor="ctr">
+                    <a:lnL w="12700" cap="flat" cmpd="sng" algn="ctr">
+                      <a:noFill/>
+                      <a:prstDash val="solid"/>
+                      <a:round/>
+                      <a:headEnd type="none" w="med" len="med"/>
+                      <a:tailEnd type="none" w="med" len="med"/>
+                    </a:lnL>
+                    <a:lnR w="12700" cap="flat" cmpd="sng" algn="ctr">
+                      <a:noFill/>
+                      <a:prstDash val="solid"/>
+                      <a:round/>
+                      <a:headEnd type="none" w="med" len="med"/>
+                      <a:tailEnd type="none" w="med" len="med"/>
+                    </a:lnR>
+                    <a:lnT w="12700" cap="flat" cmpd="sng" algn="ctr">
+                      <a:solidFill>
+                        <a:schemeClr val="tx1"/>
+                      </a:solidFill>
+                      <a:prstDash val="solid"/>
+                      <a:round/>
+                      <a:headEnd type="none" w="med" len="med"/>
+                      <a:tailEnd type="none" w="med" len="med"/>
+                    </a:lnT>
+                    <a:lnB w="12700" cap="flat" cmpd="sng" algn="ctr">
+                      <a:noFill/>
+                      <a:prstDash val="solid"/>
+                      <a:round/>
+                      <a:headEnd type="none" w="med" len="med"/>
+                      <a:tailEnd type="none" w="med" len="med"/>
+                    </a:lnB>
+                    <a:lnTlToBr w="12700" cmpd="sng">
+                      <a:noFill/>
+                      <a:prstDash val="solid"/>
+                    </a:lnTlToBr>
+                    <a:lnBlToTr w="12700" cmpd="sng">
+                      <a:noFill/>
+                      <a:prstDash val="solid"/>
+                    </a:lnBlToTr>
+                  </a:tcPr>
                 </a:tc>
                 <a:tc>
                   <a:txBody>
@@ -10377,14 +11574,14 @@
                     <a:p>
                       <a:pPr algn="ctr" fontAlgn="ctr"/>
                       <a:r>
-                        <a:rPr lang="es-CO" sz="1200" u="none" strike="noStrike">
+                        <a:rPr lang="es-CO" sz="1200" u="none" strike="noStrike" dirty="0">
                           <a:effectLst/>
                           <a:latin typeface="Arial" panose="020B0604020202020204" pitchFamily="34" charset="0"/>
                           <a:cs typeface="Arial" panose="020B0604020202020204" pitchFamily="34" charset="0"/>
                         </a:rPr>
                         <a:t>1.3</a:t>
                       </a:r>
-                      <a:endParaRPr lang="es-CO" sz="1200" b="0" i="0" u="none" strike="noStrike">
+                      <a:endParaRPr lang="es-CO" sz="1200" b="0" i="0" u="none" strike="noStrike" dirty="0">
                         <a:solidFill>
                           <a:srgbClr val="000000"/>
                         </a:solidFill>
@@ -10394,7 +11591,46 @@
                       </a:endParaRPr>
                     </a:p>
                   </a:txBody>
-                  <a:tcPr marL="9525" marR="9525" marT="9525" marB="0" anchor="ctr"/>
+                  <a:tcPr marL="9525" marR="9525" marT="9525" marB="0" anchor="ctr">
+                    <a:lnL w="12700" cap="flat" cmpd="sng" algn="ctr">
+                      <a:noFill/>
+                      <a:prstDash val="solid"/>
+                      <a:round/>
+                      <a:headEnd type="none" w="med" len="med"/>
+                      <a:tailEnd type="none" w="med" len="med"/>
+                    </a:lnL>
+                    <a:lnR w="12700" cap="flat" cmpd="sng" algn="ctr">
+                      <a:noFill/>
+                      <a:prstDash val="solid"/>
+                      <a:round/>
+                      <a:headEnd type="none" w="med" len="med"/>
+                      <a:tailEnd type="none" w="med" len="med"/>
+                    </a:lnR>
+                    <a:lnT w="12700" cap="flat" cmpd="sng" algn="ctr">
+                      <a:solidFill>
+                        <a:schemeClr val="tx1"/>
+                      </a:solidFill>
+                      <a:prstDash val="solid"/>
+                      <a:round/>
+                      <a:headEnd type="none" w="med" len="med"/>
+                      <a:tailEnd type="none" w="med" len="med"/>
+                    </a:lnT>
+                    <a:lnB w="12700" cap="flat" cmpd="sng" algn="ctr">
+                      <a:noFill/>
+                      <a:prstDash val="solid"/>
+                      <a:round/>
+                      <a:headEnd type="none" w="med" len="med"/>
+                      <a:tailEnd type="none" w="med" len="med"/>
+                    </a:lnB>
+                    <a:lnTlToBr w="12700" cmpd="sng">
+                      <a:noFill/>
+                      <a:prstDash val="solid"/>
+                    </a:lnTlToBr>
+                    <a:lnBlToTr w="12700" cmpd="sng">
+                      <a:noFill/>
+                      <a:prstDash val="solid"/>
+                    </a:lnBlToTr>
+                  </a:tcPr>
                 </a:tc>
                 <a:tc>
                   <a:txBody>
@@ -10403,14 +11639,14 @@
                     <a:p>
                       <a:pPr algn="ctr" fontAlgn="ctr"/>
                       <a:r>
-                        <a:rPr lang="es-CO" sz="1200" u="none" strike="noStrike">
+                        <a:rPr lang="es-CO" sz="1200" u="none" strike="noStrike" dirty="0">
                           <a:effectLst/>
                           <a:latin typeface="Arial" panose="020B0604020202020204" pitchFamily="34" charset="0"/>
                           <a:cs typeface="Arial" panose="020B0604020202020204" pitchFamily="34" charset="0"/>
                         </a:rPr>
                         <a:t>1.75</a:t>
                       </a:r>
-                      <a:endParaRPr lang="es-CO" sz="1200" b="0" i="0" u="none" strike="noStrike">
+                      <a:endParaRPr lang="es-CO" sz="1200" b="0" i="0" u="none" strike="noStrike" dirty="0">
                         <a:solidFill>
                           <a:srgbClr val="000000"/>
                         </a:solidFill>
@@ -10420,7 +11656,46 @@
                       </a:endParaRPr>
                     </a:p>
                   </a:txBody>
-                  <a:tcPr marL="9525" marR="9525" marT="9525" marB="0" anchor="ctr"/>
+                  <a:tcPr marL="9525" marR="9525" marT="9525" marB="0" anchor="ctr">
+                    <a:lnL w="12700" cap="flat" cmpd="sng" algn="ctr">
+                      <a:noFill/>
+                      <a:prstDash val="solid"/>
+                      <a:round/>
+                      <a:headEnd type="none" w="med" len="med"/>
+                      <a:tailEnd type="none" w="med" len="med"/>
+                    </a:lnL>
+                    <a:lnR w="12700" cap="flat" cmpd="sng" algn="ctr">
+                      <a:noFill/>
+                      <a:prstDash val="solid"/>
+                      <a:round/>
+                      <a:headEnd type="none" w="med" len="med"/>
+                      <a:tailEnd type="none" w="med" len="med"/>
+                    </a:lnR>
+                    <a:lnT w="12700" cap="flat" cmpd="sng" algn="ctr">
+                      <a:solidFill>
+                        <a:schemeClr val="tx1"/>
+                      </a:solidFill>
+                      <a:prstDash val="solid"/>
+                      <a:round/>
+                      <a:headEnd type="none" w="med" len="med"/>
+                      <a:tailEnd type="none" w="med" len="med"/>
+                    </a:lnT>
+                    <a:lnB w="12700" cap="flat" cmpd="sng" algn="ctr">
+                      <a:noFill/>
+                      <a:prstDash val="solid"/>
+                      <a:round/>
+                      <a:headEnd type="none" w="med" len="med"/>
+                      <a:tailEnd type="none" w="med" len="med"/>
+                    </a:lnB>
+                    <a:lnTlToBr w="12700" cmpd="sng">
+                      <a:noFill/>
+                      <a:prstDash val="solid"/>
+                    </a:lnTlToBr>
+                    <a:lnBlToTr w="12700" cmpd="sng">
+                      <a:noFill/>
+                      <a:prstDash val="solid"/>
+                    </a:lnBlToTr>
+                  </a:tcPr>
                 </a:tc>
                 <a:tc>
                   <a:txBody>
@@ -10429,14 +11704,14 @@
                     <a:p>
                       <a:pPr algn="ctr" fontAlgn="ctr"/>
                       <a:r>
-                        <a:rPr lang="es-CO" sz="1200" u="none" strike="noStrike">
+                        <a:rPr lang="es-CO" sz="1200" u="none" strike="noStrike" dirty="0">
                           <a:effectLst/>
                           <a:latin typeface="Arial" panose="020B0604020202020204" pitchFamily="34" charset="0"/>
                           <a:cs typeface="Arial" panose="020B0604020202020204" pitchFamily="34" charset="0"/>
                         </a:rPr>
                         <a:t>1.23</a:t>
                       </a:r>
-                      <a:endParaRPr lang="es-CO" sz="1200" b="0" i="0" u="none" strike="noStrike">
+                      <a:endParaRPr lang="es-CO" sz="1200" b="0" i="0" u="none" strike="noStrike" dirty="0">
                         <a:solidFill>
                           <a:srgbClr val="000000"/>
                         </a:solidFill>
@@ -10446,11 +11721,46 @@
                       </a:endParaRPr>
                     </a:p>
                   </a:txBody>
-                  <a:tcPr marL="9525" marR="9525" marT="9525" marB="0" anchor="ctr"/>
+                  <a:tcPr marL="9525" marR="9525" marT="9525" marB="0" anchor="ctr">
+                    <a:lnL w="12700" cap="flat" cmpd="sng" algn="ctr">
+                      <a:noFill/>
+                      <a:prstDash val="solid"/>
+                      <a:round/>
+                      <a:headEnd type="none" w="med" len="med"/>
+                      <a:tailEnd type="none" w="med" len="med"/>
+                    </a:lnL>
+                    <a:lnR>
+                      <a:noFill/>
+                    </a:lnR>
+                    <a:lnT w="12700" cap="flat" cmpd="sng" algn="ctr">
+                      <a:solidFill>
+                        <a:schemeClr val="tx1"/>
+                      </a:solidFill>
+                      <a:prstDash val="solid"/>
+                      <a:round/>
+                      <a:headEnd type="none" w="med" len="med"/>
+                      <a:tailEnd type="none" w="med" len="med"/>
+                    </a:lnT>
+                    <a:lnB w="12700" cap="flat" cmpd="sng" algn="ctr">
+                      <a:noFill/>
+                      <a:prstDash val="solid"/>
+                      <a:round/>
+                      <a:headEnd type="none" w="med" len="med"/>
+                      <a:tailEnd type="none" w="med" len="med"/>
+                    </a:lnB>
+                    <a:lnTlToBr w="12700" cmpd="sng">
+                      <a:noFill/>
+                      <a:prstDash val="solid"/>
+                    </a:lnTlToBr>
+                    <a:lnBlToTr w="12700" cmpd="sng">
+                      <a:noFill/>
+                      <a:prstDash val="solid"/>
+                    </a:lnBlToTr>
+                  </a:tcPr>
                 </a:tc>
                 <a:extLst>
                   <a:ext uri="{0D108BD9-81ED-4DB2-BD59-A6C34878D82A}">
-                    <a16:rowId xmlns:a16="http://schemas.microsoft.com/office/drawing/2014/main" val="627599904"/>
+                    <a16:rowId xmlns:a16="http://schemas.microsoft.com/office/drawing/2014/main" xmlns="" val="627599904"/>
                   </a:ext>
                 </a:extLst>
               </a:tr>
@@ -10472,14 +11782,14 @@
                     <a:p>
                       <a:pPr algn="ctr" fontAlgn="ctr"/>
                       <a:r>
-                        <a:rPr lang="es-CO" sz="1200" u="none" strike="noStrike">
+                        <a:rPr lang="es-CO" sz="1200" u="none" strike="noStrike" dirty="0">
                           <a:effectLst/>
                           <a:latin typeface="Arial" panose="020B0604020202020204" pitchFamily="34" charset="0"/>
                           <a:cs typeface="Arial" panose="020B0604020202020204" pitchFamily="34" charset="0"/>
                         </a:rPr>
                         <a:t>Actividades</a:t>
                       </a:r>
-                      <a:endParaRPr lang="es-CO" sz="1200" b="0" i="0" u="none" strike="noStrike">
+                      <a:endParaRPr lang="es-CO" sz="1200" b="0" i="0" u="none" strike="noStrike" dirty="0">
                         <a:solidFill>
                           <a:srgbClr val="000000"/>
                         </a:solidFill>
@@ -10489,7 +11799,46 @@
                       </a:endParaRPr>
                     </a:p>
                   </a:txBody>
-                  <a:tcPr marL="9525" marR="9525" marT="9525" marB="0" anchor="ctr"/>
+                  <a:tcPr marL="9525" marR="9525" marT="9525" marB="0" anchor="ctr">
+                    <a:lnL w="12700" cap="flat" cmpd="sng" algn="ctr">
+                      <a:solidFill>
+                        <a:schemeClr val="tx1"/>
+                      </a:solidFill>
+                      <a:prstDash val="solid"/>
+                      <a:round/>
+                      <a:headEnd type="none" w="med" len="med"/>
+                      <a:tailEnd type="none" w="med" len="med"/>
+                    </a:lnL>
+                    <a:lnR w="12700" cap="flat" cmpd="sng" algn="ctr">
+                      <a:noFill/>
+                      <a:prstDash val="solid"/>
+                      <a:round/>
+                      <a:headEnd type="none" w="med" len="med"/>
+                      <a:tailEnd type="none" w="med" len="med"/>
+                    </a:lnR>
+                    <a:lnT w="12700" cap="flat" cmpd="sng" algn="ctr">
+                      <a:noFill/>
+                      <a:prstDash val="solid"/>
+                      <a:round/>
+                      <a:headEnd type="none" w="med" len="med"/>
+                      <a:tailEnd type="none" w="med" len="med"/>
+                    </a:lnT>
+                    <a:lnB w="12700" cap="flat" cmpd="sng" algn="ctr">
+                      <a:noFill/>
+                      <a:prstDash val="solid"/>
+                      <a:round/>
+                      <a:headEnd type="none" w="med" len="med"/>
+                      <a:tailEnd type="none" w="med" len="med"/>
+                    </a:lnB>
+                    <a:lnTlToBr w="12700" cmpd="sng">
+                      <a:noFill/>
+                      <a:prstDash val="solid"/>
+                    </a:lnTlToBr>
+                    <a:lnBlToTr w="12700" cmpd="sng">
+                      <a:noFill/>
+                      <a:prstDash val="solid"/>
+                    </a:lnBlToTr>
+                  </a:tcPr>
                 </a:tc>
                 <a:tc>
                   <a:txBody>
@@ -10498,14 +11847,14 @@
                     <a:p>
                       <a:pPr algn="ctr" fontAlgn="ctr"/>
                       <a:r>
-                        <a:rPr lang="es-CO" sz="1200" u="none" strike="noStrike">
+                        <a:rPr lang="es-CO" sz="1200" u="none" strike="noStrike" dirty="0">
                           <a:effectLst/>
                           <a:latin typeface="Arial" panose="020B0604020202020204" pitchFamily="34" charset="0"/>
                           <a:cs typeface="Arial" panose="020B0604020202020204" pitchFamily="34" charset="0"/>
                         </a:rPr>
                         <a:t>1.31</a:t>
                       </a:r>
-                      <a:endParaRPr lang="es-CO" sz="1200" b="0" i="0" u="none" strike="noStrike">
+                      <a:endParaRPr lang="es-CO" sz="1200" b="0" i="0" u="none" strike="noStrike" dirty="0">
                         <a:solidFill>
                           <a:srgbClr val="000000"/>
                         </a:solidFill>
@@ -10515,7 +11864,44 @@
                       </a:endParaRPr>
                     </a:p>
                   </a:txBody>
-                  <a:tcPr marL="9525" marR="9525" marT="9525" marB="0" anchor="ctr"/>
+                  <a:tcPr marL="9525" marR="9525" marT="9525" marB="0" anchor="ctr">
+                    <a:lnL w="12700" cap="flat" cmpd="sng" algn="ctr">
+                      <a:noFill/>
+                      <a:prstDash val="solid"/>
+                      <a:round/>
+                      <a:headEnd type="none" w="med" len="med"/>
+                      <a:tailEnd type="none" w="med" len="med"/>
+                    </a:lnL>
+                    <a:lnR w="12700" cap="flat" cmpd="sng" algn="ctr">
+                      <a:noFill/>
+                      <a:prstDash val="solid"/>
+                      <a:round/>
+                      <a:headEnd type="none" w="med" len="med"/>
+                      <a:tailEnd type="none" w="med" len="med"/>
+                    </a:lnR>
+                    <a:lnT w="12700" cap="flat" cmpd="sng" algn="ctr">
+                      <a:noFill/>
+                      <a:prstDash val="solid"/>
+                      <a:round/>
+                      <a:headEnd type="none" w="med" len="med"/>
+                      <a:tailEnd type="none" w="med" len="med"/>
+                    </a:lnT>
+                    <a:lnB w="12700" cap="flat" cmpd="sng" algn="ctr">
+                      <a:noFill/>
+                      <a:prstDash val="solid"/>
+                      <a:round/>
+                      <a:headEnd type="none" w="med" len="med"/>
+                      <a:tailEnd type="none" w="med" len="med"/>
+                    </a:lnB>
+                    <a:lnTlToBr w="12700" cmpd="sng">
+                      <a:noFill/>
+                      <a:prstDash val="solid"/>
+                    </a:lnTlToBr>
+                    <a:lnBlToTr w="12700" cmpd="sng">
+                      <a:noFill/>
+                      <a:prstDash val="solid"/>
+                    </a:lnBlToTr>
+                  </a:tcPr>
                 </a:tc>
                 <a:tc>
                   <a:txBody>
@@ -10524,14 +11910,14 @@
                     <a:p>
                       <a:pPr algn="ctr" fontAlgn="ctr"/>
                       <a:r>
-                        <a:rPr lang="es-CO" sz="1200" u="none" strike="noStrike">
+                        <a:rPr lang="es-CO" sz="1200" u="none" strike="noStrike" dirty="0">
                           <a:effectLst/>
                           <a:latin typeface="Arial" panose="020B0604020202020204" pitchFamily="34" charset="0"/>
                           <a:cs typeface="Arial" panose="020B0604020202020204" pitchFamily="34" charset="0"/>
                         </a:rPr>
                         <a:t>1.28</a:t>
                       </a:r>
-                      <a:endParaRPr lang="es-CO" sz="1200" b="0" i="0" u="none" strike="noStrike">
+                      <a:endParaRPr lang="es-CO" sz="1200" b="0" i="0" u="none" strike="noStrike" dirty="0">
                         <a:solidFill>
                           <a:srgbClr val="000000"/>
                         </a:solidFill>
@@ -10541,7 +11927,44 @@
                       </a:endParaRPr>
                     </a:p>
                   </a:txBody>
-                  <a:tcPr marL="9525" marR="9525" marT="9525" marB="0" anchor="ctr"/>
+                  <a:tcPr marL="9525" marR="9525" marT="9525" marB="0" anchor="ctr">
+                    <a:lnL w="12700" cap="flat" cmpd="sng" algn="ctr">
+                      <a:noFill/>
+                      <a:prstDash val="solid"/>
+                      <a:round/>
+                      <a:headEnd type="none" w="med" len="med"/>
+                      <a:tailEnd type="none" w="med" len="med"/>
+                    </a:lnL>
+                    <a:lnR w="12700" cap="flat" cmpd="sng" algn="ctr">
+                      <a:noFill/>
+                      <a:prstDash val="solid"/>
+                      <a:round/>
+                      <a:headEnd type="none" w="med" len="med"/>
+                      <a:tailEnd type="none" w="med" len="med"/>
+                    </a:lnR>
+                    <a:lnT w="12700" cap="flat" cmpd="sng" algn="ctr">
+                      <a:noFill/>
+                      <a:prstDash val="solid"/>
+                      <a:round/>
+                      <a:headEnd type="none" w="med" len="med"/>
+                      <a:tailEnd type="none" w="med" len="med"/>
+                    </a:lnT>
+                    <a:lnB w="12700" cap="flat" cmpd="sng" algn="ctr">
+                      <a:noFill/>
+                      <a:prstDash val="solid"/>
+                      <a:round/>
+                      <a:headEnd type="none" w="med" len="med"/>
+                      <a:tailEnd type="none" w="med" len="med"/>
+                    </a:lnB>
+                    <a:lnTlToBr w="12700" cmpd="sng">
+                      <a:noFill/>
+                      <a:prstDash val="solid"/>
+                    </a:lnTlToBr>
+                    <a:lnBlToTr w="12700" cmpd="sng">
+                      <a:noFill/>
+                      <a:prstDash val="solid"/>
+                    </a:lnBlToTr>
+                  </a:tcPr>
                 </a:tc>
                 <a:tc>
                   <a:txBody>
@@ -10550,14 +11973,14 @@
                     <a:p>
                       <a:pPr algn="ctr" fontAlgn="ctr"/>
                       <a:r>
-                        <a:rPr lang="es-CO" sz="1200" u="none" strike="noStrike">
+                        <a:rPr lang="es-CO" sz="1200" u="none" strike="noStrike" dirty="0">
                           <a:effectLst/>
                           <a:latin typeface="Arial" panose="020B0604020202020204" pitchFamily="34" charset="0"/>
                           <a:cs typeface="Arial" panose="020B0604020202020204" pitchFamily="34" charset="0"/>
                         </a:rPr>
                         <a:t>1.22</a:t>
                       </a:r>
-                      <a:endParaRPr lang="es-CO" sz="1200" b="0" i="0" u="none" strike="noStrike">
+                      <a:endParaRPr lang="es-CO" sz="1200" b="0" i="0" u="none" strike="noStrike" dirty="0">
                         <a:solidFill>
                           <a:srgbClr val="000000"/>
                         </a:solidFill>
@@ -10567,7 +11990,44 @@
                       </a:endParaRPr>
                     </a:p>
                   </a:txBody>
-                  <a:tcPr marL="9525" marR="9525" marT="9525" marB="0" anchor="ctr"/>
+                  <a:tcPr marL="9525" marR="9525" marT="9525" marB="0" anchor="ctr">
+                    <a:lnL w="12700" cap="flat" cmpd="sng" algn="ctr">
+                      <a:noFill/>
+                      <a:prstDash val="solid"/>
+                      <a:round/>
+                      <a:headEnd type="none" w="med" len="med"/>
+                      <a:tailEnd type="none" w="med" len="med"/>
+                    </a:lnL>
+                    <a:lnR w="12700" cap="flat" cmpd="sng" algn="ctr">
+                      <a:noFill/>
+                      <a:prstDash val="solid"/>
+                      <a:round/>
+                      <a:headEnd type="none" w="med" len="med"/>
+                      <a:tailEnd type="none" w="med" len="med"/>
+                    </a:lnR>
+                    <a:lnT w="12700" cap="flat" cmpd="sng" algn="ctr">
+                      <a:noFill/>
+                      <a:prstDash val="solid"/>
+                      <a:round/>
+                      <a:headEnd type="none" w="med" len="med"/>
+                      <a:tailEnd type="none" w="med" len="med"/>
+                    </a:lnT>
+                    <a:lnB w="12700" cap="flat" cmpd="sng" algn="ctr">
+                      <a:noFill/>
+                      <a:prstDash val="solid"/>
+                      <a:round/>
+                      <a:headEnd type="none" w="med" len="med"/>
+                      <a:tailEnd type="none" w="med" len="med"/>
+                    </a:lnB>
+                    <a:lnTlToBr w="12700" cmpd="sng">
+                      <a:noFill/>
+                      <a:prstDash val="solid"/>
+                    </a:lnTlToBr>
+                    <a:lnBlToTr w="12700" cmpd="sng">
+                      <a:noFill/>
+                      <a:prstDash val="solid"/>
+                    </a:lnBlToTr>
+                  </a:tcPr>
                 </a:tc>
                 <a:tc>
                   <a:txBody>
@@ -10576,14 +12036,14 @@
                     <a:p>
                       <a:pPr algn="ctr" fontAlgn="ctr"/>
                       <a:r>
-                        <a:rPr lang="es-CO" sz="1200" u="none" strike="noStrike">
+                        <a:rPr lang="es-CO" sz="1200" u="none" strike="noStrike" dirty="0">
                           <a:effectLst/>
                           <a:latin typeface="Arial" panose="020B0604020202020204" pitchFamily="34" charset="0"/>
                           <a:cs typeface="Arial" panose="020B0604020202020204" pitchFamily="34" charset="0"/>
                         </a:rPr>
                         <a:t>1.17</a:t>
                       </a:r>
-                      <a:endParaRPr lang="es-CO" sz="1200" b="0" i="0" u="none" strike="noStrike">
+                      <a:endParaRPr lang="es-CO" sz="1200" b="0" i="0" u="none" strike="noStrike" dirty="0">
                         <a:solidFill>
                           <a:srgbClr val="000000"/>
                         </a:solidFill>
@@ -10593,11 +12053,44 @@
                       </a:endParaRPr>
                     </a:p>
                   </a:txBody>
-                  <a:tcPr marL="9525" marR="9525" marT="9525" marB="0" anchor="ctr"/>
+                  <a:tcPr marL="9525" marR="9525" marT="9525" marB="0" anchor="ctr">
+                    <a:lnL w="12700" cap="flat" cmpd="sng" algn="ctr">
+                      <a:noFill/>
+                      <a:prstDash val="solid"/>
+                      <a:round/>
+                      <a:headEnd type="none" w="med" len="med"/>
+                      <a:tailEnd type="none" w="med" len="med"/>
+                    </a:lnL>
+                    <a:lnR>
+                      <a:noFill/>
+                    </a:lnR>
+                    <a:lnT w="12700" cap="flat" cmpd="sng" algn="ctr">
+                      <a:noFill/>
+                      <a:prstDash val="solid"/>
+                      <a:round/>
+                      <a:headEnd type="none" w="med" len="med"/>
+                      <a:tailEnd type="none" w="med" len="med"/>
+                    </a:lnT>
+                    <a:lnB w="12700" cap="flat" cmpd="sng" algn="ctr">
+                      <a:noFill/>
+                      <a:prstDash val="solid"/>
+                      <a:round/>
+                      <a:headEnd type="none" w="med" len="med"/>
+                      <a:tailEnd type="none" w="med" len="med"/>
+                    </a:lnB>
+                    <a:lnTlToBr w="12700" cmpd="sng">
+                      <a:noFill/>
+                      <a:prstDash val="solid"/>
+                    </a:lnTlToBr>
+                    <a:lnBlToTr w="12700" cmpd="sng">
+                      <a:noFill/>
+                      <a:prstDash val="solid"/>
+                    </a:lnBlToTr>
+                  </a:tcPr>
                 </a:tc>
                 <a:extLst>
                   <a:ext uri="{0D108BD9-81ED-4DB2-BD59-A6C34878D82A}">
-                    <a16:rowId xmlns:a16="http://schemas.microsoft.com/office/drawing/2014/main" val="2241206887"/>
+                    <a16:rowId xmlns:a16="http://schemas.microsoft.com/office/drawing/2014/main" xmlns="" val="2241206887"/>
                   </a:ext>
                 </a:extLst>
               </a:tr>
@@ -10619,14 +12112,14 @@
                     <a:p>
                       <a:pPr algn="ctr" fontAlgn="ctr"/>
                       <a:r>
-                        <a:rPr lang="es-CO" sz="1200" u="none" strike="noStrike">
+                        <a:rPr lang="es-CO" sz="1200" u="none" strike="noStrike" dirty="0">
                           <a:effectLst/>
                           <a:latin typeface="Arial" panose="020B0604020202020204" pitchFamily="34" charset="0"/>
                           <a:cs typeface="Arial" panose="020B0604020202020204" pitchFamily="34" charset="0"/>
                         </a:rPr>
                         <a:t>Productos</a:t>
                       </a:r>
-                      <a:endParaRPr lang="es-CO" sz="1200" b="0" i="0" u="none" strike="noStrike">
+                      <a:endParaRPr lang="es-CO" sz="1200" b="0" i="0" u="none" strike="noStrike" dirty="0">
                         <a:solidFill>
                           <a:srgbClr val="000000"/>
                         </a:solidFill>
@@ -10636,7 +12129,46 @@
                       </a:endParaRPr>
                     </a:p>
                   </a:txBody>
-                  <a:tcPr marL="9525" marR="9525" marT="9525" marB="0" anchor="ctr"/>
+                  <a:tcPr marL="9525" marR="9525" marT="9525" marB="0" anchor="ctr">
+                    <a:lnL w="12700" cap="flat" cmpd="sng" algn="ctr">
+                      <a:solidFill>
+                        <a:schemeClr val="tx1"/>
+                      </a:solidFill>
+                      <a:prstDash val="solid"/>
+                      <a:round/>
+                      <a:headEnd type="none" w="med" len="med"/>
+                      <a:tailEnd type="none" w="med" len="med"/>
+                    </a:lnL>
+                    <a:lnR w="12700" cap="flat" cmpd="sng" algn="ctr">
+                      <a:noFill/>
+                      <a:prstDash val="solid"/>
+                      <a:round/>
+                      <a:headEnd type="none" w="med" len="med"/>
+                      <a:tailEnd type="none" w="med" len="med"/>
+                    </a:lnR>
+                    <a:lnT w="12700" cap="flat" cmpd="sng" algn="ctr">
+                      <a:noFill/>
+                      <a:prstDash val="solid"/>
+                      <a:round/>
+                      <a:headEnd type="none" w="med" len="med"/>
+                      <a:tailEnd type="none" w="med" len="med"/>
+                    </a:lnT>
+                    <a:lnB w="12700" cap="flat" cmpd="sng" algn="ctr">
+                      <a:noFill/>
+                      <a:prstDash val="solid"/>
+                      <a:round/>
+                      <a:headEnd type="none" w="med" len="med"/>
+                      <a:tailEnd type="none" w="med" len="med"/>
+                    </a:lnB>
+                    <a:lnTlToBr w="12700" cmpd="sng">
+                      <a:noFill/>
+                      <a:prstDash val="solid"/>
+                    </a:lnTlToBr>
+                    <a:lnBlToTr w="12700" cmpd="sng">
+                      <a:noFill/>
+                      <a:prstDash val="solid"/>
+                    </a:lnBlToTr>
+                  </a:tcPr>
                 </a:tc>
                 <a:tc>
                   <a:txBody>
@@ -10645,14 +12177,14 @@
                     <a:p>
                       <a:pPr algn="ctr" fontAlgn="ctr"/>
                       <a:r>
-                        <a:rPr lang="es-CO" sz="1200" u="none" strike="noStrike">
+                        <a:rPr lang="es-CO" sz="1200" u="none" strike="noStrike" dirty="0">
                           <a:effectLst/>
                           <a:latin typeface="Arial" panose="020B0604020202020204" pitchFamily="34" charset="0"/>
                           <a:cs typeface="Arial" panose="020B0604020202020204" pitchFamily="34" charset="0"/>
                         </a:rPr>
                         <a:t>1.32</a:t>
                       </a:r>
-                      <a:endParaRPr lang="es-CO" sz="1200" b="0" i="0" u="none" strike="noStrike">
+                      <a:endParaRPr lang="es-CO" sz="1200" b="0" i="0" u="none" strike="noStrike" dirty="0">
                         <a:solidFill>
                           <a:srgbClr val="000000"/>
                         </a:solidFill>
@@ -10662,7 +12194,44 @@
                       </a:endParaRPr>
                     </a:p>
                   </a:txBody>
-                  <a:tcPr marL="9525" marR="9525" marT="9525" marB="0" anchor="ctr"/>
+                  <a:tcPr marL="9525" marR="9525" marT="9525" marB="0" anchor="ctr">
+                    <a:lnL w="12700" cap="flat" cmpd="sng" algn="ctr">
+                      <a:noFill/>
+                      <a:prstDash val="solid"/>
+                      <a:round/>
+                      <a:headEnd type="none" w="med" len="med"/>
+                      <a:tailEnd type="none" w="med" len="med"/>
+                    </a:lnL>
+                    <a:lnR w="12700" cap="flat" cmpd="sng" algn="ctr">
+                      <a:noFill/>
+                      <a:prstDash val="solid"/>
+                      <a:round/>
+                      <a:headEnd type="none" w="med" len="med"/>
+                      <a:tailEnd type="none" w="med" len="med"/>
+                    </a:lnR>
+                    <a:lnT w="12700" cap="flat" cmpd="sng" algn="ctr">
+                      <a:noFill/>
+                      <a:prstDash val="solid"/>
+                      <a:round/>
+                      <a:headEnd type="none" w="med" len="med"/>
+                      <a:tailEnd type="none" w="med" len="med"/>
+                    </a:lnT>
+                    <a:lnB w="12700" cap="flat" cmpd="sng" algn="ctr">
+                      <a:noFill/>
+                      <a:prstDash val="solid"/>
+                      <a:round/>
+                      <a:headEnd type="none" w="med" len="med"/>
+                      <a:tailEnd type="none" w="med" len="med"/>
+                    </a:lnB>
+                    <a:lnTlToBr w="12700" cmpd="sng">
+                      <a:noFill/>
+                      <a:prstDash val="solid"/>
+                    </a:lnTlToBr>
+                    <a:lnBlToTr w="12700" cmpd="sng">
+                      <a:noFill/>
+                      <a:prstDash val="solid"/>
+                    </a:lnBlToTr>
+                  </a:tcPr>
                 </a:tc>
                 <a:tc>
                   <a:txBody>
@@ -10671,14 +12240,14 @@
                     <a:p>
                       <a:pPr algn="ctr" fontAlgn="ctr"/>
                       <a:r>
-                        <a:rPr lang="es-CO" sz="1200" u="none" strike="noStrike">
+                        <a:rPr lang="es-CO" sz="1200" u="none" strike="noStrike" dirty="0">
                           <a:effectLst/>
                           <a:latin typeface="Arial" panose="020B0604020202020204" pitchFamily="34" charset="0"/>
                           <a:cs typeface="Arial" panose="020B0604020202020204" pitchFamily="34" charset="0"/>
                         </a:rPr>
                         <a:t>1.16</a:t>
                       </a:r>
-                      <a:endParaRPr lang="es-CO" sz="1200" b="0" i="0" u="none" strike="noStrike">
+                      <a:endParaRPr lang="es-CO" sz="1200" b="0" i="0" u="none" strike="noStrike" dirty="0">
                         <a:solidFill>
                           <a:srgbClr val="000000"/>
                         </a:solidFill>
@@ -10688,7 +12257,44 @@
                       </a:endParaRPr>
                     </a:p>
                   </a:txBody>
-                  <a:tcPr marL="9525" marR="9525" marT="9525" marB="0" anchor="ctr"/>
+                  <a:tcPr marL="9525" marR="9525" marT="9525" marB="0" anchor="ctr">
+                    <a:lnL w="12700" cap="flat" cmpd="sng" algn="ctr">
+                      <a:noFill/>
+                      <a:prstDash val="solid"/>
+                      <a:round/>
+                      <a:headEnd type="none" w="med" len="med"/>
+                      <a:tailEnd type="none" w="med" len="med"/>
+                    </a:lnL>
+                    <a:lnR w="12700" cap="flat" cmpd="sng" algn="ctr">
+                      <a:noFill/>
+                      <a:prstDash val="solid"/>
+                      <a:round/>
+                      <a:headEnd type="none" w="med" len="med"/>
+                      <a:tailEnd type="none" w="med" len="med"/>
+                    </a:lnR>
+                    <a:lnT w="12700" cap="flat" cmpd="sng" algn="ctr">
+                      <a:noFill/>
+                      <a:prstDash val="solid"/>
+                      <a:round/>
+                      <a:headEnd type="none" w="med" len="med"/>
+                      <a:tailEnd type="none" w="med" len="med"/>
+                    </a:lnT>
+                    <a:lnB w="12700" cap="flat" cmpd="sng" algn="ctr">
+                      <a:noFill/>
+                      <a:prstDash val="solid"/>
+                      <a:round/>
+                      <a:headEnd type="none" w="med" len="med"/>
+                      <a:tailEnd type="none" w="med" len="med"/>
+                    </a:lnB>
+                    <a:lnTlToBr w="12700" cmpd="sng">
+                      <a:noFill/>
+                      <a:prstDash val="solid"/>
+                    </a:lnTlToBr>
+                    <a:lnBlToTr w="12700" cmpd="sng">
+                      <a:noFill/>
+                      <a:prstDash val="solid"/>
+                    </a:lnBlToTr>
+                  </a:tcPr>
                 </a:tc>
                 <a:tc>
                   <a:txBody>
@@ -10697,14 +12303,14 @@
                     <a:p>
                       <a:pPr algn="ctr" fontAlgn="ctr"/>
                       <a:r>
-                        <a:rPr lang="es-CO" sz="1200" u="none" strike="noStrike">
+                        <a:rPr lang="es-CO" sz="1200" u="none" strike="noStrike" dirty="0">
                           <a:effectLst/>
                           <a:latin typeface="Arial" panose="020B0604020202020204" pitchFamily="34" charset="0"/>
                           <a:cs typeface="Arial" panose="020B0604020202020204" pitchFamily="34" charset="0"/>
                         </a:rPr>
                         <a:t>1.21</a:t>
                       </a:r>
-                      <a:endParaRPr lang="es-CO" sz="1200" b="0" i="0" u="none" strike="noStrike">
+                      <a:endParaRPr lang="es-CO" sz="1200" b="0" i="0" u="none" strike="noStrike" dirty="0">
                         <a:solidFill>
                           <a:srgbClr val="000000"/>
                         </a:solidFill>
@@ -10714,7 +12320,44 @@
                       </a:endParaRPr>
                     </a:p>
                   </a:txBody>
-                  <a:tcPr marL="9525" marR="9525" marT="9525" marB="0" anchor="ctr"/>
+                  <a:tcPr marL="9525" marR="9525" marT="9525" marB="0" anchor="ctr">
+                    <a:lnL w="12700" cap="flat" cmpd="sng" algn="ctr">
+                      <a:noFill/>
+                      <a:prstDash val="solid"/>
+                      <a:round/>
+                      <a:headEnd type="none" w="med" len="med"/>
+                      <a:tailEnd type="none" w="med" len="med"/>
+                    </a:lnL>
+                    <a:lnR w="12700" cap="flat" cmpd="sng" algn="ctr">
+                      <a:noFill/>
+                      <a:prstDash val="solid"/>
+                      <a:round/>
+                      <a:headEnd type="none" w="med" len="med"/>
+                      <a:tailEnd type="none" w="med" len="med"/>
+                    </a:lnR>
+                    <a:lnT w="12700" cap="flat" cmpd="sng" algn="ctr">
+                      <a:noFill/>
+                      <a:prstDash val="solid"/>
+                      <a:round/>
+                      <a:headEnd type="none" w="med" len="med"/>
+                      <a:tailEnd type="none" w="med" len="med"/>
+                    </a:lnT>
+                    <a:lnB w="12700" cap="flat" cmpd="sng" algn="ctr">
+                      <a:noFill/>
+                      <a:prstDash val="solid"/>
+                      <a:round/>
+                      <a:headEnd type="none" w="med" len="med"/>
+                      <a:tailEnd type="none" w="med" len="med"/>
+                    </a:lnB>
+                    <a:lnTlToBr w="12700" cmpd="sng">
+                      <a:noFill/>
+                      <a:prstDash val="solid"/>
+                    </a:lnTlToBr>
+                    <a:lnBlToTr w="12700" cmpd="sng">
+                      <a:noFill/>
+                      <a:prstDash val="solid"/>
+                    </a:lnBlToTr>
+                  </a:tcPr>
                 </a:tc>
                 <a:tc>
                   <a:txBody>
@@ -10723,14 +12366,14 @@
                     <a:p>
                       <a:pPr algn="ctr" fontAlgn="ctr"/>
                       <a:r>
-                        <a:rPr lang="es-CO" sz="1200" u="none" strike="noStrike">
+                        <a:rPr lang="es-CO" sz="1200" u="none" strike="noStrike" dirty="0">
                           <a:effectLst/>
                           <a:latin typeface="Arial" panose="020B0604020202020204" pitchFamily="34" charset="0"/>
                           <a:cs typeface="Arial" panose="020B0604020202020204" pitchFamily="34" charset="0"/>
                         </a:rPr>
                         <a:t>1.15</a:t>
                       </a:r>
-                      <a:endParaRPr lang="es-CO" sz="1200" b="0" i="0" u="none" strike="noStrike">
+                      <a:endParaRPr lang="es-CO" sz="1200" b="0" i="0" u="none" strike="noStrike" dirty="0">
                         <a:solidFill>
                           <a:srgbClr val="000000"/>
                         </a:solidFill>
@@ -10740,11 +12383,44 @@
                       </a:endParaRPr>
                     </a:p>
                   </a:txBody>
-                  <a:tcPr marL="9525" marR="9525" marT="9525" marB="0" anchor="ctr"/>
+                  <a:tcPr marL="9525" marR="9525" marT="9525" marB="0" anchor="ctr">
+                    <a:lnL w="12700" cap="flat" cmpd="sng" algn="ctr">
+                      <a:noFill/>
+                      <a:prstDash val="solid"/>
+                      <a:round/>
+                      <a:headEnd type="none" w="med" len="med"/>
+                      <a:tailEnd type="none" w="med" len="med"/>
+                    </a:lnL>
+                    <a:lnR>
+                      <a:noFill/>
+                    </a:lnR>
+                    <a:lnT w="12700" cap="flat" cmpd="sng" algn="ctr">
+                      <a:noFill/>
+                      <a:prstDash val="solid"/>
+                      <a:round/>
+                      <a:headEnd type="none" w="med" len="med"/>
+                      <a:tailEnd type="none" w="med" len="med"/>
+                    </a:lnT>
+                    <a:lnB w="12700" cap="flat" cmpd="sng" algn="ctr">
+                      <a:noFill/>
+                      <a:prstDash val="solid"/>
+                      <a:round/>
+                      <a:headEnd type="none" w="med" len="med"/>
+                      <a:tailEnd type="none" w="med" len="med"/>
+                    </a:lnB>
+                    <a:lnTlToBr w="12700" cmpd="sng">
+                      <a:noFill/>
+                      <a:prstDash val="solid"/>
+                    </a:lnTlToBr>
+                    <a:lnBlToTr w="12700" cmpd="sng">
+                      <a:noFill/>
+                      <a:prstDash val="solid"/>
+                    </a:lnBlToTr>
+                  </a:tcPr>
                 </a:tc>
                 <a:extLst>
                   <a:ext uri="{0D108BD9-81ED-4DB2-BD59-A6C34878D82A}">
-                    <a16:rowId xmlns:a16="http://schemas.microsoft.com/office/drawing/2014/main" val="552371880"/>
+                    <a16:rowId xmlns:a16="http://schemas.microsoft.com/office/drawing/2014/main" xmlns="" val="552371880"/>
                   </a:ext>
                 </a:extLst>
               </a:tr>
@@ -10783,7 +12459,46 @@
                       </a:endParaRPr>
                     </a:p>
                   </a:txBody>
-                  <a:tcPr marL="9525" marR="9525" marT="9525" marB="0" anchor="ctr"/>
+                  <a:tcPr marL="9525" marR="9525" marT="9525" marB="0" anchor="ctr">
+                    <a:lnL w="12700" cap="flat" cmpd="sng" algn="ctr">
+                      <a:solidFill>
+                        <a:schemeClr val="tx1"/>
+                      </a:solidFill>
+                      <a:prstDash val="solid"/>
+                      <a:round/>
+                      <a:headEnd type="none" w="med" len="med"/>
+                      <a:tailEnd type="none" w="med" len="med"/>
+                    </a:lnL>
+                    <a:lnR w="12700" cap="flat" cmpd="sng" algn="ctr">
+                      <a:noFill/>
+                      <a:prstDash val="solid"/>
+                      <a:round/>
+                      <a:headEnd type="none" w="med" len="med"/>
+                      <a:tailEnd type="none" w="med" len="med"/>
+                    </a:lnR>
+                    <a:lnT w="12700" cap="flat" cmpd="sng" algn="ctr">
+                      <a:noFill/>
+                      <a:prstDash val="solid"/>
+                      <a:round/>
+                      <a:headEnd type="none" w="med" len="med"/>
+                      <a:tailEnd type="none" w="med" len="med"/>
+                    </a:lnT>
+                    <a:lnB w="12700" cap="flat" cmpd="sng" algn="ctr">
+                      <a:noFill/>
+                      <a:prstDash val="solid"/>
+                      <a:round/>
+                      <a:headEnd type="none" w="med" len="med"/>
+                      <a:tailEnd type="none" w="med" len="med"/>
+                    </a:lnB>
+                    <a:lnTlToBr w="12700" cmpd="sng">
+                      <a:noFill/>
+                      <a:prstDash val="solid"/>
+                    </a:lnTlToBr>
+                    <a:lnBlToTr w="12700" cmpd="sng">
+                      <a:noFill/>
+                      <a:prstDash val="solid"/>
+                    </a:lnBlToTr>
+                  </a:tcPr>
                 </a:tc>
                 <a:tc>
                   <a:txBody>
@@ -10809,7 +12524,44 @@
                       </a:endParaRPr>
                     </a:p>
                   </a:txBody>
-                  <a:tcPr marL="9525" marR="9525" marT="9525" marB="0" anchor="ctr"/>
+                  <a:tcPr marL="9525" marR="9525" marT="9525" marB="0" anchor="ctr">
+                    <a:lnL w="12700" cap="flat" cmpd="sng" algn="ctr">
+                      <a:noFill/>
+                      <a:prstDash val="solid"/>
+                      <a:round/>
+                      <a:headEnd type="none" w="med" len="med"/>
+                      <a:tailEnd type="none" w="med" len="med"/>
+                    </a:lnL>
+                    <a:lnR w="12700" cap="flat" cmpd="sng" algn="ctr">
+                      <a:noFill/>
+                      <a:prstDash val="solid"/>
+                      <a:round/>
+                      <a:headEnd type="none" w="med" len="med"/>
+                      <a:tailEnd type="none" w="med" len="med"/>
+                    </a:lnR>
+                    <a:lnT w="12700" cap="flat" cmpd="sng" algn="ctr">
+                      <a:noFill/>
+                      <a:prstDash val="solid"/>
+                      <a:round/>
+                      <a:headEnd type="none" w="med" len="med"/>
+                      <a:tailEnd type="none" w="med" len="med"/>
+                    </a:lnT>
+                    <a:lnB w="12700" cap="flat" cmpd="sng" algn="ctr">
+                      <a:noFill/>
+                      <a:prstDash val="solid"/>
+                      <a:round/>
+                      <a:headEnd type="none" w="med" len="med"/>
+                      <a:tailEnd type="none" w="med" len="med"/>
+                    </a:lnB>
+                    <a:lnTlToBr w="12700" cmpd="sng">
+                      <a:noFill/>
+                      <a:prstDash val="solid"/>
+                    </a:lnTlToBr>
+                    <a:lnBlToTr w="12700" cmpd="sng">
+                      <a:noFill/>
+                      <a:prstDash val="solid"/>
+                    </a:lnBlToTr>
+                  </a:tcPr>
                 </a:tc>
                 <a:tc>
                   <a:txBody>
@@ -10818,14 +12570,14 @@
                     <a:p>
                       <a:pPr algn="ctr" fontAlgn="ctr"/>
                       <a:r>
-                        <a:rPr lang="es-CO" sz="1200" u="none" strike="noStrike">
+                        <a:rPr lang="es-CO" sz="1200" u="none" strike="noStrike" dirty="0">
                           <a:effectLst/>
                           <a:latin typeface="Arial" panose="020B0604020202020204" pitchFamily="34" charset="0"/>
                           <a:cs typeface="Arial" panose="020B0604020202020204" pitchFamily="34" charset="0"/>
                         </a:rPr>
                         <a:t>1.16</a:t>
                       </a:r>
-                      <a:endParaRPr lang="es-CO" sz="1200" b="0" i="0" u="none" strike="noStrike">
+                      <a:endParaRPr lang="es-CO" sz="1200" b="0" i="0" u="none" strike="noStrike" dirty="0">
                         <a:solidFill>
                           <a:srgbClr val="000000"/>
                         </a:solidFill>
@@ -10835,7 +12587,44 @@
                       </a:endParaRPr>
                     </a:p>
                   </a:txBody>
-                  <a:tcPr marL="9525" marR="9525" marT="9525" marB="0" anchor="ctr"/>
+                  <a:tcPr marL="9525" marR="9525" marT="9525" marB="0" anchor="ctr">
+                    <a:lnL w="12700" cap="flat" cmpd="sng" algn="ctr">
+                      <a:noFill/>
+                      <a:prstDash val="solid"/>
+                      <a:round/>
+                      <a:headEnd type="none" w="med" len="med"/>
+                      <a:tailEnd type="none" w="med" len="med"/>
+                    </a:lnL>
+                    <a:lnR w="12700" cap="flat" cmpd="sng" algn="ctr">
+                      <a:noFill/>
+                      <a:prstDash val="solid"/>
+                      <a:round/>
+                      <a:headEnd type="none" w="med" len="med"/>
+                      <a:tailEnd type="none" w="med" len="med"/>
+                    </a:lnR>
+                    <a:lnT w="12700" cap="flat" cmpd="sng" algn="ctr">
+                      <a:noFill/>
+                      <a:prstDash val="solid"/>
+                      <a:round/>
+                      <a:headEnd type="none" w="med" len="med"/>
+                      <a:tailEnd type="none" w="med" len="med"/>
+                    </a:lnT>
+                    <a:lnB w="12700" cap="flat" cmpd="sng" algn="ctr">
+                      <a:noFill/>
+                      <a:prstDash val="solid"/>
+                      <a:round/>
+                      <a:headEnd type="none" w="med" len="med"/>
+                      <a:tailEnd type="none" w="med" len="med"/>
+                    </a:lnB>
+                    <a:lnTlToBr w="12700" cmpd="sng">
+                      <a:noFill/>
+                      <a:prstDash val="solid"/>
+                    </a:lnTlToBr>
+                    <a:lnBlToTr w="12700" cmpd="sng">
+                      <a:noFill/>
+                      <a:prstDash val="solid"/>
+                    </a:lnBlToTr>
+                  </a:tcPr>
                 </a:tc>
                 <a:tc>
                   <a:txBody>
@@ -10844,14 +12633,14 @@
                     <a:p>
                       <a:pPr algn="ctr" fontAlgn="ctr"/>
                       <a:r>
-                        <a:rPr lang="es-CO" sz="1200" u="none" strike="noStrike">
+                        <a:rPr lang="es-CO" sz="1200" u="none" strike="noStrike" dirty="0">
                           <a:effectLst/>
                           <a:latin typeface="Arial" panose="020B0604020202020204" pitchFamily="34" charset="0"/>
                           <a:cs typeface="Arial" panose="020B0604020202020204" pitchFamily="34" charset="0"/>
                         </a:rPr>
                         <a:t>1.38</a:t>
                       </a:r>
-                      <a:endParaRPr lang="es-CO" sz="1200" b="0" i="0" u="none" strike="noStrike">
+                      <a:endParaRPr lang="es-CO" sz="1200" b="0" i="0" u="none" strike="noStrike" dirty="0">
                         <a:solidFill>
                           <a:srgbClr val="000000"/>
                         </a:solidFill>
@@ -10861,7 +12650,44 @@
                       </a:endParaRPr>
                     </a:p>
                   </a:txBody>
-                  <a:tcPr marL="9525" marR="9525" marT="9525" marB="0" anchor="ctr"/>
+                  <a:tcPr marL="9525" marR="9525" marT="9525" marB="0" anchor="ctr">
+                    <a:lnL w="12700" cap="flat" cmpd="sng" algn="ctr">
+                      <a:noFill/>
+                      <a:prstDash val="solid"/>
+                      <a:round/>
+                      <a:headEnd type="none" w="med" len="med"/>
+                      <a:tailEnd type="none" w="med" len="med"/>
+                    </a:lnL>
+                    <a:lnR w="12700" cap="flat" cmpd="sng" algn="ctr">
+                      <a:noFill/>
+                      <a:prstDash val="solid"/>
+                      <a:round/>
+                      <a:headEnd type="none" w="med" len="med"/>
+                      <a:tailEnd type="none" w="med" len="med"/>
+                    </a:lnR>
+                    <a:lnT w="12700" cap="flat" cmpd="sng" algn="ctr">
+                      <a:noFill/>
+                      <a:prstDash val="solid"/>
+                      <a:round/>
+                      <a:headEnd type="none" w="med" len="med"/>
+                      <a:tailEnd type="none" w="med" len="med"/>
+                    </a:lnT>
+                    <a:lnB w="12700" cap="flat" cmpd="sng" algn="ctr">
+                      <a:noFill/>
+                      <a:prstDash val="solid"/>
+                      <a:round/>
+                      <a:headEnd type="none" w="med" len="med"/>
+                      <a:tailEnd type="none" w="med" len="med"/>
+                    </a:lnB>
+                    <a:lnTlToBr w="12700" cmpd="sng">
+                      <a:noFill/>
+                      <a:prstDash val="solid"/>
+                    </a:lnTlToBr>
+                    <a:lnBlToTr w="12700" cmpd="sng">
+                      <a:noFill/>
+                      <a:prstDash val="solid"/>
+                    </a:lnBlToTr>
+                  </a:tcPr>
                 </a:tc>
                 <a:tc>
                   <a:txBody>
@@ -10887,11 +12713,44 @@
                       </a:endParaRPr>
                     </a:p>
                   </a:txBody>
-                  <a:tcPr marL="9525" marR="9525" marT="9525" marB="0" anchor="ctr"/>
+                  <a:tcPr marL="9525" marR="9525" marT="9525" marB="0" anchor="ctr">
+                    <a:lnL w="12700" cap="flat" cmpd="sng" algn="ctr">
+                      <a:noFill/>
+                      <a:prstDash val="solid"/>
+                      <a:round/>
+                      <a:headEnd type="none" w="med" len="med"/>
+                      <a:tailEnd type="none" w="med" len="med"/>
+                    </a:lnL>
+                    <a:lnR>
+                      <a:noFill/>
+                    </a:lnR>
+                    <a:lnT w="12700" cap="flat" cmpd="sng" algn="ctr">
+                      <a:noFill/>
+                      <a:prstDash val="solid"/>
+                      <a:round/>
+                      <a:headEnd type="none" w="med" len="med"/>
+                      <a:tailEnd type="none" w="med" len="med"/>
+                    </a:lnT>
+                    <a:lnB w="12700" cap="flat" cmpd="sng" algn="ctr">
+                      <a:noFill/>
+                      <a:prstDash val="solid"/>
+                      <a:round/>
+                      <a:headEnd type="none" w="med" len="med"/>
+                      <a:tailEnd type="none" w="med" len="med"/>
+                    </a:lnB>
+                    <a:lnTlToBr w="12700" cmpd="sng">
+                      <a:noFill/>
+                      <a:prstDash val="solid"/>
+                    </a:lnTlToBr>
+                    <a:lnBlToTr w="12700" cmpd="sng">
+                      <a:noFill/>
+                      <a:prstDash val="solid"/>
+                    </a:lnBlToTr>
+                  </a:tcPr>
                 </a:tc>
                 <a:extLst>
                   <a:ext uri="{0D108BD9-81ED-4DB2-BD59-A6C34878D82A}">
-                    <a16:rowId xmlns:a16="http://schemas.microsoft.com/office/drawing/2014/main" val="116541910"/>
+                    <a16:rowId xmlns:a16="http://schemas.microsoft.com/office/drawing/2014/main" xmlns="" val="116541910"/>
                   </a:ext>
                 </a:extLst>
               </a:tr>
@@ -10930,7 +12789,46 @@
                       </a:endParaRPr>
                     </a:p>
                   </a:txBody>
-                  <a:tcPr marL="9525" marR="9525" marT="9525" marB="0" anchor="ctr"/>
+                  <a:tcPr marL="9525" marR="9525" marT="9525" marB="0" anchor="ctr">
+                    <a:lnL w="12700" cap="flat" cmpd="sng" algn="ctr">
+                      <a:solidFill>
+                        <a:schemeClr val="tx1"/>
+                      </a:solidFill>
+                      <a:prstDash val="solid"/>
+                      <a:round/>
+                      <a:headEnd type="none" w="med" len="med"/>
+                      <a:tailEnd type="none" w="med" len="med"/>
+                    </a:lnL>
+                    <a:lnR w="12700" cap="flat" cmpd="sng" algn="ctr">
+                      <a:noFill/>
+                      <a:prstDash val="solid"/>
+                      <a:round/>
+                      <a:headEnd type="none" w="med" len="med"/>
+                      <a:tailEnd type="none" w="med" len="med"/>
+                    </a:lnR>
+                    <a:lnT w="12700" cap="flat" cmpd="sng" algn="ctr">
+                      <a:noFill/>
+                      <a:prstDash val="solid"/>
+                      <a:round/>
+                      <a:headEnd type="none" w="med" len="med"/>
+                      <a:tailEnd type="none" w="med" len="med"/>
+                    </a:lnT>
+                    <a:lnB w="12700" cap="flat" cmpd="sng" algn="ctr">
+                      <a:noFill/>
+                      <a:prstDash val="solid"/>
+                      <a:round/>
+                      <a:headEnd type="none" w="med" len="med"/>
+                      <a:tailEnd type="none" w="med" len="med"/>
+                    </a:lnB>
+                    <a:lnTlToBr w="12700" cmpd="sng">
+                      <a:noFill/>
+                      <a:prstDash val="solid"/>
+                    </a:lnTlToBr>
+                    <a:lnBlToTr w="12700" cmpd="sng">
+                      <a:noFill/>
+                      <a:prstDash val="solid"/>
+                    </a:lnBlToTr>
+                  </a:tcPr>
                 </a:tc>
                 <a:tc>
                   <a:txBody>
@@ -10956,7 +12854,44 @@
                       </a:endParaRPr>
                     </a:p>
                   </a:txBody>
-                  <a:tcPr marL="9525" marR="9525" marT="9525" marB="0" anchor="ctr"/>
+                  <a:tcPr marL="9525" marR="9525" marT="9525" marB="0" anchor="ctr">
+                    <a:lnL w="12700" cap="flat" cmpd="sng" algn="ctr">
+                      <a:noFill/>
+                      <a:prstDash val="solid"/>
+                      <a:round/>
+                      <a:headEnd type="none" w="med" len="med"/>
+                      <a:tailEnd type="none" w="med" len="med"/>
+                    </a:lnL>
+                    <a:lnR w="12700" cap="flat" cmpd="sng" algn="ctr">
+                      <a:noFill/>
+                      <a:prstDash val="solid"/>
+                      <a:round/>
+                      <a:headEnd type="none" w="med" len="med"/>
+                      <a:tailEnd type="none" w="med" len="med"/>
+                    </a:lnR>
+                    <a:lnT w="12700" cap="flat" cmpd="sng" algn="ctr">
+                      <a:noFill/>
+                      <a:prstDash val="solid"/>
+                      <a:round/>
+                      <a:headEnd type="none" w="med" len="med"/>
+                      <a:tailEnd type="none" w="med" len="med"/>
+                    </a:lnT>
+                    <a:lnB w="12700" cap="flat" cmpd="sng" algn="ctr">
+                      <a:noFill/>
+                      <a:prstDash val="solid"/>
+                      <a:round/>
+                      <a:headEnd type="none" w="med" len="med"/>
+                      <a:tailEnd type="none" w="med" len="med"/>
+                    </a:lnB>
+                    <a:lnTlToBr w="12700" cmpd="sng">
+                      <a:noFill/>
+                      <a:prstDash val="solid"/>
+                    </a:lnTlToBr>
+                    <a:lnBlToTr w="12700" cmpd="sng">
+                      <a:noFill/>
+                      <a:prstDash val="solid"/>
+                    </a:lnBlToTr>
+                  </a:tcPr>
                 </a:tc>
                 <a:tc>
                   <a:txBody>
@@ -10982,7 +12917,44 @@
                       </a:endParaRPr>
                     </a:p>
                   </a:txBody>
-                  <a:tcPr marL="9525" marR="9525" marT="9525" marB="0" anchor="ctr"/>
+                  <a:tcPr marL="9525" marR="9525" marT="9525" marB="0" anchor="ctr">
+                    <a:lnL w="12700" cap="flat" cmpd="sng" algn="ctr">
+                      <a:noFill/>
+                      <a:prstDash val="solid"/>
+                      <a:round/>
+                      <a:headEnd type="none" w="med" len="med"/>
+                      <a:tailEnd type="none" w="med" len="med"/>
+                    </a:lnL>
+                    <a:lnR w="12700" cap="flat" cmpd="sng" algn="ctr">
+                      <a:noFill/>
+                      <a:prstDash val="solid"/>
+                      <a:round/>
+                      <a:headEnd type="none" w="med" len="med"/>
+                      <a:tailEnd type="none" w="med" len="med"/>
+                    </a:lnR>
+                    <a:lnT w="12700" cap="flat" cmpd="sng" algn="ctr">
+                      <a:noFill/>
+                      <a:prstDash val="solid"/>
+                      <a:round/>
+                      <a:headEnd type="none" w="med" len="med"/>
+                      <a:tailEnd type="none" w="med" len="med"/>
+                    </a:lnT>
+                    <a:lnB w="12700" cap="flat" cmpd="sng" algn="ctr">
+                      <a:noFill/>
+                      <a:prstDash val="solid"/>
+                      <a:round/>
+                      <a:headEnd type="none" w="med" len="med"/>
+                      <a:tailEnd type="none" w="med" len="med"/>
+                    </a:lnB>
+                    <a:lnTlToBr w="12700" cmpd="sng">
+                      <a:noFill/>
+                      <a:prstDash val="solid"/>
+                    </a:lnTlToBr>
+                    <a:lnBlToTr w="12700" cmpd="sng">
+                      <a:noFill/>
+                      <a:prstDash val="solid"/>
+                    </a:lnBlToTr>
+                  </a:tcPr>
                 </a:tc>
                 <a:tc>
                   <a:txBody>
@@ -10991,14 +12963,14 @@
                     <a:p>
                       <a:pPr algn="ctr" fontAlgn="ctr"/>
                       <a:r>
-                        <a:rPr lang="es-CO" sz="1200" u="none" strike="noStrike">
+                        <a:rPr lang="es-CO" sz="1200" u="none" strike="noStrike" dirty="0">
                           <a:effectLst/>
                           <a:latin typeface="Arial" panose="020B0604020202020204" pitchFamily="34" charset="0"/>
                           <a:cs typeface="Arial" panose="020B0604020202020204" pitchFamily="34" charset="0"/>
                         </a:rPr>
                         <a:t>1.2</a:t>
                       </a:r>
-                      <a:endParaRPr lang="es-CO" sz="1200" b="0" i="0" u="none" strike="noStrike">
+                      <a:endParaRPr lang="es-CO" sz="1200" b="0" i="0" u="none" strike="noStrike" dirty="0">
                         <a:solidFill>
                           <a:srgbClr val="000000"/>
                         </a:solidFill>
@@ -11008,7 +12980,44 @@
                       </a:endParaRPr>
                     </a:p>
                   </a:txBody>
-                  <a:tcPr marL="9525" marR="9525" marT="9525" marB="0" anchor="ctr"/>
+                  <a:tcPr marL="9525" marR="9525" marT="9525" marB="0" anchor="ctr">
+                    <a:lnL w="12700" cap="flat" cmpd="sng" algn="ctr">
+                      <a:noFill/>
+                      <a:prstDash val="solid"/>
+                      <a:round/>
+                      <a:headEnd type="none" w="med" len="med"/>
+                      <a:tailEnd type="none" w="med" len="med"/>
+                    </a:lnL>
+                    <a:lnR w="12700" cap="flat" cmpd="sng" algn="ctr">
+                      <a:noFill/>
+                      <a:prstDash val="solid"/>
+                      <a:round/>
+                      <a:headEnd type="none" w="med" len="med"/>
+                      <a:tailEnd type="none" w="med" len="med"/>
+                    </a:lnR>
+                    <a:lnT w="12700" cap="flat" cmpd="sng" algn="ctr">
+                      <a:noFill/>
+                      <a:prstDash val="solid"/>
+                      <a:round/>
+                      <a:headEnd type="none" w="med" len="med"/>
+                      <a:tailEnd type="none" w="med" len="med"/>
+                    </a:lnT>
+                    <a:lnB w="12700" cap="flat" cmpd="sng" algn="ctr">
+                      <a:noFill/>
+                      <a:prstDash val="solid"/>
+                      <a:round/>
+                      <a:headEnd type="none" w="med" len="med"/>
+                      <a:tailEnd type="none" w="med" len="med"/>
+                    </a:lnB>
+                    <a:lnTlToBr w="12700" cmpd="sng">
+                      <a:noFill/>
+                      <a:prstDash val="solid"/>
+                    </a:lnTlToBr>
+                    <a:lnBlToTr w="12700" cmpd="sng">
+                      <a:noFill/>
+                      <a:prstDash val="solid"/>
+                    </a:lnBlToTr>
+                  </a:tcPr>
                 </a:tc>
                 <a:tc>
                   <a:txBody>
@@ -11017,14 +13026,14 @@
                     <a:p>
                       <a:pPr algn="ctr" fontAlgn="ctr"/>
                       <a:r>
-                        <a:rPr lang="es-CO" sz="1200" u="none" strike="noStrike">
+                        <a:rPr lang="es-CO" sz="1200" u="none" strike="noStrike" dirty="0">
                           <a:effectLst/>
                           <a:latin typeface="Arial" panose="020B0604020202020204" pitchFamily="34" charset="0"/>
                           <a:cs typeface="Arial" panose="020B0604020202020204" pitchFamily="34" charset="0"/>
                         </a:rPr>
                         <a:t>1.12</a:t>
                       </a:r>
-                      <a:endParaRPr lang="es-CO" sz="1200" b="0" i="0" u="none" strike="noStrike">
+                      <a:endParaRPr lang="es-CO" sz="1200" b="0" i="0" u="none" strike="noStrike" dirty="0">
                         <a:solidFill>
                           <a:srgbClr val="000000"/>
                         </a:solidFill>
@@ -11034,11 +13043,44 @@
                       </a:endParaRPr>
                     </a:p>
                   </a:txBody>
-                  <a:tcPr marL="9525" marR="9525" marT="9525" marB="0" anchor="ctr"/>
+                  <a:tcPr marL="9525" marR="9525" marT="9525" marB="0" anchor="ctr">
+                    <a:lnL w="12700" cap="flat" cmpd="sng" algn="ctr">
+                      <a:noFill/>
+                      <a:prstDash val="solid"/>
+                      <a:round/>
+                      <a:headEnd type="none" w="med" len="med"/>
+                      <a:tailEnd type="none" w="med" len="med"/>
+                    </a:lnL>
+                    <a:lnR>
+                      <a:noFill/>
+                    </a:lnR>
+                    <a:lnT w="12700" cap="flat" cmpd="sng" algn="ctr">
+                      <a:noFill/>
+                      <a:prstDash val="solid"/>
+                      <a:round/>
+                      <a:headEnd type="none" w="med" len="med"/>
+                      <a:tailEnd type="none" w="med" len="med"/>
+                    </a:lnT>
+                    <a:lnB w="12700" cap="flat" cmpd="sng" algn="ctr">
+                      <a:noFill/>
+                      <a:prstDash val="solid"/>
+                      <a:round/>
+                      <a:headEnd type="none" w="med" len="med"/>
+                      <a:tailEnd type="none" w="med" len="med"/>
+                    </a:lnB>
+                    <a:lnTlToBr w="12700" cmpd="sng">
+                      <a:noFill/>
+                      <a:prstDash val="solid"/>
+                    </a:lnTlToBr>
+                    <a:lnBlToTr w="12700" cmpd="sng">
+                      <a:noFill/>
+                      <a:prstDash val="solid"/>
+                    </a:lnBlToTr>
+                  </a:tcPr>
                 </a:tc>
                 <a:extLst>
                   <a:ext uri="{0D108BD9-81ED-4DB2-BD59-A6C34878D82A}">
-                    <a16:rowId xmlns:a16="http://schemas.microsoft.com/office/drawing/2014/main" val="1742673978"/>
+                    <a16:rowId xmlns:a16="http://schemas.microsoft.com/office/drawing/2014/main" xmlns="" val="1742673978"/>
                   </a:ext>
                 </a:extLst>
               </a:tr>
@@ -11077,7 +13119,48 @@
                       </a:endParaRPr>
                     </a:p>
                   </a:txBody>
-                  <a:tcPr marL="9525" marR="9525" marT="9525" marB="0" anchor="ctr"/>
+                  <a:tcPr marL="9525" marR="9525" marT="9525" marB="0" anchor="ctr">
+                    <a:lnL w="12700" cap="flat" cmpd="sng" algn="ctr">
+                      <a:solidFill>
+                        <a:schemeClr val="tx1"/>
+                      </a:solidFill>
+                      <a:prstDash val="solid"/>
+                      <a:round/>
+                      <a:headEnd type="none" w="med" len="med"/>
+                      <a:tailEnd type="none" w="med" len="med"/>
+                    </a:lnL>
+                    <a:lnR w="12700" cap="flat" cmpd="sng" algn="ctr">
+                      <a:noFill/>
+                      <a:prstDash val="solid"/>
+                      <a:round/>
+                      <a:headEnd type="none" w="med" len="med"/>
+                      <a:tailEnd type="none" w="med" len="med"/>
+                    </a:lnR>
+                    <a:lnT w="12700" cap="flat" cmpd="sng" algn="ctr">
+                      <a:noFill/>
+                      <a:prstDash val="solid"/>
+                      <a:round/>
+                      <a:headEnd type="none" w="med" len="med"/>
+                      <a:tailEnd type="none" w="med" len="med"/>
+                    </a:lnT>
+                    <a:lnB w="12700" cap="flat" cmpd="sng" algn="ctr">
+                      <a:solidFill>
+                        <a:schemeClr val="tx1"/>
+                      </a:solidFill>
+                      <a:prstDash val="solid"/>
+                      <a:round/>
+                      <a:headEnd type="none" w="med" len="med"/>
+                      <a:tailEnd type="none" w="med" len="med"/>
+                    </a:lnB>
+                    <a:lnTlToBr w="12700" cmpd="sng">
+                      <a:noFill/>
+                      <a:prstDash val="solid"/>
+                    </a:lnTlToBr>
+                    <a:lnBlToTr w="12700" cmpd="sng">
+                      <a:noFill/>
+                      <a:prstDash val="solid"/>
+                    </a:lnBlToTr>
+                  </a:tcPr>
                 </a:tc>
                 <a:tc>
                   <a:txBody>
@@ -11103,7 +13186,46 @@
                       </a:endParaRPr>
                     </a:p>
                   </a:txBody>
-                  <a:tcPr marL="9525" marR="9525" marT="9525" marB="0" anchor="ctr"/>
+                  <a:tcPr marL="9525" marR="9525" marT="9525" marB="0" anchor="ctr">
+                    <a:lnL w="12700" cap="flat" cmpd="sng" algn="ctr">
+                      <a:noFill/>
+                      <a:prstDash val="solid"/>
+                      <a:round/>
+                      <a:headEnd type="none" w="med" len="med"/>
+                      <a:tailEnd type="none" w="med" len="med"/>
+                    </a:lnL>
+                    <a:lnR w="12700" cap="flat" cmpd="sng" algn="ctr">
+                      <a:noFill/>
+                      <a:prstDash val="solid"/>
+                      <a:round/>
+                      <a:headEnd type="none" w="med" len="med"/>
+                      <a:tailEnd type="none" w="med" len="med"/>
+                    </a:lnR>
+                    <a:lnT w="12700" cap="flat" cmpd="sng" algn="ctr">
+                      <a:noFill/>
+                      <a:prstDash val="solid"/>
+                      <a:round/>
+                      <a:headEnd type="none" w="med" len="med"/>
+                      <a:tailEnd type="none" w="med" len="med"/>
+                    </a:lnT>
+                    <a:lnB w="12700" cap="flat" cmpd="sng" algn="ctr">
+                      <a:solidFill>
+                        <a:schemeClr val="tx1"/>
+                      </a:solidFill>
+                      <a:prstDash val="solid"/>
+                      <a:round/>
+                      <a:headEnd type="none" w="med" len="med"/>
+                      <a:tailEnd type="none" w="med" len="med"/>
+                    </a:lnB>
+                    <a:lnTlToBr w="12700" cmpd="sng">
+                      <a:noFill/>
+                      <a:prstDash val="solid"/>
+                    </a:lnTlToBr>
+                    <a:lnBlToTr w="12700" cmpd="sng">
+                      <a:noFill/>
+                      <a:prstDash val="solid"/>
+                    </a:lnBlToTr>
+                  </a:tcPr>
                 </a:tc>
                 <a:tc>
                   <a:txBody>
@@ -11129,7 +13251,46 @@
                       </a:endParaRPr>
                     </a:p>
                   </a:txBody>
-                  <a:tcPr marL="9525" marR="9525" marT="9525" marB="0" anchor="ctr"/>
+                  <a:tcPr marL="9525" marR="9525" marT="9525" marB="0" anchor="ctr">
+                    <a:lnL w="12700" cap="flat" cmpd="sng" algn="ctr">
+                      <a:noFill/>
+                      <a:prstDash val="solid"/>
+                      <a:round/>
+                      <a:headEnd type="none" w="med" len="med"/>
+                      <a:tailEnd type="none" w="med" len="med"/>
+                    </a:lnL>
+                    <a:lnR w="12700" cap="flat" cmpd="sng" algn="ctr">
+                      <a:noFill/>
+                      <a:prstDash val="solid"/>
+                      <a:round/>
+                      <a:headEnd type="none" w="med" len="med"/>
+                      <a:tailEnd type="none" w="med" len="med"/>
+                    </a:lnR>
+                    <a:lnT w="12700" cap="flat" cmpd="sng" algn="ctr">
+                      <a:noFill/>
+                      <a:prstDash val="solid"/>
+                      <a:round/>
+                      <a:headEnd type="none" w="med" len="med"/>
+                      <a:tailEnd type="none" w="med" len="med"/>
+                    </a:lnT>
+                    <a:lnB w="12700" cap="flat" cmpd="sng" algn="ctr">
+                      <a:solidFill>
+                        <a:schemeClr val="tx1"/>
+                      </a:solidFill>
+                      <a:prstDash val="solid"/>
+                      <a:round/>
+                      <a:headEnd type="none" w="med" len="med"/>
+                      <a:tailEnd type="none" w="med" len="med"/>
+                    </a:lnB>
+                    <a:lnTlToBr w="12700" cmpd="sng">
+                      <a:noFill/>
+                      <a:prstDash val="solid"/>
+                    </a:lnTlToBr>
+                    <a:lnBlToTr w="12700" cmpd="sng">
+                      <a:noFill/>
+                      <a:prstDash val="solid"/>
+                    </a:lnBlToTr>
+                  </a:tcPr>
                 </a:tc>
                 <a:tc>
                   <a:txBody>
@@ -11138,14 +13299,14 @@
                     <a:p>
                       <a:pPr algn="ctr" fontAlgn="ctr"/>
                       <a:r>
-                        <a:rPr lang="es-CO" sz="1200" u="none" strike="noStrike">
+                        <a:rPr lang="es-CO" sz="1200" u="none" strike="noStrike" dirty="0">
                           <a:effectLst/>
                           <a:latin typeface="Arial" panose="020B0604020202020204" pitchFamily="34" charset="0"/>
                           <a:cs typeface="Arial" panose="020B0604020202020204" pitchFamily="34" charset="0"/>
                         </a:rPr>
                         <a:t>1.14</a:t>
                       </a:r>
-                      <a:endParaRPr lang="es-CO" sz="1200" b="0" i="0" u="none" strike="noStrike">
+                      <a:endParaRPr lang="es-CO" sz="1200" b="0" i="0" u="none" strike="noStrike" dirty="0">
                         <a:solidFill>
                           <a:srgbClr val="000000"/>
                         </a:solidFill>
@@ -11155,7 +13316,46 @@
                       </a:endParaRPr>
                     </a:p>
                   </a:txBody>
-                  <a:tcPr marL="9525" marR="9525" marT="9525" marB="0" anchor="ctr"/>
+                  <a:tcPr marL="9525" marR="9525" marT="9525" marB="0" anchor="ctr">
+                    <a:lnL w="12700" cap="flat" cmpd="sng" algn="ctr">
+                      <a:noFill/>
+                      <a:prstDash val="solid"/>
+                      <a:round/>
+                      <a:headEnd type="none" w="med" len="med"/>
+                      <a:tailEnd type="none" w="med" len="med"/>
+                    </a:lnL>
+                    <a:lnR w="12700" cap="flat" cmpd="sng" algn="ctr">
+                      <a:noFill/>
+                      <a:prstDash val="solid"/>
+                      <a:round/>
+                      <a:headEnd type="none" w="med" len="med"/>
+                      <a:tailEnd type="none" w="med" len="med"/>
+                    </a:lnR>
+                    <a:lnT w="12700" cap="flat" cmpd="sng" algn="ctr">
+                      <a:noFill/>
+                      <a:prstDash val="solid"/>
+                      <a:round/>
+                      <a:headEnd type="none" w="med" len="med"/>
+                      <a:tailEnd type="none" w="med" len="med"/>
+                    </a:lnT>
+                    <a:lnB w="12700" cap="flat" cmpd="sng" algn="ctr">
+                      <a:solidFill>
+                        <a:schemeClr val="tx1"/>
+                      </a:solidFill>
+                      <a:prstDash val="solid"/>
+                      <a:round/>
+                      <a:headEnd type="none" w="med" len="med"/>
+                      <a:tailEnd type="none" w="med" len="med"/>
+                    </a:lnB>
+                    <a:lnTlToBr w="12700" cmpd="sng">
+                      <a:noFill/>
+                      <a:prstDash val="solid"/>
+                    </a:lnTlToBr>
+                    <a:lnBlToTr w="12700" cmpd="sng">
+                      <a:noFill/>
+                      <a:prstDash val="solid"/>
+                    </a:lnBlToTr>
+                  </a:tcPr>
                 </a:tc>
                 <a:tc>
                   <a:txBody>
@@ -11164,14 +13364,14 @@
                     <a:p>
                       <a:pPr algn="ctr" fontAlgn="ctr"/>
                       <a:r>
-                        <a:rPr lang="es-CO" sz="1200" u="none" strike="noStrike">
+                        <a:rPr lang="es-CO" sz="1200" u="none" strike="noStrike" dirty="0">
                           <a:effectLst/>
                           <a:latin typeface="Arial" panose="020B0604020202020204" pitchFamily="34" charset="0"/>
                           <a:cs typeface="Arial" panose="020B0604020202020204" pitchFamily="34" charset="0"/>
                         </a:rPr>
                         <a:t>1.13</a:t>
                       </a:r>
-                      <a:endParaRPr lang="es-CO" sz="1200" b="0" i="0" u="none" strike="noStrike">
+                      <a:endParaRPr lang="es-CO" sz="1200" b="0" i="0" u="none" strike="noStrike" dirty="0">
                         <a:solidFill>
                           <a:srgbClr val="000000"/>
                         </a:solidFill>
@@ -11181,11 +13381,46 @@
                       </a:endParaRPr>
                     </a:p>
                   </a:txBody>
-                  <a:tcPr marL="9525" marR="9525" marT="9525" marB="0" anchor="ctr"/>
+                  <a:tcPr marL="9525" marR="9525" marT="9525" marB="0" anchor="ctr">
+                    <a:lnL w="12700" cap="flat" cmpd="sng" algn="ctr">
+                      <a:noFill/>
+                      <a:prstDash val="solid"/>
+                      <a:round/>
+                      <a:headEnd type="none" w="med" len="med"/>
+                      <a:tailEnd type="none" w="med" len="med"/>
+                    </a:lnL>
+                    <a:lnR>
+                      <a:noFill/>
+                    </a:lnR>
+                    <a:lnT w="12700" cap="flat" cmpd="sng" algn="ctr">
+                      <a:noFill/>
+                      <a:prstDash val="solid"/>
+                      <a:round/>
+                      <a:headEnd type="none" w="med" len="med"/>
+                      <a:tailEnd type="none" w="med" len="med"/>
+                    </a:lnT>
+                    <a:lnB w="12700" cap="flat" cmpd="sng" algn="ctr">
+                      <a:solidFill>
+                        <a:schemeClr val="tx1"/>
+                      </a:solidFill>
+                      <a:prstDash val="solid"/>
+                      <a:round/>
+                      <a:headEnd type="none" w="med" len="med"/>
+                      <a:tailEnd type="none" w="med" len="med"/>
+                    </a:lnB>
+                    <a:lnTlToBr w="12700" cmpd="sng">
+                      <a:noFill/>
+                      <a:prstDash val="solid"/>
+                    </a:lnTlToBr>
+                    <a:lnBlToTr w="12700" cmpd="sng">
+                      <a:noFill/>
+                      <a:prstDash val="solid"/>
+                    </a:lnBlToTr>
+                  </a:tcPr>
                 </a:tc>
                 <a:extLst>
                   <a:ext uri="{0D108BD9-81ED-4DB2-BD59-A6C34878D82A}">
-                    <a16:rowId xmlns:a16="http://schemas.microsoft.com/office/drawing/2014/main" val="722975958"/>
+                    <a16:rowId xmlns:a16="http://schemas.microsoft.com/office/drawing/2014/main" xmlns="" val="722975958"/>
                   </a:ext>
                 </a:extLst>
               </a:tr>
@@ -11197,14 +13432,14 @@
                     <a:p>
                       <a:pPr algn="ctr" fontAlgn="ctr"/>
                       <a:r>
-                        <a:rPr lang="es-CO" sz="1200" u="none" strike="noStrike">
+                        <a:rPr lang="es-CO" sz="1200" u="none" strike="noStrike" dirty="0">
                           <a:effectLst/>
                           <a:latin typeface="Arial" panose="020B0604020202020204" pitchFamily="34" charset="0"/>
                           <a:cs typeface="Arial" panose="020B0604020202020204" pitchFamily="34" charset="0"/>
                         </a:rPr>
                         <a:t>Auditor</a:t>
                       </a:r>
-                      <a:endParaRPr lang="es-CO" sz="1200" b="0" i="0" u="none" strike="noStrike">
+                      <a:endParaRPr lang="es-CO" sz="1200" b="0" i="0" u="none" strike="noStrike" dirty="0">
                         <a:solidFill>
                           <a:srgbClr val="000000"/>
                         </a:solidFill>
@@ -11214,7 +13449,26 @@
                       </a:endParaRPr>
                     </a:p>
                   </a:txBody>
-                  <a:tcPr marL="9525" marR="9525" marT="9525" marB="0" anchor="ctr"/>
+                  <a:tcPr marL="9525" marR="9525" marT="9525" marB="0" anchor="ctr">
+                    <a:lnR w="12700" cap="flat" cmpd="sng" algn="ctr">
+                      <a:solidFill>
+                        <a:schemeClr val="tx1"/>
+                      </a:solidFill>
+                      <a:prstDash val="solid"/>
+                      <a:round/>
+                      <a:headEnd type="none" w="med" len="med"/>
+                      <a:tailEnd type="none" w="med" len="med"/>
+                    </a:lnR>
+                    <a:lnT w="12700" cap="flat" cmpd="sng" algn="ctr">
+                      <a:solidFill>
+                        <a:schemeClr val="tx1"/>
+                      </a:solidFill>
+                      <a:prstDash val="solid"/>
+                      <a:round/>
+                      <a:headEnd type="none" w="med" len="med"/>
+                      <a:tailEnd type="none" w="med" len="med"/>
+                    </a:lnT>
+                  </a:tcPr>
                 </a:tc>
                 <a:tc>
                   <a:txBody>
@@ -11223,14 +13477,14 @@
                     <a:p>
                       <a:pPr algn="ctr" fontAlgn="ctr"/>
                       <a:r>
-                        <a:rPr lang="es-CO" sz="1200" u="none" strike="noStrike">
+                        <a:rPr lang="es-CO" sz="1200" u="none" strike="noStrike" dirty="0" smtClean="0">
                           <a:effectLst/>
                           <a:latin typeface="Arial" panose="020B0604020202020204" pitchFamily="34" charset="0"/>
                           <a:cs typeface="Arial" panose="020B0604020202020204" pitchFamily="34" charset="0"/>
                         </a:rPr>
-                        <a:t>Busqueda</a:t>
+                        <a:t>Búsqueda</a:t>
                       </a:r>
-                      <a:endParaRPr lang="es-CO" sz="1200" b="0" i="0" u="none" strike="noStrike">
+                      <a:endParaRPr lang="es-CO" sz="1200" b="0" i="0" u="none" strike="noStrike" dirty="0">
                         <a:solidFill>
                           <a:srgbClr val="000000"/>
                         </a:solidFill>
@@ -11240,7 +13494,50 @@
                       </a:endParaRPr>
                     </a:p>
                   </a:txBody>
-                  <a:tcPr marL="9525" marR="9525" marT="9525" marB="0" anchor="ctr"/>
+                  <a:tcPr marL="9525" marR="9525" marT="9525" marB="0" anchor="ctr">
+                    <a:lnL w="12700" cap="flat" cmpd="sng" algn="ctr">
+                      <a:solidFill>
+                        <a:schemeClr val="tx1"/>
+                      </a:solidFill>
+                      <a:prstDash val="solid"/>
+                      <a:round/>
+                      <a:headEnd type="none" w="med" len="med"/>
+                      <a:tailEnd type="none" w="med" len="med"/>
+                    </a:lnL>
+                    <a:lnR w="12700" cap="flat" cmpd="sng" algn="ctr">
+                      <a:noFill/>
+                      <a:prstDash val="solid"/>
+                      <a:round/>
+                      <a:headEnd type="none" w="med" len="med"/>
+                      <a:tailEnd type="none" w="med" len="med"/>
+                    </a:lnR>
+                    <a:lnT w="12700" cap="flat" cmpd="sng" algn="ctr">
+                      <a:solidFill>
+                        <a:schemeClr val="tx1"/>
+                      </a:solidFill>
+                      <a:prstDash val="solid"/>
+                      <a:round/>
+                      <a:headEnd type="none" w="med" len="med"/>
+                      <a:tailEnd type="none" w="med" len="med"/>
+                    </a:lnT>
+                    <a:lnB w="12700" cap="flat" cmpd="sng" algn="ctr">
+                      <a:solidFill>
+                        <a:schemeClr val="tx1"/>
+                      </a:solidFill>
+                      <a:prstDash val="solid"/>
+                      <a:round/>
+                      <a:headEnd type="none" w="med" len="med"/>
+                      <a:tailEnd type="none" w="med" len="med"/>
+                    </a:lnB>
+                    <a:lnTlToBr w="12700" cmpd="sng">
+                      <a:noFill/>
+                      <a:prstDash val="solid"/>
+                    </a:lnTlToBr>
+                    <a:lnBlToTr w="12700" cmpd="sng">
+                      <a:noFill/>
+                      <a:prstDash val="solid"/>
+                    </a:lnBlToTr>
+                  </a:tcPr>
                 </a:tc>
                 <a:tc>
                   <a:txBody>
@@ -11249,14 +13546,14 @@
                     <a:p>
                       <a:pPr algn="ctr" fontAlgn="ctr"/>
                       <a:r>
-                        <a:rPr lang="es-CO" sz="1200" u="none" strike="noStrike">
+                        <a:rPr lang="es-CO" sz="1200" u="none" strike="noStrike" dirty="0">
                           <a:effectLst/>
                           <a:latin typeface="Arial" panose="020B0604020202020204" pitchFamily="34" charset="0"/>
                           <a:cs typeface="Arial" panose="020B0604020202020204" pitchFamily="34" charset="0"/>
                         </a:rPr>
                         <a:t>1.15</a:t>
                       </a:r>
-                      <a:endParaRPr lang="es-CO" sz="1200" b="0" i="0" u="none" strike="noStrike">
+                      <a:endParaRPr lang="es-CO" sz="1200" b="0" i="0" u="none" strike="noStrike" dirty="0">
                         <a:solidFill>
                           <a:srgbClr val="000000"/>
                         </a:solidFill>
@@ -11266,7 +13563,48 @@
                       </a:endParaRPr>
                     </a:p>
                   </a:txBody>
-                  <a:tcPr marL="9525" marR="9525" marT="9525" marB="0" anchor="ctr"/>
+                  <a:tcPr marL="9525" marR="9525" marT="9525" marB="0" anchor="ctr">
+                    <a:lnL w="12700" cap="flat" cmpd="sng" algn="ctr">
+                      <a:noFill/>
+                      <a:prstDash val="solid"/>
+                      <a:round/>
+                      <a:headEnd type="none" w="med" len="med"/>
+                      <a:tailEnd type="none" w="med" len="med"/>
+                    </a:lnL>
+                    <a:lnR w="12700" cap="flat" cmpd="sng" algn="ctr">
+                      <a:noFill/>
+                      <a:prstDash val="solid"/>
+                      <a:round/>
+                      <a:headEnd type="none" w="med" len="med"/>
+                      <a:tailEnd type="none" w="med" len="med"/>
+                    </a:lnR>
+                    <a:lnT w="12700" cap="flat" cmpd="sng" algn="ctr">
+                      <a:solidFill>
+                        <a:schemeClr val="tx1"/>
+                      </a:solidFill>
+                      <a:prstDash val="solid"/>
+                      <a:round/>
+                      <a:headEnd type="none" w="med" len="med"/>
+                      <a:tailEnd type="none" w="med" len="med"/>
+                    </a:lnT>
+                    <a:lnB w="12700" cap="flat" cmpd="sng" algn="ctr">
+                      <a:solidFill>
+                        <a:schemeClr val="tx1"/>
+                      </a:solidFill>
+                      <a:prstDash val="solid"/>
+                      <a:round/>
+                      <a:headEnd type="none" w="med" len="med"/>
+                      <a:tailEnd type="none" w="med" len="med"/>
+                    </a:lnB>
+                    <a:lnTlToBr w="12700" cmpd="sng">
+                      <a:noFill/>
+                      <a:prstDash val="solid"/>
+                    </a:lnTlToBr>
+                    <a:lnBlToTr w="12700" cmpd="sng">
+                      <a:noFill/>
+                      <a:prstDash val="solid"/>
+                    </a:lnBlToTr>
+                  </a:tcPr>
                 </a:tc>
                 <a:tc>
                   <a:txBody>
@@ -11275,14 +13613,14 @@
                     <a:p>
                       <a:pPr algn="ctr" fontAlgn="ctr"/>
                       <a:r>
-                        <a:rPr lang="es-CO" sz="1200" u="none" strike="noStrike">
+                        <a:rPr lang="es-CO" sz="1200" u="none" strike="noStrike" dirty="0">
                           <a:effectLst/>
                           <a:latin typeface="Arial" panose="020B0604020202020204" pitchFamily="34" charset="0"/>
                           <a:cs typeface="Arial" panose="020B0604020202020204" pitchFamily="34" charset="0"/>
                         </a:rPr>
                         <a:t>1.13</a:t>
                       </a:r>
-                      <a:endParaRPr lang="es-CO" sz="1200" b="0" i="0" u="none" strike="noStrike">
+                      <a:endParaRPr lang="es-CO" sz="1200" b="0" i="0" u="none" strike="noStrike" dirty="0">
                         <a:solidFill>
                           <a:srgbClr val="000000"/>
                         </a:solidFill>
@@ -11292,7 +13630,48 @@
                       </a:endParaRPr>
                     </a:p>
                   </a:txBody>
-                  <a:tcPr marL="9525" marR="9525" marT="9525" marB="0" anchor="ctr"/>
+                  <a:tcPr marL="9525" marR="9525" marT="9525" marB="0" anchor="ctr">
+                    <a:lnL w="12700" cap="flat" cmpd="sng" algn="ctr">
+                      <a:noFill/>
+                      <a:prstDash val="solid"/>
+                      <a:round/>
+                      <a:headEnd type="none" w="med" len="med"/>
+                      <a:tailEnd type="none" w="med" len="med"/>
+                    </a:lnL>
+                    <a:lnR w="12700" cap="flat" cmpd="sng" algn="ctr">
+                      <a:noFill/>
+                      <a:prstDash val="solid"/>
+                      <a:round/>
+                      <a:headEnd type="none" w="med" len="med"/>
+                      <a:tailEnd type="none" w="med" len="med"/>
+                    </a:lnR>
+                    <a:lnT w="12700" cap="flat" cmpd="sng" algn="ctr">
+                      <a:solidFill>
+                        <a:schemeClr val="tx1"/>
+                      </a:solidFill>
+                      <a:prstDash val="solid"/>
+                      <a:round/>
+                      <a:headEnd type="none" w="med" len="med"/>
+                      <a:tailEnd type="none" w="med" len="med"/>
+                    </a:lnT>
+                    <a:lnB w="12700" cap="flat" cmpd="sng" algn="ctr">
+                      <a:solidFill>
+                        <a:schemeClr val="tx1"/>
+                      </a:solidFill>
+                      <a:prstDash val="solid"/>
+                      <a:round/>
+                      <a:headEnd type="none" w="med" len="med"/>
+                      <a:tailEnd type="none" w="med" len="med"/>
+                    </a:lnB>
+                    <a:lnTlToBr w="12700" cmpd="sng">
+                      <a:noFill/>
+                      <a:prstDash val="solid"/>
+                    </a:lnTlToBr>
+                    <a:lnBlToTr w="12700" cmpd="sng">
+                      <a:noFill/>
+                      <a:prstDash val="solid"/>
+                    </a:lnBlToTr>
+                  </a:tcPr>
                 </a:tc>
                 <a:tc>
                   <a:txBody>
@@ -11301,14 +13680,14 @@
                     <a:p>
                       <a:pPr algn="ctr" fontAlgn="ctr"/>
                       <a:r>
-                        <a:rPr lang="es-CO" sz="1200" u="none" strike="noStrike">
+                        <a:rPr lang="es-CO" sz="1200" u="none" strike="noStrike" dirty="0">
                           <a:effectLst/>
                           <a:latin typeface="Arial" panose="020B0604020202020204" pitchFamily="34" charset="0"/>
                           <a:cs typeface="Arial" panose="020B0604020202020204" pitchFamily="34" charset="0"/>
                         </a:rPr>
                         <a:t>1.14</a:t>
                       </a:r>
-                      <a:endParaRPr lang="es-CO" sz="1200" b="0" i="0" u="none" strike="noStrike">
+                      <a:endParaRPr lang="es-CO" sz="1200" b="0" i="0" u="none" strike="noStrike" dirty="0">
                         <a:solidFill>
                           <a:srgbClr val="000000"/>
                         </a:solidFill>
@@ -11318,7 +13697,48 @@
                       </a:endParaRPr>
                     </a:p>
                   </a:txBody>
-                  <a:tcPr marL="9525" marR="9525" marT="9525" marB="0" anchor="ctr"/>
+                  <a:tcPr marL="9525" marR="9525" marT="9525" marB="0" anchor="ctr">
+                    <a:lnL w="12700" cap="flat" cmpd="sng" algn="ctr">
+                      <a:noFill/>
+                      <a:prstDash val="solid"/>
+                      <a:round/>
+                      <a:headEnd type="none" w="med" len="med"/>
+                      <a:tailEnd type="none" w="med" len="med"/>
+                    </a:lnL>
+                    <a:lnR w="12700" cap="flat" cmpd="sng" algn="ctr">
+                      <a:noFill/>
+                      <a:prstDash val="solid"/>
+                      <a:round/>
+                      <a:headEnd type="none" w="med" len="med"/>
+                      <a:tailEnd type="none" w="med" len="med"/>
+                    </a:lnR>
+                    <a:lnT w="12700" cap="flat" cmpd="sng" algn="ctr">
+                      <a:solidFill>
+                        <a:schemeClr val="tx1"/>
+                      </a:solidFill>
+                      <a:prstDash val="solid"/>
+                      <a:round/>
+                      <a:headEnd type="none" w="med" len="med"/>
+                      <a:tailEnd type="none" w="med" len="med"/>
+                    </a:lnT>
+                    <a:lnB w="12700" cap="flat" cmpd="sng" algn="ctr">
+                      <a:solidFill>
+                        <a:schemeClr val="tx1"/>
+                      </a:solidFill>
+                      <a:prstDash val="solid"/>
+                      <a:round/>
+                      <a:headEnd type="none" w="med" len="med"/>
+                      <a:tailEnd type="none" w="med" len="med"/>
+                    </a:lnB>
+                    <a:lnTlToBr w="12700" cmpd="sng">
+                      <a:noFill/>
+                      <a:prstDash val="solid"/>
+                    </a:lnTlToBr>
+                    <a:lnBlToTr w="12700" cmpd="sng">
+                      <a:noFill/>
+                      <a:prstDash val="solid"/>
+                    </a:lnBlToTr>
+                  </a:tcPr>
                 </a:tc>
                 <a:tc>
                   <a:txBody>
@@ -11344,11 +13764,48 @@
                       </a:endParaRPr>
                     </a:p>
                   </a:txBody>
-                  <a:tcPr marL="9525" marR="9525" marT="9525" marB="0" anchor="ctr"/>
+                  <a:tcPr marL="9525" marR="9525" marT="9525" marB="0" anchor="ctr">
+                    <a:lnL w="12700" cap="flat" cmpd="sng" algn="ctr">
+                      <a:noFill/>
+                      <a:prstDash val="solid"/>
+                      <a:round/>
+                      <a:headEnd type="none" w="med" len="med"/>
+                      <a:tailEnd type="none" w="med" len="med"/>
+                    </a:lnL>
+                    <a:lnR>
+                      <a:noFill/>
+                    </a:lnR>
+                    <a:lnT w="12700" cap="flat" cmpd="sng" algn="ctr">
+                      <a:solidFill>
+                        <a:schemeClr val="tx1"/>
+                      </a:solidFill>
+                      <a:prstDash val="solid"/>
+                      <a:round/>
+                      <a:headEnd type="none" w="med" len="med"/>
+                      <a:tailEnd type="none" w="med" len="med"/>
+                    </a:lnT>
+                    <a:lnB w="12700" cap="flat" cmpd="sng" algn="ctr">
+                      <a:solidFill>
+                        <a:schemeClr val="tx1"/>
+                      </a:solidFill>
+                      <a:prstDash val="solid"/>
+                      <a:round/>
+                      <a:headEnd type="none" w="med" len="med"/>
+                      <a:tailEnd type="none" w="med" len="med"/>
+                    </a:lnB>
+                    <a:lnTlToBr w="12700" cmpd="sng">
+                      <a:noFill/>
+                      <a:prstDash val="solid"/>
+                    </a:lnTlToBr>
+                    <a:lnBlToTr w="12700" cmpd="sng">
+                      <a:noFill/>
+                      <a:prstDash val="solid"/>
+                    </a:lnBlToTr>
+                  </a:tcPr>
                 </a:tc>
                 <a:extLst>
                   <a:ext uri="{0D108BD9-81ED-4DB2-BD59-A6C34878D82A}">
-                    <a16:rowId xmlns:a16="http://schemas.microsoft.com/office/drawing/2014/main" val="2653783117"/>
+                    <a16:rowId xmlns:a16="http://schemas.microsoft.com/office/drawing/2014/main" xmlns="" val="2653783117"/>
                   </a:ext>
                 </a:extLst>
               </a:tr>
@@ -11394,8 +13851,8 @@
         </p:nvSpPr>
         <p:spPr>
           <a:xfrm>
-            <a:off x="494430" y="285552"/>
-            <a:ext cx="6264696" cy="445507"/>
+            <a:off x="349134" y="319248"/>
+            <a:ext cx="4489750" cy="445507"/>
           </a:xfrm>
           <a:prstGeom prst="rect">
             <a:avLst/>
@@ -11452,7 +13909,7 @@
           <p:cNvPr id="8" name="Chart 1" title="Chart">
             <a:extLst>
               <a:ext uri="{FF2B5EF4-FFF2-40B4-BE49-F238E27FC236}">
-                <a16:creationId xmlns:a16="http://schemas.microsoft.com/office/drawing/2014/main" id="{00000000-0008-0000-0000-000003000000}"/>
+                <a16:creationId xmlns:a16="http://schemas.microsoft.com/office/drawing/2014/main" xmlns="" id="{00000000-0008-0000-0000-000003000000}"/>
               </a:ext>
             </a:extLst>
           </p:cNvPr>
@@ -11482,7 +13939,7 @@
           <p:cNvPr id="9" name="Chart 1" title="Chart">
             <a:extLst>
               <a:ext uri="{FF2B5EF4-FFF2-40B4-BE49-F238E27FC236}">
-                <a16:creationId xmlns:a16="http://schemas.microsoft.com/office/drawing/2014/main" id="{00000000-0008-0000-0000-000002000000}"/>
+                <a16:creationId xmlns:a16="http://schemas.microsoft.com/office/drawing/2014/main" xmlns="" id="{00000000-0008-0000-0000-000002000000}"/>
               </a:ext>
             </a:extLst>
           </p:cNvPr>
@@ -11603,7 +14060,7 @@
           <p:cNvPr id="3" name="CuadroTexto 2">
             <a:extLst>
               <a:ext uri="{FF2B5EF4-FFF2-40B4-BE49-F238E27FC236}">
-                <a16:creationId xmlns:a16="http://schemas.microsoft.com/office/drawing/2014/main" id="{EB5CEF16-DF68-4175-87A1-37A37A1E0664}"/>
+                <a16:creationId xmlns:a16="http://schemas.microsoft.com/office/drawing/2014/main" xmlns="" id="{EB5CEF16-DF68-4175-87A1-37A37A1E0664}"/>
               </a:ext>
             </a:extLst>
           </p:cNvPr>
@@ -11626,7 +14083,7 @@
           </a:bodyPr>
           <a:lstStyle/>
           <a:p>
-            <a:pPr marL="285750" indent="-285750">
+            <a:pPr marL="285750" indent="-285750" algn="just">
               <a:buFont typeface="Arial" panose="020B0604020202020204" pitchFamily="34" charset="0"/>
               <a:buChar char="•"/>
             </a:pPr>
@@ -11668,6 +14125,115 @@
                 <a:cs typeface="Arial" panose="020B0604020202020204" pitchFamily="34" charset="0"/>
               </a:rPr>
               <a:t> para hacer más amigable el diseño.</a:t>
+            </a:r>
+          </a:p>
+          <a:p>
+            <a:pPr marL="285750" indent="-285750" algn="just">
+              <a:buFont typeface="Arial" panose="020B0604020202020204" pitchFamily="34" charset="0"/>
+              <a:buChar char="•"/>
+            </a:pPr>
+            <a:endParaRPr lang="es-CO" sz="2000" dirty="0">
+              <a:solidFill>
+                <a:schemeClr val="tx1">
+                  <a:lumMod val="85000"/>
+                  <a:lumOff val="15000"/>
+                </a:schemeClr>
+              </a:solidFill>
+              <a:latin typeface="Arial" panose="020B0604020202020204" pitchFamily="34" charset="0"/>
+              <a:cs typeface="Arial" panose="020B0604020202020204" pitchFamily="34" charset="0"/>
+            </a:endParaRPr>
+          </a:p>
+          <a:p>
+            <a:pPr marL="285750" indent="-285750" algn="just">
+              <a:buFont typeface="Arial" panose="020B0604020202020204" pitchFamily="34" charset="0"/>
+              <a:buChar char="•"/>
+            </a:pPr>
+            <a:r>
+              <a:rPr lang="es-CO" sz="2000" dirty="0">
+                <a:solidFill>
+                  <a:schemeClr val="tx1">
+                    <a:lumMod val="85000"/>
+                    <a:lumOff val="15000"/>
+                  </a:schemeClr>
+                </a:solidFill>
+                <a:latin typeface="Arial" panose="020B0604020202020204" pitchFamily="34" charset="0"/>
+                <a:cs typeface="Arial" panose="020B0604020202020204" pitchFamily="34" charset="0"/>
+              </a:rPr>
+              <a:t>Problemas con JaspeReports, solución flying-saucer-pdf e </a:t>
+            </a:r>
+            <a:r>
+              <a:rPr lang="es-CO" sz="2000" dirty="0" err="1">
+                <a:solidFill>
+                  <a:schemeClr val="tx1">
+                    <a:lumMod val="85000"/>
+                    <a:lumOff val="15000"/>
+                  </a:schemeClr>
+                </a:solidFill>
+                <a:latin typeface="Arial" panose="020B0604020202020204" pitchFamily="34" charset="0"/>
+                <a:cs typeface="Arial" panose="020B0604020202020204" pitchFamily="34" charset="0"/>
+              </a:rPr>
+              <a:t>I</a:t>
+            </a:r>
+            <a:r>
+              <a:rPr lang="es-CO" sz="2000" dirty="0" err="1" smtClean="0">
+                <a:solidFill>
+                  <a:schemeClr val="tx1">
+                    <a:lumMod val="85000"/>
+                    <a:lumOff val="15000"/>
+                  </a:schemeClr>
+                </a:solidFill>
+                <a:latin typeface="Arial" panose="020B0604020202020204" pitchFamily="34" charset="0"/>
+                <a:cs typeface="Arial" panose="020B0604020202020204" pitchFamily="34" charset="0"/>
+              </a:rPr>
+              <a:t>text</a:t>
+            </a:r>
+            <a:r>
+              <a:rPr lang="es-CO" sz="2000" dirty="0">
+                <a:solidFill>
+                  <a:schemeClr val="tx1">
+                    <a:lumMod val="85000"/>
+                    <a:lumOff val="15000"/>
+                  </a:schemeClr>
+                </a:solidFill>
+                <a:latin typeface="Arial" panose="020B0604020202020204" pitchFamily="34" charset="0"/>
+                <a:cs typeface="Arial" panose="020B0604020202020204" pitchFamily="34" charset="0"/>
+              </a:rPr>
+              <a:t>.</a:t>
+            </a:r>
+          </a:p>
+          <a:p>
+            <a:pPr marL="285750" indent="-285750" algn="just">
+              <a:buFont typeface="Arial" panose="020B0604020202020204" pitchFamily="34" charset="0"/>
+              <a:buChar char="•"/>
+            </a:pPr>
+            <a:endParaRPr lang="es-CO" sz="2000" dirty="0">
+              <a:solidFill>
+                <a:schemeClr val="tx1">
+                  <a:lumMod val="85000"/>
+                  <a:lumOff val="15000"/>
+                </a:schemeClr>
+              </a:solidFill>
+              <a:latin typeface="Arial" panose="020B0604020202020204" pitchFamily="34" charset="0"/>
+              <a:cs typeface="Arial" panose="020B0604020202020204" pitchFamily="34" charset="0"/>
+            </a:endParaRPr>
+          </a:p>
+          <a:p>
+            <a:pPr marL="285750" indent="-285750" algn="just">
+              <a:buFont typeface="Arial" panose="020B0604020202020204" pitchFamily="34" charset="0"/>
+              <a:buChar char="•"/>
+            </a:pPr>
+            <a:r>
+              <a:rPr lang="es-CO" sz="2000" dirty="0">
+                <a:solidFill>
+                  <a:schemeClr val="tx1">
+                    <a:lumMod val="85000"/>
+                    <a:lumOff val="15000"/>
+                  </a:schemeClr>
+                </a:solidFill>
+                <a:latin typeface="Arial" panose="020B0604020202020204" pitchFamily="34" charset="0"/>
+                <a:cs typeface="Arial" panose="020B0604020202020204" pitchFamily="34" charset="0"/>
+              </a:rPr>
+              <a:t>Encontrar un servidor con las especificaciones necesarias para que corriera el proyecto.</a:t>
             </a:r>
           </a:p>
           <a:p>
@@ -11687,103 +14253,7 @@
             </a:endParaRPr>
           </a:p>
           <a:p>
-            <a:pPr marL="285750" indent="-285750">
-              <a:buFont typeface="Arial" panose="020B0604020202020204" pitchFamily="34" charset="0"/>
-              <a:buChar char="•"/>
-            </a:pPr>
-            <a:r>
-              <a:rPr lang="es-CO" sz="2000" dirty="0">
-                <a:solidFill>
-                  <a:schemeClr val="tx1">
-                    <a:lumMod val="85000"/>
-                    <a:lumOff val="15000"/>
-                  </a:schemeClr>
-                </a:solidFill>
-                <a:latin typeface="Arial" panose="020B0604020202020204" pitchFamily="34" charset="0"/>
-                <a:cs typeface="Arial" panose="020B0604020202020204" pitchFamily="34" charset="0"/>
-              </a:rPr>
-              <a:t>Problemas con JaspeReports, solución flying-saucer-pdf e </a:t>
-            </a:r>
-            <a:r>
-              <a:rPr lang="es-CO" sz="2000" dirty="0" err="1">
-                <a:solidFill>
-                  <a:schemeClr val="tx1">
-                    <a:lumMod val="85000"/>
-                    <a:lumOff val="15000"/>
-                  </a:schemeClr>
-                </a:solidFill>
-                <a:latin typeface="Arial" panose="020B0604020202020204" pitchFamily="34" charset="0"/>
-                <a:cs typeface="Arial" panose="020B0604020202020204" pitchFamily="34" charset="0"/>
-              </a:rPr>
-              <a:t>itext</a:t>
-            </a:r>
-            <a:r>
-              <a:rPr lang="es-CO" sz="2000" dirty="0">
-                <a:solidFill>
-                  <a:schemeClr val="tx1">
-                    <a:lumMod val="85000"/>
-                    <a:lumOff val="15000"/>
-                  </a:schemeClr>
-                </a:solidFill>
-                <a:latin typeface="Arial" panose="020B0604020202020204" pitchFamily="34" charset="0"/>
-                <a:cs typeface="Arial" panose="020B0604020202020204" pitchFamily="34" charset="0"/>
-              </a:rPr>
-              <a:t>.</a:t>
-            </a:r>
-          </a:p>
-          <a:p>
-            <a:pPr marL="285750" indent="-285750">
-              <a:buFont typeface="Arial" panose="020B0604020202020204" pitchFamily="34" charset="0"/>
-              <a:buChar char="•"/>
-            </a:pPr>
-            <a:endParaRPr lang="es-CO" sz="2000" dirty="0">
-              <a:solidFill>
-                <a:schemeClr val="tx1">
-                  <a:lumMod val="85000"/>
-                  <a:lumOff val="15000"/>
-                </a:schemeClr>
-              </a:solidFill>
-              <a:latin typeface="Arial" panose="020B0604020202020204" pitchFamily="34" charset="0"/>
-              <a:cs typeface="Arial" panose="020B0604020202020204" pitchFamily="34" charset="0"/>
-            </a:endParaRPr>
-          </a:p>
-          <a:p>
-            <a:pPr marL="285750" indent="-285750">
-              <a:buFont typeface="Arial" panose="020B0604020202020204" pitchFamily="34" charset="0"/>
-              <a:buChar char="•"/>
-            </a:pPr>
-            <a:r>
-              <a:rPr lang="es-CO" sz="2000" dirty="0">
-                <a:solidFill>
-                  <a:schemeClr val="tx1">
-                    <a:lumMod val="85000"/>
-                    <a:lumOff val="15000"/>
-                  </a:schemeClr>
-                </a:solidFill>
-                <a:latin typeface="Arial" panose="020B0604020202020204" pitchFamily="34" charset="0"/>
-                <a:cs typeface="Arial" panose="020B0604020202020204" pitchFamily="34" charset="0"/>
-              </a:rPr>
-              <a:t>Encontrar un servidor con las especificaciones necesarias para que corriera el proyecto.</a:t>
-            </a:r>
-          </a:p>
-          <a:p>
-            <a:pPr marL="285750" indent="-285750">
-              <a:buFont typeface="Arial" panose="020B0604020202020204" pitchFamily="34" charset="0"/>
-              <a:buChar char="•"/>
-            </a:pPr>
-            <a:endParaRPr lang="es-CO" sz="2000" dirty="0">
-              <a:solidFill>
-                <a:schemeClr val="tx1">
-                  <a:lumMod val="85000"/>
-                  <a:lumOff val="15000"/>
-                </a:schemeClr>
-              </a:solidFill>
-              <a:latin typeface="Arial" panose="020B0604020202020204" pitchFamily="34" charset="0"/>
-              <a:cs typeface="Arial" panose="020B0604020202020204" pitchFamily="34" charset="0"/>
-            </a:endParaRPr>
-          </a:p>
-          <a:p>
-            <a:pPr marL="285750" indent="-285750">
+            <a:pPr marL="285750" indent="-285750" algn="just">
               <a:buFont typeface="Arial" panose="020B0604020202020204" pitchFamily="34" charset="0"/>
               <a:buChar char="•"/>
             </a:pPr>
@@ -11925,7 +14395,7 @@
           <p:cNvPr id="3" name="CuadroTexto 2">
             <a:extLst>
               <a:ext uri="{FF2B5EF4-FFF2-40B4-BE49-F238E27FC236}">
-                <a16:creationId xmlns:a16="http://schemas.microsoft.com/office/drawing/2014/main" id="{B3E05B2C-448F-4ECF-BEF8-9F8192CC5623}"/>
+                <a16:creationId xmlns:a16="http://schemas.microsoft.com/office/drawing/2014/main" xmlns="" id="{B3E05B2C-448F-4ECF-BEF8-9F8192CC5623}"/>
               </a:ext>
             </a:extLst>
           </p:cNvPr>
@@ -11983,7 +14453,7 @@
             </a:endParaRPr>
           </a:p>
           <a:p>
-            <a:pPr marL="285750" lvl="0" indent="-285750">
+            <a:pPr marL="285750" lvl="0" indent="-285750" algn="just">
               <a:buFont typeface="Arial" panose="020B0604020202020204" pitchFamily="34" charset="0"/>
               <a:buChar char="•"/>
             </a:pPr>
@@ -12131,7 +14601,7 @@
           <p:cNvPr id="2" name="CuadroTexto 1">
             <a:extLst>
               <a:ext uri="{FF2B5EF4-FFF2-40B4-BE49-F238E27FC236}">
-                <a16:creationId xmlns:a16="http://schemas.microsoft.com/office/drawing/2014/main" id="{585F2FF1-E103-438A-A5E2-394CD4C49ABE}"/>
+                <a16:creationId xmlns:a16="http://schemas.microsoft.com/office/drawing/2014/main" xmlns="" id="{585F2FF1-E103-438A-A5E2-394CD4C49ABE}"/>
               </a:ext>
             </a:extLst>
           </p:cNvPr>
@@ -12477,7 +14947,7 @@
           <p:cNvPr id="2" name="CuadroTexto 1">
             <a:extLst>
               <a:ext uri="{FF2B5EF4-FFF2-40B4-BE49-F238E27FC236}">
-                <a16:creationId xmlns:a16="http://schemas.microsoft.com/office/drawing/2014/main" id="{4C0880D7-B166-4F0F-ACAC-974216E18C56}"/>
+                <a16:creationId xmlns:a16="http://schemas.microsoft.com/office/drawing/2014/main" xmlns="" id="{4C0880D7-B166-4F0F-ACAC-974216E18C56}"/>
               </a:ext>
             </a:extLst>
           </p:cNvPr>
@@ -12836,8 +15306,8 @@
         </p:nvSpPr>
         <p:spPr>
           <a:xfrm>
-            <a:off x="202449" y="2182279"/>
-            <a:ext cx="7829078" cy="3693319"/>
+            <a:off x="202449" y="1891334"/>
+            <a:ext cx="7829078" cy="4247317"/>
           </a:xfrm>
           <a:prstGeom prst="rect">
             <a:avLst/>
@@ -12864,6 +15334,28 @@
               </a:rPr>
               <a:t>En las Unidades Tecnológicas de Santander la elaboración del plan de trabajo de los docentes implica un gasto prolongado de tiempo por parte del docente. </a:t>
             </a:r>
+            <a:endParaRPr lang="es-CO" dirty="0" smtClean="0">
+              <a:solidFill>
+                <a:schemeClr val="tx1">
+                  <a:lumMod val="85000"/>
+                  <a:lumOff val="15000"/>
+                </a:schemeClr>
+              </a:solidFill>
+            </a:endParaRPr>
+          </a:p>
+          <a:p>
+            <a:pPr marL="285750" indent="-285750" algn="just">
+              <a:buFont typeface="Arial" panose="020B0604020202020204" pitchFamily="34" charset="0"/>
+              <a:buChar char="•"/>
+            </a:pPr>
+            <a:endParaRPr lang="es-CO" dirty="0">
+              <a:solidFill>
+                <a:schemeClr val="tx1">
+                  <a:lumMod val="85000"/>
+                  <a:lumOff val="15000"/>
+                </a:schemeClr>
+              </a:solidFill>
+            </a:endParaRPr>
           </a:p>
           <a:p>
             <a:pPr marL="285750" indent="-285750" algn="just">
@@ -12879,8 +15371,33 @@
                   </a:schemeClr>
                 </a:solidFill>
               </a:rPr>
-              <a:t>Se consultó a algunos docentes acerca del diligenciamiento del formato R-DC-54 y en resumen se deduce que el proceso es confuso y tedioso.</a:t>
-            </a:r>
+              <a:t>Se consultó a algunos docentes acerca del diligenciamiento del formato R-DC-54 y en resumen se deduce que el proceso es confuso y tedioso</a:t>
+            </a:r>
+            <a:r>
+              <a:rPr lang="es-CO" dirty="0" smtClean="0">
+                <a:solidFill>
+                  <a:schemeClr val="tx1">
+                    <a:lumMod val="85000"/>
+                    <a:lumOff val="15000"/>
+                  </a:schemeClr>
+                </a:solidFill>
+              </a:rPr>
+              <a:t>.</a:t>
+            </a:r>
+          </a:p>
+          <a:p>
+            <a:pPr marL="285750" indent="-285750" algn="just">
+              <a:buFont typeface="Arial" panose="020B0604020202020204" pitchFamily="34" charset="0"/>
+              <a:buChar char="•"/>
+            </a:pPr>
+            <a:endParaRPr lang="es-CO" dirty="0">
+              <a:solidFill>
+                <a:schemeClr val="tx1">
+                  <a:lumMod val="85000"/>
+                  <a:lumOff val="15000"/>
+                </a:schemeClr>
+              </a:solidFill>
+            </a:endParaRPr>
           </a:p>
           <a:p>
             <a:pPr marL="285750" indent="-285750" algn="just">
@@ -12896,7 +15413,29 @@
                   </a:schemeClr>
                 </a:solidFill>
               </a:rPr>
-              <a:t>hay docentes que desconocen que el formato contiene funciones agregadas para mantener un mínimo control y dar un poco de ayuda durante el completado.</a:t>
+              <a:t>H</a:t>
+            </a:r>
+            <a:r>
+              <a:rPr lang="es-CO" dirty="0" smtClean="0">
+                <a:solidFill>
+                  <a:schemeClr val="tx1">
+                    <a:lumMod val="85000"/>
+                    <a:lumOff val="15000"/>
+                  </a:schemeClr>
+                </a:solidFill>
+              </a:rPr>
+              <a:t>ay </a:t>
+            </a:r>
+            <a:r>
+              <a:rPr lang="es-CO" dirty="0">
+                <a:solidFill>
+                  <a:schemeClr val="tx1">
+                    <a:lumMod val="85000"/>
+                    <a:lumOff val="15000"/>
+                  </a:schemeClr>
+                </a:solidFill>
+              </a:rPr>
+              <a:t>docentes que desconocen que el formato contiene funciones agregadas para mantener un mínimo control y dar un poco de ayuda durante el completado.</a:t>
             </a:r>
           </a:p>
           <a:p>
@@ -13033,7 +15572,7 @@
           <p:cNvPr id="2" name="CuadroTexto 1">
             <a:extLst>
               <a:ext uri="{FF2B5EF4-FFF2-40B4-BE49-F238E27FC236}">
-                <a16:creationId xmlns:a16="http://schemas.microsoft.com/office/drawing/2014/main" id="{4C0880D7-B166-4F0F-ACAC-974216E18C56}"/>
+                <a16:creationId xmlns:a16="http://schemas.microsoft.com/office/drawing/2014/main" xmlns="" id="{4C0880D7-B166-4F0F-ACAC-974216E18C56}"/>
               </a:ext>
             </a:extLst>
           </p:cNvPr>
@@ -13349,7 +15888,7 @@
           <p:cNvPr id="2" name="CuadroTexto 1">
             <a:extLst>
               <a:ext uri="{FF2B5EF4-FFF2-40B4-BE49-F238E27FC236}">
-                <a16:creationId xmlns:a16="http://schemas.microsoft.com/office/drawing/2014/main" id="{4C0880D7-B166-4F0F-ACAC-974216E18C56}"/>
+                <a16:creationId xmlns:a16="http://schemas.microsoft.com/office/drawing/2014/main" xmlns="" id="{4C0880D7-B166-4F0F-ACAC-974216E18C56}"/>
               </a:ext>
             </a:extLst>
           </p:cNvPr>
@@ -13737,8 +16276,8 @@
         </p:nvSpPr>
         <p:spPr>
           <a:xfrm>
-            <a:off x="1266565" y="2497202"/>
-            <a:ext cx="6610869" cy="2246769"/>
+            <a:off x="1180407" y="2497202"/>
+            <a:ext cx="6697027" cy="2246769"/>
           </a:xfrm>
           <a:prstGeom prst="rect">
             <a:avLst/>
@@ -14200,7 +16739,7 @@
           <p:cNvPr id="5" name="Imagen 4">
             <a:extLst>
               <a:ext uri="{FF2B5EF4-FFF2-40B4-BE49-F238E27FC236}">
-                <a16:creationId xmlns:a16="http://schemas.microsoft.com/office/drawing/2014/main" id="{B3AF45A2-0048-4680-9268-7058CCBF71DF}"/>
+                <a16:creationId xmlns:a16="http://schemas.microsoft.com/office/drawing/2014/main" xmlns="" id="{B3AF45A2-0048-4680-9268-7058CCBF71DF}"/>
               </a:ext>
             </a:extLst>
           </p:cNvPr>
@@ -14223,7 +16762,7 @@
         </p:blipFill>
         <p:spPr>
           <a:xfrm>
-            <a:off x="4625587" y="4733024"/>
+            <a:off x="5000957" y="4733024"/>
             <a:ext cx="1438716" cy="1438716"/>
           </a:xfrm>
           <a:prstGeom prst="rect">
@@ -14236,7 +16775,7 @@
           <p:cNvPr id="7" name="Imagen 6">
             <a:extLst>
               <a:ext uri="{FF2B5EF4-FFF2-40B4-BE49-F238E27FC236}">
-                <a16:creationId xmlns:a16="http://schemas.microsoft.com/office/drawing/2014/main" id="{2C013981-C90B-4026-A12B-5D60518F9D30}"/>
+                <a16:creationId xmlns:a16="http://schemas.microsoft.com/office/drawing/2014/main" xmlns="" id="{2C013981-C90B-4026-A12B-5D60518F9D30}"/>
               </a:ext>
             </a:extLst>
           </p:cNvPr>
@@ -14272,7 +16811,7 @@
           <p:cNvPr id="9" name="Imagen 8">
             <a:extLst>
               <a:ext uri="{FF2B5EF4-FFF2-40B4-BE49-F238E27FC236}">
-                <a16:creationId xmlns:a16="http://schemas.microsoft.com/office/drawing/2014/main" id="{AAA72AB6-D7ED-4441-88E9-CE75A79FDCA8}"/>
+                <a16:creationId xmlns:a16="http://schemas.microsoft.com/office/drawing/2014/main" xmlns="" id="{AAA72AB6-D7ED-4441-88E9-CE75A79FDCA8}"/>
               </a:ext>
             </a:extLst>
           </p:cNvPr>
@@ -14295,7 +16834,7 @@
         </p:blipFill>
         <p:spPr>
           <a:xfrm>
-            <a:off x="2638994" y="4733024"/>
+            <a:off x="2949545" y="4733024"/>
             <a:ext cx="1622455" cy="1438716"/>
           </a:xfrm>
           <a:prstGeom prst="rect">
@@ -14308,7 +16847,7 @@
           <p:cNvPr id="11" name="Imagen 10">
             <a:extLst>
               <a:ext uri="{FF2B5EF4-FFF2-40B4-BE49-F238E27FC236}">
-                <a16:creationId xmlns:a16="http://schemas.microsoft.com/office/drawing/2014/main" id="{B84EE28F-8E12-4ABE-8662-DBA26E891732}"/>
+                <a16:creationId xmlns:a16="http://schemas.microsoft.com/office/drawing/2014/main" xmlns="" id="{B84EE28F-8E12-4ABE-8662-DBA26E891732}"/>
               </a:ext>
             </a:extLst>
           </p:cNvPr>
@@ -14331,7 +16870,7 @@
         </p:blipFill>
         <p:spPr>
           <a:xfrm>
-            <a:off x="789870" y="3287388"/>
+            <a:off x="1295549" y="3287388"/>
             <a:ext cx="4930445" cy="1189362"/>
           </a:xfrm>
           <a:prstGeom prst="rect">
@@ -14435,7 +16974,7 @@
           <p:cNvPr id="4" name="Imagen 3">
             <a:extLst>
               <a:ext uri="{FF2B5EF4-FFF2-40B4-BE49-F238E27FC236}">
-                <a16:creationId xmlns:a16="http://schemas.microsoft.com/office/drawing/2014/main" id="{16D90900-6598-4986-AE8B-5DE9E3CE52D9}"/>
+                <a16:creationId xmlns:a16="http://schemas.microsoft.com/office/drawing/2014/main" xmlns="" id="{16D90900-6598-4986-AE8B-5DE9E3CE52D9}"/>
               </a:ext>
             </a:extLst>
           </p:cNvPr>
@@ -14579,8 +17118,8 @@
         </p:nvSpPr>
         <p:spPr>
           <a:xfrm>
-            <a:off x="158925" y="2559649"/>
-            <a:ext cx="6347714" cy="390418"/>
+            <a:off x="433851" y="2559649"/>
+            <a:ext cx="6072788" cy="390418"/>
           </a:xfrm>
         </p:spPr>
         <p:txBody>
@@ -14648,7 +17187,7 @@
         </p:nvSpPr>
         <p:spPr>
           <a:xfrm>
-            <a:off x="226032" y="1428108"/>
+            <a:off x="433851" y="1428108"/>
             <a:ext cx="6347714" cy="940364"/>
           </a:xfrm>
           <a:prstGeom prst="rect">
@@ -14887,7 +17426,7 @@
             </a:lvl9pPr>
           </a:lstStyle>
           <a:p>
-            <a:pPr marL="0" indent="0">
+            <a:pPr marL="0" indent="0" algn="just">
               <a:buFont typeface="Wingdings 3" charset="2"/>
               <a:buNone/>
             </a:pPr>
@@ -15071,7 +17610,7 @@
           <p:cNvPr id="3" name="CuadroTexto 2">
             <a:extLst>
               <a:ext uri="{FF2B5EF4-FFF2-40B4-BE49-F238E27FC236}">
-                <a16:creationId xmlns:a16="http://schemas.microsoft.com/office/drawing/2014/main" id="{E9CC970F-E4E6-47B4-894B-BB9D00F1CF33}"/>
+                <a16:creationId xmlns:a16="http://schemas.microsoft.com/office/drawing/2014/main" xmlns="" id="{E9CC970F-E4E6-47B4-894B-BB9D00F1CF33}"/>
               </a:ext>
             </a:extLst>
           </p:cNvPr>
@@ -15150,7 +17689,7 @@
         </p:nvSpPr>
         <p:spPr>
           <a:xfrm>
-            <a:off x="494017" y="1472223"/>
+            <a:off x="452508" y="1114776"/>
             <a:ext cx="6347714" cy="459320"/>
           </a:xfrm>
         </p:spPr>
@@ -15191,7 +17730,7 @@
         </p:blipFill>
         <p:spPr>
           <a:xfrm>
-            <a:off x="272826" y="1899887"/>
+            <a:off x="272825" y="1451000"/>
             <a:ext cx="8410142" cy="2480727"/>
           </a:xfrm>
           <a:prstGeom prst="rect">
@@ -15251,7 +17790,7 @@
         </p:nvSpPr>
         <p:spPr>
           <a:xfrm>
-            <a:off x="535526" y="654385"/>
+            <a:off x="535526" y="579570"/>
             <a:ext cx="6264696" cy="445507"/>
           </a:xfrm>
           <a:prstGeom prst="rect">
@@ -15301,6 +17840,281 @@
               </a:rPr>
               <a:t>Modulo Docente</a:t>
             </a:r>
+          </a:p>
+        </p:txBody>
+      </p:sp>
+      <p:sp>
+        <p:nvSpPr>
+          <p:cNvPr id="7" name="2 Marcador de contenido"/>
+          <p:cNvSpPr txBox="1">
+            <a:spLocks/>
+          </p:cNvSpPr>
+          <p:nvPr/>
+        </p:nvSpPr>
+        <p:spPr>
+          <a:xfrm>
+            <a:off x="369381" y="4044115"/>
+            <a:ext cx="6347714" cy="459320"/>
+          </a:xfrm>
+          <a:prstGeom prst="rect">
+            <a:avLst/>
+          </a:prstGeom>
+        </p:spPr>
+        <p:txBody>
+          <a:bodyPr vert="horz" lIns="91440" tIns="45720" rIns="91440" bIns="45720" rtlCol="0">
+            <a:normAutofit/>
+          </a:bodyPr>
+          <a:lstStyle>
+            <a:lvl1pPr marL="342900" indent="-342900" algn="l" defTabSz="457200" rtl="0" eaLnBrk="1" latinLnBrk="0" hangingPunct="1">
+              <a:spcBef>
+                <a:spcPts val="1000"/>
+              </a:spcBef>
+              <a:spcAft>
+                <a:spcPts val="0"/>
+              </a:spcAft>
+              <a:buClr>
+                <a:schemeClr val="accent1"/>
+              </a:buClr>
+              <a:buSzPct val="80000"/>
+              <a:buFont typeface="Wingdings 3" charset="2"/>
+              <a:buChar char=""/>
+              <a:defRPr sz="1800" kern="1200">
+                <a:solidFill>
+                  <a:schemeClr val="tx1">
+                    <a:lumMod val="75000"/>
+                    <a:lumOff val="25000"/>
+                  </a:schemeClr>
+                </a:solidFill>
+                <a:latin typeface="+mn-lt"/>
+                <a:ea typeface="+mn-ea"/>
+                <a:cs typeface="+mn-cs"/>
+              </a:defRPr>
+            </a:lvl1pPr>
+            <a:lvl2pPr marL="742950" indent="-285750" algn="l" defTabSz="457200" rtl="0" eaLnBrk="1" latinLnBrk="0" hangingPunct="1">
+              <a:spcBef>
+                <a:spcPts val="1000"/>
+              </a:spcBef>
+              <a:spcAft>
+                <a:spcPts val="0"/>
+              </a:spcAft>
+              <a:buClr>
+                <a:schemeClr val="accent1"/>
+              </a:buClr>
+              <a:buSzPct val="80000"/>
+              <a:buFont typeface="Wingdings 3" charset="2"/>
+              <a:buChar char=""/>
+              <a:defRPr sz="1600" kern="1200">
+                <a:solidFill>
+                  <a:schemeClr val="tx1">
+                    <a:lumMod val="75000"/>
+                    <a:lumOff val="25000"/>
+                  </a:schemeClr>
+                </a:solidFill>
+                <a:latin typeface="+mn-lt"/>
+                <a:ea typeface="+mn-ea"/>
+                <a:cs typeface="+mn-cs"/>
+              </a:defRPr>
+            </a:lvl2pPr>
+            <a:lvl3pPr marL="1143000" indent="-228600" algn="l" defTabSz="457200" rtl="0" eaLnBrk="1" latinLnBrk="0" hangingPunct="1">
+              <a:spcBef>
+                <a:spcPts val="1000"/>
+              </a:spcBef>
+              <a:spcAft>
+                <a:spcPts val="0"/>
+              </a:spcAft>
+              <a:buClr>
+                <a:schemeClr val="accent1"/>
+              </a:buClr>
+              <a:buSzPct val="80000"/>
+              <a:buFont typeface="Wingdings 3" charset="2"/>
+              <a:buChar char=""/>
+              <a:defRPr sz="1400" kern="1200">
+                <a:solidFill>
+                  <a:schemeClr val="tx1">
+                    <a:lumMod val="75000"/>
+                    <a:lumOff val="25000"/>
+                  </a:schemeClr>
+                </a:solidFill>
+                <a:latin typeface="+mn-lt"/>
+                <a:ea typeface="+mn-ea"/>
+                <a:cs typeface="+mn-cs"/>
+              </a:defRPr>
+            </a:lvl3pPr>
+            <a:lvl4pPr marL="1600200" indent="-228600" algn="l" defTabSz="457200" rtl="0" eaLnBrk="1" latinLnBrk="0" hangingPunct="1">
+              <a:spcBef>
+                <a:spcPts val="1000"/>
+              </a:spcBef>
+              <a:spcAft>
+                <a:spcPts val="0"/>
+              </a:spcAft>
+              <a:buClr>
+                <a:schemeClr val="accent1"/>
+              </a:buClr>
+              <a:buSzPct val="80000"/>
+              <a:buFont typeface="Wingdings 3" charset="2"/>
+              <a:buChar char=""/>
+              <a:defRPr sz="1200" kern="1200">
+                <a:solidFill>
+                  <a:schemeClr val="tx1">
+                    <a:lumMod val="75000"/>
+                    <a:lumOff val="25000"/>
+                  </a:schemeClr>
+                </a:solidFill>
+                <a:latin typeface="+mn-lt"/>
+                <a:ea typeface="+mn-ea"/>
+                <a:cs typeface="+mn-cs"/>
+              </a:defRPr>
+            </a:lvl4pPr>
+            <a:lvl5pPr marL="2057400" indent="-228600" algn="l" defTabSz="457200" rtl="0" eaLnBrk="1" latinLnBrk="0" hangingPunct="1">
+              <a:spcBef>
+                <a:spcPts val="1000"/>
+              </a:spcBef>
+              <a:spcAft>
+                <a:spcPts val="0"/>
+              </a:spcAft>
+              <a:buClr>
+                <a:schemeClr val="accent1"/>
+              </a:buClr>
+              <a:buSzPct val="80000"/>
+              <a:buFont typeface="Wingdings 3" charset="2"/>
+              <a:buChar char=""/>
+              <a:defRPr sz="1200" kern="1200">
+                <a:solidFill>
+                  <a:schemeClr val="tx1">
+                    <a:lumMod val="75000"/>
+                    <a:lumOff val="25000"/>
+                  </a:schemeClr>
+                </a:solidFill>
+                <a:latin typeface="+mn-lt"/>
+                <a:ea typeface="+mn-ea"/>
+                <a:cs typeface="+mn-cs"/>
+              </a:defRPr>
+            </a:lvl5pPr>
+            <a:lvl6pPr marL="2514600" indent="-228600" algn="l" defTabSz="457200" rtl="0" eaLnBrk="1" latinLnBrk="0" hangingPunct="1">
+              <a:spcBef>
+                <a:spcPts val="1000"/>
+              </a:spcBef>
+              <a:spcAft>
+                <a:spcPts val="0"/>
+              </a:spcAft>
+              <a:buClr>
+                <a:schemeClr val="accent1"/>
+              </a:buClr>
+              <a:buSzPct val="80000"/>
+              <a:buFont typeface="Wingdings 3" charset="2"/>
+              <a:buChar char=""/>
+              <a:defRPr sz="1200" kern="1200">
+                <a:solidFill>
+                  <a:schemeClr val="tx1">
+                    <a:lumMod val="75000"/>
+                    <a:lumOff val="25000"/>
+                  </a:schemeClr>
+                </a:solidFill>
+                <a:latin typeface="+mn-lt"/>
+                <a:ea typeface="+mn-ea"/>
+                <a:cs typeface="+mn-cs"/>
+              </a:defRPr>
+            </a:lvl6pPr>
+            <a:lvl7pPr marL="2971800" indent="-228600" algn="l" defTabSz="457200" rtl="0" eaLnBrk="1" latinLnBrk="0" hangingPunct="1">
+              <a:spcBef>
+                <a:spcPts val="1000"/>
+              </a:spcBef>
+              <a:spcAft>
+                <a:spcPts val="0"/>
+              </a:spcAft>
+              <a:buClr>
+                <a:schemeClr val="accent1"/>
+              </a:buClr>
+              <a:buSzPct val="80000"/>
+              <a:buFont typeface="Wingdings 3" charset="2"/>
+              <a:buChar char=""/>
+              <a:defRPr sz="1200" kern="1200">
+                <a:solidFill>
+                  <a:schemeClr val="tx1">
+                    <a:lumMod val="75000"/>
+                    <a:lumOff val="25000"/>
+                  </a:schemeClr>
+                </a:solidFill>
+                <a:latin typeface="+mn-lt"/>
+                <a:ea typeface="+mn-ea"/>
+                <a:cs typeface="+mn-cs"/>
+              </a:defRPr>
+            </a:lvl7pPr>
+            <a:lvl8pPr marL="3429000" indent="-228600" algn="l" defTabSz="457200" rtl="0" eaLnBrk="1" latinLnBrk="0" hangingPunct="1">
+              <a:spcBef>
+                <a:spcPts val="1000"/>
+              </a:spcBef>
+              <a:spcAft>
+                <a:spcPts val="0"/>
+              </a:spcAft>
+              <a:buClr>
+                <a:schemeClr val="accent1"/>
+              </a:buClr>
+              <a:buSzPct val="80000"/>
+              <a:buFont typeface="Wingdings 3" charset="2"/>
+              <a:buChar char=""/>
+              <a:defRPr sz="1200" kern="1200">
+                <a:solidFill>
+                  <a:schemeClr val="tx1">
+                    <a:lumMod val="75000"/>
+                    <a:lumOff val="25000"/>
+                  </a:schemeClr>
+                </a:solidFill>
+                <a:latin typeface="+mn-lt"/>
+                <a:ea typeface="+mn-ea"/>
+                <a:cs typeface="+mn-cs"/>
+              </a:defRPr>
+            </a:lvl8pPr>
+            <a:lvl9pPr marL="3886200" indent="-228600" algn="l" defTabSz="457200" rtl="0" eaLnBrk="1" latinLnBrk="0" hangingPunct="1">
+              <a:spcBef>
+                <a:spcPts val="1000"/>
+              </a:spcBef>
+              <a:spcAft>
+                <a:spcPts val="0"/>
+              </a:spcAft>
+              <a:buClr>
+                <a:schemeClr val="accent1"/>
+              </a:buClr>
+              <a:buSzPct val="80000"/>
+              <a:buFont typeface="Wingdings 3" charset="2"/>
+              <a:buChar char=""/>
+              <a:defRPr sz="1200" kern="1200">
+                <a:solidFill>
+                  <a:schemeClr val="tx1">
+                    <a:lumMod val="75000"/>
+                    <a:lumOff val="25000"/>
+                  </a:schemeClr>
+                </a:solidFill>
+                <a:latin typeface="+mn-lt"/>
+                <a:ea typeface="+mn-ea"/>
+                <a:cs typeface="+mn-cs"/>
+              </a:defRPr>
+            </a:lvl9pPr>
+          </a:lstStyle>
+          <a:p>
+            <a:pPr marL="0" indent="0">
+              <a:buFont typeface="Wingdings 3" charset="2"/>
+              <a:buNone/>
+            </a:pPr>
+            <a:r>
+              <a:rPr lang="es-CO" dirty="0" smtClean="0">
+                <a:solidFill>
+                  <a:schemeClr val="tx1">
+                    <a:lumMod val="85000"/>
+                    <a:lumOff val="15000"/>
+                  </a:schemeClr>
+                </a:solidFill>
+              </a:rPr>
+              <a:t>Registro de Actividades y Productos</a:t>
+            </a:r>
+            <a:endParaRPr lang="es-CO" dirty="0">
+              <a:solidFill>
+                <a:schemeClr val="tx1">
+                  <a:lumMod val="85000"/>
+                  <a:lumOff val="15000"/>
+                </a:schemeClr>
+              </a:solidFill>
+            </a:endParaRPr>
           </a:p>
         </p:txBody>
       </p:sp>
@@ -15568,7 +18382,7 @@
   <a:extraClrSchemeLst/>
   <a:extLst>
     <a:ext uri="{05A4C25C-085E-4340-85A3-A5531E510DB2}">
-      <thm15:themeFamily xmlns:thm15="http://schemas.microsoft.com/office/thememl/2012/main" name="Facet" id="{C0C680CD-088A-49FC-A102-D699147F32B2}" vid="{CFBC31BA-B70F-4F30-BCAA-4F3011E16C4D}"/>
+      <thm15:themeFamily xmlns:thm15="http://schemas.microsoft.com/office/thememl/2012/main" xmlns="" name="Facet" id="{C0C680CD-088A-49FC-A102-D699147F32B2}" vid="{CFBC31BA-B70F-4F30-BCAA-4F3011E16C4D}"/>
     </a:ext>
   </a:extLst>
 </a:theme>

--- a/extras/docs/rdc_presentacion.pptx
+++ b/extras/docs/rdc_presentacion.pptx
@@ -127,7 +127,7 @@
   </p:defaultTextStyle>
   <p:extLst>
     <p:ext uri="{EFAFB233-063F-42B5-8137-9DF3F51BA10A}">
-      <p15:sldGuideLst xmlns:p15="http://schemas.microsoft.com/office/powerpoint/2012/main" xmlns="">
+      <p15:sldGuideLst xmlns="" xmlns:p15="http://schemas.microsoft.com/office/powerpoint/2012/main">
         <p15:guide id="1" orient="horz" pos="2160">
           <p15:clr>
             <a:srgbClr val="A4A3A4"/>
@@ -480,11 +480,11 @@
         </c:dLbls>
         <c:gapWidth val="100"/>
         <c:overlap val="-24"/>
-        <c:axId val="147603840"/>
-        <c:axId val="147605760"/>
+        <c:axId val="153768320"/>
+        <c:axId val="153770240"/>
       </c:barChart>
       <c:catAx>
-        <c:axId val="147603840"/>
+        <c:axId val="153768320"/>
         <c:scaling>
           <c:orientation val="minMax"/>
         </c:scaling>
@@ -543,7 +543,7 @@
             <a:endParaRPr lang="es-CO"/>
           </a:p>
         </c:txPr>
-        <c:crossAx val="147605760"/>
+        <c:crossAx val="153770240"/>
         <c:crosses val="autoZero"/>
         <c:auto val="1"/>
         <c:lblAlgn val="ctr"/>
@@ -551,7 +551,7 @@
         <c:noMultiLvlLbl val="1"/>
       </c:catAx>
       <c:valAx>
-        <c:axId val="147605760"/>
+        <c:axId val="153770240"/>
         <c:scaling>
           <c:orientation val="minMax"/>
         </c:scaling>
@@ -618,7 +618,7 @@
             <a:endParaRPr lang="es-CO"/>
           </a:p>
         </c:txPr>
-        <c:crossAx val="147603840"/>
+        <c:crossAx val="153768320"/>
         <c:crosses val="autoZero"/>
         <c:crossBetween val="between"/>
       </c:valAx>
@@ -1023,11 +1023,11 @@
         </c:dLbls>
         <c:gapWidth val="100"/>
         <c:overlap val="-24"/>
-        <c:axId val="146809216"/>
-        <c:axId val="146811136"/>
+        <c:axId val="187703680"/>
+        <c:axId val="187705600"/>
       </c:barChart>
       <c:catAx>
-        <c:axId val="146809216"/>
+        <c:axId val="187703680"/>
         <c:scaling>
           <c:orientation val="minMax"/>
         </c:scaling>
@@ -1086,7 +1086,7 @@
             <a:endParaRPr lang="es-CO"/>
           </a:p>
         </c:txPr>
-        <c:crossAx val="146811136"/>
+        <c:crossAx val="187705600"/>
         <c:crosses val="autoZero"/>
         <c:auto val="1"/>
         <c:lblAlgn val="ctr"/>
@@ -1094,7 +1094,7 @@
         <c:noMultiLvlLbl val="1"/>
       </c:catAx>
       <c:valAx>
-        <c:axId val="146811136"/>
+        <c:axId val="187705600"/>
         <c:scaling>
           <c:orientation val="minMax"/>
         </c:scaling>
@@ -1161,7 +1161,7 @@
             <a:endParaRPr lang="es-CO"/>
           </a:p>
         </c:txPr>
-        <c:crossAx val="146809216"/>
+        <c:crossAx val="187703680"/>
         <c:crosses val="autoZero"/>
         <c:crossBetween val="between"/>
       </c:valAx>
@@ -7853,7 +7853,7 @@
           <p:cNvPr id="2" name="Marcador de contenido 1">
             <a:extLst>
               <a:ext uri="{FF2B5EF4-FFF2-40B4-BE49-F238E27FC236}">
-                <a16:creationId xmlns:a16="http://schemas.microsoft.com/office/drawing/2014/main" xmlns="" id="{BFB8CA3A-775A-4283-B473-CBA3C699E771}"/>
+                <a16:creationId xmlns="" xmlns:a16="http://schemas.microsoft.com/office/drawing/2014/main" id="{BFB8CA3A-775A-4283-B473-CBA3C699E771}"/>
               </a:ext>
             </a:extLst>
           </p:cNvPr>
@@ -7883,14 +7883,14 @@
                 <a:gridCol w="5304444">
                   <a:extLst>
                     <a:ext uri="{9D8B030D-6E8A-4147-A177-3AD203B41FA5}">
-                      <a16:colId xmlns:a16="http://schemas.microsoft.com/office/drawing/2014/main" xmlns="" val="2602485393"/>
+                      <a16:colId xmlns="" xmlns:a16="http://schemas.microsoft.com/office/drawing/2014/main" val="2602485393"/>
                     </a:ext>
                   </a:extLst>
                 </a:gridCol>
                 <a:gridCol w="1728977">
                   <a:extLst>
                     <a:ext uri="{9D8B030D-6E8A-4147-A177-3AD203B41FA5}">
-                      <a16:colId xmlns:a16="http://schemas.microsoft.com/office/drawing/2014/main" xmlns="" val="2786604418"/>
+                      <a16:colId xmlns="" xmlns:a16="http://schemas.microsoft.com/office/drawing/2014/main" val="2786604418"/>
                     </a:ext>
                   </a:extLst>
                 </a:gridCol>
@@ -7978,7 +7978,7 @@
                 </a:tc>
                 <a:extLst>
                   <a:ext uri="{0D108BD9-81ED-4DB2-BD59-A6C34878D82A}">
-                    <a16:rowId xmlns:a16="http://schemas.microsoft.com/office/drawing/2014/main" xmlns="" val="680232555"/>
+                    <a16:rowId xmlns="" xmlns:a16="http://schemas.microsoft.com/office/drawing/2014/main" val="680232555"/>
                   </a:ext>
                 </a:extLst>
               </a:tr>
@@ -8065,7 +8065,7 @@
                 </a:tc>
                 <a:extLst>
                   <a:ext uri="{0D108BD9-81ED-4DB2-BD59-A6C34878D82A}">
-                    <a16:rowId xmlns:a16="http://schemas.microsoft.com/office/drawing/2014/main" xmlns="" val="3577557739"/>
+                    <a16:rowId xmlns="" xmlns:a16="http://schemas.microsoft.com/office/drawing/2014/main" val="3577557739"/>
                   </a:ext>
                 </a:extLst>
               </a:tr>
@@ -8152,7 +8152,7 @@
                 </a:tc>
                 <a:extLst>
                   <a:ext uri="{0D108BD9-81ED-4DB2-BD59-A6C34878D82A}">
-                    <a16:rowId xmlns:a16="http://schemas.microsoft.com/office/drawing/2014/main" xmlns="" val="3154357346"/>
+                    <a16:rowId xmlns="" xmlns:a16="http://schemas.microsoft.com/office/drawing/2014/main" val="3154357346"/>
                   </a:ext>
                 </a:extLst>
               </a:tr>
@@ -8239,7 +8239,7 @@
                 </a:tc>
                 <a:extLst>
                   <a:ext uri="{0D108BD9-81ED-4DB2-BD59-A6C34878D82A}">
-                    <a16:rowId xmlns:a16="http://schemas.microsoft.com/office/drawing/2014/main" xmlns="" val="2015189163"/>
+                    <a16:rowId xmlns="" xmlns:a16="http://schemas.microsoft.com/office/drawing/2014/main" val="2015189163"/>
                   </a:ext>
                 </a:extLst>
               </a:tr>
@@ -8326,7 +8326,7 @@
                 </a:tc>
                 <a:extLst>
                   <a:ext uri="{0D108BD9-81ED-4DB2-BD59-A6C34878D82A}">
-                    <a16:rowId xmlns:a16="http://schemas.microsoft.com/office/drawing/2014/main" xmlns="" val="3033574485"/>
+                    <a16:rowId xmlns="" xmlns:a16="http://schemas.microsoft.com/office/drawing/2014/main" val="3033574485"/>
                   </a:ext>
                 </a:extLst>
               </a:tr>
@@ -8413,7 +8413,7 @@
                 </a:tc>
                 <a:extLst>
                   <a:ext uri="{0D108BD9-81ED-4DB2-BD59-A6C34878D82A}">
-                    <a16:rowId xmlns:a16="http://schemas.microsoft.com/office/drawing/2014/main" xmlns="" val="105546820"/>
+                    <a16:rowId xmlns="" xmlns:a16="http://schemas.microsoft.com/office/drawing/2014/main" val="105546820"/>
                   </a:ext>
                 </a:extLst>
               </a:tr>
@@ -8500,7 +8500,7 @@
                 </a:tc>
                 <a:extLst>
                   <a:ext uri="{0D108BD9-81ED-4DB2-BD59-A6C34878D82A}">
-                    <a16:rowId xmlns:a16="http://schemas.microsoft.com/office/drawing/2014/main" xmlns="" val="1824869552"/>
+                    <a16:rowId xmlns="" xmlns:a16="http://schemas.microsoft.com/office/drawing/2014/main" val="1824869552"/>
                   </a:ext>
                 </a:extLst>
               </a:tr>
@@ -8587,7 +8587,7 @@
                 </a:tc>
                 <a:extLst>
                   <a:ext uri="{0D108BD9-81ED-4DB2-BD59-A6C34878D82A}">
-                    <a16:rowId xmlns:a16="http://schemas.microsoft.com/office/drawing/2014/main" xmlns="" val="3109995033"/>
+                    <a16:rowId xmlns="" xmlns:a16="http://schemas.microsoft.com/office/drawing/2014/main" val="3109995033"/>
                   </a:ext>
                 </a:extLst>
               </a:tr>
@@ -8674,7 +8674,7 @@
                 </a:tc>
                 <a:extLst>
                   <a:ext uri="{0D108BD9-81ED-4DB2-BD59-A6C34878D82A}">
-                    <a16:rowId xmlns:a16="http://schemas.microsoft.com/office/drawing/2014/main" xmlns="" val="3267673382"/>
+                    <a16:rowId xmlns="" xmlns:a16="http://schemas.microsoft.com/office/drawing/2014/main" val="3267673382"/>
                   </a:ext>
                 </a:extLst>
               </a:tr>
@@ -8761,7 +8761,7 @@
                 </a:tc>
                 <a:extLst>
                   <a:ext uri="{0D108BD9-81ED-4DB2-BD59-A6C34878D82A}">
-                    <a16:rowId xmlns:a16="http://schemas.microsoft.com/office/drawing/2014/main" xmlns="" val="1788793914"/>
+                    <a16:rowId xmlns="" xmlns:a16="http://schemas.microsoft.com/office/drawing/2014/main" val="1788793914"/>
                   </a:ext>
                 </a:extLst>
               </a:tr>
@@ -8848,7 +8848,7 @@
                 </a:tc>
                 <a:extLst>
                   <a:ext uri="{0D108BD9-81ED-4DB2-BD59-A6C34878D82A}">
-                    <a16:rowId xmlns:a16="http://schemas.microsoft.com/office/drawing/2014/main" xmlns="" val="758896334"/>
+                    <a16:rowId xmlns="" xmlns:a16="http://schemas.microsoft.com/office/drawing/2014/main" val="758896334"/>
                   </a:ext>
                 </a:extLst>
               </a:tr>
@@ -8935,7 +8935,7 @@
                 </a:tc>
                 <a:extLst>
                   <a:ext uri="{0D108BD9-81ED-4DB2-BD59-A6C34878D82A}">
-                    <a16:rowId xmlns:a16="http://schemas.microsoft.com/office/drawing/2014/main" xmlns="" val="2965732642"/>
+                    <a16:rowId xmlns="" xmlns:a16="http://schemas.microsoft.com/office/drawing/2014/main" val="2965732642"/>
                   </a:ext>
                 </a:extLst>
               </a:tr>
@@ -9022,7 +9022,7 @@
                 </a:tc>
                 <a:extLst>
                   <a:ext uri="{0D108BD9-81ED-4DB2-BD59-A6C34878D82A}">
-                    <a16:rowId xmlns:a16="http://schemas.microsoft.com/office/drawing/2014/main" xmlns="" val="456296594"/>
+                    <a16:rowId xmlns="" xmlns:a16="http://schemas.microsoft.com/office/drawing/2014/main" val="456296594"/>
                   </a:ext>
                 </a:extLst>
               </a:tr>
@@ -9109,7 +9109,7 @@
                 </a:tc>
                 <a:extLst>
                   <a:ext uri="{0D108BD9-81ED-4DB2-BD59-A6C34878D82A}">
-                    <a16:rowId xmlns:a16="http://schemas.microsoft.com/office/drawing/2014/main" xmlns="" val="1809744462"/>
+                    <a16:rowId xmlns="" xmlns:a16="http://schemas.microsoft.com/office/drawing/2014/main" val="1809744462"/>
                   </a:ext>
                 </a:extLst>
               </a:tr>
@@ -9196,7 +9196,7 @@
                 </a:tc>
                 <a:extLst>
                   <a:ext uri="{0D108BD9-81ED-4DB2-BD59-A6C34878D82A}">
-                    <a16:rowId xmlns:a16="http://schemas.microsoft.com/office/drawing/2014/main" xmlns="" val="3437766592"/>
+                    <a16:rowId xmlns="" xmlns:a16="http://schemas.microsoft.com/office/drawing/2014/main" val="3437766592"/>
                   </a:ext>
                 </a:extLst>
               </a:tr>
@@ -9361,7 +9361,7 @@
           <p:cNvPr id="6" name="Marcador de contenido 5">
             <a:extLst>
               <a:ext uri="{FF2B5EF4-FFF2-40B4-BE49-F238E27FC236}">
-                <a16:creationId xmlns:a16="http://schemas.microsoft.com/office/drawing/2014/main" xmlns="" id="{33CC28FB-25F0-4849-B092-1742F3204970}"/>
+                <a16:creationId xmlns="" xmlns:a16="http://schemas.microsoft.com/office/drawing/2014/main" id="{33CC28FB-25F0-4849-B092-1742F3204970}"/>
               </a:ext>
             </a:extLst>
           </p:cNvPr>
@@ -9391,42 +9391,42 @@
                 <a:gridCol w="1224043">
                   <a:extLst>
                     <a:ext uri="{9D8B030D-6E8A-4147-A177-3AD203B41FA5}">
-                      <a16:colId xmlns:a16="http://schemas.microsoft.com/office/drawing/2014/main" xmlns="" val="1021433285"/>
+                      <a16:colId xmlns="" xmlns:a16="http://schemas.microsoft.com/office/drawing/2014/main" val="1021433285"/>
                     </a:ext>
                   </a:extLst>
                 </a:gridCol>
                 <a:gridCol w="937437">
                   <a:extLst>
                     <a:ext uri="{9D8B030D-6E8A-4147-A177-3AD203B41FA5}">
-                      <a16:colId xmlns:a16="http://schemas.microsoft.com/office/drawing/2014/main" xmlns="" val="1809417385"/>
+                      <a16:colId xmlns="" xmlns:a16="http://schemas.microsoft.com/office/drawing/2014/main" val="1809417385"/>
                     </a:ext>
                   </a:extLst>
                 </a:gridCol>
                 <a:gridCol w="937437">
                   <a:extLst>
                     <a:ext uri="{9D8B030D-6E8A-4147-A177-3AD203B41FA5}">
-                      <a16:colId xmlns:a16="http://schemas.microsoft.com/office/drawing/2014/main" xmlns="" val="1689638878"/>
+                      <a16:colId xmlns="" xmlns:a16="http://schemas.microsoft.com/office/drawing/2014/main" val="1689638878"/>
                     </a:ext>
                   </a:extLst>
                 </a:gridCol>
                 <a:gridCol w="937437">
                   <a:extLst>
                     <a:ext uri="{9D8B030D-6E8A-4147-A177-3AD203B41FA5}">
-                      <a16:colId xmlns:a16="http://schemas.microsoft.com/office/drawing/2014/main" xmlns="" val="2762686330"/>
+                      <a16:colId xmlns="" xmlns:a16="http://schemas.microsoft.com/office/drawing/2014/main" val="2762686330"/>
                     </a:ext>
                   </a:extLst>
                 </a:gridCol>
                 <a:gridCol w="818278">
                   <a:extLst>
                     <a:ext uri="{9D8B030D-6E8A-4147-A177-3AD203B41FA5}">
-                      <a16:colId xmlns:a16="http://schemas.microsoft.com/office/drawing/2014/main" xmlns="" val="2113957765"/>
+                      <a16:colId xmlns="" xmlns:a16="http://schemas.microsoft.com/office/drawing/2014/main" val="2113957765"/>
                     </a:ext>
                   </a:extLst>
                 </a:gridCol>
                 <a:gridCol w="999168">
                   <a:extLst>
                     <a:ext uri="{9D8B030D-6E8A-4147-A177-3AD203B41FA5}">
-                      <a16:colId xmlns:a16="http://schemas.microsoft.com/office/drawing/2014/main" xmlns="" val="2495045676"/>
+                      <a16:colId xmlns="" xmlns:a16="http://schemas.microsoft.com/office/drawing/2014/main" val="2495045676"/>
                     </a:ext>
                   </a:extLst>
                 </a:gridCol>
@@ -9676,7 +9676,7 @@
                 </a:tc>
                 <a:extLst>
                   <a:ext uri="{0D108BD9-81ED-4DB2-BD59-A6C34878D82A}">
-                    <a16:rowId xmlns:a16="http://schemas.microsoft.com/office/drawing/2014/main" xmlns="" val="1205791969"/>
+                    <a16:rowId xmlns="" xmlns:a16="http://schemas.microsoft.com/office/drawing/2014/main" val="1205791969"/>
                   </a:ext>
                 </a:extLst>
               </a:tr>
@@ -9970,7 +9970,7 @@
                 </a:tc>
                 <a:extLst>
                   <a:ext uri="{0D108BD9-81ED-4DB2-BD59-A6C34878D82A}">
-                    <a16:rowId xmlns:a16="http://schemas.microsoft.com/office/drawing/2014/main" xmlns="" val="3190319937"/>
+                    <a16:rowId xmlns="" xmlns:a16="http://schemas.microsoft.com/office/drawing/2014/main" val="3190319937"/>
                   </a:ext>
                 </a:extLst>
               </a:tr>
@@ -10365,7 +10365,7 @@
                 </a:tc>
                 <a:extLst>
                   <a:ext uri="{0D108BD9-81ED-4DB2-BD59-A6C34878D82A}">
-                    <a16:rowId xmlns:a16="http://schemas.microsoft.com/office/drawing/2014/main" xmlns="" val="3057983255"/>
+                    <a16:rowId xmlns="" xmlns:a16="http://schemas.microsoft.com/office/drawing/2014/main" val="3057983255"/>
                   </a:ext>
                 </a:extLst>
               </a:tr>
@@ -10695,7 +10695,7 @@
                 </a:tc>
                 <a:extLst>
                   <a:ext uri="{0D108BD9-81ED-4DB2-BD59-A6C34878D82A}">
-                    <a16:rowId xmlns:a16="http://schemas.microsoft.com/office/drawing/2014/main" xmlns="" val="142723232"/>
+                    <a16:rowId xmlns="" xmlns:a16="http://schemas.microsoft.com/office/drawing/2014/main" val="142723232"/>
                   </a:ext>
                 </a:extLst>
               </a:tr>
@@ -11025,7 +11025,7 @@
                 </a:tc>
                 <a:extLst>
                   <a:ext uri="{0D108BD9-81ED-4DB2-BD59-A6C34878D82A}">
-                    <a16:rowId xmlns:a16="http://schemas.microsoft.com/office/drawing/2014/main" xmlns="" val="2010654794"/>
+                    <a16:rowId xmlns="" xmlns:a16="http://schemas.microsoft.com/office/drawing/2014/main" val="2010654794"/>
                   </a:ext>
                 </a:extLst>
               </a:tr>
@@ -11365,7 +11365,7 @@
                 </a:tc>
                 <a:extLst>
                   <a:ext uri="{0D108BD9-81ED-4DB2-BD59-A6C34878D82A}">
-                    <a16:rowId xmlns:a16="http://schemas.microsoft.com/office/drawing/2014/main" xmlns="" val="3090693922"/>
+                    <a16:rowId xmlns="" xmlns:a16="http://schemas.microsoft.com/office/drawing/2014/main" val="3090693922"/>
                   </a:ext>
                 </a:extLst>
               </a:tr>
@@ -11760,7 +11760,7 @@
                 </a:tc>
                 <a:extLst>
                   <a:ext uri="{0D108BD9-81ED-4DB2-BD59-A6C34878D82A}">
-                    <a16:rowId xmlns:a16="http://schemas.microsoft.com/office/drawing/2014/main" xmlns="" val="627599904"/>
+                    <a16:rowId xmlns="" xmlns:a16="http://schemas.microsoft.com/office/drawing/2014/main" val="627599904"/>
                   </a:ext>
                 </a:extLst>
               </a:tr>
@@ -12090,7 +12090,7 @@
                 </a:tc>
                 <a:extLst>
                   <a:ext uri="{0D108BD9-81ED-4DB2-BD59-A6C34878D82A}">
-                    <a16:rowId xmlns:a16="http://schemas.microsoft.com/office/drawing/2014/main" xmlns="" val="2241206887"/>
+                    <a16:rowId xmlns="" xmlns:a16="http://schemas.microsoft.com/office/drawing/2014/main" val="2241206887"/>
                   </a:ext>
                 </a:extLst>
               </a:tr>
@@ -12420,7 +12420,7 @@
                 </a:tc>
                 <a:extLst>
                   <a:ext uri="{0D108BD9-81ED-4DB2-BD59-A6C34878D82A}">
-                    <a16:rowId xmlns:a16="http://schemas.microsoft.com/office/drawing/2014/main" xmlns="" val="552371880"/>
+                    <a16:rowId xmlns="" xmlns:a16="http://schemas.microsoft.com/office/drawing/2014/main" val="552371880"/>
                   </a:ext>
                 </a:extLst>
               </a:tr>
@@ -12750,7 +12750,7 @@
                 </a:tc>
                 <a:extLst>
                   <a:ext uri="{0D108BD9-81ED-4DB2-BD59-A6C34878D82A}">
-                    <a16:rowId xmlns:a16="http://schemas.microsoft.com/office/drawing/2014/main" xmlns="" val="116541910"/>
+                    <a16:rowId xmlns="" xmlns:a16="http://schemas.microsoft.com/office/drawing/2014/main" val="116541910"/>
                   </a:ext>
                 </a:extLst>
               </a:tr>
@@ -13080,7 +13080,7 @@
                 </a:tc>
                 <a:extLst>
                   <a:ext uri="{0D108BD9-81ED-4DB2-BD59-A6C34878D82A}">
-                    <a16:rowId xmlns:a16="http://schemas.microsoft.com/office/drawing/2014/main" xmlns="" val="1742673978"/>
+                    <a16:rowId xmlns="" xmlns:a16="http://schemas.microsoft.com/office/drawing/2014/main" val="1742673978"/>
                   </a:ext>
                 </a:extLst>
               </a:tr>
@@ -13420,7 +13420,7 @@
                 </a:tc>
                 <a:extLst>
                   <a:ext uri="{0D108BD9-81ED-4DB2-BD59-A6C34878D82A}">
-                    <a16:rowId xmlns:a16="http://schemas.microsoft.com/office/drawing/2014/main" xmlns="" val="722975958"/>
+                    <a16:rowId xmlns="" xmlns:a16="http://schemas.microsoft.com/office/drawing/2014/main" val="722975958"/>
                   </a:ext>
                 </a:extLst>
               </a:tr>
@@ -13805,7 +13805,7 @@
                 </a:tc>
                 <a:extLst>
                   <a:ext uri="{0D108BD9-81ED-4DB2-BD59-A6C34878D82A}">
-                    <a16:rowId xmlns:a16="http://schemas.microsoft.com/office/drawing/2014/main" xmlns="" val="2653783117"/>
+                    <a16:rowId xmlns="" xmlns:a16="http://schemas.microsoft.com/office/drawing/2014/main" val="2653783117"/>
                   </a:ext>
                 </a:extLst>
               </a:tr>
@@ -13909,7 +13909,7 @@
           <p:cNvPr id="8" name="Chart 1" title="Chart">
             <a:extLst>
               <a:ext uri="{FF2B5EF4-FFF2-40B4-BE49-F238E27FC236}">
-                <a16:creationId xmlns:a16="http://schemas.microsoft.com/office/drawing/2014/main" xmlns="" id="{00000000-0008-0000-0000-000003000000}"/>
+                <a16:creationId xmlns="" xmlns:a16="http://schemas.microsoft.com/office/drawing/2014/main" id="{00000000-0008-0000-0000-000003000000}"/>
               </a:ext>
             </a:extLst>
           </p:cNvPr>
@@ -13939,7 +13939,7 @@
           <p:cNvPr id="9" name="Chart 1" title="Chart">
             <a:extLst>
               <a:ext uri="{FF2B5EF4-FFF2-40B4-BE49-F238E27FC236}">
-                <a16:creationId xmlns:a16="http://schemas.microsoft.com/office/drawing/2014/main" xmlns="" id="{00000000-0008-0000-0000-000002000000}"/>
+                <a16:creationId xmlns="" xmlns:a16="http://schemas.microsoft.com/office/drawing/2014/main" id="{00000000-0008-0000-0000-000002000000}"/>
               </a:ext>
             </a:extLst>
           </p:cNvPr>
@@ -14060,7 +14060,7 @@
           <p:cNvPr id="3" name="CuadroTexto 2">
             <a:extLst>
               <a:ext uri="{FF2B5EF4-FFF2-40B4-BE49-F238E27FC236}">
-                <a16:creationId xmlns:a16="http://schemas.microsoft.com/office/drawing/2014/main" xmlns="" id="{EB5CEF16-DF68-4175-87A1-37A37A1E0664}"/>
+                <a16:creationId xmlns="" xmlns:a16="http://schemas.microsoft.com/office/drawing/2014/main" id="{EB5CEF16-DF68-4175-87A1-37A37A1E0664}"/>
               </a:ext>
             </a:extLst>
           </p:cNvPr>
@@ -14395,7 +14395,7 @@
           <p:cNvPr id="3" name="CuadroTexto 2">
             <a:extLst>
               <a:ext uri="{FF2B5EF4-FFF2-40B4-BE49-F238E27FC236}">
-                <a16:creationId xmlns:a16="http://schemas.microsoft.com/office/drawing/2014/main" xmlns="" id="{B3E05B2C-448F-4ECF-BEF8-9F8192CC5623}"/>
+                <a16:creationId xmlns="" xmlns:a16="http://schemas.microsoft.com/office/drawing/2014/main" id="{B3E05B2C-448F-4ECF-BEF8-9F8192CC5623}"/>
               </a:ext>
             </a:extLst>
           </p:cNvPr>
@@ -14601,7 +14601,7 @@
           <p:cNvPr id="2" name="CuadroTexto 1">
             <a:extLst>
               <a:ext uri="{FF2B5EF4-FFF2-40B4-BE49-F238E27FC236}">
-                <a16:creationId xmlns:a16="http://schemas.microsoft.com/office/drawing/2014/main" xmlns="" id="{585F2FF1-E103-438A-A5E2-394CD4C49ABE}"/>
+                <a16:creationId xmlns="" xmlns:a16="http://schemas.microsoft.com/office/drawing/2014/main" id="{585F2FF1-E103-438A-A5E2-394CD4C49ABE}"/>
               </a:ext>
             </a:extLst>
           </p:cNvPr>
@@ -14947,7 +14947,7 @@
           <p:cNvPr id="2" name="CuadroTexto 1">
             <a:extLst>
               <a:ext uri="{FF2B5EF4-FFF2-40B4-BE49-F238E27FC236}">
-                <a16:creationId xmlns:a16="http://schemas.microsoft.com/office/drawing/2014/main" xmlns="" id="{4C0880D7-B166-4F0F-ACAC-974216E18C56}"/>
+                <a16:creationId xmlns="" xmlns:a16="http://schemas.microsoft.com/office/drawing/2014/main" id="{4C0880D7-B166-4F0F-ACAC-974216E18C56}"/>
               </a:ext>
             </a:extLst>
           </p:cNvPr>
@@ -15306,8 +15306,8 @@
         </p:nvSpPr>
         <p:spPr>
           <a:xfrm>
-            <a:off x="202449" y="1891334"/>
-            <a:ext cx="7829078" cy="4247317"/>
+            <a:off x="748145" y="1766643"/>
+            <a:ext cx="7283382" cy="4524315"/>
           </a:xfrm>
           <a:prstGeom prst="rect">
             <a:avLst/>
@@ -15319,10 +15319,7 @@
           </a:bodyPr>
           <a:lstStyle/>
           <a:p>
-            <a:pPr marL="285750" indent="-285750" algn="just">
-              <a:buFont typeface="Arial" panose="020B0604020202020204" pitchFamily="34" charset="0"/>
-              <a:buChar char="•"/>
-            </a:pPr>
+            <a:pPr algn="just"/>
             <a:r>
               <a:rPr lang="es-CO" dirty="0">
                 <a:solidFill>
@@ -15358,10 +15355,7 @@
             </a:endParaRPr>
           </a:p>
           <a:p>
-            <a:pPr marL="285750" indent="-285750" algn="just">
-              <a:buFont typeface="Arial" panose="020B0604020202020204" pitchFamily="34" charset="0"/>
-              <a:buChar char="•"/>
-            </a:pPr>
+            <a:pPr algn="just"/>
             <a:r>
               <a:rPr lang="es-CO" dirty="0">
                 <a:solidFill>
@@ -15400,10 +15394,7 @@
             </a:endParaRPr>
           </a:p>
           <a:p>
-            <a:pPr marL="285750" indent="-285750" algn="just">
-              <a:buFont typeface="Arial" panose="020B0604020202020204" pitchFamily="34" charset="0"/>
-              <a:buChar char="•"/>
-            </a:pPr>
+            <a:pPr algn="just"/>
             <a:r>
               <a:rPr lang="es-CO" dirty="0">
                 <a:solidFill>
@@ -15435,8 +15426,27 @@
                   </a:schemeClr>
                 </a:solidFill>
               </a:rPr>
-              <a:t>docentes que desconocen que el formato contiene funciones agregadas para mantener un mínimo control y dar un poco de ayuda durante el completado.</a:t>
-            </a:r>
+              <a:t>docentes que desconocen que el formato contiene funciones agregadas para mantener un mínimo control y dar un poco de ayuda </a:t>
+            </a:r>
+            <a:r>
+              <a:rPr lang="es-CO" dirty="0" smtClean="0">
+                <a:solidFill>
+                  <a:schemeClr val="tx1">
+                    <a:lumMod val="85000"/>
+                    <a:lumOff val="15000"/>
+                  </a:schemeClr>
+                </a:solidFill>
+              </a:rPr>
+              <a:t>al proceso.</a:t>
+            </a:r>
+            <a:endParaRPr lang="es-CO" dirty="0">
+              <a:solidFill>
+                <a:schemeClr val="tx1">
+                  <a:lumMod val="85000"/>
+                  <a:lumOff val="15000"/>
+                </a:schemeClr>
+              </a:solidFill>
+            </a:endParaRPr>
           </a:p>
           <a:p>
             <a:pPr algn="ctr"/>
@@ -15572,7 +15582,7 @@
           <p:cNvPr id="2" name="CuadroTexto 1">
             <a:extLst>
               <a:ext uri="{FF2B5EF4-FFF2-40B4-BE49-F238E27FC236}">
-                <a16:creationId xmlns:a16="http://schemas.microsoft.com/office/drawing/2014/main" xmlns="" id="{4C0880D7-B166-4F0F-ACAC-974216E18C56}"/>
+                <a16:creationId xmlns="" xmlns:a16="http://schemas.microsoft.com/office/drawing/2014/main" id="{4C0880D7-B166-4F0F-ACAC-974216E18C56}"/>
               </a:ext>
             </a:extLst>
           </p:cNvPr>
@@ -15888,7 +15898,7 @@
           <p:cNvPr id="2" name="CuadroTexto 1">
             <a:extLst>
               <a:ext uri="{FF2B5EF4-FFF2-40B4-BE49-F238E27FC236}">
-                <a16:creationId xmlns:a16="http://schemas.microsoft.com/office/drawing/2014/main" xmlns="" id="{4C0880D7-B166-4F0F-ACAC-974216E18C56}"/>
+                <a16:creationId xmlns="" xmlns:a16="http://schemas.microsoft.com/office/drawing/2014/main" id="{4C0880D7-B166-4F0F-ACAC-974216E18C56}"/>
               </a:ext>
             </a:extLst>
           </p:cNvPr>
@@ -16739,7 +16749,7 @@
           <p:cNvPr id="5" name="Imagen 4">
             <a:extLst>
               <a:ext uri="{FF2B5EF4-FFF2-40B4-BE49-F238E27FC236}">
-                <a16:creationId xmlns:a16="http://schemas.microsoft.com/office/drawing/2014/main" xmlns="" id="{B3AF45A2-0048-4680-9268-7058CCBF71DF}"/>
+                <a16:creationId xmlns="" xmlns:a16="http://schemas.microsoft.com/office/drawing/2014/main" id="{B3AF45A2-0048-4680-9268-7058CCBF71DF}"/>
               </a:ext>
             </a:extLst>
           </p:cNvPr>
@@ -16775,7 +16785,7 @@
           <p:cNvPr id="7" name="Imagen 6">
             <a:extLst>
               <a:ext uri="{FF2B5EF4-FFF2-40B4-BE49-F238E27FC236}">
-                <a16:creationId xmlns:a16="http://schemas.microsoft.com/office/drawing/2014/main" xmlns="" id="{2C013981-C90B-4026-A12B-5D60518F9D30}"/>
+                <a16:creationId xmlns="" xmlns:a16="http://schemas.microsoft.com/office/drawing/2014/main" id="{2C013981-C90B-4026-A12B-5D60518F9D30}"/>
               </a:ext>
             </a:extLst>
           </p:cNvPr>
@@ -16811,7 +16821,7 @@
           <p:cNvPr id="9" name="Imagen 8">
             <a:extLst>
               <a:ext uri="{FF2B5EF4-FFF2-40B4-BE49-F238E27FC236}">
-                <a16:creationId xmlns:a16="http://schemas.microsoft.com/office/drawing/2014/main" xmlns="" id="{AAA72AB6-D7ED-4441-88E9-CE75A79FDCA8}"/>
+                <a16:creationId xmlns="" xmlns:a16="http://schemas.microsoft.com/office/drawing/2014/main" id="{AAA72AB6-D7ED-4441-88E9-CE75A79FDCA8}"/>
               </a:ext>
             </a:extLst>
           </p:cNvPr>
@@ -16847,7 +16857,7 @@
           <p:cNvPr id="11" name="Imagen 10">
             <a:extLst>
               <a:ext uri="{FF2B5EF4-FFF2-40B4-BE49-F238E27FC236}">
-                <a16:creationId xmlns:a16="http://schemas.microsoft.com/office/drawing/2014/main" xmlns="" id="{B84EE28F-8E12-4ABE-8662-DBA26E891732}"/>
+                <a16:creationId xmlns="" xmlns:a16="http://schemas.microsoft.com/office/drawing/2014/main" id="{B84EE28F-8E12-4ABE-8662-DBA26E891732}"/>
               </a:ext>
             </a:extLst>
           </p:cNvPr>
@@ -16974,7 +16984,7 @@
           <p:cNvPr id="4" name="Imagen 3">
             <a:extLst>
               <a:ext uri="{FF2B5EF4-FFF2-40B4-BE49-F238E27FC236}">
-                <a16:creationId xmlns:a16="http://schemas.microsoft.com/office/drawing/2014/main" xmlns="" id="{16D90900-6598-4986-AE8B-5DE9E3CE52D9}"/>
+                <a16:creationId xmlns="" xmlns:a16="http://schemas.microsoft.com/office/drawing/2014/main" id="{16D90900-6598-4986-AE8B-5DE9E3CE52D9}"/>
               </a:ext>
             </a:extLst>
           </p:cNvPr>
@@ -17439,7 +17449,29 @@
                   </a:schemeClr>
                 </a:solidFill>
               </a:rPr>
-              <a:t>En este modulo se ingresan los docentes, las semanas del semestre, la asignación a cada docente y evaluar cada docente.</a:t>
+              <a:t>En este modulo se </a:t>
+            </a:r>
+            <a:r>
+              <a:rPr lang="es-CO" dirty="0" smtClean="0">
+                <a:solidFill>
+                  <a:schemeClr val="tx1">
+                    <a:lumMod val="85000"/>
+                    <a:lumOff val="15000"/>
+                  </a:schemeClr>
+                </a:solidFill>
+              </a:rPr>
+              <a:t>gestionan los </a:t>
+            </a:r>
+            <a:r>
+              <a:rPr lang="es-CO" dirty="0">
+                <a:solidFill>
+                  <a:schemeClr val="tx1">
+                    <a:lumMod val="85000"/>
+                    <a:lumOff val="15000"/>
+                  </a:schemeClr>
+                </a:solidFill>
+              </a:rPr>
+              <a:t>docentes, las semanas del semestre, la asignación a cada docente y evaluar cada docente.</a:t>
             </a:r>
           </a:p>
         </p:txBody>
@@ -17610,7 +17642,7 @@
           <p:cNvPr id="3" name="CuadroTexto 2">
             <a:extLst>
               <a:ext uri="{FF2B5EF4-FFF2-40B4-BE49-F238E27FC236}">
-                <a16:creationId xmlns:a16="http://schemas.microsoft.com/office/drawing/2014/main" xmlns="" id="{E9CC970F-E4E6-47B4-894B-BB9D00F1CF33}"/>
+                <a16:creationId xmlns="" xmlns:a16="http://schemas.microsoft.com/office/drawing/2014/main" id="{E9CC970F-E4E6-47B4-894B-BB9D00F1CF33}"/>
               </a:ext>
             </a:extLst>
           </p:cNvPr>
@@ -17709,8 +17741,27 @@
                   </a:schemeClr>
                 </a:solidFill>
               </a:rPr>
-              <a:t>Registro de Actividades y Productos</a:t>
-            </a:r>
+              <a:t>Registro de </a:t>
+            </a:r>
+            <a:r>
+              <a:rPr lang="es-CO" dirty="0" smtClean="0">
+                <a:solidFill>
+                  <a:schemeClr val="tx1">
+                    <a:lumMod val="85000"/>
+                    <a:lumOff val="15000"/>
+                  </a:schemeClr>
+                </a:solidFill>
+              </a:rPr>
+              <a:t>Actividades</a:t>
+            </a:r>
+            <a:endParaRPr lang="es-CO" dirty="0">
+              <a:solidFill>
+                <a:schemeClr val="tx1">
+                  <a:lumMod val="85000"/>
+                  <a:lumOff val="15000"/>
+                </a:schemeClr>
+              </a:solidFill>
+            </a:endParaRPr>
           </a:p>
         </p:txBody>
       </p:sp>
@@ -18105,7 +18156,29 @@
                   </a:schemeClr>
                 </a:solidFill>
               </a:rPr>
-              <a:t>Registro de Actividades y Productos</a:t>
+              <a:t>Visualización </a:t>
+            </a:r>
+            <a:r>
+              <a:rPr lang="es-CO" dirty="0" smtClean="0">
+                <a:solidFill>
+                  <a:schemeClr val="tx1">
+                    <a:lumMod val="85000"/>
+                    <a:lumOff val="15000"/>
+                  </a:schemeClr>
+                </a:solidFill>
+              </a:rPr>
+              <a:t>de </a:t>
+            </a:r>
+            <a:r>
+              <a:rPr lang="es-CO" dirty="0" smtClean="0">
+                <a:solidFill>
+                  <a:schemeClr val="tx1">
+                    <a:lumMod val="85000"/>
+                    <a:lumOff val="15000"/>
+                  </a:schemeClr>
+                </a:solidFill>
+              </a:rPr>
+              <a:t>Productos</a:t>
             </a:r>
             <a:endParaRPr lang="es-CO" dirty="0">
               <a:solidFill>
@@ -18382,7 +18455,7 @@
   <a:extraClrSchemeLst/>
   <a:extLst>
     <a:ext uri="{05A4C25C-085E-4340-85A3-A5531E510DB2}">
-      <thm15:themeFamily xmlns:thm15="http://schemas.microsoft.com/office/thememl/2012/main" xmlns="" name="Facet" id="{C0C680CD-088A-49FC-A102-D699147F32B2}" vid="{CFBC31BA-B70F-4F30-BCAA-4F3011E16C4D}"/>
+      <thm15:themeFamily xmlns="" xmlns:thm15="http://schemas.microsoft.com/office/thememl/2012/main" name="Facet" id="{C0C680CD-088A-49FC-A102-D699147F32B2}" vid="{CFBC31BA-B70F-4F30-BCAA-4F3011E16C4D}"/>
     </a:ext>
   </a:extLst>
 </a:theme>

--- a/extras/docs/rdc_presentacion.pptx
+++ b/extras/docs/rdc_presentacion.pptx
@@ -127,7 +127,7 @@
   </p:defaultTextStyle>
   <p:extLst>
     <p:ext uri="{EFAFB233-063F-42B5-8137-9DF3F51BA10A}">
-      <p15:sldGuideLst xmlns="" xmlns:p15="http://schemas.microsoft.com/office/powerpoint/2012/main">
+      <p15:sldGuideLst xmlns:p15="http://schemas.microsoft.com/office/powerpoint/2012/main" xmlns="">
         <p15:guide id="1" orient="horz" pos="2160">
           <p15:clr>
             <a:srgbClr val="A4A3A4"/>
@@ -480,11 +480,11 @@
         </c:dLbls>
         <c:gapWidth val="100"/>
         <c:overlap val="-24"/>
-        <c:axId val="153768320"/>
-        <c:axId val="153770240"/>
+        <c:axId val="171852160"/>
+        <c:axId val="171854080"/>
       </c:barChart>
       <c:catAx>
-        <c:axId val="153768320"/>
+        <c:axId val="171852160"/>
         <c:scaling>
           <c:orientation val="minMax"/>
         </c:scaling>
@@ -543,7 +543,7 @@
             <a:endParaRPr lang="es-CO"/>
           </a:p>
         </c:txPr>
-        <c:crossAx val="153770240"/>
+        <c:crossAx val="171854080"/>
         <c:crosses val="autoZero"/>
         <c:auto val="1"/>
         <c:lblAlgn val="ctr"/>
@@ -551,7 +551,7 @@
         <c:noMultiLvlLbl val="1"/>
       </c:catAx>
       <c:valAx>
-        <c:axId val="153770240"/>
+        <c:axId val="171854080"/>
         <c:scaling>
           <c:orientation val="minMax"/>
         </c:scaling>
@@ -618,7 +618,7 @@
             <a:endParaRPr lang="es-CO"/>
           </a:p>
         </c:txPr>
-        <c:crossAx val="153768320"/>
+        <c:crossAx val="171852160"/>
         <c:crosses val="autoZero"/>
         <c:crossBetween val="between"/>
       </c:valAx>
@@ -1023,11 +1023,11 @@
         </c:dLbls>
         <c:gapWidth val="100"/>
         <c:overlap val="-24"/>
-        <c:axId val="187703680"/>
-        <c:axId val="187705600"/>
+        <c:axId val="189866368"/>
+        <c:axId val="189868288"/>
       </c:barChart>
       <c:catAx>
-        <c:axId val="187703680"/>
+        <c:axId val="189866368"/>
         <c:scaling>
           <c:orientation val="minMax"/>
         </c:scaling>
@@ -1086,7 +1086,7 @@
             <a:endParaRPr lang="es-CO"/>
           </a:p>
         </c:txPr>
-        <c:crossAx val="187705600"/>
+        <c:crossAx val="189868288"/>
         <c:crosses val="autoZero"/>
         <c:auto val="1"/>
         <c:lblAlgn val="ctr"/>
@@ -1094,7 +1094,7 @@
         <c:noMultiLvlLbl val="1"/>
       </c:catAx>
       <c:valAx>
-        <c:axId val="187705600"/>
+        <c:axId val="189868288"/>
         <c:scaling>
           <c:orientation val="minMax"/>
         </c:scaling>
@@ -1161,7 +1161,7 @@
             <a:endParaRPr lang="es-CO"/>
           </a:p>
         </c:txPr>
-        <c:crossAx val="187703680"/>
+        <c:crossAx val="189866368"/>
         <c:crosses val="autoZero"/>
         <c:crossBetween val="between"/>
       </c:valAx>
@@ -7853,7 +7853,7 @@
           <p:cNvPr id="2" name="Marcador de contenido 1">
             <a:extLst>
               <a:ext uri="{FF2B5EF4-FFF2-40B4-BE49-F238E27FC236}">
-                <a16:creationId xmlns="" xmlns:a16="http://schemas.microsoft.com/office/drawing/2014/main" id="{BFB8CA3A-775A-4283-B473-CBA3C699E771}"/>
+                <a16:creationId xmlns:a16="http://schemas.microsoft.com/office/drawing/2014/main" xmlns="" id="{BFB8CA3A-775A-4283-B473-CBA3C699E771}"/>
               </a:ext>
             </a:extLst>
           </p:cNvPr>
@@ -7883,14 +7883,14 @@
                 <a:gridCol w="5304444">
                   <a:extLst>
                     <a:ext uri="{9D8B030D-6E8A-4147-A177-3AD203B41FA5}">
-                      <a16:colId xmlns="" xmlns:a16="http://schemas.microsoft.com/office/drawing/2014/main" val="2602485393"/>
+                      <a16:colId xmlns:a16="http://schemas.microsoft.com/office/drawing/2014/main" xmlns="" val="2602485393"/>
                     </a:ext>
                   </a:extLst>
                 </a:gridCol>
                 <a:gridCol w="1728977">
                   <a:extLst>
                     <a:ext uri="{9D8B030D-6E8A-4147-A177-3AD203B41FA5}">
-                      <a16:colId xmlns="" xmlns:a16="http://schemas.microsoft.com/office/drawing/2014/main" val="2786604418"/>
+                      <a16:colId xmlns:a16="http://schemas.microsoft.com/office/drawing/2014/main" xmlns="" val="2786604418"/>
                     </a:ext>
                   </a:extLst>
                 </a:gridCol>
@@ -7978,7 +7978,7 @@
                 </a:tc>
                 <a:extLst>
                   <a:ext uri="{0D108BD9-81ED-4DB2-BD59-A6C34878D82A}">
-                    <a16:rowId xmlns="" xmlns:a16="http://schemas.microsoft.com/office/drawing/2014/main" val="680232555"/>
+                    <a16:rowId xmlns:a16="http://schemas.microsoft.com/office/drawing/2014/main" xmlns="" val="680232555"/>
                   </a:ext>
                 </a:extLst>
               </a:tr>
@@ -8065,7 +8065,7 @@
                 </a:tc>
                 <a:extLst>
                   <a:ext uri="{0D108BD9-81ED-4DB2-BD59-A6C34878D82A}">
-                    <a16:rowId xmlns="" xmlns:a16="http://schemas.microsoft.com/office/drawing/2014/main" val="3577557739"/>
+                    <a16:rowId xmlns:a16="http://schemas.microsoft.com/office/drawing/2014/main" xmlns="" val="3577557739"/>
                   </a:ext>
                 </a:extLst>
               </a:tr>
@@ -8152,7 +8152,7 @@
                 </a:tc>
                 <a:extLst>
                   <a:ext uri="{0D108BD9-81ED-4DB2-BD59-A6C34878D82A}">
-                    <a16:rowId xmlns="" xmlns:a16="http://schemas.microsoft.com/office/drawing/2014/main" val="3154357346"/>
+                    <a16:rowId xmlns:a16="http://schemas.microsoft.com/office/drawing/2014/main" xmlns="" val="3154357346"/>
                   </a:ext>
                 </a:extLst>
               </a:tr>
@@ -8239,7 +8239,7 @@
                 </a:tc>
                 <a:extLst>
                   <a:ext uri="{0D108BD9-81ED-4DB2-BD59-A6C34878D82A}">
-                    <a16:rowId xmlns="" xmlns:a16="http://schemas.microsoft.com/office/drawing/2014/main" val="2015189163"/>
+                    <a16:rowId xmlns:a16="http://schemas.microsoft.com/office/drawing/2014/main" xmlns="" val="2015189163"/>
                   </a:ext>
                 </a:extLst>
               </a:tr>
@@ -8326,7 +8326,7 @@
                 </a:tc>
                 <a:extLst>
                   <a:ext uri="{0D108BD9-81ED-4DB2-BD59-A6C34878D82A}">
-                    <a16:rowId xmlns="" xmlns:a16="http://schemas.microsoft.com/office/drawing/2014/main" val="3033574485"/>
+                    <a16:rowId xmlns:a16="http://schemas.microsoft.com/office/drawing/2014/main" xmlns="" val="3033574485"/>
                   </a:ext>
                 </a:extLst>
               </a:tr>
@@ -8413,7 +8413,7 @@
                 </a:tc>
                 <a:extLst>
                   <a:ext uri="{0D108BD9-81ED-4DB2-BD59-A6C34878D82A}">
-                    <a16:rowId xmlns="" xmlns:a16="http://schemas.microsoft.com/office/drawing/2014/main" val="105546820"/>
+                    <a16:rowId xmlns:a16="http://schemas.microsoft.com/office/drawing/2014/main" xmlns="" val="105546820"/>
                   </a:ext>
                 </a:extLst>
               </a:tr>
@@ -8500,7 +8500,7 @@
                 </a:tc>
                 <a:extLst>
                   <a:ext uri="{0D108BD9-81ED-4DB2-BD59-A6C34878D82A}">
-                    <a16:rowId xmlns="" xmlns:a16="http://schemas.microsoft.com/office/drawing/2014/main" val="1824869552"/>
+                    <a16:rowId xmlns:a16="http://schemas.microsoft.com/office/drawing/2014/main" xmlns="" val="1824869552"/>
                   </a:ext>
                 </a:extLst>
               </a:tr>
@@ -8587,7 +8587,7 @@
                 </a:tc>
                 <a:extLst>
                   <a:ext uri="{0D108BD9-81ED-4DB2-BD59-A6C34878D82A}">
-                    <a16:rowId xmlns="" xmlns:a16="http://schemas.microsoft.com/office/drawing/2014/main" val="3109995033"/>
+                    <a16:rowId xmlns:a16="http://schemas.microsoft.com/office/drawing/2014/main" xmlns="" val="3109995033"/>
                   </a:ext>
                 </a:extLst>
               </a:tr>
@@ -8674,7 +8674,7 @@
                 </a:tc>
                 <a:extLst>
                   <a:ext uri="{0D108BD9-81ED-4DB2-BD59-A6C34878D82A}">
-                    <a16:rowId xmlns="" xmlns:a16="http://schemas.microsoft.com/office/drawing/2014/main" val="3267673382"/>
+                    <a16:rowId xmlns:a16="http://schemas.microsoft.com/office/drawing/2014/main" xmlns="" val="3267673382"/>
                   </a:ext>
                 </a:extLst>
               </a:tr>
@@ -8761,7 +8761,7 @@
                 </a:tc>
                 <a:extLst>
                   <a:ext uri="{0D108BD9-81ED-4DB2-BD59-A6C34878D82A}">
-                    <a16:rowId xmlns="" xmlns:a16="http://schemas.microsoft.com/office/drawing/2014/main" val="1788793914"/>
+                    <a16:rowId xmlns:a16="http://schemas.microsoft.com/office/drawing/2014/main" xmlns="" val="1788793914"/>
                   </a:ext>
                 </a:extLst>
               </a:tr>
@@ -8848,7 +8848,7 @@
                 </a:tc>
                 <a:extLst>
                   <a:ext uri="{0D108BD9-81ED-4DB2-BD59-A6C34878D82A}">
-                    <a16:rowId xmlns="" xmlns:a16="http://schemas.microsoft.com/office/drawing/2014/main" val="758896334"/>
+                    <a16:rowId xmlns:a16="http://schemas.microsoft.com/office/drawing/2014/main" xmlns="" val="758896334"/>
                   </a:ext>
                 </a:extLst>
               </a:tr>
@@ -8935,7 +8935,7 @@
                 </a:tc>
                 <a:extLst>
                   <a:ext uri="{0D108BD9-81ED-4DB2-BD59-A6C34878D82A}">
-                    <a16:rowId xmlns="" xmlns:a16="http://schemas.microsoft.com/office/drawing/2014/main" val="2965732642"/>
+                    <a16:rowId xmlns:a16="http://schemas.microsoft.com/office/drawing/2014/main" xmlns="" val="2965732642"/>
                   </a:ext>
                 </a:extLst>
               </a:tr>
@@ -9022,7 +9022,7 @@
                 </a:tc>
                 <a:extLst>
                   <a:ext uri="{0D108BD9-81ED-4DB2-BD59-A6C34878D82A}">
-                    <a16:rowId xmlns="" xmlns:a16="http://schemas.microsoft.com/office/drawing/2014/main" val="456296594"/>
+                    <a16:rowId xmlns:a16="http://schemas.microsoft.com/office/drawing/2014/main" xmlns="" val="456296594"/>
                   </a:ext>
                 </a:extLst>
               </a:tr>
@@ -9109,7 +9109,7 @@
                 </a:tc>
                 <a:extLst>
                   <a:ext uri="{0D108BD9-81ED-4DB2-BD59-A6C34878D82A}">
-                    <a16:rowId xmlns="" xmlns:a16="http://schemas.microsoft.com/office/drawing/2014/main" val="1809744462"/>
+                    <a16:rowId xmlns:a16="http://schemas.microsoft.com/office/drawing/2014/main" xmlns="" val="1809744462"/>
                   </a:ext>
                 </a:extLst>
               </a:tr>
@@ -9196,7 +9196,7 @@
                 </a:tc>
                 <a:extLst>
                   <a:ext uri="{0D108BD9-81ED-4DB2-BD59-A6C34878D82A}">
-                    <a16:rowId xmlns="" xmlns:a16="http://schemas.microsoft.com/office/drawing/2014/main" val="3437766592"/>
+                    <a16:rowId xmlns:a16="http://schemas.microsoft.com/office/drawing/2014/main" xmlns="" val="3437766592"/>
                   </a:ext>
                 </a:extLst>
               </a:tr>
@@ -9361,7 +9361,7 @@
           <p:cNvPr id="6" name="Marcador de contenido 5">
             <a:extLst>
               <a:ext uri="{FF2B5EF4-FFF2-40B4-BE49-F238E27FC236}">
-                <a16:creationId xmlns="" xmlns:a16="http://schemas.microsoft.com/office/drawing/2014/main" id="{33CC28FB-25F0-4849-B092-1742F3204970}"/>
+                <a16:creationId xmlns:a16="http://schemas.microsoft.com/office/drawing/2014/main" xmlns="" id="{33CC28FB-25F0-4849-B092-1742F3204970}"/>
               </a:ext>
             </a:extLst>
           </p:cNvPr>
@@ -9391,42 +9391,42 @@
                 <a:gridCol w="1224043">
                   <a:extLst>
                     <a:ext uri="{9D8B030D-6E8A-4147-A177-3AD203B41FA5}">
-                      <a16:colId xmlns="" xmlns:a16="http://schemas.microsoft.com/office/drawing/2014/main" val="1021433285"/>
+                      <a16:colId xmlns:a16="http://schemas.microsoft.com/office/drawing/2014/main" xmlns="" val="1021433285"/>
                     </a:ext>
                   </a:extLst>
                 </a:gridCol>
                 <a:gridCol w="937437">
                   <a:extLst>
                     <a:ext uri="{9D8B030D-6E8A-4147-A177-3AD203B41FA5}">
-                      <a16:colId xmlns="" xmlns:a16="http://schemas.microsoft.com/office/drawing/2014/main" val="1809417385"/>
+                      <a16:colId xmlns:a16="http://schemas.microsoft.com/office/drawing/2014/main" xmlns="" val="1809417385"/>
                     </a:ext>
                   </a:extLst>
                 </a:gridCol>
                 <a:gridCol w="937437">
                   <a:extLst>
                     <a:ext uri="{9D8B030D-6E8A-4147-A177-3AD203B41FA5}">
-                      <a16:colId xmlns="" xmlns:a16="http://schemas.microsoft.com/office/drawing/2014/main" val="1689638878"/>
+                      <a16:colId xmlns:a16="http://schemas.microsoft.com/office/drawing/2014/main" xmlns="" val="1689638878"/>
                     </a:ext>
                   </a:extLst>
                 </a:gridCol>
                 <a:gridCol w="937437">
                   <a:extLst>
                     <a:ext uri="{9D8B030D-6E8A-4147-A177-3AD203B41FA5}">
-                      <a16:colId xmlns="" xmlns:a16="http://schemas.microsoft.com/office/drawing/2014/main" val="2762686330"/>
+                      <a16:colId xmlns:a16="http://schemas.microsoft.com/office/drawing/2014/main" xmlns="" val="2762686330"/>
                     </a:ext>
                   </a:extLst>
                 </a:gridCol>
                 <a:gridCol w="818278">
                   <a:extLst>
                     <a:ext uri="{9D8B030D-6E8A-4147-A177-3AD203B41FA5}">
-                      <a16:colId xmlns="" xmlns:a16="http://schemas.microsoft.com/office/drawing/2014/main" val="2113957765"/>
+                      <a16:colId xmlns:a16="http://schemas.microsoft.com/office/drawing/2014/main" xmlns="" val="2113957765"/>
                     </a:ext>
                   </a:extLst>
                 </a:gridCol>
                 <a:gridCol w="999168">
                   <a:extLst>
                     <a:ext uri="{9D8B030D-6E8A-4147-A177-3AD203B41FA5}">
-                      <a16:colId xmlns="" xmlns:a16="http://schemas.microsoft.com/office/drawing/2014/main" val="2495045676"/>
+                      <a16:colId xmlns:a16="http://schemas.microsoft.com/office/drawing/2014/main" xmlns="" val="2495045676"/>
                     </a:ext>
                   </a:extLst>
                 </a:gridCol>
@@ -9676,7 +9676,7 @@
                 </a:tc>
                 <a:extLst>
                   <a:ext uri="{0D108BD9-81ED-4DB2-BD59-A6C34878D82A}">
-                    <a16:rowId xmlns="" xmlns:a16="http://schemas.microsoft.com/office/drawing/2014/main" val="1205791969"/>
+                    <a16:rowId xmlns:a16="http://schemas.microsoft.com/office/drawing/2014/main" xmlns="" val="1205791969"/>
                   </a:ext>
                 </a:extLst>
               </a:tr>
@@ -9970,7 +9970,7 @@
                 </a:tc>
                 <a:extLst>
                   <a:ext uri="{0D108BD9-81ED-4DB2-BD59-A6C34878D82A}">
-                    <a16:rowId xmlns="" xmlns:a16="http://schemas.microsoft.com/office/drawing/2014/main" val="3190319937"/>
+                    <a16:rowId xmlns:a16="http://schemas.microsoft.com/office/drawing/2014/main" xmlns="" val="3190319937"/>
                   </a:ext>
                 </a:extLst>
               </a:tr>
@@ -10365,7 +10365,7 @@
                 </a:tc>
                 <a:extLst>
                   <a:ext uri="{0D108BD9-81ED-4DB2-BD59-A6C34878D82A}">
-                    <a16:rowId xmlns="" xmlns:a16="http://schemas.microsoft.com/office/drawing/2014/main" val="3057983255"/>
+                    <a16:rowId xmlns:a16="http://schemas.microsoft.com/office/drawing/2014/main" xmlns="" val="3057983255"/>
                   </a:ext>
                 </a:extLst>
               </a:tr>
@@ -10695,7 +10695,7 @@
                 </a:tc>
                 <a:extLst>
                   <a:ext uri="{0D108BD9-81ED-4DB2-BD59-A6C34878D82A}">
-                    <a16:rowId xmlns="" xmlns:a16="http://schemas.microsoft.com/office/drawing/2014/main" val="142723232"/>
+                    <a16:rowId xmlns:a16="http://schemas.microsoft.com/office/drawing/2014/main" xmlns="" val="142723232"/>
                   </a:ext>
                 </a:extLst>
               </a:tr>
@@ -11025,7 +11025,7 @@
                 </a:tc>
                 <a:extLst>
                   <a:ext uri="{0D108BD9-81ED-4DB2-BD59-A6C34878D82A}">
-                    <a16:rowId xmlns="" xmlns:a16="http://schemas.microsoft.com/office/drawing/2014/main" val="2010654794"/>
+                    <a16:rowId xmlns:a16="http://schemas.microsoft.com/office/drawing/2014/main" xmlns="" val="2010654794"/>
                   </a:ext>
                 </a:extLst>
               </a:tr>
@@ -11365,7 +11365,7 @@
                 </a:tc>
                 <a:extLst>
                   <a:ext uri="{0D108BD9-81ED-4DB2-BD59-A6C34878D82A}">
-                    <a16:rowId xmlns="" xmlns:a16="http://schemas.microsoft.com/office/drawing/2014/main" val="3090693922"/>
+                    <a16:rowId xmlns:a16="http://schemas.microsoft.com/office/drawing/2014/main" xmlns="" val="3090693922"/>
                   </a:ext>
                 </a:extLst>
               </a:tr>
@@ -11760,7 +11760,7 @@
                 </a:tc>
                 <a:extLst>
                   <a:ext uri="{0D108BD9-81ED-4DB2-BD59-A6C34878D82A}">
-                    <a16:rowId xmlns="" xmlns:a16="http://schemas.microsoft.com/office/drawing/2014/main" val="627599904"/>
+                    <a16:rowId xmlns:a16="http://schemas.microsoft.com/office/drawing/2014/main" xmlns="" val="627599904"/>
                   </a:ext>
                 </a:extLst>
               </a:tr>
@@ -12090,7 +12090,7 @@
                 </a:tc>
                 <a:extLst>
                   <a:ext uri="{0D108BD9-81ED-4DB2-BD59-A6C34878D82A}">
-                    <a16:rowId xmlns="" xmlns:a16="http://schemas.microsoft.com/office/drawing/2014/main" val="2241206887"/>
+                    <a16:rowId xmlns:a16="http://schemas.microsoft.com/office/drawing/2014/main" xmlns="" val="2241206887"/>
                   </a:ext>
                 </a:extLst>
               </a:tr>
@@ -12420,7 +12420,7 @@
                 </a:tc>
                 <a:extLst>
                   <a:ext uri="{0D108BD9-81ED-4DB2-BD59-A6C34878D82A}">
-                    <a16:rowId xmlns="" xmlns:a16="http://schemas.microsoft.com/office/drawing/2014/main" val="552371880"/>
+                    <a16:rowId xmlns:a16="http://schemas.microsoft.com/office/drawing/2014/main" xmlns="" val="552371880"/>
                   </a:ext>
                 </a:extLst>
               </a:tr>
@@ -12750,7 +12750,7 @@
                 </a:tc>
                 <a:extLst>
                   <a:ext uri="{0D108BD9-81ED-4DB2-BD59-A6C34878D82A}">
-                    <a16:rowId xmlns="" xmlns:a16="http://schemas.microsoft.com/office/drawing/2014/main" val="116541910"/>
+                    <a16:rowId xmlns:a16="http://schemas.microsoft.com/office/drawing/2014/main" xmlns="" val="116541910"/>
                   </a:ext>
                 </a:extLst>
               </a:tr>
@@ -13080,7 +13080,7 @@
                 </a:tc>
                 <a:extLst>
                   <a:ext uri="{0D108BD9-81ED-4DB2-BD59-A6C34878D82A}">
-                    <a16:rowId xmlns="" xmlns:a16="http://schemas.microsoft.com/office/drawing/2014/main" val="1742673978"/>
+                    <a16:rowId xmlns:a16="http://schemas.microsoft.com/office/drawing/2014/main" xmlns="" val="1742673978"/>
                   </a:ext>
                 </a:extLst>
               </a:tr>
@@ -13420,7 +13420,7 @@
                 </a:tc>
                 <a:extLst>
                   <a:ext uri="{0D108BD9-81ED-4DB2-BD59-A6C34878D82A}">
-                    <a16:rowId xmlns="" xmlns:a16="http://schemas.microsoft.com/office/drawing/2014/main" val="722975958"/>
+                    <a16:rowId xmlns:a16="http://schemas.microsoft.com/office/drawing/2014/main" xmlns="" val="722975958"/>
                   </a:ext>
                 </a:extLst>
               </a:tr>
@@ -13805,7 +13805,7 @@
                 </a:tc>
                 <a:extLst>
                   <a:ext uri="{0D108BD9-81ED-4DB2-BD59-A6C34878D82A}">
-                    <a16:rowId xmlns="" xmlns:a16="http://schemas.microsoft.com/office/drawing/2014/main" val="2653783117"/>
+                    <a16:rowId xmlns:a16="http://schemas.microsoft.com/office/drawing/2014/main" xmlns="" val="2653783117"/>
                   </a:ext>
                 </a:extLst>
               </a:tr>
@@ -13909,7 +13909,7 @@
           <p:cNvPr id="8" name="Chart 1" title="Chart">
             <a:extLst>
               <a:ext uri="{FF2B5EF4-FFF2-40B4-BE49-F238E27FC236}">
-                <a16:creationId xmlns="" xmlns:a16="http://schemas.microsoft.com/office/drawing/2014/main" id="{00000000-0008-0000-0000-000003000000}"/>
+                <a16:creationId xmlns:a16="http://schemas.microsoft.com/office/drawing/2014/main" xmlns="" id="{00000000-0008-0000-0000-000003000000}"/>
               </a:ext>
             </a:extLst>
           </p:cNvPr>
@@ -13939,7 +13939,7 @@
           <p:cNvPr id="9" name="Chart 1" title="Chart">
             <a:extLst>
               <a:ext uri="{FF2B5EF4-FFF2-40B4-BE49-F238E27FC236}">
-                <a16:creationId xmlns="" xmlns:a16="http://schemas.microsoft.com/office/drawing/2014/main" id="{00000000-0008-0000-0000-000002000000}"/>
+                <a16:creationId xmlns:a16="http://schemas.microsoft.com/office/drawing/2014/main" xmlns="" id="{00000000-0008-0000-0000-000002000000}"/>
               </a:ext>
             </a:extLst>
           </p:cNvPr>
@@ -14060,7 +14060,7 @@
           <p:cNvPr id="3" name="CuadroTexto 2">
             <a:extLst>
               <a:ext uri="{FF2B5EF4-FFF2-40B4-BE49-F238E27FC236}">
-                <a16:creationId xmlns="" xmlns:a16="http://schemas.microsoft.com/office/drawing/2014/main" id="{EB5CEF16-DF68-4175-87A1-37A37A1E0664}"/>
+                <a16:creationId xmlns:a16="http://schemas.microsoft.com/office/drawing/2014/main" xmlns="" id="{EB5CEF16-DF68-4175-87A1-37A37A1E0664}"/>
               </a:ext>
             </a:extLst>
           </p:cNvPr>
@@ -14395,7 +14395,7 @@
           <p:cNvPr id="3" name="CuadroTexto 2">
             <a:extLst>
               <a:ext uri="{FF2B5EF4-FFF2-40B4-BE49-F238E27FC236}">
-                <a16:creationId xmlns="" xmlns:a16="http://schemas.microsoft.com/office/drawing/2014/main" id="{B3E05B2C-448F-4ECF-BEF8-9F8192CC5623}"/>
+                <a16:creationId xmlns:a16="http://schemas.microsoft.com/office/drawing/2014/main" xmlns="" id="{B3E05B2C-448F-4ECF-BEF8-9F8192CC5623}"/>
               </a:ext>
             </a:extLst>
           </p:cNvPr>
@@ -14601,7 +14601,7 @@
           <p:cNvPr id="2" name="CuadroTexto 1">
             <a:extLst>
               <a:ext uri="{FF2B5EF4-FFF2-40B4-BE49-F238E27FC236}">
-                <a16:creationId xmlns="" xmlns:a16="http://schemas.microsoft.com/office/drawing/2014/main" id="{585F2FF1-E103-438A-A5E2-394CD4C49ABE}"/>
+                <a16:creationId xmlns:a16="http://schemas.microsoft.com/office/drawing/2014/main" xmlns="" id="{585F2FF1-E103-438A-A5E2-394CD4C49ABE}"/>
               </a:ext>
             </a:extLst>
           </p:cNvPr>
@@ -14947,7 +14947,7 @@
           <p:cNvPr id="2" name="CuadroTexto 1">
             <a:extLst>
               <a:ext uri="{FF2B5EF4-FFF2-40B4-BE49-F238E27FC236}">
-                <a16:creationId xmlns="" xmlns:a16="http://schemas.microsoft.com/office/drawing/2014/main" id="{4C0880D7-B166-4F0F-ACAC-974216E18C56}"/>
+                <a16:creationId xmlns:a16="http://schemas.microsoft.com/office/drawing/2014/main" xmlns="" id="{4C0880D7-B166-4F0F-ACAC-974216E18C56}"/>
               </a:ext>
             </a:extLst>
           </p:cNvPr>
@@ -15582,7 +15582,7 @@
           <p:cNvPr id="2" name="CuadroTexto 1">
             <a:extLst>
               <a:ext uri="{FF2B5EF4-FFF2-40B4-BE49-F238E27FC236}">
-                <a16:creationId xmlns="" xmlns:a16="http://schemas.microsoft.com/office/drawing/2014/main" id="{4C0880D7-B166-4F0F-ACAC-974216E18C56}"/>
+                <a16:creationId xmlns:a16="http://schemas.microsoft.com/office/drawing/2014/main" xmlns="" id="{4C0880D7-B166-4F0F-ACAC-974216E18C56}"/>
               </a:ext>
             </a:extLst>
           </p:cNvPr>
@@ -15898,7 +15898,7 @@
           <p:cNvPr id="2" name="CuadroTexto 1">
             <a:extLst>
               <a:ext uri="{FF2B5EF4-FFF2-40B4-BE49-F238E27FC236}">
-                <a16:creationId xmlns="" xmlns:a16="http://schemas.microsoft.com/office/drawing/2014/main" id="{4C0880D7-B166-4F0F-ACAC-974216E18C56}"/>
+                <a16:creationId xmlns:a16="http://schemas.microsoft.com/office/drawing/2014/main" xmlns="" id="{4C0880D7-B166-4F0F-ACAC-974216E18C56}"/>
               </a:ext>
             </a:extLst>
           </p:cNvPr>
@@ -16729,7 +16729,7 @@
               <a:buChar char="•"/>
             </a:pPr>
             <a:r>
-              <a:rPr lang="es-CO" sz="2000" dirty="0">
+              <a:rPr lang="es-CO" sz="2000" dirty="0" err="1" smtClean="0">
                 <a:solidFill>
                   <a:schemeClr val="tx1">
                     <a:lumMod val="85000"/>
@@ -16739,8 +16739,18 @@
                 <a:latin typeface="Arial" panose="020B0604020202020204" pitchFamily="34" charset="0"/>
                 <a:cs typeface="Arial" panose="020B0604020202020204" pitchFamily="34" charset="0"/>
               </a:rPr>
-              <a:t>Postgresql</a:t>
-            </a:r>
+              <a:t>PostgreSQL</a:t>
+            </a:r>
+            <a:endParaRPr lang="es-CO" sz="2000" dirty="0">
+              <a:solidFill>
+                <a:schemeClr val="tx1">
+                  <a:lumMod val="85000"/>
+                  <a:lumOff val="15000"/>
+                </a:schemeClr>
+              </a:solidFill>
+              <a:latin typeface="Arial" panose="020B0604020202020204" pitchFamily="34" charset="0"/>
+              <a:cs typeface="Arial" panose="020B0604020202020204" pitchFamily="34" charset="0"/>
+            </a:endParaRPr>
           </a:p>
         </p:txBody>
       </p:sp>
@@ -16749,7 +16759,7 @@
           <p:cNvPr id="5" name="Imagen 4">
             <a:extLst>
               <a:ext uri="{FF2B5EF4-FFF2-40B4-BE49-F238E27FC236}">
-                <a16:creationId xmlns="" xmlns:a16="http://schemas.microsoft.com/office/drawing/2014/main" id="{B3AF45A2-0048-4680-9268-7058CCBF71DF}"/>
+                <a16:creationId xmlns:a16="http://schemas.microsoft.com/office/drawing/2014/main" xmlns="" id="{B3AF45A2-0048-4680-9268-7058CCBF71DF}"/>
               </a:ext>
             </a:extLst>
           </p:cNvPr>
@@ -16785,7 +16795,7 @@
           <p:cNvPr id="7" name="Imagen 6">
             <a:extLst>
               <a:ext uri="{FF2B5EF4-FFF2-40B4-BE49-F238E27FC236}">
-                <a16:creationId xmlns="" xmlns:a16="http://schemas.microsoft.com/office/drawing/2014/main" id="{2C013981-C90B-4026-A12B-5D60518F9D30}"/>
+                <a16:creationId xmlns:a16="http://schemas.microsoft.com/office/drawing/2014/main" xmlns="" id="{2C013981-C90B-4026-A12B-5D60518F9D30}"/>
               </a:ext>
             </a:extLst>
           </p:cNvPr>
@@ -16821,7 +16831,7 @@
           <p:cNvPr id="9" name="Imagen 8">
             <a:extLst>
               <a:ext uri="{FF2B5EF4-FFF2-40B4-BE49-F238E27FC236}">
-                <a16:creationId xmlns="" xmlns:a16="http://schemas.microsoft.com/office/drawing/2014/main" id="{AAA72AB6-D7ED-4441-88E9-CE75A79FDCA8}"/>
+                <a16:creationId xmlns:a16="http://schemas.microsoft.com/office/drawing/2014/main" xmlns="" id="{AAA72AB6-D7ED-4441-88E9-CE75A79FDCA8}"/>
               </a:ext>
             </a:extLst>
           </p:cNvPr>
@@ -16857,7 +16867,7 @@
           <p:cNvPr id="11" name="Imagen 10">
             <a:extLst>
               <a:ext uri="{FF2B5EF4-FFF2-40B4-BE49-F238E27FC236}">
-                <a16:creationId xmlns="" xmlns:a16="http://schemas.microsoft.com/office/drawing/2014/main" id="{B84EE28F-8E12-4ABE-8662-DBA26E891732}"/>
+                <a16:creationId xmlns:a16="http://schemas.microsoft.com/office/drawing/2014/main" xmlns="" id="{B84EE28F-8E12-4ABE-8662-DBA26E891732}"/>
               </a:ext>
             </a:extLst>
           </p:cNvPr>
@@ -16984,7 +16994,7 @@
           <p:cNvPr id="4" name="Imagen 3">
             <a:extLst>
               <a:ext uri="{FF2B5EF4-FFF2-40B4-BE49-F238E27FC236}">
-                <a16:creationId xmlns="" xmlns:a16="http://schemas.microsoft.com/office/drawing/2014/main" id="{16D90900-6598-4986-AE8B-5DE9E3CE52D9}"/>
+                <a16:creationId xmlns:a16="http://schemas.microsoft.com/office/drawing/2014/main" xmlns="" id="{16D90900-6598-4986-AE8B-5DE9E3CE52D9}"/>
               </a:ext>
             </a:extLst>
           </p:cNvPr>
@@ -17642,7 +17652,7 @@
           <p:cNvPr id="3" name="CuadroTexto 2">
             <a:extLst>
               <a:ext uri="{FF2B5EF4-FFF2-40B4-BE49-F238E27FC236}">
-                <a16:creationId xmlns="" xmlns:a16="http://schemas.microsoft.com/office/drawing/2014/main" id="{E9CC970F-E4E6-47B4-894B-BB9D00F1CF33}"/>
+                <a16:creationId xmlns:a16="http://schemas.microsoft.com/office/drawing/2014/main" xmlns="" id="{E9CC970F-E4E6-47B4-894B-BB9D00F1CF33}"/>
               </a:ext>
             </a:extLst>
           </p:cNvPr>
@@ -18156,29 +18166,7 @@
                   </a:schemeClr>
                 </a:solidFill>
               </a:rPr>
-              <a:t>Visualización </a:t>
-            </a:r>
-            <a:r>
-              <a:rPr lang="es-CO" dirty="0" smtClean="0">
-                <a:solidFill>
-                  <a:schemeClr val="tx1">
-                    <a:lumMod val="85000"/>
-                    <a:lumOff val="15000"/>
-                  </a:schemeClr>
-                </a:solidFill>
-              </a:rPr>
-              <a:t>de </a:t>
-            </a:r>
-            <a:r>
-              <a:rPr lang="es-CO" dirty="0" smtClean="0">
-                <a:solidFill>
-                  <a:schemeClr val="tx1">
-                    <a:lumMod val="85000"/>
-                    <a:lumOff val="15000"/>
-                  </a:schemeClr>
-                </a:solidFill>
-              </a:rPr>
-              <a:t>Productos</a:t>
+              <a:t>Visualización de Productos</a:t>
             </a:r>
             <a:endParaRPr lang="es-CO" dirty="0">
               <a:solidFill>
@@ -18455,7 +18443,7 @@
   <a:extraClrSchemeLst/>
   <a:extLst>
     <a:ext uri="{05A4C25C-085E-4340-85A3-A5531E510DB2}">
-      <thm15:themeFamily xmlns="" xmlns:thm15="http://schemas.microsoft.com/office/thememl/2012/main" name="Facet" id="{C0C680CD-088A-49FC-A102-D699147F32B2}" vid="{CFBC31BA-B70F-4F30-BCAA-4F3011E16C4D}"/>
+      <thm15:themeFamily xmlns:thm15="http://schemas.microsoft.com/office/thememl/2012/main" xmlns="" name="Facet" id="{C0C680CD-088A-49FC-A102-D699147F32B2}" vid="{CFBC31BA-B70F-4F30-BCAA-4F3011E16C4D}"/>
     </a:ext>
   </a:extLst>
 </a:theme>

--- a/extras/docs/rdc_presentacion.pptx
+++ b/extras/docs/rdc_presentacion.pptx
@@ -127,7 +127,7 @@
   </p:defaultTextStyle>
   <p:extLst>
     <p:ext uri="{EFAFB233-063F-42B5-8137-9DF3F51BA10A}">
-      <p15:sldGuideLst xmlns:p15="http://schemas.microsoft.com/office/powerpoint/2012/main" xmlns="">
+      <p15:sldGuideLst xmlns:p15="http://schemas.microsoft.com/office/powerpoint/2012/main">
         <p15:guide id="1" orient="horz" pos="2160">
           <p15:clr>
             <a:srgbClr val="A4A3A4"/>
@@ -149,9 +149,9 @@
 </file>
 
 <file path=ppt/charts/chart1.xml><?xml version="1.0" encoding="utf-8"?>
-<c:chartSpace xmlns:c="http://schemas.openxmlformats.org/drawingml/2006/chart" xmlns:a="http://schemas.openxmlformats.org/drawingml/2006/main" xmlns:r="http://schemas.openxmlformats.org/officeDocument/2006/relationships">
+<c:chartSpace xmlns:c="http://schemas.openxmlformats.org/drawingml/2006/chart" xmlns:a="http://schemas.openxmlformats.org/drawingml/2006/main" xmlns:r="http://schemas.openxmlformats.org/officeDocument/2006/relationships" xmlns:c16r2="http://schemas.microsoft.com/office/drawing/2015/06/chart">
   <c:date1904 val="0"/>
-  <c:lang val="es-CO"/>
+  <c:lang val="es-ES"/>
   <c:roundedCorners val="1"/>
   <mc:AlternateContent xmlns:mc="http://schemas.openxmlformats.org/markup-compatibility/2006">
     <mc:Choice xmlns:c14="http://schemas.microsoft.com/office/drawing/2007/8/2/chart" Requires="c14">
@@ -330,7 +330,7 @@
               </c:numCache>
             </c:numRef>
           </c:val>
-          <c:extLst xmlns:c16r2="http://schemas.microsoft.com/office/drawing/2015/06/chart">
+          <c:extLst>
             <c:ext xmlns:c16="http://schemas.microsoft.com/office/drawing/2014/chart" uri="{C3380CC4-5D6E-409C-BE32-E72D297353CC}">
               <c16:uniqueId val="{00000000-D21C-4448-B589-C66B95183857}"/>
             </c:ext>
@@ -464,7 +464,7 @@
               </c:numCache>
             </c:numRef>
           </c:val>
-          <c:extLst xmlns:c16r2="http://schemas.microsoft.com/office/drawing/2015/06/chart">
+          <c:extLst>
             <c:ext xmlns:c16="http://schemas.microsoft.com/office/drawing/2014/chart" uri="{C3380CC4-5D6E-409C-BE32-E72D297353CC}">
               <c16:uniqueId val="{00000001-D21C-4448-B589-C66B95183857}"/>
             </c:ext>
@@ -506,7 +506,6 @@
               </a:p>
             </c:rich>
           </c:tx>
-          <c:layout/>
           <c:overlay val="0"/>
           <c:spPr>
             <a:noFill/>
@@ -587,7 +586,6 @@
               </a:p>
             </c:rich>
           </c:tx>
-          <c:layout/>
           <c:overlay val="0"/>
           <c:spPr>
             <a:noFill/>
@@ -632,7 +630,6 @@
     </c:plotArea>
     <c:legend>
       <c:legendPos val="b"/>
-      <c:layout/>
       <c:overlay val="0"/>
       <c:spPr>
         <a:noFill/>
@@ -692,9 +689,9 @@
 </file>
 
 <file path=ppt/charts/chart2.xml><?xml version="1.0" encoding="utf-8"?>
-<c:chartSpace xmlns:c="http://schemas.openxmlformats.org/drawingml/2006/chart" xmlns:a="http://schemas.openxmlformats.org/drawingml/2006/main" xmlns:r="http://schemas.openxmlformats.org/officeDocument/2006/relationships">
+<c:chartSpace xmlns:c="http://schemas.openxmlformats.org/drawingml/2006/chart" xmlns:a="http://schemas.openxmlformats.org/drawingml/2006/main" xmlns:r="http://schemas.openxmlformats.org/officeDocument/2006/relationships" xmlns:c16r2="http://schemas.microsoft.com/office/drawing/2015/06/chart">
   <c:date1904 val="0"/>
-  <c:lang val="es-CO"/>
+  <c:lang val="es-ES"/>
   <c:roundedCorners val="1"/>
   <mc:AlternateContent xmlns:mc="http://schemas.openxmlformats.org/markup-compatibility/2006">
     <mc:Choice xmlns:c14="http://schemas.microsoft.com/office/drawing/2007/8/2/chart" Requires="c14">
@@ -873,7 +870,7 @@
               </c:numCache>
             </c:numRef>
           </c:val>
-          <c:extLst xmlns:c16r2="http://schemas.microsoft.com/office/drawing/2015/06/chart">
+          <c:extLst>
             <c:ext xmlns:c16="http://schemas.microsoft.com/office/drawing/2014/chart" uri="{C3380CC4-5D6E-409C-BE32-E72D297353CC}">
               <c16:uniqueId val="{00000000-2D3E-4372-A754-D42F52A5145C}"/>
             </c:ext>
@@ -1007,7 +1004,7 @@
               </c:numCache>
             </c:numRef>
           </c:val>
-          <c:extLst xmlns:c16r2="http://schemas.microsoft.com/office/drawing/2015/06/chart">
+          <c:extLst>
             <c:ext xmlns:c16="http://schemas.microsoft.com/office/drawing/2014/chart" uri="{C3380CC4-5D6E-409C-BE32-E72D297353CC}">
               <c16:uniqueId val="{00000001-2D3E-4372-A754-D42F52A5145C}"/>
             </c:ext>
@@ -1049,7 +1046,6 @@
               </a:p>
             </c:rich>
           </c:tx>
-          <c:layout/>
           <c:overlay val="0"/>
           <c:spPr>
             <a:noFill/>
@@ -1130,7 +1126,6 @@
               </a:p>
             </c:rich>
           </c:tx>
-          <c:layout/>
           <c:overlay val="0"/>
           <c:spPr>
             <a:noFill/>
@@ -1175,7 +1170,6 @@
     </c:plotArea>
     <c:legend>
       <c:legendPos val="b"/>
-      <c:layout/>
       <c:overlay val="0"/>
       <c:spPr>
         <a:noFill/>
@@ -7786,7 +7780,13 @@
       </p:sp>
       <p:pic>
         <p:nvPicPr>
-          <p:cNvPr id="6" name="Picture 5"/>
+          <p:cNvPr id="2" name="Imagen 1">
+            <a:extLst>
+              <a:ext uri="{FF2B5EF4-FFF2-40B4-BE49-F238E27FC236}">
+                <a16:creationId xmlns:a16="http://schemas.microsoft.com/office/drawing/2014/main" id="{A652FB73-A053-428B-9C7B-41EEF2BF502C}"/>
+              </a:ext>
+            </a:extLst>
+          </p:cNvPr>
           <p:cNvPicPr>
             <a:picLocks noChangeAspect="1"/>
           </p:cNvPicPr>
@@ -7800,22 +7800,12 @@
         </p:blipFill>
         <p:spPr>
           <a:xfrm>
-            <a:off x="320801" y="1803952"/>
-            <a:ext cx="8316756" cy="3988777"/>
+            <a:off x="205357" y="1851412"/>
+            <a:ext cx="8432200" cy="4122563"/>
           </a:xfrm>
           <a:prstGeom prst="rect">
             <a:avLst/>
           </a:prstGeom>
-          <a:ln>
-            <a:noFill/>
-          </a:ln>
-          <a:effectLst>
-            <a:outerShdw blurRad="292100" dist="139700" dir="2700000" algn="tl" rotWithShape="0">
-              <a:srgbClr val="333333">
-                <a:alpha val="65000"/>
-              </a:srgbClr>
-            </a:outerShdw>
-          </a:effectLst>
         </p:spPr>
       </p:pic>
     </p:spTree>
@@ -7853,7 +7843,7 @@
           <p:cNvPr id="2" name="Marcador de contenido 1">
             <a:extLst>
               <a:ext uri="{FF2B5EF4-FFF2-40B4-BE49-F238E27FC236}">
-                <a16:creationId xmlns:a16="http://schemas.microsoft.com/office/drawing/2014/main" xmlns="" id="{BFB8CA3A-775A-4283-B473-CBA3C699E771}"/>
+                <a16:creationId xmlns:a16="http://schemas.microsoft.com/office/drawing/2014/main" id="{BFB8CA3A-775A-4283-B473-CBA3C699E771}"/>
               </a:ext>
             </a:extLst>
           </p:cNvPr>
@@ -7883,14 +7873,14 @@
                 <a:gridCol w="5304444">
                   <a:extLst>
                     <a:ext uri="{9D8B030D-6E8A-4147-A177-3AD203B41FA5}">
-                      <a16:colId xmlns:a16="http://schemas.microsoft.com/office/drawing/2014/main" xmlns="" val="2602485393"/>
+                      <a16:colId xmlns:a16="http://schemas.microsoft.com/office/drawing/2014/main" val="2602485393"/>
                     </a:ext>
                   </a:extLst>
                 </a:gridCol>
                 <a:gridCol w="1728977">
                   <a:extLst>
                     <a:ext uri="{9D8B030D-6E8A-4147-A177-3AD203B41FA5}">
-                      <a16:colId xmlns:a16="http://schemas.microsoft.com/office/drawing/2014/main" xmlns="" val="2786604418"/>
+                      <a16:colId xmlns:a16="http://schemas.microsoft.com/office/drawing/2014/main" val="2786604418"/>
                     </a:ext>
                   </a:extLst>
                 </a:gridCol>
@@ -7978,7 +7968,7 @@
                 </a:tc>
                 <a:extLst>
                   <a:ext uri="{0D108BD9-81ED-4DB2-BD59-A6C34878D82A}">
-                    <a16:rowId xmlns:a16="http://schemas.microsoft.com/office/drawing/2014/main" xmlns="" val="680232555"/>
+                    <a16:rowId xmlns:a16="http://schemas.microsoft.com/office/drawing/2014/main" val="680232555"/>
                   </a:ext>
                 </a:extLst>
               </a:tr>
@@ -8065,7 +8055,7 @@
                 </a:tc>
                 <a:extLst>
                   <a:ext uri="{0D108BD9-81ED-4DB2-BD59-A6C34878D82A}">
-                    <a16:rowId xmlns:a16="http://schemas.microsoft.com/office/drawing/2014/main" xmlns="" val="3577557739"/>
+                    <a16:rowId xmlns:a16="http://schemas.microsoft.com/office/drawing/2014/main" val="3577557739"/>
                   </a:ext>
                 </a:extLst>
               </a:tr>
@@ -8152,7 +8142,7 @@
                 </a:tc>
                 <a:extLst>
                   <a:ext uri="{0D108BD9-81ED-4DB2-BD59-A6C34878D82A}">
-                    <a16:rowId xmlns:a16="http://schemas.microsoft.com/office/drawing/2014/main" xmlns="" val="3154357346"/>
+                    <a16:rowId xmlns:a16="http://schemas.microsoft.com/office/drawing/2014/main" val="3154357346"/>
                   </a:ext>
                 </a:extLst>
               </a:tr>
@@ -8239,7 +8229,7 @@
                 </a:tc>
                 <a:extLst>
                   <a:ext uri="{0D108BD9-81ED-4DB2-BD59-A6C34878D82A}">
-                    <a16:rowId xmlns:a16="http://schemas.microsoft.com/office/drawing/2014/main" xmlns="" val="2015189163"/>
+                    <a16:rowId xmlns:a16="http://schemas.microsoft.com/office/drawing/2014/main" val="2015189163"/>
                   </a:ext>
                 </a:extLst>
               </a:tr>
@@ -8326,7 +8316,7 @@
                 </a:tc>
                 <a:extLst>
                   <a:ext uri="{0D108BD9-81ED-4DB2-BD59-A6C34878D82A}">
-                    <a16:rowId xmlns:a16="http://schemas.microsoft.com/office/drawing/2014/main" xmlns="" val="3033574485"/>
+                    <a16:rowId xmlns:a16="http://schemas.microsoft.com/office/drawing/2014/main" val="3033574485"/>
                   </a:ext>
                 </a:extLst>
               </a:tr>
@@ -8413,7 +8403,7 @@
                 </a:tc>
                 <a:extLst>
                   <a:ext uri="{0D108BD9-81ED-4DB2-BD59-A6C34878D82A}">
-                    <a16:rowId xmlns:a16="http://schemas.microsoft.com/office/drawing/2014/main" xmlns="" val="105546820"/>
+                    <a16:rowId xmlns:a16="http://schemas.microsoft.com/office/drawing/2014/main" val="105546820"/>
                   </a:ext>
                 </a:extLst>
               </a:tr>
@@ -8500,7 +8490,7 @@
                 </a:tc>
                 <a:extLst>
                   <a:ext uri="{0D108BD9-81ED-4DB2-BD59-A6C34878D82A}">
-                    <a16:rowId xmlns:a16="http://schemas.microsoft.com/office/drawing/2014/main" xmlns="" val="1824869552"/>
+                    <a16:rowId xmlns:a16="http://schemas.microsoft.com/office/drawing/2014/main" val="1824869552"/>
                   </a:ext>
                 </a:extLst>
               </a:tr>
@@ -8587,7 +8577,7 @@
                 </a:tc>
                 <a:extLst>
                   <a:ext uri="{0D108BD9-81ED-4DB2-BD59-A6C34878D82A}">
-                    <a16:rowId xmlns:a16="http://schemas.microsoft.com/office/drawing/2014/main" xmlns="" val="3109995033"/>
+                    <a16:rowId xmlns:a16="http://schemas.microsoft.com/office/drawing/2014/main" val="3109995033"/>
                   </a:ext>
                 </a:extLst>
               </a:tr>
@@ -8674,7 +8664,7 @@
                 </a:tc>
                 <a:extLst>
                   <a:ext uri="{0D108BD9-81ED-4DB2-BD59-A6C34878D82A}">
-                    <a16:rowId xmlns:a16="http://schemas.microsoft.com/office/drawing/2014/main" xmlns="" val="3267673382"/>
+                    <a16:rowId xmlns:a16="http://schemas.microsoft.com/office/drawing/2014/main" val="3267673382"/>
                   </a:ext>
                 </a:extLst>
               </a:tr>
@@ -8761,7 +8751,7 @@
                 </a:tc>
                 <a:extLst>
                   <a:ext uri="{0D108BD9-81ED-4DB2-BD59-A6C34878D82A}">
-                    <a16:rowId xmlns:a16="http://schemas.microsoft.com/office/drawing/2014/main" xmlns="" val="1788793914"/>
+                    <a16:rowId xmlns:a16="http://schemas.microsoft.com/office/drawing/2014/main" val="1788793914"/>
                   </a:ext>
                 </a:extLst>
               </a:tr>
@@ -8848,7 +8838,7 @@
                 </a:tc>
                 <a:extLst>
                   <a:ext uri="{0D108BD9-81ED-4DB2-BD59-A6C34878D82A}">
-                    <a16:rowId xmlns:a16="http://schemas.microsoft.com/office/drawing/2014/main" xmlns="" val="758896334"/>
+                    <a16:rowId xmlns:a16="http://schemas.microsoft.com/office/drawing/2014/main" val="758896334"/>
                   </a:ext>
                 </a:extLst>
               </a:tr>
@@ -8935,7 +8925,7 @@
                 </a:tc>
                 <a:extLst>
                   <a:ext uri="{0D108BD9-81ED-4DB2-BD59-A6C34878D82A}">
-                    <a16:rowId xmlns:a16="http://schemas.microsoft.com/office/drawing/2014/main" xmlns="" val="2965732642"/>
+                    <a16:rowId xmlns:a16="http://schemas.microsoft.com/office/drawing/2014/main" val="2965732642"/>
                   </a:ext>
                 </a:extLst>
               </a:tr>
@@ -9022,7 +9012,7 @@
                 </a:tc>
                 <a:extLst>
                   <a:ext uri="{0D108BD9-81ED-4DB2-BD59-A6C34878D82A}">
-                    <a16:rowId xmlns:a16="http://schemas.microsoft.com/office/drawing/2014/main" xmlns="" val="456296594"/>
+                    <a16:rowId xmlns:a16="http://schemas.microsoft.com/office/drawing/2014/main" val="456296594"/>
                   </a:ext>
                 </a:extLst>
               </a:tr>
@@ -9109,7 +9099,7 @@
                 </a:tc>
                 <a:extLst>
                   <a:ext uri="{0D108BD9-81ED-4DB2-BD59-A6C34878D82A}">
-                    <a16:rowId xmlns:a16="http://schemas.microsoft.com/office/drawing/2014/main" xmlns="" val="1809744462"/>
+                    <a16:rowId xmlns:a16="http://schemas.microsoft.com/office/drawing/2014/main" val="1809744462"/>
                   </a:ext>
                 </a:extLst>
               </a:tr>
@@ -9196,7 +9186,7 @@
                 </a:tc>
                 <a:extLst>
                   <a:ext uri="{0D108BD9-81ED-4DB2-BD59-A6C34878D82A}">
-                    <a16:rowId xmlns:a16="http://schemas.microsoft.com/office/drawing/2014/main" xmlns="" val="3437766592"/>
+                    <a16:rowId xmlns:a16="http://schemas.microsoft.com/office/drawing/2014/main" val="3437766592"/>
                   </a:ext>
                 </a:extLst>
               </a:tr>
@@ -9361,7 +9351,7 @@
           <p:cNvPr id="6" name="Marcador de contenido 5">
             <a:extLst>
               <a:ext uri="{FF2B5EF4-FFF2-40B4-BE49-F238E27FC236}">
-                <a16:creationId xmlns:a16="http://schemas.microsoft.com/office/drawing/2014/main" xmlns="" id="{33CC28FB-25F0-4849-B092-1742F3204970}"/>
+                <a16:creationId xmlns:a16="http://schemas.microsoft.com/office/drawing/2014/main" id="{33CC28FB-25F0-4849-B092-1742F3204970}"/>
               </a:ext>
             </a:extLst>
           </p:cNvPr>
@@ -9391,42 +9381,42 @@
                 <a:gridCol w="1224043">
                   <a:extLst>
                     <a:ext uri="{9D8B030D-6E8A-4147-A177-3AD203B41FA5}">
-                      <a16:colId xmlns:a16="http://schemas.microsoft.com/office/drawing/2014/main" xmlns="" val="1021433285"/>
+                      <a16:colId xmlns:a16="http://schemas.microsoft.com/office/drawing/2014/main" val="1021433285"/>
                     </a:ext>
                   </a:extLst>
                 </a:gridCol>
                 <a:gridCol w="937437">
                   <a:extLst>
                     <a:ext uri="{9D8B030D-6E8A-4147-A177-3AD203B41FA5}">
-                      <a16:colId xmlns:a16="http://schemas.microsoft.com/office/drawing/2014/main" xmlns="" val="1809417385"/>
+                      <a16:colId xmlns:a16="http://schemas.microsoft.com/office/drawing/2014/main" val="1809417385"/>
                     </a:ext>
                   </a:extLst>
                 </a:gridCol>
                 <a:gridCol w="937437">
                   <a:extLst>
                     <a:ext uri="{9D8B030D-6E8A-4147-A177-3AD203B41FA5}">
-                      <a16:colId xmlns:a16="http://schemas.microsoft.com/office/drawing/2014/main" xmlns="" val="1689638878"/>
+                      <a16:colId xmlns:a16="http://schemas.microsoft.com/office/drawing/2014/main" val="1689638878"/>
                     </a:ext>
                   </a:extLst>
                 </a:gridCol>
                 <a:gridCol w="937437">
                   <a:extLst>
                     <a:ext uri="{9D8B030D-6E8A-4147-A177-3AD203B41FA5}">
-                      <a16:colId xmlns:a16="http://schemas.microsoft.com/office/drawing/2014/main" xmlns="" val="2762686330"/>
+                      <a16:colId xmlns:a16="http://schemas.microsoft.com/office/drawing/2014/main" val="2762686330"/>
                     </a:ext>
                   </a:extLst>
                 </a:gridCol>
                 <a:gridCol w="818278">
                   <a:extLst>
                     <a:ext uri="{9D8B030D-6E8A-4147-A177-3AD203B41FA5}">
-                      <a16:colId xmlns:a16="http://schemas.microsoft.com/office/drawing/2014/main" xmlns="" val="2113957765"/>
+                      <a16:colId xmlns:a16="http://schemas.microsoft.com/office/drawing/2014/main" val="2113957765"/>
                     </a:ext>
                   </a:extLst>
                 </a:gridCol>
                 <a:gridCol w="999168">
                   <a:extLst>
                     <a:ext uri="{9D8B030D-6E8A-4147-A177-3AD203B41FA5}">
-                      <a16:colId xmlns:a16="http://schemas.microsoft.com/office/drawing/2014/main" xmlns="" val="2495045676"/>
+                      <a16:colId xmlns:a16="http://schemas.microsoft.com/office/drawing/2014/main" val="2495045676"/>
                     </a:ext>
                   </a:extLst>
                 </a:gridCol>
@@ -9490,7 +9480,7 @@
                     <a:p>
                       <a:pPr algn="ctr" fontAlgn="ctr"/>
                       <a:r>
-                        <a:rPr lang="es-CO" sz="1200" u="none" strike="noStrike" dirty="0" smtClean="0">
+                        <a:rPr lang="es-CO" sz="1200" u="none" strike="noStrike" dirty="0">
                           <a:effectLst/>
                           <a:latin typeface="Arial" panose="020B0604020202020204" pitchFamily="34" charset="0"/>
                           <a:cs typeface="Arial" panose="020B0604020202020204" pitchFamily="34" charset="0"/>
@@ -9676,7 +9666,7 @@
                 </a:tc>
                 <a:extLst>
                   <a:ext uri="{0D108BD9-81ED-4DB2-BD59-A6C34878D82A}">
-                    <a16:rowId xmlns:a16="http://schemas.microsoft.com/office/drawing/2014/main" xmlns="" val="1205791969"/>
+                    <a16:rowId xmlns:a16="http://schemas.microsoft.com/office/drawing/2014/main" val="1205791969"/>
                   </a:ext>
                 </a:extLst>
               </a:tr>
@@ -9970,7 +9960,7 @@
                 </a:tc>
                 <a:extLst>
                   <a:ext uri="{0D108BD9-81ED-4DB2-BD59-A6C34878D82A}">
-                    <a16:rowId xmlns:a16="http://schemas.microsoft.com/office/drawing/2014/main" xmlns="" val="3190319937"/>
+                    <a16:rowId xmlns:a16="http://schemas.microsoft.com/office/drawing/2014/main" val="3190319937"/>
                   </a:ext>
                 </a:extLst>
               </a:tr>
@@ -10365,7 +10355,7 @@
                 </a:tc>
                 <a:extLst>
                   <a:ext uri="{0D108BD9-81ED-4DB2-BD59-A6C34878D82A}">
-                    <a16:rowId xmlns:a16="http://schemas.microsoft.com/office/drawing/2014/main" xmlns="" val="3057983255"/>
+                    <a16:rowId xmlns:a16="http://schemas.microsoft.com/office/drawing/2014/main" val="3057983255"/>
                   </a:ext>
                 </a:extLst>
               </a:tr>
@@ -10695,7 +10685,7 @@
                 </a:tc>
                 <a:extLst>
                   <a:ext uri="{0D108BD9-81ED-4DB2-BD59-A6C34878D82A}">
-                    <a16:rowId xmlns:a16="http://schemas.microsoft.com/office/drawing/2014/main" xmlns="" val="142723232"/>
+                    <a16:rowId xmlns:a16="http://schemas.microsoft.com/office/drawing/2014/main" val="142723232"/>
                   </a:ext>
                 </a:extLst>
               </a:tr>
@@ -10717,7 +10707,7 @@
                     <a:p>
                       <a:pPr algn="ctr" fontAlgn="ctr"/>
                       <a:r>
-                        <a:rPr lang="es-CO" sz="1200" u="none" strike="noStrike" dirty="0" smtClean="0">
+                        <a:rPr lang="es-CO" sz="1200" u="none" strike="noStrike" dirty="0">
                           <a:effectLst/>
                           <a:latin typeface="Arial" panose="020B0604020202020204" pitchFamily="34" charset="0"/>
                           <a:cs typeface="Arial" panose="020B0604020202020204" pitchFamily="34" charset="0"/>
@@ -11025,7 +11015,7 @@
                 </a:tc>
                 <a:extLst>
                   <a:ext uri="{0D108BD9-81ED-4DB2-BD59-A6C34878D82A}">
-                    <a16:rowId xmlns:a16="http://schemas.microsoft.com/office/drawing/2014/main" xmlns="" val="2010654794"/>
+                    <a16:rowId xmlns:a16="http://schemas.microsoft.com/office/drawing/2014/main" val="2010654794"/>
                   </a:ext>
                 </a:extLst>
               </a:tr>
@@ -11365,7 +11355,7 @@
                 </a:tc>
                 <a:extLst>
                   <a:ext uri="{0D108BD9-81ED-4DB2-BD59-A6C34878D82A}">
-                    <a16:rowId xmlns:a16="http://schemas.microsoft.com/office/drawing/2014/main" xmlns="" val="3090693922"/>
+                    <a16:rowId xmlns:a16="http://schemas.microsoft.com/office/drawing/2014/main" val="3090693922"/>
                   </a:ext>
                 </a:extLst>
               </a:tr>
@@ -11760,7 +11750,7 @@
                 </a:tc>
                 <a:extLst>
                   <a:ext uri="{0D108BD9-81ED-4DB2-BD59-A6C34878D82A}">
-                    <a16:rowId xmlns:a16="http://schemas.microsoft.com/office/drawing/2014/main" xmlns="" val="627599904"/>
+                    <a16:rowId xmlns:a16="http://schemas.microsoft.com/office/drawing/2014/main" val="627599904"/>
                   </a:ext>
                 </a:extLst>
               </a:tr>
@@ -12090,7 +12080,7 @@
                 </a:tc>
                 <a:extLst>
                   <a:ext uri="{0D108BD9-81ED-4DB2-BD59-A6C34878D82A}">
-                    <a16:rowId xmlns:a16="http://schemas.microsoft.com/office/drawing/2014/main" xmlns="" val="2241206887"/>
+                    <a16:rowId xmlns:a16="http://schemas.microsoft.com/office/drawing/2014/main" val="2241206887"/>
                   </a:ext>
                 </a:extLst>
               </a:tr>
@@ -12420,7 +12410,7 @@
                 </a:tc>
                 <a:extLst>
                   <a:ext uri="{0D108BD9-81ED-4DB2-BD59-A6C34878D82A}">
-                    <a16:rowId xmlns:a16="http://schemas.microsoft.com/office/drawing/2014/main" xmlns="" val="552371880"/>
+                    <a16:rowId xmlns:a16="http://schemas.microsoft.com/office/drawing/2014/main" val="552371880"/>
                   </a:ext>
                 </a:extLst>
               </a:tr>
@@ -12750,7 +12740,7 @@
                 </a:tc>
                 <a:extLst>
                   <a:ext uri="{0D108BD9-81ED-4DB2-BD59-A6C34878D82A}">
-                    <a16:rowId xmlns:a16="http://schemas.microsoft.com/office/drawing/2014/main" xmlns="" val="116541910"/>
+                    <a16:rowId xmlns:a16="http://schemas.microsoft.com/office/drawing/2014/main" val="116541910"/>
                   </a:ext>
                 </a:extLst>
               </a:tr>
@@ -13080,7 +13070,7 @@
                 </a:tc>
                 <a:extLst>
                   <a:ext uri="{0D108BD9-81ED-4DB2-BD59-A6C34878D82A}">
-                    <a16:rowId xmlns:a16="http://schemas.microsoft.com/office/drawing/2014/main" xmlns="" val="1742673978"/>
+                    <a16:rowId xmlns:a16="http://schemas.microsoft.com/office/drawing/2014/main" val="1742673978"/>
                   </a:ext>
                 </a:extLst>
               </a:tr>
@@ -13420,7 +13410,7 @@
                 </a:tc>
                 <a:extLst>
                   <a:ext uri="{0D108BD9-81ED-4DB2-BD59-A6C34878D82A}">
-                    <a16:rowId xmlns:a16="http://schemas.microsoft.com/office/drawing/2014/main" xmlns="" val="722975958"/>
+                    <a16:rowId xmlns:a16="http://schemas.microsoft.com/office/drawing/2014/main" val="722975958"/>
                   </a:ext>
                 </a:extLst>
               </a:tr>
@@ -13477,7 +13467,7 @@
                     <a:p>
                       <a:pPr algn="ctr" fontAlgn="ctr"/>
                       <a:r>
-                        <a:rPr lang="es-CO" sz="1200" u="none" strike="noStrike" dirty="0" smtClean="0">
+                        <a:rPr lang="es-CO" sz="1200" u="none" strike="noStrike" dirty="0">
                           <a:effectLst/>
                           <a:latin typeface="Arial" panose="020B0604020202020204" pitchFamily="34" charset="0"/>
                           <a:cs typeface="Arial" panose="020B0604020202020204" pitchFamily="34" charset="0"/>
@@ -13805,7 +13795,7 @@
                 </a:tc>
                 <a:extLst>
                   <a:ext uri="{0D108BD9-81ED-4DB2-BD59-A6C34878D82A}">
-                    <a16:rowId xmlns:a16="http://schemas.microsoft.com/office/drawing/2014/main" xmlns="" val="2653783117"/>
+                    <a16:rowId xmlns:a16="http://schemas.microsoft.com/office/drawing/2014/main" val="2653783117"/>
                   </a:ext>
                 </a:extLst>
               </a:tr>
@@ -13909,7 +13899,7 @@
           <p:cNvPr id="8" name="Chart 1" title="Chart">
             <a:extLst>
               <a:ext uri="{FF2B5EF4-FFF2-40B4-BE49-F238E27FC236}">
-                <a16:creationId xmlns:a16="http://schemas.microsoft.com/office/drawing/2014/main" xmlns="" id="{00000000-0008-0000-0000-000003000000}"/>
+                <a16:creationId xmlns:a16="http://schemas.microsoft.com/office/drawing/2014/main" id="{00000000-0008-0000-0000-000003000000}"/>
               </a:ext>
             </a:extLst>
           </p:cNvPr>
@@ -13939,7 +13929,7 @@
           <p:cNvPr id="9" name="Chart 1" title="Chart">
             <a:extLst>
               <a:ext uri="{FF2B5EF4-FFF2-40B4-BE49-F238E27FC236}">
-                <a16:creationId xmlns:a16="http://schemas.microsoft.com/office/drawing/2014/main" xmlns="" id="{00000000-0008-0000-0000-000002000000}"/>
+                <a16:creationId xmlns:a16="http://schemas.microsoft.com/office/drawing/2014/main" id="{00000000-0008-0000-0000-000002000000}"/>
               </a:ext>
             </a:extLst>
           </p:cNvPr>
@@ -14060,7 +14050,7 @@
           <p:cNvPr id="3" name="CuadroTexto 2">
             <a:extLst>
               <a:ext uri="{FF2B5EF4-FFF2-40B4-BE49-F238E27FC236}">
-                <a16:creationId xmlns:a16="http://schemas.microsoft.com/office/drawing/2014/main" xmlns="" id="{EB5CEF16-DF68-4175-87A1-37A37A1E0664}"/>
+                <a16:creationId xmlns:a16="http://schemas.microsoft.com/office/drawing/2014/main" id="{EB5CEF16-DF68-4175-87A1-37A37A1E0664}"/>
               </a:ext>
             </a:extLst>
           </p:cNvPr>
@@ -14172,20 +14162,7 @@
                 <a:latin typeface="Arial" panose="020B0604020202020204" pitchFamily="34" charset="0"/>
                 <a:cs typeface="Arial" panose="020B0604020202020204" pitchFamily="34" charset="0"/>
               </a:rPr>
-              <a:t>I</a:t>
-            </a:r>
-            <a:r>
-              <a:rPr lang="es-CO" sz="2000" dirty="0" err="1" smtClean="0">
-                <a:solidFill>
-                  <a:schemeClr val="tx1">
-                    <a:lumMod val="85000"/>
-                    <a:lumOff val="15000"/>
-                  </a:schemeClr>
-                </a:solidFill>
-                <a:latin typeface="Arial" panose="020B0604020202020204" pitchFamily="34" charset="0"/>
-                <a:cs typeface="Arial" panose="020B0604020202020204" pitchFamily="34" charset="0"/>
-              </a:rPr>
-              <a:t>text</a:t>
+              <a:t>Itext</a:t>
             </a:r>
             <a:r>
               <a:rPr lang="es-CO" sz="2000" dirty="0">
@@ -14395,7 +14372,7 @@
           <p:cNvPr id="3" name="CuadroTexto 2">
             <a:extLst>
               <a:ext uri="{FF2B5EF4-FFF2-40B4-BE49-F238E27FC236}">
-                <a16:creationId xmlns:a16="http://schemas.microsoft.com/office/drawing/2014/main" xmlns="" id="{B3E05B2C-448F-4ECF-BEF8-9F8192CC5623}"/>
+                <a16:creationId xmlns:a16="http://schemas.microsoft.com/office/drawing/2014/main" id="{B3E05B2C-448F-4ECF-BEF8-9F8192CC5623}"/>
               </a:ext>
             </a:extLst>
           </p:cNvPr>
@@ -14601,7 +14578,7 @@
           <p:cNvPr id="2" name="CuadroTexto 1">
             <a:extLst>
               <a:ext uri="{FF2B5EF4-FFF2-40B4-BE49-F238E27FC236}">
-                <a16:creationId xmlns:a16="http://schemas.microsoft.com/office/drawing/2014/main" xmlns="" id="{585F2FF1-E103-438A-A5E2-394CD4C49ABE}"/>
+                <a16:creationId xmlns:a16="http://schemas.microsoft.com/office/drawing/2014/main" id="{585F2FF1-E103-438A-A5E2-394CD4C49ABE}"/>
               </a:ext>
             </a:extLst>
           </p:cNvPr>
@@ -14947,7 +14924,7 @@
           <p:cNvPr id="2" name="CuadroTexto 1">
             <a:extLst>
               <a:ext uri="{FF2B5EF4-FFF2-40B4-BE49-F238E27FC236}">
-                <a16:creationId xmlns:a16="http://schemas.microsoft.com/office/drawing/2014/main" xmlns="" id="{4C0880D7-B166-4F0F-ACAC-974216E18C56}"/>
+                <a16:creationId xmlns:a16="http://schemas.microsoft.com/office/drawing/2014/main" id="{4C0880D7-B166-4F0F-ACAC-974216E18C56}"/>
               </a:ext>
             </a:extLst>
           </p:cNvPr>
@@ -15331,14 +15308,6 @@
               </a:rPr>
               <a:t>En las Unidades Tecnológicas de Santander la elaboración del plan de trabajo de los docentes implica un gasto prolongado de tiempo por parte del docente. </a:t>
             </a:r>
-            <a:endParaRPr lang="es-CO" dirty="0" smtClean="0">
-              <a:solidFill>
-                <a:schemeClr val="tx1">
-                  <a:lumMod val="85000"/>
-                  <a:lumOff val="15000"/>
-                </a:schemeClr>
-              </a:solidFill>
-            </a:endParaRPr>
           </a:p>
           <a:p>
             <a:pPr marL="285750" indent="-285750" algn="just">
@@ -15365,18 +15334,7 @@
                   </a:schemeClr>
                 </a:solidFill>
               </a:rPr>
-              <a:t>Se consultó a algunos docentes acerca del diligenciamiento del formato R-DC-54 y en resumen se deduce que el proceso es confuso y tedioso</a:t>
-            </a:r>
-            <a:r>
-              <a:rPr lang="es-CO" dirty="0" smtClean="0">
-                <a:solidFill>
-                  <a:schemeClr val="tx1">
-                    <a:lumMod val="85000"/>
-                    <a:lumOff val="15000"/>
-                  </a:schemeClr>
-                </a:solidFill>
-              </a:rPr>
-              <a:t>.</a:t>
+              <a:t>Se consultó a algunos docentes acerca del diligenciamiento del formato R-DC-54 y en resumen se deduce que el proceso es confuso y tedioso.</a:t>
             </a:r>
           </a:p>
           <a:p>
@@ -15404,49 +15362,8 @@
                   </a:schemeClr>
                 </a:solidFill>
               </a:rPr>
-              <a:t>H</a:t>
-            </a:r>
-            <a:r>
-              <a:rPr lang="es-CO" dirty="0" smtClean="0">
-                <a:solidFill>
-                  <a:schemeClr val="tx1">
-                    <a:lumMod val="85000"/>
-                    <a:lumOff val="15000"/>
-                  </a:schemeClr>
-                </a:solidFill>
-              </a:rPr>
-              <a:t>ay </a:t>
-            </a:r>
-            <a:r>
-              <a:rPr lang="es-CO" dirty="0">
-                <a:solidFill>
-                  <a:schemeClr val="tx1">
-                    <a:lumMod val="85000"/>
-                    <a:lumOff val="15000"/>
-                  </a:schemeClr>
-                </a:solidFill>
-              </a:rPr>
-              <a:t>docentes que desconocen que el formato contiene funciones agregadas para mantener un mínimo control y dar un poco de ayuda </a:t>
-            </a:r>
-            <a:r>
-              <a:rPr lang="es-CO" dirty="0" smtClean="0">
-                <a:solidFill>
-                  <a:schemeClr val="tx1">
-                    <a:lumMod val="85000"/>
-                    <a:lumOff val="15000"/>
-                  </a:schemeClr>
-                </a:solidFill>
-              </a:rPr>
-              <a:t>al proceso.</a:t>
-            </a:r>
-            <a:endParaRPr lang="es-CO" dirty="0">
-              <a:solidFill>
-                <a:schemeClr val="tx1">
-                  <a:lumMod val="85000"/>
-                  <a:lumOff val="15000"/>
-                </a:schemeClr>
-              </a:solidFill>
-            </a:endParaRPr>
+              <a:t>Hay docentes que desconocen que el formato contiene funciones agregadas para mantener un mínimo control y dar un poco de ayuda al proceso.</a:t>
+            </a:r>
           </a:p>
           <a:p>
             <a:pPr algn="ctr"/>
@@ -15582,7 +15499,7 @@
           <p:cNvPr id="2" name="CuadroTexto 1">
             <a:extLst>
               <a:ext uri="{FF2B5EF4-FFF2-40B4-BE49-F238E27FC236}">
-                <a16:creationId xmlns:a16="http://schemas.microsoft.com/office/drawing/2014/main" xmlns="" id="{4C0880D7-B166-4F0F-ACAC-974216E18C56}"/>
+                <a16:creationId xmlns:a16="http://schemas.microsoft.com/office/drawing/2014/main" id="{4C0880D7-B166-4F0F-ACAC-974216E18C56}"/>
               </a:ext>
             </a:extLst>
           </p:cNvPr>
@@ -15898,7 +15815,7 @@
           <p:cNvPr id="2" name="CuadroTexto 1">
             <a:extLst>
               <a:ext uri="{FF2B5EF4-FFF2-40B4-BE49-F238E27FC236}">
-                <a16:creationId xmlns:a16="http://schemas.microsoft.com/office/drawing/2014/main" xmlns="" id="{4C0880D7-B166-4F0F-ACAC-974216E18C56}"/>
+                <a16:creationId xmlns:a16="http://schemas.microsoft.com/office/drawing/2014/main" id="{4C0880D7-B166-4F0F-ACAC-974216E18C56}"/>
               </a:ext>
             </a:extLst>
           </p:cNvPr>
@@ -16729,7 +16646,7 @@
               <a:buChar char="•"/>
             </a:pPr>
             <a:r>
-              <a:rPr lang="es-CO" sz="2000" dirty="0" err="1" smtClean="0">
+              <a:rPr lang="es-CO" sz="2000" dirty="0" err="1">
                 <a:solidFill>
                   <a:schemeClr val="tx1">
                     <a:lumMod val="85000"/>
@@ -16759,7 +16676,7 @@
           <p:cNvPr id="5" name="Imagen 4">
             <a:extLst>
               <a:ext uri="{FF2B5EF4-FFF2-40B4-BE49-F238E27FC236}">
-                <a16:creationId xmlns:a16="http://schemas.microsoft.com/office/drawing/2014/main" xmlns="" id="{B3AF45A2-0048-4680-9268-7058CCBF71DF}"/>
+                <a16:creationId xmlns:a16="http://schemas.microsoft.com/office/drawing/2014/main" id="{B3AF45A2-0048-4680-9268-7058CCBF71DF}"/>
               </a:ext>
             </a:extLst>
           </p:cNvPr>
@@ -16795,7 +16712,7 @@
           <p:cNvPr id="7" name="Imagen 6">
             <a:extLst>
               <a:ext uri="{FF2B5EF4-FFF2-40B4-BE49-F238E27FC236}">
-                <a16:creationId xmlns:a16="http://schemas.microsoft.com/office/drawing/2014/main" xmlns="" id="{2C013981-C90B-4026-A12B-5D60518F9D30}"/>
+                <a16:creationId xmlns:a16="http://schemas.microsoft.com/office/drawing/2014/main" id="{2C013981-C90B-4026-A12B-5D60518F9D30}"/>
               </a:ext>
             </a:extLst>
           </p:cNvPr>
@@ -16831,7 +16748,7 @@
           <p:cNvPr id="9" name="Imagen 8">
             <a:extLst>
               <a:ext uri="{FF2B5EF4-FFF2-40B4-BE49-F238E27FC236}">
-                <a16:creationId xmlns:a16="http://schemas.microsoft.com/office/drawing/2014/main" xmlns="" id="{AAA72AB6-D7ED-4441-88E9-CE75A79FDCA8}"/>
+                <a16:creationId xmlns:a16="http://schemas.microsoft.com/office/drawing/2014/main" id="{AAA72AB6-D7ED-4441-88E9-CE75A79FDCA8}"/>
               </a:ext>
             </a:extLst>
           </p:cNvPr>
@@ -16867,7 +16784,7 @@
           <p:cNvPr id="11" name="Imagen 10">
             <a:extLst>
               <a:ext uri="{FF2B5EF4-FFF2-40B4-BE49-F238E27FC236}">
-                <a16:creationId xmlns:a16="http://schemas.microsoft.com/office/drawing/2014/main" xmlns="" id="{B84EE28F-8E12-4ABE-8662-DBA26E891732}"/>
+                <a16:creationId xmlns:a16="http://schemas.microsoft.com/office/drawing/2014/main" id="{B84EE28F-8E12-4ABE-8662-DBA26E891732}"/>
               </a:ext>
             </a:extLst>
           </p:cNvPr>
@@ -16994,7 +16911,7 @@
           <p:cNvPr id="4" name="Imagen 3">
             <a:extLst>
               <a:ext uri="{FF2B5EF4-FFF2-40B4-BE49-F238E27FC236}">
-                <a16:creationId xmlns:a16="http://schemas.microsoft.com/office/drawing/2014/main" xmlns="" id="{16D90900-6598-4986-AE8B-5DE9E3CE52D9}"/>
+                <a16:creationId xmlns:a16="http://schemas.microsoft.com/office/drawing/2014/main" id="{16D90900-6598-4986-AE8B-5DE9E3CE52D9}"/>
               </a:ext>
             </a:extLst>
           </p:cNvPr>
@@ -17459,29 +17376,7 @@
                   </a:schemeClr>
                 </a:solidFill>
               </a:rPr>
-              <a:t>En este modulo se </a:t>
-            </a:r>
-            <a:r>
-              <a:rPr lang="es-CO" dirty="0" smtClean="0">
-                <a:solidFill>
-                  <a:schemeClr val="tx1">
-                    <a:lumMod val="85000"/>
-                    <a:lumOff val="15000"/>
-                  </a:schemeClr>
-                </a:solidFill>
-              </a:rPr>
-              <a:t>gestionan los </a:t>
-            </a:r>
-            <a:r>
-              <a:rPr lang="es-CO" dirty="0">
-                <a:solidFill>
-                  <a:schemeClr val="tx1">
-                    <a:lumMod val="85000"/>
-                    <a:lumOff val="15000"/>
-                  </a:schemeClr>
-                </a:solidFill>
-              </a:rPr>
-              <a:t>docentes, las semanas del semestre, la asignación a cada docente y evaluar cada docente.</a:t>
+              <a:t>En este modulo se gestionan los docentes, las semanas del semestre, la asignación a cada docente y evaluar cada docente.</a:t>
             </a:r>
           </a:p>
         </p:txBody>
@@ -17652,7 +17547,7 @@
           <p:cNvPr id="3" name="CuadroTexto 2">
             <a:extLst>
               <a:ext uri="{FF2B5EF4-FFF2-40B4-BE49-F238E27FC236}">
-                <a16:creationId xmlns:a16="http://schemas.microsoft.com/office/drawing/2014/main" xmlns="" id="{E9CC970F-E4E6-47B4-894B-BB9D00F1CF33}"/>
+                <a16:creationId xmlns:a16="http://schemas.microsoft.com/office/drawing/2014/main" id="{E9CC970F-E4E6-47B4-894B-BB9D00F1CF33}"/>
               </a:ext>
             </a:extLst>
           </p:cNvPr>
@@ -17751,27 +17646,8 @@
                   </a:schemeClr>
                 </a:solidFill>
               </a:rPr>
-              <a:t>Registro de </a:t>
-            </a:r>
-            <a:r>
-              <a:rPr lang="es-CO" dirty="0" smtClean="0">
-                <a:solidFill>
-                  <a:schemeClr val="tx1">
-                    <a:lumMod val="85000"/>
-                    <a:lumOff val="15000"/>
-                  </a:schemeClr>
-                </a:solidFill>
-              </a:rPr>
-              <a:t>Actividades</a:t>
-            </a:r>
-            <a:endParaRPr lang="es-CO" dirty="0">
-              <a:solidFill>
-                <a:schemeClr val="tx1">
-                  <a:lumMod val="85000"/>
-                  <a:lumOff val="15000"/>
-                </a:schemeClr>
-              </a:solidFill>
-            </a:endParaRPr>
+              <a:t>Registro de Actividades</a:t>
+            </a:r>
           </a:p>
         </p:txBody>
       </p:sp>
@@ -18158,7 +18034,7 @@
               <a:buNone/>
             </a:pPr>
             <a:r>
-              <a:rPr lang="es-CO" dirty="0" smtClean="0">
+              <a:rPr lang="es-CO" dirty="0">
                 <a:solidFill>
                   <a:schemeClr val="tx1">
                     <a:lumMod val="85000"/>
@@ -18168,14 +18044,6 @@
               </a:rPr>
               <a:t>Visualización de Productos</a:t>
             </a:r>
-            <a:endParaRPr lang="es-CO" dirty="0">
-              <a:solidFill>
-                <a:schemeClr val="tx1">
-                  <a:lumMod val="85000"/>
-                  <a:lumOff val="15000"/>
-                </a:schemeClr>
-              </a:solidFill>
-            </a:endParaRPr>
           </a:p>
         </p:txBody>
       </p:sp>
@@ -18443,7 +18311,7 @@
   <a:extraClrSchemeLst/>
   <a:extLst>
     <a:ext uri="{05A4C25C-085E-4340-85A3-A5531E510DB2}">
-      <thm15:themeFamily xmlns:thm15="http://schemas.microsoft.com/office/thememl/2012/main" xmlns="" name="Facet" id="{C0C680CD-088A-49FC-A102-D699147F32B2}" vid="{CFBC31BA-B70F-4F30-BCAA-4F3011E16C4D}"/>
+      <thm15:themeFamily xmlns:thm15="http://schemas.microsoft.com/office/thememl/2012/main" name="Facet" id="{C0C680CD-088A-49FC-A102-D699147F32B2}" vid="{CFBC31BA-B70F-4F30-BCAA-4F3011E16C4D}"/>
     </a:ext>
   </a:extLst>
 </a:theme>

--- a/extras/docs/rdc_presentacion.pptx
+++ b/extras/docs/rdc_presentacion.pptx
@@ -7381,7 +7381,7 @@
                 </a:effectLst>
                 <a:latin typeface="Arial Black" pitchFamily="34" charset="0"/>
               </a:rPr>
-              <a:t>Modulo Docente</a:t>
+              <a:t>Módulo Docente</a:t>
             </a:r>
           </a:p>
         </p:txBody>
@@ -7543,7 +7543,7 @@
                 </a:effectLst>
                 <a:latin typeface="Arial Black" pitchFamily="34" charset="0"/>
               </a:rPr>
-              <a:t>Modulo Docente</a:t>
+              <a:t>Módulo Docente</a:t>
             </a:r>
           </a:p>
         </p:txBody>
@@ -7773,7 +7773,7 @@
                 </a:effectLst>
                 <a:latin typeface="Arial Black" pitchFamily="34" charset="0"/>
               </a:rPr>
-              <a:t>Modulo Auditor</a:t>
+              <a:t>Módulo Auditor</a:t>
             </a:r>
           </a:p>
         </p:txBody>
@@ -9362,7 +9362,7 @@
             <p:ph idx="1"/>
             <p:extLst>
               <p:ext uri="{D42A27DB-BD31-4B8C-83A1-F6EECF244321}">
-                <p14:modId xmlns:p14="http://schemas.microsoft.com/office/powerpoint/2010/main" val="1615805756"/>
+                <p14:modId xmlns:p14="http://schemas.microsoft.com/office/powerpoint/2010/main" val="4129150933"/>
               </p:ext>
             </p:extLst>
           </p:nvPr>
@@ -9434,7 +9434,7 @@
                           <a:latin typeface="Arial" panose="020B0604020202020204" pitchFamily="34" charset="0"/>
                           <a:cs typeface="Arial" panose="020B0604020202020204" pitchFamily="34" charset="0"/>
                         </a:rPr>
-                        <a:t>Modulo</a:t>
+                        <a:t>Módulo</a:t>
                       </a:r>
                       <a:endParaRPr lang="es-CO" sz="1200" b="0" i="0" u="none" strike="noStrike" dirty="0">
                         <a:solidFill>
@@ -14088,33 +14088,7 @@
                 <a:latin typeface="Arial" panose="020B0604020202020204" pitchFamily="34" charset="0"/>
                 <a:cs typeface="Arial" panose="020B0604020202020204" pitchFamily="34" charset="0"/>
               </a:rPr>
-              <a:t>Problemas con PrimeFaces, solución un tema con </a:t>
-            </a:r>
-            <a:r>
-              <a:rPr lang="es-CO" sz="2000" dirty="0" err="1">
-                <a:solidFill>
-                  <a:schemeClr val="tx1">
-                    <a:lumMod val="85000"/>
-                    <a:lumOff val="15000"/>
-                  </a:schemeClr>
-                </a:solidFill>
-                <a:latin typeface="Arial" panose="020B0604020202020204" pitchFamily="34" charset="0"/>
-                <a:cs typeface="Arial" panose="020B0604020202020204" pitchFamily="34" charset="0"/>
-              </a:rPr>
-              <a:t>ThemeRoller</a:t>
-            </a:r>
-            <a:r>
-              <a:rPr lang="es-CO" sz="2000" dirty="0">
-                <a:solidFill>
-                  <a:schemeClr val="tx1">
-                    <a:lumMod val="85000"/>
-                    <a:lumOff val="15000"/>
-                  </a:schemeClr>
-                </a:solidFill>
-                <a:latin typeface="Arial" panose="020B0604020202020204" pitchFamily="34" charset="0"/>
-                <a:cs typeface="Arial" panose="020B0604020202020204" pitchFamily="34" charset="0"/>
-              </a:rPr>
-              <a:t> para hacer más amigable el diseño.</a:t>
+              <a:t>Problemas con PrimeFaces, solución un tema con ThemeRoller para hacer más amigable el diseño.</a:t>
             </a:r>
           </a:p>
           <a:p>
@@ -14149,33 +14123,7 @@
                 <a:latin typeface="Arial" panose="020B0604020202020204" pitchFamily="34" charset="0"/>
                 <a:cs typeface="Arial" panose="020B0604020202020204" pitchFamily="34" charset="0"/>
               </a:rPr>
-              <a:t>Problemas con JaspeReports, solución flying-saucer-pdf e </a:t>
-            </a:r>
-            <a:r>
-              <a:rPr lang="es-CO" sz="2000" dirty="0" err="1">
-                <a:solidFill>
-                  <a:schemeClr val="tx1">
-                    <a:lumMod val="85000"/>
-                    <a:lumOff val="15000"/>
-                  </a:schemeClr>
-                </a:solidFill>
-                <a:latin typeface="Arial" panose="020B0604020202020204" pitchFamily="34" charset="0"/>
-                <a:cs typeface="Arial" panose="020B0604020202020204" pitchFamily="34" charset="0"/>
-              </a:rPr>
-              <a:t>Itext</a:t>
-            </a:r>
-            <a:r>
-              <a:rPr lang="es-CO" sz="2000" dirty="0">
-                <a:solidFill>
-                  <a:schemeClr val="tx1">
-                    <a:lumMod val="85000"/>
-                    <a:lumOff val="15000"/>
-                  </a:schemeClr>
-                </a:solidFill>
-                <a:latin typeface="Arial" panose="020B0604020202020204" pitchFamily="34" charset="0"/>
-                <a:cs typeface="Arial" panose="020B0604020202020204" pitchFamily="34" charset="0"/>
-              </a:rPr>
-              <a:t>.</a:t>
+              <a:t>Problemas con JaspeReports, solución flying-saucer-pdf e Itext.</a:t>
             </a:r>
           </a:p>
           <a:p>
@@ -15284,7 +15232,7 @@
         <p:spPr>
           <a:xfrm>
             <a:off x="748145" y="1766643"/>
-            <a:ext cx="7283382" cy="4524315"/>
+            <a:ext cx="7283382" cy="3139321"/>
           </a:xfrm>
           <a:prstGeom prst="rect">
             <a:avLst/>
@@ -15306,7 +15254,7 @@
                   </a:schemeClr>
                 </a:solidFill>
               </a:rPr>
-              <a:t>En las Unidades Tecnológicas de Santander la elaboración del plan de trabajo de los docentes implica un gasto prolongado de tiempo por parte del docente. </a:t>
+              <a:t>La elaboración del plan de trabajo de los docentes implica un gasto prolongado de tiempo. </a:t>
             </a:r>
           </a:p>
           <a:p>
@@ -15334,7 +15282,7 @@
                   </a:schemeClr>
                 </a:solidFill>
               </a:rPr>
-              <a:t>Se consultó a algunos docentes acerca del diligenciamiento del formato R-DC-54 y en resumen se deduce que el proceso es confuso y tedioso.</a:t>
+              <a:t>El proceso es confuso y tedioso.</a:t>
             </a:r>
           </a:p>
           <a:p>
@@ -15362,7 +15310,7 @@
                   </a:schemeClr>
                 </a:solidFill>
               </a:rPr>
-              <a:t>Hay docentes que desconocen que el formato contiene funciones agregadas para mantener un mínimo control y dar un poco de ayuda al proceso.</a:t>
+              <a:t>Las funciones agregadas para mantener un mínimo control.</a:t>
             </a:r>
           </a:p>
           <a:p>
@@ -16646,7 +16594,7 @@
               <a:buChar char="•"/>
             </a:pPr>
             <a:r>
-              <a:rPr lang="es-CO" sz="2000" dirty="0" err="1">
+              <a:rPr lang="es-CO" sz="2000" dirty="0">
                 <a:solidFill>
                   <a:schemeClr val="tx1">
                     <a:lumMod val="85000"/>
@@ -16658,16 +16606,6 @@
               </a:rPr>
               <a:t>PostgreSQL</a:t>
             </a:r>
-            <a:endParaRPr lang="es-CO" sz="2000" dirty="0">
-              <a:solidFill>
-                <a:schemeClr val="tx1">
-                  <a:lumMod val="85000"/>
-                  <a:lumOff val="15000"/>
-                </a:schemeClr>
-              </a:solidFill>
-              <a:latin typeface="Arial" panose="020B0604020202020204" pitchFamily="34" charset="0"/>
-              <a:cs typeface="Arial" panose="020B0604020202020204" pitchFamily="34" charset="0"/>
-            </a:endParaRPr>
           </a:p>
         </p:txBody>
       </p:sp>
@@ -17038,7 +16976,7 @@
                 </a:effectLst>
                 <a:latin typeface="Arial Black" pitchFamily="34" charset="0"/>
               </a:rPr>
-              <a:t>Modulo Coordinador</a:t>
+              <a:t>Módulo Coordinador</a:t>
             </a:r>
           </a:p>
         </p:txBody>
@@ -17376,7 +17314,7 @@
                   </a:schemeClr>
                 </a:solidFill>
               </a:rPr>
-              <a:t>En este modulo se gestionan los docentes, las semanas del semestre, la asignación a cada docente y evaluar cada docente.</a:t>
+              <a:t>En este módulo se gestionan los docentes, las semanas del semestre, la asignación a cada docente y evaluar cada docente.</a:t>
             </a:r>
           </a:p>
         </p:txBody>
@@ -17503,7 +17441,7 @@
                 </a:effectLst>
                 <a:latin typeface="Arial Black" pitchFamily="34" charset="0"/>
               </a:rPr>
-              <a:t>Modulo Docente</a:t>
+              <a:t>Módulo Docente</a:t>
             </a:r>
           </a:p>
         </p:txBody>
@@ -17775,7 +17713,7 @@
                 </a:effectLst>
                 <a:latin typeface="Arial Black" pitchFamily="34" charset="0"/>
               </a:rPr>
-              <a:t>Modulo Docente</a:t>
+              <a:t>Módulo Docente</a:t>
             </a:r>
           </a:p>
         </p:txBody>

--- a/extras/docs/rdc_presentacion.pptx
+++ b/extras/docs/rdc_presentacion.pptx
@@ -8,7 +8,7 @@
     <p:sldId id="256" r:id="rId2"/>
     <p:sldId id="258" r:id="rId3"/>
     <p:sldId id="259" r:id="rId4"/>
-    <p:sldId id="260" r:id="rId5"/>
+    <p:sldId id="281" r:id="rId5"/>
     <p:sldId id="261" r:id="rId6"/>
     <p:sldId id="266" r:id="rId7"/>
     <p:sldId id="270" r:id="rId8"/>
@@ -127,7 +127,7 @@
   </p:defaultTextStyle>
   <p:extLst>
     <p:ext uri="{EFAFB233-063F-42B5-8137-9DF3F51BA10A}">
-      <p15:sldGuideLst xmlns:p15="http://schemas.microsoft.com/office/powerpoint/2012/main">
+      <p15:sldGuideLst xmlns:p15="http://schemas.microsoft.com/office/powerpoint/2012/main" xmlns="">
         <p15:guide id="1" orient="horz" pos="2160">
           <p15:clr>
             <a:srgbClr val="A4A3A4"/>
@@ -149,9 +149,9 @@
 </file>
 
 <file path=ppt/charts/chart1.xml><?xml version="1.0" encoding="utf-8"?>
-<c:chartSpace xmlns:c="http://schemas.openxmlformats.org/drawingml/2006/chart" xmlns:a="http://schemas.openxmlformats.org/drawingml/2006/main" xmlns:r="http://schemas.openxmlformats.org/officeDocument/2006/relationships" xmlns:c16r2="http://schemas.microsoft.com/office/drawing/2015/06/chart">
+<c:chartSpace xmlns:c="http://schemas.openxmlformats.org/drawingml/2006/chart" xmlns:a="http://schemas.openxmlformats.org/drawingml/2006/main" xmlns:r="http://schemas.openxmlformats.org/officeDocument/2006/relationships">
   <c:date1904 val="0"/>
-  <c:lang val="es-ES"/>
+  <c:lang val="es-CO"/>
   <c:roundedCorners val="1"/>
   <mc:AlternateContent xmlns:mc="http://schemas.openxmlformats.org/markup-compatibility/2006">
     <mc:Choice xmlns:c14="http://schemas.microsoft.com/office/drawing/2007/8/2/chart" Requires="c14">
@@ -330,7 +330,7 @@
               </c:numCache>
             </c:numRef>
           </c:val>
-          <c:extLst>
+          <c:extLst xmlns:c16r2="http://schemas.microsoft.com/office/drawing/2015/06/chart">
             <c:ext xmlns:c16="http://schemas.microsoft.com/office/drawing/2014/chart" uri="{C3380CC4-5D6E-409C-BE32-E72D297353CC}">
               <c16:uniqueId val="{00000000-D21C-4448-B589-C66B95183857}"/>
             </c:ext>
@@ -464,7 +464,7 @@
               </c:numCache>
             </c:numRef>
           </c:val>
-          <c:extLst>
+          <c:extLst xmlns:c16r2="http://schemas.microsoft.com/office/drawing/2015/06/chart">
             <c:ext xmlns:c16="http://schemas.microsoft.com/office/drawing/2014/chart" uri="{C3380CC4-5D6E-409C-BE32-E72D297353CC}">
               <c16:uniqueId val="{00000001-D21C-4448-B589-C66B95183857}"/>
             </c:ext>
@@ -480,11 +480,11 @@
         </c:dLbls>
         <c:gapWidth val="100"/>
         <c:overlap val="-24"/>
-        <c:axId val="171852160"/>
-        <c:axId val="171854080"/>
+        <c:axId val="161300864"/>
+        <c:axId val="161302784"/>
       </c:barChart>
       <c:catAx>
-        <c:axId val="171852160"/>
+        <c:axId val="161300864"/>
         <c:scaling>
           <c:orientation val="minMax"/>
         </c:scaling>
@@ -506,6 +506,7 @@
               </a:p>
             </c:rich>
           </c:tx>
+          <c:layout/>
           <c:overlay val="0"/>
           <c:spPr>
             <a:noFill/>
@@ -542,7 +543,7 @@
             <a:endParaRPr lang="es-CO"/>
           </a:p>
         </c:txPr>
-        <c:crossAx val="171854080"/>
+        <c:crossAx val="161302784"/>
         <c:crosses val="autoZero"/>
         <c:auto val="1"/>
         <c:lblAlgn val="ctr"/>
@@ -550,7 +551,7 @@
         <c:noMultiLvlLbl val="1"/>
       </c:catAx>
       <c:valAx>
-        <c:axId val="171854080"/>
+        <c:axId val="161302784"/>
         <c:scaling>
           <c:orientation val="minMax"/>
         </c:scaling>
@@ -586,6 +587,7 @@
               </a:p>
             </c:rich>
           </c:tx>
+          <c:layout/>
           <c:overlay val="0"/>
           <c:spPr>
             <a:noFill/>
@@ -616,7 +618,7 @@
             <a:endParaRPr lang="es-CO"/>
           </a:p>
         </c:txPr>
-        <c:crossAx val="171852160"/>
+        <c:crossAx val="161300864"/>
         <c:crosses val="autoZero"/>
         <c:crossBetween val="between"/>
       </c:valAx>
@@ -630,6 +632,7 @@
     </c:plotArea>
     <c:legend>
       <c:legendPos val="b"/>
+      <c:layout/>
       <c:overlay val="0"/>
       <c:spPr>
         <a:noFill/>
@@ -689,9 +692,9 @@
 </file>
 
 <file path=ppt/charts/chart2.xml><?xml version="1.0" encoding="utf-8"?>
-<c:chartSpace xmlns:c="http://schemas.openxmlformats.org/drawingml/2006/chart" xmlns:a="http://schemas.openxmlformats.org/drawingml/2006/main" xmlns:r="http://schemas.openxmlformats.org/officeDocument/2006/relationships" xmlns:c16r2="http://schemas.microsoft.com/office/drawing/2015/06/chart">
+<c:chartSpace xmlns:c="http://schemas.openxmlformats.org/drawingml/2006/chart" xmlns:a="http://schemas.openxmlformats.org/drawingml/2006/main" xmlns:r="http://schemas.openxmlformats.org/officeDocument/2006/relationships">
   <c:date1904 val="0"/>
-  <c:lang val="es-ES"/>
+  <c:lang val="es-CO"/>
   <c:roundedCorners val="1"/>
   <mc:AlternateContent xmlns:mc="http://schemas.openxmlformats.org/markup-compatibility/2006">
     <mc:Choice xmlns:c14="http://schemas.microsoft.com/office/drawing/2007/8/2/chart" Requires="c14">
@@ -870,7 +873,7 @@
               </c:numCache>
             </c:numRef>
           </c:val>
-          <c:extLst>
+          <c:extLst xmlns:c16r2="http://schemas.microsoft.com/office/drawing/2015/06/chart">
             <c:ext xmlns:c16="http://schemas.microsoft.com/office/drawing/2014/chart" uri="{C3380CC4-5D6E-409C-BE32-E72D297353CC}">
               <c16:uniqueId val="{00000000-2D3E-4372-A754-D42F52A5145C}"/>
             </c:ext>
@@ -1004,7 +1007,7 @@
               </c:numCache>
             </c:numRef>
           </c:val>
-          <c:extLst>
+          <c:extLst xmlns:c16r2="http://schemas.microsoft.com/office/drawing/2015/06/chart">
             <c:ext xmlns:c16="http://schemas.microsoft.com/office/drawing/2014/chart" uri="{C3380CC4-5D6E-409C-BE32-E72D297353CC}">
               <c16:uniqueId val="{00000001-2D3E-4372-A754-D42F52A5145C}"/>
             </c:ext>
@@ -1020,11 +1023,11 @@
         </c:dLbls>
         <c:gapWidth val="100"/>
         <c:overlap val="-24"/>
-        <c:axId val="189866368"/>
-        <c:axId val="189868288"/>
+        <c:axId val="160502144"/>
+        <c:axId val="160504064"/>
       </c:barChart>
       <c:catAx>
-        <c:axId val="189866368"/>
+        <c:axId val="160502144"/>
         <c:scaling>
           <c:orientation val="minMax"/>
         </c:scaling>
@@ -1046,6 +1049,7 @@
               </a:p>
             </c:rich>
           </c:tx>
+          <c:layout/>
           <c:overlay val="0"/>
           <c:spPr>
             <a:noFill/>
@@ -1082,7 +1086,7 @@
             <a:endParaRPr lang="es-CO"/>
           </a:p>
         </c:txPr>
-        <c:crossAx val="189868288"/>
+        <c:crossAx val="160504064"/>
         <c:crosses val="autoZero"/>
         <c:auto val="1"/>
         <c:lblAlgn val="ctr"/>
@@ -1090,7 +1094,7 @@
         <c:noMultiLvlLbl val="1"/>
       </c:catAx>
       <c:valAx>
-        <c:axId val="189868288"/>
+        <c:axId val="160504064"/>
         <c:scaling>
           <c:orientation val="minMax"/>
         </c:scaling>
@@ -1126,6 +1130,7 @@
               </a:p>
             </c:rich>
           </c:tx>
+          <c:layout/>
           <c:overlay val="0"/>
           <c:spPr>
             <a:noFill/>
@@ -1156,7 +1161,7 @@
             <a:endParaRPr lang="es-CO"/>
           </a:p>
         </c:txPr>
-        <c:crossAx val="189866368"/>
+        <c:crossAx val="160502144"/>
         <c:crosses val="autoZero"/>
         <c:crossBetween val="between"/>
       </c:valAx>
@@ -1170,6 +1175,7 @@
     </c:plotArea>
     <c:legend>
       <c:legendPos val="b"/>
+      <c:layout/>
       <c:overlay val="0"/>
       <c:spPr>
         <a:noFill/>
@@ -1226,6 +1232,6017 @@
     <c:autoUpdate val="0"/>
   </c:externalData>
 </c:chartSpace>
+</file>
+
+<file path=ppt/diagrams/colors1.xml><?xml version="1.0" encoding="utf-8"?>
+<dgm:colorsDef xmlns:dgm="http://schemas.openxmlformats.org/drawingml/2006/diagram" xmlns:a="http://schemas.openxmlformats.org/drawingml/2006/main" uniqueId="urn:microsoft.com/office/officeart/2005/8/colors/accent1_2">
+  <dgm:title val=""/>
+  <dgm:desc val=""/>
+  <dgm:catLst>
+    <dgm:cat type="accent1" pri="11200"/>
+  </dgm:catLst>
+  <dgm:styleLbl name="node0">
+    <dgm:fillClrLst meth="repeat">
+      <a:schemeClr val="accent1"/>
+    </dgm:fillClrLst>
+    <dgm:linClrLst meth="repeat">
+      <a:schemeClr val="lt1"/>
+    </dgm:linClrLst>
+    <dgm:effectClrLst/>
+    <dgm:txLinClrLst/>
+    <dgm:txFillClrLst/>
+    <dgm:txEffectClrLst/>
+  </dgm:styleLbl>
+  <dgm:styleLbl name="alignNode1">
+    <dgm:fillClrLst meth="repeat">
+      <a:schemeClr val="accent1"/>
+    </dgm:fillClrLst>
+    <dgm:linClrLst meth="repeat">
+      <a:schemeClr val="accent1"/>
+    </dgm:linClrLst>
+    <dgm:effectClrLst/>
+    <dgm:txLinClrLst/>
+    <dgm:txFillClrLst/>
+    <dgm:txEffectClrLst/>
+  </dgm:styleLbl>
+  <dgm:styleLbl name="node1">
+    <dgm:fillClrLst meth="repeat">
+      <a:schemeClr val="accent1"/>
+    </dgm:fillClrLst>
+    <dgm:linClrLst meth="repeat">
+      <a:schemeClr val="lt1"/>
+    </dgm:linClrLst>
+    <dgm:effectClrLst/>
+    <dgm:txLinClrLst/>
+    <dgm:txFillClrLst/>
+    <dgm:txEffectClrLst/>
+  </dgm:styleLbl>
+  <dgm:styleLbl name="lnNode1">
+    <dgm:fillClrLst meth="repeat">
+      <a:schemeClr val="accent1"/>
+    </dgm:fillClrLst>
+    <dgm:linClrLst meth="repeat">
+      <a:schemeClr val="lt1"/>
+    </dgm:linClrLst>
+    <dgm:effectClrLst/>
+    <dgm:txLinClrLst/>
+    <dgm:txFillClrLst/>
+    <dgm:txEffectClrLst/>
+  </dgm:styleLbl>
+  <dgm:styleLbl name="vennNode1">
+    <dgm:fillClrLst meth="repeat">
+      <a:schemeClr val="accent1">
+        <a:alpha val="50000"/>
+      </a:schemeClr>
+    </dgm:fillClrLst>
+    <dgm:linClrLst meth="repeat">
+      <a:schemeClr val="lt1"/>
+    </dgm:linClrLst>
+    <dgm:effectClrLst/>
+    <dgm:txLinClrLst/>
+    <dgm:txFillClrLst/>
+    <dgm:txEffectClrLst/>
+  </dgm:styleLbl>
+  <dgm:styleLbl name="node2">
+    <dgm:fillClrLst meth="repeat">
+      <a:schemeClr val="accent1"/>
+    </dgm:fillClrLst>
+    <dgm:linClrLst meth="repeat">
+      <a:schemeClr val="lt1"/>
+    </dgm:linClrLst>
+    <dgm:effectClrLst/>
+    <dgm:txLinClrLst/>
+    <dgm:txFillClrLst/>
+    <dgm:txEffectClrLst/>
+  </dgm:styleLbl>
+  <dgm:styleLbl name="node3">
+    <dgm:fillClrLst meth="repeat">
+      <a:schemeClr val="accent1"/>
+    </dgm:fillClrLst>
+    <dgm:linClrLst meth="repeat">
+      <a:schemeClr val="lt1"/>
+    </dgm:linClrLst>
+    <dgm:effectClrLst/>
+    <dgm:txLinClrLst/>
+    <dgm:txFillClrLst/>
+    <dgm:txEffectClrLst/>
+  </dgm:styleLbl>
+  <dgm:styleLbl name="node4">
+    <dgm:fillClrLst meth="repeat">
+      <a:schemeClr val="accent1"/>
+    </dgm:fillClrLst>
+    <dgm:linClrLst meth="repeat">
+      <a:schemeClr val="lt1"/>
+    </dgm:linClrLst>
+    <dgm:effectClrLst/>
+    <dgm:txLinClrLst/>
+    <dgm:txFillClrLst/>
+    <dgm:txEffectClrLst/>
+  </dgm:styleLbl>
+  <dgm:styleLbl name="fgImgPlace1">
+    <dgm:fillClrLst meth="repeat">
+      <a:schemeClr val="accent1">
+        <a:tint val="50000"/>
+      </a:schemeClr>
+    </dgm:fillClrLst>
+    <dgm:linClrLst meth="repeat">
+      <a:schemeClr val="lt1"/>
+    </dgm:linClrLst>
+    <dgm:effectClrLst/>
+    <dgm:txLinClrLst/>
+    <dgm:txFillClrLst meth="repeat">
+      <a:schemeClr val="lt1"/>
+    </dgm:txFillClrLst>
+    <dgm:txEffectClrLst/>
+  </dgm:styleLbl>
+  <dgm:styleLbl name="alignImgPlace1">
+    <dgm:fillClrLst meth="repeat">
+      <a:schemeClr val="accent1">
+        <a:tint val="50000"/>
+      </a:schemeClr>
+    </dgm:fillClrLst>
+    <dgm:linClrLst meth="repeat">
+      <a:schemeClr val="lt1"/>
+    </dgm:linClrLst>
+    <dgm:effectClrLst/>
+    <dgm:txLinClrLst/>
+    <dgm:txFillClrLst meth="repeat">
+      <a:schemeClr val="lt1"/>
+    </dgm:txFillClrLst>
+    <dgm:txEffectClrLst/>
+  </dgm:styleLbl>
+  <dgm:styleLbl name="bgImgPlace1">
+    <dgm:fillClrLst meth="repeat">
+      <a:schemeClr val="accent1">
+        <a:tint val="50000"/>
+      </a:schemeClr>
+    </dgm:fillClrLst>
+    <dgm:linClrLst meth="repeat">
+      <a:schemeClr val="lt1"/>
+    </dgm:linClrLst>
+    <dgm:effectClrLst/>
+    <dgm:txLinClrLst/>
+    <dgm:txFillClrLst meth="repeat">
+      <a:schemeClr val="lt1"/>
+    </dgm:txFillClrLst>
+    <dgm:txEffectClrLst/>
+  </dgm:styleLbl>
+  <dgm:styleLbl name="sibTrans2D1">
+    <dgm:fillClrLst meth="repeat">
+      <a:schemeClr val="accent1">
+        <a:tint val="60000"/>
+      </a:schemeClr>
+    </dgm:fillClrLst>
+    <dgm:linClrLst meth="repeat">
+      <a:schemeClr val="accent1">
+        <a:tint val="60000"/>
+      </a:schemeClr>
+    </dgm:linClrLst>
+    <dgm:effectClrLst/>
+    <dgm:txLinClrLst/>
+    <dgm:txFillClrLst/>
+    <dgm:txEffectClrLst/>
+  </dgm:styleLbl>
+  <dgm:styleLbl name="fgSibTrans2D1">
+    <dgm:fillClrLst meth="repeat">
+      <a:schemeClr val="accent1">
+        <a:tint val="60000"/>
+      </a:schemeClr>
+    </dgm:fillClrLst>
+    <dgm:linClrLst meth="repeat">
+      <a:schemeClr val="accent1">
+        <a:tint val="60000"/>
+      </a:schemeClr>
+    </dgm:linClrLst>
+    <dgm:effectClrLst/>
+    <dgm:txLinClrLst/>
+    <dgm:txFillClrLst/>
+    <dgm:txEffectClrLst/>
+  </dgm:styleLbl>
+  <dgm:styleLbl name="bgSibTrans2D1">
+    <dgm:fillClrLst meth="repeat">
+      <a:schemeClr val="accent1">
+        <a:tint val="60000"/>
+      </a:schemeClr>
+    </dgm:fillClrLst>
+    <dgm:linClrLst meth="repeat">
+      <a:schemeClr val="accent1">
+        <a:tint val="60000"/>
+      </a:schemeClr>
+    </dgm:linClrLst>
+    <dgm:effectClrLst/>
+    <dgm:txLinClrLst/>
+    <dgm:txFillClrLst/>
+    <dgm:txEffectClrLst/>
+  </dgm:styleLbl>
+  <dgm:styleLbl name="sibTrans1D1">
+    <dgm:fillClrLst meth="repeat">
+      <a:schemeClr val="accent1"/>
+    </dgm:fillClrLst>
+    <dgm:linClrLst meth="repeat">
+      <a:schemeClr val="accent1"/>
+    </dgm:linClrLst>
+    <dgm:effectClrLst/>
+    <dgm:txLinClrLst/>
+    <dgm:txFillClrLst meth="repeat">
+      <a:schemeClr val="tx1"/>
+    </dgm:txFillClrLst>
+    <dgm:txEffectClrLst/>
+  </dgm:styleLbl>
+  <dgm:styleLbl name="callout">
+    <dgm:fillClrLst meth="repeat">
+      <a:schemeClr val="accent1"/>
+    </dgm:fillClrLst>
+    <dgm:linClrLst meth="repeat">
+      <a:schemeClr val="accent1">
+        <a:tint val="50000"/>
+      </a:schemeClr>
+    </dgm:linClrLst>
+    <dgm:effectClrLst/>
+    <dgm:txLinClrLst/>
+    <dgm:txFillClrLst meth="repeat">
+      <a:schemeClr val="tx1"/>
+    </dgm:txFillClrLst>
+    <dgm:txEffectClrLst/>
+  </dgm:styleLbl>
+  <dgm:styleLbl name="asst0">
+    <dgm:fillClrLst meth="repeat">
+      <a:schemeClr val="accent1"/>
+    </dgm:fillClrLst>
+    <dgm:linClrLst meth="repeat">
+      <a:schemeClr val="lt1"/>
+    </dgm:linClrLst>
+    <dgm:effectClrLst/>
+    <dgm:txLinClrLst/>
+    <dgm:txFillClrLst/>
+    <dgm:txEffectClrLst/>
+  </dgm:styleLbl>
+  <dgm:styleLbl name="asst1">
+    <dgm:fillClrLst meth="repeat">
+      <a:schemeClr val="accent1"/>
+    </dgm:fillClrLst>
+    <dgm:linClrLst meth="repeat">
+      <a:schemeClr val="lt1"/>
+    </dgm:linClrLst>
+    <dgm:effectClrLst/>
+    <dgm:txLinClrLst/>
+    <dgm:txFillClrLst/>
+    <dgm:txEffectClrLst/>
+  </dgm:styleLbl>
+  <dgm:styleLbl name="asst2">
+    <dgm:fillClrLst meth="repeat">
+      <a:schemeClr val="accent1"/>
+    </dgm:fillClrLst>
+    <dgm:linClrLst meth="repeat">
+      <a:schemeClr val="lt1"/>
+    </dgm:linClrLst>
+    <dgm:effectClrLst/>
+    <dgm:txLinClrLst/>
+    <dgm:txFillClrLst/>
+    <dgm:txEffectClrLst/>
+  </dgm:styleLbl>
+  <dgm:styleLbl name="asst3">
+    <dgm:fillClrLst meth="repeat">
+      <a:schemeClr val="accent1"/>
+    </dgm:fillClrLst>
+    <dgm:linClrLst meth="repeat">
+      <a:schemeClr val="lt1"/>
+    </dgm:linClrLst>
+    <dgm:effectClrLst/>
+    <dgm:txLinClrLst/>
+    <dgm:txFillClrLst/>
+    <dgm:txEffectClrLst/>
+  </dgm:styleLbl>
+  <dgm:styleLbl name="asst4">
+    <dgm:fillClrLst meth="repeat">
+      <a:schemeClr val="accent1"/>
+    </dgm:fillClrLst>
+    <dgm:linClrLst meth="repeat">
+      <a:schemeClr val="lt1"/>
+    </dgm:linClrLst>
+    <dgm:effectClrLst/>
+    <dgm:txLinClrLst/>
+    <dgm:txFillClrLst/>
+    <dgm:txEffectClrLst/>
+  </dgm:styleLbl>
+  <dgm:styleLbl name="parChTrans2D1">
+    <dgm:fillClrLst meth="repeat">
+      <a:schemeClr val="accent1">
+        <a:tint val="60000"/>
+      </a:schemeClr>
+    </dgm:fillClrLst>
+    <dgm:linClrLst meth="repeat">
+      <a:schemeClr val="accent1">
+        <a:tint val="60000"/>
+      </a:schemeClr>
+    </dgm:linClrLst>
+    <dgm:effectClrLst/>
+    <dgm:txLinClrLst/>
+    <dgm:txFillClrLst meth="repeat">
+      <a:schemeClr val="lt1"/>
+    </dgm:txFillClrLst>
+    <dgm:txEffectClrLst/>
+  </dgm:styleLbl>
+  <dgm:styleLbl name="parChTrans2D2">
+    <dgm:fillClrLst meth="repeat">
+      <a:schemeClr val="accent1"/>
+    </dgm:fillClrLst>
+    <dgm:linClrLst meth="repeat">
+      <a:schemeClr val="accent1"/>
+    </dgm:linClrLst>
+    <dgm:effectClrLst/>
+    <dgm:txLinClrLst/>
+    <dgm:txFillClrLst meth="repeat">
+      <a:schemeClr val="lt1"/>
+    </dgm:txFillClrLst>
+    <dgm:txEffectClrLst/>
+  </dgm:styleLbl>
+  <dgm:styleLbl name="parChTrans2D3">
+    <dgm:fillClrLst meth="repeat">
+      <a:schemeClr val="accent1"/>
+    </dgm:fillClrLst>
+    <dgm:linClrLst meth="repeat">
+      <a:schemeClr val="accent1"/>
+    </dgm:linClrLst>
+    <dgm:effectClrLst/>
+    <dgm:txLinClrLst/>
+    <dgm:txFillClrLst meth="repeat">
+      <a:schemeClr val="lt1"/>
+    </dgm:txFillClrLst>
+    <dgm:txEffectClrLst/>
+  </dgm:styleLbl>
+  <dgm:styleLbl name="parChTrans2D4">
+    <dgm:fillClrLst meth="repeat">
+      <a:schemeClr val="accent1"/>
+    </dgm:fillClrLst>
+    <dgm:linClrLst meth="repeat">
+      <a:schemeClr val="accent1"/>
+    </dgm:linClrLst>
+    <dgm:effectClrLst/>
+    <dgm:txLinClrLst/>
+    <dgm:txFillClrLst meth="repeat">
+      <a:schemeClr val="lt1"/>
+    </dgm:txFillClrLst>
+    <dgm:txEffectClrLst/>
+  </dgm:styleLbl>
+  <dgm:styleLbl name="parChTrans1D1">
+    <dgm:fillClrLst meth="repeat">
+      <a:schemeClr val="accent1"/>
+    </dgm:fillClrLst>
+    <dgm:linClrLst meth="repeat">
+      <a:schemeClr val="accent1">
+        <a:shade val="60000"/>
+      </a:schemeClr>
+    </dgm:linClrLst>
+    <dgm:effectClrLst/>
+    <dgm:txLinClrLst/>
+    <dgm:txFillClrLst meth="repeat">
+      <a:schemeClr val="tx1"/>
+    </dgm:txFillClrLst>
+    <dgm:txEffectClrLst/>
+  </dgm:styleLbl>
+  <dgm:styleLbl name="parChTrans1D2">
+    <dgm:fillClrLst meth="repeat">
+      <a:schemeClr val="accent1"/>
+    </dgm:fillClrLst>
+    <dgm:linClrLst meth="repeat">
+      <a:schemeClr val="accent1">
+        <a:shade val="60000"/>
+      </a:schemeClr>
+    </dgm:linClrLst>
+    <dgm:effectClrLst/>
+    <dgm:txLinClrLst/>
+    <dgm:txFillClrLst meth="repeat">
+      <a:schemeClr val="tx1"/>
+    </dgm:txFillClrLst>
+    <dgm:txEffectClrLst/>
+  </dgm:styleLbl>
+  <dgm:styleLbl name="parChTrans1D3">
+    <dgm:fillClrLst meth="repeat">
+      <a:schemeClr val="accent1"/>
+    </dgm:fillClrLst>
+    <dgm:linClrLst meth="repeat">
+      <a:schemeClr val="accent1">
+        <a:shade val="80000"/>
+      </a:schemeClr>
+    </dgm:linClrLst>
+    <dgm:effectClrLst/>
+    <dgm:txLinClrLst/>
+    <dgm:txFillClrLst meth="repeat">
+      <a:schemeClr val="tx1"/>
+    </dgm:txFillClrLst>
+    <dgm:txEffectClrLst/>
+  </dgm:styleLbl>
+  <dgm:styleLbl name="parChTrans1D4">
+    <dgm:fillClrLst meth="repeat">
+      <a:schemeClr val="accent1"/>
+    </dgm:fillClrLst>
+    <dgm:linClrLst meth="repeat">
+      <a:schemeClr val="accent1">
+        <a:shade val="80000"/>
+      </a:schemeClr>
+    </dgm:linClrLst>
+    <dgm:effectClrLst/>
+    <dgm:txLinClrLst/>
+    <dgm:txFillClrLst meth="repeat">
+      <a:schemeClr val="tx1"/>
+    </dgm:txFillClrLst>
+    <dgm:txEffectClrLst/>
+  </dgm:styleLbl>
+  <dgm:styleLbl name="fgAcc1">
+    <dgm:fillClrLst meth="repeat">
+      <a:schemeClr val="lt1">
+        <a:alpha val="90000"/>
+      </a:schemeClr>
+    </dgm:fillClrLst>
+    <dgm:linClrLst meth="repeat">
+      <a:schemeClr val="accent1"/>
+    </dgm:linClrLst>
+    <dgm:effectClrLst/>
+    <dgm:txLinClrLst/>
+    <dgm:txFillClrLst meth="repeat">
+      <a:schemeClr val="dk1"/>
+    </dgm:txFillClrLst>
+    <dgm:txEffectClrLst/>
+  </dgm:styleLbl>
+  <dgm:styleLbl name="conFgAcc1">
+    <dgm:fillClrLst meth="repeat">
+      <a:schemeClr val="lt1">
+        <a:alpha val="90000"/>
+      </a:schemeClr>
+    </dgm:fillClrLst>
+    <dgm:linClrLst meth="repeat">
+      <a:schemeClr val="accent1"/>
+    </dgm:linClrLst>
+    <dgm:effectClrLst/>
+    <dgm:txLinClrLst/>
+    <dgm:txFillClrLst meth="repeat">
+      <a:schemeClr val="dk1"/>
+    </dgm:txFillClrLst>
+    <dgm:txEffectClrLst/>
+  </dgm:styleLbl>
+  <dgm:styleLbl name="alignAcc1">
+    <dgm:fillClrLst meth="repeat">
+      <a:schemeClr val="lt1">
+        <a:alpha val="90000"/>
+      </a:schemeClr>
+    </dgm:fillClrLst>
+    <dgm:linClrLst meth="repeat">
+      <a:schemeClr val="accent1"/>
+    </dgm:linClrLst>
+    <dgm:effectClrLst/>
+    <dgm:txLinClrLst/>
+    <dgm:txFillClrLst meth="repeat">
+      <a:schemeClr val="dk1"/>
+    </dgm:txFillClrLst>
+    <dgm:txEffectClrLst/>
+  </dgm:styleLbl>
+  <dgm:styleLbl name="trAlignAcc1">
+    <dgm:fillClrLst meth="repeat">
+      <a:schemeClr val="lt1">
+        <a:alpha val="40000"/>
+      </a:schemeClr>
+    </dgm:fillClrLst>
+    <dgm:linClrLst meth="repeat">
+      <a:schemeClr val="accent1"/>
+    </dgm:linClrLst>
+    <dgm:effectClrLst/>
+    <dgm:txLinClrLst/>
+    <dgm:txFillClrLst meth="repeat">
+      <a:schemeClr val="dk1"/>
+    </dgm:txFillClrLst>
+    <dgm:txEffectClrLst/>
+  </dgm:styleLbl>
+  <dgm:styleLbl name="bgAcc1">
+    <dgm:fillClrLst meth="repeat">
+      <a:schemeClr val="lt1">
+        <a:alpha val="90000"/>
+      </a:schemeClr>
+    </dgm:fillClrLst>
+    <dgm:linClrLst meth="repeat">
+      <a:schemeClr val="accent1"/>
+    </dgm:linClrLst>
+    <dgm:effectClrLst/>
+    <dgm:txLinClrLst/>
+    <dgm:txFillClrLst meth="repeat">
+      <a:schemeClr val="dk1"/>
+    </dgm:txFillClrLst>
+    <dgm:txEffectClrLst/>
+  </dgm:styleLbl>
+  <dgm:styleLbl name="solidFgAcc1">
+    <dgm:fillClrLst meth="repeat">
+      <a:schemeClr val="lt1"/>
+    </dgm:fillClrLst>
+    <dgm:linClrLst meth="repeat">
+      <a:schemeClr val="accent1"/>
+    </dgm:linClrLst>
+    <dgm:effectClrLst/>
+    <dgm:txLinClrLst/>
+    <dgm:txFillClrLst meth="repeat">
+      <a:schemeClr val="dk1"/>
+    </dgm:txFillClrLst>
+    <dgm:txEffectClrLst/>
+  </dgm:styleLbl>
+  <dgm:styleLbl name="solidAlignAcc1">
+    <dgm:fillClrLst meth="repeat">
+      <a:schemeClr val="lt1"/>
+    </dgm:fillClrLst>
+    <dgm:linClrLst meth="repeat">
+      <a:schemeClr val="accent1"/>
+    </dgm:linClrLst>
+    <dgm:effectClrLst/>
+    <dgm:txLinClrLst/>
+    <dgm:txFillClrLst meth="repeat">
+      <a:schemeClr val="dk1"/>
+    </dgm:txFillClrLst>
+    <dgm:txEffectClrLst/>
+  </dgm:styleLbl>
+  <dgm:styleLbl name="solidBgAcc1">
+    <dgm:fillClrLst meth="repeat">
+      <a:schemeClr val="lt1"/>
+    </dgm:fillClrLst>
+    <dgm:linClrLst meth="repeat">
+      <a:schemeClr val="accent1"/>
+    </dgm:linClrLst>
+    <dgm:effectClrLst/>
+    <dgm:txLinClrLst/>
+    <dgm:txFillClrLst meth="repeat">
+      <a:schemeClr val="dk1"/>
+    </dgm:txFillClrLst>
+    <dgm:txEffectClrLst/>
+  </dgm:styleLbl>
+  <dgm:styleLbl name="fgAccFollowNode1">
+    <dgm:fillClrLst meth="repeat">
+      <a:schemeClr val="accent1">
+        <a:alpha val="90000"/>
+        <a:tint val="40000"/>
+      </a:schemeClr>
+    </dgm:fillClrLst>
+    <dgm:linClrLst meth="repeat">
+      <a:schemeClr val="accent1">
+        <a:alpha val="90000"/>
+        <a:tint val="40000"/>
+      </a:schemeClr>
+    </dgm:linClrLst>
+    <dgm:effectClrLst/>
+    <dgm:txLinClrLst/>
+    <dgm:txFillClrLst meth="repeat">
+      <a:schemeClr val="dk1"/>
+    </dgm:txFillClrLst>
+    <dgm:txEffectClrLst/>
+  </dgm:styleLbl>
+  <dgm:styleLbl name="alignAccFollowNode1">
+    <dgm:fillClrLst meth="repeat">
+      <a:schemeClr val="accent1">
+        <a:alpha val="90000"/>
+        <a:tint val="40000"/>
+      </a:schemeClr>
+    </dgm:fillClrLst>
+    <dgm:linClrLst meth="repeat">
+      <a:schemeClr val="accent1">
+        <a:alpha val="90000"/>
+        <a:tint val="40000"/>
+      </a:schemeClr>
+    </dgm:linClrLst>
+    <dgm:effectClrLst/>
+    <dgm:txLinClrLst/>
+    <dgm:txFillClrLst meth="repeat">
+      <a:schemeClr val="dk1"/>
+    </dgm:txFillClrLst>
+    <dgm:txEffectClrLst/>
+  </dgm:styleLbl>
+  <dgm:styleLbl name="bgAccFollowNode1">
+    <dgm:fillClrLst meth="repeat">
+      <a:schemeClr val="accent1">
+        <a:alpha val="90000"/>
+        <a:tint val="40000"/>
+      </a:schemeClr>
+    </dgm:fillClrLst>
+    <dgm:linClrLst meth="repeat">
+      <a:schemeClr val="accent1">
+        <a:alpha val="90000"/>
+        <a:tint val="40000"/>
+      </a:schemeClr>
+    </dgm:linClrLst>
+    <dgm:effectClrLst/>
+    <dgm:txLinClrLst/>
+    <dgm:txFillClrLst meth="repeat">
+      <a:schemeClr val="dk1"/>
+    </dgm:txFillClrLst>
+    <dgm:txEffectClrLst/>
+  </dgm:styleLbl>
+  <dgm:styleLbl name="fgAcc0">
+    <dgm:fillClrLst meth="repeat">
+      <a:schemeClr val="lt1">
+        <a:alpha val="90000"/>
+      </a:schemeClr>
+    </dgm:fillClrLst>
+    <dgm:linClrLst meth="repeat">
+      <a:schemeClr val="accent1"/>
+    </dgm:linClrLst>
+    <dgm:effectClrLst/>
+    <dgm:txLinClrLst/>
+    <dgm:txFillClrLst meth="repeat">
+      <a:schemeClr val="dk1"/>
+    </dgm:txFillClrLst>
+    <dgm:txEffectClrLst/>
+  </dgm:styleLbl>
+  <dgm:styleLbl name="fgAcc2">
+    <dgm:fillClrLst meth="repeat">
+      <a:schemeClr val="lt1">
+        <a:alpha val="90000"/>
+      </a:schemeClr>
+    </dgm:fillClrLst>
+    <dgm:linClrLst meth="repeat">
+      <a:schemeClr val="accent1"/>
+    </dgm:linClrLst>
+    <dgm:effectClrLst/>
+    <dgm:txLinClrLst/>
+    <dgm:txFillClrLst meth="repeat">
+      <a:schemeClr val="dk1"/>
+    </dgm:txFillClrLst>
+    <dgm:txEffectClrLst/>
+  </dgm:styleLbl>
+  <dgm:styleLbl name="fgAcc3">
+    <dgm:fillClrLst meth="repeat">
+      <a:schemeClr val="lt1">
+        <a:alpha val="90000"/>
+      </a:schemeClr>
+    </dgm:fillClrLst>
+    <dgm:linClrLst meth="repeat">
+      <a:schemeClr val="accent1"/>
+    </dgm:linClrLst>
+    <dgm:effectClrLst/>
+    <dgm:txLinClrLst/>
+    <dgm:txFillClrLst meth="repeat">
+      <a:schemeClr val="dk1"/>
+    </dgm:txFillClrLst>
+    <dgm:txEffectClrLst/>
+  </dgm:styleLbl>
+  <dgm:styleLbl name="fgAcc4">
+    <dgm:fillClrLst meth="repeat">
+      <a:schemeClr val="lt1">
+        <a:alpha val="90000"/>
+      </a:schemeClr>
+    </dgm:fillClrLst>
+    <dgm:linClrLst meth="repeat">
+      <a:schemeClr val="accent1"/>
+    </dgm:linClrLst>
+    <dgm:effectClrLst/>
+    <dgm:txLinClrLst/>
+    <dgm:txFillClrLst meth="repeat">
+      <a:schemeClr val="dk1"/>
+    </dgm:txFillClrLst>
+    <dgm:txEffectClrLst/>
+  </dgm:styleLbl>
+  <dgm:styleLbl name="bgShp">
+    <dgm:fillClrLst meth="repeat">
+      <a:schemeClr val="accent1">
+        <a:tint val="40000"/>
+      </a:schemeClr>
+    </dgm:fillClrLst>
+    <dgm:linClrLst meth="repeat">
+      <a:schemeClr val="accent1"/>
+    </dgm:linClrLst>
+    <dgm:effectClrLst/>
+    <dgm:txLinClrLst/>
+    <dgm:txFillClrLst meth="repeat">
+      <a:schemeClr val="dk1"/>
+    </dgm:txFillClrLst>
+    <dgm:txEffectClrLst/>
+  </dgm:styleLbl>
+  <dgm:styleLbl name="dkBgShp">
+    <dgm:fillClrLst meth="repeat">
+      <a:schemeClr val="accent1">
+        <a:shade val="80000"/>
+      </a:schemeClr>
+    </dgm:fillClrLst>
+    <dgm:linClrLst meth="repeat">
+      <a:schemeClr val="accent1"/>
+    </dgm:linClrLst>
+    <dgm:effectClrLst/>
+    <dgm:txLinClrLst/>
+    <dgm:txFillClrLst meth="repeat">
+      <a:schemeClr val="lt1"/>
+    </dgm:txFillClrLst>
+    <dgm:txEffectClrLst/>
+  </dgm:styleLbl>
+  <dgm:styleLbl name="trBgShp">
+    <dgm:fillClrLst meth="repeat">
+      <a:schemeClr val="accent1">
+        <a:tint val="50000"/>
+        <a:alpha val="40000"/>
+      </a:schemeClr>
+    </dgm:fillClrLst>
+    <dgm:linClrLst meth="repeat">
+      <a:schemeClr val="accent1"/>
+    </dgm:linClrLst>
+    <dgm:effectClrLst/>
+    <dgm:txLinClrLst/>
+    <dgm:txFillClrLst meth="repeat">
+      <a:schemeClr val="lt1"/>
+    </dgm:txFillClrLst>
+    <dgm:txEffectClrLst/>
+  </dgm:styleLbl>
+  <dgm:styleLbl name="fgShp">
+    <dgm:fillClrLst meth="repeat">
+      <a:schemeClr val="accent1">
+        <a:tint val="60000"/>
+      </a:schemeClr>
+    </dgm:fillClrLst>
+    <dgm:linClrLst meth="repeat">
+      <a:schemeClr val="lt1"/>
+    </dgm:linClrLst>
+    <dgm:effectClrLst/>
+    <dgm:txLinClrLst/>
+    <dgm:txFillClrLst meth="repeat">
+      <a:schemeClr val="dk1"/>
+    </dgm:txFillClrLst>
+    <dgm:txEffectClrLst/>
+  </dgm:styleLbl>
+  <dgm:styleLbl name="revTx">
+    <dgm:fillClrLst meth="repeat">
+      <a:schemeClr val="lt1">
+        <a:alpha val="0"/>
+      </a:schemeClr>
+    </dgm:fillClrLst>
+    <dgm:linClrLst meth="repeat">
+      <a:schemeClr val="dk1">
+        <a:alpha val="0"/>
+      </a:schemeClr>
+    </dgm:linClrLst>
+    <dgm:effectClrLst/>
+    <dgm:txLinClrLst/>
+    <dgm:txFillClrLst meth="repeat">
+      <a:schemeClr val="tx1"/>
+    </dgm:txFillClrLst>
+    <dgm:txEffectClrLst/>
+  </dgm:styleLbl>
+</dgm:colorsDef>
+</file>
+
+<file path=ppt/diagrams/colors2.xml><?xml version="1.0" encoding="utf-8"?>
+<dgm:colorsDef xmlns:dgm="http://schemas.openxmlformats.org/drawingml/2006/diagram" xmlns:a="http://schemas.openxmlformats.org/drawingml/2006/main" uniqueId="urn:microsoft.com/office/officeart/2005/8/colors/accent1_2">
+  <dgm:title val=""/>
+  <dgm:desc val=""/>
+  <dgm:catLst>
+    <dgm:cat type="accent1" pri="11200"/>
+  </dgm:catLst>
+  <dgm:styleLbl name="node0">
+    <dgm:fillClrLst meth="repeat">
+      <a:schemeClr val="accent1"/>
+    </dgm:fillClrLst>
+    <dgm:linClrLst meth="repeat">
+      <a:schemeClr val="lt1"/>
+    </dgm:linClrLst>
+    <dgm:effectClrLst/>
+    <dgm:txLinClrLst/>
+    <dgm:txFillClrLst/>
+    <dgm:txEffectClrLst/>
+  </dgm:styleLbl>
+  <dgm:styleLbl name="alignNode1">
+    <dgm:fillClrLst meth="repeat">
+      <a:schemeClr val="accent1"/>
+    </dgm:fillClrLst>
+    <dgm:linClrLst meth="repeat">
+      <a:schemeClr val="accent1"/>
+    </dgm:linClrLst>
+    <dgm:effectClrLst/>
+    <dgm:txLinClrLst/>
+    <dgm:txFillClrLst/>
+    <dgm:txEffectClrLst/>
+  </dgm:styleLbl>
+  <dgm:styleLbl name="node1">
+    <dgm:fillClrLst meth="repeat">
+      <a:schemeClr val="accent1"/>
+    </dgm:fillClrLst>
+    <dgm:linClrLst meth="repeat">
+      <a:schemeClr val="lt1"/>
+    </dgm:linClrLst>
+    <dgm:effectClrLst/>
+    <dgm:txLinClrLst/>
+    <dgm:txFillClrLst/>
+    <dgm:txEffectClrLst/>
+  </dgm:styleLbl>
+  <dgm:styleLbl name="lnNode1">
+    <dgm:fillClrLst meth="repeat">
+      <a:schemeClr val="accent1"/>
+    </dgm:fillClrLst>
+    <dgm:linClrLst meth="repeat">
+      <a:schemeClr val="lt1"/>
+    </dgm:linClrLst>
+    <dgm:effectClrLst/>
+    <dgm:txLinClrLst/>
+    <dgm:txFillClrLst/>
+    <dgm:txEffectClrLst/>
+  </dgm:styleLbl>
+  <dgm:styleLbl name="vennNode1">
+    <dgm:fillClrLst meth="repeat">
+      <a:schemeClr val="accent1">
+        <a:alpha val="50000"/>
+      </a:schemeClr>
+    </dgm:fillClrLst>
+    <dgm:linClrLst meth="repeat">
+      <a:schemeClr val="lt1"/>
+    </dgm:linClrLst>
+    <dgm:effectClrLst/>
+    <dgm:txLinClrLst/>
+    <dgm:txFillClrLst/>
+    <dgm:txEffectClrLst/>
+  </dgm:styleLbl>
+  <dgm:styleLbl name="node2">
+    <dgm:fillClrLst meth="repeat">
+      <a:schemeClr val="accent1"/>
+    </dgm:fillClrLst>
+    <dgm:linClrLst meth="repeat">
+      <a:schemeClr val="lt1"/>
+    </dgm:linClrLst>
+    <dgm:effectClrLst/>
+    <dgm:txLinClrLst/>
+    <dgm:txFillClrLst/>
+    <dgm:txEffectClrLst/>
+  </dgm:styleLbl>
+  <dgm:styleLbl name="node3">
+    <dgm:fillClrLst meth="repeat">
+      <a:schemeClr val="accent1"/>
+    </dgm:fillClrLst>
+    <dgm:linClrLst meth="repeat">
+      <a:schemeClr val="lt1"/>
+    </dgm:linClrLst>
+    <dgm:effectClrLst/>
+    <dgm:txLinClrLst/>
+    <dgm:txFillClrLst/>
+    <dgm:txEffectClrLst/>
+  </dgm:styleLbl>
+  <dgm:styleLbl name="node4">
+    <dgm:fillClrLst meth="repeat">
+      <a:schemeClr val="accent1"/>
+    </dgm:fillClrLst>
+    <dgm:linClrLst meth="repeat">
+      <a:schemeClr val="lt1"/>
+    </dgm:linClrLst>
+    <dgm:effectClrLst/>
+    <dgm:txLinClrLst/>
+    <dgm:txFillClrLst/>
+    <dgm:txEffectClrLst/>
+  </dgm:styleLbl>
+  <dgm:styleLbl name="fgImgPlace1">
+    <dgm:fillClrLst meth="repeat">
+      <a:schemeClr val="accent1">
+        <a:tint val="50000"/>
+      </a:schemeClr>
+    </dgm:fillClrLst>
+    <dgm:linClrLst meth="repeat">
+      <a:schemeClr val="lt1"/>
+    </dgm:linClrLst>
+    <dgm:effectClrLst/>
+    <dgm:txLinClrLst/>
+    <dgm:txFillClrLst meth="repeat">
+      <a:schemeClr val="lt1"/>
+    </dgm:txFillClrLst>
+    <dgm:txEffectClrLst/>
+  </dgm:styleLbl>
+  <dgm:styleLbl name="alignImgPlace1">
+    <dgm:fillClrLst meth="repeat">
+      <a:schemeClr val="accent1">
+        <a:tint val="50000"/>
+      </a:schemeClr>
+    </dgm:fillClrLst>
+    <dgm:linClrLst meth="repeat">
+      <a:schemeClr val="lt1"/>
+    </dgm:linClrLst>
+    <dgm:effectClrLst/>
+    <dgm:txLinClrLst/>
+    <dgm:txFillClrLst meth="repeat">
+      <a:schemeClr val="lt1"/>
+    </dgm:txFillClrLst>
+    <dgm:txEffectClrLst/>
+  </dgm:styleLbl>
+  <dgm:styleLbl name="bgImgPlace1">
+    <dgm:fillClrLst meth="repeat">
+      <a:schemeClr val="accent1">
+        <a:tint val="50000"/>
+      </a:schemeClr>
+    </dgm:fillClrLst>
+    <dgm:linClrLst meth="repeat">
+      <a:schemeClr val="lt1"/>
+    </dgm:linClrLst>
+    <dgm:effectClrLst/>
+    <dgm:txLinClrLst/>
+    <dgm:txFillClrLst meth="repeat">
+      <a:schemeClr val="lt1"/>
+    </dgm:txFillClrLst>
+    <dgm:txEffectClrLst/>
+  </dgm:styleLbl>
+  <dgm:styleLbl name="sibTrans2D1">
+    <dgm:fillClrLst meth="repeat">
+      <a:schemeClr val="accent1">
+        <a:tint val="60000"/>
+      </a:schemeClr>
+    </dgm:fillClrLst>
+    <dgm:linClrLst meth="repeat">
+      <a:schemeClr val="accent1">
+        <a:tint val="60000"/>
+      </a:schemeClr>
+    </dgm:linClrLst>
+    <dgm:effectClrLst/>
+    <dgm:txLinClrLst/>
+    <dgm:txFillClrLst/>
+    <dgm:txEffectClrLst/>
+  </dgm:styleLbl>
+  <dgm:styleLbl name="fgSibTrans2D1">
+    <dgm:fillClrLst meth="repeat">
+      <a:schemeClr val="accent1">
+        <a:tint val="60000"/>
+      </a:schemeClr>
+    </dgm:fillClrLst>
+    <dgm:linClrLst meth="repeat">
+      <a:schemeClr val="accent1">
+        <a:tint val="60000"/>
+      </a:schemeClr>
+    </dgm:linClrLst>
+    <dgm:effectClrLst/>
+    <dgm:txLinClrLst/>
+    <dgm:txFillClrLst/>
+    <dgm:txEffectClrLst/>
+  </dgm:styleLbl>
+  <dgm:styleLbl name="bgSibTrans2D1">
+    <dgm:fillClrLst meth="repeat">
+      <a:schemeClr val="accent1">
+        <a:tint val="60000"/>
+      </a:schemeClr>
+    </dgm:fillClrLst>
+    <dgm:linClrLst meth="repeat">
+      <a:schemeClr val="accent1">
+        <a:tint val="60000"/>
+      </a:schemeClr>
+    </dgm:linClrLst>
+    <dgm:effectClrLst/>
+    <dgm:txLinClrLst/>
+    <dgm:txFillClrLst/>
+    <dgm:txEffectClrLst/>
+  </dgm:styleLbl>
+  <dgm:styleLbl name="sibTrans1D1">
+    <dgm:fillClrLst meth="repeat">
+      <a:schemeClr val="accent1"/>
+    </dgm:fillClrLst>
+    <dgm:linClrLst meth="repeat">
+      <a:schemeClr val="accent1"/>
+    </dgm:linClrLst>
+    <dgm:effectClrLst/>
+    <dgm:txLinClrLst/>
+    <dgm:txFillClrLst meth="repeat">
+      <a:schemeClr val="tx1"/>
+    </dgm:txFillClrLst>
+    <dgm:txEffectClrLst/>
+  </dgm:styleLbl>
+  <dgm:styleLbl name="callout">
+    <dgm:fillClrLst meth="repeat">
+      <a:schemeClr val="accent1"/>
+    </dgm:fillClrLst>
+    <dgm:linClrLst meth="repeat">
+      <a:schemeClr val="accent1">
+        <a:tint val="50000"/>
+      </a:schemeClr>
+    </dgm:linClrLst>
+    <dgm:effectClrLst/>
+    <dgm:txLinClrLst/>
+    <dgm:txFillClrLst meth="repeat">
+      <a:schemeClr val="tx1"/>
+    </dgm:txFillClrLst>
+    <dgm:txEffectClrLst/>
+  </dgm:styleLbl>
+  <dgm:styleLbl name="asst0">
+    <dgm:fillClrLst meth="repeat">
+      <a:schemeClr val="accent1"/>
+    </dgm:fillClrLst>
+    <dgm:linClrLst meth="repeat">
+      <a:schemeClr val="lt1"/>
+    </dgm:linClrLst>
+    <dgm:effectClrLst/>
+    <dgm:txLinClrLst/>
+    <dgm:txFillClrLst/>
+    <dgm:txEffectClrLst/>
+  </dgm:styleLbl>
+  <dgm:styleLbl name="asst1">
+    <dgm:fillClrLst meth="repeat">
+      <a:schemeClr val="accent1"/>
+    </dgm:fillClrLst>
+    <dgm:linClrLst meth="repeat">
+      <a:schemeClr val="lt1"/>
+    </dgm:linClrLst>
+    <dgm:effectClrLst/>
+    <dgm:txLinClrLst/>
+    <dgm:txFillClrLst/>
+    <dgm:txEffectClrLst/>
+  </dgm:styleLbl>
+  <dgm:styleLbl name="asst2">
+    <dgm:fillClrLst meth="repeat">
+      <a:schemeClr val="accent1"/>
+    </dgm:fillClrLst>
+    <dgm:linClrLst meth="repeat">
+      <a:schemeClr val="lt1"/>
+    </dgm:linClrLst>
+    <dgm:effectClrLst/>
+    <dgm:txLinClrLst/>
+    <dgm:txFillClrLst/>
+    <dgm:txEffectClrLst/>
+  </dgm:styleLbl>
+  <dgm:styleLbl name="asst3">
+    <dgm:fillClrLst meth="repeat">
+      <a:schemeClr val="accent1"/>
+    </dgm:fillClrLst>
+    <dgm:linClrLst meth="repeat">
+      <a:schemeClr val="lt1"/>
+    </dgm:linClrLst>
+    <dgm:effectClrLst/>
+    <dgm:txLinClrLst/>
+    <dgm:txFillClrLst/>
+    <dgm:txEffectClrLst/>
+  </dgm:styleLbl>
+  <dgm:styleLbl name="asst4">
+    <dgm:fillClrLst meth="repeat">
+      <a:schemeClr val="accent1"/>
+    </dgm:fillClrLst>
+    <dgm:linClrLst meth="repeat">
+      <a:schemeClr val="lt1"/>
+    </dgm:linClrLst>
+    <dgm:effectClrLst/>
+    <dgm:txLinClrLst/>
+    <dgm:txFillClrLst/>
+    <dgm:txEffectClrLst/>
+  </dgm:styleLbl>
+  <dgm:styleLbl name="parChTrans2D1">
+    <dgm:fillClrLst meth="repeat">
+      <a:schemeClr val="accent1">
+        <a:tint val="60000"/>
+      </a:schemeClr>
+    </dgm:fillClrLst>
+    <dgm:linClrLst meth="repeat">
+      <a:schemeClr val="accent1">
+        <a:tint val="60000"/>
+      </a:schemeClr>
+    </dgm:linClrLst>
+    <dgm:effectClrLst/>
+    <dgm:txLinClrLst/>
+    <dgm:txFillClrLst meth="repeat">
+      <a:schemeClr val="lt1"/>
+    </dgm:txFillClrLst>
+    <dgm:txEffectClrLst/>
+  </dgm:styleLbl>
+  <dgm:styleLbl name="parChTrans2D2">
+    <dgm:fillClrLst meth="repeat">
+      <a:schemeClr val="accent1"/>
+    </dgm:fillClrLst>
+    <dgm:linClrLst meth="repeat">
+      <a:schemeClr val="accent1"/>
+    </dgm:linClrLst>
+    <dgm:effectClrLst/>
+    <dgm:txLinClrLst/>
+    <dgm:txFillClrLst meth="repeat">
+      <a:schemeClr val="lt1"/>
+    </dgm:txFillClrLst>
+    <dgm:txEffectClrLst/>
+  </dgm:styleLbl>
+  <dgm:styleLbl name="parChTrans2D3">
+    <dgm:fillClrLst meth="repeat">
+      <a:schemeClr val="accent1"/>
+    </dgm:fillClrLst>
+    <dgm:linClrLst meth="repeat">
+      <a:schemeClr val="accent1"/>
+    </dgm:linClrLst>
+    <dgm:effectClrLst/>
+    <dgm:txLinClrLst/>
+    <dgm:txFillClrLst meth="repeat">
+      <a:schemeClr val="lt1"/>
+    </dgm:txFillClrLst>
+    <dgm:txEffectClrLst/>
+  </dgm:styleLbl>
+  <dgm:styleLbl name="parChTrans2D4">
+    <dgm:fillClrLst meth="repeat">
+      <a:schemeClr val="accent1"/>
+    </dgm:fillClrLst>
+    <dgm:linClrLst meth="repeat">
+      <a:schemeClr val="accent1"/>
+    </dgm:linClrLst>
+    <dgm:effectClrLst/>
+    <dgm:txLinClrLst/>
+    <dgm:txFillClrLst meth="repeat">
+      <a:schemeClr val="lt1"/>
+    </dgm:txFillClrLst>
+    <dgm:txEffectClrLst/>
+  </dgm:styleLbl>
+  <dgm:styleLbl name="parChTrans1D1">
+    <dgm:fillClrLst meth="repeat">
+      <a:schemeClr val="accent1"/>
+    </dgm:fillClrLst>
+    <dgm:linClrLst meth="repeat">
+      <a:schemeClr val="accent1">
+        <a:shade val="60000"/>
+      </a:schemeClr>
+    </dgm:linClrLst>
+    <dgm:effectClrLst/>
+    <dgm:txLinClrLst/>
+    <dgm:txFillClrLst meth="repeat">
+      <a:schemeClr val="tx1"/>
+    </dgm:txFillClrLst>
+    <dgm:txEffectClrLst/>
+  </dgm:styleLbl>
+  <dgm:styleLbl name="parChTrans1D2">
+    <dgm:fillClrLst meth="repeat">
+      <a:schemeClr val="accent1"/>
+    </dgm:fillClrLst>
+    <dgm:linClrLst meth="repeat">
+      <a:schemeClr val="accent1">
+        <a:shade val="60000"/>
+      </a:schemeClr>
+    </dgm:linClrLst>
+    <dgm:effectClrLst/>
+    <dgm:txLinClrLst/>
+    <dgm:txFillClrLst meth="repeat">
+      <a:schemeClr val="tx1"/>
+    </dgm:txFillClrLst>
+    <dgm:txEffectClrLst/>
+  </dgm:styleLbl>
+  <dgm:styleLbl name="parChTrans1D3">
+    <dgm:fillClrLst meth="repeat">
+      <a:schemeClr val="accent1"/>
+    </dgm:fillClrLst>
+    <dgm:linClrLst meth="repeat">
+      <a:schemeClr val="accent1">
+        <a:shade val="80000"/>
+      </a:schemeClr>
+    </dgm:linClrLst>
+    <dgm:effectClrLst/>
+    <dgm:txLinClrLst/>
+    <dgm:txFillClrLst meth="repeat">
+      <a:schemeClr val="tx1"/>
+    </dgm:txFillClrLst>
+    <dgm:txEffectClrLst/>
+  </dgm:styleLbl>
+  <dgm:styleLbl name="parChTrans1D4">
+    <dgm:fillClrLst meth="repeat">
+      <a:schemeClr val="accent1"/>
+    </dgm:fillClrLst>
+    <dgm:linClrLst meth="repeat">
+      <a:schemeClr val="accent1">
+        <a:shade val="80000"/>
+      </a:schemeClr>
+    </dgm:linClrLst>
+    <dgm:effectClrLst/>
+    <dgm:txLinClrLst/>
+    <dgm:txFillClrLst meth="repeat">
+      <a:schemeClr val="tx1"/>
+    </dgm:txFillClrLst>
+    <dgm:txEffectClrLst/>
+  </dgm:styleLbl>
+  <dgm:styleLbl name="fgAcc1">
+    <dgm:fillClrLst meth="repeat">
+      <a:schemeClr val="lt1">
+        <a:alpha val="90000"/>
+      </a:schemeClr>
+    </dgm:fillClrLst>
+    <dgm:linClrLst meth="repeat">
+      <a:schemeClr val="accent1"/>
+    </dgm:linClrLst>
+    <dgm:effectClrLst/>
+    <dgm:txLinClrLst/>
+    <dgm:txFillClrLst meth="repeat">
+      <a:schemeClr val="dk1"/>
+    </dgm:txFillClrLst>
+    <dgm:txEffectClrLst/>
+  </dgm:styleLbl>
+  <dgm:styleLbl name="conFgAcc1">
+    <dgm:fillClrLst meth="repeat">
+      <a:schemeClr val="lt1">
+        <a:alpha val="90000"/>
+      </a:schemeClr>
+    </dgm:fillClrLst>
+    <dgm:linClrLst meth="repeat">
+      <a:schemeClr val="accent1"/>
+    </dgm:linClrLst>
+    <dgm:effectClrLst/>
+    <dgm:txLinClrLst/>
+    <dgm:txFillClrLst meth="repeat">
+      <a:schemeClr val="dk1"/>
+    </dgm:txFillClrLst>
+    <dgm:txEffectClrLst/>
+  </dgm:styleLbl>
+  <dgm:styleLbl name="alignAcc1">
+    <dgm:fillClrLst meth="repeat">
+      <a:schemeClr val="lt1">
+        <a:alpha val="90000"/>
+      </a:schemeClr>
+    </dgm:fillClrLst>
+    <dgm:linClrLst meth="repeat">
+      <a:schemeClr val="accent1"/>
+    </dgm:linClrLst>
+    <dgm:effectClrLst/>
+    <dgm:txLinClrLst/>
+    <dgm:txFillClrLst meth="repeat">
+      <a:schemeClr val="dk1"/>
+    </dgm:txFillClrLst>
+    <dgm:txEffectClrLst/>
+  </dgm:styleLbl>
+  <dgm:styleLbl name="trAlignAcc1">
+    <dgm:fillClrLst meth="repeat">
+      <a:schemeClr val="lt1">
+        <a:alpha val="40000"/>
+      </a:schemeClr>
+    </dgm:fillClrLst>
+    <dgm:linClrLst meth="repeat">
+      <a:schemeClr val="accent1"/>
+    </dgm:linClrLst>
+    <dgm:effectClrLst/>
+    <dgm:txLinClrLst/>
+    <dgm:txFillClrLst meth="repeat">
+      <a:schemeClr val="dk1"/>
+    </dgm:txFillClrLst>
+    <dgm:txEffectClrLst/>
+  </dgm:styleLbl>
+  <dgm:styleLbl name="bgAcc1">
+    <dgm:fillClrLst meth="repeat">
+      <a:schemeClr val="lt1">
+        <a:alpha val="90000"/>
+      </a:schemeClr>
+    </dgm:fillClrLst>
+    <dgm:linClrLst meth="repeat">
+      <a:schemeClr val="accent1"/>
+    </dgm:linClrLst>
+    <dgm:effectClrLst/>
+    <dgm:txLinClrLst/>
+    <dgm:txFillClrLst meth="repeat">
+      <a:schemeClr val="dk1"/>
+    </dgm:txFillClrLst>
+    <dgm:txEffectClrLst/>
+  </dgm:styleLbl>
+  <dgm:styleLbl name="solidFgAcc1">
+    <dgm:fillClrLst meth="repeat">
+      <a:schemeClr val="lt1"/>
+    </dgm:fillClrLst>
+    <dgm:linClrLst meth="repeat">
+      <a:schemeClr val="accent1"/>
+    </dgm:linClrLst>
+    <dgm:effectClrLst/>
+    <dgm:txLinClrLst/>
+    <dgm:txFillClrLst meth="repeat">
+      <a:schemeClr val="dk1"/>
+    </dgm:txFillClrLst>
+    <dgm:txEffectClrLst/>
+  </dgm:styleLbl>
+  <dgm:styleLbl name="solidAlignAcc1">
+    <dgm:fillClrLst meth="repeat">
+      <a:schemeClr val="lt1"/>
+    </dgm:fillClrLst>
+    <dgm:linClrLst meth="repeat">
+      <a:schemeClr val="accent1"/>
+    </dgm:linClrLst>
+    <dgm:effectClrLst/>
+    <dgm:txLinClrLst/>
+    <dgm:txFillClrLst meth="repeat">
+      <a:schemeClr val="dk1"/>
+    </dgm:txFillClrLst>
+    <dgm:txEffectClrLst/>
+  </dgm:styleLbl>
+  <dgm:styleLbl name="solidBgAcc1">
+    <dgm:fillClrLst meth="repeat">
+      <a:schemeClr val="lt1"/>
+    </dgm:fillClrLst>
+    <dgm:linClrLst meth="repeat">
+      <a:schemeClr val="accent1"/>
+    </dgm:linClrLst>
+    <dgm:effectClrLst/>
+    <dgm:txLinClrLst/>
+    <dgm:txFillClrLst meth="repeat">
+      <a:schemeClr val="dk1"/>
+    </dgm:txFillClrLst>
+    <dgm:txEffectClrLst/>
+  </dgm:styleLbl>
+  <dgm:styleLbl name="fgAccFollowNode1">
+    <dgm:fillClrLst meth="repeat">
+      <a:schemeClr val="accent1">
+        <a:alpha val="90000"/>
+        <a:tint val="40000"/>
+      </a:schemeClr>
+    </dgm:fillClrLst>
+    <dgm:linClrLst meth="repeat">
+      <a:schemeClr val="accent1">
+        <a:alpha val="90000"/>
+        <a:tint val="40000"/>
+      </a:schemeClr>
+    </dgm:linClrLst>
+    <dgm:effectClrLst/>
+    <dgm:txLinClrLst/>
+    <dgm:txFillClrLst meth="repeat">
+      <a:schemeClr val="dk1"/>
+    </dgm:txFillClrLst>
+    <dgm:txEffectClrLst/>
+  </dgm:styleLbl>
+  <dgm:styleLbl name="alignAccFollowNode1">
+    <dgm:fillClrLst meth="repeat">
+      <a:schemeClr val="accent1">
+        <a:alpha val="90000"/>
+        <a:tint val="40000"/>
+      </a:schemeClr>
+    </dgm:fillClrLst>
+    <dgm:linClrLst meth="repeat">
+      <a:schemeClr val="accent1">
+        <a:alpha val="90000"/>
+        <a:tint val="40000"/>
+      </a:schemeClr>
+    </dgm:linClrLst>
+    <dgm:effectClrLst/>
+    <dgm:txLinClrLst/>
+    <dgm:txFillClrLst meth="repeat">
+      <a:schemeClr val="dk1"/>
+    </dgm:txFillClrLst>
+    <dgm:txEffectClrLst/>
+  </dgm:styleLbl>
+  <dgm:styleLbl name="bgAccFollowNode1">
+    <dgm:fillClrLst meth="repeat">
+      <a:schemeClr val="accent1">
+        <a:alpha val="90000"/>
+        <a:tint val="40000"/>
+      </a:schemeClr>
+    </dgm:fillClrLst>
+    <dgm:linClrLst meth="repeat">
+      <a:schemeClr val="accent1">
+        <a:alpha val="90000"/>
+        <a:tint val="40000"/>
+      </a:schemeClr>
+    </dgm:linClrLst>
+    <dgm:effectClrLst/>
+    <dgm:txLinClrLst/>
+    <dgm:txFillClrLst meth="repeat">
+      <a:schemeClr val="dk1"/>
+    </dgm:txFillClrLst>
+    <dgm:txEffectClrLst/>
+  </dgm:styleLbl>
+  <dgm:styleLbl name="fgAcc0">
+    <dgm:fillClrLst meth="repeat">
+      <a:schemeClr val="lt1">
+        <a:alpha val="90000"/>
+      </a:schemeClr>
+    </dgm:fillClrLst>
+    <dgm:linClrLst meth="repeat">
+      <a:schemeClr val="accent1"/>
+    </dgm:linClrLst>
+    <dgm:effectClrLst/>
+    <dgm:txLinClrLst/>
+    <dgm:txFillClrLst meth="repeat">
+      <a:schemeClr val="dk1"/>
+    </dgm:txFillClrLst>
+    <dgm:txEffectClrLst/>
+  </dgm:styleLbl>
+  <dgm:styleLbl name="fgAcc2">
+    <dgm:fillClrLst meth="repeat">
+      <a:schemeClr val="lt1">
+        <a:alpha val="90000"/>
+      </a:schemeClr>
+    </dgm:fillClrLst>
+    <dgm:linClrLst meth="repeat">
+      <a:schemeClr val="accent1"/>
+    </dgm:linClrLst>
+    <dgm:effectClrLst/>
+    <dgm:txLinClrLst/>
+    <dgm:txFillClrLst meth="repeat">
+      <a:schemeClr val="dk1"/>
+    </dgm:txFillClrLst>
+    <dgm:txEffectClrLst/>
+  </dgm:styleLbl>
+  <dgm:styleLbl name="fgAcc3">
+    <dgm:fillClrLst meth="repeat">
+      <a:schemeClr val="lt1">
+        <a:alpha val="90000"/>
+      </a:schemeClr>
+    </dgm:fillClrLst>
+    <dgm:linClrLst meth="repeat">
+      <a:schemeClr val="accent1"/>
+    </dgm:linClrLst>
+    <dgm:effectClrLst/>
+    <dgm:txLinClrLst/>
+    <dgm:txFillClrLst meth="repeat">
+      <a:schemeClr val="dk1"/>
+    </dgm:txFillClrLst>
+    <dgm:txEffectClrLst/>
+  </dgm:styleLbl>
+  <dgm:styleLbl name="fgAcc4">
+    <dgm:fillClrLst meth="repeat">
+      <a:schemeClr val="lt1">
+        <a:alpha val="90000"/>
+      </a:schemeClr>
+    </dgm:fillClrLst>
+    <dgm:linClrLst meth="repeat">
+      <a:schemeClr val="accent1"/>
+    </dgm:linClrLst>
+    <dgm:effectClrLst/>
+    <dgm:txLinClrLst/>
+    <dgm:txFillClrLst meth="repeat">
+      <a:schemeClr val="dk1"/>
+    </dgm:txFillClrLst>
+    <dgm:txEffectClrLst/>
+  </dgm:styleLbl>
+  <dgm:styleLbl name="bgShp">
+    <dgm:fillClrLst meth="repeat">
+      <a:schemeClr val="accent1">
+        <a:tint val="40000"/>
+      </a:schemeClr>
+    </dgm:fillClrLst>
+    <dgm:linClrLst meth="repeat">
+      <a:schemeClr val="accent1"/>
+    </dgm:linClrLst>
+    <dgm:effectClrLst/>
+    <dgm:txLinClrLst/>
+    <dgm:txFillClrLst meth="repeat">
+      <a:schemeClr val="dk1"/>
+    </dgm:txFillClrLst>
+    <dgm:txEffectClrLst/>
+  </dgm:styleLbl>
+  <dgm:styleLbl name="dkBgShp">
+    <dgm:fillClrLst meth="repeat">
+      <a:schemeClr val="accent1">
+        <a:shade val="80000"/>
+      </a:schemeClr>
+    </dgm:fillClrLst>
+    <dgm:linClrLst meth="repeat">
+      <a:schemeClr val="accent1"/>
+    </dgm:linClrLst>
+    <dgm:effectClrLst/>
+    <dgm:txLinClrLst/>
+    <dgm:txFillClrLst meth="repeat">
+      <a:schemeClr val="lt1"/>
+    </dgm:txFillClrLst>
+    <dgm:txEffectClrLst/>
+  </dgm:styleLbl>
+  <dgm:styleLbl name="trBgShp">
+    <dgm:fillClrLst meth="repeat">
+      <a:schemeClr val="accent1">
+        <a:tint val="50000"/>
+        <a:alpha val="40000"/>
+      </a:schemeClr>
+    </dgm:fillClrLst>
+    <dgm:linClrLst meth="repeat">
+      <a:schemeClr val="accent1"/>
+    </dgm:linClrLst>
+    <dgm:effectClrLst/>
+    <dgm:txLinClrLst/>
+    <dgm:txFillClrLst meth="repeat">
+      <a:schemeClr val="lt1"/>
+    </dgm:txFillClrLst>
+    <dgm:txEffectClrLst/>
+  </dgm:styleLbl>
+  <dgm:styleLbl name="fgShp">
+    <dgm:fillClrLst meth="repeat">
+      <a:schemeClr val="accent1">
+        <a:tint val="60000"/>
+      </a:schemeClr>
+    </dgm:fillClrLst>
+    <dgm:linClrLst meth="repeat">
+      <a:schemeClr val="lt1"/>
+    </dgm:linClrLst>
+    <dgm:effectClrLst/>
+    <dgm:txLinClrLst/>
+    <dgm:txFillClrLst meth="repeat">
+      <a:schemeClr val="dk1"/>
+    </dgm:txFillClrLst>
+    <dgm:txEffectClrLst/>
+  </dgm:styleLbl>
+  <dgm:styleLbl name="revTx">
+    <dgm:fillClrLst meth="repeat">
+      <a:schemeClr val="lt1">
+        <a:alpha val="0"/>
+      </a:schemeClr>
+    </dgm:fillClrLst>
+    <dgm:linClrLst meth="repeat">
+      <a:schemeClr val="dk1">
+        <a:alpha val="0"/>
+      </a:schemeClr>
+    </dgm:linClrLst>
+    <dgm:effectClrLst/>
+    <dgm:txLinClrLst/>
+    <dgm:txFillClrLst meth="repeat">
+      <a:schemeClr val="tx1"/>
+    </dgm:txFillClrLst>
+    <dgm:txEffectClrLst/>
+  </dgm:styleLbl>
+</dgm:colorsDef>
+</file>
+
+<file path=ppt/diagrams/data1.xml><?xml version="1.0" encoding="utf-8"?>
+<dgm:dataModel xmlns:dgm="http://schemas.openxmlformats.org/drawingml/2006/diagram" xmlns:a="http://schemas.openxmlformats.org/drawingml/2006/main">
+  <dgm:ptLst>
+    <dgm:pt modelId="{5F54BE84-E1F9-4705-B985-FF520DCBB86E}" type="doc">
+      <dgm:prSet loTypeId="urn:microsoft.com/office/officeart/2005/8/layout/radial6" loCatId="cycle" qsTypeId="urn:microsoft.com/office/officeart/2005/8/quickstyle/simple3" qsCatId="simple" csTypeId="urn:microsoft.com/office/officeart/2005/8/colors/accent1_2" csCatId="accent1" phldr="1"/>
+      <dgm:spPr/>
+      <dgm:t>
+        <a:bodyPr/>
+        <a:lstStyle/>
+        <a:p>
+          <a:endParaRPr lang="es-CO"/>
+        </a:p>
+      </dgm:t>
+    </dgm:pt>
+    <dgm:pt modelId="{0DBA7D96-58C3-40BF-9B56-383E736D9B12}">
+      <dgm:prSet phldrT="[Texto]" custT="1"/>
+      <dgm:spPr/>
+      <dgm:t>
+        <a:bodyPr/>
+        <a:lstStyle/>
+        <a:p>
+          <a:r>
+            <a:rPr lang="es-CO" sz="1100" dirty="0" smtClean="0"/>
+            <a:t>¿Es posible que una herramienta tecnológica mejore el proceso de realización del plan de trabajo del docente de las Unidades Tecnológicas de Santander?</a:t>
+          </a:r>
+          <a:endParaRPr lang="es-CO" sz="1100" dirty="0"/>
+        </a:p>
+      </dgm:t>
+    </dgm:pt>
+    <dgm:pt modelId="{3FB9955C-CE6D-48C7-AC54-2F6DD7B7E75D}" type="parTrans" cxnId="{6DA7A6FB-28E2-406F-AE88-BDC720EC0159}">
+      <dgm:prSet/>
+      <dgm:spPr/>
+      <dgm:t>
+        <a:bodyPr/>
+        <a:lstStyle/>
+        <a:p>
+          <a:endParaRPr lang="es-CO"/>
+        </a:p>
+      </dgm:t>
+    </dgm:pt>
+    <dgm:pt modelId="{710B4249-67C1-49DE-8E06-7F6C740E30B1}" type="sibTrans" cxnId="{6DA7A6FB-28E2-406F-AE88-BDC720EC0159}">
+      <dgm:prSet/>
+      <dgm:spPr/>
+      <dgm:t>
+        <a:bodyPr/>
+        <a:lstStyle/>
+        <a:p>
+          <a:endParaRPr lang="es-CO"/>
+        </a:p>
+      </dgm:t>
+    </dgm:pt>
+    <dgm:pt modelId="{2D983A79-8ED9-4E54-B21A-60957D9E31E3}">
+      <dgm:prSet phldrT="[Texto]" custT="1"/>
+      <dgm:spPr/>
+      <dgm:t>
+        <a:bodyPr/>
+        <a:lstStyle/>
+        <a:p>
+          <a:r>
+            <a:rPr lang="es-CO" sz="1100" dirty="0" smtClean="0"/>
+            <a:t>La elaboración del plan de trabajo de los docentes implica un gasto prolongado de tiempo. </a:t>
+          </a:r>
+          <a:endParaRPr lang="es-CO" sz="1100" dirty="0"/>
+        </a:p>
+      </dgm:t>
+    </dgm:pt>
+    <dgm:pt modelId="{2A4EE25F-9F62-44A8-B1B8-E5B60A0842C8}" type="parTrans" cxnId="{B948B0F0-DABB-4D53-AC87-C460402E0DF1}">
+      <dgm:prSet/>
+      <dgm:spPr/>
+      <dgm:t>
+        <a:bodyPr/>
+        <a:lstStyle/>
+        <a:p>
+          <a:endParaRPr lang="es-CO"/>
+        </a:p>
+      </dgm:t>
+    </dgm:pt>
+    <dgm:pt modelId="{57B14948-E9D0-4A17-8B08-059E2CE26961}" type="sibTrans" cxnId="{B948B0F0-DABB-4D53-AC87-C460402E0DF1}">
+      <dgm:prSet/>
+      <dgm:spPr/>
+      <dgm:t>
+        <a:bodyPr/>
+        <a:lstStyle/>
+        <a:p>
+          <a:endParaRPr lang="es-CO"/>
+        </a:p>
+      </dgm:t>
+    </dgm:pt>
+    <dgm:pt modelId="{8D2DD9DF-F8D9-4F03-88CA-7193504132DA}">
+      <dgm:prSet phldrT="[Texto]" custT="1"/>
+      <dgm:spPr/>
+      <dgm:t>
+        <a:bodyPr/>
+        <a:lstStyle/>
+        <a:p>
+          <a:r>
+            <a:rPr lang="es-CO" sz="1200" dirty="0" smtClean="0"/>
+            <a:t>Las funciones agregadas para mantener un mínimo control.</a:t>
+          </a:r>
+          <a:endParaRPr lang="es-CO" sz="1200" dirty="0"/>
+        </a:p>
+      </dgm:t>
+    </dgm:pt>
+    <dgm:pt modelId="{BF55194F-4310-4B44-AB66-71108CE7A21D}" type="parTrans" cxnId="{00B6A4C4-2416-485D-981F-A187F6CA06CC}">
+      <dgm:prSet/>
+      <dgm:spPr/>
+      <dgm:t>
+        <a:bodyPr/>
+        <a:lstStyle/>
+        <a:p>
+          <a:endParaRPr lang="es-CO"/>
+        </a:p>
+      </dgm:t>
+    </dgm:pt>
+    <dgm:pt modelId="{FBB18FC3-DDEF-4015-BDB4-557E7A9AF756}" type="sibTrans" cxnId="{00B6A4C4-2416-485D-981F-A187F6CA06CC}">
+      <dgm:prSet/>
+      <dgm:spPr/>
+      <dgm:t>
+        <a:bodyPr/>
+        <a:lstStyle/>
+        <a:p>
+          <a:endParaRPr lang="es-CO"/>
+        </a:p>
+      </dgm:t>
+    </dgm:pt>
+    <dgm:pt modelId="{B2151FA9-ECE4-4C41-9D02-2F29521EE113}">
+      <dgm:prSet phldrT="[Texto]" custT="1"/>
+      <dgm:spPr/>
+      <dgm:t>
+        <a:bodyPr/>
+        <a:lstStyle/>
+        <a:p>
+          <a:r>
+            <a:rPr lang="es-CO" sz="1400" smtClean="0"/>
+            <a:t>El proceso es confuso y tedioso.</a:t>
+          </a:r>
+          <a:endParaRPr lang="es-CO" sz="1400" dirty="0"/>
+        </a:p>
+      </dgm:t>
+    </dgm:pt>
+    <dgm:pt modelId="{7B75F434-0461-478A-96A5-A01B7DA92D73}" type="parTrans" cxnId="{2F2A888A-E20A-4151-A5DB-F1BF358F7D11}">
+      <dgm:prSet/>
+      <dgm:spPr/>
+      <dgm:t>
+        <a:bodyPr/>
+        <a:lstStyle/>
+        <a:p>
+          <a:endParaRPr lang="es-CO"/>
+        </a:p>
+      </dgm:t>
+    </dgm:pt>
+    <dgm:pt modelId="{117CEFD4-690F-44F9-8EA1-599ED321FA22}" type="sibTrans" cxnId="{2F2A888A-E20A-4151-A5DB-F1BF358F7D11}">
+      <dgm:prSet/>
+      <dgm:spPr/>
+      <dgm:t>
+        <a:bodyPr/>
+        <a:lstStyle/>
+        <a:p>
+          <a:endParaRPr lang="es-CO"/>
+        </a:p>
+      </dgm:t>
+    </dgm:pt>
+    <dgm:pt modelId="{F54822BC-8321-4475-9DA0-85E85A80FB35}" type="pres">
+      <dgm:prSet presAssocID="{5F54BE84-E1F9-4705-B985-FF520DCBB86E}" presName="Name0" presStyleCnt="0">
+        <dgm:presLayoutVars>
+          <dgm:chMax val="1"/>
+          <dgm:dir/>
+          <dgm:animLvl val="ctr"/>
+          <dgm:resizeHandles val="exact"/>
+        </dgm:presLayoutVars>
+      </dgm:prSet>
+      <dgm:spPr/>
+    </dgm:pt>
+    <dgm:pt modelId="{CC60FD8A-C3DF-4909-859A-66F4CDC2FDA1}" type="pres">
+      <dgm:prSet presAssocID="{0DBA7D96-58C3-40BF-9B56-383E736D9B12}" presName="centerShape" presStyleLbl="node0" presStyleIdx="0" presStyleCnt="1" custScaleX="107556"/>
+      <dgm:spPr/>
+    </dgm:pt>
+    <dgm:pt modelId="{602AF10C-4B69-4598-96AC-B0B98EE68667}" type="pres">
+      <dgm:prSet presAssocID="{2D983A79-8ED9-4E54-B21A-60957D9E31E3}" presName="node" presStyleLbl="node1" presStyleIdx="0" presStyleCnt="3" custScaleX="134958" custScaleY="116385">
+        <dgm:presLayoutVars>
+          <dgm:bulletEnabled val="1"/>
+        </dgm:presLayoutVars>
+      </dgm:prSet>
+      <dgm:spPr/>
+    </dgm:pt>
+    <dgm:pt modelId="{9A8FC10B-3CF0-4F51-ACAC-988CEFFC3073}" type="pres">
+      <dgm:prSet presAssocID="{2D983A79-8ED9-4E54-B21A-60957D9E31E3}" presName="dummy" presStyleCnt="0"/>
+      <dgm:spPr/>
+    </dgm:pt>
+    <dgm:pt modelId="{2EB635B4-3167-4D91-BB6F-26F53C80D717}" type="pres">
+      <dgm:prSet presAssocID="{57B14948-E9D0-4A17-8B08-059E2CE26961}" presName="sibTrans" presStyleLbl="sibTrans2D1" presStyleIdx="0" presStyleCnt="3"/>
+      <dgm:spPr/>
+    </dgm:pt>
+    <dgm:pt modelId="{384D9E33-EAB8-4793-AF1D-384ACC182778}" type="pres">
+      <dgm:prSet presAssocID="{8D2DD9DF-F8D9-4F03-88CA-7193504132DA}" presName="node" presStyleLbl="node1" presStyleIdx="1" presStyleCnt="3" custScaleX="110056" custScaleY="94936">
+        <dgm:presLayoutVars>
+          <dgm:bulletEnabled val="1"/>
+        </dgm:presLayoutVars>
+      </dgm:prSet>
+      <dgm:spPr/>
+    </dgm:pt>
+    <dgm:pt modelId="{1B18215E-CC3B-4C6B-B634-4F99B167F795}" type="pres">
+      <dgm:prSet presAssocID="{8D2DD9DF-F8D9-4F03-88CA-7193504132DA}" presName="dummy" presStyleCnt="0"/>
+      <dgm:spPr/>
+    </dgm:pt>
+    <dgm:pt modelId="{0172629F-97EF-4055-8E5E-E778B37E0AB4}" type="pres">
+      <dgm:prSet presAssocID="{FBB18FC3-DDEF-4015-BDB4-557E7A9AF756}" presName="sibTrans" presStyleLbl="sibTrans2D1" presStyleIdx="1" presStyleCnt="3"/>
+      <dgm:spPr/>
+    </dgm:pt>
+    <dgm:pt modelId="{13DC1546-3591-4A6A-AB06-919D6233F830}" type="pres">
+      <dgm:prSet presAssocID="{B2151FA9-ECE4-4C41-9D02-2F29521EE113}" presName="node" presStyleLbl="node1" presStyleIdx="2" presStyleCnt="3" custScaleX="102696" custScaleY="92266">
+        <dgm:presLayoutVars>
+          <dgm:bulletEnabled val="1"/>
+        </dgm:presLayoutVars>
+      </dgm:prSet>
+      <dgm:spPr/>
+    </dgm:pt>
+    <dgm:pt modelId="{0ECB5EF3-F020-4E27-BC05-4EA9C01A3B8E}" type="pres">
+      <dgm:prSet presAssocID="{B2151FA9-ECE4-4C41-9D02-2F29521EE113}" presName="dummy" presStyleCnt="0"/>
+      <dgm:spPr/>
+    </dgm:pt>
+    <dgm:pt modelId="{39D415E3-7728-462C-97F9-09C29631FF1B}" type="pres">
+      <dgm:prSet presAssocID="{117CEFD4-690F-44F9-8EA1-599ED321FA22}" presName="sibTrans" presStyleLbl="sibTrans2D1" presStyleIdx="2" presStyleCnt="3"/>
+      <dgm:spPr/>
+    </dgm:pt>
+  </dgm:ptLst>
+  <dgm:cxnLst>
+    <dgm:cxn modelId="{809F2464-A1F7-4901-A9DF-E86396CC4342}" type="presOf" srcId="{FBB18FC3-DDEF-4015-BDB4-557E7A9AF756}" destId="{0172629F-97EF-4055-8E5E-E778B37E0AB4}" srcOrd="0" destOrd="0" presId="urn:microsoft.com/office/officeart/2005/8/layout/radial6"/>
+    <dgm:cxn modelId="{00B6A4C4-2416-485D-981F-A187F6CA06CC}" srcId="{0DBA7D96-58C3-40BF-9B56-383E736D9B12}" destId="{8D2DD9DF-F8D9-4F03-88CA-7193504132DA}" srcOrd="1" destOrd="0" parTransId="{BF55194F-4310-4B44-AB66-71108CE7A21D}" sibTransId="{FBB18FC3-DDEF-4015-BDB4-557E7A9AF756}"/>
+    <dgm:cxn modelId="{7A1BD9C6-8D93-4E65-B368-55D2ACE0FABD}" type="presOf" srcId="{57B14948-E9D0-4A17-8B08-059E2CE26961}" destId="{2EB635B4-3167-4D91-BB6F-26F53C80D717}" srcOrd="0" destOrd="0" presId="urn:microsoft.com/office/officeart/2005/8/layout/radial6"/>
+    <dgm:cxn modelId="{310B1A81-AC5C-4542-9152-F00EB8157D01}" type="presOf" srcId="{5F54BE84-E1F9-4705-B985-FF520DCBB86E}" destId="{F54822BC-8321-4475-9DA0-85E85A80FB35}" srcOrd="0" destOrd="0" presId="urn:microsoft.com/office/officeart/2005/8/layout/radial6"/>
+    <dgm:cxn modelId="{952E48B1-9054-43D3-9679-7A7FF019A65C}" type="presOf" srcId="{2D983A79-8ED9-4E54-B21A-60957D9E31E3}" destId="{602AF10C-4B69-4598-96AC-B0B98EE68667}" srcOrd="0" destOrd="0" presId="urn:microsoft.com/office/officeart/2005/8/layout/radial6"/>
+    <dgm:cxn modelId="{6DA7A6FB-28E2-406F-AE88-BDC720EC0159}" srcId="{5F54BE84-E1F9-4705-B985-FF520DCBB86E}" destId="{0DBA7D96-58C3-40BF-9B56-383E736D9B12}" srcOrd="0" destOrd="0" parTransId="{3FB9955C-CE6D-48C7-AC54-2F6DD7B7E75D}" sibTransId="{710B4249-67C1-49DE-8E06-7F6C740E30B1}"/>
+    <dgm:cxn modelId="{2F2A888A-E20A-4151-A5DB-F1BF358F7D11}" srcId="{0DBA7D96-58C3-40BF-9B56-383E736D9B12}" destId="{B2151FA9-ECE4-4C41-9D02-2F29521EE113}" srcOrd="2" destOrd="0" parTransId="{7B75F434-0461-478A-96A5-A01B7DA92D73}" sibTransId="{117CEFD4-690F-44F9-8EA1-599ED321FA22}"/>
+    <dgm:cxn modelId="{632ADFD4-E191-460D-980E-06DBAAA66D20}" type="presOf" srcId="{8D2DD9DF-F8D9-4F03-88CA-7193504132DA}" destId="{384D9E33-EAB8-4793-AF1D-384ACC182778}" srcOrd="0" destOrd="0" presId="urn:microsoft.com/office/officeart/2005/8/layout/radial6"/>
+    <dgm:cxn modelId="{B948B0F0-DABB-4D53-AC87-C460402E0DF1}" srcId="{0DBA7D96-58C3-40BF-9B56-383E736D9B12}" destId="{2D983A79-8ED9-4E54-B21A-60957D9E31E3}" srcOrd="0" destOrd="0" parTransId="{2A4EE25F-9F62-44A8-B1B8-E5B60A0842C8}" sibTransId="{57B14948-E9D0-4A17-8B08-059E2CE26961}"/>
+    <dgm:cxn modelId="{5FAAF7FA-5725-4395-ABEF-3A7DC124175C}" type="presOf" srcId="{B2151FA9-ECE4-4C41-9D02-2F29521EE113}" destId="{13DC1546-3591-4A6A-AB06-919D6233F830}" srcOrd="0" destOrd="0" presId="urn:microsoft.com/office/officeart/2005/8/layout/radial6"/>
+    <dgm:cxn modelId="{BF60FC2E-FC50-4E04-BD52-B4403F3D8F2D}" type="presOf" srcId="{117CEFD4-690F-44F9-8EA1-599ED321FA22}" destId="{39D415E3-7728-462C-97F9-09C29631FF1B}" srcOrd="0" destOrd="0" presId="urn:microsoft.com/office/officeart/2005/8/layout/radial6"/>
+    <dgm:cxn modelId="{21CDAF79-D8EC-4C69-B121-4FD050C609A6}" type="presOf" srcId="{0DBA7D96-58C3-40BF-9B56-383E736D9B12}" destId="{CC60FD8A-C3DF-4909-859A-66F4CDC2FDA1}" srcOrd="0" destOrd="0" presId="urn:microsoft.com/office/officeart/2005/8/layout/radial6"/>
+    <dgm:cxn modelId="{D1590196-DD4D-468C-8AC6-5A29797EA051}" type="presParOf" srcId="{F54822BC-8321-4475-9DA0-85E85A80FB35}" destId="{CC60FD8A-C3DF-4909-859A-66F4CDC2FDA1}" srcOrd="0" destOrd="0" presId="urn:microsoft.com/office/officeart/2005/8/layout/radial6"/>
+    <dgm:cxn modelId="{A228826A-F362-4083-AE40-B655984F25AC}" type="presParOf" srcId="{F54822BC-8321-4475-9DA0-85E85A80FB35}" destId="{602AF10C-4B69-4598-96AC-B0B98EE68667}" srcOrd="1" destOrd="0" presId="urn:microsoft.com/office/officeart/2005/8/layout/radial6"/>
+    <dgm:cxn modelId="{9A45C6D8-0F79-42A9-8858-1710983F0CB9}" type="presParOf" srcId="{F54822BC-8321-4475-9DA0-85E85A80FB35}" destId="{9A8FC10B-3CF0-4F51-ACAC-988CEFFC3073}" srcOrd="2" destOrd="0" presId="urn:microsoft.com/office/officeart/2005/8/layout/radial6"/>
+    <dgm:cxn modelId="{BAB57132-64F5-46F9-AB6F-82351807738E}" type="presParOf" srcId="{F54822BC-8321-4475-9DA0-85E85A80FB35}" destId="{2EB635B4-3167-4D91-BB6F-26F53C80D717}" srcOrd="3" destOrd="0" presId="urn:microsoft.com/office/officeart/2005/8/layout/radial6"/>
+    <dgm:cxn modelId="{FD13C22C-9E1C-44F5-A35C-8B865CD222EF}" type="presParOf" srcId="{F54822BC-8321-4475-9DA0-85E85A80FB35}" destId="{384D9E33-EAB8-4793-AF1D-384ACC182778}" srcOrd="4" destOrd="0" presId="urn:microsoft.com/office/officeart/2005/8/layout/radial6"/>
+    <dgm:cxn modelId="{6297D7F2-D769-4249-BAEA-6A11FC6C6101}" type="presParOf" srcId="{F54822BC-8321-4475-9DA0-85E85A80FB35}" destId="{1B18215E-CC3B-4C6B-B634-4F99B167F795}" srcOrd="5" destOrd="0" presId="urn:microsoft.com/office/officeart/2005/8/layout/radial6"/>
+    <dgm:cxn modelId="{EE50DE02-1EAB-4411-A37F-D6AD6B648FB7}" type="presParOf" srcId="{F54822BC-8321-4475-9DA0-85E85A80FB35}" destId="{0172629F-97EF-4055-8E5E-E778B37E0AB4}" srcOrd="6" destOrd="0" presId="urn:microsoft.com/office/officeart/2005/8/layout/radial6"/>
+    <dgm:cxn modelId="{54138CCD-90E2-4582-8339-AE73B74BEE40}" type="presParOf" srcId="{F54822BC-8321-4475-9DA0-85E85A80FB35}" destId="{13DC1546-3591-4A6A-AB06-919D6233F830}" srcOrd="7" destOrd="0" presId="urn:microsoft.com/office/officeart/2005/8/layout/radial6"/>
+    <dgm:cxn modelId="{C52C9E5E-D8CC-481A-957D-86AC2BA00FB4}" type="presParOf" srcId="{F54822BC-8321-4475-9DA0-85E85A80FB35}" destId="{0ECB5EF3-F020-4E27-BC05-4EA9C01A3B8E}" srcOrd="8" destOrd="0" presId="urn:microsoft.com/office/officeart/2005/8/layout/radial6"/>
+    <dgm:cxn modelId="{85777D59-A08D-4F30-87C4-82F033BC7D3D}" type="presParOf" srcId="{F54822BC-8321-4475-9DA0-85E85A80FB35}" destId="{39D415E3-7728-462C-97F9-09C29631FF1B}" srcOrd="9" destOrd="0" presId="urn:microsoft.com/office/officeart/2005/8/layout/radial6"/>
+  </dgm:cxnLst>
+  <dgm:bg/>
+  <dgm:whole/>
+  <dgm:extLst>
+    <a:ext uri="http://schemas.microsoft.com/office/drawing/2008/diagram">
+      <dsp:dataModelExt xmlns:dsp="http://schemas.microsoft.com/office/drawing/2008/diagram" relId="rId6" minVer="http://schemas.openxmlformats.org/drawingml/2006/diagram"/>
+    </a:ext>
+  </dgm:extLst>
+</dgm:dataModel>
+</file>
+
+<file path=ppt/diagrams/data2.xml><?xml version="1.0" encoding="utf-8"?>
+<dgm:dataModel xmlns:dgm="http://schemas.openxmlformats.org/drawingml/2006/diagram" xmlns:a="http://schemas.openxmlformats.org/drawingml/2006/main">
+  <dgm:ptLst>
+    <dgm:pt modelId="{34542C49-5B63-487F-8EA7-92AEB037FA9B}" type="doc">
+      <dgm:prSet loTypeId="urn:microsoft.com/office/officeart/2005/8/layout/chevron2" loCatId="list" qsTypeId="urn:microsoft.com/office/officeart/2005/8/quickstyle/simple1" qsCatId="simple" csTypeId="urn:microsoft.com/office/officeart/2005/8/colors/accent1_2" csCatId="accent1" phldr="1"/>
+      <dgm:spPr/>
+      <dgm:t>
+        <a:bodyPr/>
+        <a:lstStyle/>
+        <a:p>
+          <a:endParaRPr lang="es-CO"/>
+        </a:p>
+      </dgm:t>
+    </dgm:pt>
+    <dgm:pt modelId="{DA36CDFE-6F43-4AB4-A883-E2D51344F677}">
+      <dgm:prSet phldrT="[Texto]"/>
+      <dgm:spPr/>
+      <dgm:t>
+        <a:bodyPr/>
+        <a:lstStyle/>
+        <a:p>
+          <a:r>
+            <a:rPr lang="es-CO" dirty="0" smtClean="0"/>
+            <a:t>1.</a:t>
+          </a:r>
+          <a:endParaRPr lang="es-CO" dirty="0"/>
+        </a:p>
+      </dgm:t>
+    </dgm:pt>
+    <dgm:pt modelId="{63A951EC-59C6-464B-BB82-5B5D89692FF5}" type="parTrans" cxnId="{DB6166B9-2E9C-4386-B2BC-5898887BA9FB}">
+      <dgm:prSet/>
+      <dgm:spPr/>
+      <dgm:t>
+        <a:bodyPr/>
+        <a:lstStyle/>
+        <a:p>
+          <a:endParaRPr lang="es-CO"/>
+        </a:p>
+      </dgm:t>
+    </dgm:pt>
+    <dgm:pt modelId="{FB39165A-D498-4FC0-9D08-7DDA0237A9A3}" type="sibTrans" cxnId="{DB6166B9-2E9C-4386-B2BC-5898887BA9FB}">
+      <dgm:prSet/>
+      <dgm:spPr/>
+      <dgm:t>
+        <a:bodyPr/>
+        <a:lstStyle/>
+        <a:p>
+          <a:endParaRPr lang="es-CO"/>
+        </a:p>
+      </dgm:t>
+    </dgm:pt>
+    <dgm:pt modelId="{C05BC014-E98F-4B4A-9F48-73C7119F8C05}">
+      <dgm:prSet phldrT="[Texto]"/>
+      <dgm:spPr/>
+      <dgm:t>
+        <a:bodyPr/>
+        <a:lstStyle/>
+        <a:p>
+          <a:r>
+            <a:rPr lang="es-CO" dirty="0" smtClean="0">
+              <a:solidFill>
+                <a:schemeClr val="tx1">
+                  <a:lumMod val="85000"/>
+                  <a:lumOff val="15000"/>
+                </a:schemeClr>
+              </a:solidFill>
+              <a:latin typeface="Arial" panose="020B0604020202020204" pitchFamily="34" charset="0"/>
+              <a:cs typeface="Arial" panose="020B0604020202020204" pitchFamily="34" charset="0"/>
+            </a:rPr>
+            <a:t>Diseñar una arquitectura software que permita gestionar el proceso de planeación de las actividades de los docentes de tiempo completo, basados en el formato R-DC-54 de las UTS.</a:t>
+          </a:r>
+          <a:endParaRPr lang="es-CO" dirty="0"/>
+        </a:p>
+      </dgm:t>
+    </dgm:pt>
+    <dgm:pt modelId="{1501159D-CE97-4A45-935A-96623120AEFF}" type="parTrans" cxnId="{07211B98-8925-496D-911C-BAD8B6F21F05}">
+      <dgm:prSet/>
+      <dgm:spPr/>
+      <dgm:t>
+        <a:bodyPr/>
+        <a:lstStyle/>
+        <a:p>
+          <a:endParaRPr lang="es-CO"/>
+        </a:p>
+      </dgm:t>
+    </dgm:pt>
+    <dgm:pt modelId="{894A4368-977B-4B3E-9852-2A5462B48607}" type="sibTrans" cxnId="{07211B98-8925-496D-911C-BAD8B6F21F05}">
+      <dgm:prSet/>
+      <dgm:spPr/>
+      <dgm:t>
+        <a:bodyPr/>
+        <a:lstStyle/>
+        <a:p>
+          <a:endParaRPr lang="es-CO"/>
+        </a:p>
+      </dgm:t>
+    </dgm:pt>
+    <dgm:pt modelId="{170BBC8E-2C34-45FA-AF28-A4BA1B1CA8A1}">
+      <dgm:prSet phldrT="[Texto]"/>
+      <dgm:spPr/>
+      <dgm:t>
+        <a:bodyPr/>
+        <a:lstStyle/>
+        <a:p>
+          <a:r>
+            <a:rPr lang="es-CO" dirty="0" smtClean="0"/>
+            <a:t>2.</a:t>
+          </a:r>
+          <a:endParaRPr lang="es-CO" dirty="0"/>
+        </a:p>
+      </dgm:t>
+    </dgm:pt>
+    <dgm:pt modelId="{7287A623-D24F-4A36-98C8-B1CEE66C420C}" type="parTrans" cxnId="{26833DEE-94D4-48A6-8AFF-AD4737CFE1B0}">
+      <dgm:prSet/>
+      <dgm:spPr/>
+      <dgm:t>
+        <a:bodyPr/>
+        <a:lstStyle/>
+        <a:p>
+          <a:endParaRPr lang="es-CO"/>
+        </a:p>
+      </dgm:t>
+    </dgm:pt>
+    <dgm:pt modelId="{2237E833-FCF2-41F5-BE1F-7982F4312A70}" type="sibTrans" cxnId="{26833DEE-94D4-48A6-8AFF-AD4737CFE1B0}">
+      <dgm:prSet/>
+      <dgm:spPr/>
+      <dgm:t>
+        <a:bodyPr/>
+        <a:lstStyle/>
+        <a:p>
+          <a:endParaRPr lang="es-CO"/>
+        </a:p>
+      </dgm:t>
+    </dgm:pt>
+    <dgm:pt modelId="{AEFEF4A0-433C-449E-BD42-32D1DF06BDC7}">
+      <dgm:prSet phldrT="[Texto]"/>
+      <dgm:spPr/>
+      <dgm:t>
+        <a:bodyPr/>
+        <a:lstStyle/>
+        <a:p>
+          <a:r>
+            <a:rPr lang="es-CO" dirty="0" smtClean="0">
+              <a:solidFill>
+                <a:schemeClr val="tx1">
+                  <a:lumMod val="85000"/>
+                  <a:lumOff val="15000"/>
+                </a:schemeClr>
+              </a:solidFill>
+              <a:latin typeface="Arial" panose="020B0604020202020204" pitchFamily="34" charset="0"/>
+              <a:cs typeface="Arial" panose="020B0604020202020204" pitchFamily="34" charset="0"/>
+            </a:rPr>
+            <a:t>Desarrollar, codificar e implementar el código fuente correspondiente a los modelos para el correcto funcionamiento de la aplicación basado en los modelos y estructuras planteadas anteriormente.</a:t>
+          </a:r>
+          <a:endParaRPr lang="es-CO" dirty="0"/>
+        </a:p>
+      </dgm:t>
+    </dgm:pt>
+    <dgm:pt modelId="{358654D7-5323-43DA-AA26-662BABFDF67A}" type="parTrans" cxnId="{FF48FBDD-EA67-4720-9F33-F6E225A4BD54}">
+      <dgm:prSet/>
+      <dgm:spPr/>
+      <dgm:t>
+        <a:bodyPr/>
+        <a:lstStyle/>
+        <a:p>
+          <a:endParaRPr lang="es-CO"/>
+        </a:p>
+      </dgm:t>
+    </dgm:pt>
+    <dgm:pt modelId="{9B23DDB6-868E-4043-943B-925CAADC364A}" type="sibTrans" cxnId="{FF48FBDD-EA67-4720-9F33-F6E225A4BD54}">
+      <dgm:prSet/>
+      <dgm:spPr/>
+      <dgm:t>
+        <a:bodyPr/>
+        <a:lstStyle/>
+        <a:p>
+          <a:endParaRPr lang="es-CO"/>
+        </a:p>
+      </dgm:t>
+    </dgm:pt>
+    <dgm:pt modelId="{7D831C5B-269F-4E53-AD01-DC097ECE18CC}">
+      <dgm:prSet phldrT="[Texto]"/>
+      <dgm:spPr/>
+      <dgm:t>
+        <a:bodyPr/>
+        <a:lstStyle/>
+        <a:p>
+          <a:r>
+            <a:rPr lang="es-CO" dirty="0" smtClean="0"/>
+            <a:t>3.</a:t>
+          </a:r>
+          <a:endParaRPr lang="es-CO" dirty="0"/>
+        </a:p>
+      </dgm:t>
+    </dgm:pt>
+    <dgm:pt modelId="{46548466-FA3B-41FD-B76F-4C37AC77A2F1}" type="parTrans" cxnId="{2EAB7D9B-F684-4951-AA44-21A0A6F1D1C2}">
+      <dgm:prSet/>
+      <dgm:spPr/>
+      <dgm:t>
+        <a:bodyPr/>
+        <a:lstStyle/>
+        <a:p>
+          <a:endParaRPr lang="es-CO"/>
+        </a:p>
+      </dgm:t>
+    </dgm:pt>
+    <dgm:pt modelId="{3FE52FB7-6051-4E06-8507-93F5F21DA6BF}" type="sibTrans" cxnId="{2EAB7D9B-F684-4951-AA44-21A0A6F1D1C2}">
+      <dgm:prSet/>
+      <dgm:spPr/>
+      <dgm:t>
+        <a:bodyPr/>
+        <a:lstStyle/>
+        <a:p>
+          <a:endParaRPr lang="es-CO"/>
+        </a:p>
+      </dgm:t>
+    </dgm:pt>
+    <dgm:pt modelId="{D101337A-CAA7-4710-816E-65BEDCB77915}">
+      <dgm:prSet phldrT="[Texto]"/>
+      <dgm:spPr/>
+      <dgm:t>
+        <a:bodyPr/>
+        <a:lstStyle/>
+        <a:p>
+          <a:r>
+            <a:rPr lang="es-CO" dirty="0" smtClean="0">
+              <a:solidFill>
+                <a:schemeClr val="tx1">
+                  <a:lumMod val="85000"/>
+                  <a:lumOff val="15000"/>
+                </a:schemeClr>
+              </a:solidFill>
+              <a:latin typeface="Arial" panose="020B0604020202020204" pitchFamily="34" charset="0"/>
+              <a:cs typeface="Arial" panose="020B0604020202020204" pitchFamily="34" charset="0"/>
+            </a:rPr>
+            <a:t>Diseñar y realizar pruebas funcionales, de usabilidad y de carga al sistema de información desarrollado, verificando de esta manera el correcto funcionamiento.</a:t>
+          </a:r>
+          <a:endParaRPr lang="es-CO" dirty="0"/>
+        </a:p>
+      </dgm:t>
+    </dgm:pt>
+    <dgm:pt modelId="{607537BD-EFB8-4093-AD36-B8B3D46428F3}" type="parTrans" cxnId="{57B50582-893B-4CD5-9AA4-193A669BAEBC}">
+      <dgm:prSet/>
+      <dgm:spPr/>
+      <dgm:t>
+        <a:bodyPr/>
+        <a:lstStyle/>
+        <a:p>
+          <a:endParaRPr lang="es-CO"/>
+        </a:p>
+      </dgm:t>
+    </dgm:pt>
+    <dgm:pt modelId="{860765D0-0D1A-4CF3-A767-264072ECE55D}" type="sibTrans" cxnId="{57B50582-893B-4CD5-9AA4-193A669BAEBC}">
+      <dgm:prSet/>
+      <dgm:spPr/>
+      <dgm:t>
+        <a:bodyPr/>
+        <a:lstStyle/>
+        <a:p>
+          <a:endParaRPr lang="es-CO"/>
+        </a:p>
+      </dgm:t>
+    </dgm:pt>
+    <dgm:pt modelId="{632B85A2-D938-4C49-BC5B-C241C2B62ACA}" type="pres">
+      <dgm:prSet presAssocID="{34542C49-5B63-487F-8EA7-92AEB037FA9B}" presName="linearFlow" presStyleCnt="0">
+        <dgm:presLayoutVars>
+          <dgm:dir/>
+          <dgm:animLvl val="lvl"/>
+          <dgm:resizeHandles val="exact"/>
+        </dgm:presLayoutVars>
+      </dgm:prSet>
+      <dgm:spPr/>
+      <dgm:t>
+        <a:bodyPr/>
+        <a:lstStyle/>
+        <a:p>
+          <a:endParaRPr lang="es-CO"/>
+        </a:p>
+      </dgm:t>
+    </dgm:pt>
+    <dgm:pt modelId="{1E632280-869A-4579-ABA8-FFAC3104A52D}" type="pres">
+      <dgm:prSet presAssocID="{DA36CDFE-6F43-4AB4-A883-E2D51344F677}" presName="composite" presStyleCnt="0"/>
+      <dgm:spPr/>
+    </dgm:pt>
+    <dgm:pt modelId="{6D696395-13D4-460E-BC6B-9586C49563F5}" type="pres">
+      <dgm:prSet presAssocID="{DA36CDFE-6F43-4AB4-A883-E2D51344F677}" presName="parentText" presStyleLbl="alignNode1" presStyleIdx="0" presStyleCnt="3">
+        <dgm:presLayoutVars>
+          <dgm:chMax val="1"/>
+          <dgm:bulletEnabled val="1"/>
+        </dgm:presLayoutVars>
+      </dgm:prSet>
+      <dgm:spPr/>
+      <dgm:t>
+        <a:bodyPr/>
+        <a:lstStyle/>
+        <a:p>
+          <a:endParaRPr lang="es-CO"/>
+        </a:p>
+      </dgm:t>
+    </dgm:pt>
+    <dgm:pt modelId="{02F66A04-DB78-486E-95D4-9E5F57C6DFF9}" type="pres">
+      <dgm:prSet presAssocID="{DA36CDFE-6F43-4AB4-A883-E2D51344F677}" presName="descendantText" presStyleLbl="alignAcc1" presStyleIdx="0" presStyleCnt="3">
+        <dgm:presLayoutVars>
+          <dgm:bulletEnabled val="1"/>
+        </dgm:presLayoutVars>
+      </dgm:prSet>
+      <dgm:spPr/>
+      <dgm:t>
+        <a:bodyPr/>
+        <a:lstStyle/>
+        <a:p>
+          <a:endParaRPr lang="es-CO"/>
+        </a:p>
+      </dgm:t>
+    </dgm:pt>
+    <dgm:pt modelId="{7117C6AC-2861-4A76-B9E9-16F458DE51C3}" type="pres">
+      <dgm:prSet presAssocID="{FB39165A-D498-4FC0-9D08-7DDA0237A9A3}" presName="sp" presStyleCnt="0"/>
+      <dgm:spPr/>
+    </dgm:pt>
+    <dgm:pt modelId="{E261BB6F-2710-43DD-80E7-427E626878B9}" type="pres">
+      <dgm:prSet presAssocID="{170BBC8E-2C34-45FA-AF28-A4BA1B1CA8A1}" presName="composite" presStyleCnt="0"/>
+      <dgm:spPr/>
+    </dgm:pt>
+    <dgm:pt modelId="{3CE9BBE7-FAD6-46BA-81C4-4AE4D629BB53}" type="pres">
+      <dgm:prSet presAssocID="{170BBC8E-2C34-45FA-AF28-A4BA1B1CA8A1}" presName="parentText" presStyleLbl="alignNode1" presStyleIdx="1" presStyleCnt="3">
+        <dgm:presLayoutVars>
+          <dgm:chMax val="1"/>
+          <dgm:bulletEnabled val="1"/>
+        </dgm:presLayoutVars>
+      </dgm:prSet>
+      <dgm:spPr/>
+      <dgm:t>
+        <a:bodyPr/>
+        <a:lstStyle/>
+        <a:p>
+          <a:endParaRPr lang="es-CO"/>
+        </a:p>
+      </dgm:t>
+    </dgm:pt>
+    <dgm:pt modelId="{625AF70D-44B9-441C-9600-FB6CA978B302}" type="pres">
+      <dgm:prSet presAssocID="{170BBC8E-2C34-45FA-AF28-A4BA1B1CA8A1}" presName="descendantText" presStyleLbl="alignAcc1" presStyleIdx="1" presStyleCnt="3">
+        <dgm:presLayoutVars>
+          <dgm:bulletEnabled val="1"/>
+        </dgm:presLayoutVars>
+      </dgm:prSet>
+      <dgm:spPr/>
+      <dgm:t>
+        <a:bodyPr/>
+        <a:lstStyle/>
+        <a:p>
+          <a:endParaRPr lang="es-CO"/>
+        </a:p>
+      </dgm:t>
+    </dgm:pt>
+    <dgm:pt modelId="{215B721C-476C-46F6-9330-A360D0752B73}" type="pres">
+      <dgm:prSet presAssocID="{2237E833-FCF2-41F5-BE1F-7982F4312A70}" presName="sp" presStyleCnt="0"/>
+      <dgm:spPr/>
+    </dgm:pt>
+    <dgm:pt modelId="{88075C87-F144-453F-9870-654E369BB723}" type="pres">
+      <dgm:prSet presAssocID="{7D831C5B-269F-4E53-AD01-DC097ECE18CC}" presName="composite" presStyleCnt="0"/>
+      <dgm:spPr/>
+    </dgm:pt>
+    <dgm:pt modelId="{4878584C-CEE6-4755-B5E5-FFF25B902B0D}" type="pres">
+      <dgm:prSet presAssocID="{7D831C5B-269F-4E53-AD01-DC097ECE18CC}" presName="parentText" presStyleLbl="alignNode1" presStyleIdx="2" presStyleCnt="3">
+        <dgm:presLayoutVars>
+          <dgm:chMax val="1"/>
+          <dgm:bulletEnabled val="1"/>
+        </dgm:presLayoutVars>
+      </dgm:prSet>
+      <dgm:spPr/>
+      <dgm:t>
+        <a:bodyPr/>
+        <a:lstStyle/>
+        <a:p>
+          <a:endParaRPr lang="es-CO"/>
+        </a:p>
+      </dgm:t>
+    </dgm:pt>
+    <dgm:pt modelId="{3C482219-5E95-44EF-9E58-131D009A5003}" type="pres">
+      <dgm:prSet presAssocID="{7D831C5B-269F-4E53-AD01-DC097ECE18CC}" presName="descendantText" presStyleLbl="alignAcc1" presStyleIdx="2" presStyleCnt="3">
+        <dgm:presLayoutVars>
+          <dgm:bulletEnabled val="1"/>
+        </dgm:presLayoutVars>
+      </dgm:prSet>
+      <dgm:spPr/>
+      <dgm:t>
+        <a:bodyPr/>
+        <a:lstStyle/>
+        <a:p>
+          <a:endParaRPr lang="es-CO"/>
+        </a:p>
+      </dgm:t>
+    </dgm:pt>
+  </dgm:ptLst>
+  <dgm:cxnLst>
+    <dgm:cxn modelId="{E0095917-9A81-4982-9CD7-2635A3B83101}" type="presOf" srcId="{170BBC8E-2C34-45FA-AF28-A4BA1B1CA8A1}" destId="{3CE9BBE7-FAD6-46BA-81C4-4AE4D629BB53}" srcOrd="0" destOrd="0" presId="urn:microsoft.com/office/officeart/2005/8/layout/chevron2"/>
+    <dgm:cxn modelId="{0602347C-ADBE-4AC9-AB27-32B9C786ACDA}" type="presOf" srcId="{AEFEF4A0-433C-449E-BD42-32D1DF06BDC7}" destId="{625AF70D-44B9-441C-9600-FB6CA978B302}" srcOrd="0" destOrd="0" presId="urn:microsoft.com/office/officeart/2005/8/layout/chevron2"/>
+    <dgm:cxn modelId="{FF48FBDD-EA67-4720-9F33-F6E225A4BD54}" srcId="{170BBC8E-2C34-45FA-AF28-A4BA1B1CA8A1}" destId="{AEFEF4A0-433C-449E-BD42-32D1DF06BDC7}" srcOrd="0" destOrd="0" parTransId="{358654D7-5323-43DA-AA26-662BABFDF67A}" sibTransId="{9B23DDB6-868E-4043-943B-925CAADC364A}"/>
+    <dgm:cxn modelId="{DB6166B9-2E9C-4386-B2BC-5898887BA9FB}" srcId="{34542C49-5B63-487F-8EA7-92AEB037FA9B}" destId="{DA36CDFE-6F43-4AB4-A883-E2D51344F677}" srcOrd="0" destOrd="0" parTransId="{63A951EC-59C6-464B-BB82-5B5D89692FF5}" sibTransId="{FB39165A-D498-4FC0-9D08-7DDA0237A9A3}"/>
+    <dgm:cxn modelId="{A317A431-D591-4B69-B5AD-0853174B35CE}" type="presOf" srcId="{7D831C5B-269F-4E53-AD01-DC097ECE18CC}" destId="{4878584C-CEE6-4755-B5E5-FFF25B902B0D}" srcOrd="0" destOrd="0" presId="urn:microsoft.com/office/officeart/2005/8/layout/chevron2"/>
+    <dgm:cxn modelId="{FD42C529-D7FF-4792-8D4F-B3D10E140F55}" type="presOf" srcId="{DA36CDFE-6F43-4AB4-A883-E2D51344F677}" destId="{6D696395-13D4-460E-BC6B-9586C49563F5}" srcOrd="0" destOrd="0" presId="urn:microsoft.com/office/officeart/2005/8/layout/chevron2"/>
+    <dgm:cxn modelId="{2EAB7D9B-F684-4951-AA44-21A0A6F1D1C2}" srcId="{34542C49-5B63-487F-8EA7-92AEB037FA9B}" destId="{7D831C5B-269F-4E53-AD01-DC097ECE18CC}" srcOrd="2" destOrd="0" parTransId="{46548466-FA3B-41FD-B76F-4C37AC77A2F1}" sibTransId="{3FE52FB7-6051-4E06-8507-93F5F21DA6BF}"/>
+    <dgm:cxn modelId="{98D8A03B-8F77-4CDC-A560-668222C38165}" type="presOf" srcId="{C05BC014-E98F-4B4A-9F48-73C7119F8C05}" destId="{02F66A04-DB78-486E-95D4-9E5F57C6DFF9}" srcOrd="0" destOrd="0" presId="urn:microsoft.com/office/officeart/2005/8/layout/chevron2"/>
+    <dgm:cxn modelId="{907F6F96-C6FC-4914-82AF-6F64E96F9B2E}" type="presOf" srcId="{D101337A-CAA7-4710-816E-65BEDCB77915}" destId="{3C482219-5E95-44EF-9E58-131D009A5003}" srcOrd="0" destOrd="0" presId="urn:microsoft.com/office/officeart/2005/8/layout/chevron2"/>
+    <dgm:cxn modelId="{07211B98-8925-496D-911C-BAD8B6F21F05}" srcId="{DA36CDFE-6F43-4AB4-A883-E2D51344F677}" destId="{C05BC014-E98F-4B4A-9F48-73C7119F8C05}" srcOrd="0" destOrd="0" parTransId="{1501159D-CE97-4A45-935A-96623120AEFF}" sibTransId="{894A4368-977B-4B3E-9852-2A5462B48607}"/>
+    <dgm:cxn modelId="{57B50582-893B-4CD5-9AA4-193A669BAEBC}" srcId="{7D831C5B-269F-4E53-AD01-DC097ECE18CC}" destId="{D101337A-CAA7-4710-816E-65BEDCB77915}" srcOrd="0" destOrd="0" parTransId="{607537BD-EFB8-4093-AD36-B8B3D46428F3}" sibTransId="{860765D0-0D1A-4CF3-A767-264072ECE55D}"/>
+    <dgm:cxn modelId="{26833DEE-94D4-48A6-8AFF-AD4737CFE1B0}" srcId="{34542C49-5B63-487F-8EA7-92AEB037FA9B}" destId="{170BBC8E-2C34-45FA-AF28-A4BA1B1CA8A1}" srcOrd="1" destOrd="0" parTransId="{7287A623-D24F-4A36-98C8-B1CEE66C420C}" sibTransId="{2237E833-FCF2-41F5-BE1F-7982F4312A70}"/>
+    <dgm:cxn modelId="{4DFE7057-0F5A-4D06-9C10-1CE6D80C2769}" type="presOf" srcId="{34542C49-5B63-487F-8EA7-92AEB037FA9B}" destId="{632B85A2-D938-4C49-BC5B-C241C2B62ACA}" srcOrd="0" destOrd="0" presId="urn:microsoft.com/office/officeart/2005/8/layout/chevron2"/>
+    <dgm:cxn modelId="{E8727F73-66FC-4A82-AA37-EA16CB278F6A}" type="presParOf" srcId="{632B85A2-D938-4C49-BC5B-C241C2B62ACA}" destId="{1E632280-869A-4579-ABA8-FFAC3104A52D}" srcOrd="0" destOrd="0" presId="urn:microsoft.com/office/officeart/2005/8/layout/chevron2"/>
+    <dgm:cxn modelId="{978721DD-CBAF-44D7-98D6-91B50DD20530}" type="presParOf" srcId="{1E632280-869A-4579-ABA8-FFAC3104A52D}" destId="{6D696395-13D4-460E-BC6B-9586C49563F5}" srcOrd="0" destOrd="0" presId="urn:microsoft.com/office/officeart/2005/8/layout/chevron2"/>
+    <dgm:cxn modelId="{861F69EF-335F-4C55-86D6-1077A8AFB70B}" type="presParOf" srcId="{1E632280-869A-4579-ABA8-FFAC3104A52D}" destId="{02F66A04-DB78-486E-95D4-9E5F57C6DFF9}" srcOrd="1" destOrd="0" presId="urn:microsoft.com/office/officeart/2005/8/layout/chevron2"/>
+    <dgm:cxn modelId="{D39976F0-A879-4894-B507-9DC305ABC268}" type="presParOf" srcId="{632B85A2-D938-4C49-BC5B-C241C2B62ACA}" destId="{7117C6AC-2861-4A76-B9E9-16F458DE51C3}" srcOrd="1" destOrd="0" presId="urn:microsoft.com/office/officeart/2005/8/layout/chevron2"/>
+    <dgm:cxn modelId="{F6B6CFE8-ADAD-4D55-9C01-8DBD2156132F}" type="presParOf" srcId="{632B85A2-D938-4C49-BC5B-C241C2B62ACA}" destId="{E261BB6F-2710-43DD-80E7-427E626878B9}" srcOrd="2" destOrd="0" presId="urn:microsoft.com/office/officeart/2005/8/layout/chevron2"/>
+    <dgm:cxn modelId="{920E2594-6E72-4945-8FB1-A3D60AC8F604}" type="presParOf" srcId="{E261BB6F-2710-43DD-80E7-427E626878B9}" destId="{3CE9BBE7-FAD6-46BA-81C4-4AE4D629BB53}" srcOrd="0" destOrd="0" presId="urn:microsoft.com/office/officeart/2005/8/layout/chevron2"/>
+    <dgm:cxn modelId="{B137AAE9-70E7-4B3C-9827-1B294393A1BC}" type="presParOf" srcId="{E261BB6F-2710-43DD-80E7-427E626878B9}" destId="{625AF70D-44B9-441C-9600-FB6CA978B302}" srcOrd="1" destOrd="0" presId="urn:microsoft.com/office/officeart/2005/8/layout/chevron2"/>
+    <dgm:cxn modelId="{A16D99FF-D27C-47A1-BA00-3F975E9C3EFE}" type="presParOf" srcId="{632B85A2-D938-4C49-BC5B-C241C2B62ACA}" destId="{215B721C-476C-46F6-9330-A360D0752B73}" srcOrd="3" destOrd="0" presId="urn:microsoft.com/office/officeart/2005/8/layout/chevron2"/>
+    <dgm:cxn modelId="{D4DD3A89-8B79-4909-A7A0-F4F1F19D1EB7}" type="presParOf" srcId="{632B85A2-D938-4C49-BC5B-C241C2B62ACA}" destId="{88075C87-F144-453F-9870-654E369BB723}" srcOrd="4" destOrd="0" presId="urn:microsoft.com/office/officeart/2005/8/layout/chevron2"/>
+    <dgm:cxn modelId="{A560D5DB-4B99-4D30-92C7-2481899C1E3D}" type="presParOf" srcId="{88075C87-F144-453F-9870-654E369BB723}" destId="{4878584C-CEE6-4755-B5E5-FFF25B902B0D}" srcOrd="0" destOrd="0" presId="urn:microsoft.com/office/officeart/2005/8/layout/chevron2"/>
+    <dgm:cxn modelId="{3351FC06-297B-40EA-AAC1-DCE7BFA5C1C2}" type="presParOf" srcId="{88075C87-F144-453F-9870-654E369BB723}" destId="{3C482219-5E95-44EF-9E58-131D009A5003}" srcOrd="1" destOrd="0" presId="urn:microsoft.com/office/officeart/2005/8/layout/chevron2"/>
+  </dgm:cxnLst>
+  <dgm:bg/>
+  <dgm:whole/>
+  <dgm:extLst>
+    <a:ext uri="http://schemas.microsoft.com/office/drawing/2008/diagram">
+      <dsp:dataModelExt xmlns:dsp="http://schemas.microsoft.com/office/drawing/2008/diagram" relId="rId6" minVer="http://schemas.openxmlformats.org/drawingml/2006/diagram"/>
+    </a:ext>
+  </dgm:extLst>
+</dgm:dataModel>
+</file>
+
+<file path=ppt/diagrams/drawing1.xml><?xml version="1.0" encoding="utf-8"?>
+<dsp:drawing xmlns:dgm="http://schemas.openxmlformats.org/drawingml/2006/diagram" xmlns:dsp="http://schemas.microsoft.com/office/drawing/2008/diagram" xmlns:a="http://schemas.openxmlformats.org/drawingml/2006/main">
+  <dsp:spTree>
+    <dsp:nvGrpSpPr>
+      <dsp:cNvPr id="0" name=""/>
+      <dsp:cNvGrpSpPr/>
+    </dsp:nvGrpSpPr>
+    <dsp:grpSpPr/>
+    <dsp:sp modelId="{39D415E3-7728-462C-97F9-09C29631FF1B}">
+      <dsp:nvSpPr>
+        <dsp:cNvPr id="0" name=""/>
+        <dsp:cNvSpPr/>
+      </dsp:nvSpPr>
+      <dsp:spPr>
+        <a:xfrm>
+          <a:off x="1566377" y="630033"/>
+          <a:ext cx="3867844" cy="3867844"/>
+        </a:xfrm>
+        <a:prstGeom prst="blockArc">
+          <a:avLst>
+            <a:gd name="adj1" fmla="val 9000000"/>
+            <a:gd name="adj2" fmla="val 16200000"/>
+            <a:gd name="adj3" fmla="val 4636"/>
+          </a:avLst>
+        </a:prstGeom>
+        <a:gradFill rotWithShape="0">
+          <a:gsLst>
+            <a:gs pos="0">
+              <a:schemeClr val="accent1">
+                <a:tint val="60000"/>
+                <a:hueOff val="0"/>
+                <a:satOff val="0"/>
+                <a:lumOff val="0"/>
+                <a:alphaOff val="0"/>
+                <a:tint val="65000"/>
+                <a:lumMod val="110000"/>
+              </a:schemeClr>
+            </a:gs>
+            <a:gs pos="88000">
+              <a:schemeClr val="accent1">
+                <a:tint val="60000"/>
+                <a:hueOff val="0"/>
+                <a:satOff val="0"/>
+                <a:lumOff val="0"/>
+                <a:alphaOff val="0"/>
+                <a:tint val="90000"/>
+              </a:schemeClr>
+            </a:gs>
+          </a:gsLst>
+          <a:lin ang="5400000" scaled="0"/>
+        </a:gradFill>
+        <a:ln>
+          <a:noFill/>
+        </a:ln>
+        <a:effectLst/>
+      </dsp:spPr>
+      <dsp:style>
+        <a:lnRef idx="0">
+          <a:scrgbClr r="0" g="0" b="0"/>
+        </a:lnRef>
+        <a:fillRef idx="2">
+          <a:scrgbClr r="0" g="0" b="0"/>
+        </a:fillRef>
+        <a:effectRef idx="1">
+          <a:scrgbClr r="0" g="0" b="0"/>
+        </a:effectRef>
+        <a:fontRef idx="minor">
+          <a:schemeClr val="dk1"/>
+        </a:fontRef>
+      </dsp:style>
+    </dsp:sp>
+    <dsp:sp modelId="{0172629F-97EF-4055-8E5E-E778B37E0AB4}">
+      <dsp:nvSpPr>
+        <dsp:cNvPr id="0" name=""/>
+        <dsp:cNvSpPr/>
+      </dsp:nvSpPr>
+      <dsp:spPr>
+        <a:xfrm>
+          <a:off x="1566377" y="630033"/>
+          <a:ext cx="3867844" cy="3867844"/>
+        </a:xfrm>
+        <a:prstGeom prst="blockArc">
+          <a:avLst>
+            <a:gd name="adj1" fmla="val 1800000"/>
+            <a:gd name="adj2" fmla="val 9000000"/>
+            <a:gd name="adj3" fmla="val 4636"/>
+          </a:avLst>
+        </a:prstGeom>
+        <a:gradFill rotWithShape="0">
+          <a:gsLst>
+            <a:gs pos="0">
+              <a:schemeClr val="accent1">
+                <a:tint val="60000"/>
+                <a:hueOff val="0"/>
+                <a:satOff val="0"/>
+                <a:lumOff val="0"/>
+                <a:alphaOff val="0"/>
+                <a:tint val="65000"/>
+                <a:lumMod val="110000"/>
+              </a:schemeClr>
+            </a:gs>
+            <a:gs pos="88000">
+              <a:schemeClr val="accent1">
+                <a:tint val="60000"/>
+                <a:hueOff val="0"/>
+                <a:satOff val="0"/>
+                <a:lumOff val="0"/>
+                <a:alphaOff val="0"/>
+                <a:tint val="90000"/>
+              </a:schemeClr>
+            </a:gs>
+          </a:gsLst>
+          <a:lin ang="5400000" scaled="0"/>
+        </a:gradFill>
+        <a:ln>
+          <a:noFill/>
+        </a:ln>
+        <a:effectLst/>
+      </dsp:spPr>
+      <dsp:style>
+        <a:lnRef idx="0">
+          <a:scrgbClr r="0" g="0" b="0"/>
+        </a:lnRef>
+        <a:fillRef idx="2">
+          <a:scrgbClr r="0" g="0" b="0"/>
+        </a:fillRef>
+        <a:effectRef idx="1">
+          <a:scrgbClr r="0" g="0" b="0"/>
+        </a:effectRef>
+        <a:fontRef idx="minor">
+          <a:schemeClr val="dk1"/>
+        </a:fontRef>
+      </dsp:style>
+    </dsp:sp>
+    <dsp:sp modelId="{2EB635B4-3167-4D91-BB6F-26F53C80D717}">
+      <dsp:nvSpPr>
+        <dsp:cNvPr id="0" name=""/>
+        <dsp:cNvSpPr/>
+      </dsp:nvSpPr>
+      <dsp:spPr>
+        <a:xfrm>
+          <a:off x="1566377" y="630033"/>
+          <a:ext cx="3867844" cy="3867844"/>
+        </a:xfrm>
+        <a:prstGeom prst="blockArc">
+          <a:avLst>
+            <a:gd name="adj1" fmla="val 16200000"/>
+            <a:gd name="adj2" fmla="val 1800000"/>
+            <a:gd name="adj3" fmla="val 4636"/>
+          </a:avLst>
+        </a:prstGeom>
+        <a:gradFill rotWithShape="0">
+          <a:gsLst>
+            <a:gs pos="0">
+              <a:schemeClr val="accent1">
+                <a:tint val="60000"/>
+                <a:hueOff val="0"/>
+                <a:satOff val="0"/>
+                <a:lumOff val="0"/>
+                <a:alphaOff val="0"/>
+                <a:tint val="65000"/>
+                <a:lumMod val="110000"/>
+              </a:schemeClr>
+            </a:gs>
+            <a:gs pos="88000">
+              <a:schemeClr val="accent1">
+                <a:tint val="60000"/>
+                <a:hueOff val="0"/>
+                <a:satOff val="0"/>
+                <a:lumOff val="0"/>
+                <a:alphaOff val="0"/>
+                <a:tint val="90000"/>
+              </a:schemeClr>
+            </a:gs>
+          </a:gsLst>
+          <a:lin ang="5400000" scaled="0"/>
+        </a:gradFill>
+        <a:ln>
+          <a:noFill/>
+        </a:ln>
+        <a:effectLst/>
+      </dsp:spPr>
+      <dsp:style>
+        <a:lnRef idx="0">
+          <a:scrgbClr r="0" g="0" b="0"/>
+        </a:lnRef>
+        <a:fillRef idx="2">
+          <a:scrgbClr r="0" g="0" b="0"/>
+        </a:fillRef>
+        <a:effectRef idx="1">
+          <a:scrgbClr r="0" g="0" b="0"/>
+        </a:effectRef>
+        <a:fontRef idx="minor">
+          <a:schemeClr val="dk1"/>
+        </a:fontRef>
+      </dsp:style>
+    </dsp:sp>
+    <dsp:sp modelId="{CC60FD8A-C3DF-4909-859A-66F4CDC2FDA1}">
+      <dsp:nvSpPr>
+        <dsp:cNvPr id="0" name=""/>
+        <dsp:cNvSpPr/>
+      </dsp:nvSpPr>
+      <dsp:spPr>
+        <a:xfrm>
+          <a:off x="2543692" y="1674551"/>
+          <a:ext cx="1913215" cy="1778808"/>
+        </a:xfrm>
+        <a:prstGeom prst="ellipse">
+          <a:avLst/>
+        </a:prstGeom>
+        <a:gradFill rotWithShape="0">
+          <a:gsLst>
+            <a:gs pos="0">
+              <a:schemeClr val="accent1">
+                <a:hueOff val="0"/>
+                <a:satOff val="0"/>
+                <a:lumOff val="0"/>
+                <a:alphaOff val="0"/>
+                <a:tint val="65000"/>
+                <a:lumMod val="110000"/>
+              </a:schemeClr>
+            </a:gs>
+            <a:gs pos="88000">
+              <a:schemeClr val="accent1">
+                <a:hueOff val="0"/>
+                <a:satOff val="0"/>
+                <a:lumOff val="0"/>
+                <a:alphaOff val="0"/>
+                <a:tint val="90000"/>
+              </a:schemeClr>
+            </a:gs>
+          </a:gsLst>
+          <a:lin ang="5400000" scaled="0"/>
+        </a:gradFill>
+        <a:ln>
+          <a:noFill/>
+        </a:ln>
+        <a:effectLst/>
+        <a:scene3d>
+          <a:camera prst="orthographicFront"/>
+          <a:lightRig rig="flat" dir="t"/>
+        </a:scene3d>
+        <a:sp3d prstMaterial="dkEdge">
+          <a:bevelT w="8200" h="38100"/>
+        </a:sp3d>
+      </dsp:spPr>
+      <dsp:style>
+        <a:lnRef idx="0">
+          <a:scrgbClr r="0" g="0" b="0"/>
+        </a:lnRef>
+        <a:fillRef idx="2">
+          <a:scrgbClr r="0" g="0" b="0"/>
+        </a:fillRef>
+        <a:effectRef idx="1">
+          <a:scrgbClr r="0" g="0" b="0"/>
+        </a:effectRef>
+        <a:fontRef idx="minor">
+          <a:schemeClr val="dk1"/>
+        </a:fontRef>
+      </dsp:style>
+      <dsp:txBody>
+        <a:bodyPr spcFirstLastPara="0" vert="horz" wrap="square" lIns="13970" tIns="13970" rIns="13970" bIns="13970" numCol="1" spcCol="1270" anchor="ctr" anchorCtr="0">
+          <a:noAutofit/>
+        </a:bodyPr>
+        <a:lstStyle/>
+        <a:p>
+          <a:pPr lvl="0" algn="ctr" defTabSz="488950">
+            <a:lnSpc>
+              <a:spcPct val="90000"/>
+            </a:lnSpc>
+            <a:spcBef>
+              <a:spcPct val="0"/>
+            </a:spcBef>
+            <a:spcAft>
+              <a:spcPct val="35000"/>
+            </a:spcAft>
+          </a:pPr>
+          <a:r>
+            <a:rPr lang="es-CO" sz="1100" kern="1200" dirty="0" smtClean="0"/>
+            <a:t>¿Es posible que una herramienta tecnológica mejore el proceso de realización del plan de trabajo del docente de las Unidades Tecnológicas de Santander?</a:t>
+          </a:r>
+          <a:endParaRPr lang="es-CO" sz="1100" kern="1200" dirty="0"/>
+        </a:p>
+      </dsp:txBody>
+      <dsp:txXfrm>
+        <a:off x="2823876" y="1935051"/>
+        <a:ext cx="1352847" cy="1257808"/>
+      </dsp:txXfrm>
+    </dsp:sp>
+    <dsp:sp modelId="{602AF10C-4B69-4598-96AC-B0B98EE68667}">
+      <dsp:nvSpPr>
+        <dsp:cNvPr id="0" name=""/>
+        <dsp:cNvSpPr/>
+      </dsp:nvSpPr>
+      <dsp:spPr>
+        <a:xfrm>
+          <a:off x="2660074" y="-49733"/>
+          <a:ext cx="1680451" cy="1449186"/>
+        </a:xfrm>
+        <a:prstGeom prst="ellipse">
+          <a:avLst/>
+        </a:prstGeom>
+        <a:gradFill rotWithShape="0">
+          <a:gsLst>
+            <a:gs pos="0">
+              <a:schemeClr val="accent1">
+                <a:hueOff val="0"/>
+                <a:satOff val="0"/>
+                <a:lumOff val="0"/>
+                <a:alphaOff val="0"/>
+                <a:tint val="65000"/>
+                <a:lumMod val="110000"/>
+              </a:schemeClr>
+            </a:gs>
+            <a:gs pos="88000">
+              <a:schemeClr val="accent1">
+                <a:hueOff val="0"/>
+                <a:satOff val="0"/>
+                <a:lumOff val="0"/>
+                <a:alphaOff val="0"/>
+                <a:tint val="90000"/>
+              </a:schemeClr>
+            </a:gs>
+          </a:gsLst>
+          <a:lin ang="5400000" scaled="0"/>
+        </a:gradFill>
+        <a:ln>
+          <a:noFill/>
+        </a:ln>
+        <a:effectLst/>
+        <a:scene3d>
+          <a:camera prst="orthographicFront"/>
+          <a:lightRig rig="flat" dir="t"/>
+        </a:scene3d>
+        <a:sp3d prstMaterial="dkEdge">
+          <a:bevelT w="8200" h="38100"/>
+        </a:sp3d>
+      </dsp:spPr>
+      <dsp:style>
+        <a:lnRef idx="0">
+          <a:scrgbClr r="0" g="0" b="0"/>
+        </a:lnRef>
+        <a:fillRef idx="2">
+          <a:scrgbClr r="0" g="0" b="0"/>
+        </a:fillRef>
+        <a:effectRef idx="1">
+          <a:scrgbClr r="0" g="0" b="0"/>
+        </a:effectRef>
+        <a:fontRef idx="minor">
+          <a:schemeClr val="dk1"/>
+        </a:fontRef>
+      </dsp:style>
+      <dsp:txBody>
+        <a:bodyPr spcFirstLastPara="0" vert="horz" wrap="square" lIns="13970" tIns="13970" rIns="13970" bIns="13970" numCol="1" spcCol="1270" anchor="ctr" anchorCtr="0">
+          <a:noAutofit/>
+        </a:bodyPr>
+        <a:lstStyle/>
+        <a:p>
+          <a:pPr lvl="0" algn="ctr" defTabSz="488950">
+            <a:lnSpc>
+              <a:spcPct val="90000"/>
+            </a:lnSpc>
+            <a:spcBef>
+              <a:spcPct val="0"/>
+            </a:spcBef>
+            <a:spcAft>
+              <a:spcPct val="35000"/>
+            </a:spcAft>
+          </a:pPr>
+          <a:r>
+            <a:rPr lang="es-CO" sz="1100" kern="1200" dirty="0" smtClean="0"/>
+            <a:t>La elaboración del plan de trabajo de los docentes implica un gasto prolongado de tiempo. </a:t>
+          </a:r>
+          <a:endParaRPr lang="es-CO" sz="1100" kern="1200" dirty="0"/>
+        </a:p>
+      </dsp:txBody>
+      <dsp:txXfrm>
+        <a:off x="2906170" y="162495"/>
+        <a:ext cx="1188259" cy="1024730"/>
+      </dsp:txXfrm>
+    </dsp:sp>
+    <dsp:sp modelId="{384D9E33-EAB8-4793-AF1D-384ACC182778}">
+      <dsp:nvSpPr>
+        <dsp:cNvPr id="0" name=""/>
+        <dsp:cNvSpPr/>
+      </dsp:nvSpPr>
+      <dsp:spPr>
+        <a:xfrm>
+          <a:off x="4451115" y="2917448"/>
+          <a:ext cx="1370379" cy="1182110"/>
+        </a:xfrm>
+        <a:prstGeom prst="ellipse">
+          <a:avLst/>
+        </a:prstGeom>
+        <a:gradFill rotWithShape="0">
+          <a:gsLst>
+            <a:gs pos="0">
+              <a:schemeClr val="accent1">
+                <a:hueOff val="0"/>
+                <a:satOff val="0"/>
+                <a:lumOff val="0"/>
+                <a:alphaOff val="0"/>
+                <a:tint val="65000"/>
+                <a:lumMod val="110000"/>
+              </a:schemeClr>
+            </a:gs>
+            <a:gs pos="88000">
+              <a:schemeClr val="accent1">
+                <a:hueOff val="0"/>
+                <a:satOff val="0"/>
+                <a:lumOff val="0"/>
+                <a:alphaOff val="0"/>
+                <a:tint val="90000"/>
+              </a:schemeClr>
+            </a:gs>
+          </a:gsLst>
+          <a:lin ang="5400000" scaled="0"/>
+        </a:gradFill>
+        <a:ln>
+          <a:noFill/>
+        </a:ln>
+        <a:effectLst/>
+        <a:scene3d>
+          <a:camera prst="orthographicFront"/>
+          <a:lightRig rig="flat" dir="t"/>
+        </a:scene3d>
+        <a:sp3d prstMaterial="dkEdge">
+          <a:bevelT w="8200" h="38100"/>
+        </a:sp3d>
+      </dsp:spPr>
+      <dsp:style>
+        <a:lnRef idx="0">
+          <a:scrgbClr r="0" g="0" b="0"/>
+        </a:lnRef>
+        <a:fillRef idx="2">
+          <a:scrgbClr r="0" g="0" b="0"/>
+        </a:fillRef>
+        <a:effectRef idx="1">
+          <a:scrgbClr r="0" g="0" b="0"/>
+        </a:effectRef>
+        <a:fontRef idx="minor">
+          <a:schemeClr val="dk1"/>
+        </a:fontRef>
+      </dsp:style>
+      <dsp:txBody>
+        <a:bodyPr spcFirstLastPara="0" vert="horz" wrap="square" lIns="15240" tIns="15240" rIns="15240" bIns="15240" numCol="1" spcCol="1270" anchor="ctr" anchorCtr="0">
+          <a:noAutofit/>
+        </a:bodyPr>
+        <a:lstStyle/>
+        <a:p>
+          <a:pPr lvl="0" algn="ctr" defTabSz="533400">
+            <a:lnSpc>
+              <a:spcPct val="90000"/>
+            </a:lnSpc>
+            <a:spcBef>
+              <a:spcPct val="0"/>
+            </a:spcBef>
+            <a:spcAft>
+              <a:spcPct val="35000"/>
+            </a:spcAft>
+          </a:pPr>
+          <a:r>
+            <a:rPr lang="es-CO" sz="1200" kern="1200" dirty="0" smtClean="0"/>
+            <a:t>Las funciones agregadas para mantener un mínimo control.</a:t>
+          </a:r>
+          <a:endParaRPr lang="es-CO" sz="1200" kern="1200" dirty="0"/>
+        </a:p>
+      </dsp:txBody>
+      <dsp:txXfrm>
+        <a:off x="4651802" y="3090564"/>
+        <a:ext cx="969005" cy="835878"/>
+      </dsp:txXfrm>
+    </dsp:sp>
+    <dsp:sp modelId="{13DC1546-3591-4A6A-AB06-919D6233F830}">
+      <dsp:nvSpPr>
+        <dsp:cNvPr id="0" name=""/>
+        <dsp:cNvSpPr/>
+      </dsp:nvSpPr>
+      <dsp:spPr>
+        <a:xfrm>
+          <a:off x="1224926" y="2934071"/>
+          <a:ext cx="1278735" cy="1148864"/>
+        </a:xfrm>
+        <a:prstGeom prst="ellipse">
+          <a:avLst/>
+        </a:prstGeom>
+        <a:gradFill rotWithShape="0">
+          <a:gsLst>
+            <a:gs pos="0">
+              <a:schemeClr val="accent1">
+                <a:hueOff val="0"/>
+                <a:satOff val="0"/>
+                <a:lumOff val="0"/>
+                <a:alphaOff val="0"/>
+                <a:tint val="65000"/>
+                <a:lumMod val="110000"/>
+              </a:schemeClr>
+            </a:gs>
+            <a:gs pos="88000">
+              <a:schemeClr val="accent1">
+                <a:hueOff val="0"/>
+                <a:satOff val="0"/>
+                <a:lumOff val="0"/>
+                <a:alphaOff val="0"/>
+                <a:tint val="90000"/>
+              </a:schemeClr>
+            </a:gs>
+          </a:gsLst>
+          <a:lin ang="5400000" scaled="0"/>
+        </a:gradFill>
+        <a:ln>
+          <a:noFill/>
+        </a:ln>
+        <a:effectLst/>
+        <a:scene3d>
+          <a:camera prst="orthographicFront"/>
+          <a:lightRig rig="flat" dir="t"/>
+        </a:scene3d>
+        <a:sp3d prstMaterial="dkEdge">
+          <a:bevelT w="8200" h="38100"/>
+        </a:sp3d>
+      </dsp:spPr>
+      <dsp:style>
+        <a:lnRef idx="0">
+          <a:scrgbClr r="0" g="0" b="0"/>
+        </a:lnRef>
+        <a:fillRef idx="2">
+          <a:scrgbClr r="0" g="0" b="0"/>
+        </a:fillRef>
+        <a:effectRef idx="1">
+          <a:scrgbClr r="0" g="0" b="0"/>
+        </a:effectRef>
+        <a:fontRef idx="minor">
+          <a:schemeClr val="dk1"/>
+        </a:fontRef>
+      </dsp:style>
+      <dsp:txBody>
+        <a:bodyPr spcFirstLastPara="0" vert="horz" wrap="square" lIns="17780" tIns="17780" rIns="17780" bIns="17780" numCol="1" spcCol="1270" anchor="ctr" anchorCtr="0">
+          <a:noAutofit/>
+        </a:bodyPr>
+        <a:lstStyle/>
+        <a:p>
+          <a:pPr lvl="0" algn="ctr" defTabSz="622300">
+            <a:lnSpc>
+              <a:spcPct val="90000"/>
+            </a:lnSpc>
+            <a:spcBef>
+              <a:spcPct val="0"/>
+            </a:spcBef>
+            <a:spcAft>
+              <a:spcPct val="35000"/>
+            </a:spcAft>
+          </a:pPr>
+          <a:r>
+            <a:rPr lang="es-CO" sz="1400" kern="1200" smtClean="0"/>
+            <a:t>El proceso es confuso y tedioso.</a:t>
+          </a:r>
+          <a:endParaRPr lang="es-CO" sz="1400" kern="1200" dirty="0"/>
+        </a:p>
+      </dsp:txBody>
+      <dsp:txXfrm>
+        <a:off x="1412192" y="3102318"/>
+        <a:ext cx="904203" cy="812370"/>
+      </dsp:txXfrm>
+    </dsp:sp>
+  </dsp:spTree>
+</dsp:drawing>
+</file>
+
+<file path=ppt/diagrams/drawing2.xml><?xml version="1.0" encoding="utf-8"?>
+<dsp:drawing xmlns:dgm="http://schemas.openxmlformats.org/drawingml/2006/diagram" xmlns:dsp="http://schemas.microsoft.com/office/drawing/2008/diagram" xmlns:a="http://schemas.openxmlformats.org/drawingml/2006/main">
+  <dsp:spTree>
+    <dsp:nvGrpSpPr>
+      <dsp:cNvPr id="0" name=""/>
+      <dsp:cNvGrpSpPr/>
+    </dsp:nvGrpSpPr>
+    <dsp:grpSpPr/>
+    <dsp:sp modelId="{6D696395-13D4-460E-BC6B-9586C49563F5}">
+      <dsp:nvSpPr>
+        <dsp:cNvPr id="0" name=""/>
+        <dsp:cNvSpPr/>
+      </dsp:nvSpPr>
+      <dsp:spPr>
+        <a:xfrm rot="5400000">
+          <a:off x="-252388" y="253289"/>
+          <a:ext cx="1682588" cy="1177811"/>
+        </a:xfrm>
+        <a:prstGeom prst="chevron">
+          <a:avLst/>
+        </a:prstGeom>
+        <a:solidFill>
+          <a:schemeClr val="accent1">
+            <a:hueOff val="0"/>
+            <a:satOff val="0"/>
+            <a:lumOff val="0"/>
+            <a:alphaOff val="0"/>
+          </a:schemeClr>
+        </a:solidFill>
+        <a:ln w="19050" cap="rnd" cmpd="sng" algn="ctr">
+          <a:solidFill>
+            <a:schemeClr val="accent1">
+              <a:hueOff val="0"/>
+              <a:satOff val="0"/>
+              <a:lumOff val="0"/>
+              <a:alphaOff val="0"/>
+            </a:schemeClr>
+          </a:solidFill>
+          <a:prstDash val="solid"/>
+        </a:ln>
+        <a:effectLst/>
+      </dsp:spPr>
+      <dsp:style>
+        <a:lnRef idx="2">
+          <a:scrgbClr r="0" g="0" b="0"/>
+        </a:lnRef>
+        <a:fillRef idx="1">
+          <a:scrgbClr r="0" g="0" b="0"/>
+        </a:fillRef>
+        <a:effectRef idx="0">
+          <a:scrgbClr r="0" g="0" b="0"/>
+        </a:effectRef>
+        <a:fontRef idx="minor">
+          <a:schemeClr val="lt1"/>
+        </a:fontRef>
+      </dsp:style>
+      <dsp:txBody>
+        <a:bodyPr spcFirstLastPara="0" vert="horz" wrap="square" lIns="21590" tIns="21590" rIns="21590" bIns="21590" numCol="1" spcCol="1270" anchor="ctr" anchorCtr="0">
+          <a:noAutofit/>
+        </a:bodyPr>
+        <a:lstStyle/>
+        <a:p>
+          <a:pPr lvl="0" algn="ctr" defTabSz="1511300">
+            <a:lnSpc>
+              <a:spcPct val="90000"/>
+            </a:lnSpc>
+            <a:spcBef>
+              <a:spcPct val="0"/>
+            </a:spcBef>
+            <a:spcAft>
+              <a:spcPct val="35000"/>
+            </a:spcAft>
+          </a:pPr>
+          <a:r>
+            <a:rPr lang="es-CO" sz="3400" kern="1200" dirty="0" smtClean="0"/>
+            <a:t>1.</a:t>
+          </a:r>
+          <a:endParaRPr lang="es-CO" sz="3400" kern="1200" dirty="0"/>
+        </a:p>
+      </dsp:txBody>
+      <dsp:txXfrm rot="-5400000">
+        <a:off x="1" y="589807"/>
+        <a:ext cx="1177811" cy="504777"/>
+      </dsp:txXfrm>
+    </dsp:sp>
+    <dsp:sp modelId="{02F66A04-DB78-486E-95D4-9E5F57C6DFF9}">
+      <dsp:nvSpPr>
+        <dsp:cNvPr id="0" name=""/>
+        <dsp:cNvSpPr/>
+      </dsp:nvSpPr>
+      <dsp:spPr>
+        <a:xfrm rot="5400000">
+          <a:off x="3415972" y="-2237259"/>
+          <a:ext cx="1093682" cy="5570003"/>
+        </a:xfrm>
+        <a:prstGeom prst="round2SameRect">
+          <a:avLst/>
+        </a:prstGeom>
+        <a:solidFill>
+          <a:schemeClr val="lt1">
+            <a:alpha val="90000"/>
+            <a:hueOff val="0"/>
+            <a:satOff val="0"/>
+            <a:lumOff val="0"/>
+            <a:alphaOff val="0"/>
+          </a:schemeClr>
+        </a:solidFill>
+        <a:ln w="19050" cap="rnd" cmpd="sng" algn="ctr">
+          <a:solidFill>
+            <a:schemeClr val="accent1">
+              <a:hueOff val="0"/>
+              <a:satOff val="0"/>
+              <a:lumOff val="0"/>
+              <a:alphaOff val="0"/>
+            </a:schemeClr>
+          </a:solidFill>
+          <a:prstDash val="solid"/>
+        </a:ln>
+        <a:effectLst/>
+      </dsp:spPr>
+      <dsp:style>
+        <a:lnRef idx="2">
+          <a:scrgbClr r="0" g="0" b="0"/>
+        </a:lnRef>
+        <a:fillRef idx="1">
+          <a:scrgbClr r="0" g="0" b="0"/>
+        </a:fillRef>
+        <a:effectRef idx="0">
+          <a:scrgbClr r="0" g="0" b="0"/>
+        </a:effectRef>
+        <a:fontRef idx="minor"/>
+      </dsp:style>
+      <dsp:txBody>
+        <a:bodyPr spcFirstLastPara="0" vert="horz" wrap="square" lIns="120904" tIns="10795" rIns="10795" bIns="10795" numCol="1" spcCol="1270" anchor="ctr" anchorCtr="0">
+          <a:noAutofit/>
+        </a:bodyPr>
+        <a:lstStyle/>
+        <a:p>
+          <a:pPr marL="171450" lvl="1" indent="-171450" algn="l" defTabSz="755650">
+            <a:lnSpc>
+              <a:spcPct val="90000"/>
+            </a:lnSpc>
+            <a:spcBef>
+              <a:spcPct val="0"/>
+            </a:spcBef>
+            <a:spcAft>
+              <a:spcPct val="15000"/>
+            </a:spcAft>
+            <a:buChar char="••"/>
+          </a:pPr>
+          <a:r>
+            <a:rPr lang="es-CO" sz="1700" kern="1200" dirty="0" smtClean="0">
+              <a:solidFill>
+                <a:schemeClr val="tx1">
+                  <a:lumMod val="85000"/>
+                  <a:lumOff val="15000"/>
+                </a:schemeClr>
+              </a:solidFill>
+              <a:latin typeface="Arial" panose="020B0604020202020204" pitchFamily="34" charset="0"/>
+              <a:cs typeface="Arial" panose="020B0604020202020204" pitchFamily="34" charset="0"/>
+            </a:rPr>
+            <a:t>Diseñar una arquitectura software que permita gestionar el proceso de planeación de las actividades de los docentes de tiempo completo, basados en el formato R-DC-54 de las UTS.</a:t>
+          </a:r>
+          <a:endParaRPr lang="es-CO" sz="1700" kern="1200" dirty="0"/>
+        </a:p>
+      </dsp:txBody>
+      <dsp:txXfrm rot="-5400000">
+        <a:off x="1177812" y="54290"/>
+        <a:ext cx="5516614" cy="986904"/>
+      </dsp:txXfrm>
+    </dsp:sp>
+    <dsp:sp modelId="{3CE9BBE7-FAD6-46BA-81C4-4AE4D629BB53}">
+      <dsp:nvSpPr>
+        <dsp:cNvPr id="0" name=""/>
+        <dsp:cNvSpPr/>
+      </dsp:nvSpPr>
+      <dsp:spPr>
+        <a:xfrm rot="5400000">
+          <a:off x="-252388" y="1742583"/>
+          <a:ext cx="1682588" cy="1177811"/>
+        </a:xfrm>
+        <a:prstGeom prst="chevron">
+          <a:avLst/>
+        </a:prstGeom>
+        <a:solidFill>
+          <a:schemeClr val="accent1">
+            <a:hueOff val="0"/>
+            <a:satOff val="0"/>
+            <a:lumOff val="0"/>
+            <a:alphaOff val="0"/>
+          </a:schemeClr>
+        </a:solidFill>
+        <a:ln w="19050" cap="rnd" cmpd="sng" algn="ctr">
+          <a:solidFill>
+            <a:schemeClr val="accent1">
+              <a:hueOff val="0"/>
+              <a:satOff val="0"/>
+              <a:lumOff val="0"/>
+              <a:alphaOff val="0"/>
+            </a:schemeClr>
+          </a:solidFill>
+          <a:prstDash val="solid"/>
+        </a:ln>
+        <a:effectLst/>
+      </dsp:spPr>
+      <dsp:style>
+        <a:lnRef idx="2">
+          <a:scrgbClr r="0" g="0" b="0"/>
+        </a:lnRef>
+        <a:fillRef idx="1">
+          <a:scrgbClr r="0" g="0" b="0"/>
+        </a:fillRef>
+        <a:effectRef idx="0">
+          <a:scrgbClr r="0" g="0" b="0"/>
+        </a:effectRef>
+        <a:fontRef idx="minor">
+          <a:schemeClr val="lt1"/>
+        </a:fontRef>
+      </dsp:style>
+      <dsp:txBody>
+        <a:bodyPr spcFirstLastPara="0" vert="horz" wrap="square" lIns="21590" tIns="21590" rIns="21590" bIns="21590" numCol="1" spcCol="1270" anchor="ctr" anchorCtr="0">
+          <a:noAutofit/>
+        </a:bodyPr>
+        <a:lstStyle/>
+        <a:p>
+          <a:pPr lvl="0" algn="ctr" defTabSz="1511300">
+            <a:lnSpc>
+              <a:spcPct val="90000"/>
+            </a:lnSpc>
+            <a:spcBef>
+              <a:spcPct val="0"/>
+            </a:spcBef>
+            <a:spcAft>
+              <a:spcPct val="35000"/>
+            </a:spcAft>
+          </a:pPr>
+          <a:r>
+            <a:rPr lang="es-CO" sz="3400" kern="1200" dirty="0" smtClean="0"/>
+            <a:t>2.</a:t>
+          </a:r>
+          <a:endParaRPr lang="es-CO" sz="3400" kern="1200" dirty="0"/>
+        </a:p>
+      </dsp:txBody>
+      <dsp:txXfrm rot="-5400000">
+        <a:off x="1" y="2079101"/>
+        <a:ext cx="1177811" cy="504777"/>
+      </dsp:txXfrm>
+    </dsp:sp>
+    <dsp:sp modelId="{625AF70D-44B9-441C-9600-FB6CA978B302}">
+      <dsp:nvSpPr>
+        <dsp:cNvPr id="0" name=""/>
+        <dsp:cNvSpPr/>
+      </dsp:nvSpPr>
+      <dsp:spPr>
+        <a:xfrm rot="5400000">
+          <a:off x="3415972" y="-747965"/>
+          <a:ext cx="1093682" cy="5570003"/>
+        </a:xfrm>
+        <a:prstGeom prst="round2SameRect">
+          <a:avLst/>
+        </a:prstGeom>
+        <a:solidFill>
+          <a:schemeClr val="lt1">
+            <a:alpha val="90000"/>
+            <a:hueOff val="0"/>
+            <a:satOff val="0"/>
+            <a:lumOff val="0"/>
+            <a:alphaOff val="0"/>
+          </a:schemeClr>
+        </a:solidFill>
+        <a:ln w="19050" cap="rnd" cmpd="sng" algn="ctr">
+          <a:solidFill>
+            <a:schemeClr val="accent1">
+              <a:hueOff val="0"/>
+              <a:satOff val="0"/>
+              <a:lumOff val="0"/>
+              <a:alphaOff val="0"/>
+            </a:schemeClr>
+          </a:solidFill>
+          <a:prstDash val="solid"/>
+        </a:ln>
+        <a:effectLst/>
+      </dsp:spPr>
+      <dsp:style>
+        <a:lnRef idx="2">
+          <a:scrgbClr r="0" g="0" b="0"/>
+        </a:lnRef>
+        <a:fillRef idx="1">
+          <a:scrgbClr r="0" g="0" b="0"/>
+        </a:fillRef>
+        <a:effectRef idx="0">
+          <a:scrgbClr r="0" g="0" b="0"/>
+        </a:effectRef>
+        <a:fontRef idx="minor"/>
+      </dsp:style>
+      <dsp:txBody>
+        <a:bodyPr spcFirstLastPara="0" vert="horz" wrap="square" lIns="120904" tIns="10795" rIns="10795" bIns="10795" numCol="1" spcCol="1270" anchor="ctr" anchorCtr="0">
+          <a:noAutofit/>
+        </a:bodyPr>
+        <a:lstStyle/>
+        <a:p>
+          <a:pPr marL="171450" lvl="1" indent="-171450" algn="l" defTabSz="755650">
+            <a:lnSpc>
+              <a:spcPct val="90000"/>
+            </a:lnSpc>
+            <a:spcBef>
+              <a:spcPct val="0"/>
+            </a:spcBef>
+            <a:spcAft>
+              <a:spcPct val="15000"/>
+            </a:spcAft>
+            <a:buChar char="••"/>
+          </a:pPr>
+          <a:r>
+            <a:rPr lang="es-CO" sz="1700" kern="1200" dirty="0" smtClean="0">
+              <a:solidFill>
+                <a:schemeClr val="tx1">
+                  <a:lumMod val="85000"/>
+                  <a:lumOff val="15000"/>
+                </a:schemeClr>
+              </a:solidFill>
+              <a:latin typeface="Arial" panose="020B0604020202020204" pitchFamily="34" charset="0"/>
+              <a:cs typeface="Arial" panose="020B0604020202020204" pitchFamily="34" charset="0"/>
+            </a:rPr>
+            <a:t>Desarrollar, codificar e implementar el código fuente correspondiente a los modelos para el correcto funcionamiento de la aplicación basado en los modelos y estructuras planteadas anteriormente.</a:t>
+          </a:r>
+          <a:endParaRPr lang="es-CO" sz="1700" kern="1200" dirty="0"/>
+        </a:p>
+      </dsp:txBody>
+      <dsp:txXfrm rot="-5400000">
+        <a:off x="1177812" y="1543584"/>
+        <a:ext cx="5516614" cy="986904"/>
+      </dsp:txXfrm>
+    </dsp:sp>
+    <dsp:sp modelId="{4878584C-CEE6-4755-B5E5-FFF25B902B0D}">
+      <dsp:nvSpPr>
+        <dsp:cNvPr id="0" name=""/>
+        <dsp:cNvSpPr/>
+      </dsp:nvSpPr>
+      <dsp:spPr>
+        <a:xfrm rot="5400000">
+          <a:off x="-252388" y="3231876"/>
+          <a:ext cx="1682588" cy="1177811"/>
+        </a:xfrm>
+        <a:prstGeom prst="chevron">
+          <a:avLst/>
+        </a:prstGeom>
+        <a:solidFill>
+          <a:schemeClr val="accent1">
+            <a:hueOff val="0"/>
+            <a:satOff val="0"/>
+            <a:lumOff val="0"/>
+            <a:alphaOff val="0"/>
+          </a:schemeClr>
+        </a:solidFill>
+        <a:ln w="19050" cap="rnd" cmpd="sng" algn="ctr">
+          <a:solidFill>
+            <a:schemeClr val="accent1">
+              <a:hueOff val="0"/>
+              <a:satOff val="0"/>
+              <a:lumOff val="0"/>
+              <a:alphaOff val="0"/>
+            </a:schemeClr>
+          </a:solidFill>
+          <a:prstDash val="solid"/>
+        </a:ln>
+        <a:effectLst/>
+      </dsp:spPr>
+      <dsp:style>
+        <a:lnRef idx="2">
+          <a:scrgbClr r="0" g="0" b="0"/>
+        </a:lnRef>
+        <a:fillRef idx="1">
+          <a:scrgbClr r="0" g="0" b="0"/>
+        </a:fillRef>
+        <a:effectRef idx="0">
+          <a:scrgbClr r="0" g="0" b="0"/>
+        </a:effectRef>
+        <a:fontRef idx="minor">
+          <a:schemeClr val="lt1"/>
+        </a:fontRef>
+      </dsp:style>
+      <dsp:txBody>
+        <a:bodyPr spcFirstLastPara="0" vert="horz" wrap="square" lIns="21590" tIns="21590" rIns="21590" bIns="21590" numCol="1" spcCol="1270" anchor="ctr" anchorCtr="0">
+          <a:noAutofit/>
+        </a:bodyPr>
+        <a:lstStyle/>
+        <a:p>
+          <a:pPr lvl="0" algn="ctr" defTabSz="1511300">
+            <a:lnSpc>
+              <a:spcPct val="90000"/>
+            </a:lnSpc>
+            <a:spcBef>
+              <a:spcPct val="0"/>
+            </a:spcBef>
+            <a:spcAft>
+              <a:spcPct val="35000"/>
+            </a:spcAft>
+          </a:pPr>
+          <a:r>
+            <a:rPr lang="es-CO" sz="3400" kern="1200" dirty="0" smtClean="0"/>
+            <a:t>3.</a:t>
+          </a:r>
+          <a:endParaRPr lang="es-CO" sz="3400" kern="1200" dirty="0"/>
+        </a:p>
+      </dsp:txBody>
+      <dsp:txXfrm rot="-5400000">
+        <a:off x="1" y="3568394"/>
+        <a:ext cx="1177811" cy="504777"/>
+      </dsp:txXfrm>
+    </dsp:sp>
+    <dsp:sp modelId="{3C482219-5E95-44EF-9E58-131D009A5003}">
+      <dsp:nvSpPr>
+        <dsp:cNvPr id="0" name=""/>
+        <dsp:cNvSpPr/>
+      </dsp:nvSpPr>
+      <dsp:spPr>
+        <a:xfrm rot="5400000">
+          <a:off x="3415972" y="741328"/>
+          <a:ext cx="1093682" cy="5570003"/>
+        </a:xfrm>
+        <a:prstGeom prst="round2SameRect">
+          <a:avLst/>
+        </a:prstGeom>
+        <a:solidFill>
+          <a:schemeClr val="lt1">
+            <a:alpha val="90000"/>
+            <a:hueOff val="0"/>
+            <a:satOff val="0"/>
+            <a:lumOff val="0"/>
+            <a:alphaOff val="0"/>
+          </a:schemeClr>
+        </a:solidFill>
+        <a:ln w="19050" cap="rnd" cmpd="sng" algn="ctr">
+          <a:solidFill>
+            <a:schemeClr val="accent1">
+              <a:hueOff val="0"/>
+              <a:satOff val="0"/>
+              <a:lumOff val="0"/>
+              <a:alphaOff val="0"/>
+            </a:schemeClr>
+          </a:solidFill>
+          <a:prstDash val="solid"/>
+        </a:ln>
+        <a:effectLst/>
+      </dsp:spPr>
+      <dsp:style>
+        <a:lnRef idx="2">
+          <a:scrgbClr r="0" g="0" b="0"/>
+        </a:lnRef>
+        <a:fillRef idx="1">
+          <a:scrgbClr r="0" g="0" b="0"/>
+        </a:fillRef>
+        <a:effectRef idx="0">
+          <a:scrgbClr r="0" g="0" b="0"/>
+        </a:effectRef>
+        <a:fontRef idx="minor"/>
+      </dsp:style>
+      <dsp:txBody>
+        <a:bodyPr spcFirstLastPara="0" vert="horz" wrap="square" lIns="120904" tIns="10795" rIns="10795" bIns="10795" numCol="1" spcCol="1270" anchor="ctr" anchorCtr="0">
+          <a:noAutofit/>
+        </a:bodyPr>
+        <a:lstStyle/>
+        <a:p>
+          <a:pPr marL="171450" lvl="1" indent="-171450" algn="l" defTabSz="755650">
+            <a:lnSpc>
+              <a:spcPct val="90000"/>
+            </a:lnSpc>
+            <a:spcBef>
+              <a:spcPct val="0"/>
+            </a:spcBef>
+            <a:spcAft>
+              <a:spcPct val="15000"/>
+            </a:spcAft>
+            <a:buChar char="••"/>
+          </a:pPr>
+          <a:r>
+            <a:rPr lang="es-CO" sz="1700" kern="1200" dirty="0" smtClean="0">
+              <a:solidFill>
+                <a:schemeClr val="tx1">
+                  <a:lumMod val="85000"/>
+                  <a:lumOff val="15000"/>
+                </a:schemeClr>
+              </a:solidFill>
+              <a:latin typeface="Arial" panose="020B0604020202020204" pitchFamily="34" charset="0"/>
+              <a:cs typeface="Arial" panose="020B0604020202020204" pitchFamily="34" charset="0"/>
+            </a:rPr>
+            <a:t>Diseñar y realizar pruebas funcionales, de usabilidad y de carga al sistema de información desarrollado, verificando de esta manera el correcto funcionamiento.</a:t>
+          </a:r>
+          <a:endParaRPr lang="es-CO" sz="1700" kern="1200" dirty="0"/>
+        </a:p>
+      </dsp:txBody>
+      <dsp:txXfrm rot="-5400000">
+        <a:off x="1177812" y="3032878"/>
+        <a:ext cx="5516614" cy="986904"/>
+      </dsp:txXfrm>
+    </dsp:sp>
+  </dsp:spTree>
+</dsp:drawing>
+</file>
+
+<file path=ppt/diagrams/layout1.xml><?xml version="1.0" encoding="utf-8"?>
+<dgm:layoutDef xmlns:dgm="http://schemas.openxmlformats.org/drawingml/2006/diagram" xmlns:a="http://schemas.openxmlformats.org/drawingml/2006/main" uniqueId="urn:microsoft.com/office/officeart/2005/8/layout/radial6">
+  <dgm:title val=""/>
+  <dgm:desc val=""/>
+  <dgm:catLst>
+    <dgm:cat type="cycle" pri="9000"/>
+    <dgm:cat type="relationship" pri="21000"/>
+  </dgm:catLst>
+  <dgm:sampData>
+    <dgm:dataModel>
+      <dgm:ptLst>
+        <dgm:pt modelId="0" type="doc"/>
+        <dgm:pt modelId="1">
+          <dgm:prSet phldr="1"/>
+        </dgm:pt>
+        <dgm:pt modelId="11">
+          <dgm:prSet phldr="1"/>
+        </dgm:pt>
+        <dgm:pt modelId="12">
+          <dgm:prSet phldr="1"/>
+        </dgm:pt>
+        <dgm:pt modelId="13">
+          <dgm:prSet phldr="1"/>
+        </dgm:pt>
+        <dgm:pt modelId="14">
+          <dgm:prSet phldr="1"/>
+        </dgm:pt>
+      </dgm:ptLst>
+      <dgm:cxnLst>
+        <dgm:cxn modelId="2" srcId="0" destId="1" srcOrd="0" destOrd="0"/>
+        <dgm:cxn modelId="3" srcId="1" destId="11" srcOrd="0" destOrd="0"/>
+        <dgm:cxn modelId="4" srcId="1" destId="12" srcOrd="1" destOrd="0"/>
+        <dgm:cxn modelId="5" srcId="1" destId="13" srcOrd="2" destOrd="0"/>
+        <dgm:cxn modelId="6" srcId="1" destId="14" srcOrd="3" destOrd="0"/>
+      </dgm:cxnLst>
+      <dgm:bg/>
+      <dgm:whole/>
+    </dgm:dataModel>
+  </dgm:sampData>
+  <dgm:styleData>
+    <dgm:dataModel>
+      <dgm:ptLst>
+        <dgm:pt modelId="0" type="doc"/>
+        <dgm:pt modelId="1"/>
+        <dgm:pt modelId="11"/>
+        <dgm:pt modelId="12"/>
+        <dgm:pt modelId="13"/>
+      </dgm:ptLst>
+      <dgm:cxnLst>
+        <dgm:cxn modelId="2" srcId="0" destId="1" srcOrd="0" destOrd="0"/>
+        <dgm:cxn modelId="15" srcId="1" destId="11" srcOrd="0" destOrd="0"/>
+        <dgm:cxn modelId="16" srcId="1" destId="12" srcOrd="1" destOrd="0"/>
+        <dgm:cxn modelId="17" srcId="1" destId="13" srcOrd="2" destOrd="0"/>
+      </dgm:cxnLst>
+      <dgm:bg/>
+      <dgm:whole/>
+    </dgm:dataModel>
+  </dgm:styleData>
+  <dgm:clrData>
+    <dgm:dataModel>
+      <dgm:ptLst>
+        <dgm:pt modelId="0" type="doc"/>
+        <dgm:pt modelId="1"/>
+        <dgm:pt modelId="11"/>
+        <dgm:pt modelId="12"/>
+        <dgm:pt modelId="13"/>
+        <dgm:pt modelId="14"/>
+        <dgm:pt modelId="15"/>
+        <dgm:pt modelId="16"/>
+      </dgm:ptLst>
+      <dgm:cxnLst>
+        <dgm:cxn modelId="2" srcId="0" destId="1" srcOrd="0" destOrd="0"/>
+        <dgm:cxn modelId="16" srcId="1" destId="11" srcOrd="0" destOrd="0"/>
+        <dgm:cxn modelId="17" srcId="1" destId="12" srcOrd="1" destOrd="0"/>
+        <dgm:cxn modelId="18" srcId="1" destId="13" srcOrd="2" destOrd="0"/>
+        <dgm:cxn modelId="19" srcId="1" destId="14" srcOrd="3" destOrd="0"/>
+        <dgm:cxn modelId="20" srcId="1" destId="15" srcOrd="4" destOrd="0"/>
+        <dgm:cxn modelId="21" srcId="1" destId="16" srcOrd="5" destOrd="0"/>
+      </dgm:cxnLst>
+      <dgm:bg/>
+      <dgm:whole/>
+    </dgm:dataModel>
+  </dgm:clrData>
+  <dgm:layoutNode name="Name0">
+    <dgm:varLst>
+      <dgm:chMax val="1"/>
+      <dgm:dir/>
+      <dgm:animLvl val="ctr"/>
+      <dgm:resizeHandles val="exact"/>
+    </dgm:varLst>
+    <dgm:choose name="Name1">
+      <dgm:if name="Name2" func="var" arg="dir" op="equ" val="norm">
+        <dgm:choose name="Name3">
+          <dgm:if name="Name4" axis="ch ch" ptType="node node" st="1 1" cnt="1 0" func="cnt" op="lte" val="1">
+            <dgm:alg type="cycle">
+              <dgm:param type="stAng" val="90"/>
+              <dgm:param type="spanAng" val="360"/>
+              <dgm:param type="ctrShpMap" val="fNode"/>
+            </dgm:alg>
+          </dgm:if>
+          <dgm:else name="Name5">
+            <dgm:alg type="cycle">
+              <dgm:param type="stAng" val="0"/>
+              <dgm:param type="spanAng" val="360"/>
+              <dgm:param type="ctrShpMap" val="fNode"/>
+            </dgm:alg>
+          </dgm:else>
+        </dgm:choose>
+      </dgm:if>
+      <dgm:else name="Name6">
+        <dgm:choose name="Name7">
+          <dgm:if name="Name8" axis="ch ch" ptType="node node" st="1 1" cnt="1 0" func="cnt" op="lte" val="1">
+            <dgm:alg type="cycle">
+              <dgm:param type="stAng" val="-90"/>
+              <dgm:param type="spanAng" val="360"/>
+              <dgm:param type="ctrShpMap" val="fNode"/>
+            </dgm:alg>
+          </dgm:if>
+          <dgm:else name="Name9">
+            <dgm:alg type="cycle">
+              <dgm:param type="stAng" val="0"/>
+              <dgm:param type="spanAng" val="-360"/>
+              <dgm:param type="ctrShpMap" val="fNode"/>
+            </dgm:alg>
+          </dgm:else>
+        </dgm:choose>
+      </dgm:else>
+    </dgm:choose>
+    <dgm:shape xmlns:r="http://schemas.openxmlformats.org/officeDocument/2006/relationships" r:blip="">
+      <dgm:adjLst/>
+    </dgm:shape>
+    <dgm:presOf/>
+    <dgm:choose name="Name10">
+      <dgm:if name="Name11" func="var" arg="dir" op="equ" val="norm">
+        <dgm:choose name="Name12">
+          <dgm:if name="Name13" axis="ch ch" ptType="node node" st="1 1" cnt="1 0" func="cnt" op="equ" val="1">
+            <dgm:constrLst>
+              <dgm:constr type="diam" val="170"/>
+              <dgm:constr type="w" for="ch" forName="centerShape" refType="w"/>
+              <dgm:constr type="w" for="ch" forName="oneComp" refType="w" refFor="ch" refForName="centerShape" op="equ" fact="0.7"/>
+              <dgm:constr type="sp" refType="w" refFor="ch" refForName="oneComp" fact="0.3"/>
+              <dgm:constr type="sibSp" refType="w" refFor="ch" refForName="oneComp" fact="0.3"/>
+              <dgm:constr type="primFontSz" for="ch" forName="centerShape" val="65"/>
+              <dgm:constr type="primFontSz" for="des" forName="oneNode" refType="primFontSz" refFor="ch" refForName="centerShape" fact="0.95"/>
+              <dgm:constr type="primFontSz" for="des" forName="oneNode" refType="primFontSz" refFor="ch" refForName="centerShape" op="lte" fact="0.95"/>
+              <dgm:constr type="diam" for="ch" forName="singleconn" refType="diam" op="equ" fact="-1"/>
+              <dgm:constr type="h" for="ch" forName="singleconn" refType="w" refFor="ch" refForName="oneComp" fact="0.24"/>
+              <dgm:constr type="w" for="ch" forName="dummya" refType="w" refFor="ch" refForName="oneComp" op="equ"/>
+              <dgm:constr type="w" for="ch" forName="dummyb" refType="w" refFor="ch" refForName="oneComp" op="equ"/>
+              <dgm:constr type="w" for="ch" forName="dummyc" refType="w" refFor="ch" refForName="oneComp" op="equ"/>
+            </dgm:constrLst>
+          </dgm:if>
+          <dgm:else name="Name14">
+            <dgm:constrLst>
+              <dgm:constr type="diam" val="170"/>
+              <dgm:constr type="w" for="ch" forName="centerShape" refType="w"/>
+              <dgm:constr type="w" for="ch" forName="node" refType="w" refFor="ch" refForName="centerShape" op="equ" fact="0.7"/>
+              <dgm:constr type="sp" refType="w" refFor="ch" refForName="node" fact="0.3"/>
+              <dgm:constr type="sibSp" refType="w" refFor="ch" refForName="node" fact="0.3"/>
+              <dgm:constr type="primFontSz" for="ch" forName="centerShape" val="65"/>
+              <dgm:constr type="primFontSz" for="des" forName="node" refType="primFontSz" refFor="ch" refForName="centerShape" fact="0.78"/>
+              <dgm:constr type="primFontSz" for="ch" forName="node" refType="primFontSz" refFor="ch" refForName="centerShape" op="lte" fact="0.95"/>
+              <dgm:constr type="diam" for="ch" forName="sibTrans" refType="diam" op="equ"/>
+              <dgm:constr type="h" for="ch" forName="sibTrans" refType="w" refFor="ch" refForName="node" fact="0.24"/>
+              <dgm:constr type="w" for="ch" forName="dummy" val="1"/>
+            </dgm:constrLst>
+          </dgm:else>
+        </dgm:choose>
+      </dgm:if>
+      <dgm:else name="Name15">
+        <dgm:choose name="Name16">
+          <dgm:if name="Name17" axis="ch ch" ptType="node node" st="1 1" cnt="1 0" func="cnt" op="equ" val="1">
+            <dgm:constrLst>
+              <dgm:constr type="diam" val="170"/>
+              <dgm:constr type="w" for="ch" forName="centerShape" refType="w"/>
+              <dgm:constr type="w" for="ch" forName="oneComp" refType="w" refFor="ch" refForName="centerShape" op="equ" fact="0.7"/>
+              <dgm:constr type="sp" refType="w" refFor="ch" refForName="oneComp" fact="0.3"/>
+              <dgm:constr type="sibSp" refType="w" refFor="ch" refForName="oneComp" fact="0.3"/>
+              <dgm:constr type="primFontSz" for="ch" forName="centerShape" val="65"/>
+              <dgm:constr type="primFontSz" for="des" forName="oneNode" refType="primFontSz" refFor="ch" refForName="centerShape" fact="0.95"/>
+              <dgm:constr type="primFontSz" for="ch" forName="oneNode" refType="primFontSz" refFor="ch" refForName="centerShape" op="lte" fact="0.95"/>
+              <dgm:constr type="diam" for="ch" forName="singleconn" refType="diam"/>
+              <dgm:constr type="h" for="ch" forName="singleconn" refType="w" refFor="ch" refForName="oneComp" fact="0.24"/>
+              <dgm:constr type="diam" for="ch" refType="diam" op="equ"/>
+              <dgm:constr type="w" for="ch" forName="dummya" refType="w" refFor="ch" refForName="oneComp" op="equ"/>
+              <dgm:constr type="w" for="ch" forName="dummyb" refType="w" refFor="ch" refForName="oneComp" op="equ"/>
+              <dgm:constr type="w" for="ch" forName="dummyc" refType="w" refFor="ch" refForName="oneComp" op="equ"/>
+            </dgm:constrLst>
+          </dgm:if>
+          <dgm:else name="Name18">
+            <dgm:constrLst>
+              <dgm:constr type="diam" val="170"/>
+              <dgm:constr type="w" for="ch" forName="centerShape" refType="w"/>
+              <dgm:constr type="w" for="ch" forName="node" refType="w" refFor="ch" refForName="centerShape" op="equ" fact="0.7"/>
+              <dgm:constr type="sp" refType="w" refFor="ch" refForName="node" fact="0.3"/>
+              <dgm:constr type="sibSp" refType="w" refFor="ch" refForName="node" fact="0.3"/>
+              <dgm:constr type="primFontSz" for="ch" forName="centerShape" val="65"/>
+              <dgm:constr type="primFontSz" for="des" forName="node" refType="primFontSz" refFor="ch" refForName="centerShape" fact="0.78"/>
+              <dgm:constr type="primFontSz" for="ch" forName="node" refType="primFontSz" refFor="ch" refForName="centerShape" op="lte" fact="0.95"/>
+              <dgm:constr type="diam" for="ch" ptType="sibTrans" refType="diam" fact="-1"/>
+              <dgm:constr type="h" for="ch" forName="sibTrans" refType="w" refFor="ch" refForName="node" fact="0.24"/>
+              <dgm:constr type="diam" for="ch" refType="diam" op="equ" fact="-1"/>
+              <dgm:constr type="w" for="ch" forName="dummy" val="1"/>
+            </dgm:constrLst>
+          </dgm:else>
+        </dgm:choose>
+      </dgm:else>
+    </dgm:choose>
+    <dgm:ruleLst>
+      <dgm:rule type="diam" val="INF" fact="NaN" max="NaN"/>
+    </dgm:ruleLst>
+    <dgm:forEach name="Name19" axis="ch" ptType="node" cnt="1">
+      <dgm:layoutNode name="centerShape" styleLbl="node0">
+        <dgm:alg type="tx"/>
+        <dgm:shape xmlns:r="http://schemas.openxmlformats.org/officeDocument/2006/relationships" type="ellipse" r:blip="">
+          <dgm:adjLst/>
+        </dgm:shape>
+        <dgm:presOf axis="self"/>
+        <dgm:constrLst>
+          <dgm:constr type="h" refType="w"/>
+          <dgm:constr type="tMarg" refType="primFontSz" fact="0.1"/>
+          <dgm:constr type="bMarg" refType="primFontSz" fact="0.1"/>
+          <dgm:constr type="lMarg" refType="primFontSz" fact="0.1"/>
+          <dgm:constr type="rMarg" refType="primFontSz" fact="0.1"/>
+        </dgm:constrLst>
+        <dgm:ruleLst>
+          <dgm:rule type="primFontSz" val="5" fact="NaN" max="NaN"/>
+        </dgm:ruleLst>
+      </dgm:layoutNode>
+      <dgm:forEach name="Name20" axis="ch">
+        <dgm:forEach name="Name21" axis="self" ptType="node">
+          <dgm:choose name="Name22">
+            <dgm:if name="Name23" axis="par ch" ptType="node node" func="cnt" op="gt" val="1">
+              <dgm:layoutNode name="node" styleLbl="node1">
+                <dgm:varLst>
+                  <dgm:bulletEnabled val="1"/>
+                </dgm:varLst>
+                <dgm:alg type="tx">
+                  <dgm:param type="txAnchorVertCh" val="mid"/>
+                </dgm:alg>
+                <dgm:shape xmlns:r="http://schemas.openxmlformats.org/officeDocument/2006/relationships" type="ellipse" r:blip="">
+                  <dgm:adjLst/>
+                </dgm:shape>
+                <dgm:presOf axis="desOrSelf" ptType="node"/>
+                <dgm:constrLst>
+                  <dgm:constr type="h" refType="w"/>
+                  <dgm:constr type="tMarg" refType="primFontSz" fact="0.1"/>
+                  <dgm:constr type="bMarg" refType="primFontSz" fact="0.1"/>
+                  <dgm:constr type="lMarg" refType="primFontSz" fact="0.1"/>
+                  <dgm:constr type="rMarg" refType="primFontSz" fact="0.1"/>
+                </dgm:constrLst>
+                <dgm:ruleLst>
+                  <dgm:rule type="primFontSz" val="5" fact="NaN" max="NaN"/>
+                </dgm:ruleLst>
+              </dgm:layoutNode>
+              <dgm:layoutNode name="dummy">
+                <dgm:alg type="sp"/>
+                <dgm:shape xmlns:r="http://schemas.openxmlformats.org/officeDocument/2006/relationships" r:blip="">
+                  <dgm:adjLst/>
+                </dgm:shape>
+                <dgm:presOf/>
+                <dgm:constrLst>
+                  <dgm:constr type="h" refType="w"/>
+                </dgm:constrLst>
+                <dgm:ruleLst/>
+              </dgm:layoutNode>
+              <dgm:forEach name="sibTransForEach" axis="followSib" ptType="sibTrans" hideLastTrans="0" cnt="1">
+                <dgm:layoutNode name="sibTrans" styleLbl="sibTrans2D1">
+                  <dgm:alg type="conn">
+                    <dgm:param type="connRout" val="curve"/>
+                    <dgm:param type="begPts" val="ctr"/>
+                    <dgm:param type="endPts" val="ctr"/>
+                    <dgm:param type="begSty" val="noArr"/>
+                    <dgm:param type="endSty" val="noArr"/>
+                    <dgm:param type="dstNode" val="node"/>
+                  </dgm:alg>
+                  <dgm:shape xmlns:r="http://schemas.openxmlformats.org/officeDocument/2006/relationships" type="conn" r:blip="" zOrderOff="-999">
+                    <dgm:adjLst/>
+                  </dgm:shape>
+                  <dgm:presOf axis="self"/>
+                  <dgm:constrLst>
+                    <dgm:constr type="begPad"/>
+                    <dgm:constr type="endPad"/>
+                  </dgm:constrLst>
+                  <dgm:ruleLst/>
+                </dgm:layoutNode>
+              </dgm:forEach>
+            </dgm:if>
+            <dgm:if name="Name24" axis="par ch" ptType="node node" func="cnt" op="equ" val="1">
+              <dgm:layoutNode name="oneComp">
+                <dgm:alg type="composite">
+                  <dgm:param type="ar" val="1"/>
+                </dgm:alg>
+                <dgm:shape xmlns:r="http://schemas.openxmlformats.org/officeDocument/2006/relationships" r:blip="">
+                  <dgm:adjLst/>
+                </dgm:shape>
+                <dgm:presOf/>
+                <dgm:constrLst>
+                  <dgm:constr type="h" refType="w"/>
+                  <dgm:constr type="l" for="ch" forName="dummyConnPt" refType="w" fact="0.5"/>
+                  <dgm:constr type="t" for="ch" forName="dummyConnPt" refType="w" fact="0.5"/>
+                  <dgm:constr type="l" for="ch" forName="oneNode"/>
+                  <dgm:constr type="t" for="ch" forName="oneNode"/>
+                  <dgm:constr type="h" for="ch" forName="oneNode" refType="h"/>
+                  <dgm:constr type="w" for="ch" forName="oneNode" refType="w"/>
+                </dgm:constrLst>
+                <dgm:ruleLst/>
+                <dgm:layoutNode name="dummyConnPt" styleLbl="node1">
+                  <dgm:alg type="sp"/>
+                  <dgm:shape xmlns:r="http://schemas.openxmlformats.org/officeDocument/2006/relationships" r:blip="">
+                    <dgm:adjLst/>
+                  </dgm:shape>
+                  <dgm:presOf/>
+                  <dgm:constrLst>
+                    <dgm:constr type="w" val="1"/>
+                    <dgm:constr type="h" val="1"/>
+                  </dgm:constrLst>
+                  <dgm:ruleLst/>
+                </dgm:layoutNode>
+                <dgm:layoutNode name="oneNode" styleLbl="node1">
+                  <dgm:varLst>
+                    <dgm:bulletEnabled val="1"/>
+                  </dgm:varLst>
+                  <dgm:alg type="tx">
+                    <dgm:param type="txAnchorVertCh" val="mid"/>
+                  </dgm:alg>
+                  <dgm:shape xmlns:r="http://schemas.openxmlformats.org/officeDocument/2006/relationships" type="ellipse" r:blip="">
+                    <dgm:adjLst/>
+                  </dgm:shape>
+                  <dgm:presOf axis="desOrSelf" ptType="node"/>
+                  <dgm:constrLst>
+                    <dgm:constr type="h" refType="w"/>
+                    <dgm:constr type="tMarg" refType="primFontSz" fact="0.1"/>
+                    <dgm:constr type="bMarg" refType="primFontSz" fact="0.1"/>
+                    <dgm:constr type="lMarg" refType="primFontSz" fact="0.1"/>
+                    <dgm:constr type="rMarg" refType="primFontSz" fact="0.1"/>
+                  </dgm:constrLst>
+                  <dgm:ruleLst>
+                    <dgm:rule type="primFontSz" val="5" fact="NaN" max="NaN"/>
+                  </dgm:ruleLst>
+                </dgm:layoutNode>
+              </dgm:layoutNode>
+              <dgm:layoutNode name="dummya">
+                <dgm:alg type="sp"/>
+                <dgm:shape xmlns:r="http://schemas.openxmlformats.org/officeDocument/2006/relationships" r:blip="">
+                  <dgm:adjLst/>
+                </dgm:shape>
+                <dgm:presOf/>
+                <dgm:constrLst>
+                  <dgm:constr type="h" refType="w"/>
+                </dgm:constrLst>
+                <dgm:ruleLst/>
+              </dgm:layoutNode>
+              <dgm:layoutNode name="dummyb">
+                <dgm:alg type="sp"/>
+                <dgm:shape xmlns:r="http://schemas.openxmlformats.org/officeDocument/2006/relationships" r:blip="">
+                  <dgm:adjLst/>
+                </dgm:shape>
+                <dgm:presOf/>
+                <dgm:constrLst>
+                  <dgm:constr type="h" refType="w"/>
+                </dgm:constrLst>
+                <dgm:ruleLst/>
+              </dgm:layoutNode>
+              <dgm:layoutNode name="dummyc">
+                <dgm:alg type="sp"/>
+                <dgm:shape xmlns:r="http://schemas.openxmlformats.org/officeDocument/2006/relationships" r:blip="">
+                  <dgm:adjLst/>
+                </dgm:shape>
+                <dgm:presOf/>
+                <dgm:constrLst>
+                  <dgm:constr type="h" refType="w"/>
+                </dgm:constrLst>
+                <dgm:ruleLst/>
+              </dgm:layoutNode>
+              <dgm:forEach name="sibTransForEach1" axis="followSib" ptType="sibTrans" hideLastTrans="0" cnt="1">
+                <dgm:layoutNode name="singleconn" styleLbl="sibTrans2D1">
+                  <dgm:alg type="conn">
+                    <dgm:param type="connRout" val="longCurve"/>
+                    <dgm:param type="begPts" val="bCtr"/>
+                    <dgm:param type="endPts" val="tCtr"/>
+                    <dgm:param type="begSty" val="noArr"/>
+                    <dgm:param type="endSty" val="noArr"/>
+                    <dgm:param type="srcNode" val="dummyConnPt"/>
+                    <dgm:param type="dstNode" val="dummyConnPt"/>
+                  </dgm:alg>
+                  <dgm:shape xmlns:r="http://schemas.openxmlformats.org/officeDocument/2006/relationships" type="conn" r:blip="" zOrderOff="-999">
+                    <dgm:adjLst/>
+                  </dgm:shape>
+                  <dgm:presOf axis="self"/>
+                  <dgm:constrLst>
+                    <dgm:constr type="begPad"/>
+                    <dgm:constr type="endPad"/>
+                  </dgm:constrLst>
+                  <dgm:ruleLst/>
+                </dgm:layoutNode>
+              </dgm:forEach>
+            </dgm:if>
+            <dgm:else name="Name25"/>
+          </dgm:choose>
+        </dgm:forEach>
+      </dgm:forEach>
+    </dgm:forEach>
+  </dgm:layoutNode>
+</dgm:layoutDef>
+</file>
+
+<file path=ppt/diagrams/layout2.xml><?xml version="1.0" encoding="utf-8"?>
+<dgm:layoutDef xmlns:dgm="http://schemas.openxmlformats.org/drawingml/2006/diagram" xmlns:a="http://schemas.openxmlformats.org/drawingml/2006/main" uniqueId="urn:microsoft.com/office/officeart/2005/8/layout/chevron2">
+  <dgm:title val=""/>
+  <dgm:desc val=""/>
+  <dgm:catLst>
+    <dgm:cat type="process" pri="12000"/>
+    <dgm:cat type="list" pri="16000"/>
+    <dgm:cat type="convert" pri="11000"/>
+  </dgm:catLst>
+  <dgm:sampData>
+    <dgm:dataModel>
+      <dgm:ptLst>
+        <dgm:pt modelId="0" type="doc"/>
+        <dgm:pt modelId="1">
+          <dgm:prSet phldr="1"/>
+        </dgm:pt>
+        <dgm:pt modelId="11">
+          <dgm:prSet phldr="1"/>
+        </dgm:pt>
+        <dgm:pt modelId="12">
+          <dgm:prSet phldr="1"/>
+        </dgm:pt>
+        <dgm:pt modelId="2">
+          <dgm:prSet phldr="1"/>
+        </dgm:pt>
+        <dgm:pt modelId="21">
+          <dgm:prSet phldr="1"/>
+        </dgm:pt>
+        <dgm:pt modelId="22">
+          <dgm:prSet phldr="1"/>
+        </dgm:pt>
+        <dgm:pt modelId="3">
+          <dgm:prSet phldr="1"/>
+        </dgm:pt>
+        <dgm:pt modelId="31">
+          <dgm:prSet phldr="1"/>
+        </dgm:pt>
+        <dgm:pt modelId="32">
+          <dgm:prSet phldr="1"/>
+        </dgm:pt>
+      </dgm:ptLst>
+      <dgm:cxnLst>
+        <dgm:cxn modelId="4" srcId="0" destId="1" srcOrd="0" destOrd="0"/>
+        <dgm:cxn modelId="5" srcId="0" destId="2" srcOrd="1" destOrd="0"/>
+        <dgm:cxn modelId="6" srcId="0" destId="3" srcOrd="2" destOrd="0"/>
+        <dgm:cxn modelId="13" srcId="1" destId="11" srcOrd="0" destOrd="0"/>
+        <dgm:cxn modelId="14" srcId="1" destId="12" srcOrd="1" destOrd="0"/>
+        <dgm:cxn modelId="23" srcId="2" destId="21" srcOrd="0" destOrd="0"/>
+        <dgm:cxn modelId="24" srcId="2" destId="22" srcOrd="1" destOrd="0"/>
+        <dgm:cxn modelId="33" srcId="3" destId="31" srcOrd="0" destOrd="0"/>
+        <dgm:cxn modelId="34" srcId="3" destId="32" srcOrd="1" destOrd="0"/>
+      </dgm:cxnLst>
+      <dgm:bg/>
+      <dgm:whole/>
+    </dgm:dataModel>
+  </dgm:sampData>
+  <dgm:styleData>
+    <dgm:dataModel>
+      <dgm:ptLst>
+        <dgm:pt modelId="0" type="doc"/>
+        <dgm:pt modelId="1"/>
+      </dgm:ptLst>
+      <dgm:cxnLst>
+        <dgm:cxn modelId="4" srcId="0" destId="1" srcOrd="0" destOrd="0"/>
+      </dgm:cxnLst>
+      <dgm:bg/>
+      <dgm:whole/>
+    </dgm:dataModel>
+  </dgm:styleData>
+  <dgm:clrData>
+    <dgm:dataModel>
+      <dgm:ptLst>
+        <dgm:pt modelId="0" type="doc"/>
+        <dgm:pt modelId="1"/>
+        <dgm:pt modelId="11"/>
+        <dgm:pt modelId="2"/>
+        <dgm:pt modelId="21"/>
+        <dgm:pt modelId="3"/>
+        <dgm:pt modelId="31"/>
+        <dgm:pt modelId="4"/>
+        <dgm:pt modelId="41"/>
+      </dgm:ptLst>
+      <dgm:cxnLst>
+        <dgm:cxn modelId="5" srcId="0" destId="1" srcOrd="0" destOrd="0"/>
+        <dgm:cxn modelId="6" srcId="0" destId="2" srcOrd="1" destOrd="0"/>
+        <dgm:cxn modelId="7" srcId="0" destId="3" srcOrd="2" destOrd="0"/>
+        <dgm:cxn modelId="8" srcId="0" destId="4" srcOrd="3" destOrd="0"/>
+        <dgm:cxn modelId="13" srcId="1" destId="11" srcOrd="0" destOrd="0"/>
+        <dgm:cxn modelId="23" srcId="2" destId="21" srcOrd="0" destOrd="0"/>
+        <dgm:cxn modelId="33" srcId="3" destId="31" srcOrd="0" destOrd="0"/>
+        <dgm:cxn modelId="43" srcId="4" destId="41" srcOrd="0" destOrd="0"/>
+      </dgm:cxnLst>
+      <dgm:bg/>
+      <dgm:whole/>
+    </dgm:dataModel>
+  </dgm:clrData>
+  <dgm:layoutNode name="linearFlow">
+    <dgm:varLst>
+      <dgm:dir/>
+      <dgm:animLvl val="lvl"/>
+      <dgm:resizeHandles val="exact"/>
+    </dgm:varLst>
+    <dgm:alg type="lin">
+      <dgm:param type="linDir" val="fromT"/>
+      <dgm:param type="nodeHorzAlign" val="l"/>
+    </dgm:alg>
+    <dgm:shape xmlns:r="http://schemas.openxmlformats.org/officeDocument/2006/relationships" r:blip="">
+      <dgm:adjLst/>
+    </dgm:shape>
+    <dgm:presOf/>
+    <dgm:constrLst>
+      <dgm:constr type="h" for="ch" forName="composite" refType="h"/>
+      <dgm:constr type="w" for="ch" forName="composite" refType="w"/>
+      <dgm:constr type="h" for="des" forName="parentText" op="equ"/>
+      <dgm:constr type="h" for="ch" forName="sp" val="-14.88"/>
+      <dgm:constr type="h" for="ch" forName="sp" refType="w" refFor="des" refForName="parentText" op="gte" fact="-0.3"/>
+      <dgm:constr type="primFontSz" for="des" forName="parentText" op="equ" val="65"/>
+      <dgm:constr type="primFontSz" for="des" forName="descendantText" op="equ" val="65"/>
+    </dgm:constrLst>
+    <dgm:ruleLst/>
+    <dgm:forEach name="Name0" axis="ch" ptType="node">
+      <dgm:layoutNode name="composite">
+        <dgm:alg type="composite"/>
+        <dgm:shape xmlns:r="http://schemas.openxmlformats.org/officeDocument/2006/relationships" r:blip="">
+          <dgm:adjLst/>
+        </dgm:shape>
+        <dgm:presOf/>
+        <dgm:choose name="Name1">
+          <dgm:if name="Name2" func="var" arg="dir" op="equ" val="norm">
+            <dgm:constrLst>
+              <dgm:constr type="t" for="ch" forName="parentText"/>
+              <dgm:constr type="l" for="ch" forName="parentText"/>
+              <dgm:constr type="w" for="ch" forName="parentText" refType="w" fact="0.4"/>
+              <dgm:constr type="h" for="ch" forName="parentText" refType="h"/>
+              <dgm:constr type="w" for="ch" forName="parentText" refType="w" op="lte" fact="0.5"/>
+              <dgm:constr type="w" for="ch" forName="parentText" refType="h" refFor="ch" refForName="parentText" op="lte" fact="0.7"/>
+              <dgm:constr type="h" for="ch" forName="parentText" refType="w" refFor="ch" refForName="parentText" op="lte" fact="3"/>
+              <dgm:constr type="l" for="ch" forName="descendantText" refType="w" refFor="ch" refForName="parentText"/>
+              <dgm:constr type="w" for="ch" forName="descendantText" refType="w"/>
+              <dgm:constr type="wOff" for="ch" forName="descendantText" refType="w" refFor="ch" refForName="parentText" fact="-1"/>
+              <dgm:constr type="t" for="ch" forName="descendantText"/>
+              <dgm:constr type="b" for="ch" forName="descendantText" refType="h" refFor="ch" refForName="parentText"/>
+              <dgm:constr type="bOff" for="ch" forName="descendantText" refType="w" refFor="ch" refForName="parentText" fact="-0.5"/>
+            </dgm:constrLst>
+          </dgm:if>
+          <dgm:else name="Name3">
+            <dgm:constrLst>
+              <dgm:constr type="t" for="ch" forName="parentText"/>
+              <dgm:constr type="r" for="ch" forName="parentText" refType="w"/>
+              <dgm:constr type="w" for="ch" forName="parentText" refType="w" fact="0.4"/>
+              <dgm:constr type="h" for="ch" forName="parentText" refType="h"/>
+              <dgm:constr type="w" for="ch" forName="parentText" refType="w" op="lte" fact="0.5"/>
+              <dgm:constr type="w" for="ch" forName="parentText" refType="h" refFor="ch" refForName="parentText" op="lte" fact="0.7"/>
+              <dgm:constr type="h" for="ch" forName="parentText" refType="w" refFor="ch" refForName="parentText" op="lte" fact="3"/>
+              <dgm:constr type="l" for="ch" forName="descendantText"/>
+              <dgm:constr type="w" for="ch" forName="descendantText" refType="w"/>
+              <dgm:constr type="wOff" for="ch" forName="descendantText" refType="w" refFor="ch" refForName="parentText" fact="-1"/>
+              <dgm:constr type="t" for="ch" forName="descendantText"/>
+              <dgm:constr type="b" for="ch" forName="descendantText" refType="h" refFor="ch" refForName="parentText"/>
+              <dgm:constr type="bOff" for="ch" forName="descendantText" refType="w" refFor="ch" refForName="parentText" fact="-0.5"/>
+            </dgm:constrLst>
+          </dgm:else>
+        </dgm:choose>
+        <dgm:ruleLst/>
+        <dgm:layoutNode name="parentText" styleLbl="alignNode1">
+          <dgm:varLst>
+            <dgm:chMax val="1"/>
+            <dgm:bulletEnabled val="1"/>
+          </dgm:varLst>
+          <dgm:alg type="tx"/>
+          <dgm:shape xmlns:r="http://schemas.openxmlformats.org/officeDocument/2006/relationships" rot="90" type="chevron" r:blip="">
+            <dgm:adjLst/>
+          </dgm:shape>
+          <dgm:presOf axis="self" ptType="node"/>
+          <dgm:constrLst>
+            <dgm:constr type="lMarg" refType="primFontSz" fact="0.05"/>
+            <dgm:constr type="rMarg" refType="primFontSz" fact="0.05"/>
+            <dgm:constr type="tMarg" refType="primFontSz" fact="0.05"/>
+            <dgm:constr type="bMarg" refType="primFontSz" fact="0.05"/>
+          </dgm:constrLst>
+          <dgm:ruleLst>
+            <dgm:rule type="h" val="100" fact="NaN" max="NaN"/>
+            <dgm:rule type="primFontSz" val="24" fact="NaN" max="NaN"/>
+            <dgm:rule type="h" val="110" fact="NaN" max="NaN"/>
+            <dgm:rule type="primFontSz" val="18" fact="NaN" max="NaN"/>
+            <dgm:rule type="h" val="INF" fact="NaN" max="NaN"/>
+            <dgm:rule type="primFontSz" val="5" fact="NaN" max="NaN"/>
+          </dgm:ruleLst>
+        </dgm:layoutNode>
+        <dgm:layoutNode name="descendantText" styleLbl="alignAcc1">
+          <dgm:varLst>
+            <dgm:bulletEnabled val="1"/>
+          </dgm:varLst>
+          <dgm:choose name="Name4">
+            <dgm:if name="Name5" func="var" arg="dir" op="equ" val="norm">
+              <dgm:alg type="tx">
+                <dgm:param type="stBulletLvl" val="1"/>
+                <dgm:param type="txAnchorVertCh" val="mid"/>
+              </dgm:alg>
+              <dgm:shape xmlns:r="http://schemas.openxmlformats.org/officeDocument/2006/relationships" rot="90" type="round2SameRect" r:blip="">
+                <dgm:adjLst/>
+              </dgm:shape>
+            </dgm:if>
+            <dgm:else name="Name6">
+              <dgm:alg type="tx">
+                <dgm:param type="stBulletLvl" val="1"/>
+                <dgm:param type="txAnchorVertCh" val="mid"/>
+              </dgm:alg>
+              <dgm:shape xmlns:r="http://schemas.openxmlformats.org/officeDocument/2006/relationships" rot="-90" type="round2SameRect" r:blip="">
+                <dgm:adjLst/>
+              </dgm:shape>
+            </dgm:else>
+          </dgm:choose>
+          <dgm:presOf axis="des" ptType="node"/>
+          <dgm:choose name="Name7">
+            <dgm:if name="Name8" func="var" arg="dir" op="equ" val="norm">
+              <dgm:constrLst>
+                <dgm:constr type="secFontSz" refType="primFontSz"/>
+                <dgm:constr type="tMarg" refType="primFontSz" fact="0.05"/>
+                <dgm:constr type="bMarg" refType="primFontSz" fact="0.05"/>
+                <dgm:constr type="rMarg" refType="primFontSz" fact="0.05"/>
+              </dgm:constrLst>
+            </dgm:if>
+            <dgm:else name="Name9">
+              <dgm:constrLst>
+                <dgm:constr type="secFontSz" refType="primFontSz"/>
+                <dgm:constr type="tMarg" refType="primFontSz" fact="0.05"/>
+                <dgm:constr type="bMarg" refType="primFontSz" fact="0.05"/>
+                <dgm:constr type="lMarg" refType="primFontSz" fact="0.05"/>
+              </dgm:constrLst>
+            </dgm:else>
+          </dgm:choose>
+          <dgm:ruleLst>
+            <dgm:rule type="primFontSz" val="5" fact="NaN" max="NaN"/>
+          </dgm:ruleLst>
+        </dgm:layoutNode>
+      </dgm:layoutNode>
+      <dgm:forEach name="Name10" axis="followSib" ptType="sibTrans" cnt="1">
+        <dgm:layoutNode name="sp">
+          <dgm:alg type="sp"/>
+          <dgm:shape xmlns:r="http://schemas.openxmlformats.org/officeDocument/2006/relationships" r:blip="">
+            <dgm:adjLst/>
+          </dgm:shape>
+          <dgm:presOf axis="self"/>
+          <dgm:constrLst>
+            <dgm:constr type="w" val="1"/>
+            <dgm:constr type="h" val="37.5"/>
+          </dgm:constrLst>
+          <dgm:ruleLst/>
+        </dgm:layoutNode>
+      </dgm:forEach>
+    </dgm:forEach>
+  </dgm:layoutNode>
+</dgm:layoutDef>
+</file>
+
+<file path=ppt/diagrams/quickStyle1.xml><?xml version="1.0" encoding="utf-8"?>
+<dgm:styleDef xmlns:dgm="http://schemas.openxmlformats.org/drawingml/2006/diagram" xmlns:a="http://schemas.openxmlformats.org/drawingml/2006/main" uniqueId="urn:microsoft.com/office/officeart/2005/8/quickstyle/simple3">
+  <dgm:title val=""/>
+  <dgm:desc val=""/>
+  <dgm:catLst>
+    <dgm:cat type="simple" pri="10300"/>
+  </dgm:catLst>
+  <dgm:scene3d>
+    <a:camera prst="orthographicFront"/>
+    <a:lightRig rig="threePt" dir="t"/>
+  </dgm:scene3d>
+  <dgm:styleLbl name="node0">
+    <dgm:scene3d>
+      <a:camera prst="orthographicFront"/>
+      <a:lightRig rig="flat" dir="t"/>
+    </dgm:scene3d>
+    <dgm:sp3d prstMaterial="dkEdge">
+      <a:bevelT w="8200" h="38100"/>
+    </dgm:sp3d>
+    <dgm:txPr/>
+    <dgm:style>
+      <a:lnRef idx="0">
+        <a:scrgbClr r="0" g="0" b="0"/>
+      </a:lnRef>
+      <a:fillRef idx="2">
+        <a:scrgbClr r="0" g="0" b="0"/>
+      </a:fillRef>
+      <a:effectRef idx="1">
+        <a:scrgbClr r="0" g="0" b="0"/>
+      </a:effectRef>
+      <a:fontRef idx="minor">
+        <a:schemeClr val="dk1"/>
+      </a:fontRef>
+    </dgm:style>
+  </dgm:styleLbl>
+  <dgm:styleLbl name="lnNode1">
+    <dgm:scene3d>
+      <a:camera prst="orthographicFront"/>
+      <a:lightRig rig="flat" dir="t"/>
+    </dgm:scene3d>
+    <dgm:sp3d prstMaterial="dkEdge">
+      <a:bevelT w="8200" h="38100"/>
+    </dgm:sp3d>
+    <dgm:txPr/>
+    <dgm:style>
+      <a:lnRef idx="1">
+        <a:scrgbClr r="0" g="0" b="0"/>
+      </a:lnRef>
+      <a:fillRef idx="2">
+        <a:scrgbClr r="0" g="0" b="0"/>
+      </a:fillRef>
+      <a:effectRef idx="0">
+        <a:scrgbClr r="0" g="0" b="0"/>
+      </a:effectRef>
+      <a:fontRef idx="minor">
+        <a:schemeClr val="dk1"/>
+      </a:fontRef>
+    </dgm:style>
+  </dgm:styleLbl>
+  <dgm:styleLbl name="vennNode1">
+    <dgm:scene3d>
+      <a:camera prst="orthographicFront"/>
+      <a:lightRig rig="flat" dir="t"/>
+    </dgm:scene3d>
+    <dgm:sp3d prstMaterial="dkEdge">
+      <a:bevelT w="8200" h="38100"/>
+    </dgm:sp3d>
+    <dgm:txPr/>
+    <dgm:style>
+      <a:lnRef idx="0">
+        <a:scrgbClr r="0" g="0" b="0"/>
+      </a:lnRef>
+      <a:fillRef idx="2">
+        <a:scrgbClr r="0" g="0" b="0"/>
+      </a:fillRef>
+      <a:effectRef idx="0">
+        <a:scrgbClr r="0" g="0" b="0"/>
+      </a:effectRef>
+      <a:fontRef idx="minor">
+        <a:schemeClr val="tx1"/>
+      </a:fontRef>
+    </dgm:style>
+  </dgm:styleLbl>
+  <dgm:styleLbl name="alignNode1">
+    <dgm:scene3d>
+      <a:camera prst="orthographicFront"/>
+      <a:lightRig rig="threePt" dir="t"/>
+    </dgm:scene3d>
+    <dgm:sp3d/>
+    <dgm:txPr/>
+    <dgm:style>
+      <a:lnRef idx="1">
+        <a:scrgbClr r="0" g="0" b="0"/>
+      </a:lnRef>
+      <a:fillRef idx="2">
+        <a:scrgbClr r="0" g="0" b="0"/>
+      </a:fillRef>
+      <a:effectRef idx="1">
+        <a:scrgbClr r="0" g="0" b="0"/>
+      </a:effectRef>
+      <a:fontRef idx="minor">
+        <a:schemeClr val="dk1"/>
+      </a:fontRef>
+    </dgm:style>
+  </dgm:styleLbl>
+  <dgm:styleLbl name="node1">
+    <dgm:scene3d>
+      <a:camera prst="orthographicFront"/>
+      <a:lightRig rig="flat" dir="t"/>
+    </dgm:scene3d>
+    <dgm:sp3d prstMaterial="dkEdge">
+      <a:bevelT w="8200" h="38100"/>
+    </dgm:sp3d>
+    <dgm:txPr/>
+    <dgm:style>
+      <a:lnRef idx="0">
+        <a:scrgbClr r="0" g="0" b="0"/>
+      </a:lnRef>
+      <a:fillRef idx="2">
+        <a:scrgbClr r="0" g="0" b="0"/>
+      </a:fillRef>
+      <a:effectRef idx="1">
+        <a:scrgbClr r="0" g="0" b="0"/>
+      </a:effectRef>
+      <a:fontRef idx="minor">
+        <a:schemeClr val="dk1"/>
+      </a:fontRef>
+    </dgm:style>
+  </dgm:styleLbl>
+  <dgm:styleLbl name="node2">
+    <dgm:scene3d>
+      <a:camera prst="orthographicFront"/>
+      <a:lightRig rig="flat" dir="t"/>
+    </dgm:scene3d>
+    <dgm:sp3d prstMaterial="dkEdge">
+      <a:bevelT w="8200" h="38100"/>
+    </dgm:sp3d>
+    <dgm:txPr/>
+    <dgm:style>
+      <a:lnRef idx="0">
+        <a:scrgbClr r="0" g="0" b="0"/>
+      </a:lnRef>
+      <a:fillRef idx="2">
+        <a:scrgbClr r="0" g="0" b="0"/>
+      </a:fillRef>
+      <a:effectRef idx="1">
+        <a:scrgbClr r="0" g="0" b="0"/>
+      </a:effectRef>
+      <a:fontRef idx="minor">
+        <a:schemeClr val="dk1"/>
+      </a:fontRef>
+    </dgm:style>
+  </dgm:styleLbl>
+  <dgm:styleLbl name="node3">
+    <dgm:scene3d>
+      <a:camera prst="orthographicFront"/>
+      <a:lightRig rig="flat" dir="t"/>
+    </dgm:scene3d>
+    <dgm:sp3d prstMaterial="dkEdge">
+      <a:bevelT w="8200" h="38100"/>
+    </dgm:sp3d>
+    <dgm:txPr/>
+    <dgm:style>
+      <a:lnRef idx="0">
+        <a:scrgbClr r="0" g="0" b="0"/>
+      </a:lnRef>
+      <a:fillRef idx="2">
+        <a:scrgbClr r="0" g="0" b="0"/>
+      </a:fillRef>
+      <a:effectRef idx="1">
+        <a:scrgbClr r="0" g="0" b="0"/>
+      </a:effectRef>
+      <a:fontRef idx="minor">
+        <a:schemeClr val="dk1"/>
+      </a:fontRef>
+    </dgm:style>
+  </dgm:styleLbl>
+  <dgm:styleLbl name="node4">
+    <dgm:scene3d>
+      <a:camera prst="orthographicFront"/>
+      <a:lightRig rig="flat" dir="t"/>
+    </dgm:scene3d>
+    <dgm:sp3d prstMaterial="dkEdge">
+      <a:bevelT w="8200" h="38100"/>
+    </dgm:sp3d>
+    <dgm:txPr/>
+    <dgm:style>
+      <a:lnRef idx="0">
+        <a:scrgbClr r="0" g="0" b="0"/>
+      </a:lnRef>
+      <a:fillRef idx="2">
+        <a:scrgbClr r="0" g="0" b="0"/>
+      </a:fillRef>
+      <a:effectRef idx="1">
+        <a:scrgbClr r="0" g="0" b="0"/>
+      </a:effectRef>
+      <a:fontRef idx="minor">
+        <a:schemeClr val="dk1"/>
+      </a:fontRef>
+    </dgm:style>
+  </dgm:styleLbl>
+  <dgm:styleLbl name="fgImgPlace1">
+    <dgm:scene3d>
+      <a:camera prst="orthographicFront"/>
+      <a:lightRig rig="threePt" dir="t"/>
+    </dgm:scene3d>
+    <dgm:sp3d/>
+    <dgm:txPr/>
+    <dgm:style>
+      <a:lnRef idx="1">
+        <a:scrgbClr r="0" g="0" b="0"/>
+      </a:lnRef>
+      <a:fillRef idx="1">
+        <a:scrgbClr r="0" g="0" b="0"/>
+      </a:fillRef>
+      <a:effectRef idx="1">
+        <a:scrgbClr r="0" g="0" b="0"/>
+      </a:effectRef>
+      <a:fontRef idx="minor"/>
+    </dgm:style>
+  </dgm:styleLbl>
+  <dgm:styleLbl name="alignImgPlace1">
+    <dgm:scene3d>
+      <a:camera prst="orthographicFront"/>
+      <a:lightRig rig="threePt" dir="t"/>
+    </dgm:scene3d>
+    <dgm:sp3d/>
+    <dgm:txPr/>
+    <dgm:style>
+      <a:lnRef idx="1">
+        <a:scrgbClr r="0" g="0" b="0"/>
+      </a:lnRef>
+      <a:fillRef idx="1">
+        <a:scrgbClr r="0" g="0" b="0"/>
+      </a:fillRef>
+      <a:effectRef idx="1">
+        <a:scrgbClr r="0" g="0" b="0"/>
+      </a:effectRef>
+      <a:fontRef idx="minor"/>
+    </dgm:style>
+  </dgm:styleLbl>
+  <dgm:styleLbl name="bgImgPlace1">
+    <dgm:scene3d>
+      <a:camera prst="orthographicFront"/>
+      <a:lightRig rig="threePt" dir="t"/>
+    </dgm:scene3d>
+    <dgm:sp3d/>
+    <dgm:txPr/>
+    <dgm:style>
+      <a:lnRef idx="1">
+        <a:scrgbClr r="0" g="0" b="0"/>
+      </a:lnRef>
+      <a:fillRef idx="1">
+        <a:scrgbClr r="0" g="0" b="0"/>
+      </a:fillRef>
+      <a:effectRef idx="1">
+        <a:scrgbClr r="0" g="0" b="0"/>
+      </a:effectRef>
+      <a:fontRef idx="minor"/>
+    </dgm:style>
+  </dgm:styleLbl>
+  <dgm:styleLbl name="sibTrans2D1">
+    <dgm:scene3d>
+      <a:camera prst="orthographicFront"/>
+      <a:lightRig rig="threePt" dir="t"/>
+    </dgm:scene3d>
+    <dgm:sp3d/>
+    <dgm:txPr/>
+    <dgm:style>
+      <a:lnRef idx="0">
+        <a:scrgbClr r="0" g="0" b="0"/>
+      </a:lnRef>
+      <a:fillRef idx="2">
+        <a:scrgbClr r="0" g="0" b="0"/>
+      </a:fillRef>
+      <a:effectRef idx="1">
+        <a:scrgbClr r="0" g="0" b="0"/>
+      </a:effectRef>
+      <a:fontRef idx="minor">
+        <a:schemeClr val="dk1"/>
+      </a:fontRef>
+    </dgm:style>
+  </dgm:styleLbl>
+  <dgm:styleLbl name="fgSibTrans2D1">
+    <dgm:scene3d>
+      <a:camera prst="orthographicFront"/>
+      <a:lightRig rig="threePt" dir="t"/>
+    </dgm:scene3d>
+    <dgm:sp3d/>
+    <dgm:txPr/>
+    <dgm:style>
+      <a:lnRef idx="0">
+        <a:scrgbClr r="0" g="0" b="0"/>
+      </a:lnRef>
+      <a:fillRef idx="2">
+        <a:scrgbClr r="0" g="0" b="0"/>
+      </a:fillRef>
+      <a:effectRef idx="1">
+        <a:scrgbClr r="0" g="0" b="0"/>
+      </a:effectRef>
+      <a:fontRef idx="minor">
+        <a:schemeClr val="dk1"/>
+      </a:fontRef>
+    </dgm:style>
+  </dgm:styleLbl>
+  <dgm:styleLbl name="bgSibTrans2D1">
+    <dgm:scene3d>
+      <a:camera prst="orthographicFront"/>
+      <a:lightRig rig="threePt" dir="t"/>
+    </dgm:scene3d>
+    <dgm:sp3d/>
+    <dgm:txPr/>
+    <dgm:style>
+      <a:lnRef idx="0">
+        <a:scrgbClr r="0" g="0" b="0"/>
+      </a:lnRef>
+      <a:fillRef idx="2">
+        <a:scrgbClr r="0" g="0" b="0"/>
+      </a:fillRef>
+      <a:effectRef idx="1">
+        <a:scrgbClr r="0" g="0" b="0"/>
+      </a:effectRef>
+      <a:fontRef idx="minor">
+        <a:schemeClr val="dk1"/>
+      </a:fontRef>
+    </dgm:style>
+  </dgm:styleLbl>
+  <dgm:styleLbl name="sibTrans1D1">
+    <dgm:scene3d>
+      <a:camera prst="orthographicFront"/>
+      <a:lightRig rig="threePt" dir="t"/>
+    </dgm:scene3d>
+    <dgm:sp3d/>
+    <dgm:txPr/>
+    <dgm:style>
+      <a:lnRef idx="1">
+        <a:scrgbClr r="0" g="0" b="0"/>
+      </a:lnRef>
+      <a:fillRef idx="0">
+        <a:scrgbClr r="0" g="0" b="0"/>
+      </a:fillRef>
+      <a:effectRef idx="0">
+        <a:scrgbClr r="0" g="0" b="0"/>
+      </a:effectRef>
+      <a:fontRef idx="minor"/>
+    </dgm:style>
+  </dgm:styleLbl>
+  <dgm:styleLbl name="callout">
+    <dgm:scene3d>
+      <a:camera prst="orthographicFront"/>
+      <a:lightRig rig="threePt" dir="t"/>
+    </dgm:scene3d>
+    <dgm:sp3d/>
+    <dgm:txPr/>
+    <dgm:style>
+      <a:lnRef idx="1">
+        <a:scrgbClr r="0" g="0" b="0"/>
+      </a:lnRef>
+      <a:fillRef idx="2">
+        <a:scrgbClr r="0" g="0" b="0"/>
+      </a:fillRef>
+      <a:effectRef idx="1">
+        <a:scrgbClr r="0" g="0" b="0"/>
+      </a:effectRef>
+      <a:fontRef idx="minor"/>
+    </dgm:style>
+  </dgm:styleLbl>
+  <dgm:styleLbl name="asst0">
+    <dgm:scene3d>
+      <a:camera prst="orthographicFront"/>
+      <a:lightRig rig="flat" dir="t"/>
+    </dgm:scene3d>
+    <dgm:sp3d prstMaterial="dkEdge">
+      <a:bevelT w="8200" h="38100"/>
+    </dgm:sp3d>
+    <dgm:txPr/>
+    <dgm:style>
+      <a:lnRef idx="0">
+        <a:scrgbClr r="0" g="0" b="0"/>
+      </a:lnRef>
+      <a:fillRef idx="2">
+        <a:scrgbClr r="0" g="0" b="0"/>
+      </a:fillRef>
+      <a:effectRef idx="1">
+        <a:scrgbClr r="0" g="0" b="0"/>
+      </a:effectRef>
+      <a:fontRef idx="minor">
+        <a:schemeClr val="dk1"/>
+      </a:fontRef>
+    </dgm:style>
+  </dgm:styleLbl>
+  <dgm:styleLbl name="asst1">
+    <dgm:scene3d>
+      <a:camera prst="orthographicFront"/>
+      <a:lightRig rig="flat" dir="t"/>
+    </dgm:scene3d>
+    <dgm:sp3d prstMaterial="dkEdge">
+      <a:bevelT w="8200" h="38100"/>
+    </dgm:sp3d>
+    <dgm:txPr/>
+    <dgm:style>
+      <a:lnRef idx="0">
+        <a:scrgbClr r="0" g="0" b="0"/>
+      </a:lnRef>
+      <a:fillRef idx="2">
+        <a:scrgbClr r="0" g="0" b="0"/>
+      </a:fillRef>
+      <a:effectRef idx="1">
+        <a:scrgbClr r="0" g="0" b="0"/>
+      </a:effectRef>
+      <a:fontRef idx="minor">
+        <a:schemeClr val="dk1"/>
+      </a:fontRef>
+    </dgm:style>
+  </dgm:styleLbl>
+  <dgm:styleLbl name="asst2">
+    <dgm:scene3d>
+      <a:camera prst="orthographicFront"/>
+      <a:lightRig rig="flat" dir="t"/>
+    </dgm:scene3d>
+    <dgm:sp3d prstMaterial="dkEdge">
+      <a:bevelT w="8200" h="38100"/>
+    </dgm:sp3d>
+    <dgm:txPr/>
+    <dgm:style>
+      <a:lnRef idx="0">
+        <a:scrgbClr r="0" g="0" b="0"/>
+      </a:lnRef>
+      <a:fillRef idx="2">
+        <a:scrgbClr r="0" g="0" b="0"/>
+      </a:fillRef>
+      <a:effectRef idx="1">
+        <a:scrgbClr r="0" g="0" b="0"/>
+      </a:effectRef>
+      <a:fontRef idx="minor">
+        <a:schemeClr val="dk1"/>
+      </a:fontRef>
+    </dgm:style>
+  </dgm:styleLbl>
+  <dgm:styleLbl name="asst3">
+    <dgm:scene3d>
+      <a:camera prst="orthographicFront"/>
+      <a:lightRig rig="flat" dir="t"/>
+    </dgm:scene3d>
+    <dgm:sp3d prstMaterial="dkEdge">
+      <a:bevelT w="8200" h="38100"/>
+    </dgm:sp3d>
+    <dgm:txPr/>
+    <dgm:style>
+      <a:lnRef idx="0">
+        <a:scrgbClr r="0" g="0" b="0"/>
+      </a:lnRef>
+      <a:fillRef idx="2">
+        <a:scrgbClr r="0" g="0" b="0"/>
+      </a:fillRef>
+      <a:effectRef idx="1">
+        <a:scrgbClr r="0" g="0" b="0"/>
+      </a:effectRef>
+      <a:fontRef idx="minor">
+        <a:schemeClr val="dk1"/>
+      </a:fontRef>
+    </dgm:style>
+  </dgm:styleLbl>
+  <dgm:styleLbl name="asst4">
+    <dgm:scene3d>
+      <a:camera prst="orthographicFront"/>
+      <a:lightRig rig="flat" dir="t"/>
+    </dgm:scene3d>
+    <dgm:sp3d prstMaterial="dkEdge">
+      <a:bevelT w="8200" h="38100"/>
+    </dgm:sp3d>
+    <dgm:txPr/>
+    <dgm:style>
+      <a:lnRef idx="0">
+        <a:scrgbClr r="0" g="0" b="0"/>
+      </a:lnRef>
+      <a:fillRef idx="2">
+        <a:scrgbClr r="0" g="0" b="0"/>
+      </a:fillRef>
+      <a:effectRef idx="1">
+        <a:scrgbClr r="0" g="0" b="0"/>
+      </a:effectRef>
+      <a:fontRef idx="minor">
+        <a:schemeClr val="dk1"/>
+      </a:fontRef>
+    </dgm:style>
+  </dgm:styleLbl>
+  <dgm:styleLbl name="parChTrans2D1">
+    <dgm:scene3d>
+      <a:camera prst="orthographicFront"/>
+      <a:lightRig rig="threePt" dir="t"/>
+    </dgm:scene3d>
+    <dgm:sp3d/>
+    <dgm:txPr/>
+    <dgm:style>
+      <a:lnRef idx="1">
+        <a:scrgbClr r="0" g="0" b="0"/>
+      </a:lnRef>
+      <a:fillRef idx="2">
+        <a:scrgbClr r="0" g="0" b="0"/>
+      </a:fillRef>
+      <a:effectRef idx="1">
+        <a:scrgbClr r="0" g="0" b="0"/>
+      </a:effectRef>
+      <a:fontRef idx="minor">
+        <a:schemeClr val="dk1"/>
+      </a:fontRef>
+    </dgm:style>
+  </dgm:styleLbl>
+  <dgm:styleLbl name="parChTrans2D2">
+    <dgm:scene3d>
+      <a:camera prst="orthographicFront"/>
+      <a:lightRig rig="threePt" dir="t"/>
+    </dgm:scene3d>
+    <dgm:sp3d/>
+    <dgm:txPr/>
+    <dgm:style>
+      <a:lnRef idx="1">
+        <a:scrgbClr r="0" g="0" b="0"/>
+      </a:lnRef>
+      <a:fillRef idx="2">
+        <a:scrgbClr r="0" g="0" b="0"/>
+      </a:fillRef>
+      <a:effectRef idx="1">
+        <a:scrgbClr r="0" g="0" b="0"/>
+      </a:effectRef>
+      <a:fontRef idx="minor">
+        <a:schemeClr val="dk1"/>
+      </a:fontRef>
+    </dgm:style>
+  </dgm:styleLbl>
+  <dgm:styleLbl name="parChTrans2D3">
+    <dgm:scene3d>
+      <a:camera prst="orthographicFront"/>
+      <a:lightRig rig="threePt" dir="t"/>
+    </dgm:scene3d>
+    <dgm:sp3d/>
+    <dgm:txPr/>
+    <dgm:style>
+      <a:lnRef idx="1">
+        <a:scrgbClr r="0" g="0" b="0"/>
+      </a:lnRef>
+      <a:fillRef idx="2">
+        <a:scrgbClr r="0" g="0" b="0"/>
+      </a:fillRef>
+      <a:effectRef idx="1">
+        <a:scrgbClr r="0" g="0" b="0"/>
+      </a:effectRef>
+      <a:fontRef idx="minor">
+        <a:schemeClr val="dk1"/>
+      </a:fontRef>
+    </dgm:style>
+  </dgm:styleLbl>
+  <dgm:styleLbl name="parChTrans2D4">
+    <dgm:scene3d>
+      <a:camera prst="orthographicFront"/>
+      <a:lightRig rig="threePt" dir="t"/>
+    </dgm:scene3d>
+    <dgm:sp3d/>
+    <dgm:txPr/>
+    <dgm:style>
+      <a:lnRef idx="1">
+        <a:scrgbClr r="0" g="0" b="0"/>
+      </a:lnRef>
+      <a:fillRef idx="2">
+        <a:scrgbClr r="0" g="0" b="0"/>
+      </a:fillRef>
+      <a:effectRef idx="1">
+        <a:scrgbClr r="0" g="0" b="0"/>
+      </a:effectRef>
+      <a:fontRef idx="minor">
+        <a:schemeClr val="dk1"/>
+      </a:fontRef>
+    </dgm:style>
+  </dgm:styleLbl>
+  <dgm:styleLbl name="parChTrans1D1">
+    <dgm:scene3d>
+      <a:camera prst="orthographicFront"/>
+      <a:lightRig rig="threePt" dir="t"/>
+    </dgm:scene3d>
+    <dgm:sp3d/>
+    <dgm:txPr/>
+    <dgm:style>
+      <a:lnRef idx="2">
+        <a:scrgbClr r="0" g="0" b="0"/>
+      </a:lnRef>
+      <a:fillRef idx="0">
+        <a:scrgbClr r="0" g="0" b="0"/>
+      </a:fillRef>
+      <a:effectRef idx="0">
+        <a:scrgbClr r="0" g="0" b="0"/>
+      </a:effectRef>
+      <a:fontRef idx="minor"/>
+    </dgm:style>
+  </dgm:styleLbl>
+  <dgm:styleLbl name="parChTrans1D2">
+    <dgm:scene3d>
+      <a:camera prst="orthographicFront"/>
+      <a:lightRig rig="threePt" dir="t"/>
+    </dgm:scene3d>
+    <dgm:sp3d/>
+    <dgm:txPr/>
+    <dgm:style>
+      <a:lnRef idx="2">
+        <a:scrgbClr r="0" g="0" b="0"/>
+      </a:lnRef>
+      <a:fillRef idx="0">
+        <a:scrgbClr r="0" g="0" b="0"/>
+      </a:fillRef>
+      <a:effectRef idx="0">
+        <a:scrgbClr r="0" g="0" b="0"/>
+      </a:effectRef>
+      <a:fontRef idx="minor"/>
+    </dgm:style>
+  </dgm:styleLbl>
+  <dgm:styleLbl name="parChTrans1D3">
+    <dgm:scene3d>
+      <a:camera prst="orthographicFront"/>
+      <a:lightRig rig="threePt" dir="t"/>
+    </dgm:scene3d>
+    <dgm:sp3d/>
+    <dgm:txPr/>
+    <dgm:style>
+      <a:lnRef idx="2">
+        <a:scrgbClr r="0" g="0" b="0"/>
+      </a:lnRef>
+      <a:fillRef idx="0">
+        <a:scrgbClr r="0" g="0" b="0"/>
+      </a:fillRef>
+      <a:effectRef idx="0">
+        <a:scrgbClr r="0" g="0" b="0"/>
+      </a:effectRef>
+      <a:fontRef idx="minor"/>
+    </dgm:style>
+  </dgm:styleLbl>
+  <dgm:styleLbl name="parChTrans1D4">
+    <dgm:scene3d>
+      <a:camera prst="orthographicFront"/>
+      <a:lightRig rig="threePt" dir="t"/>
+    </dgm:scene3d>
+    <dgm:sp3d/>
+    <dgm:txPr/>
+    <dgm:style>
+      <a:lnRef idx="2">
+        <a:scrgbClr r="0" g="0" b="0"/>
+      </a:lnRef>
+      <a:fillRef idx="0">
+        <a:scrgbClr r="0" g="0" b="0"/>
+      </a:fillRef>
+      <a:effectRef idx="0">
+        <a:scrgbClr r="0" g="0" b="0"/>
+      </a:effectRef>
+      <a:fontRef idx="minor"/>
+    </dgm:style>
+  </dgm:styleLbl>
+  <dgm:styleLbl name="fgAcc1">
+    <dgm:scene3d>
+      <a:camera prst="orthographicFront"/>
+      <a:lightRig rig="threePt" dir="t"/>
+    </dgm:scene3d>
+    <dgm:sp3d/>
+    <dgm:txPr/>
+    <dgm:style>
+      <a:lnRef idx="1">
+        <a:scrgbClr r="0" g="0" b="0"/>
+      </a:lnRef>
+      <a:fillRef idx="1">
+        <a:scrgbClr r="0" g="0" b="0"/>
+      </a:fillRef>
+      <a:effectRef idx="0">
+        <a:scrgbClr r="0" g="0" b="0"/>
+      </a:effectRef>
+      <a:fontRef idx="minor"/>
+    </dgm:style>
+  </dgm:styleLbl>
+  <dgm:styleLbl name="conFgAcc1">
+    <dgm:scene3d>
+      <a:camera prst="orthographicFront"/>
+      <a:lightRig rig="threePt" dir="t"/>
+    </dgm:scene3d>
+    <dgm:sp3d/>
+    <dgm:txPr/>
+    <dgm:style>
+      <a:lnRef idx="1">
+        <a:scrgbClr r="0" g="0" b="0"/>
+      </a:lnRef>
+      <a:fillRef idx="1">
+        <a:scrgbClr r="0" g="0" b="0"/>
+      </a:fillRef>
+      <a:effectRef idx="0">
+        <a:scrgbClr r="0" g="0" b="0"/>
+      </a:effectRef>
+      <a:fontRef idx="minor"/>
+    </dgm:style>
+  </dgm:styleLbl>
+  <dgm:styleLbl name="alignAcc1">
+    <dgm:scene3d>
+      <a:camera prst="orthographicFront"/>
+      <a:lightRig rig="threePt" dir="t"/>
+    </dgm:scene3d>
+    <dgm:sp3d/>
+    <dgm:txPr/>
+    <dgm:style>
+      <a:lnRef idx="1">
+        <a:scrgbClr r="0" g="0" b="0"/>
+      </a:lnRef>
+      <a:fillRef idx="1">
+        <a:scrgbClr r="0" g="0" b="0"/>
+      </a:fillRef>
+      <a:effectRef idx="0">
+        <a:scrgbClr r="0" g="0" b="0"/>
+      </a:effectRef>
+      <a:fontRef idx="minor"/>
+    </dgm:style>
+  </dgm:styleLbl>
+  <dgm:styleLbl name="trAlignAcc1">
+    <dgm:scene3d>
+      <a:camera prst="orthographicFront"/>
+      <a:lightRig rig="threePt" dir="t"/>
+    </dgm:scene3d>
+    <dgm:sp3d/>
+    <dgm:txPr/>
+    <dgm:style>
+      <a:lnRef idx="1">
+        <a:scrgbClr r="0" g="0" b="0"/>
+      </a:lnRef>
+      <a:fillRef idx="1">
+        <a:scrgbClr r="0" g="0" b="0"/>
+      </a:fillRef>
+      <a:effectRef idx="0">
+        <a:scrgbClr r="0" g="0" b="0"/>
+      </a:effectRef>
+      <a:fontRef idx="minor"/>
+    </dgm:style>
+  </dgm:styleLbl>
+  <dgm:styleLbl name="bgAcc1">
+    <dgm:scene3d>
+      <a:camera prst="orthographicFront"/>
+      <a:lightRig rig="threePt" dir="t"/>
+    </dgm:scene3d>
+    <dgm:sp3d/>
+    <dgm:txPr/>
+    <dgm:style>
+      <a:lnRef idx="1">
+        <a:scrgbClr r="0" g="0" b="0"/>
+      </a:lnRef>
+      <a:fillRef idx="1">
+        <a:scrgbClr r="0" g="0" b="0"/>
+      </a:fillRef>
+      <a:effectRef idx="0">
+        <a:scrgbClr r="0" g="0" b="0"/>
+      </a:effectRef>
+      <a:fontRef idx="minor"/>
+    </dgm:style>
+  </dgm:styleLbl>
+  <dgm:styleLbl name="solidFgAcc1">
+    <dgm:scene3d>
+      <a:camera prst="orthographicFront"/>
+      <a:lightRig rig="threePt" dir="t"/>
+    </dgm:scene3d>
+    <dgm:sp3d/>
+    <dgm:txPr/>
+    <dgm:style>
+      <a:lnRef idx="1">
+        <a:scrgbClr r="0" g="0" b="0"/>
+      </a:lnRef>
+      <a:fillRef idx="2">
+        <a:scrgbClr r="0" g="0" b="0"/>
+      </a:fillRef>
+      <a:effectRef idx="0">
+        <a:scrgbClr r="0" g="0" b="0"/>
+      </a:effectRef>
+      <a:fontRef idx="minor"/>
+    </dgm:style>
+  </dgm:styleLbl>
+  <dgm:styleLbl name="solidAlignAcc1">
+    <dgm:scene3d>
+      <a:camera prst="orthographicFront"/>
+      <a:lightRig rig="threePt" dir="t"/>
+    </dgm:scene3d>
+    <dgm:sp3d/>
+    <dgm:txPr/>
+    <dgm:style>
+      <a:lnRef idx="1">
+        <a:scrgbClr r="0" g="0" b="0"/>
+      </a:lnRef>
+      <a:fillRef idx="1">
+        <a:scrgbClr r="0" g="0" b="0"/>
+      </a:fillRef>
+      <a:effectRef idx="0">
+        <a:scrgbClr r="0" g="0" b="0"/>
+      </a:effectRef>
+      <a:fontRef idx="minor"/>
+    </dgm:style>
+  </dgm:styleLbl>
+  <dgm:styleLbl name="solidBgAcc1">
+    <dgm:scene3d>
+      <a:camera prst="orthographicFront"/>
+      <a:lightRig rig="threePt" dir="t"/>
+    </dgm:scene3d>
+    <dgm:sp3d/>
+    <dgm:txPr/>
+    <dgm:style>
+      <a:lnRef idx="1">
+        <a:scrgbClr r="0" g="0" b="0"/>
+      </a:lnRef>
+      <a:fillRef idx="1">
+        <a:scrgbClr r="0" g="0" b="0"/>
+      </a:fillRef>
+      <a:effectRef idx="0">
+        <a:scrgbClr r="0" g="0" b="0"/>
+      </a:effectRef>
+      <a:fontRef idx="minor"/>
+    </dgm:style>
+  </dgm:styleLbl>
+  <dgm:styleLbl name="fgAccFollowNode1">
+    <dgm:scene3d>
+      <a:camera prst="orthographicFront"/>
+      <a:lightRig rig="threePt" dir="t"/>
+    </dgm:scene3d>
+    <dgm:sp3d/>
+    <dgm:txPr/>
+    <dgm:style>
+      <a:lnRef idx="1">
+        <a:scrgbClr r="0" g="0" b="0"/>
+      </a:lnRef>
+      <a:fillRef idx="1">
+        <a:scrgbClr r="0" g="0" b="0"/>
+      </a:fillRef>
+      <a:effectRef idx="0">
+        <a:scrgbClr r="0" g="0" b="0"/>
+      </a:effectRef>
+      <a:fontRef idx="minor"/>
+    </dgm:style>
+  </dgm:styleLbl>
+  <dgm:styleLbl name="alignAccFollowNode1">
+    <dgm:scene3d>
+      <a:camera prst="orthographicFront"/>
+      <a:lightRig rig="threePt" dir="t"/>
+    </dgm:scene3d>
+    <dgm:sp3d/>
+    <dgm:txPr/>
+    <dgm:style>
+      <a:lnRef idx="1">
+        <a:scrgbClr r="0" g="0" b="0"/>
+      </a:lnRef>
+      <a:fillRef idx="1">
+        <a:scrgbClr r="0" g="0" b="0"/>
+      </a:fillRef>
+      <a:effectRef idx="0">
+        <a:scrgbClr r="0" g="0" b="0"/>
+      </a:effectRef>
+      <a:fontRef idx="minor"/>
+    </dgm:style>
+  </dgm:styleLbl>
+  <dgm:styleLbl name="bgAccFollowNode1">
+    <dgm:scene3d>
+      <a:camera prst="orthographicFront"/>
+      <a:lightRig rig="threePt" dir="t"/>
+    </dgm:scene3d>
+    <dgm:sp3d/>
+    <dgm:txPr/>
+    <dgm:style>
+      <a:lnRef idx="1">
+        <a:scrgbClr r="0" g="0" b="0"/>
+      </a:lnRef>
+      <a:fillRef idx="1">
+        <a:scrgbClr r="0" g="0" b="0"/>
+      </a:fillRef>
+      <a:effectRef idx="0">
+        <a:scrgbClr r="0" g="0" b="0"/>
+      </a:effectRef>
+      <a:fontRef idx="minor"/>
+    </dgm:style>
+  </dgm:styleLbl>
+  <dgm:styleLbl name="fgAcc0">
+    <dgm:scene3d>
+      <a:camera prst="orthographicFront"/>
+      <a:lightRig rig="threePt" dir="t"/>
+    </dgm:scene3d>
+    <dgm:sp3d/>
+    <dgm:txPr/>
+    <dgm:style>
+      <a:lnRef idx="1">
+        <a:scrgbClr r="0" g="0" b="0"/>
+      </a:lnRef>
+      <a:fillRef idx="1">
+        <a:scrgbClr r="0" g="0" b="0"/>
+      </a:fillRef>
+      <a:effectRef idx="0">
+        <a:scrgbClr r="0" g="0" b="0"/>
+      </a:effectRef>
+      <a:fontRef idx="minor"/>
+    </dgm:style>
+  </dgm:styleLbl>
+  <dgm:styleLbl name="fgAcc2">
+    <dgm:scene3d>
+      <a:camera prst="orthographicFront"/>
+      <a:lightRig rig="threePt" dir="t"/>
+    </dgm:scene3d>
+    <dgm:sp3d/>
+    <dgm:txPr/>
+    <dgm:style>
+      <a:lnRef idx="1">
+        <a:scrgbClr r="0" g="0" b="0"/>
+      </a:lnRef>
+      <a:fillRef idx="1">
+        <a:scrgbClr r="0" g="0" b="0"/>
+      </a:fillRef>
+      <a:effectRef idx="0">
+        <a:scrgbClr r="0" g="0" b="0"/>
+      </a:effectRef>
+      <a:fontRef idx="minor"/>
+    </dgm:style>
+  </dgm:styleLbl>
+  <dgm:styleLbl name="fgAcc3">
+    <dgm:scene3d>
+      <a:camera prst="orthographicFront"/>
+      <a:lightRig rig="threePt" dir="t"/>
+    </dgm:scene3d>
+    <dgm:sp3d/>
+    <dgm:txPr/>
+    <dgm:style>
+      <a:lnRef idx="1">
+        <a:scrgbClr r="0" g="0" b="0"/>
+      </a:lnRef>
+      <a:fillRef idx="1">
+        <a:scrgbClr r="0" g="0" b="0"/>
+      </a:fillRef>
+      <a:effectRef idx="0">
+        <a:scrgbClr r="0" g="0" b="0"/>
+      </a:effectRef>
+      <a:fontRef idx="minor"/>
+    </dgm:style>
+  </dgm:styleLbl>
+  <dgm:styleLbl name="fgAcc4">
+    <dgm:scene3d>
+      <a:camera prst="orthographicFront"/>
+      <a:lightRig rig="threePt" dir="t"/>
+    </dgm:scene3d>
+    <dgm:sp3d/>
+    <dgm:txPr/>
+    <dgm:style>
+      <a:lnRef idx="1">
+        <a:scrgbClr r="0" g="0" b="0"/>
+      </a:lnRef>
+      <a:fillRef idx="1">
+        <a:scrgbClr r="0" g="0" b="0"/>
+      </a:fillRef>
+      <a:effectRef idx="0">
+        <a:scrgbClr r="0" g="0" b="0"/>
+      </a:effectRef>
+      <a:fontRef idx="minor"/>
+    </dgm:style>
+  </dgm:styleLbl>
+  <dgm:styleLbl name="bgShp">
+    <dgm:scene3d>
+      <a:camera prst="orthographicFront"/>
+      <a:lightRig rig="threePt" dir="t"/>
+    </dgm:scene3d>
+    <dgm:sp3d/>
+    <dgm:txPr/>
+    <dgm:style>
+      <a:lnRef idx="0">
+        <a:scrgbClr r="0" g="0" b="0"/>
+      </a:lnRef>
+      <a:fillRef idx="1">
+        <a:scrgbClr r="0" g="0" b="0"/>
+      </a:fillRef>
+      <a:effectRef idx="1">
+        <a:scrgbClr r="0" g="0" b="0"/>
+      </a:effectRef>
+      <a:fontRef idx="minor"/>
+    </dgm:style>
+  </dgm:styleLbl>
+  <dgm:styleLbl name="dkBgShp">
+    <dgm:scene3d>
+      <a:camera prst="orthographicFront"/>
+      <a:lightRig rig="threePt" dir="t"/>
+    </dgm:scene3d>
+    <dgm:sp3d/>
+    <dgm:txPr/>
+    <dgm:style>
+      <a:lnRef idx="0">
+        <a:scrgbClr r="0" g="0" b="0"/>
+      </a:lnRef>
+      <a:fillRef idx="1">
+        <a:scrgbClr r="0" g="0" b="0"/>
+      </a:fillRef>
+      <a:effectRef idx="1">
+        <a:scrgbClr r="0" g="0" b="0"/>
+      </a:effectRef>
+      <a:fontRef idx="minor"/>
+    </dgm:style>
+  </dgm:styleLbl>
+  <dgm:styleLbl name="trBgShp">
+    <dgm:scene3d>
+      <a:camera prst="orthographicFront"/>
+      <a:lightRig rig="threePt" dir="t"/>
+    </dgm:scene3d>
+    <dgm:sp3d/>
+    <dgm:txPr/>
+    <dgm:style>
+      <a:lnRef idx="0">
+        <a:scrgbClr r="0" g="0" b="0"/>
+      </a:lnRef>
+      <a:fillRef idx="1">
+        <a:scrgbClr r="0" g="0" b="0"/>
+      </a:fillRef>
+      <a:effectRef idx="0">
+        <a:scrgbClr r="0" g="0" b="0"/>
+      </a:effectRef>
+      <a:fontRef idx="minor"/>
+    </dgm:style>
+  </dgm:styleLbl>
+  <dgm:styleLbl name="fgShp">
+    <dgm:scene3d>
+      <a:camera prst="orthographicFront"/>
+      <a:lightRig rig="flat" dir="t"/>
+    </dgm:scene3d>
+    <dgm:sp3d prstMaterial="dkEdge">
+      <a:bevelT w="8200" h="38100"/>
+    </dgm:sp3d>
+    <dgm:txPr/>
+    <dgm:style>
+      <a:lnRef idx="1">
+        <a:scrgbClr r="0" g="0" b="0"/>
+      </a:lnRef>
+      <a:fillRef idx="2">
+        <a:scrgbClr r="0" g="0" b="0"/>
+      </a:fillRef>
+      <a:effectRef idx="1">
+        <a:scrgbClr r="0" g="0" b="0"/>
+      </a:effectRef>
+      <a:fontRef idx="minor"/>
+    </dgm:style>
+  </dgm:styleLbl>
+  <dgm:styleLbl name="revTx">
+    <dgm:scene3d>
+      <a:camera prst="orthographicFront"/>
+      <a:lightRig rig="threePt" dir="t"/>
+    </dgm:scene3d>
+    <dgm:sp3d/>
+    <dgm:txPr/>
+    <dgm:style>
+      <a:lnRef idx="0">
+        <a:scrgbClr r="0" g="0" b="0"/>
+      </a:lnRef>
+      <a:fillRef idx="0">
+        <a:scrgbClr r="0" g="0" b="0"/>
+      </a:fillRef>
+      <a:effectRef idx="0">
+        <a:scrgbClr r="0" g="0" b="0"/>
+      </a:effectRef>
+      <a:fontRef idx="minor"/>
+    </dgm:style>
+  </dgm:styleLbl>
+</dgm:styleDef>
+</file>
+
+<file path=ppt/diagrams/quickStyle2.xml><?xml version="1.0" encoding="utf-8"?>
+<dgm:styleDef xmlns:dgm="http://schemas.openxmlformats.org/drawingml/2006/diagram" xmlns:a="http://schemas.openxmlformats.org/drawingml/2006/main" uniqueId="urn:microsoft.com/office/officeart/2005/8/quickstyle/simple1">
+  <dgm:title val=""/>
+  <dgm:desc val=""/>
+  <dgm:catLst>
+    <dgm:cat type="simple" pri="10100"/>
+  </dgm:catLst>
+  <dgm:scene3d>
+    <a:camera prst="orthographicFront"/>
+    <a:lightRig rig="threePt" dir="t"/>
+  </dgm:scene3d>
+  <dgm:styleLbl name="node0">
+    <dgm:scene3d>
+      <a:camera prst="orthographicFront"/>
+      <a:lightRig rig="threePt" dir="t"/>
+    </dgm:scene3d>
+    <dgm:sp3d/>
+    <dgm:txPr/>
+    <dgm:style>
+      <a:lnRef idx="2">
+        <a:scrgbClr r="0" g="0" b="0"/>
+      </a:lnRef>
+      <a:fillRef idx="1">
+        <a:scrgbClr r="0" g="0" b="0"/>
+      </a:fillRef>
+      <a:effectRef idx="0">
+        <a:scrgbClr r="0" g="0" b="0"/>
+      </a:effectRef>
+      <a:fontRef idx="minor">
+        <a:schemeClr val="lt1"/>
+      </a:fontRef>
+    </dgm:style>
+  </dgm:styleLbl>
+  <dgm:styleLbl name="lnNode1">
+    <dgm:scene3d>
+      <a:camera prst="orthographicFront"/>
+      <a:lightRig rig="threePt" dir="t"/>
+    </dgm:scene3d>
+    <dgm:sp3d/>
+    <dgm:txPr/>
+    <dgm:style>
+      <a:lnRef idx="2">
+        <a:scrgbClr r="0" g="0" b="0"/>
+      </a:lnRef>
+      <a:fillRef idx="1">
+        <a:scrgbClr r="0" g="0" b="0"/>
+      </a:fillRef>
+      <a:effectRef idx="0">
+        <a:scrgbClr r="0" g="0" b="0"/>
+      </a:effectRef>
+      <a:fontRef idx="minor">
+        <a:schemeClr val="lt1"/>
+      </a:fontRef>
+    </dgm:style>
+  </dgm:styleLbl>
+  <dgm:styleLbl name="vennNode1">
+    <dgm:scene3d>
+      <a:camera prst="orthographicFront"/>
+      <a:lightRig rig="threePt" dir="t"/>
+    </dgm:scene3d>
+    <dgm:sp3d/>
+    <dgm:txPr/>
+    <dgm:style>
+      <a:lnRef idx="2">
+        <a:scrgbClr r="0" g="0" b="0"/>
+      </a:lnRef>
+      <a:fillRef idx="1">
+        <a:scrgbClr r="0" g="0" b="0"/>
+      </a:fillRef>
+      <a:effectRef idx="0">
+        <a:scrgbClr r="0" g="0" b="0"/>
+      </a:effectRef>
+      <a:fontRef idx="minor">
+        <a:schemeClr val="tx1"/>
+      </a:fontRef>
+    </dgm:style>
+  </dgm:styleLbl>
+  <dgm:styleLbl name="alignNode1">
+    <dgm:scene3d>
+      <a:camera prst="orthographicFront"/>
+      <a:lightRig rig="threePt" dir="t"/>
+    </dgm:scene3d>
+    <dgm:sp3d/>
+    <dgm:txPr/>
+    <dgm:style>
+      <a:lnRef idx="2">
+        <a:scrgbClr r="0" g="0" b="0"/>
+      </a:lnRef>
+      <a:fillRef idx="1">
+        <a:scrgbClr r="0" g="0" b="0"/>
+      </a:fillRef>
+      <a:effectRef idx="0">
+        <a:scrgbClr r="0" g="0" b="0"/>
+      </a:effectRef>
+      <a:fontRef idx="minor">
+        <a:schemeClr val="lt1"/>
+      </a:fontRef>
+    </dgm:style>
+  </dgm:styleLbl>
+  <dgm:styleLbl name="node1">
+    <dgm:scene3d>
+      <a:camera prst="orthographicFront"/>
+      <a:lightRig rig="threePt" dir="t"/>
+    </dgm:scene3d>
+    <dgm:sp3d/>
+    <dgm:txPr/>
+    <dgm:style>
+      <a:lnRef idx="2">
+        <a:scrgbClr r="0" g="0" b="0"/>
+      </a:lnRef>
+      <a:fillRef idx="1">
+        <a:scrgbClr r="0" g="0" b="0"/>
+      </a:fillRef>
+      <a:effectRef idx="0">
+        <a:scrgbClr r="0" g="0" b="0"/>
+      </a:effectRef>
+      <a:fontRef idx="minor">
+        <a:schemeClr val="lt1"/>
+      </a:fontRef>
+    </dgm:style>
+  </dgm:styleLbl>
+  <dgm:styleLbl name="node2">
+    <dgm:scene3d>
+      <a:camera prst="orthographicFront"/>
+      <a:lightRig rig="threePt" dir="t"/>
+    </dgm:scene3d>
+    <dgm:sp3d/>
+    <dgm:txPr/>
+    <dgm:style>
+      <a:lnRef idx="2">
+        <a:scrgbClr r="0" g="0" b="0"/>
+      </a:lnRef>
+      <a:fillRef idx="1">
+        <a:scrgbClr r="0" g="0" b="0"/>
+      </a:fillRef>
+      <a:effectRef idx="0">
+        <a:scrgbClr r="0" g="0" b="0"/>
+      </a:effectRef>
+      <a:fontRef idx="minor">
+        <a:schemeClr val="lt1"/>
+      </a:fontRef>
+    </dgm:style>
+  </dgm:styleLbl>
+  <dgm:styleLbl name="node3">
+    <dgm:scene3d>
+      <a:camera prst="orthographicFront"/>
+      <a:lightRig rig="threePt" dir="t"/>
+    </dgm:scene3d>
+    <dgm:sp3d/>
+    <dgm:txPr/>
+    <dgm:style>
+      <a:lnRef idx="2">
+        <a:scrgbClr r="0" g="0" b="0"/>
+      </a:lnRef>
+      <a:fillRef idx="1">
+        <a:scrgbClr r="0" g="0" b="0"/>
+      </a:fillRef>
+      <a:effectRef idx="0">
+        <a:scrgbClr r="0" g="0" b="0"/>
+      </a:effectRef>
+      <a:fontRef idx="minor">
+        <a:schemeClr val="lt1"/>
+      </a:fontRef>
+    </dgm:style>
+  </dgm:styleLbl>
+  <dgm:styleLbl name="node4">
+    <dgm:scene3d>
+      <a:camera prst="orthographicFront"/>
+      <a:lightRig rig="threePt" dir="t"/>
+    </dgm:scene3d>
+    <dgm:sp3d/>
+    <dgm:txPr/>
+    <dgm:style>
+      <a:lnRef idx="2">
+        <a:scrgbClr r="0" g="0" b="0"/>
+      </a:lnRef>
+      <a:fillRef idx="1">
+        <a:scrgbClr r="0" g="0" b="0"/>
+      </a:fillRef>
+      <a:effectRef idx="0">
+        <a:scrgbClr r="0" g="0" b="0"/>
+      </a:effectRef>
+      <a:fontRef idx="minor">
+        <a:schemeClr val="lt1"/>
+      </a:fontRef>
+    </dgm:style>
+  </dgm:styleLbl>
+  <dgm:styleLbl name="fgImgPlace1">
+    <dgm:scene3d>
+      <a:camera prst="orthographicFront"/>
+      <a:lightRig rig="threePt" dir="t"/>
+    </dgm:scene3d>
+    <dgm:sp3d/>
+    <dgm:txPr/>
+    <dgm:style>
+      <a:lnRef idx="2">
+        <a:scrgbClr r="0" g="0" b="0"/>
+      </a:lnRef>
+      <a:fillRef idx="1">
+        <a:scrgbClr r="0" g="0" b="0"/>
+      </a:fillRef>
+      <a:effectRef idx="0">
+        <a:scrgbClr r="0" g="0" b="0"/>
+      </a:effectRef>
+      <a:fontRef idx="minor"/>
+    </dgm:style>
+  </dgm:styleLbl>
+  <dgm:styleLbl name="alignImgPlace1">
+    <dgm:scene3d>
+      <a:camera prst="orthographicFront"/>
+      <a:lightRig rig="threePt" dir="t"/>
+    </dgm:scene3d>
+    <dgm:sp3d/>
+    <dgm:txPr/>
+    <dgm:style>
+      <a:lnRef idx="2">
+        <a:scrgbClr r="0" g="0" b="0"/>
+      </a:lnRef>
+      <a:fillRef idx="1">
+        <a:scrgbClr r="0" g="0" b="0"/>
+      </a:fillRef>
+      <a:effectRef idx="0">
+        <a:scrgbClr r="0" g="0" b="0"/>
+      </a:effectRef>
+      <a:fontRef idx="minor"/>
+    </dgm:style>
+  </dgm:styleLbl>
+  <dgm:styleLbl name="bgImgPlace1">
+    <dgm:scene3d>
+      <a:camera prst="orthographicFront"/>
+      <a:lightRig rig="threePt" dir="t"/>
+    </dgm:scene3d>
+    <dgm:sp3d/>
+    <dgm:txPr/>
+    <dgm:style>
+      <a:lnRef idx="2">
+        <a:scrgbClr r="0" g="0" b="0"/>
+      </a:lnRef>
+      <a:fillRef idx="1">
+        <a:scrgbClr r="0" g="0" b="0"/>
+      </a:fillRef>
+      <a:effectRef idx="0">
+        <a:scrgbClr r="0" g="0" b="0"/>
+      </a:effectRef>
+      <a:fontRef idx="minor"/>
+    </dgm:style>
+  </dgm:styleLbl>
+  <dgm:styleLbl name="sibTrans2D1">
+    <dgm:scene3d>
+      <a:camera prst="orthographicFront"/>
+      <a:lightRig rig="threePt" dir="t"/>
+    </dgm:scene3d>
+    <dgm:sp3d/>
+    <dgm:txPr/>
+    <dgm:style>
+      <a:lnRef idx="0">
+        <a:scrgbClr r="0" g="0" b="0"/>
+      </a:lnRef>
+      <a:fillRef idx="1">
+        <a:scrgbClr r="0" g="0" b="0"/>
+      </a:fillRef>
+      <a:effectRef idx="0">
+        <a:scrgbClr r="0" g="0" b="0"/>
+      </a:effectRef>
+      <a:fontRef idx="minor">
+        <a:schemeClr val="lt1"/>
+      </a:fontRef>
+    </dgm:style>
+  </dgm:styleLbl>
+  <dgm:styleLbl name="fgSibTrans2D1">
+    <dgm:scene3d>
+      <a:camera prst="orthographicFront"/>
+      <a:lightRig rig="threePt" dir="t"/>
+    </dgm:scene3d>
+    <dgm:sp3d/>
+    <dgm:txPr/>
+    <dgm:style>
+      <a:lnRef idx="0">
+        <a:scrgbClr r="0" g="0" b="0"/>
+      </a:lnRef>
+      <a:fillRef idx="1">
+        <a:scrgbClr r="0" g="0" b="0"/>
+      </a:fillRef>
+      <a:effectRef idx="0">
+        <a:scrgbClr r="0" g="0" b="0"/>
+      </a:effectRef>
+      <a:fontRef idx="minor">
+        <a:schemeClr val="lt1"/>
+      </a:fontRef>
+    </dgm:style>
+  </dgm:styleLbl>
+  <dgm:styleLbl name="bgSibTrans2D1">
+    <dgm:scene3d>
+      <a:camera prst="orthographicFront"/>
+      <a:lightRig rig="threePt" dir="t"/>
+    </dgm:scene3d>
+    <dgm:sp3d/>
+    <dgm:txPr/>
+    <dgm:style>
+      <a:lnRef idx="0">
+        <a:scrgbClr r="0" g="0" b="0"/>
+      </a:lnRef>
+      <a:fillRef idx="1">
+        <a:scrgbClr r="0" g="0" b="0"/>
+      </a:fillRef>
+      <a:effectRef idx="0">
+        <a:scrgbClr r="0" g="0" b="0"/>
+      </a:effectRef>
+      <a:fontRef idx="minor">
+        <a:schemeClr val="lt1"/>
+      </a:fontRef>
+    </dgm:style>
+  </dgm:styleLbl>
+  <dgm:styleLbl name="sibTrans1D1">
+    <dgm:scene3d>
+      <a:camera prst="orthographicFront"/>
+      <a:lightRig rig="threePt" dir="t"/>
+    </dgm:scene3d>
+    <dgm:sp3d/>
+    <dgm:txPr/>
+    <dgm:style>
+      <a:lnRef idx="1">
+        <a:scrgbClr r="0" g="0" b="0"/>
+      </a:lnRef>
+      <a:fillRef idx="0">
+        <a:scrgbClr r="0" g="0" b="0"/>
+      </a:fillRef>
+      <a:effectRef idx="0">
+        <a:scrgbClr r="0" g="0" b="0"/>
+      </a:effectRef>
+      <a:fontRef idx="minor"/>
+    </dgm:style>
+  </dgm:styleLbl>
+  <dgm:styleLbl name="callout">
+    <dgm:scene3d>
+      <a:camera prst="orthographicFront"/>
+      <a:lightRig rig="threePt" dir="t"/>
+    </dgm:scene3d>
+    <dgm:sp3d/>
+    <dgm:txPr/>
+    <dgm:style>
+      <a:lnRef idx="2">
+        <a:scrgbClr r="0" g="0" b="0"/>
+      </a:lnRef>
+      <a:fillRef idx="1">
+        <a:scrgbClr r="0" g="0" b="0"/>
+      </a:fillRef>
+      <a:effectRef idx="0">
+        <a:scrgbClr r="0" g="0" b="0"/>
+      </a:effectRef>
+      <a:fontRef idx="minor"/>
+    </dgm:style>
+  </dgm:styleLbl>
+  <dgm:styleLbl name="asst0">
+    <dgm:scene3d>
+      <a:camera prst="orthographicFront"/>
+      <a:lightRig rig="threePt" dir="t"/>
+    </dgm:scene3d>
+    <dgm:sp3d/>
+    <dgm:txPr/>
+    <dgm:style>
+      <a:lnRef idx="2">
+        <a:scrgbClr r="0" g="0" b="0"/>
+      </a:lnRef>
+      <a:fillRef idx="1">
+        <a:scrgbClr r="0" g="0" b="0"/>
+      </a:fillRef>
+      <a:effectRef idx="0">
+        <a:scrgbClr r="0" g="0" b="0"/>
+      </a:effectRef>
+      <a:fontRef idx="minor">
+        <a:schemeClr val="lt1"/>
+      </a:fontRef>
+    </dgm:style>
+  </dgm:styleLbl>
+  <dgm:styleLbl name="asst1">
+    <dgm:scene3d>
+      <a:camera prst="orthographicFront"/>
+      <a:lightRig rig="threePt" dir="t"/>
+    </dgm:scene3d>
+    <dgm:sp3d/>
+    <dgm:txPr/>
+    <dgm:style>
+      <a:lnRef idx="2">
+        <a:scrgbClr r="0" g="0" b="0"/>
+      </a:lnRef>
+      <a:fillRef idx="1">
+        <a:scrgbClr r="0" g="0" b="0"/>
+      </a:fillRef>
+      <a:effectRef idx="0">
+        <a:scrgbClr r="0" g="0" b="0"/>
+      </a:effectRef>
+      <a:fontRef idx="minor">
+        <a:schemeClr val="lt1"/>
+      </a:fontRef>
+    </dgm:style>
+  </dgm:styleLbl>
+  <dgm:styleLbl name="asst2">
+    <dgm:scene3d>
+      <a:camera prst="orthographicFront"/>
+      <a:lightRig rig="threePt" dir="t"/>
+    </dgm:scene3d>
+    <dgm:sp3d/>
+    <dgm:txPr/>
+    <dgm:style>
+      <a:lnRef idx="2">
+        <a:scrgbClr r="0" g="0" b="0"/>
+      </a:lnRef>
+      <a:fillRef idx="1">
+        <a:scrgbClr r="0" g="0" b="0"/>
+      </a:fillRef>
+      <a:effectRef idx="0">
+        <a:scrgbClr r="0" g="0" b="0"/>
+      </a:effectRef>
+      <a:fontRef idx="minor">
+        <a:schemeClr val="lt1"/>
+      </a:fontRef>
+    </dgm:style>
+  </dgm:styleLbl>
+  <dgm:styleLbl name="asst3">
+    <dgm:scene3d>
+      <a:camera prst="orthographicFront"/>
+      <a:lightRig rig="threePt" dir="t"/>
+    </dgm:scene3d>
+    <dgm:sp3d/>
+    <dgm:txPr/>
+    <dgm:style>
+      <a:lnRef idx="2">
+        <a:scrgbClr r="0" g="0" b="0"/>
+      </a:lnRef>
+      <a:fillRef idx="1">
+        <a:scrgbClr r="0" g="0" b="0"/>
+      </a:fillRef>
+      <a:effectRef idx="0">
+        <a:scrgbClr r="0" g="0" b="0"/>
+      </a:effectRef>
+      <a:fontRef idx="minor">
+        <a:schemeClr val="lt1"/>
+      </a:fontRef>
+    </dgm:style>
+  </dgm:styleLbl>
+  <dgm:styleLbl name="asst4">
+    <dgm:scene3d>
+      <a:camera prst="orthographicFront"/>
+      <a:lightRig rig="threePt" dir="t"/>
+    </dgm:scene3d>
+    <dgm:sp3d/>
+    <dgm:txPr/>
+    <dgm:style>
+      <a:lnRef idx="2">
+        <a:scrgbClr r="0" g="0" b="0"/>
+      </a:lnRef>
+      <a:fillRef idx="1">
+        <a:scrgbClr r="0" g="0" b="0"/>
+      </a:fillRef>
+      <a:effectRef idx="0">
+        <a:scrgbClr r="0" g="0" b="0"/>
+      </a:effectRef>
+      <a:fontRef idx="minor">
+        <a:schemeClr val="lt1"/>
+      </a:fontRef>
+    </dgm:style>
+  </dgm:styleLbl>
+  <dgm:styleLbl name="parChTrans2D1">
+    <dgm:scene3d>
+      <a:camera prst="orthographicFront"/>
+      <a:lightRig rig="threePt" dir="t"/>
+    </dgm:scene3d>
+    <dgm:sp3d/>
+    <dgm:txPr/>
+    <dgm:style>
+      <a:lnRef idx="2">
+        <a:scrgbClr r="0" g="0" b="0"/>
+      </a:lnRef>
+      <a:fillRef idx="1">
+        <a:scrgbClr r="0" g="0" b="0"/>
+      </a:fillRef>
+      <a:effectRef idx="0">
+        <a:scrgbClr r="0" g="0" b="0"/>
+      </a:effectRef>
+      <a:fontRef idx="minor">
+        <a:schemeClr val="lt1"/>
+      </a:fontRef>
+    </dgm:style>
+  </dgm:styleLbl>
+  <dgm:styleLbl name="parChTrans2D2">
+    <dgm:scene3d>
+      <a:camera prst="orthographicFront"/>
+      <a:lightRig rig="threePt" dir="t"/>
+    </dgm:scene3d>
+    <dgm:sp3d/>
+    <dgm:txPr/>
+    <dgm:style>
+      <a:lnRef idx="2">
+        <a:scrgbClr r="0" g="0" b="0"/>
+      </a:lnRef>
+      <a:fillRef idx="1">
+        <a:scrgbClr r="0" g="0" b="0"/>
+      </a:fillRef>
+      <a:effectRef idx="0">
+        <a:scrgbClr r="0" g="0" b="0"/>
+      </a:effectRef>
+      <a:fontRef idx="minor">
+        <a:schemeClr val="lt1"/>
+      </a:fontRef>
+    </dgm:style>
+  </dgm:styleLbl>
+  <dgm:styleLbl name="parChTrans2D3">
+    <dgm:scene3d>
+      <a:camera prst="orthographicFront"/>
+      <a:lightRig rig="threePt" dir="t"/>
+    </dgm:scene3d>
+    <dgm:sp3d/>
+    <dgm:txPr/>
+    <dgm:style>
+      <a:lnRef idx="2">
+        <a:scrgbClr r="0" g="0" b="0"/>
+      </a:lnRef>
+      <a:fillRef idx="1">
+        <a:scrgbClr r="0" g="0" b="0"/>
+      </a:fillRef>
+      <a:effectRef idx="0">
+        <a:scrgbClr r="0" g="0" b="0"/>
+      </a:effectRef>
+      <a:fontRef idx="minor">
+        <a:schemeClr val="lt1"/>
+      </a:fontRef>
+    </dgm:style>
+  </dgm:styleLbl>
+  <dgm:styleLbl name="parChTrans2D4">
+    <dgm:scene3d>
+      <a:camera prst="orthographicFront"/>
+      <a:lightRig rig="threePt" dir="t"/>
+    </dgm:scene3d>
+    <dgm:sp3d/>
+    <dgm:txPr/>
+    <dgm:style>
+      <a:lnRef idx="2">
+        <a:scrgbClr r="0" g="0" b="0"/>
+      </a:lnRef>
+      <a:fillRef idx="1">
+        <a:scrgbClr r="0" g="0" b="0"/>
+      </a:fillRef>
+      <a:effectRef idx="0">
+        <a:scrgbClr r="0" g="0" b="0"/>
+      </a:effectRef>
+      <a:fontRef idx="minor">
+        <a:schemeClr val="lt1"/>
+      </a:fontRef>
+    </dgm:style>
+  </dgm:styleLbl>
+  <dgm:styleLbl name="parChTrans1D1">
+    <dgm:scene3d>
+      <a:camera prst="orthographicFront"/>
+      <a:lightRig rig="threePt" dir="t"/>
+    </dgm:scene3d>
+    <dgm:sp3d/>
+    <dgm:txPr/>
+    <dgm:style>
+      <a:lnRef idx="2">
+        <a:scrgbClr r="0" g="0" b="0"/>
+      </a:lnRef>
+      <a:fillRef idx="0">
+        <a:scrgbClr r="0" g="0" b="0"/>
+      </a:fillRef>
+      <a:effectRef idx="0">
+        <a:scrgbClr r="0" g="0" b="0"/>
+      </a:effectRef>
+      <a:fontRef idx="minor"/>
+    </dgm:style>
+  </dgm:styleLbl>
+  <dgm:styleLbl name="parChTrans1D2">
+    <dgm:scene3d>
+      <a:camera prst="orthographicFront"/>
+      <a:lightRig rig="threePt" dir="t"/>
+    </dgm:scene3d>
+    <dgm:sp3d/>
+    <dgm:txPr/>
+    <dgm:style>
+      <a:lnRef idx="2">
+        <a:scrgbClr r="0" g="0" b="0"/>
+      </a:lnRef>
+      <a:fillRef idx="0">
+        <a:scrgbClr r="0" g="0" b="0"/>
+      </a:fillRef>
+      <a:effectRef idx="0">
+        <a:scrgbClr r="0" g="0" b="0"/>
+      </a:effectRef>
+      <a:fontRef idx="minor"/>
+    </dgm:style>
+  </dgm:styleLbl>
+  <dgm:styleLbl name="parChTrans1D3">
+    <dgm:scene3d>
+      <a:camera prst="orthographicFront"/>
+      <a:lightRig rig="threePt" dir="t"/>
+    </dgm:scene3d>
+    <dgm:sp3d/>
+    <dgm:txPr/>
+    <dgm:style>
+      <a:lnRef idx="2">
+        <a:scrgbClr r="0" g="0" b="0"/>
+      </a:lnRef>
+      <a:fillRef idx="0">
+        <a:scrgbClr r="0" g="0" b="0"/>
+      </a:fillRef>
+      <a:effectRef idx="0">
+        <a:scrgbClr r="0" g="0" b="0"/>
+      </a:effectRef>
+      <a:fontRef idx="minor"/>
+    </dgm:style>
+  </dgm:styleLbl>
+  <dgm:styleLbl name="parChTrans1D4">
+    <dgm:scene3d>
+      <a:camera prst="orthographicFront"/>
+      <a:lightRig rig="threePt" dir="t"/>
+    </dgm:scene3d>
+    <dgm:sp3d/>
+    <dgm:txPr/>
+    <dgm:style>
+      <a:lnRef idx="2">
+        <a:scrgbClr r="0" g="0" b="0"/>
+      </a:lnRef>
+      <a:fillRef idx="0">
+        <a:scrgbClr r="0" g="0" b="0"/>
+      </a:fillRef>
+      <a:effectRef idx="0">
+        <a:scrgbClr r="0" g="0" b="0"/>
+      </a:effectRef>
+      <a:fontRef idx="minor"/>
+    </dgm:style>
+  </dgm:styleLbl>
+  <dgm:styleLbl name="fgAcc1">
+    <dgm:scene3d>
+      <a:camera prst="orthographicFront"/>
+      <a:lightRig rig="threePt" dir="t"/>
+    </dgm:scene3d>
+    <dgm:sp3d/>
+    <dgm:txPr/>
+    <dgm:style>
+      <a:lnRef idx="2">
+        <a:scrgbClr r="0" g="0" b="0"/>
+      </a:lnRef>
+      <a:fillRef idx="1">
+        <a:scrgbClr r="0" g="0" b="0"/>
+      </a:fillRef>
+      <a:effectRef idx="0">
+        <a:scrgbClr r="0" g="0" b="0"/>
+      </a:effectRef>
+      <a:fontRef idx="minor"/>
+    </dgm:style>
+  </dgm:styleLbl>
+  <dgm:styleLbl name="conFgAcc1">
+    <dgm:scene3d>
+      <a:camera prst="orthographicFront"/>
+      <a:lightRig rig="threePt" dir="t"/>
+    </dgm:scene3d>
+    <dgm:sp3d/>
+    <dgm:txPr/>
+    <dgm:style>
+      <a:lnRef idx="2">
+        <a:scrgbClr r="0" g="0" b="0"/>
+      </a:lnRef>
+      <a:fillRef idx="1">
+        <a:scrgbClr r="0" g="0" b="0"/>
+      </a:fillRef>
+      <a:effectRef idx="0">
+        <a:scrgbClr r="0" g="0" b="0"/>
+      </a:effectRef>
+      <a:fontRef idx="minor"/>
+    </dgm:style>
+  </dgm:styleLbl>
+  <dgm:styleLbl name="alignAcc1">
+    <dgm:scene3d>
+      <a:camera prst="orthographicFront"/>
+      <a:lightRig rig="threePt" dir="t"/>
+    </dgm:scene3d>
+    <dgm:sp3d/>
+    <dgm:txPr/>
+    <dgm:style>
+      <a:lnRef idx="2">
+        <a:scrgbClr r="0" g="0" b="0"/>
+      </a:lnRef>
+      <a:fillRef idx="1">
+        <a:scrgbClr r="0" g="0" b="0"/>
+      </a:fillRef>
+      <a:effectRef idx="0">
+        <a:scrgbClr r="0" g="0" b="0"/>
+      </a:effectRef>
+      <a:fontRef idx="minor"/>
+    </dgm:style>
+  </dgm:styleLbl>
+  <dgm:styleLbl name="trAlignAcc1">
+    <dgm:scene3d>
+      <a:camera prst="orthographicFront"/>
+      <a:lightRig rig="threePt" dir="t"/>
+    </dgm:scene3d>
+    <dgm:sp3d/>
+    <dgm:txPr/>
+    <dgm:style>
+      <a:lnRef idx="1">
+        <a:scrgbClr r="0" g="0" b="0"/>
+      </a:lnRef>
+      <a:fillRef idx="1">
+        <a:scrgbClr r="0" g="0" b="0"/>
+      </a:fillRef>
+      <a:effectRef idx="0">
+        <a:scrgbClr r="0" g="0" b="0"/>
+      </a:effectRef>
+      <a:fontRef idx="minor"/>
+    </dgm:style>
+  </dgm:styleLbl>
+  <dgm:styleLbl name="bgAcc1">
+    <dgm:scene3d>
+      <a:camera prst="orthographicFront"/>
+      <a:lightRig rig="threePt" dir="t"/>
+    </dgm:scene3d>
+    <dgm:sp3d/>
+    <dgm:txPr/>
+    <dgm:style>
+      <a:lnRef idx="2">
+        <a:scrgbClr r="0" g="0" b="0"/>
+      </a:lnRef>
+      <a:fillRef idx="1">
+        <a:scrgbClr r="0" g="0" b="0"/>
+      </a:fillRef>
+      <a:effectRef idx="0">
+        <a:scrgbClr r="0" g="0" b="0"/>
+      </a:effectRef>
+      <a:fontRef idx="minor"/>
+    </dgm:style>
+  </dgm:styleLbl>
+  <dgm:styleLbl name="solidFgAcc1">
+    <dgm:scene3d>
+      <a:camera prst="orthographicFront"/>
+      <a:lightRig rig="threePt" dir="t"/>
+    </dgm:scene3d>
+    <dgm:sp3d/>
+    <dgm:txPr/>
+    <dgm:style>
+      <a:lnRef idx="2">
+        <a:scrgbClr r="0" g="0" b="0"/>
+      </a:lnRef>
+      <a:fillRef idx="1">
+        <a:scrgbClr r="0" g="0" b="0"/>
+      </a:fillRef>
+      <a:effectRef idx="0">
+        <a:scrgbClr r="0" g="0" b="0"/>
+      </a:effectRef>
+      <a:fontRef idx="minor"/>
+    </dgm:style>
+  </dgm:styleLbl>
+  <dgm:styleLbl name="solidAlignAcc1">
+    <dgm:scene3d>
+      <a:camera prst="orthographicFront"/>
+      <a:lightRig rig="threePt" dir="t"/>
+    </dgm:scene3d>
+    <dgm:sp3d/>
+    <dgm:txPr/>
+    <dgm:style>
+      <a:lnRef idx="2">
+        <a:scrgbClr r="0" g="0" b="0"/>
+      </a:lnRef>
+      <a:fillRef idx="1">
+        <a:scrgbClr r="0" g="0" b="0"/>
+      </a:fillRef>
+      <a:effectRef idx="0">
+        <a:scrgbClr r="0" g="0" b="0"/>
+      </a:effectRef>
+      <a:fontRef idx="minor"/>
+    </dgm:style>
+  </dgm:styleLbl>
+  <dgm:styleLbl name="solidBgAcc1">
+    <dgm:scene3d>
+      <a:camera prst="orthographicFront"/>
+      <a:lightRig rig="threePt" dir="t"/>
+    </dgm:scene3d>
+    <dgm:sp3d/>
+    <dgm:txPr/>
+    <dgm:style>
+      <a:lnRef idx="2">
+        <a:scrgbClr r="0" g="0" b="0"/>
+      </a:lnRef>
+      <a:fillRef idx="1">
+        <a:scrgbClr r="0" g="0" b="0"/>
+      </a:fillRef>
+      <a:effectRef idx="0">
+        <a:scrgbClr r="0" g="0" b="0"/>
+      </a:effectRef>
+      <a:fontRef idx="minor"/>
+    </dgm:style>
+  </dgm:styleLbl>
+  <dgm:styleLbl name="fgAccFollowNode1">
+    <dgm:scene3d>
+      <a:camera prst="orthographicFront"/>
+      <a:lightRig rig="threePt" dir="t"/>
+    </dgm:scene3d>
+    <dgm:sp3d/>
+    <dgm:txPr/>
+    <dgm:style>
+      <a:lnRef idx="2">
+        <a:scrgbClr r="0" g="0" b="0"/>
+      </a:lnRef>
+      <a:fillRef idx="1">
+        <a:scrgbClr r="0" g="0" b="0"/>
+      </a:fillRef>
+      <a:effectRef idx="0">
+        <a:scrgbClr r="0" g="0" b="0"/>
+      </a:effectRef>
+      <a:fontRef idx="minor"/>
+    </dgm:style>
+  </dgm:styleLbl>
+  <dgm:styleLbl name="alignAccFollowNode1">
+    <dgm:scene3d>
+      <a:camera prst="orthographicFront"/>
+      <a:lightRig rig="threePt" dir="t"/>
+    </dgm:scene3d>
+    <dgm:sp3d/>
+    <dgm:txPr/>
+    <dgm:style>
+      <a:lnRef idx="2">
+        <a:scrgbClr r="0" g="0" b="0"/>
+      </a:lnRef>
+      <a:fillRef idx="1">
+        <a:scrgbClr r="0" g="0" b="0"/>
+      </a:fillRef>
+      <a:effectRef idx="0">
+        <a:scrgbClr r="0" g="0" b="0"/>
+      </a:effectRef>
+      <a:fontRef idx="minor"/>
+    </dgm:style>
+  </dgm:styleLbl>
+  <dgm:styleLbl name="bgAccFollowNode1">
+    <dgm:scene3d>
+      <a:camera prst="orthographicFront"/>
+      <a:lightRig rig="threePt" dir="t"/>
+    </dgm:scene3d>
+    <dgm:sp3d/>
+    <dgm:txPr/>
+    <dgm:style>
+      <a:lnRef idx="2">
+        <a:scrgbClr r="0" g="0" b="0"/>
+      </a:lnRef>
+      <a:fillRef idx="1">
+        <a:scrgbClr r="0" g="0" b="0"/>
+      </a:fillRef>
+      <a:effectRef idx="0">
+        <a:scrgbClr r="0" g="0" b="0"/>
+      </a:effectRef>
+      <a:fontRef idx="minor"/>
+    </dgm:style>
+  </dgm:styleLbl>
+  <dgm:styleLbl name="fgAcc0">
+    <dgm:scene3d>
+      <a:camera prst="orthographicFront"/>
+      <a:lightRig rig="threePt" dir="t"/>
+    </dgm:scene3d>
+    <dgm:sp3d/>
+    <dgm:txPr/>
+    <dgm:style>
+      <a:lnRef idx="2">
+        <a:scrgbClr r="0" g="0" b="0"/>
+      </a:lnRef>
+      <a:fillRef idx="1">
+        <a:scrgbClr r="0" g="0" b="0"/>
+      </a:fillRef>
+      <a:effectRef idx="0">
+        <a:scrgbClr r="0" g="0" b="0"/>
+      </a:effectRef>
+      <a:fontRef idx="minor"/>
+    </dgm:style>
+  </dgm:styleLbl>
+  <dgm:styleLbl name="fgAcc2">
+    <dgm:scene3d>
+      <a:camera prst="orthographicFront"/>
+      <a:lightRig rig="threePt" dir="t"/>
+    </dgm:scene3d>
+    <dgm:sp3d/>
+    <dgm:txPr/>
+    <dgm:style>
+      <a:lnRef idx="2">
+        <a:scrgbClr r="0" g="0" b="0"/>
+      </a:lnRef>
+      <a:fillRef idx="1">
+        <a:scrgbClr r="0" g="0" b="0"/>
+      </a:fillRef>
+      <a:effectRef idx="0">
+        <a:scrgbClr r="0" g="0" b="0"/>
+      </a:effectRef>
+      <a:fontRef idx="minor"/>
+    </dgm:style>
+  </dgm:styleLbl>
+  <dgm:styleLbl name="fgAcc3">
+    <dgm:scene3d>
+      <a:camera prst="orthographicFront"/>
+      <a:lightRig rig="threePt" dir="t"/>
+    </dgm:scene3d>
+    <dgm:sp3d/>
+    <dgm:txPr/>
+    <dgm:style>
+      <a:lnRef idx="2">
+        <a:scrgbClr r="0" g="0" b="0"/>
+      </a:lnRef>
+      <a:fillRef idx="1">
+        <a:scrgbClr r="0" g="0" b="0"/>
+      </a:fillRef>
+      <a:effectRef idx="0">
+        <a:scrgbClr r="0" g="0" b="0"/>
+      </a:effectRef>
+      <a:fontRef idx="minor"/>
+    </dgm:style>
+  </dgm:styleLbl>
+  <dgm:styleLbl name="fgAcc4">
+    <dgm:scene3d>
+      <a:camera prst="orthographicFront"/>
+      <a:lightRig rig="threePt" dir="t"/>
+    </dgm:scene3d>
+    <dgm:sp3d/>
+    <dgm:txPr/>
+    <dgm:style>
+      <a:lnRef idx="2">
+        <a:scrgbClr r="0" g="0" b="0"/>
+      </a:lnRef>
+      <a:fillRef idx="1">
+        <a:scrgbClr r="0" g="0" b="0"/>
+      </a:fillRef>
+      <a:effectRef idx="0">
+        <a:scrgbClr r="0" g="0" b="0"/>
+      </a:effectRef>
+      <a:fontRef idx="minor"/>
+    </dgm:style>
+  </dgm:styleLbl>
+  <dgm:styleLbl name="bgShp">
+    <dgm:scene3d>
+      <a:camera prst="orthographicFront"/>
+      <a:lightRig rig="threePt" dir="t"/>
+    </dgm:scene3d>
+    <dgm:sp3d/>
+    <dgm:txPr/>
+    <dgm:style>
+      <a:lnRef idx="0">
+        <a:scrgbClr r="0" g="0" b="0"/>
+      </a:lnRef>
+      <a:fillRef idx="1">
+        <a:scrgbClr r="0" g="0" b="0"/>
+      </a:fillRef>
+      <a:effectRef idx="0">
+        <a:scrgbClr r="0" g="0" b="0"/>
+      </a:effectRef>
+      <a:fontRef idx="minor"/>
+    </dgm:style>
+  </dgm:styleLbl>
+  <dgm:styleLbl name="dkBgShp">
+    <dgm:scene3d>
+      <a:camera prst="orthographicFront"/>
+      <a:lightRig rig="threePt" dir="t"/>
+    </dgm:scene3d>
+    <dgm:sp3d/>
+    <dgm:txPr/>
+    <dgm:style>
+      <a:lnRef idx="0">
+        <a:scrgbClr r="0" g="0" b="0"/>
+      </a:lnRef>
+      <a:fillRef idx="1">
+        <a:scrgbClr r="0" g="0" b="0"/>
+      </a:fillRef>
+      <a:effectRef idx="0">
+        <a:scrgbClr r="0" g="0" b="0"/>
+      </a:effectRef>
+      <a:fontRef idx="minor"/>
+    </dgm:style>
+  </dgm:styleLbl>
+  <dgm:styleLbl name="trBgShp">
+    <dgm:scene3d>
+      <a:camera prst="orthographicFront"/>
+      <a:lightRig rig="threePt" dir="t"/>
+    </dgm:scene3d>
+    <dgm:sp3d/>
+    <dgm:txPr/>
+    <dgm:style>
+      <a:lnRef idx="0">
+        <a:scrgbClr r="0" g="0" b="0"/>
+      </a:lnRef>
+      <a:fillRef idx="1">
+        <a:scrgbClr r="0" g="0" b="0"/>
+      </a:fillRef>
+      <a:effectRef idx="0">
+        <a:scrgbClr r="0" g="0" b="0"/>
+      </a:effectRef>
+      <a:fontRef idx="minor"/>
+    </dgm:style>
+  </dgm:styleLbl>
+  <dgm:styleLbl name="fgShp">
+    <dgm:scene3d>
+      <a:camera prst="orthographicFront"/>
+      <a:lightRig rig="threePt" dir="t"/>
+    </dgm:scene3d>
+    <dgm:sp3d/>
+    <dgm:txPr/>
+    <dgm:style>
+      <a:lnRef idx="2">
+        <a:scrgbClr r="0" g="0" b="0"/>
+      </a:lnRef>
+      <a:fillRef idx="1">
+        <a:scrgbClr r="0" g="0" b="0"/>
+      </a:fillRef>
+      <a:effectRef idx="0">
+        <a:scrgbClr r="0" g="0" b="0"/>
+      </a:effectRef>
+      <a:fontRef idx="minor"/>
+    </dgm:style>
+  </dgm:styleLbl>
+  <dgm:styleLbl name="revTx">
+    <dgm:scene3d>
+      <a:camera prst="orthographicFront"/>
+      <a:lightRig rig="threePt" dir="t"/>
+    </dgm:scene3d>
+    <dgm:sp3d/>
+    <dgm:txPr/>
+    <dgm:style>
+      <a:lnRef idx="0">
+        <a:scrgbClr r="0" g="0" b="0"/>
+      </a:lnRef>
+      <a:fillRef idx="0">
+        <a:scrgbClr r="0" g="0" b="0"/>
+      </a:fillRef>
+      <a:effectRef idx="0">
+        <a:scrgbClr r="0" g="0" b="0"/>
+      </a:effectRef>
+      <a:fontRef idx="minor"/>
+    </dgm:style>
+  </dgm:styleLbl>
+</dgm:styleDef>
 </file>
 
 <file path=ppt/slideLayouts/slideLayout1.xml><?xml version="1.0" encoding="utf-8"?>
@@ -7783,7 +13800,7 @@
           <p:cNvPr id="2" name="Imagen 1">
             <a:extLst>
               <a:ext uri="{FF2B5EF4-FFF2-40B4-BE49-F238E27FC236}">
-                <a16:creationId xmlns:a16="http://schemas.microsoft.com/office/drawing/2014/main" id="{A652FB73-A053-428B-9C7B-41EEF2BF502C}"/>
+                <a16:creationId xmlns:a16="http://schemas.microsoft.com/office/drawing/2014/main" xmlns="" id="{A652FB73-A053-428B-9C7B-41EEF2BF502C}"/>
               </a:ext>
             </a:extLst>
           </p:cNvPr>
@@ -7843,7 +13860,7 @@
           <p:cNvPr id="2" name="Marcador de contenido 1">
             <a:extLst>
               <a:ext uri="{FF2B5EF4-FFF2-40B4-BE49-F238E27FC236}">
-                <a16:creationId xmlns:a16="http://schemas.microsoft.com/office/drawing/2014/main" id="{BFB8CA3A-775A-4283-B473-CBA3C699E771}"/>
+                <a16:creationId xmlns:a16="http://schemas.microsoft.com/office/drawing/2014/main" xmlns="" id="{BFB8CA3A-775A-4283-B473-CBA3C699E771}"/>
               </a:ext>
             </a:extLst>
           </p:cNvPr>
@@ -7873,14 +13890,14 @@
                 <a:gridCol w="5304444">
                   <a:extLst>
                     <a:ext uri="{9D8B030D-6E8A-4147-A177-3AD203B41FA5}">
-                      <a16:colId xmlns:a16="http://schemas.microsoft.com/office/drawing/2014/main" val="2602485393"/>
+                      <a16:colId xmlns:a16="http://schemas.microsoft.com/office/drawing/2014/main" xmlns="" val="2602485393"/>
                     </a:ext>
                   </a:extLst>
                 </a:gridCol>
                 <a:gridCol w="1728977">
                   <a:extLst>
                     <a:ext uri="{9D8B030D-6E8A-4147-A177-3AD203B41FA5}">
-                      <a16:colId xmlns:a16="http://schemas.microsoft.com/office/drawing/2014/main" val="2786604418"/>
+                      <a16:colId xmlns:a16="http://schemas.microsoft.com/office/drawing/2014/main" xmlns="" val="2786604418"/>
                     </a:ext>
                   </a:extLst>
                 </a:gridCol>
@@ -7968,7 +13985,7 @@
                 </a:tc>
                 <a:extLst>
                   <a:ext uri="{0D108BD9-81ED-4DB2-BD59-A6C34878D82A}">
-                    <a16:rowId xmlns:a16="http://schemas.microsoft.com/office/drawing/2014/main" val="680232555"/>
+                    <a16:rowId xmlns:a16="http://schemas.microsoft.com/office/drawing/2014/main" xmlns="" val="680232555"/>
                   </a:ext>
                 </a:extLst>
               </a:tr>
@@ -8055,7 +14072,7 @@
                 </a:tc>
                 <a:extLst>
                   <a:ext uri="{0D108BD9-81ED-4DB2-BD59-A6C34878D82A}">
-                    <a16:rowId xmlns:a16="http://schemas.microsoft.com/office/drawing/2014/main" val="3577557739"/>
+                    <a16:rowId xmlns:a16="http://schemas.microsoft.com/office/drawing/2014/main" xmlns="" val="3577557739"/>
                   </a:ext>
                 </a:extLst>
               </a:tr>
@@ -8142,7 +14159,7 @@
                 </a:tc>
                 <a:extLst>
                   <a:ext uri="{0D108BD9-81ED-4DB2-BD59-A6C34878D82A}">
-                    <a16:rowId xmlns:a16="http://schemas.microsoft.com/office/drawing/2014/main" val="3154357346"/>
+                    <a16:rowId xmlns:a16="http://schemas.microsoft.com/office/drawing/2014/main" xmlns="" val="3154357346"/>
                   </a:ext>
                 </a:extLst>
               </a:tr>
@@ -8229,7 +14246,7 @@
                 </a:tc>
                 <a:extLst>
                   <a:ext uri="{0D108BD9-81ED-4DB2-BD59-A6C34878D82A}">
-                    <a16:rowId xmlns:a16="http://schemas.microsoft.com/office/drawing/2014/main" val="2015189163"/>
+                    <a16:rowId xmlns:a16="http://schemas.microsoft.com/office/drawing/2014/main" xmlns="" val="2015189163"/>
                   </a:ext>
                 </a:extLst>
               </a:tr>
@@ -8316,7 +14333,7 @@
                 </a:tc>
                 <a:extLst>
                   <a:ext uri="{0D108BD9-81ED-4DB2-BD59-A6C34878D82A}">
-                    <a16:rowId xmlns:a16="http://schemas.microsoft.com/office/drawing/2014/main" val="3033574485"/>
+                    <a16:rowId xmlns:a16="http://schemas.microsoft.com/office/drawing/2014/main" xmlns="" val="3033574485"/>
                   </a:ext>
                 </a:extLst>
               </a:tr>
@@ -8403,7 +14420,7 @@
                 </a:tc>
                 <a:extLst>
                   <a:ext uri="{0D108BD9-81ED-4DB2-BD59-A6C34878D82A}">
-                    <a16:rowId xmlns:a16="http://schemas.microsoft.com/office/drawing/2014/main" val="105546820"/>
+                    <a16:rowId xmlns:a16="http://schemas.microsoft.com/office/drawing/2014/main" xmlns="" val="105546820"/>
                   </a:ext>
                 </a:extLst>
               </a:tr>
@@ -8490,7 +14507,7 @@
                 </a:tc>
                 <a:extLst>
                   <a:ext uri="{0D108BD9-81ED-4DB2-BD59-A6C34878D82A}">
-                    <a16:rowId xmlns:a16="http://schemas.microsoft.com/office/drawing/2014/main" val="1824869552"/>
+                    <a16:rowId xmlns:a16="http://schemas.microsoft.com/office/drawing/2014/main" xmlns="" val="1824869552"/>
                   </a:ext>
                 </a:extLst>
               </a:tr>
@@ -8577,7 +14594,7 @@
                 </a:tc>
                 <a:extLst>
                   <a:ext uri="{0D108BD9-81ED-4DB2-BD59-A6C34878D82A}">
-                    <a16:rowId xmlns:a16="http://schemas.microsoft.com/office/drawing/2014/main" val="3109995033"/>
+                    <a16:rowId xmlns:a16="http://schemas.microsoft.com/office/drawing/2014/main" xmlns="" val="3109995033"/>
                   </a:ext>
                 </a:extLst>
               </a:tr>
@@ -8664,7 +14681,7 @@
                 </a:tc>
                 <a:extLst>
                   <a:ext uri="{0D108BD9-81ED-4DB2-BD59-A6C34878D82A}">
-                    <a16:rowId xmlns:a16="http://schemas.microsoft.com/office/drawing/2014/main" val="3267673382"/>
+                    <a16:rowId xmlns:a16="http://schemas.microsoft.com/office/drawing/2014/main" xmlns="" val="3267673382"/>
                   </a:ext>
                 </a:extLst>
               </a:tr>
@@ -8751,7 +14768,7 @@
                 </a:tc>
                 <a:extLst>
                   <a:ext uri="{0D108BD9-81ED-4DB2-BD59-A6C34878D82A}">
-                    <a16:rowId xmlns:a16="http://schemas.microsoft.com/office/drawing/2014/main" val="1788793914"/>
+                    <a16:rowId xmlns:a16="http://schemas.microsoft.com/office/drawing/2014/main" xmlns="" val="1788793914"/>
                   </a:ext>
                 </a:extLst>
               </a:tr>
@@ -8838,7 +14855,7 @@
                 </a:tc>
                 <a:extLst>
                   <a:ext uri="{0D108BD9-81ED-4DB2-BD59-A6C34878D82A}">
-                    <a16:rowId xmlns:a16="http://schemas.microsoft.com/office/drawing/2014/main" val="758896334"/>
+                    <a16:rowId xmlns:a16="http://schemas.microsoft.com/office/drawing/2014/main" xmlns="" val="758896334"/>
                   </a:ext>
                 </a:extLst>
               </a:tr>
@@ -8925,7 +14942,7 @@
                 </a:tc>
                 <a:extLst>
                   <a:ext uri="{0D108BD9-81ED-4DB2-BD59-A6C34878D82A}">
-                    <a16:rowId xmlns:a16="http://schemas.microsoft.com/office/drawing/2014/main" val="2965732642"/>
+                    <a16:rowId xmlns:a16="http://schemas.microsoft.com/office/drawing/2014/main" xmlns="" val="2965732642"/>
                   </a:ext>
                 </a:extLst>
               </a:tr>
@@ -9012,7 +15029,7 @@
                 </a:tc>
                 <a:extLst>
                   <a:ext uri="{0D108BD9-81ED-4DB2-BD59-A6C34878D82A}">
-                    <a16:rowId xmlns:a16="http://schemas.microsoft.com/office/drawing/2014/main" val="456296594"/>
+                    <a16:rowId xmlns:a16="http://schemas.microsoft.com/office/drawing/2014/main" xmlns="" val="456296594"/>
                   </a:ext>
                 </a:extLst>
               </a:tr>
@@ -9099,7 +15116,7 @@
                 </a:tc>
                 <a:extLst>
                   <a:ext uri="{0D108BD9-81ED-4DB2-BD59-A6C34878D82A}">
-                    <a16:rowId xmlns:a16="http://schemas.microsoft.com/office/drawing/2014/main" val="1809744462"/>
+                    <a16:rowId xmlns:a16="http://schemas.microsoft.com/office/drawing/2014/main" xmlns="" val="1809744462"/>
                   </a:ext>
                 </a:extLst>
               </a:tr>
@@ -9186,7 +15203,7 @@
                 </a:tc>
                 <a:extLst>
                   <a:ext uri="{0D108BD9-81ED-4DB2-BD59-A6C34878D82A}">
-                    <a16:rowId xmlns:a16="http://schemas.microsoft.com/office/drawing/2014/main" val="3437766592"/>
+                    <a16:rowId xmlns:a16="http://schemas.microsoft.com/office/drawing/2014/main" xmlns="" val="3437766592"/>
                   </a:ext>
                 </a:extLst>
               </a:tr>
@@ -9351,7 +15368,7 @@
           <p:cNvPr id="6" name="Marcador de contenido 5">
             <a:extLst>
               <a:ext uri="{FF2B5EF4-FFF2-40B4-BE49-F238E27FC236}">
-                <a16:creationId xmlns:a16="http://schemas.microsoft.com/office/drawing/2014/main" id="{33CC28FB-25F0-4849-B092-1742F3204970}"/>
+                <a16:creationId xmlns:a16="http://schemas.microsoft.com/office/drawing/2014/main" xmlns="" id="{33CC28FB-25F0-4849-B092-1742F3204970}"/>
               </a:ext>
             </a:extLst>
           </p:cNvPr>
@@ -9381,42 +15398,42 @@
                 <a:gridCol w="1224043">
                   <a:extLst>
                     <a:ext uri="{9D8B030D-6E8A-4147-A177-3AD203B41FA5}">
-                      <a16:colId xmlns:a16="http://schemas.microsoft.com/office/drawing/2014/main" val="1021433285"/>
+                      <a16:colId xmlns:a16="http://schemas.microsoft.com/office/drawing/2014/main" xmlns="" val="1021433285"/>
                     </a:ext>
                   </a:extLst>
                 </a:gridCol>
                 <a:gridCol w="937437">
                   <a:extLst>
                     <a:ext uri="{9D8B030D-6E8A-4147-A177-3AD203B41FA5}">
-                      <a16:colId xmlns:a16="http://schemas.microsoft.com/office/drawing/2014/main" val="1809417385"/>
+                      <a16:colId xmlns:a16="http://schemas.microsoft.com/office/drawing/2014/main" xmlns="" val="1809417385"/>
                     </a:ext>
                   </a:extLst>
                 </a:gridCol>
                 <a:gridCol w="937437">
                   <a:extLst>
                     <a:ext uri="{9D8B030D-6E8A-4147-A177-3AD203B41FA5}">
-                      <a16:colId xmlns:a16="http://schemas.microsoft.com/office/drawing/2014/main" val="1689638878"/>
+                      <a16:colId xmlns:a16="http://schemas.microsoft.com/office/drawing/2014/main" xmlns="" val="1689638878"/>
                     </a:ext>
                   </a:extLst>
                 </a:gridCol>
                 <a:gridCol w="937437">
                   <a:extLst>
                     <a:ext uri="{9D8B030D-6E8A-4147-A177-3AD203B41FA5}">
-                      <a16:colId xmlns:a16="http://schemas.microsoft.com/office/drawing/2014/main" val="2762686330"/>
+                      <a16:colId xmlns:a16="http://schemas.microsoft.com/office/drawing/2014/main" xmlns="" val="2762686330"/>
                     </a:ext>
                   </a:extLst>
                 </a:gridCol>
                 <a:gridCol w="818278">
                   <a:extLst>
                     <a:ext uri="{9D8B030D-6E8A-4147-A177-3AD203B41FA5}">
-                      <a16:colId xmlns:a16="http://schemas.microsoft.com/office/drawing/2014/main" val="2113957765"/>
+                      <a16:colId xmlns:a16="http://schemas.microsoft.com/office/drawing/2014/main" xmlns="" val="2113957765"/>
                     </a:ext>
                   </a:extLst>
                 </a:gridCol>
                 <a:gridCol w="999168">
                   <a:extLst>
                     <a:ext uri="{9D8B030D-6E8A-4147-A177-3AD203B41FA5}">
-                      <a16:colId xmlns:a16="http://schemas.microsoft.com/office/drawing/2014/main" val="2495045676"/>
+                      <a16:colId xmlns:a16="http://schemas.microsoft.com/office/drawing/2014/main" xmlns="" val="2495045676"/>
                     </a:ext>
                   </a:extLst>
                 </a:gridCol>
@@ -9666,7 +15683,7 @@
                 </a:tc>
                 <a:extLst>
                   <a:ext uri="{0D108BD9-81ED-4DB2-BD59-A6C34878D82A}">
-                    <a16:rowId xmlns:a16="http://schemas.microsoft.com/office/drawing/2014/main" val="1205791969"/>
+                    <a16:rowId xmlns:a16="http://schemas.microsoft.com/office/drawing/2014/main" xmlns="" val="1205791969"/>
                   </a:ext>
                 </a:extLst>
               </a:tr>
@@ -9960,7 +15977,7 @@
                 </a:tc>
                 <a:extLst>
                   <a:ext uri="{0D108BD9-81ED-4DB2-BD59-A6C34878D82A}">
-                    <a16:rowId xmlns:a16="http://schemas.microsoft.com/office/drawing/2014/main" val="3190319937"/>
+                    <a16:rowId xmlns:a16="http://schemas.microsoft.com/office/drawing/2014/main" xmlns="" val="3190319937"/>
                   </a:ext>
                 </a:extLst>
               </a:tr>
@@ -10355,7 +16372,7 @@
                 </a:tc>
                 <a:extLst>
                   <a:ext uri="{0D108BD9-81ED-4DB2-BD59-A6C34878D82A}">
-                    <a16:rowId xmlns:a16="http://schemas.microsoft.com/office/drawing/2014/main" val="3057983255"/>
+                    <a16:rowId xmlns:a16="http://schemas.microsoft.com/office/drawing/2014/main" xmlns="" val="3057983255"/>
                   </a:ext>
                 </a:extLst>
               </a:tr>
@@ -10685,7 +16702,7 @@
                 </a:tc>
                 <a:extLst>
                   <a:ext uri="{0D108BD9-81ED-4DB2-BD59-A6C34878D82A}">
-                    <a16:rowId xmlns:a16="http://schemas.microsoft.com/office/drawing/2014/main" val="142723232"/>
+                    <a16:rowId xmlns:a16="http://schemas.microsoft.com/office/drawing/2014/main" xmlns="" val="142723232"/>
                   </a:ext>
                 </a:extLst>
               </a:tr>
@@ -11015,7 +17032,7 @@
                 </a:tc>
                 <a:extLst>
                   <a:ext uri="{0D108BD9-81ED-4DB2-BD59-A6C34878D82A}">
-                    <a16:rowId xmlns:a16="http://schemas.microsoft.com/office/drawing/2014/main" val="2010654794"/>
+                    <a16:rowId xmlns:a16="http://schemas.microsoft.com/office/drawing/2014/main" xmlns="" val="2010654794"/>
                   </a:ext>
                 </a:extLst>
               </a:tr>
@@ -11355,7 +17372,7 @@
                 </a:tc>
                 <a:extLst>
                   <a:ext uri="{0D108BD9-81ED-4DB2-BD59-A6C34878D82A}">
-                    <a16:rowId xmlns:a16="http://schemas.microsoft.com/office/drawing/2014/main" val="3090693922"/>
+                    <a16:rowId xmlns:a16="http://schemas.microsoft.com/office/drawing/2014/main" xmlns="" val="3090693922"/>
                   </a:ext>
                 </a:extLst>
               </a:tr>
@@ -11750,7 +17767,7 @@
                 </a:tc>
                 <a:extLst>
                   <a:ext uri="{0D108BD9-81ED-4DB2-BD59-A6C34878D82A}">
-                    <a16:rowId xmlns:a16="http://schemas.microsoft.com/office/drawing/2014/main" val="627599904"/>
+                    <a16:rowId xmlns:a16="http://schemas.microsoft.com/office/drawing/2014/main" xmlns="" val="627599904"/>
                   </a:ext>
                 </a:extLst>
               </a:tr>
@@ -12080,7 +18097,7 @@
                 </a:tc>
                 <a:extLst>
                   <a:ext uri="{0D108BD9-81ED-4DB2-BD59-A6C34878D82A}">
-                    <a16:rowId xmlns:a16="http://schemas.microsoft.com/office/drawing/2014/main" val="2241206887"/>
+                    <a16:rowId xmlns:a16="http://schemas.microsoft.com/office/drawing/2014/main" xmlns="" val="2241206887"/>
                   </a:ext>
                 </a:extLst>
               </a:tr>
@@ -12410,7 +18427,7 @@
                 </a:tc>
                 <a:extLst>
                   <a:ext uri="{0D108BD9-81ED-4DB2-BD59-A6C34878D82A}">
-                    <a16:rowId xmlns:a16="http://schemas.microsoft.com/office/drawing/2014/main" val="552371880"/>
+                    <a16:rowId xmlns:a16="http://schemas.microsoft.com/office/drawing/2014/main" xmlns="" val="552371880"/>
                   </a:ext>
                 </a:extLst>
               </a:tr>
@@ -12740,7 +18757,7 @@
                 </a:tc>
                 <a:extLst>
                   <a:ext uri="{0D108BD9-81ED-4DB2-BD59-A6C34878D82A}">
-                    <a16:rowId xmlns:a16="http://schemas.microsoft.com/office/drawing/2014/main" val="116541910"/>
+                    <a16:rowId xmlns:a16="http://schemas.microsoft.com/office/drawing/2014/main" xmlns="" val="116541910"/>
                   </a:ext>
                 </a:extLst>
               </a:tr>
@@ -13070,7 +19087,7 @@
                 </a:tc>
                 <a:extLst>
                   <a:ext uri="{0D108BD9-81ED-4DB2-BD59-A6C34878D82A}">
-                    <a16:rowId xmlns:a16="http://schemas.microsoft.com/office/drawing/2014/main" val="1742673978"/>
+                    <a16:rowId xmlns:a16="http://schemas.microsoft.com/office/drawing/2014/main" xmlns="" val="1742673978"/>
                   </a:ext>
                 </a:extLst>
               </a:tr>
@@ -13410,7 +19427,7 @@
                 </a:tc>
                 <a:extLst>
                   <a:ext uri="{0D108BD9-81ED-4DB2-BD59-A6C34878D82A}">
-                    <a16:rowId xmlns:a16="http://schemas.microsoft.com/office/drawing/2014/main" val="722975958"/>
+                    <a16:rowId xmlns:a16="http://schemas.microsoft.com/office/drawing/2014/main" xmlns="" val="722975958"/>
                   </a:ext>
                 </a:extLst>
               </a:tr>
@@ -13795,7 +19812,7 @@
                 </a:tc>
                 <a:extLst>
                   <a:ext uri="{0D108BD9-81ED-4DB2-BD59-A6C34878D82A}">
-                    <a16:rowId xmlns:a16="http://schemas.microsoft.com/office/drawing/2014/main" val="2653783117"/>
+                    <a16:rowId xmlns:a16="http://schemas.microsoft.com/office/drawing/2014/main" xmlns="" val="2653783117"/>
                   </a:ext>
                 </a:extLst>
               </a:tr>
@@ -13899,7 +19916,7 @@
           <p:cNvPr id="8" name="Chart 1" title="Chart">
             <a:extLst>
               <a:ext uri="{FF2B5EF4-FFF2-40B4-BE49-F238E27FC236}">
-                <a16:creationId xmlns:a16="http://schemas.microsoft.com/office/drawing/2014/main" id="{00000000-0008-0000-0000-000003000000}"/>
+                <a16:creationId xmlns:a16="http://schemas.microsoft.com/office/drawing/2014/main" xmlns="" id="{00000000-0008-0000-0000-000003000000}"/>
               </a:ext>
             </a:extLst>
           </p:cNvPr>
@@ -13929,7 +19946,7 @@
           <p:cNvPr id="9" name="Chart 1" title="Chart">
             <a:extLst>
               <a:ext uri="{FF2B5EF4-FFF2-40B4-BE49-F238E27FC236}">
-                <a16:creationId xmlns:a16="http://schemas.microsoft.com/office/drawing/2014/main" id="{00000000-0008-0000-0000-000002000000}"/>
+                <a16:creationId xmlns:a16="http://schemas.microsoft.com/office/drawing/2014/main" xmlns="" id="{00000000-0008-0000-0000-000002000000}"/>
               </a:ext>
             </a:extLst>
           </p:cNvPr>
@@ -14050,7 +20067,7 @@
           <p:cNvPr id="3" name="CuadroTexto 2">
             <a:extLst>
               <a:ext uri="{FF2B5EF4-FFF2-40B4-BE49-F238E27FC236}">
-                <a16:creationId xmlns:a16="http://schemas.microsoft.com/office/drawing/2014/main" id="{EB5CEF16-DF68-4175-87A1-37A37A1E0664}"/>
+                <a16:creationId xmlns:a16="http://schemas.microsoft.com/office/drawing/2014/main" xmlns="" id="{EB5CEF16-DF68-4175-87A1-37A37A1E0664}"/>
               </a:ext>
             </a:extLst>
           </p:cNvPr>
@@ -14320,7 +20337,7 @@
           <p:cNvPr id="3" name="CuadroTexto 2">
             <a:extLst>
               <a:ext uri="{FF2B5EF4-FFF2-40B4-BE49-F238E27FC236}">
-                <a16:creationId xmlns:a16="http://schemas.microsoft.com/office/drawing/2014/main" id="{B3E05B2C-448F-4ECF-BEF8-9F8192CC5623}"/>
+                <a16:creationId xmlns:a16="http://schemas.microsoft.com/office/drawing/2014/main" xmlns="" id="{B3E05B2C-448F-4ECF-BEF8-9F8192CC5623}"/>
               </a:ext>
             </a:extLst>
           </p:cNvPr>
@@ -14526,7 +20543,7 @@
           <p:cNvPr id="2" name="CuadroTexto 1">
             <a:extLst>
               <a:ext uri="{FF2B5EF4-FFF2-40B4-BE49-F238E27FC236}">
-                <a16:creationId xmlns:a16="http://schemas.microsoft.com/office/drawing/2014/main" id="{585F2FF1-E103-438A-A5E2-394CD4C49ABE}"/>
+                <a16:creationId xmlns:a16="http://schemas.microsoft.com/office/drawing/2014/main" xmlns="" id="{585F2FF1-E103-438A-A5E2-394CD4C49ABE}"/>
               </a:ext>
             </a:extLst>
           </p:cNvPr>
@@ -14872,7 +20889,7 @@
           <p:cNvPr id="2" name="CuadroTexto 1">
             <a:extLst>
               <a:ext uri="{FF2B5EF4-FFF2-40B4-BE49-F238E27FC236}">
-                <a16:creationId xmlns:a16="http://schemas.microsoft.com/office/drawing/2014/main" id="{4C0880D7-B166-4F0F-ACAC-974216E18C56}"/>
+                <a16:creationId xmlns:a16="http://schemas.microsoft.com/office/drawing/2014/main" xmlns="" id="{4C0880D7-B166-4F0F-ACAC-974216E18C56}"/>
               </a:ext>
             </a:extLst>
           </p:cNvPr>
@@ -15223,134 +21240,28 @@
           </a:p>
         </p:txBody>
       </p:sp>
-      <p:sp>
-        <p:nvSpPr>
-          <p:cNvPr id="2" name="Rectángulo 1"/>
-          <p:cNvSpPr/>
-          <p:nvPr/>
-        </p:nvSpPr>
-        <p:spPr>
-          <a:xfrm>
-            <a:off x="748145" y="1766643"/>
-            <a:ext cx="7283382" cy="3139321"/>
-          </a:xfrm>
-          <a:prstGeom prst="rect">
-            <a:avLst/>
-          </a:prstGeom>
-        </p:spPr>
-        <p:txBody>
-          <a:bodyPr wrap="square">
-            <a:spAutoFit/>
-          </a:bodyPr>
-          <a:lstStyle/>
-          <a:p>
-            <a:pPr algn="just"/>
-            <a:r>
-              <a:rPr lang="es-CO" dirty="0">
-                <a:solidFill>
-                  <a:schemeClr val="tx1">
-                    <a:lumMod val="85000"/>
-                    <a:lumOff val="15000"/>
-                  </a:schemeClr>
-                </a:solidFill>
-              </a:rPr>
-              <a:t>La elaboración del plan de trabajo de los docentes implica un gasto prolongado de tiempo. </a:t>
-            </a:r>
-          </a:p>
-          <a:p>
-            <a:pPr marL="285750" indent="-285750" algn="just">
-              <a:buFont typeface="Arial" panose="020B0604020202020204" pitchFamily="34" charset="0"/>
-              <a:buChar char="•"/>
-            </a:pPr>
-            <a:endParaRPr lang="es-CO" dirty="0">
-              <a:solidFill>
-                <a:schemeClr val="tx1">
-                  <a:lumMod val="85000"/>
-                  <a:lumOff val="15000"/>
-                </a:schemeClr>
-              </a:solidFill>
-            </a:endParaRPr>
-          </a:p>
-          <a:p>
-            <a:pPr algn="just"/>
-            <a:r>
-              <a:rPr lang="es-CO" dirty="0">
-                <a:solidFill>
-                  <a:schemeClr val="tx1">
-                    <a:lumMod val="85000"/>
-                    <a:lumOff val="15000"/>
-                  </a:schemeClr>
-                </a:solidFill>
-              </a:rPr>
-              <a:t>El proceso es confuso y tedioso.</a:t>
-            </a:r>
-          </a:p>
-          <a:p>
-            <a:pPr marL="285750" indent="-285750" algn="just">
-              <a:buFont typeface="Arial" panose="020B0604020202020204" pitchFamily="34" charset="0"/>
-              <a:buChar char="•"/>
-            </a:pPr>
-            <a:endParaRPr lang="es-CO" dirty="0">
-              <a:solidFill>
-                <a:schemeClr val="tx1">
-                  <a:lumMod val="85000"/>
-                  <a:lumOff val="15000"/>
-                </a:schemeClr>
-              </a:solidFill>
-            </a:endParaRPr>
-          </a:p>
-          <a:p>
-            <a:pPr algn="just"/>
-            <a:r>
-              <a:rPr lang="es-CO" dirty="0">
-                <a:solidFill>
-                  <a:schemeClr val="tx1">
-                    <a:lumMod val="85000"/>
-                    <a:lumOff val="15000"/>
-                  </a:schemeClr>
-                </a:solidFill>
-              </a:rPr>
-              <a:t>Las funciones agregadas para mantener un mínimo control.</a:t>
-            </a:r>
-          </a:p>
-          <a:p>
-            <a:pPr algn="ctr"/>
-            <a:endParaRPr lang="es-CO" dirty="0">
-              <a:solidFill>
-                <a:schemeClr val="tx1">
-                  <a:lumMod val="85000"/>
-                  <a:lumOff val="15000"/>
-                </a:schemeClr>
-              </a:solidFill>
-            </a:endParaRPr>
-          </a:p>
-          <a:p>
-            <a:pPr algn="ctr"/>
-            <a:r>
-              <a:rPr lang="es-CO" dirty="0">
-                <a:solidFill>
-                  <a:schemeClr val="tx1">
-                    <a:lumMod val="85000"/>
-                    <a:lumOff val="15000"/>
-                  </a:schemeClr>
-                </a:solidFill>
-              </a:rPr>
-              <a:t>¿Es posible que una herramienta tecnológica mejore el proceso de realización del plan de trabajo del docente de las Unidades Tecnológicas de Santander?</a:t>
-            </a:r>
-          </a:p>
-          <a:p>
-            <a:pPr algn="ctr"/>
-            <a:endParaRPr lang="es-CO" dirty="0">
-              <a:solidFill>
-                <a:schemeClr val="tx1">
-                  <a:lumMod val="85000"/>
-                  <a:lumOff val="15000"/>
-                </a:schemeClr>
-              </a:solidFill>
-            </a:endParaRPr>
-          </a:p>
-        </p:txBody>
-      </p:sp>
+      <p:graphicFrame>
+        <p:nvGraphicFramePr>
+          <p:cNvPr id="6" name="5 Diagrama"/>
+          <p:cNvGraphicFramePr/>
+          <p:nvPr>
+            <p:extLst>
+              <p:ext uri="{D42A27DB-BD31-4B8C-83A1-F6EECF244321}">
+                <p14:modId xmlns:p14="http://schemas.microsoft.com/office/powerpoint/2010/main" val="2533506353"/>
+              </p:ext>
+            </p:extLst>
+          </p:nvPr>
+        </p:nvGraphicFramePr>
+        <p:xfrm>
+          <a:off x="540327" y="1336963"/>
+          <a:ext cx="7046422" cy="4697615"/>
+        </p:xfrm>
+        <a:graphic>
+          <a:graphicData uri="http://schemas.openxmlformats.org/drawingml/2006/diagram">
+            <dgm:relIds xmlns:dgm="http://schemas.openxmlformats.org/drawingml/2006/diagram" xmlns:r="http://schemas.openxmlformats.org/officeDocument/2006/relationships" r:dm="rId2" r:lo="rId3" r:qs="rId4" r:cs="rId5"/>
+          </a:graphicData>
+        </a:graphic>
+      </p:graphicFrame>
     </p:spTree>
     <p:extLst>
       <p:ext uri="{BB962C8B-B14F-4D97-AF65-F5344CB8AC3E}">
@@ -15361,6 +21272,13 @@
   <p:clrMapOvr>
     <a:masterClrMapping/>
   </p:clrMapOvr>
+  <p:timing>
+    <p:tnLst>
+      <p:par>
+        <p:cTn id="1" dur="indefinite" restart="never" nodeType="tmRoot"/>
+      </p:par>
+    </p:tnLst>
+  </p:timing>
 </p:sld>
 </file>
 
@@ -15447,7 +21365,7 @@
           <p:cNvPr id="2" name="CuadroTexto 1">
             <a:extLst>
               <a:ext uri="{FF2B5EF4-FFF2-40B4-BE49-F238E27FC236}">
-                <a16:creationId xmlns:a16="http://schemas.microsoft.com/office/drawing/2014/main" id="{4C0880D7-B166-4F0F-ACAC-974216E18C56}"/>
+                <a16:creationId xmlns:a16="http://schemas.microsoft.com/office/drawing/2014/main" xmlns="" id="{4C0880D7-B166-4F0F-ACAC-974216E18C56}"/>
               </a:ext>
             </a:extLst>
           </p:cNvPr>
@@ -15763,7 +21681,7 @@
           <p:cNvPr id="2" name="CuadroTexto 1">
             <a:extLst>
               <a:ext uri="{FF2B5EF4-FFF2-40B4-BE49-F238E27FC236}">
-                <a16:creationId xmlns:a16="http://schemas.microsoft.com/office/drawing/2014/main" id="{4C0880D7-B166-4F0F-ACAC-974216E18C56}"/>
+                <a16:creationId xmlns:a16="http://schemas.microsoft.com/office/drawing/2014/main" xmlns="" id="{4C0880D7-B166-4F0F-ACAC-974216E18C56}"/>
               </a:ext>
             </a:extLst>
           </p:cNvPr>
@@ -16272,137 +22190,45 @@
           </a:p>
         </p:txBody>
       </p:sp>
-      <p:sp>
-        <p:nvSpPr>
-          <p:cNvPr id="2" name="Rectángulo 1"/>
-          <p:cNvSpPr/>
-          <p:nvPr/>
-        </p:nvSpPr>
-        <p:spPr>
-          <a:xfrm>
-            <a:off x="695246" y="1805746"/>
-            <a:ext cx="7738394" cy="3785652"/>
-          </a:xfrm>
-          <a:prstGeom prst="rect">
-            <a:avLst/>
-          </a:prstGeom>
-        </p:spPr>
-        <p:txBody>
-          <a:bodyPr wrap="square">
-            <a:spAutoFit/>
-          </a:bodyPr>
-          <a:lstStyle/>
-          <a:p>
-            <a:pPr marL="342900" indent="-342900" algn="just">
-              <a:buFont typeface="Arial" panose="020B0604020202020204" pitchFamily="34" charset="0"/>
-              <a:buChar char="•"/>
-            </a:pPr>
-            <a:r>
-              <a:rPr lang="es-CO" sz="2000" dirty="0">
-                <a:solidFill>
-                  <a:schemeClr val="tx1">
-                    <a:lumMod val="85000"/>
-                    <a:lumOff val="15000"/>
-                  </a:schemeClr>
-                </a:solidFill>
-                <a:latin typeface="Arial" panose="020B0604020202020204" pitchFamily="34" charset="0"/>
-                <a:cs typeface="Arial" panose="020B0604020202020204" pitchFamily="34" charset="0"/>
-              </a:rPr>
-              <a:t>Diseñar una arquitectura software que permita gestionar el proceso de planeación de las actividades de los docentes de tiempo completo, basados en el formato R-DC-54 de las UTS.</a:t>
-            </a:r>
-          </a:p>
-          <a:p>
-            <a:pPr marL="342900" indent="-342900" algn="just">
-              <a:buFont typeface="Arial" panose="020B0604020202020204" pitchFamily="34" charset="0"/>
-              <a:buChar char="•"/>
-            </a:pPr>
-            <a:endParaRPr lang="es-CO" sz="2000" dirty="0">
-              <a:solidFill>
-                <a:schemeClr val="tx1">
-                  <a:lumMod val="85000"/>
-                  <a:lumOff val="15000"/>
-                </a:schemeClr>
-              </a:solidFill>
-              <a:latin typeface="Arial" panose="020B0604020202020204" pitchFamily="34" charset="0"/>
-              <a:cs typeface="Arial" panose="020B0604020202020204" pitchFamily="34" charset="0"/>
-            </a:endParaRPr>
-          </a:p>
-          <a:p>
-            <a:pPr marL="342900" indent="-342900" algn="just">
-              <a:buFont typeface="Arial" panose="020B0604020202020204" pitchFamily="34" charset="0"/>
-              <a:buChar char="•"/>
-            </a:pPr>
-            <a:r>
-              <a:rPr lang="es-CO" sz="2000" dirty="0">
-                <a:solidFill>
-                  <a:schemeClr val="tx1">
-                    <a:lumMod val="85000"/>
-                    <a:lumOff val="15000"/>
-                  </a:schemeClr>
-                </a:solidFill>
-                <a:latin typeface="Arial" panose="020B0604020202020204" pitchFamily="34" charset="0"/>
-                <a:cs typeface="Arial" panose="020B0604020202020204" pitchFamily="34" charset="0"/>
-              </a:rPr>
-              <a:t>Desarrollar, codificar e implementar el código fuente correspondiente a los modelos para el correcto funcionamiento de la aplicación basado en los modelos y estructuras planteadas anteriormente.</a:t>
-            </a:r>
-          </a:p>
-          <a:p>
-            <a:pPr marL="342900" indent="-342900" algn="just">
-              <a:buFont typeface="Arial" panose="020B0604020202020204" pitchFamily="34" charset="0"/>
-              <a:buChar char="•"/>
-            </a:pPr>
-            <a:endParaRPr lang="es-CO" sz="2000" dirty="0">
-              <a:solidFill>
-                <a:schemeClr val="tx1">
-                  <a:lumMod val="85000"/>
-                  <a:lumOff val="15000"/>
-                </a:schemeClr>
-              </a:solidFill>
-              <a:latin typeface="Arial" panose="020B0604020202020204" pitchFamily="34" charset="0"/>
-              <a:cs typeface="Arial" panose="020B0604020202020204" pitchFamily="34" charset="0"/>
-            </a:endParaRPr>
-          </a:p>
-          <a:p>
-            <a:pPr marL="342900" indent="-342900" algn="just">
-              <a:buFont typeface="Arial" panose="020B0604020202020204" pitchFamily="34" charset="0"/>
-              <a:buChar char="•"/>
-            </a:pPr>
-            <a:r>
-              <a:rPr lang="es-CO" sz="2000" dirty="0">
-                <a:solidFill>
-                  <a:schemeClr val="tx1">
-                    <a:lumMod val="85000"/>
-                    <a:lumOff val="15000"/>
-                  </a:schemeClr>
-                </a:solidFill>
-                <a:latin typeface="Arial" panose="020B0604020202020204" pitchFamily="34" charset="0"/>
-                <a:cs typeface="Arial" panose="020B0604020202020204" pitchFamily="34" charset="0"/>
-              </a:rPr>
-              <a:t>Diseñar y realizar pruebas funcionales, de usabilidad y de carga al sistema de información desarrollado, verificando de esta manera el correcto funcionamiento.</a:t>
-            </a:r>
-            <a:endParaRPr lang="es-MX" sz="2000" dirty="0">
-              <a:solidFill>
-                <a:schemeClr val="tx1">
-                  <a:lumMod val="85000"/>
-                  <a:lumOff val="15000"/>
-                </a:schemeClr>
-              </a:solidFill>
-              <a:latin typeface="Arial" panose="020B0604020202020204" pitchFamily="34" charset="0"/>
-              <a:cs typeface="Arial" panose="020B0604020202020204" pitchFamily="34" charset="0"/>
-            </a:endParaRPr>
-          </a:p>
-        </p:txBody>
-      </p:sp>
+      <p:graphicFrame>
+        <p:nvGraphicFramePr>
+          <p:cNvPr id="3" name="2 Diagrama"/>
+          <p:cNvGraphicFramePr/>
+          <p:nvPr>
+            <p:extLst>
+              <p:ext uri="{D42A27DB-BD31-4B8C-83A1-F6EECF244321}">
+                <p14:modId xmlns:p14="http://schemas.microsoft.com/office/powerpoint/2010/main" val="2159309452"/>
+              </p:ext>
+            </p:extLst>
+          </p:nvPr>
+        </p:nvGraphicFramePr>
+        <p:xfrm>
+          <a:off x="983020" y="1596506"/>
+          <a:ext cx="6747815" cy="4662978"/>
+        </p:xfrm>
+        <a:graphic>
+          <a:graphicData uri="http://schemas.openxmlformats.org/drawingml/2006/diagram">
+            <dgm:relIds xmlns:dgm="http://schemas.openxmlformats.org/drawingml/2006/diagram" xmlns:r="http://schemas.openxmlformats.org/officeDocument/2006/relationships" r:dm="rId2" r:lo="rId3" r:qs="rId4" r:cs="rId5"/>
+          </a:graphicData>
+        </a:graphic>
+      </p:graphicFrame>
     </p:spTree>
     <p:extLst>
       <p:ext uri="{BB962C8B-B14F-4D97-AF65-F5344CB8AC3E}">
-        <p14:creationId xmlns:p14="http://schemas.microsoft.com/office/powerpoint/2010/main" val="3435132315"/>
+        <p14:creationId xmlns:p14="http://schemas.microsoft.com/office/powerpoint/2010/main" val="1441531351"/>
       </p:ext>
     </p:extLst>
   </p:cSld>
   <p:clrMapOvr>
     <a:masterClrMapping/>
   </p:clrMapOvr>
+  <p:timing>
+    <p:tnLst>
+      <p:par>
+        <p:cTn id="1" dur="indefinite" restart="never" nodeType="tmRoot"/>
+      </p:par>
+    </p:tnLst>
+  </p:timing>
 </p:sld>
 </file>
 
@@ -16614,7 +22440,7 @@
           <p:cNvPr id="5" name="Imagen 4">
             <a:extLst>
               <a:ext uri="{FF2B5EF4-FFF2-40B4-BE49-F238E27FC236}">
-                <a16:creationId xmlns:a16="http://schemas.microsoft.com/office/drawing/2014/main" id="{B3AF45A2-0048-4680-9268-7058CCBF71DF}"/>
+                <a16:creationId xmlns:a16="http://schemas.microsoft.com/office/drawing/2014/main" xmlns="" id="{B3AF45A2-0048-4680-9268-7058CCBF71DF}"/>
               </a:ext>
             </a:extLst>
           </p:cNvPr>
@@ -16650,7 +22476,7 @@
           <p:cNvPr id="7" name="Imagen 6">
             <a:extLst>
               <a:ext uri="{FF2B5EF4-FFF2-40B4-BE49-F238E27FC236}">
-                <a16:creationId xmlns:a16="http://schemas.microsoft.com/office/drawing/2014/main" id="{2C013981-C90B-4026-A12B-5D60518F9D30}"/>
+                <a16:creationId xmlns:a16="http://schemas.microsoft.com/office/drawing/2014/main" xmlns="" id="{2C013981-C90B-4026-A12B-5D60518F9D30}"/>
               </a:ext>
             </a:extLst>
           </p:cNvPr>
@@ -16686,7 +22512,7 @@
           <p:cNvPr id="9" name="Imagen 8">
             <a:extLst>
               <a:ext uri="{FF2B5EF4-FFF2-40B4-BE49-F238E27FC236}">
-                <a16:creationId xmlns:a16="http://schemas.microsoft.com/office/drawing/2014/main" id="{AAA72AB6-D7ED-4441-88E9-CE75A79FDCA8}"/>
+                <a16:creationId xmlns:a16="http://schemas.microsoft.com/office/drawing/2014/main" xmlns="" id="{AAA72AB6-D7ED-4441-88E9-CE75A79FDCA8}"/>
               </a:ext>
             </a:extLst>
           </p:cNvPr>
@@ -16722,7 +22548,7 @@
           <p:cNvPr id="11" name="Imagen 10">
             <a:extLst>
               <a:ext uri="{FF2B5EF4-FFF2-40B4-BE49-F238E27FC236}">
-                <a16:creationId xmlns:a16="http://schemas.microsoft.com/office/drawing/2014/main" id="{B84EE28F-8E12-4ABE-8662-DBA26E891732}"/>
+                <a16:creationId xmlns:a16="http://schemas.microsoft.com/office/drawing/2014/main" xmlns="" id="{B84EE28F-8E12-4ABE-8662-DBA26E891732}"/>
               </a:ext>
             </a:extLst>
           </p:cNvPr>
@@ -16763,6 +22589,13 @@
   <p:clrMapOvr>
     <a:masterClrMapping/>
   </p:clrMapOvr>
+  <p:timing>
+    <p:tnLst>
+      <p:par>
+        <p:cTn id="1" dur="indefinite" restart="never" nodeType="tmRoot"/>
+      </p:par>
+    </p:tnLst>
+  </p:timing>
 </p:sld>
 </file>
 
@@ -16849,7 +22682,7 @@
           <p:cNvPr id="4" name="Imagen 3">
             <a:extLst>
               <a:ext uri="{FF2B5EF4-FFF2-40B4-BE49-F238E27FC236}">
-                <a16:creationId xmlns:a16="http://schemas.microsoft.com/office/drawing/2014/main" id="{16D90900-6598-4986-AE8B-5DE9E3CE52D9}"/>
+                <a16:creationId xmlns:a16="http://schemas.microsoft.com/office/drawing/2014/main" xmlns="" id="{16D90900-6598-4986-AE8B-5DE9E3CE52D9}"/>
               </a:ext>
             </a:extLst>
           </p:cNvPr>
@@ -17485,7 +23318,7 @@
           <p:cNvPr id="3" name="CuadroTexto 2">
             <a:extLst>
               <a:ext uri="{FF2B5EF4-FFF2-40B4-BE49-F238E27FC236}">
-                <a16:creationId xmlns:a16="http://schemas.microsoft.com/office/drawing/2014/main" id="{E9CC970F-E4E6-47B4-894B-BB9D00F1CF33}"/>
+                <a16:creationId xmlns:a16="http://schemas.microsoft.com/office/drawing/2014/main" xmlns="" id="{E9CC970F-E4E6-47B4-894B-BB9D00F1CF33}"/>
               </a:ext>
             </a:extLst>
           </p:cNvPr>
@@ -18249,7 +24082,7 @@
   <a:extraClrSchemeLst/>
   <a:extLst>
     <a:ext uri="{05A4C25C-085E-4340-85A3-A5531E510DB2}">
-      <thm15:themeFamily xmlns:thm15="http://schemas.microsoft.com/office/thememl/2012/main" name="Facet" id="{C0C680CD-088A-49FC-A102-D699147F32B2}" vid="{CFBC31BA-B70F-4F30-BCAA-4F3011E16C4D}"/>
+      <thm15:themeFamily xmlns:thm15="http://schemas.microsoft.com/office/thememl/2012/main" xmlns="" name="Facet" id="{C0C680CD-088A-49FC-A102-D699147F32B2}" vid="{CFBC31BA-B70F-4F30-BCAA-4F3011E16C4D}"/>
     </a:ext>
   </a:extLst>
 </a:theme>

--- a/extras/docs/rdc_presentacion.pptx
+++ b/extras/docs/rdc_presentacion.pptx
@@ -127,7 +127,7 @@
   </p:defaultTextStyle>
   <p:extLst>
     <p:ext uri="{EFAFB233-063F-42B5-8137-9DF3F51BA10A}">
-      <p15:sldGuideLst xmlns:p15="http://schemas.microsoft.com/office/powerpoint/2012/main" xmlns="">
+      <p15:sldGuideLst xmlns:p15="http://schemas.microsoft.com/office/powerpoint/2012/main">
         <p15:guide id="1" orient="horz" pos="2160">
           <p15:clr>
             <a:srgbClr val="A4A3A4"/>
@@ -149,9 +149,9 @@
 </file>
 
 <file path=ppt/charts/chart1.xml><?xml version="1.0" encoding="utf-8"?>
-<c:chartSpace xmlns:c="http://schemas.openxmlformats.org/drawingml/2006/chart" xmlns:a="http://schemas.openxmlformats.org/drawingml/2006/main" xmlns:r="http://schemas.openxmlformats.org/officeDocument/2006/relationships">
+<c:chartSpace xmlns:c="http://schemas.openxmlformats.org/drawingml/2006/chart" xmlns:a="http://schemas.openxmlformats.org/drawingml/2006/main" xmlns:r="http://schemas.openxmlformats.org/officeDocument/2006/relationships" xmlns:c16r2="http://schemas.microsoft.com/office/drawing/2015/06/chart">
   <c:date1904 val="0"/>
-  <c:lang val="es-CO"/>
+  <c:lang val="es-ES"/>
   <c:roundedCorners val="1"/>
   <mc:AlternateContent xmlns:mc="http://schemas.openxmlformats.org/markup-compatibility/2006">
     <mc:Choice xmlns:c14="http://schemas.microsoft.com/office/drawing/2007/8/2/chart" Requires="c14">
@@ -330,7 +330,7 @@
               </c:numCache>
             </c:numRef>
           </c:val>
-          <c:extLst xmlns:c16r2="http://schemas.microsoft.com/office/drawing/2015/06/chart">
+          <c:extLst>
             <c:ext xmlns:c16="http://schemas.microsoft.com/office/drawing/2014/chart" uri="{C3380CC4-5D6E-409C-BE32-E72D297353CC}">
               <c16:uniqueId val="{00000000-D21C-4448-B589-C66B95183857}"/>
             </c:ext>
@@ -464,7 +464,7 @@
               </c:numCache>
             </c:numRef>
           </c:val>
-          <c:extLst xmlns:c16r2="http://schemas.microsoft.com/office/drawing/2015/06/chart">
+          <c:extLst>
             <c:ext xmlns:c16="http://schemas.microsoft.com/office/drawing/2014/chart" uri="{C3380CC4-5D6E-409C-BE32-E72D297353CC}">
               <c16:uniqueId val="{00000001-D21C-4448-B589-C66B95183857}"/>
             </c:ext>
@@ -506,7 +506,6 @@
               </a:p>
             </c:rich>
           </c:tx>
-          <c:layout/>
           <c:overlay val="0"/>
           <c:spPr>
             <a:noFill/>
@@ -587,7 +586,6 @@
               </a:p>
             </c:rich>
           </c:tx>
-          <c:layout/>
           <c:overlay val="0"/>
           <c:spPr>
             <a:noFill/>
@@ -632,7 +630,6 @@
     </c:plotArea>
     <c:legend>
       <c:legendPos val="b"/>
-      <c:layout/>
       <c:overlay val="0"/>
       <c:spPr>
         <a:noFill/>
@@ -692,9 +689,9 @@
 </file>
 
 <file path=ppt/charts/chart2.xml><?xml version="1.0" encoding="utf-8"?>
-<c:chartSpace xmlns:c="http://schemas.openxmlformats.org/drawingml/2006/chart" xmlns:a="http://schemas.openxmlformats.org/drawingml/2006/main" xmlns:r="http://schemas.openxmlformats.org/officeDocument/2006/relationships">
+<c:chartSpace xmlns:c="http://schemas.openxmlformats.org/drawingml/2006/chart" xmlns:a="http://schemas.openxmlformats.org/drawingml/2006/main" xmlns:r="http://schemas.openxmlformats.org/officeDocument/2006/relationships" xmlns:c16r2="http://schemas.microsoft.com/office/drawing/2015/06/chart">
   <c:date1904 val="0"/>
-  <c:lang val="es-CO"/>
+  <c:lang val="es-ES"/>
   <c:roundedCorners val="1"/>
   <mc:AlternateContent xmlns:mc="http://schemas.openxmlformats.org/markup-compatibility/2006">
     <mc:Choice xmlns:c14="http://schemas.microsoft.com/office/drawing/2007/8/2/chart" Requires="c14">
@@ -873,7 +870,7 @@
               </c:numCache>
             </c:numRef>
           </c:val>
-          <c:extLst xmlns:c16r2="http://schemas.microsoft.com/office/drawing/2015/06/chart">
+          <c:extLst>
             <c:ext xmlns:c16="http://schemas.microsoft.com/office/drawing/2014/chart" uri="{C3380CC4-5D6E-409C-BE32-E72D297353CC}">
               <c16:uniqueId val="{00000000-2D3E-4372-A754-D42F52A5145C}"/>
             </c:ext>
@@ -1007,7 +1004,7 @@
               </c:numCache>
             </c:numRef>
           </c:val>
-          <c:extLst xmlns:c16r2="http://schemas.microsoft.com/office/drawing/2015/06/chart">
+          <c:extLst>
             <c:ext xmlns:c16="http://schemas.microsoft.com/office/drawing/2014/chart" uri="{C3380CC4-5D6E-409C-BE32-E72D297353CC}">
               <c16:uniqueId val="{00000001-2D3E-4372-A754-D42F52A5145C}"/>
             </c:ext>
@@ -1049,7 +1046,6 @@
               </a:p>
             </c:rich>
           </c:tx>
-          <c:layout/>
           <c:overlay val="0"/>
           <c:spPr>
             <a:noFill/>
@@ -1130,7 +1126,6 @@
               </a:p>
             </c:rich>
           </c:tx>
-          <c:layout/>
           <c:overlay val="0"/>
           <c:spPr>
             <a:noFill/>
@@ -1175,7 +1170,6 @@
     </c:plotArea>
     <c:legend>
       <c:legendPos val="b"/>
-      <c:layout/>
       <c:overlay val="0"/>
       <c:spPr>
         <a:noFill/>
@@ -2750,10 +2744,12 @@
         <a:lstStyle/>
         <a:p>
           <a:r>
-            <a:rPr lang="es-CO" sz="1100" dirty="0" smtClean="0"/>
+            <a:rPr lang="es-CO" sz="1200" dirty="0">
+              <a:latin typeface="Arial" panose="020B0604020202020204" pitchFamily="34" charset="0"/>
+              <a:cs typeface="Arial" panose="020B0604020202020204" pitchFamily="34" charset="0"/>
+            </a:rPr>
             <a:t>¿Es posible que una herramienta tecnológica mejore el proceso de realización del plan de trabajo del docente de las Unidades Tecnológicas de Santander?</a:t>
           </a:r>
-          <a:endParaRPr lang="es-CO" sz="1100" dirty="0"/>
         </a:p>
       </dgm:t>
     </dgm:pt>
@@ -2787,10 +2783,12 @@
         <a:lstStyle/>
         <a:p>
           <a:r>
-            <a:rPr lang="es-CO" sz="1100" dirty="0" smtClean="0"/>
+            <a:rPr lang="es-CO" sz="1400" dirty="0">
+              <a:latin typeface="Arial" panose="020B0604020202020204" pitchFamily="34" charset="0"/>
+              <a:cs typeface="Arial" panose="020B0604020202020204" pitchFamily="34" charset="0"/>
+            </a:rPr>
             <a:t>La elaboración del plan de trabajo de los docentes implica un gasto prolongado de tiempo. </a:t>
           </a:r>
-          <a:endParaRPr lang="es-CO" sz="1100" dirty="0"/>
         </a:p>
       </dgm:t>
     </dgm:pt>
@@ -2824,10 +2822,12 @@
         <a:lstStyle/>
         <a:p>
           <a:r>
-            <a:rPr lang="es-CO" sz="1200" dirty="0" smtClean="0"/>
+            <a:rPr lang="es-CO" sz="1400" dirty="0">
+              <a:latin typeface="Arial" panose="020B0604020202020204" pitchFamily="34" charset="0"/>
+              <a:cs typeface="Arial" panose="020B0604020202020204" pitchFamily="34" charset="0"/>
+            </a:rPr>
             <a:t>Las funciones agregadas para mantener un mínimo control.</a:t>
           </a:r>
-          <a:endParaRPr lang="es-CO" sz="1200" dirty="0"/>
         </a:p>
       </dgm:t>
     </dgm:pt>
@@ -2861,10 +2861,16 @@
         <a:lstStyle/>
         <a:p>
           <a:r>
-            <a:rPr lang="es-CO" sz="1400" smtClean="0"/>
+            <a:rPr lang="es-CO" sz="1400">
+              <a:latin typeface="Arial" panose="020B0604020202020204" pitchFamily="34" charset="0"/>
+              <a:cs typeface="Arial" panose="020B0604020202020204" pitchFamily="34" charset="0"/>
+            </a:rPr>
             <a:t>El proceso es confuso y tedioso.</a:t>
           </a:r>
-          <a:endParaRPr lang="es-CO" sz="1400" dirty="0"/>
+          <a:endParaRPr lang="es-CO" sz="1400" dirty="0">
+            <a:latin typeface="Arial" panose="020B0604020202020204" pitchFamily="34" charset="0"/>
+            <a:cs typeface="Arial" panose="020B0604020202020204" pitchFamily="34" charset="0"/>
+          </a:endParaRPr>
         </a:p>
       </dgm:t>
     </dgm:pt>
@@ -2906,7 +2912,7 @@
       <dgm:spPr/>
     </dgm:pt>
     <dgm:pt modelId="{602AF10C-4B69-4598-96AC-B0B98EE68667}" type="pres">
-      <dgm:prSet presAssocID="{2D983A79-8ED9-4E54-B21A-60957D9E31E3}" presName="node" presStyleLbl="node1" presStyleIdx="0" presStyleCnt="3" custScaleX="134958" custScaleY="116385">
+      <dgm:prSet presAssocID="{2D983A79-8ED9-4E54-B21A-60957D9E31E3}" presName="node" presStyleLbl="node1" presStyleIdx="0" presStyleCnt="3" custScaleX="155370" custScaleY="134706">
         <dgm:presLayoutVars>
           <dgm:bulletEnabled val="1"/>
         </dgm:presLayoutVars>
@@ -2922,7 +2928,7 @@
       <dgm:spPr/>
     </dgm:pt>
     <dgm:pt modelId="{384D9E33-EAB8-4793-AF1D-384ACC182778}" type="pres">
-      <dgm:prSet presAssocID="{8D2DD9DF-F8D9-4F03-88CA-7193504132DA}" presName="node" presStyleLbl="node1" presStyleIdx="1" presStyleCnt="3" custScaleX="110056" custScaleY="94936">
+      <dgm:prSet presAssocID="{8D2DD9DF-F8D9-4F03-88CA-7193504132DA}" presName="node" presStyleLbl="node1" presStyleIdx="1" presStyleCnt="3" custScaleX="149334" custScaleY="104319">
         <dgm:presLayoutVars>
           <dgm:bulletEnabled val="1"/>
         </dgm:presLayoutVars>
@@ -2955,18 +2961,18 @@
     </dgm:pt>
   </dgm:ptLst>
   <dgm:cxnLst>
+    <dgm:cxn modelId="{BF60FC2E-FC50-4E04-BD52-B4403F3D8F2D}" type="presOf" srcId="{117CEFD4-690F-44F9-8EA1-599ED321FA22}" destId="{39D415E3-7728-462C-97F9-09C29631FF1B}" srcOrd="0" destOrd="0" presId="urn:microsoft.com/office/officeart/2005/8/layout/radial6"/>
     <dgm:cxn modelId="{809F2464-A1F7-4901-A9DF-E86396CC4342}" type="presOf" srcId="{FBB18FC3-DDEF-4015-BDB4-557E7A9AF756}" destId="{0172629F-97EF-4055-8E5E-E778B37E0AB4}" srcOrd="0" destOrd="0" presId="urn:microsoft.com/office/officeart/2005/8/layout/radial6"/>
+    <dgm:cxn modelId="{21CDAF79-D8EC-4C69-B121-4FD050C609A6}" type="presOf" srcId="{0DBA7D96-58C3-40BF-9B56-383E736D9B12}" destId="{CC60FD8A-C3DF-4909-859A-66F4CDC2FDA1}" srcOrd="0" destOrd="0" presId="urn:microsoft.com/office/officeart/2005/8/layout/radial6"/>
+    <dgm:cxn modelId="{310B1A81-AC5C-4542-9152-F00EB8157D01}" type="presOf" srcId="{5F54BE84-E1F9-4705-B985-FF520DCBB86E}" destId="{F54822BC-8321-4475-9DA0-85E85A80FB35}" srcOrd="0" destOrd="0" presId="urn:microsoft.com/office/officeart/2005/8/layout/radial6"/>
+    <dgm:cxn modelId="{2F2A888A-E20A-4151-A5DB-F1BF358F7D11}" srcId="{0DBA7D96-58C3-40BF-9B56-383E736D9B12}" destId="{B2151FA9-ECE4-4C41-9D02-2F29521EE113}" srcOrd="2" destOrd="0" parTransId="{7B75F434-0461-478A-96A5-A01B7DA92D73}" sibTransId="{117CEFD4-690F-44F9-8EA1-599ED321FA22}"/>
+    <dgm:cxn modelId="{952E48B1-9054-43D3-9679-7A7FF019A65C}" type="presOf" srcId="{2D983A79-8ED9-4E54-B21A-60957D9E31E3}" destId="{602AF10C-4B69-4598-96AC-B0B98EE68667}" srcOrd="0" destOrd="0" presId="urn:microsoft.com/office/officeart/2005/8/layout/radial6"/>
     <dgm:cxn modelId="{00B6A4C4-2416-485D-981F-A187F6CA06CC}" srcId="{0DBA7D96-58C3-40BF-9B56-383E736D9B12}" destId="{8D2DD9DF-F8D9-4F03-88CA-7193504132DA}" srcOrd="1" destOrd="0" parTransId="{BF55194F-4310-4B44-AB66-71108CE7A21D}" sibTransId="{FBB18FC3-DDEF-4015-BDB4-557E7A9AF756}"/>
     <dgm:cxn modelId="{7A1BD9C6-8D93-4E65-B368-55D2ACE0FABD}" type="presOf" srcId="{57B14948-E9D0-4A17-8B08-059E2CE26961}" destId="{2EB635B4-3167-4D91-BB6F-26F53C80D717}" srcOrd="0" destOrd="0" presId="urn:microsoft.com/office/officeart/2005/8/layout/radial6"/>
-    <dgm:cxn modelId="{310B1A81-AC5C-4542-9152-F00EB8157D01}" type="presOf" srcId="{5F54BE84-E1F9-4705-B985-FF520DCBB86E}" destId="{F54822BC-8321-4475-9DA0-85E85A80FB35}" srcOrd="0" destOrd="0" presId="urn:microsoft.com/office/officeart/2005/8/layout/radial6"/>
-    <dgm:cxn modelId="{952E48B1-9054-43D3-9679-7A7FF019A65C}" type="presOf" srcId="{2D983A79-8ED9-4E54-B21A-60957D9E31E3}" destId="{602AF10C-4B69-4598-96AC-B0B98EE68667}" srcOrd="0" destOrd="0" presId="urn:microsoft.com/office/officeart/2005/8/layout/radial6"/>
-    <dgm:cxn modelId="{6DA7A6FB-28E2-406F-AE88-BDC720EC0159}" srcId="{5F54BE84-E1F9-4705-B985-FF520DCBB86E}" destId="{0DBA7D96-58C3-40BF-9B56-383E736D9B12}" srcOrd="0" destOrd="0" parTransId="{3FB9955C-CE6D-48C7-AC54-2F6DD7B7E75D}" sibTransId="{710B4249-67C1-49DE-8E06-7F6C740E30B1}"/>
-    <dgm:cxn modelId="{2F2A888A-E20A-4151-A5DB-F1BF358F7D11}" srcId="{0DBA7D96-58C3-40BF-9B56-383E736D9B12}" destId="{B2151FA9-ECE4-4C41-9D02-2F29521EE113}" srcOrd="2" destOrd="0" parTransId="{7B75F434-0461-478A-96A5-A01B7DA92D73}" sibTransId="{117CEFD4-690F-44F9-8EA1-599ED321FA22}"/>
     <dgm:cxn modelId="{632ADFD4-E191-460D-980E-06DBAAA66D20}" type="presOf" srcId="{8D2DD9DF-F8D9-4F03-88CA-7193504132DA}" destId="{384D9E33-EAB8-4793-AF1D-384ACC182778}" srcOrd="0" destOrd="0" presId="urn:microsoft.com/office/officeart/2005/8/layout/radial6"/>
     <dgm:cxn modelId="{B948B0F0-DABB-4D53-AC87-C460402E0DF1}" srcId="{0DBA7D96-58C3-40BF-9B56-383E736D9B12}" destId="{2D983A79-8ED9-4E54-B21A-60957D9E31E3}" srcOrd="0" destOrd="0" parTransId="{2A4EE25F-9F62-44A8-B1B8-E5B60A0842C8}" sibTransId="{57B14948-E9D0-4A17-8B08-059E2CE26961}"/>
     <dgm:cxn modelId="{5FAAF7FA-5725-4395-ABEF-3A7DC124175C}" type="presOf" srcId="{B2151FA9-ECE4-4C41-9D02-2F29521EE113}" destId="{13DC1546-3591-4A6A-AB06-919D6233F830}" srcOrd="0" destOrd="0" presId="urn:microsoft.com/office/officeart/2005/8/layout/radial6"/>
-    <dgm:cxn modelId="{BF60FC2E-FC50-4E04-BD52-B4403F3D8F2D}" type="presOf" srcId="{117CEFD4-690F-44F9-8EA1-599ED321FA22}" destId="{39D415E3-7728-462C-97F9-09C29631FF1B}" srcOrd="0" destOrd="0" presId="urn:microsoft.com/office/officeart/2005/8/layout/radial6"/>
-    <dgm:cxn modelId="{21CDAF79-D8EC-4C69-B121-4FD050C609A6}" type="presOf" srcId="{0DBA7D96-58C3-40BF-9B56-383E736D9B12}" destId="{CC60FD8A-C3DF-4909-859A-66F4CDC2FDA1}" srcOrd="0" destOrd="0" presId="urn:microsoft.com/office/officeart/2005/8/layout/radial6"/>
+    <dgm:cxn modelId="{6DA7A6FB-28E2-406F-AE88-BDC720EC0159}" srcId="{5F54BE84-E1F9-4705-B985-FF520DCBB86E}" destId="{0DBA7D96-58C3-40BF-9B56-383E736D9B12}" srcOrd="0" destOrd="0" parTransId="{3FB9955C-CE6D-48C7-AC54-2F6DD7B7E75D}" sibTransId="{710B4249-67C1-49DE-8E06-7F6C740E30B1}"/>
     <dgm:cxn modelId="{D1590196-DD4D-468C-8AC6-5A29797EA051}" type="presParOf" srcId="{F54822BC-8321-4475-9DA0-85E85A80FB35}" destId="{CC60FD8A-C3DF-4909-859A-66F4CDC2FDA1}" srcOrd="0" destOrd="0" presId="urn:microsoft.com/office/officeart/2005/8/layout/radial6"/>
     <dgm:cxn modelId="{A228826A-F362-4083-AE40-B655984F25AC}" type="presParOf" srcId="{F54822BC-8321-4475-9DA0-85E85A80FB35}" destId="{602AF10C-4B69-4598-96AC-B0B98EE68667}" srcOrd="1" destOrd="0" presId="urn:microsoft.com/office/officeart/2005/8/layout/radial6"/>
     <dgm:cxn modelId="{9A45C6D8-0F79-42A9-8858-1710983F0CB9}" type="presParOf" srcId="{F54822BC-8321-4475-9DA0-85E85A80FB35}" destId="{9A8FC10B-3CF0-4F51-ACAC-988CEFFC3073}" srcOrd="2" destOrd="0" presId="urn:microsoft.com/office/officeart/2005/8/layout/radial6"/>
@@ -3003,17 +3009,19 @@
       </dgm:t>
     </dgm:pt>
     <dgm:pt modelId="{DA36CDFE-6F43-4AB4-A883-E2D51344F677}">
-      <dgm:prSet phldrT="[Texto]"/>
+      <dgm:prSet phldrT="[Texto]" custT="1"/>
       <dgm:spPr/>
       <dgm:t>
         <a:bodyPr/>
         <a:lstStyle/>
         <a:p>
           <a:r>
-            <a:rPr lang="es-CO" dirty="0" smtClean="0"/>
+            <a:rPr lang="es-CO" sz="1800" dirty="0">
+              <a:latin typeface="Arial" panose="020B0604020202020204" pitchFamily="34" charset="0"/>
+              <a:cs typeface="Arial" panose="020B0604020202020204" pitchFamily="34" charset="0"/>
+            </a:rPr>
             <a:t>1.</a:t>
           </a:r>
-          <a:endParaRPr lang="es-CO" dirty="0"/>
         </a:p>
       </dgm:t>
     </dgm:pt>
@@ -3024,7 +3032,10 @@
         <a:bodyPr/>
         <a:lstStyle/>
         <a:p>
-          <a:endParaRPr lang="es-CO"/>
+          <a:endParaRPr lang="es-CO" sz="1800">
+            <a:latin typeface="Arial" panose="020B0604020202020204" pitchFamily="34" charset="0"/>
+            <a:cs typeface="Arial" panose="020B0604020202020204" pitchFamily="34" charset="0"/>
+          </a:endParaRPr>
         </a:p>
       </dgm:t>
     </dgm:pt>
@@ -3035,19 +3046,22 @@
         <a:bodyPr/>
         <a:lstStyle/>
         <a:p>
-          <a:endParaRPr lang="es-CO"/>
+          <a:endParaRPr lang="es-CO" sz="1800">
+            <a:latin typeface="Arial" panose="020B0604020202020204" pitchFamily="34" charset="0"/>
+            <a:cs typeface="Arial" panose="020B0604020202020204" pitchFamily="34" charset="0"/>
+          </a:endParaRPr>
         </a:p>
       </dgm:t>
     </dgm:pt>
     <dgm:pt modelId="{C05BC014-E98F-4B4A-9F48-73C7119F8C05}">
-      <dgm:prSet phldrT="[Texto]"/>
+      <dgm:prSet phldrT="[Texto]" custT="1"/>
       <dgm:spPr/>
       <dgm:t>
         <a:bodyPr/>
         <a:lstStyle/>
         <a:p>
           <a:r>
-            <a:rPr lang="es-CO" dirty="0" smtClean="0">
+            <a:rPr lang="es-CO" sz="1800" dirty="0">
               <a:solidFill>
                 <a:schemeClr val="tx1">
                   <a:lumMod val="85000"/>
@@ -3059,7 +3073,10 @@
             </a:rPr>
             <a:t>Diseñar una arquitectura software que permita gestionar el proceso de planeación de las actividades de los docentes de tiempo completo, basados en el formato R-DC-54 de las UTS.</a:t>
           </a:r>
-          <a:endParaRPr lang="es-CO" dirty="0"/>
+          <a:endParaRPr lang="es-CO" sz="1800" dirty="0">
+            <a:latin typeface="Arial" panose="020B0604020202020204" pitchFamily="34" charset="0"/>
+            <a:cs typeface="Arial" panose="020B0604020202020204" pitchFamily="34" charset="0"/>
+          </a:endParaRPr>
         </a:p>
       </dgm:t>
     </dgm:pt>
@@ -3070,7 +3087,10 @@
         <a:bodyPr/>
         <a:lstStyle/>
         <a:p>
-          <a:endParaRPr lang="es-CO"/>
+          <a:endParaRPr lang="es-CO" sz="1800">
+            <a:latin typeface="Arial" panose="020B0604020202020204" pitchFamily="34" charset="0"/>
+            <a:cs typeface="Arial" panose="020B0604020202020204" pitchFamily="34" charset="0"/>
+          </a:endParaRPr>
         </a:p>
       </dgm:t>
     </dgm:pt>
@@ -3081,22 +3101,27 @@
         <a:bodyPr/>
         <a:lstStyle/>
         <a:p>
-          <a:endParaRPr lang="es-CO"/>
+          <a:endParaRPr lang="es-CO" sz="1800">
+            <a:latin typeface="Arial" panose="020B0604020202020204" pitchFamily="34" charset="0"/>
+            <a:cs typeface="Arial" panose="020B0604020202020204" pitchFamily="34" charset="0"/>
+          </a:endParaRPr>
         </a:p>
       </dgm:t>
     </dgm:pt>
     <dgm:pt modelId="{170BBC8E-2C34-45FA-AF28-A4BA1B1CA8A1}">
-      <dgm:prSet phldrT="[Texto]"/>
+      <dgm:prSet phldrT="[Texto]" custT="1"/>
       <dgm:spPr/>
       <dgm:t>
         <a:bodyPr/>
         <a:lstStyle/>
         <a:p>
           <a:r>
-            <a:rPr lang="es-CO" dirty="0" smtClean="0"/>
+            <a:rPr lang="es-CO" sz="1800" dirty="0">
+              <a:latin typeface="Arial" panose="020B0604020202020204" pitchFamily="34" charset="0"/>
+              <a:cs typeface="Arial" panose="020B0604020202020204" pitchFamily="34" charset="0"/>
+            </a:rPr>
             <a:t>2.</a:t>
           </a:r>
-          <a:endParaRPr lang="es-CO" dirty="0"/>
         </a:p>
       </dgm:t>
     </dgm:pt>
@@ -3107,7 +3132,10 @@
         <a:bodyPr/>
         <a:lstStyle/>
         <a:p>
-          <a:endParaRPr lang="es-CO"/>
+          <a:endParaRPr lang="es-CO" sz="1800">
+            <a:latin typeface="Arial" panose="020B0604020202020204" pitchFamily="34" charset="0"/>
+            <a:cs typeface="Arial" panose="020B0604020202020204" pitchFamily="34" charset="0"/>
+          </a:endParaRPr>
         </a:p>
       </dgm:t>
     </dgm:pt>
@@ -3118,19 +3146,22 @@
         <a:bodyPr/>
         <a:lstStyle/>
         <a:p>
-          <a:endParaRPr lang="es-CO"/>
+          <a:endParaRPr lang="es-CO" sz="1800">
+            <a:latin typeface="Arial" panose="020B0604020202020204" pitchFamily="34" charset="0"/>
+            <a:cs typeface="Arial" panose="020B0604020202020204" pitchFamily="34" charset="0"/>
+          </a:endParaRPr>
         </a:p>
       </dgm:t>
     </dgm:pt>
     <dgm:pt modelId="{AEFEF4A0-433C-449E-BD42-32D1DF06BDC7}">
-      <dgm:prSet phldrT="[Texto]"/>
+      <dgm:prSet phldrT="[Texto]" custT="1"/>
       <dgm:spPr/>
       <dgm:t>
         <a:bodyPr/>
         <a:lstStyle/>
         <a:p>
           <a:r>
-            <a:rPr lang="es-CO" dirty="0" smtClean="0">
+            <a:rPr lang="es-CO" sz="1800" dirty="0">
               <a:solidFill>
                 <a:schemeClr val="tx1">
                   <a:lumMod val="85000"/>
@@ -3142,7 +3173,10 @@
             </a:rPr>
             <a:t>Desarrollar, codificar e implementar el código fuente correspondiente a los modelos para el correcto funcionamiento de la aplicación basado en los modelos y estructuras planteadas anteriormente.</a:t>
           </a:r>
-          <a:endParaRPr lang="es-CO" dirty="0"/>
+          <a:endParaRPr lang="es-CO" sz="1800" dirty="0">
+            <a:latin typeface="Arial" panose="020B0604020202020204" pitchFamily="34" charset="0"/>
+            <a:cs typeface="Arial" panose="020B0604020202020204" pitchFamily="34" charset="0"/>
+          </a:endParaRPr>
         </a:p>
       </dgm:t>
     </dgm:pt>
@@ -3153,7 +3187,10 @@
         <a:bodyPr/>
         <a:lstStyle/>
         <a:p>
-          <a:endParaRPr lang="es-CO"/>
+          <a:endParaRPr lang="es-CO" sz="1800">
+            <a:latin typeface="Arial" panose="020B0604020202020204" pitchFamily="34" charset="0"/>
+            <a:cs typeface="Arial" panose="020B0604020202020204" pitchFamily="34" charset="0"/>
+          </a:endParaRPr>
         </a:p>
       </dgm:t>
     </dgm:pt>
@@ -3164,22 +3201,27 @@
         <a:bodyPr/>
         <a:lstStyle/>
         <a:p>
-          <a:endParaRPr lang="es-CO"/>
+          <a:endParaRPr lang="es-CO" sz="1800">
+            <a:latin typeface="Arial" panose="020B0604020202020204" pitchFamily="34" charset="0"/>
+            <a:cs typeface="Arial" panose="020B0604020202020204" pitchFamily="34" charset="0"/>
+          </a:endParaRPr>
         </a:p>
       </dgm:t>
     </dgm:pt>
     <dgm:pt modelId="{7D831C5B-269F-4E53-AD01-DC097ECE18CC}">
-      <dgm:prSet phldrT="[Texto]"/>
+      <dgm:prSet phldrT="[Texto]" custT="1"/>
       <dgm:spPr/>
       <dgm:t>
         <a:bodyPr/>
         <a:lstStyle/>
         <a:p>
           <a:r>
-            <a:rPr lang="es-CO" dirty="0" smtClean="0"/>
+            <a:rPr lang="es-CO" sz="1800" dirty="0">
+              <a:latin typeface="Arial" panose="020B0604020202020204" pitchFamily="34" charset="0"/>
+              <a:cs typeface="Arial" panose="020B0604020202020204" pitchFamily="34" charset="0"/>
+            </a:rPr>
             <a:t>3.</a:t>
           </a:r>
-          <a:endParaRPr lang="es-CO" dirty="0"/>
         </a:p>
       </dgm:t>
     </dgm:pt>
@@ -3190,7 +3232,10 @@
         <a:bodyPr/>
         <a:lstStyle/>
         <a:p>
-          <a:endParaRPr lang="es-CO"/>
+          <a:endParaRPr lang="es-CO" sz="1800">
+            <a:latin typeface="Arial" panose="020B0604020202020204" pitchFamily="34" charset="0"/>
+            <a:cs typeface="Arial" panose="020B0604020202020204" pitchFamily="34" charset="0"/>
+          </a:endParaRPr>
         </a:p>
       </dgm:t>
     </dgm:pt>
@@ -3201,19 +3246,22 @@
         <a:bodyPr/>
         <a:lstStyle/>
         <a:p>
-          <a:endParaRPr lang="es-CO"/>
+          <a:endParaRPr lang="es-CO" sz="1800">
+            <a:latin typeface="Arial" panose="020B0604020202020204" pitchFamily="34" charset="0"/>
+            <a:cs typeface="Arial" panose="020B0604020202020204" pitchFamily="34" charset="0"/>
+          </a:endParaRPr>
         </a:p>
       </dgm:t>
     </dgm:pt>
     <dgm:pt modelId="{D101337A-CAA7-4710-816E-65BEDCB77915}">
-      <dgm:prSet phldrT="[Texto]"/>
+      <dgm:prSet phldrT="[Texto]" custT="1"/>
       <dgm:spPr/>
       <dgm:t>
         <a:bodyPr/>
         <a:lstStyle/>
         <a:p>
           <a:r>
-            <a:rPr lang="es-CO" dirty="0" smtClean="0">
+            <a:rPr lang="es-CO" sz="1800" dirty="0">
               <a:solidFill>
                 <a:schemeClr val="tx1">
                   <a:lumMod val="85000"/>
@@ -3225,7 +3273,10 @@
             </a:rPr>
             <a:t>Diseñar y realizar pruebas funcionales, de usabilidad y de carga al sistema de información desarrollado, verificando de esta manera el correcto funcionamiento.</a:t>
           </a:r>
-          <a:endParaRPr lang="es-CO" dirty="0"/>
+          <a:endParaRPr lang="es-CO" sz="1800" dirty="0">
+            <a:latin typeface="Arial" panose="020B0604020202020204" pitchFamily="34" charset="0"/>
+            <a:cs typeface="Arial" panose="020B0604020202020204" pitchFamily="34" charset="0"/>
+          </a:endParaRPr>
         </a:p>
       </dgm:t>
     </dgm:pt>
@@ -3236,7 +3287,10 @@
         <a:bodyPr/>
         <a:lstStyle/>
         <a:p>
-          <a:endParaRPr lang="es-CO"/>
+          <a:endParaRPr lang="es-CO" sz="1800">
+            <a:latin typeface="Arial" panose="020B0604020202020204" pitchFamily="34" charset="0"/>
+            <a:cs typeface="Arial" panose="020B0604020202020204" pitchFamily="34" charset="0"/>
+          </a:endParaRPr>
         </a:p>
       </dgm:t>
     </dgm:pt>
@@ -3247,7 +3301,10 @@
         <a:bodyPr/>
         <a:lstStyle/>
         <a:p>
-          <a:endParaRPr lang="es-CO"/>
+          <a:endParaRPr lang="es-CO" sz="1800">
+            <a:latin typeface="Arial" panose="020B0604020202020204" pitchFamily="34" charset="0"/>
+            <a:cs typeface="Arial" panose="020B0604020202020204" pitchFamily="34" charset="0"/>
+          </a:endParaRPr>
         </a:p>
       </dgm:t>
     </dgm:pt>
@@ -3260,13 +3317,6 @@
         </dgm:presLayoutVars>
       </dgm:prSet>
       <dgm:spPr/>
-      <dgm:t>
-        <a:bodyPr/>
-        <a:lstStyle/>
-        <a:p>
-          <a:endParaRPr lang="es-CO"/>
-        </a:p>
-      </dgm:t>
     </dgm:pt>
     <dgm:pt modelId="{1E632280-869A-4579-ABA8-FFAC3104A52D}" type="pres">
       <dgm:prSet presAssocID="{DA36CDFE-6F43-4AB4-A883-E2D51344F677}" presName="composite" presStyleCnt="0"/>
@@ -3280,13 +3330,6 @@
         </dgm:presLayoutVars>
       </dgm:prSet>
       <dgm:spPr/>
-      <dgm:t>
-        <a:bodyPr/>
-        <a:lstStyle/>
-        <a:p>
-          <a:endParaRPr lang="es-CO"/>
-        </a:p>
-      </dgm:t>
     </dgm:pt>
     <dgm:pt modelId="{02F66A04-DB78-486E-95D4-9E5F57C6DFF9}" type="pres">
       <dgm:prSet presAssocID="{DA36CDFE-6F43-4AB4-A883-E2D51344F677}" presName="descendantText" presStyleLbl="alignAcc1" presStyleIdx="0" presStyleCnt="3">
@@ -3295,13 +3338,6 @@
         </dgm:presLayoutVars>
       </dgm:prSet>
       <dgm:spPr/>
-      <dgm:t>
-        <a:bodyPr/>
-        <a:lstStyle/>
-        <a:p>
-          <a:endParaRPr lang="es-CO"/>
-        </a:p>
-      </dgm:t>
     </dgm:pt>
     <dgm:pt modelId="{7117C6AC-2861-4A76-B9E9-16F458DE51C3}" type="pres">
       <dgm:prSet presAssocID="{FB39165A-D498-4FC0-9D08-7DDA0237A9A3}" presName="sp" presStyleCnt="0"/>
@@ -3319,28 +3355,14 @@
         </dgm:presLayoutVars>
       </dgm:prSet>
       <dgm:spPr/>
-      <dgm:t>
-        <a:bodyPr/>
-        <a:lstStyle/>
-        <a:p>
-          <a:endParaRPr lang="es-CO"/>
-        </a:p>
-      </dgm:t>
     </dgm:pt>
     <dgm:pt modelId="{625AF70D-44B9-441C-9600-FB6CA978B302}" type="pres">
-      <dgm:prSet presAssocID="{170BBC8E-2C34-45FA-AF28-A4BA1B1CA8A1}" presName="descendantText" presStyleLbl="alignAcc1" presStyleIdx="1" presStyleCnt="3">
+      <dgm:prSet presAssocID="{170BBC8E-2C34-45FA-AF28-A4BA1B1CA8A1}" presName="descendantText" presStyleLbl="alignAcc1" presStyleIdx="1" presStyleCnt="3" custScaleY="118823">
         <dgm:presLayoutVars>
           <dgm:bulletEnabled val="1"/>
         </dgm:presLayoutVars>
       </dgm:prSet>
       <dgm:spPr/>
-      <dgm:t>
-        <a:bodyPr/>
-        <a:lstStyle/>
-        <a:p>
-          <a:endParaRPr lang="es-CO"/>
-        </a:p>
-      </dgm:t>
     </dgm:pt>
     <dgm:pt modelId="{215B721C-476C-46F6-9330-A360D0752B73}" type="pres">
       <dgm:prSet presAssocID="{2237E833-FCF2-41F5-BE1F-7982F4312A70}" presName="sp" presStyleCnt="0"/>
@@ -3358,44 +3380,30 @@
         </dgm:presLayoutVars>
       </dgm:prSet>
       <dgm:spPr/>
-      <dgm:t>
-        <a:bodyPr/>
-        <a:lstStyle/>
-        <a:p>
-          <a:endParaRPr lang="es-CO"/>
-        </a:p>
-      </dgm:t>
     </dgm:pt>
     <dgm:pt modelId="{3C482219-5E95-44EF-9E58-131D009A5003}" type="pres">
-      <dgm:prSet presAssocID="{7D831C5B-269F-4E53-AD01-DC097ECE18CC}" presName="descendantText" presStyleLbl="alignAcc1" presStyleIdx="2" presStyleCnt="3">
+      <dgm:prSet presAssocID="{7D831C5B-269F-4E53-AD01-DC097ECE18CC}" presName="descendantText" presStyleLbl="alignAcc1" presStyleIdx="2" presStyleCnt="3" custLinFactNeighborY="0">
         <dgm:presLayoutVars>
           <dgm:bulletEnabled val="1"/>
         </dgm:presLayoutVars>
       </dgm:prSet>
       <dgm:spPr/>
-      <dgm:t>
-        <a:bodyPr/>
-        <a:lstStyle/>
-        <a:p>
-          <a:endParaRPr lang="es-CO"/>
-        </a:p>
-      </dgm:t>
     </dgm:pt>
   </dgm:ptLst>
   <dgm:cxnLst>
     <dgm:cxn modelId="{E0095917-9A81-4982-9CD7-2635A3B83101}" type="presOf" srcId="{170BBC8E-2C34-45FA-AF28-A4BA1B1CA8A1}" destId="{3CE9BBE7-FAD6-46BA-81C4-4AE4D629BB53}" srcOrd="0" destOrd="0" presId="urn:microsoft.com/office/officeart/2005/8/layout/chevron2"/>
+    <dgm:cxn modelId="{FD42C529-D7FF-4792-8D4F-B3D10E140F55}" type="presOf" srcId="{DA36CDFE-6F43-4AB4-A883-E2D51344F677}" destId="{6D696395-13D4-460E-BC6B-9586C49563F5}" srcOrd="0" destOrd="0" presId="urn:microsoft.com/office/officeart/2005/8/layout/chevron2"/>
+    <dgm:cxn modelId="{A317A431-D591-4B69-B5AD-0853174B35CE}" type="presOf" srcId="{7D831C5B-269F-4E53-AD01-DC097ECE18CC}" destId="{4878584C-CEE6-4755-B5E5-FFF25B902B0D}" srcOrd="0" destOrd="0" presId="urn:microsoft.com/office/officeart/2005/8/layout/chevron2"/>
+    <dgm:cxn modelId="{98D8A03B-8F77-4CDC-A560-668222C38165}" type="presOf" srcId="{C05BC014-E98F-4B4A-9F48-73C7119F8C05}" destId="{02F66A04-DB78-486E-95D4-9E5F57C6DFF9}" srcOrd="0" destOrd="0" presId="urn:microsoft.com/office/officeart/2005/8/layout/chevron2"/>
+    <dgm:cxn modelId="{4DFE7057-0F5A-4D06-9C10-1CE6D80C2769}" type="presOf" srcId="{34542C49-5B63-487F-8EA7-92AEB037FA9B}" destId="{632B85A2-D938-4C49-BC5B-C241C2B62ACA}" srcOrd="0" destOrd="0" presId="urn:microsoft.com/office/officeart/2005/8/layout/chevron2"/>
     <dgm:cxn modelId="{0602347C-ADBE-4AC9-AB27-32B9C786ACDA}" type="presOf" srcId="{AEFEF4A0-433C-449E-BD42-32D1DF06BDC7}" destId="{625AF70D-44B9-441C-9600-FB6CA978B302}" srcOrd="0" destOrd="0" presId="urn:microsoft.com/office/officeart/2005/8/layout/chevron2"/>
-    <dgm:cxn modelId="{FF48FBDD-EA67-4720-9F33-F6E225A4BD54}" srcId="{170BBC8E-2C34-45FA-AF28-A4BA1B1CA8A1}" destId="{AEFEF4A0-433C-449E-BD42-32D1DF06BDC7}" srcOrd="0" destOrd="0" parTransId="{358654D7-5323-43DA-AA26-662BABFDF67A}" sibTransId="{9B23DDB6-868E-4043-943B-925CAADC364A}"/>
-    <dgm:cxn modelId="{DB6166B9-2E9C-4386-B2BC-5898887BA9FB}" srcId="{34542C49-5B63-487F-8EA7-92AEB037FA9B}" destId="{DA36CDFE-6F43-4AB4-A883-E2D51344F677}" srcOrd="0" destOrd="0" parTransId="{63A951EC-59C6-464B-BB82-5B5D89692FF5}" sibTransId="{FB39165A-D498-4FC0-9D08-7DDA0237A9A3}"/>
-    <dgm:cxn modelId="{A317A431-D591-4B69-B5AD-0853174B35CE}" type="presOf" srcId="{7D831C5B-269F-4E53-AD01-DC097ECE18CC}" destId="{4878584C-CEE6-4755-B5E5-FFF25B902B0D}" srcOrd="0" destOrd="0" presId="urn:microsoft.com/office/officeart/2005/8/layout/chevron2"/>
-    <dgm:cxn modelId="{FD42C529-D7FF-4792-8D4F-B3D10E140F55}" type="presOf" srcId="{DA36CDFE-6F43-4AB4-A883-E2D51344F677}" destId="{6D696395-13D4-460E-BC6B-9586C49563F5}" srcOrd="0" destOrd="0" presId="urn:microsoft.com/office/officeart/2005/8/layout/chevron2"/>
-    <dgm:cxn modelId="{2EAB7D9B-F684-4951-AA44-21A0A6F1D1C2}" srcId="{34542C49-5B63-487F-8EA7-92AEB037FA9B}" destId="{7D831C5B-269F-4E53-AD01-DC097ECE18CC}" srcOrd="2" destOrd="0" parTransId="{46548466-FA3B-41FD-B76F-4C37AC77A2F1}" sibTransId="{3FE52FB7-6051-4E06-8507-93F5F21DA6BF}"/>
-    <dgm:cxn modelId="{98D8A03B-8F77-4CDC-A560-668222C38165}" type="presOf" srcId="{C05BC014-E98F-4B4A-9F48-73C7119F8C05}" destId="{02F66A04-DB78-486E-95D4-9E5F57C6DFF9}" srcOrd="0" destOrd="0" presId="urn:microsoft.com/office/officeart/2005/8/layout/chevron2"/>
+    <dgm:cxn modelId="{57B50582-893B-4CD5-9AA4-193A669BAEBC}" srcId="{7D831C5B-269F-4E53-AD01-DC097ECE18CC}" destId="{D101337A-CAA7-4710-816E-65BEDCB77915}" srcOrd="0" destOrd="0" parTransId="{607537BD-EFB8-4093-AD36-B8B3D46428F3}" sibTransId="{860765D0-0D1A-4CF3-A767-264072ECE55D}"/>
     <dgm:cxn modelId="{907F6F96-C6FC-4914-82AF-6F64E96F9B2E}" type="presOf" srcId="{D101337A-CAA7-4710-816E-65BEDCB77915}" destId="{3C482219-5E95-44EF-9E58-131D009A5003}" srcOrd="0" destOrd="0" presId="urn:microsoft.com/office/officeart/2005/8/layout/chevron2"/>
     <dgm:cxn modelId="{07211B98-8925-496D-911C-BAD8B6F21F05}" srcId="{DA36CDFE-6F43-4AB4-A883-E2D51344F677}" destId="{C05BC014-E98F-4B4A-9F48-73C7119F8C05}" srcOrd="0" destOrd="0" parTransId="{1501159D-CE97-4A45-935A-96623120AEFF}" sibTransId="{894A4368-977B-4B3E-9852-2A5462B48607}"/>
-    <dgm:cxn modelId="{57B50582-893B-4CD5-9AA4-193A669BAEBC}" srcId="{7D831C5B-269F-4E53-AD01-DC097ECE18CC}" destId="{D101337A-CAA7-4710-816E-65BEDCB77915}" srcOrd="0" destOrd="0" parTransId="{607537BD-EFB8-4093-AD36-B8B3D46428F3}" sibTransId="{860765D0-0D1A-4CF3-A767-264072ECE55D}"/>
+    <dgm:cxn modelId="{2EAB7D9B-F684-4951-AA44-21A0A6F1D1C2}" srcId="{34542C49-5B63-487F-8EA7-92AEB037FA9B}" destId="{7D831C5B-269F-4E53-AD01-DC097ECE18CC}" srcOrd="2" destOrd="0" parTransId="{46548466-FA3B-41FD-B76F-4C37AC77A2F1}" sibTransId="{3FE52FB7-6051-4E06-8507-93F5F21DA6BF}"/>
+    <dgm:cxn modelId="{DB6166B9-2E9C-4386-B2BC-5898887BA9FB}" srcId="{34542C49-5B63-487F-8EA7-92AEB037FA9B}" destId="{DA36CDFE-6F43-4AB4-A883-E2D51344F677}" srcOrd="0" destOrd="0" parTransId="{63A951EC-59C6-464B-BB82-5B5D89692FF5}" sibTransId="{FB39165A-D498-4FC0-9D08-7DDA0237A9A3}"/>
+    <dgm:cxn modelId="{FF48FBDD-EA67-4720-9F33-F6E225A4BD54}" srcId="{170BBC8E-2C34-45FA-AF28-A4BA1B1CA8A1}" destId="{AEFEF4A0-433C-449E-BD42-32D1DF06BDC7}" srcOrd="0" destOrd="0" parTransId="{358654D7-5323-43DA-AA26-662BABFDF67A}" sibTransId="{9B23DDB6-868E-4043-943B-925CAADC364A}"/>
     <dgm:cxn modelId="{26833DEE-94D4-48A6-8AFF-AD4737CFE1B0}" srcId="{34542C49-5B63-487F-8EA7-92AEB037FA9B}" destId="{170BBC8E-2C34-45FA-AF28-A4BA1B1CA8A1}" srcOrd="1" destOrd="0" parTransId="{7287A623-D24F-4A36-98C8-B1CEE66C420C}" sibTransId="{2237E833-FCF2-41F5-BE1F-7982F4312A70}"/>
-    <dgm:cxn modelId="{4DFE7057-0F5A-4D06-9C10-1CE6D80C2769}" type="presOf" srcId="{34542C49-5B63-487F-8EA7-92AEB037FA9B}" destId="{632B85A2-D938-4C49-BC5B-C241C2B62ACA}" srcOrd="0" destOrd="0" presId="urn:microsoft.com/office/officeart/2005/8/layout/chevron2"/>
     <dgm:cxn modelId="{E8727F73-66FC-4A82-AA37-EA16CB278F6A}" type="presParOf" srcId="{632B85A2-D938-4C49-BC5B-C241C2B62ACA}" destId="{1E632280-869A-4579-ABA8-FFAC3104A52D}" srcOrd="0" destOrd="0" presId="urn:microsoft.com/office/officeart/2005/8/layout/chevron2"/>
     <dgm:cxn modelId="{978721DD-CBAF-44D7-98D6-91B50DD20530}" type="presParOf" srcId="{1E632280-869A-4579-ABA8-FFAC3104A52D}" destId="{6D696395-13D4-460E-BC6B-9586C49563F5}" srcOrd="0" destOrd="0" presId="urn:microsoft.com/office/officeart/2005/8/layout/chevron2"/>
     <dgm:cxn modelId="{861F69EF-335F-4C55-86D6-1077A8AFB70B}" type="presParOf" srcId="{1E632280-869A-4579-ABA8-FFAC3104A52D}" destId="{02F66A04-DB78-486E-95D4-9E5F57C6DFF9}" srcOrd="1" destOrd="0" presId="urn:microsoft.com/office/officeart/2005/8/layout/chevron2"/>
@@ -3433,14 +3441,14 @@
       </dsp:nvSpPr>
       <dsp:spPr>
         <a:xfrm>
-          <a:off x="1566377" y="630033"/>
-          <a:ext cx="3867844" cy="3867844"/>
+          <a:off x="1480903" y="713759"/>
+          <a:ext cx="4021485" cy="4021485"/>
         </a:xfrm>
         <a:prstGeom prst="blockArc">
           <a:avLst>
             <a:gd name="adj1" fmla="val 9000000"/>
             <a:gd name="adj2" fmla="val 16200000"/>
-            <a:gd name="adj3" fmla="val 4636"/>
+            <a:gd name="adj3" fmla="val 4637"/>
           </a:avLst>
         </a:prstGeom>
         <a:gradFill rotWithShape="0">
@@ -3496,14 +3504,14 @@
       </dsp:nvSpPr>
       <dsp:spPr>
         <a:xfrm>
-          <a:off x="1566377" y="630033"/>
-          <a:ext cx="3867844" cy="3867844"/>
+          <a:off x="1480903" y="713759"/>
+          <a:ext cx="4021485" cy="4021485"/>
         </a:xfrm>
         <a:prstGeom prst="blockArc">
           <a:avLst>
             <a:gd name="adj1" fmla="val 1800000"/>
             <a:gd name="adj2" fmla="val 9000000"/>
-            <a:gd name="adj3" fmla="val 4636"/>
+            <a:gd name="adj3" fmla="val 4637"/>
           </a:avLst>
         </a:prstGeom>
         <a:gradFill rotWithShape="0">
@@ -3559,14 +3567,14 @@
       </dsp:nvSpPr>
       <dsp:spPr>
         <a:xfrm>
-          <a:off x="1566377" y="630033"/>
-          <a:ext cx="3867844" cy="3867844"/>
+          <a:off x="1480903" y="713759"/>
+          <a:ext cx="4021485" cy="4021485"/>
         </a:xfrm>
         <a:prstGeom prst="blockArc">
           <a:avLst>
             <a:gd name="adj1" fmla="val 16200000"/>
             <a:gd name="adj2" fmla="val 1800000"/>
-            <a:gd name="adj3" fmla="val 4636"/>
+            <a:gd name="adj3" fmla="val 4637"/>
           </a:avLst>
         </a:prstGeom>
         <a:gradFill rotWithShape="0">
@@ -3622,192 +3630,8 @@
       </dsp:nvSpPr>
       <dsp:spPr>
         <a:xfrm>
-          <a:off x="2543692" y="1674551"/>
-          <a:ext cx="1913215" cy="1778808"/>
-        </a:xfrm>
-        <a:prstGeom prst="ellipse">
-          <a:avLst/>
-        </a:prstGeom>
-        <a:gradFill rotWithShape="0">
-          <a:gsLst>
-            <a:gs pos="0">
-              <a:schemeClr val="accent1">
-                <a:hueOff val="0"/>
-                <a:satOff val="0"/>
-                <a:lumOff val="0"/>
-                <a:alphaOff val="0"/>
-                <a:tint val="65000"/>
-                <a:lumMod val="110000"/>
-              </a:schemeClr>
-            </a:gs>
-            <a:gs pos="88000">
-              <a:schemeClr val="accent1">
-                <a:hueOff val="0"/>
-                <a:satOff val="0"/>
-                <a:lumOff val="0"/>
-                <a:alphaOff val="0"/>
-                <a:tint val="90000"/>
-              </a:schemeClr>
-            </a:gs>
-          </a:gsLst>
-          <a:lin ang="5400000" scaled="0"/>
-        </a:gradFill>
-        <a:ln>
-          <a:noFill/>
-        </a:ln>
-        <a:effectLst/>
-        <a:scene3d>
-          <a:camera prst="orthographicFront"/>
-          <a:lightRig rig="flat" dir="t"/>
-        </a:scene3d>
-        <a:sp3d prstMaterial="dkEdge">
-          <a:bevelT w="8200" h="38100"/>
-        </a:sp3d>
-      </dsp:spPr>
-      <dsp:style>
-        <a:lnRef idx="0">
-          <a:scrgbClr r="0" g="0" b="0"/>
-        </a:lnRef>
-        <a:fillRef idx="2">
-          <a:scrgbClr r="0" g="0" b="0"/>
-        </a:fillRef>
-        <a:effectRef idx="1">
-          <a:scrgbClr r="0" g="0" b="0"/>
-        </a:effectRef>
-        <a:fontRef idx="minor">
-          <a:schemeClr val="dk1"/>
-        </a:fontRef>
-      </dsp:style>
-      <dsp:txBody>
-        <a:bodyPr spcFirstLastPara="0" vert="horz" wrap="square" lIns="13970" tIns="13970" rIns="13970" bIns="13970" numCol="1" spcCol="1270" anchor="ctr" anchorCtr="0">
-          <a:noAutofit/>
-        </a:bodyPr>
-        <a:lstStyle/>
-        <a:p>
-          <a:pPr lvl="0" algn="ctr" defTabSz="488950">
-            <a:lnSpc>
-              <a:spcPct val="90000"/>
-            </a:lnSpc>
-            <a:spcBef>
-              <a:spcPct val="0"/>
-            </a:spcBef>
-            <a:spcAft>
-              <a:spcPct val="35000"/>
-            </a:spcAft>
-          </a:pPr>
-          <a:r>
-            <a:rPr lang="es-CO" sz="1100" kern="1200" dirty="0" smtClean="0"/>
-            <a:t>¿Es posible que una herramienta tecnológica mejore el proceso de realización del plan de trabajo del docente de las Unidades Tecnológicas de Santander?</a:t>
-          </a:r>
-          <a:endParaRPr lang="es-CO" sz="1100" kern="1200" dirty="0"/>
-        </a:p>
-      </dsp:txBody>
-      <dsp:txXfrm>
-        <a:off x="2823876" y="1935051"/>
-        <a:ext cx="1352847" cy="1257808"/>
-      </dsp:txXfrm>
-    </dsp:sp>
-    <dsp:sp modelId="{602AF10C-4B69-4598-96AC-B0B98EE68667}">
-      <dsp:nvSpPr>
-        <dsp:cNvPr id="0" name=""/>
-        <dsp:cNvSpPr/>
-      </dsp:nvSpPr>
-      <dsp:spPr>
-        <a:xfrm>
-          <a:off x="2660074" y="-49733"/>
-          <a:ext cx="1680451" cy="1449186"/>
-        </a:xfrm>
-        <a:prstGeom prst="ellipse">
-          <a:avLst/>
-        </a:prstGeom>
-        <a:gradFill rotWithShape="0">
-          <a:gsLst>
-            <a:gs pos="0">
-              <a:schemeClr val="accent1">
-                <a:hueOff val="0"/>
-                <a:satOff val="0"/>
-                <a:lumOff val="0"/>
-                <a:alphaOff val="0"/>
-                <a:tint val="65000"/>
-                <a:lumMod val="110000"/>
-              </a:schemeClr>
-            </a:gs>
-            <a:gs pos="88000">
-              <a:schemeClr val="accent1">
-                <a:hueOff val="0"/>
-                <a:satOff val="0"/>
-                <a:lumOff val="0"/>
-                <a:alphaOff val="0"/>
-                <a:tint val="90000"/>
-              </a:schemeClr>
-            </a:gs>
-          </a:gsLst>
-          <a:lin ang="5400000" scaled="0"/>
-        </a:gradFill>
-        <a:ln>
-          <a:noFill/>
-        </a:ln>
-        <a:effectLst/>
-        <a:scene3d>
-          <a:camera prst="orthographicFront"/>
-          <a:lightRig rig="flat" dir="t"/>
-        </a:scene3d>
-        <a:sp3d prstMaterial="dkEdge">
-          <a:bevelT w="8200" h="38100"/>
-        </a:sp3d>
-      </dsp:spPr>
-      <dsp:style>
-        <a:lnRef idx="0">
-          <a:scrgbClr r="0" g="0" b="0"/>
-        </a:lnRef>
-        <a:fillRef idx="2">
-          <a:scrgbClr r="0" g="0" b="0"/>
-        </a:fillRef>
-        <a:effectRef idx="1">
-          <a:scrgbClr r="0" g="0" b="0"/>
-        </a:effectRef>
-        <a:fontRef idx="minor">
-          <a:schemeClr val="dk1"/>
-        </a:fontRef>
-      </dsp:style>
-      <dsp:txBody>
-        <a:bodyPr spcFirstLastPara="0" vert="horz" wrap="square" lIns="13970" tIns="13970" rIns="13970" bIns="13970" numCol="1" spcCol="1270" anchor="ctr" anchorCtr="0">
-          <a:noAutofit/>
-        </a:bodyPr>
-        <a:lstStyle/>
-        <a:p>
-          <a:pPr lvl="0" algn="ctr" defTabSz="488950">
-            <a:lnSpc>
-              <a:spcPct val="90000"/>
-            </a:lnSpc>
-            <a:spcBef>
-              <a:spcPct val="0"/>
-            </a:spcBef>
-            <a:spcAft>
-              <a:spcPct val="35000"/>
-            </a:spcAft>
-          </a:pPr>
-          <a:r>
-            <a:rPr lang="es-CO" sz="1100" kern="1200" dirty="0" smtClean="0"/>
-            <a:t>La elaboración del plan de trabajo de los docentes implica un gasto prolongado de tiempo. </a:t>
-          </a:r>
-          <a:endParaRPr lang="es-CO" sz="1100" kern="1200" dirty="0"/>
-        </a:p>
-      </dsp:txBody>
-      <dsp:txXfrm>
-        <a:off x="2906170" y="162495"/>
-        <a:ext cx="1188259" cy="1024730"/>
-      </dsp:txXfrm>
-    </dsp:sp>
-    <dsp:sp modelId="{384D9E33-EAB8-4793-AF1D-384ACC182778}">
-      <dsp:nvSpPr>
-        <dsp:cNvPr id="0" name=""/>
-        <dsp:cNvSpPr/>
-      </dsp:nvSpPr>
-      <dsp:spPr>
-        <a:xfrm>
-          <a:off x="4451115" y="2917448"/>
-          <a:ext cx="1370379" cy="1182110"/>
+          <a:off x="2496878" y="1799618"/>
+          <a:ext cx="1989535" cy="1849766"/>
         </a:xfrm>
         <a:prstGeom prst="ellipse">
           <a:avLst/>
@@ -3868,7 +3692,7 @@
         </a:bodyPr>
         <a:lstStyle/>
         <a:p>
-          <a:pPr lvl="0" algn="ctr" defTabSz="533400">
+          <a:pPr marL="0" lvl="0" indent="0" algn="ctr" defTabSz="533400">
             <a:lnSpc>
               <a:spcPct val="90000"/>
             </a:lnSpc>
@@ -3878,28 +3702,31 @@
             <a:spcAft>
               <a:spcPct val="35000"/>
             </a:spcAft>
+            <a:buNone/>
           </a:pPr>
           <a:r>
-            <a:rPr lang="es-CO" sz="1200" kern="1200" dirty="0" smtClean="0"/>
-            <a:t>Las funciones agregadas para mantener un mínimo control.</a:t>
+            <a:rPr lang="es-CO" sz="1200" kern="1200" dirty="0">
+              <a:latin typeface="Arial" panose="020B0604020202020204" pitchFamily="34" charset="0"/>
+              <a:cs typeface="Arial" panose="020B0604020202020204" pitchFamily="34" charset="0"/>
+            </a:rPr>
+            <a:t>¿Es posible que una herramienta tecnológica mejore el proceso de realización del plan de trabajo del docente de las Unidades Tecnológicas de Santander?</a:t>
           </a:r>
-          <a:endParaRPr lang="es-CO" sz="1200" kern="1200" dirty="0"/>
         </a:p>
       </dsp:txBody>
       <dsp:txXfrm>
-        <a:off x="4651802" y="3090564"/>
-        <a:ext cx="969005" cy="835878"/>
+        <a:off x="2788239" y="2070510"/>
+        <a:ext cx="1406813" cy="1307982"/>
       </dsp:txXfrm>
     </dsp:sp>
-    <dsp:sp modelId="{13DC1546-3591-4A6A-AB06-919D6233F830}">
+    <dsp:sp modelId="{602AF10C-4B69-4598-96AC-B0B98EE68667}">
       <dsp:nvSpPr>
         <dsp:cNvPr id="0" name=""/>
         <dsp:cNvSpPr/>
       </dsp:nvSpPr>
       <dsp:spPr>
         <a:xfrm>
-          <a:off x="1224926" y="2934071"/>
-          <a:ext cx="1278735" cy="1148864"/>
+          <a:off x="2485752" y="-111737"/>
+          <a:ext cx="2011788" cy="1744222"/>
         </a:xfrm>
         <a:prstGeom prst="ellipse">
           <a:avLst/>
@@ -3960,7 +3787,7 @@
         </a:bodyPr>
         <a:lstStyle/>
         <a:p>
-          <a:pPr lvl="0" algn="ctr" defTabSz="622300">
+          <a:pPr marL="0" lvl="0" indent="0" algn="ctr" defTabSz="622300">
             <a:lnSpc>
               <a:spcPct val="90000"/>
             </a:lnSpc>
@@ -3970,17 +3797,214 @@
             <a:spcAft>
               <a:spcPct val="35000"/>
             </a:spcAft>
+            <a:buNone/>
           </a:pPr>
           <a:r>
-            <a:rPr lang="es-CO" sz="1400" kern="1200" smtClean="0"/>
-            <a:t>El proceso es confuso y tedioso.</a:t>
+            <a:rPr lang="es-CO" sz="1400" kern="1200" dirty="0">
+              <a:latin typeface="Arial" panose="020B0604020202020204" pitchFamily="34" charset="0"/>
+              <a:cs typeface="Arial" panose="020B0604020202020204" pitchFamily="34" charset="0"/>
+            </a:rPr>
+            <a:t>La elaboración del plan de trabajo de los docentes implica un gasto prolongado de tiempo. </a:t>
           </a:r>
-          <a:endParaRPr lang="es-CO" sz="1400" kern="1200" dirty="0"/>
         </a:p>
       </dsp:txBody>
       <dsp:txXfrm>
-        <a:off x="1412192" y="3102318"/>
-        <a:ext cx="904203" cy="812370"/>
+        <a:off x="2780372" y="143698"/>
+        <a:ext cx="1422548" cy="1233352"/>
+      </dsp:txXfrm>
+    </dsp:sp>
+    <dsp:sp modelId="{384D9E33-EAB8-4793-AF1D-384ACC182778}">
+      <dsp:nvSpPr>
+        <dsp:cNvPr id="0" name=""/>
+        <dsp:cNvSpPr/>
+      </dsp:nvSpPr>
+      <dsp:spPr>
+        <a:xfrm>
+          <a:off x="4225816" y="3031186"/>
+          <a:ext cx="1933631" cy="1350760"/>
+        </a:xfrm>
+        <a:prstGeom prst="ellipse">
+          <a:avLst/>
+        </a:prstGeom>
+        <a:gradFill rotWithShape="0">
+          <a:gsLst>
+            <a:gs pos="0">
+              <a:schemeClr val="accent1">
+                <a:hueOff val="0"/>
+                <a:satOff val="0"/>
+                <a:lumOff val="0"/>
+                <a:alphaOff val="0"/>
+                <a:tint val="65000"/>
+                <a:lumMod val="110000"/>
+              </a:schemeClr>
+            </a:gs>
+            <a:gs pos="88000">
+              <a:schemeClr val="accent1">
+                <a:hueOff val="0"/>
+                <a:satOff val="0"/>
+                <a:lumOff val="0"/>
+                <a:alphaOff val="0"/>
+                <a:tint val="90000"/>
+              </a:schemeClr>
+            </a:gs>
+          </a:gsLst>
+          <a:lin ang="5400000" scaled="0"/>
+        </a:gradFill>
+        <a:ln>
+          <a:noFill/>
+        </a:ln>
+        <a:effectLst/>
+        <a:scene3d>
+          <a:camera prst="orthographicFront"/>
+          <a:lightRig rig="flat" dir="t"/>
+        </a:scene3d>
+        <a:sp3d prstMaterial="dkEdge">
+          <a:bevelT w="8200" h="38100"/>
+        </a:sp3d>
+      </dsp:spPr>
+      <dsp:style>
+        <a:lnRef idx="0">
+          <a:scrgbClr r="0" g="0" b="0"/>
+        </a:lnRef>
+        <a:fillRef idx="2">
+          <a:scrgbClr r="0" g="0" b="0"/>
+        </a:fillRef>
+        <a:effectRef idx="1">
+          <a:scrgbClr r="0" g="0" b="0"/>
+        </a:effectRef>
+        <a:fontRef idx="minor">
+          <a:schemeClr val="dk1"/>
+        </a:fontRef>
+      </dsp:style>
+      <dsp:txBody>
+        <a:bodyPr spcFirstLastPara="0" vert="horz" wrap="square" lIns="17780" tIns="17780" rIns="17780" bIns="17780" numCol="1" spcCol="1270" anchor="ctr" anchorCtr="0">
+          <a:noAutofit/>
+        </a:bodyPr>
+        <a:lstStyle/>
+        <a:p>
+          <a:pPr marL="0" lvl="0" indent="0" algn="ctr" defTabSz="622300">
+            <a:lnSpc>
+              <a:spcPct val="90000"/>
+            </a:lnSpc>
+            <a:spcBef>
+              <a:spcPct val="0"/>
+            </a:spcBef>
+            <a:spcAft>
+              <a:spcPct val="35000"/>
+            </a:spcAft>
+            <a:buNone/>
+          </a:pPr>
+          <a:r>
+            <a:rPr lang="es-CO" sz="1400" kern="1200" dirty="0">
+              <a:latin typeface="Arial" panose="020B0604020202020204" pitchFamily="34" charset="0"/>
+              <a:cs typeface="Arial" panose="020B0604020202020204" pitchFamily="34" charset="0"/>
+            </a:rPr>
+            <a:t>Las funciones agregadas para mantener un mínimo control.</a:t>
+          </a:r>
+        </a:p>
+      </dsp:txBody>
+      <dsp:txXfrm>
+        <a:off x="4508990" y="3229000"/>
+        <a:ext cx="1367283" cy="955132"/>
+      </dsp:txXfrm>
+    </dsp:sp>
+    <dsp:sp modelId="{13DC1546-3591-4A6A-AB06-919D6233F830}">
+      <dsp:nvSpPr>
+        <dsp:cNvPr id="0" name=""/>
+        <dsp:cNvSpPr/>
+      </dsp:nvSpPr>
+      <dsp:spPr>
+        <a:xfrm>
+          <a:off x="1125788" y="3109219"/>
+          <a:ext cx="1329745" cy="1194694"/>
+        </a:xfrm>
+        <a:prstGeom prst="ellipse">
+          <a:avLst/>
+        </a:prstGeom>
+        <a:gradFill rotWithShape="0">
+          <a:gsLst>
+            <a:gs pos="0">
+              <a:schemeClr val="accent1">
+                <a:hueOff val="0"/>
+                <a:satOff val="0"/>
+                <a:lumOff val="0"/>
+                <a:alphaOff val="0"/>
+                <a:tint val="65000"/>
+                <a:lumMod val="110000"/>
+              </a:schemeClr>
+            </a:gs>
+            <a:gs pos="88000">
+              <a:schemeClr val="accent1">
+                <a:hueOff val="0"/>
+                <a:satOff val="0"/>
+                <a:lumOff val="0"/>
+                <a:alphaOff val="0"/>
+                <a:tint val="90000"/>
+              </a:schemeClr>
+            </a:gs>
+          </a:gsLst>
+          <a:lin ang="5400000" scaled="0"/>
+        </a:gradFill>
+        <a:ln>
+          <a:noFill/>
+        </a:ln>
+        <a:effectLst/>
+        <a:scene3d>
+          <a:camera prst="orthographicFront"/>
+          <a:lightRig rig="flat" dir="t"/>
+        </a:scene3d>
+        <a:sp3d prstMaterial="dkEdge">
+          <a:bevelT w="8200" h="38100"/>
+        </a:sp3d>
+      </dsp:spPr>
+      <dsp:style>
+        <a:lnRef idx="0">
+          <a:scrgbClr r="0" g="0" b="0"/>
+        </a:lnRef>
+        <a:fillRef idx="2">
+          <a:scrgbClr r="0" g="0" b="0"/>
+        </a:fillRef>
+        <a:effectRef idx="1">
+          <a:scrgbClr r="0" g="0" b="0"/>
+        </a:effectRef>
+        <a:fontRef idx="minor">
+          <a:schemeClr val="dk1"/>
+        </a:fontRef>
+      </dsp:style>
+      <dsp:txBody>
+        <a:bodyPr spcFirstLastPara="0" vert="horz" wrap="square" lIns="17780" tIns="17780" rIns="17780" bIns="17780" numCol="1" spcCol="1270" anchor="ctr" anchorCtr="0">
+          <a:noAutofit/>
+        </a:bodyPr>
+        <a:lstStyle/>
+        <a:p>
+          <a:pPr marL="0" lvl="0" indent="0" algn="ctr" defTabSz="622300">
+            <a:lnSpc>
+              <a:spcPct val="90000"/>
+            </a:lnSpc>
+            <a:spcBef>
+              <a:spcPct val="0"/>
+            </a:spcBef>
+            <a:spcAft>
+              <a:spcPct val="35000"/>
+            </a:spcAft>
+            <a:buNone/>
+          </a:pPr>
+          <a:r>
+            <a:rPr lang="es-CO" sz="1400" kern="1200">
+              <a:latin typeface="Arial" panose="020B0604020202020204" pitchFamily="34" charset="0"/>
+              <a:cs typeface="Arial" panose="020B0604020202020204" pitchFamily="34" charset="0"/>
+            </a:rPr>
+            <a:t>El proceso es confuso y tedioso.</a:t>
+          </a:r>
+          <a:endParaRPr lang="es-CO" sz="1400" kern="1200" dirty="0">
+            <a:latin typeface="Arial" panose="020B0604020202020204" pitchFamily="34" charset="0"/>
+            <a:cs typeface="Arial" panose="020B0604020202020204" pitchFamily="34" charset="0"/>
+          </a:endParaRPr>
+        </a:p>
+      </dsp:txBody>
+      <dsp:txXfrm>
+        <a:off x="1320525" y="3284178"/>
+        <a:ext cx="940271" cy="844776"/>
       </dsp:txXfrm>
     </dsp:sp>
   </dsp:spTree>
@@ -4002,8 +4026,8 @@
       </dsp:nvSpPr>
       <dsp:spPr>
         <a:xfrm rot="5400000">
-          <a:off x="-252388" y="253289"/>
-          <a:ext cx="1682588" cy="1177811"/>
+          <a:off x="-246000" y="255725"/>
+          <a:ext cx="1640001" cy="1148001"/>
         </a:xfrm>
         <a:prstGeom prst="chevron">
           <a:avLst/>
@@ -4044,12 +4068,12 @@
         </a:fontRef>
       </dsp:style>
       <dsp:txBody>
-        <a:bodyPr spcFirstLastPara="0" vert="horz" wrap="square" lIns="21590" tIns="21590" rIns="21590" bIns="21590" numCol="1" spcCol="1270" anchor="ctr" anchorCtr="0">
+        <a:bodyPr spcFirstLastPara="0" vert="horz" wrap="square" lIns="11430" tIns="11430" rIns="11430" bIns="11430" numCol="1" spcCol="1270" anchor="ctr" anchorCtr="0">
           <a:noAutofit/>
         </a:bodyPr>
         <a:lstStyle/>
         <a:p>
-          <a:pPr lvl="0" algn="ctr" defTabSz="1511300">
+          <a:pPr marL="0" lvl="0" indent="0" algn="ctr" defTabSz="800100">
             <a:lnSpc>
               <a:spcPct val="90000"/>
             </a:lnSpc>
@@ -4059,17 +4083,20 @@
             <a:spcAft>
               <a:spcPct val="35000"/>
             </a:spcAft>
+            <a:buNone/>
           </a:pPr>
           <a:r>
-            <a:rPr lang="es-CO" sz="3400" kern="1200" dirty="0" smtClean="0"/>
+            <a:rPr lang="es-CO" sz="1800" kern="1200" dirty="0">
+              <a:latin typeface="Arial" panose="020B0604020202020204" pitchFamily="34" charset="0"/>
+              <a:cs typeface="Arial" panose="020B0604020202020204" pitchFamily="34" charset="0"/>
+            </a:rPr>
             <a:t>1.</a:t>
           </a:r>
-          <a:endParaRPr lang="es-CO" sz="3400" kern="1200" dirty="0"/>
         </a:p>
       </dsp:txBody>
       <dsp:txXfrm rot="-5400000">
-        <a:off x="1" y="589807"/>
-        <a:ext cx="1177811" cy="504777"/>
+        <a:off x="1" y="583726"/>
+        <a:ext cx="1148001" cy="492000"/>
       </dsp:txXfrm>
     </dsp:sp>
     <dsp:sp modelId="{02F66A04-DB78-486E-95D4-9E5F57C6DFF9}">
@@ -4079,8 +4106,8 @@
       </dsp:nvSpPr>
       <dsp:spPr>
         <a:xfrm rot="5400000">
-          <a:off x="3415972" y="-2237259"/>
-          <a:ext cx="1093682" cy="5570003"/>
+          <a:off x="3414907" y="-2257181"/>
+          <a:ext cx="1066001" cy="5599813"/>
         </a:xfrm>
         <a:prstGeom prst="round2SameRect">
           <a:avLst/>
@@ -4120,12 +4147,12 @@
         <a:fontRef idx="minor"/>
       </dsp:style>
       <dsp:txBody>
-        <a:bodyPr spcFirstLastPara="0" vert="horz" wrap="square" lIns="120904" tIns="10795" rIns="10795" bIns="10795" numCol="1" spcCol="1270" anchor="ctr" anchorCtr="0">
+        <a:bodyPr spcFirstLastPara="0" vert="horz" wrap="square" lIns="128016" tIns="11430" rIns="11430" bIns="11430" numCol="1" spcCol="1270" anchor="ctr" anchorCtr="0">
           <a:noAutofit/>
         </a:bodyPr>
         <a:lstStyle/>
         <a:p>
-          <a:pPr marL="171450" lvl="1" indent="-171450" algn="l" defTabSz="755650">
+          <a:pPr marL="171450" lvl="1" indent="-171450" algn="l" defTabSz="800100">
             <a:lnSpc>
               <a:spcPct val="90000"/>
             </a:lnSpc>
@@ -4135,10 +4162,10 @@
             <a:spcAft>
               <a:spcPct val="15000"/>
             </a:spcAft>
-            <a:buChar char="••"/>
+            <a:buChar char="•"/>
           </a:pPr>
           <a:r>
-            <a:rPr lang="es-CO" sz="1700" kern="1200" dirty="0" smtClean="0">
+            <a:rPr lang="es-CO" sz="1800" kern="1200" dirty="0">
               <a:solidFill>
                 <a:schemeClr val="tx1">
                   <a:lumMod val="85000"/>
@@ -4150,12 +4177,15 @@
             </a:rPr>
             <a:t>Diseñar una arquitectura software que permita gestionar el proceso de planeación de las actividades de los docentes de tiempo completo, basados en el formato R-DC-54 de las UTS.</a:t>
           </a:r>
-          <a:endParaRPr lang="es-CO" sz="1700" kern="1200" dirty="0"/>
+          <a:endParaRPr lang="es-CO" sz="1800" kern="1200" dirty="0">
+            <a:latin typeface="Arial" panose="020B0604020202020204" pitchFamily="34" charset="0"/>
+            <a:cs typeface="Arial" panose="020B0604020202020204" pitchFamily="34" charset="0"/>
+          </a:endParaRPr>
         </a:p>
       </dsp:txBody>
       <dsp:txXfrm rot="-5400000">
-        <a:off x="1177812" y="54290"/>
-        <a:ext cx="5516614" cy="986904"/>
+        <a:off x="1148001" y="61763"/>
+        <a:ext cx="5547775" cy="961925"/>
       </dsp:txXfrm>
     </dsp:sp>
     <dsp:sp modelId="{3CE9BBE7-FAD6-46BA-81C4-4AE4D629BB53}">
@@ -4165,8 +4195,8 @@
       </dsp:nvSpPr>
       <dsp:spPr>
         <a:xfrm rot="5400000">
-          <a:off x="-252388" y="1742583"/>
-          <a:ext cx="1682588" cy="1177811"/>
+          <a:off x="-246000" y="1807651"/>
+          <a:ext cx="1640001" cy="1148001"/>
         </a:xfrm>
         <a:prstGeom prst="chevron">
           <a:avLst/>
@@ -4207,12 +4237,12 @@
         </a:fontRef>
       </dsp:style>
       <dsp:txBody>
-        <a:bodyPr spcFirstLastPara="0" vert="horz" wrap="square" lIns="21590" tIns="21590" rIns="21590" bIns="21590" numCol="1" spcCol="1270" anchor="ctr" anchorCtr="0">
+        <a:bodyPr spcFirstLastPara="0" vert="horz" wrap="square" lIns="11430" tIns="11430" rIns="11430" bIns="11430" numCol="1" spcCol="1270" anchor="ctr" anchorCtr="0">
           <a:noAutofit/>
         </a:bodyPr>
         <a:lstStyle/>
         <a:p>
-          <a:pPr lvl="0" algn="ctr" defTabSz="1511300">
+          <a:pPr marL="0" lvl="0" indent="0" algn="ctr" defTabSz="800100">
             <a:lnSpc>
               <a:spcPct val="90000"/>
             </a:lnSpc>
@@ -4222,17 +4252,20 @@
             <a:spcAft>
               <a:spcPct val="35000"/>
             </a:spcAft>
+            <a:buNone/>
           </a:pPr>
           <a:r>
-            <a:rPr lang="es-CO" sz="3400" kern="1200" dirty="0" smtClean="0"/>
+            <a:rPr lang="es-CO" sz="1800" kern="1200" dirty="0">
+              <a:latin typeface="Arial" panose="020B0604020202020204" pitchFamily="34" charset="0"/>
+              <a:cs typeface="Arial" panose="020B0604020202020204" pitchFamily="34" charset="0"/>
+            </a:rPr>
             <a:t>2.</a:t>
           </a:r>
-          <a:endParaRPr lang="es-CO" sz="3400" kern="1200" dirty="0"/>
         </a:p>
       </dsp:txBody>
       <dsp:txXfrm rot="-5400000">
-        <a:off x="1" y="2079101"/>
-        <a:ext cx="1177811" cy="504777"/>
+        <a:off x="1" y="2135652"/>
+        <a:ext cx="1148001" cy="492000"/>
       </dsp:txXfrm>
     </dsp:sp>
     <dsp:sp modelId="{625AF70D-44B9-441C-9600-FB6CA978B302}">
@@ -4242,8 +4275,8 @@
       </dsp:nvSpPr>
       <dsp:spPr>
         <a:xfrm rot="5400000">
-          <a:off x="3415972" y="-747965"/>
-          <a:ext cx="1093682" cy="5570003"/>
+          <a:off x="3314580" y="-705254"/>
+          <a:ext cx="1266654" cy="5599813"/>
         </a:xfrm>
         <a:prstGeom prst="round2SameRect">
           <a:avLst/>
@@ -4283,12 +4316,12 @@
         <a:fontRef idx="minor"/>
       </dsp:style>
       <dsp:txBody>
-        <a:bodyPr spcFirstLastPara="0" vert="horz" wrap="square" lIns="120904" tIns="10795" rIns="10795" bIns="10795" numCol="1" spcCol="1270" anchor="ctr" anchorCtr="0">
+        <a:bodyPr spcFirstLastPara="0" vert="horz" wrap="square" lIns="128016" tIns="11430" rIns="11430" bIns="11430" numCol="1" spcCol="1270" anchor="ctr" anchorCtr="0">
           <a:noAutofit/>
         </a:bodyPr>
         <a:lstStyle/>
         <a:p>
-          <a:pPr marL="171450" lvl="1" indent="-171450" algn="l" defTabSz="755650">
+          <a:pPr marL="171450" lvl="1" indent="-171450" algn="l" defTabSz="800100">
             <a:lnSpc>
               <a:spcPct val="90000"/>
             </a:lnSpc>
@@ -4298,10 +4331,10 @@
             <a:spcAft>
               <a:spcPct val="15000"/>
             </a:spcAft>
-            <a:buChar char="••"/>
+            <a:buChar char="•"/>
           </a:pPr>
           <a:r>
-            <a:rPr lang="es-CO" sz="1700" kern="1200" dirty="0" smtClean="0">
+            <a:rPr lang="es-CO" sz="1800" kern="1200" dirty="0">
               <a:solidFill>
                 <a:schemeClr val="tx1">
                   <a:lumMod val="85000"/>
@@ -4313,12 +4346,15 @@
             </a:rPr>
             <a:t>Desarrollar, codificar e implementar el código fuente correspondiente a los modelos para el correcto funcionamiento de la aplicación basado en los modelos y estructuras planteadas anteriormente.</a:t>
           </a:r>
-          <a:endParaRPr lang="es-CO" sz="1700" kern="1200" dirty="0"/>
+          <a:endParaRPr lang="es-CO" sz="1800" kern="1200" dirty="0">
+            <a:latin typeface="Arial" panose="020B0604020202020204" pitchFamily="34" charset="0"/>
+            <a:cs typeface="Arial" panose="020B0604020202020204" pitchFamily="34" charset="0"/>
+          </a:endParaRPr>
         </a:p>
       </dsp:txBody>
       <dsp:txXfrm rot="-5400000">
-        <a:off x="1177812" y="1543584"/>
-        <a:ext cx="5516614" cy="986904"/>
+        <a:off x="1148001" y="1523158"/>
+        <a:ext cx="5537980" cy="1142988"/>
       </dsp:txXfrm>
     </dsp:sp>
     <dsp:sp modelId="{4878584C-CEE6-4755-B5E5-FFF25B902B0D}">
@@ -4328,8 +4364,8 @@
       </dsp:nvSpPr>
       <dsp:spPr>
         <a:xfrm rot="5400000">
-          <a:off x="-252388" y="3231876"/>
-          <a:ext cx="1682588" cy="1177811"/>
+          <a:off x="-246000" y="3259251"/>
+          <a:ext cx="1640001" cy="1148001"/>
         </a:xfrm>
         <a:prstGeom prst="chevron">
           <a:avLst/>
@@ -4370,12 +4406,12 @@
         </a:fontRef>
       </dsp:style>
       <dsp:txBody>
-        <a:bodyPr spcFirstLastPara="0" vert="horz" wrap="square" lIns="21590" tIns="21590" rIns="21590" bIns="21590" numCol="1" spcCol="1270" anchor="ctr" anchorCtr="0">
+        <a:bodyPr spcFirstLastPara="0" vert="horz" wrap="square" lIns="11430" tIns="11430" rIns="11430" bIns="11430" numCol="1" spcCol="1270" anchor="ctr" anchorCtr="0">
           <a:noAutofit/>
         </a:bodyPr>
         <a:lstStyle/>
         <a:p>
-          <a:pPr lvl="0" algn="ctr" defTabSz="1511300">
+          <a:pPr marL="0" lvl="0" indent="0" algn="ctr" defTabSz="800100">
             <a:lnSpc>
               <a:spcPct val="90000"/>
             </a:lnSpc>
@@ -4385,17 +4421,20 @@
             <a:spcAft>
               <a:spcPct val="35000"/>
             </a:spcAft>
+            <a:buNone/>
           </a:pPr>
           <a:r>
-            <a:rPr lang="es-CO" sz="3400" kern="1200" dirty="0" smtClean="0"/>
+            <a:rPr lang="es-CO" sz="1800" kern="1200" dirty="0">
+              <a:latin typeface="Arial" panose="020B0604020202020204" pitchFamily="34" charset="0"/>
+              <a:cs typeface="Arial" panose="020B0604020202020204" pitchFamily="34" charset="0"/>
+            </a:rPr>
             <a:t>3.</a:t>
           </a:r>
-          <a:endParaRPr lang="es-CO" sz="3400" kern="1200" dirty="0"/>
         </a:p>
       </dsp:txBody>
       <dsp:txXfrm rot="-5400000">
-        <a:off x="1" y="3568394"/>
-        <a:ext cx="1177811" cy="504777"/>
+        <a:off x="1" y="3587252"/>
+        <a:ext cx="1148001" cy="492000"/>
       </dsp:txXfrm>
     </dsp:sp>
     <dsp:sp modelId="{3C482219-5E95-44EF-9E58-131D009A5003}">
@@ -4405,8 +4444,8 @@
       </dsp:nvSpPr>
       <dsp:spPr>
         <a:xfrm rot="5400000">
-          <a:off x="3415972" y="741328"/>
-          <a:ext cx="1093682" cy="5570003"/>
+          <a:off x="3414907" y="746344"/>
+          <a:ext cx="1066001" cy="5599813"/>
         </a:xfrm>
         <a:prstGeom prst="round2SameRect">
           <a:avLst/>
@@ -4446,12 +4485,12 @@
         <a:fontRef idx="minor"/>
       </dsp:style>
       <dsp:txBody>
-        <a:bodyPr spcFirstLastPara="0" vert="horz" wrap="square" lIns="120904" tIns="10795" rIns="10795" bIns="10795" numCol="1" spcCol="1270" anchor="ctr" anchorCtr="0">
+        <a:bodyPr spcFirstLastPara="0" vert="horz" wrap="square" lIns="128016" tIns="11430" rIns="11430" bIns="11430" numCol="1" spcCol="1270" anchor="ctr" anchorCtr="0">
           <a:noAutofit/>
         </a:bodyPr>
         <a:lstStyle/>
         <a:p>
-          <a:pPr marL="171450" lvl="1" indent="-171450" algn="l" defTabSz="755650">
+          <a:pPr marL="171450" lvl="1" indent="-171450" algn="l" defTabSz="800100">
             <a:lnSpc>
               <a:spcPct val="90000"/>
             </a:lnSpc>
@@ -4461,10 +4500,10 @@
             <a:spcAft>
               <a:spcPct val="15000"/>
             </a:spcAft>
-            <a:buChar char="••"/>
+            <a:buChar char="•"/>
           </a:pPr>
           <a:r>
-            <a:rPr lang="es-CO" sz="1700" kern="1200" dirty="0" smtClean="0">
+            <a:rPr lang="es-CO" sz="1800" kern="1200" dirty="0">
               <a:solidFill>
                 <a:schemeClr val="tx1">
                   <a:lumMod val="85000"/>
@@ -4476,12 +4515,15 @@
             </a:rPr>
             <a:t>Diseñar y realizar pruebas funcionales, de usabilidad y de carga al sistema de información desarrollado, verificando de esta manera el correcto funcionamiento.</a:t>
           </a:r>
-          <a:endParaRPr lang="es-CO" sz="1700" kern="1200" dirty="0"/>
+          <a:endParaRPr lang="es-CO" sz="1800" kern="1200" dirty="0">
+            <a:latin typeface="Arial" panose="020B0604020202020204" pitchFamily="34" charset="0"/>
+            <a:cs typeface="Arial" panose="020B0604020202020204" pitchFamily="34" charset="0"/>
+          </a:endParaRPr>
         </a:p>
       </dsp:txBody>
       <dsp:txXfrm rot="-5400000">
-        <a:off x="1177812" y="3032878"/>
-        <a:ext cx="5516614" cy="986904"/>
+        <a:off x="1148001" y="3065288"/>
+        <a:ext cx="5547775" cy="961925"/>
       </dsp:txXfrm>
     </dsp:sp>
   </dsp:spTree>
@@ -13800,7 +13842,7 @@
           <p:cNvPr id="2" name="Imagen 1">
             <a:extLst>
               <a:ext uri="{FF2B5EF4-FFF2-40B4-BE49-F238E27FC236}">
-                <a16:creationId xmlns:a16="http://schemas.microsoft.com/office/drawing/2014/main" xmlns="" id="{A652FB73-A053-428B-9C7B-41EEF2BF502C}"/>
+                <a16:creationId xmlns:a16="http://schemas.microsoft.com/office/drawing/2014/main" id="{A652FB73-A053-428B-9C7B-41EEF2BF502C}"/>
               </a:ext>
             </a:extLst>
           </p:cNvPr>
@@ -13860,7 +13902,7 @@
           <p:cNvPr id="2" name="Marcador de contenido 1">
             <a:extLst>
               <a:ext uri="{FF2B5EF4-FFF2-40B4-BE49-F238E27FC236}">
-                <a16:creationId xmlns:a16="http://schemas.microsoft.com/office/drawing/2014/main" xmlns="" id="{BFB8CA3A-775A-4283-B473-CBA3C699E771}"/>
+                <a16:creationId xmlns:a16="http://schemas.microsoft.com/office/drawing/2014/main" id="{BFB8CA3A-775A-4283-B473-CBA3C699E771}"/>
               </a:ext>
             </a:extLst>
           </p:cNvPr>
@@ -13890,14 +13932,14 @@
                 <a:gridCol w="5304444">
                   <a:extLst>
                     <a:ext uri="{9D8B030D-6E8A-4147-A177-3AD203B41FA5}">
-                      <a16:colId xmlns:a16="http://schemas.microsoft.com/office/drawing/2014/main" xmlns="" val="2602485393"/>
+                      <a16:colId xmlns:a16="http://schemas.microsoft.com/office/drawing/2014/main" val="2602485393"/>
                     </a:ext>
                   </a:extLst>
                 </a:gridCol>
                 <a:gridCol w="1728977">
                   <a:extLst>
                     <a:ext uri="{9D8B030D-6E8A-4147-A177-3AD203B41FA5}">
-                      <a16:colId xmlns:a16="http://schemas.microsoft.com/office/drawing/2014/main" xmlns="" val="2786604418"/>
+                      <a16:colId xmlns:a16="http://schemas.microsoft.com/office/drawing/2014/main" val="2786604418"/>
                     </a:ext>
                   </a:extLst>
                 </a:gridCol>
@@ -13985,7 +14027,7 @@
                 </a:tc>
                 <a:extLst>
                   <a:ext uri="{0D108BD9-81ED-4DB2-BD59-A6C34878D82A}">
-                    <a16:rowId xmlns:a16="http://schemas.microsoft.com/office/drawing/2014/main" xmlns="" val="680232555"/>
+                    <a16:rowId xmlns:a16="http://schemas.microsoft.com/office/drawing/2014/main" val="680232555"/>
                   </a:ext>
                 </a:extLst>
               </a:tr>
@@ -14072,7 +14114,7 @@
                 </a:tc>
                 <a:extLst>
                   <a:ext uri="{0D108BD9-81ED-4DB2-BD59-A6C34878D82A}">
-                    <a16:rowId xmlns:a16="http://schemas.microsoft.com/office/drawing/2014/main" xmlns="" val="3577557739"/>
+                    <a16:rowId xmlns:a16="http://schemas.microsoft.com/office/drawing/2014/main" val="3577557739"/>
                   </a:ext>
                 </a:extLst>
               </a:tr>
@@ -14159,7 +14201,7 @@
                 </a:tc>
                 <a:extLst>
                   <a:ext uri="{0D108BD9-81ED-4DB2-BD59-A6C34878D82A}">
-                    <a16:rowId xmlns:a16="http://schemas.microsoft.com/office/drawing/2014/main" xmlns="" val="3154357346"/>
+                    <a16:rowId xmlns:a16="http://schemas.microsoft.com/office/drawing/2014/main" val="3154357346"/>
                   </a:ext>
                 </a:extLst>
               </a:tr>
@@ -14246,7 +14288,7 @@
                 </a:tc>
                 <a:extLst>
                   <a:ext uri="{0D108BD9-81ED-4DB2-BD59-A6C34878D82A}">
-                    <a16:rowId xmlns:a16="http://schemas.microsoft.com/office/drawing/2014/main" xmlns="" val="2015189163"/>
+                    <a16:rowId xmlns:a16="http://schemas.microsoft.com/office/drawing/2014/main" val="2015189163"/>
                   </a:ext>
                 </a:extLst>
               </a:tr>
@@ -14333,7 +14375,7 @@
                 </a:tc>
                 <a:extLst>
                   <a:ext uri="{0D108BD9-81ED-4DB2-BD59-A6C34878D82A}">
-                    <a16:rowId xmlns:a16="http://schemas.microsoft.com/office/drawing/2014/main" xmlns="" val="3033574485"/>
+                    <a16:rowId xmlns:a16="http://schemas.microsoft.com/office/drawing/2014/main" val="3033574485"/>
                   </a:ext>
                 </a:extLst>
               </a:tr>
@@ -14420,7 +14462,7 @@
                 </a:tc>
                 <a:extLst>
                   <a:ext uri="{0D108BD9-81ED-4DB2-BD59-A6C34878D82A}">
-                    <a16:rowId xmlns:a16="http://schemas.microsoft.com/office/drawing/2014/main" xmlns="" val="105546820"/>
+                    <a16:rowId xmlns:a16="http://schemas.microsoft.com/office/drawing/2014/main" val="105546820"/>
                   </a:ext>
                 </a:extLst>
               </a:tr>
@@ -14507,7 +14549,7 @@
                 </a:tc>
                 <a:extLst>
                   <a:ext uri="{0D108BD9-81ED-4DB2-BD59-A6C34878D82A}">
-                    <a16:rowId xmlns:a16="http://schemas.microsoft.com/office/drawing/2014/main" xmlns="" val="1824869552"/>
+                    <a16:rowId xmlns:a16="http://schemas.microsoft.com/office/drawing/2014/main" val="1824869552"/>
                   </a:ext>
                 </a:extLst>
               </a:tr>
@@ -14594,7 +14636,7 @@
                 </a:tc>
                 <a:extLst>
                   <a:ext uri="{0D108BD9-81ED-4DB2-BD59-A6C34878D82A}">
-                    <a16:rowId xmlns:a16="http://schemas.microsoft.com/office/drawing/2014/main" xmlns="" val="3109995033"/>
+                    <a16:rowId xmlns:a16="http://schemas.microsoft.com/office/drawing/2014/main" val="3109995033"/>
                   </a:ext>
                 </a:extLst>
               </a:tr>
@@ -14681,7 +14723,7 @@
                 </a:tc>
                 <a:extLst>
                   <a:ext uri="{0D108BD9-81ED-4DB2-BD59-A6C34878D82A}">
-                    <a16:rowId xmlns:a16="http://schemas.microsoft.com/office/drawing/2014/main" xmlns="" val="3267673382"/>
+                    <a16:rowId xmlns:a16="http://schemas.microsoft.com/office/drawing/2014/main" val="3267673382"/>
                   </a:ext>
                 </a:extLst>
               </a:tr>
@@ -14768,7 +14810,7 @@
                 </a:tc>
                 <a:extLst>
                   <a:ext uri="{0D108BD9-81ED-4DB2-BD59-A6C34878D82A}">
-                    <a16:rowId xmlns:a16="http://schemas.microsoft.com/office/drawing/2014/main" xmlns="" val="1788793914"/>
+                    <a16:rowId xmlns:a16="http://schemas.microsoft.com/office/drawing/2014/main" val="1788793914"/>
                   </a:ext>
                 </a:extLst>
               </a:tr>
@@ -14855,7 +14897,7 @@
                 </a:tc>
                 <a:extLst>
                   <a:ext uri="{0D108BD9-81ED-4DB2-BD59-A6C34878D82A}">
-                    <a16:rowId xmlns:a16="http://schemas.microsoft.com/office/drawing/2014/main" xmlns="" val="758896334"/>
+                    <a16:rowId xmlns:a16="http://schemas.microsoft.com/office/drawing/2014/main" val="758896334"/>
                   </a:ext>
                 </a:extLst>
               </a:tr>
@@ -14942,7 +14984,7 @@
                 </a:tc>
                 <a:extLst>
                   <a:ext uri="{0D108BD9-81ED-4DB2-BD59-A6C34878D82A}">
-                    <a16:rowId xmlns:a16="http://schemas.microsoft.com/office/drawing/2014/main" xmlns="" val="2965732642"/>
+                    <a16:rowId xmlns:a16="http://schemas.microsoft.com/office/drawing/2014/main" val="2965732642"/>
                   </a:ext>
                 </a:extLst>
               </a:tr>
@@ -15029,7 +15071,7 @@
                 </a:tc>
                 <a:extLst>
                   <a:ext uri="{0D108BD9-81ED-4DB2-BD59-A6C34878D82A}">
-                    <a16:rowId xmlns:a16="http://schemas.microsoft.com/office/drawing/2014/main" xmlns="" val="456296594"/>
+                    <a16:rowId xmlns:a16="http://schemas.microsoft.com/office/drawing/2014/main" val="456296594"/>
                   </a:ext>
                 </a:extLst>
               </a:tr>
@@ -15116,7 +15158,7 @@
                 </a:tc>
                 <a:extLst>
                   <a:ext uri="{0D108BD9-81ED-4DB2-BD59-A6C34878D82A}">
-                    <a16:rowId xmlns:a16="http://schemas.microsoft.com/office/drawing/2014/main" xmlns="" val="1809744462"/>
+                    <a16:rowId xmlns:a16="http://schemas.microsoft.com/office/drawing/2014/main" val="1809744462"/>
                   </a:ext>
                 </a:extLst>
               </a:tr>
@@ -15203,7 +15245,7 @@
                 </a:tc>
                 <a:extLst>
                   <a:ext uri="{0D108BD9-81ED-4DB2-BD59-A6C34878D82A}">
-                    <a16:rowId xmlns:a16="http://schemas.microsoft.com/office/drawing/2014/main" xmlns="" val="3437766592"/>
+                    <a16:rowId xmlns:a16="http://schemas.microsoft.com/office/drawing/2014/main" val="3437766592"/>
                   </a:ext>
                 </a:extLst>
               </a:tr>
@@ -15368,7 +15410,7 @@
           <p:cNvPr id="6" name="Marcador de contenido 5">
             <a:extLst>
               <a:ext uri="{FF2B5EF4-FFF2-40B4-BE49-F238E27FC236}">
-                <a16:creationId xmlns:a16="http://schemas.microsoft.com/office/drawing/2014/main" xmlns="" id="{33CC28FB-25F0-4849-B092-1742F3204970}"/>
+                <a16:creationId xmlns:a16="http://schemas.microsoft.com/office/drawing/2014/main" id="{33CC28FB-25F0-4849-B092-1742F3204970}"/>
               </a:ext>
             </a:extLst>
           </p:cNvPr>
@@ -15398,42 +15440,42 @@
                 <a:gridCol w="1224043">
                   <a:extLst>
                     <a:ext uri="{9D8B030D-6E8A-4147-A177-3AD203B41FA5}">
-                      <a16:colId xmlns:a16="http://schemas.microsoft.com/office/drawing/2014/main" xmlns="" val="1021433285"/>
+                      <a16:colId xmlns:a16="http://schemas.microsoft.com/office/drawing/2014/main" val="1021433285"/>
                     </a:ext>
                   </a:extLst>
                 </a:gridCol>
                 <a:gridCol w="937437">
                   <a:extLst>
                     <a:ext uri="{9D8B030D-6E8A-4147-A177-3AD203B41FA5}">
-                      <a16:colId xmlns:a16="http://schemas.microsoft.com/office/drawing/2014/main" xmlns="" val="1809417385"/>
+                      <a16:colId xmlns:a16="http://schemas.microsoft.com/office/drawing/2014/main" val="1809417385"/>
                     </a:ext>
                   </a:extLst>
                 </a:gridCol>
                 <a:gridCol w="937437">
                   <a:extLst>
                     <a:ext uri="{9D8B030D-6E8A-4147-A177-3AD203B41FA5}">
-                      <a16:colId xmlns:a16="http://schemas.microsoft.com/office/drawing/2014/main" xmlns="" val="1689638878"/>
+                      <a16:colId xmlns:a16="http://schemas.microsoft.com/office/drawing/2014/main" val="1689638878"/>
                     </a:ext>
                   </a:extLst>
                 </a:gridCol>
                 <a:gridCol w="937437">
                   <a:extLst>
                     <a:ext uri="{9D8B030D-6E8A-4147-A177-3AD203B41FA5}">
-                      <a16:colId xmlns:a16="http://schemas.microsoft.com/office/drawing/2014/main" xmlns="" val="2762686330"/>
+                      <a16:colId xmlns:a16="http://schemas.microsoft.com/office/drawing/2014/main" val="2762686330"/>
                     </a:ext>
                   </a:extLst>
                 </a:gridCol>
                 <a:gridCol w="818278">
                   <a:extLst>
                     <a:ext uri="{9D8B030D-6E8A-4147-A177-3AD203B41FA5}">
-                      <a16:colId xmlns:a16="http://schemas.microsoft.com/office/drawing/2014/main" xmlns="" val="2113957765"/>
+                      <a16:colId xmlns:a16="http://schemas.microsoft.com/office/drawing/2014/main" val="2113957765"/>
                     </a:ext>
                   </a:extLst>
                 </a:gridCol>
                 <a:gridCol w="999168">
                   <a:extLst>
                     <a:ext uri="{9D8B030D-6E8A-4147-A177-3AD203B41FA5}">
-                      <a16:colId xmlns:a16="http://schemas.microsoft.com/office/drawing/2014/main" xmlns="" val="2495045676"/>
+                      <a16:colId xmlns:a16="http://schemas.microsoft.com/office/drawing/2014/main" val="2495045676"/>
                     </a:ext>
                   </a:extLst>
                 </a:gridCol>
@@ -15683,7 +15725,7 @@
                 </a:tc>
                 <a:extLst>
                   <a:ext uri="{0D108BD9-81ED-4DB2-BD59-A6C34878D82A}">
-                    <a16:rowId xmlns:a16="http://schemas.microsoft.com/office/drawing/2014/main" xmlns="" val="1205791969"/>
+                    <a16:rowId xmlns:a16="http://schemas.microsoft.com/office/drawing/2014/main" val="1205791969"/>
                   </a:ext>
                 </a:extLst>
               </a:tr>
@@ -15977,7 +16019,7 @@
                 </a:tc>
                 <a:extLst>
                   <a:ext uri="{0D108BD9-81ED-4DB2-BD59-A6C34878D82A}">
-                    <a16:rowId xmlns:a16="http://schemas.microsoft.com/office/drawing/2014/main" xmlns="" val="3190319937"/>
+                    <a16:rowId xmlns:a16="http://schemas.microsoft.com/office/drawing/2014/main" val="3190319937"/>
                   </a:ext>
                 </a:extLst>
               </a:tr>
@@ -16372,7 +16414,7 @@
                 </a:tc>
                 <a:extLst>
                   <a:ext uri="{0D108BD9-81ED-4DB2-BD59-A6C34878D82A}">
-                    <a16:rowId xmlns:a16="http://schemas.microsoft.com/office/drawing/2014/main" xmlns="" val="3057983255"/>
+                    <a16:rowId xmlns:a16="http://schemas.microsoft.com/office/drawing/2014/main" val="3057983255"/>
                   </a:ext>
                 </a:extLst>
               </a:tr>
@@ -16702,7 +16744,7 @@
                 </a:tc>
                 <a:extLst>
                   <a:ext uri="{0D108BD9-81ED-4DB2-BD59-A6C34878D82A}">
-                    <a16:rowId xmlns:a16="http://schemas.microsoft.com/office/drawing/2014/main" xmlns="" val="142723232"/>
+                    <a16:rowId xmlns:a16="http://schemas.microsoft.com/office/drawing/2014/main" val="142723232"/>
                   </a:ext>
                 </a:extLst>
               </a:tr>
@@ -17032,7 +17074,7 @@
                 </a:tc>
                 <a:extLst>
                   <a:ext uri="{0D108BD9-81ED-4DB2-BD59-A6C34878D82A}">
-                    <a16:rowId xmlns:a16="http://schemas.microsoft.com/office/drawing/2014/main" xmlns="" val="2010654794"/>
+                    <a16:rowId xmlns:a16="http://schemas.microsoft.com/office/drawing/2014/main" val="2010654794"/>
                   </a:ext>
                 </a:extLst>
               </a:tr>
@@ -17372,7 +17414,7 @@
                 </a:tc>
                 <a:extLst>
                   <a:ext uri="{0D108BD9-81ED-4DB2-BD59-A6C34878D82A}">
-                    <a16:rowId xmlns:a16="http://schemas.microsoft.com/office/drawing/2014/main" xmlns="" val="3090693922"/>
+                    <a16:rowId xmlns:a16="http://schemas.microsoft.com/office/drawing/2014/main" val="3090693922"/>
                   </a:ext>
                 </a:extLst>
               </a:tr>
@@ -17767,7 +17809,7 @@
                 </a:tc>
                 <a:extLst>
                   <a:ext uri="{0D108BD9-81ED-4DB2-BD59-A6C34878D82A}">
-                    <a16:rowId xmlns:a16="http://schemas.microsoft.com/office/drawing/2014/main" xmlns="" val="627599904"/>
+                    <a16:rowId xmlns:a16="http://schemas.microsoft.com/office/drawing/2014/main" val="627599904"/>
                   </a:ext>
                 </a:extLst>
               </a:tr>
@@ -18097,7 +18139,7 @@
                 </a:tc>
                 <a:extLst>
                   <a:ext uri="{0D108BD9-81ED-4DB2-BD59-A6C34878D82A}">
-                    <a16:rowId xmlns:a16="http://schemas.microsoft.com/office/drawing/2014/main" xmlns="" val="2241206887"/>
+                    <a16:rowId xmlns:a16="http://schemas.microsoft.com/office/drawing/2014/main" val="2241206887"/>
                   </a:ext>
                 </a:extLst>
               </a:tr>
@@ -18427,7 +18469,7 @@
                 </a:tc>
                 <a:extLst>
                   <a:ext uri="{0D108BD9-81ED-4DB2-BD59-A6C34878D82A}">
-                    <a16:rowId xmlns:a16="http://schemas.microsoft.com/office/drawing/2014/main" xmlns="" val="552371880"/>
+                    <a16:rowId xmlns:a16="http://schemas.microsoft.com/office/drawing/2014/main" val="552371880"/>
                   </a:ext>
                 </a:extLst>
               </a:tr>
@@ -18757,7 +18799,7 @@
                 </a:tc>
                 <a:extLst>
                   <a:ext uri="{0D108BD9-81ED-4DB2-BD59-A6C34878D82A}">
-                    <a16:rowId xmlns:a16="http://schemas.microsoft.com/office/drawing/2014/main" xmlns="" val="116541910"/>
+                    <a16:rowId xmlns:a16="http://schemas.microsoft.com/office/drawing/2014/main" val="116541910"/>
                   </a:ext>
                 </a:extLst>
               </a:tr>
@@ -19087,7 +19129,7 @@
                 </a:tc>
                 <a:extLst>
                   <a:ext uri="{0D108BD9-81ED-4DB2-BD59-A6C34878D82A}">
-                    <a16:rowId xmlns:a16="http://schemas.microsoft.com/office/drawing/2014/main" xmlns="" val="1742673978"/>
+                    <a16:rowId xmlns:a16="http://schemas.microsoft.com/office/drawing/2014/main" val="1742673978"/>
                   </a:ext>
                 </a:extLst>
               </a:tr>
@@ -19427,7 +19469,7 @@
                 </a:tc>
                 <a:extLst>
                   <a:ext uri="{0D108BD9-81ED-4DB2-BD59-A6C34878D82A}">
-                    <a16:rowId xmlns:a16="http://schemas.microsoft.com/office/drawing/2014/main" xmlns="" val="722975958"/>
+                    <a16:rowId xmlns:a16="http://schemas.microsoft.com/office/drawing/2014/main" val="722975958"/>
                   </a:ext>
                 </a:extLst>
               </a:tr>
@@ -19812,7 +19854,7 @@
                 </a:tc>
                 <a:extLst>
                   <a:ext uri="{0D108BD9-81ED-4DB2-BD59-A6C34878D82A}">
-                    <a16:rowId xmlns:a16="http://schemas.microsoft.com/office/drawing/2014/main" xmlns="" val="2653783117"/>
+                    <a16:rowId xmlns:a16="http://schemas.microsoft.com/office/drawing/2014/main" val="2653783117"/>
                   </a:ext>
                 </a:extLst>
               </a:tr>
@@ -19916,7 +19958,7 @@
           <p:cNvPr id="8" name="Chart 1" title="Chart">
             <a:extLst>
               <a:ext uri="{FF2B5EF4-FFF2-40B4-BE49-F238E27FC236}">
-                <a16:creationId xmlns:a16="http://schemas.microsoft.com/office/drawing/2014/main" xmlns="" id="{00000000-0008-0000-0000-000003000000}"/>
+                <a16:creationId xmlns:a16="http://schemas.microsoft.com/office/drawing/2014/main" id="{00000000-0008-0000-0000-000003000000}"/>
               </a:ext>
             </a:extLst>
           </p:cNvPr>
@@ -19946,7 +19988,7 @@
           <p:cNvPr id="9" name="Chart 1" title="Chart">
             <a:extLst>
               <a:ext uri="{FF2B5EF4-FFF2-40B4-BE49-F238E27FC236}">
-                <a16:creationId xmlns:a16="http://schemas.microsoft.com/office/drawing/2014/main" xmlns="" id="{00000000-0008-0000-0000-000002000000}"/>
+                <a16:creationId xmlns:a16="http://schemas.microsoft.com/office/drawing/2014/main" id="{00000000-0008-0000-0000-000002000000}"/>
               </a:ext>
             </a:extLst>
           </p:cNvPr>
@@ -20067,7 +20109,7 @@
           <p:cNvPr id="3" name="CuadroTexto 2">
             <a:extLst>
               <a:ext uri="{FF2B5EF4-FFF2-40B4-BE49-F238E27FC236}">
-                <a16:creationId xmlns:a16="http://schemas.microsoft.com/office/drawing/2014/main" xmlns="" id="{EB5CEF16-DF68-4175-87A1-37A37A1E0664}"/>
+                <a16:creationId xmlns:a16="http://schemas.microsoft.com/office/drawing/2014/main" id="{EB5CEF16-DF68-4175-87A1-37A37A1E0664}"/>
               </a:ext>
             </a:extLst>
           </p:cNvPr>
@@ -20337,7 +20379,7 @@
           <p:cNvPr id="3" name="CuadroTexto 2">
             <a:extLst>
               <a:ext uri="{FF2B5EF4-FFF2-40B4-BE49-F238E27FC236}">
-                <a16:creationId xmlns:a16="http://schemas.microsoft.com/office/drawing/2014/main" xmlns="" id="{B3E05B2C-448F-4ECF-BEF8-9F8192CC5623}"/>
+                <a16:creationId xmlns:a16="http://schemas.microsoft.com/office/drawing/2014/main" id="{B3E05B2C-448F-4ECF-BEF8-9F8192CC5623}"/>
               </a:ext>
             </a:extLst>
           </p:cNvPr>
@@ -20543,7 +20585,7 @@
           <p:cNvPr id="2" name="CuadroTexto 1">
             <a:extLst>
               <a:ext uri="{FF2B5EF4-FFF2-40B4-BE49-F238E27FC236}">
-                <a16:creationId xmlns:a16="http://schemas.microsoft.com/office/drawing/2014/main" xmlns="" id="{585F2FF1-E103-438A-A5E2-394CD4C49ABE}"/>
+                <a16:creationId xmlns:a16="http://schemas.microsoft.com/office/drawing/2014/main" id="{585F2FF1-E103-438A-A5E2-394CD4C49ABE}"/>
               </a:ext>
             </a:extLst>
           </p:cNvPr>
@@ -20889,7 +20931,7 @@
           <p:cNvPr id="2" name="CuadroTexto 1">
             <a:extLst>
               <a:ext uri="{FF2B5EF4-FFF2-40B4-BE49-F238E27FC236}">
-                <a16:creationId xmlns:a16="http://schemas.microsoft.com/office/drawing/2014/main" xmlns="" id="{4C0880D7-B166-4F0F-ACAC-974216E18C56}"/>
+                <a16:creationId xmlns:a16="http://schemas.microsoft.com/office/drawing/2014/main" id="{4C0880D7-B166-4F0F-ACAC-974216E18C56}"/>
               </a:ext>
             </a:extLst>
           </p:cNvPr>
@@ -21247,14 +21289,14 @@
           <p:nvPr>
             <p:extLst>
               <p:ext uri="{D42A27DB-BD31-4B8C-83A1-F6EECF244321}">
-                <p14:modId xmlns:p14="http://schemas.microsoft.com/office/powerpoint/2010/main" val="2533506353"/>
+                <p14:modId xmlns:p14="http://schemas.microsoft.com/office/powerpoint/2010/main" val="903992238"/>
               </p:ext>
             </p:extLst>
           </p:nvPr>
         </p:nvGraphicFramePr>
         <p:xfrm>
-          <a:off x="540327" y="1336963"/>
-          <a:ext cx="7046422" cy="4697615"/>
+          <a:off x="391471" y="1634675"/>
+          <a:ext cx="7285236" cy="4883084"/>
         </p:xfrm>
         <a:graphic>
           <a:graphicData uri="http://schemas.openxmlformats.org/drawingml/2006/diagram">
@@ -21272,13 +21314,6 @@
   <p:clrMapOvr>
     <a:masterClrMapping/>
   </p:clrMapOvr>
-  <p:timing>
-    <p:tnLst>
-      <p:par>
-        <p:cTn id="1" dur="indefinite" restart="never" nodeType="tmRoot"/>
-      </p:par>
-    </p:tnLst>
-  </p:timing>
 </p:sld>
 </file>
 
@@ -21365,7 +21400,7 @@
           <p:cNvPr id="2" name="CuadroTexto 1">
             <a:extLst>
               <a:ext uri="{FF2B5EF4-FFF2-40B4-BE49-F238E27FC236}">
-                <a16:creationId xmlns:a16="http://schemas.microsoft.com/office/drawing/2014/main" xmlns="" id="{4C0880D7-B166-4F0F-ACAC-974216E18C56}"/>
+                <a16:creationId xmlns:a16="http://schemas.microsoft.com/office/drawing/2014/main" id="{4C0880D7-B166-4F0F-ACAC-974216E18C56}"/>
               </a:ext>
             </a:extLst>
           </p:cNvPr>
@@ -21681,7 +21716,7 @@
           <p:cNvPr id="2" name="CuadroTexto 1">
             <a:extLst>
               <a:ext uri="{FF2B5EF4-FFF2-40B4-BE49-F238E27FC236}">
-                <a16:creationId xmlns:a16="http://schemas.microsoft.com/office/drawing/2014/main" xmlns="" id="{4C0880D7-B166-4F0F-ACAC-974216E18C56}"/>
+                <a16:creationId xmlns:a16="http://schemas.microsoft.com/office/drawing/2014/main" id="{4C0880D7-B166-4F0F-ACAC-974216E18C56}"/>
               </a:ext>
             </a:extLst>
           </p:cNvPr>
@@ -22197,7 +22232,7 @@
           <p:nvPr>
             <p:extLst>
               <p:ext uri="{D42A27DB-BD31-4B8C-83A1-F6EECF244321}">
-                <p14:modId xmlns:p14="http://schemas.microsoft.com/office/powerpoint/2010/main" val="2159309452"/>
+                <p14:modId xmlns:p14="http://schemas.microsoft.com/office/powerpoint/2010/main" val="3244499627"/>
               </p:ext>
             </p:extLst>
           </p:nvPr>
@@ -22222,13 +22257,6 @@
   <p:clrMapOvr>
     <a:masterClrMapping/>
   </p:clrMapOvr>
-  <p:timing>
-    <p:tnLst>
-      <p:par>
-        <p:cTn id="1" dur="indefinite" restart="never" nodeType="tmRoot"/>
-      </p:par>
-    </p:tnLst>
-  </p:timing>
 </p:sld>
 </file>
 
@@ -22440,7 +22468,7 @@
           <p:cNvPr id="5" name="Imagen 4">
             <a:extLst>
               <a:ext uri="{FF2B5EF4-FFF2-40B4-BE49-F238E27FC236}">
-                <a16:creationId xmlns:a16="http://schemas.microsoft.com/office/drawing/2014/main" xmlns="" id="{B3AF45A2-0048-4680-9268-7058CCBF71DF}"/>
+                <a16:creationId xmlns:a16="http://schemas.microsoft.com/office/drawing/2014/main" id="{B3AF45A2-0048-4680-9268-7058CCBF71DF}"/>
               </a:ext>
             </a:extLst>
           </p:cNvPr>
@@ -22476,7 +22504,7 @@
           <p:cNvPr id="7" name="Imagen 6">
             <a:extLst>
               <a:ext uri="{FF2B5EF4-FFF2-40B4-BE49-F238E27FC236}">
-                <a16:creationId xmlns:a16="http://schemas.microsoft.com/office/drawing/2014/main" xmlns="" id="{2C013981-C90B-4026-A12B-5D60518F9D30}"/>
+                <a16:creationId xmlns:a16="http://schemas.microsoft.com/office/drawing/2014/main" id="{2C013981-C90B-4026-A12B-5D60518F9D30}"/>
               </a:ext>
             </a:extLst>
           </p:cNvPr>
@@ -22512,7 +22540,7 @@
           <p:cNvPr id="9" name="Imagen 8">
             <a:extLst>
               <a:ext uri="{FF2B5EF4-FFF2-40B4-BE49-F238E27FC236}">
-                <a16:creationId xmlns:a16="http://schemas.microsoft.com/office/drawing/2014/main" xmlns="" id="{AAA72AB6-D7ED-4441-88E9-CE75A79FDCA8}"/>
+                <a16:creationId xmlns:a16="http://schemas.microsoft.com/office/drawing/2014/main" id="{AAA72AB6-D7ED-4441-88E9-CE75A79FDCA8}"/>
               </a:ext>
             </a:extLst>
           </p:cNvPr>
@@ -22548,7 +22576,7 @@
           <p:cNvPr id="11" name="Imagen 10">
             <a:extLst>
               <a:ext uri="{FF2B5EF4-FFF2-40B4-BE49-F238E27FC236}">
-                <a16:creationId xmlns:a16="http://schemas.microsoft.com/office/drawing/2014/main" xmlns="" id="{B84EE28F-8E12-4ABE-8662-DBA26E891732}"/>
+                <a16:creationId xmlns:a16="http://schemas.microsoft.com/office/drawing/2014/main" id="{B84EE28F-8E12-4ABE-8662-DBA26E891732}"/>
               </a:ext>
             </a:extLst>
           </p:cNvPr>
@@ -22589,13 +22617,6 @@
   <p:clrMapOvr>
     <a:masterClrMapping/>
   </p:clrMapOvr>
-  <p:timing>
-    <p:tnLst>
-      <p:par>
-        <p:cTn id="1" dur="indefinite" restart="never" nodeType="tmRoot"/>
-      </p:par>
-    </p:tnLst>
-  </p:timing>
 </p:sld>
 </file>
 
@@ -22682,7 +22703,7 @@
           <p:cNvPr id="4" name="Imagen 3">
             <a:extLst>
               <a:ext uri="{FF2B5EF4-FFF2-40B4-BE49-F238E27FC236}">
-                <a16:creationId xmlns:a16="http://schemas.microsoft.com/office/drawing/2014/main" xmlns="" id="{16D90900-6598-4986-AE8B-5DE9E3CE52D9}"/>
+                <a16:creationId xmlns:a16="http://schemas.microsoft.com/office/drawing/2014/main" id="{16D90900-6598-4986-AE8B-5DE9E3CE52D9}"/>
               </a:ext>
             </a:extLst>
           </p:cNvPr>
@@ -23318,7 +23339,7 @@
           <p:cNvPr id="3" name="CuadroTexto 2">
             <a:extLst>
               <a:ext uri="{FF2B5EF4-FFF2-40B4-BE49-F238E27FC236}">
-                <a16:creationId xmlns:a16="http://schemas.microsoft.com/office/drawing/2014/main" xmlns="" id="{E9CC970F-E4E6-47B4-894B-BB9D00F1CF33}"/>
+                <a16:creationId xmlns:a16="http://schemas.microsoft.com/office/drawing/2014/main" id="{E9CC970F-E4E6-47B4-894B-BB9D00F1CF33}"/>
               </a:ext>
             </a:extLst>
           </p:cNvPr>
@@ -24082,7 +24103,7 @@
   <a:extraClrSchemeLst/>
   <a:extLst>
     <a:ext uri="{05A4C25C-085E-4340-85A3-A5531E510DB2}">
-      <thm15:themeFamily xmlns:thm15="http://schemas.microsoft.com/office/thememl/2012/main" xmlns="" name="Facet" id="{C0C680CD-088A-49FC-A102-D699147F32B2}" vid="{CFBC31BA-B70F-4F30-BCAA-4F3011E16C4D}"/>
+      <thm15:themeFamily xmlns:thm15="http://schemas.microsoft.com/office/thememl/2012/main" name="Facet" id="{C0C680CD-088A-49FC-A102-D699147F32B2}" vid="{CFBC31BA-B70F-4F30-BCAA-4F3011E16C4D}"/>
     </a:ext>
   </a:extLst>
 </a:theme>
